--- a/高频代码题解示意图.pptx
+++ b/高频代码题解示意图.pptx
@@ -5,10 +5,13 @@
     <p:sldMasterId id="2147483648" r:id="rId1"/>
   </p:sldMasterIdLst>
   <p:notesMasterIdLst>
-    <p:notesMasterId r:id="rId3"/>
+    <p:notesMasterId r:id="rId6"/>
   </p:notesMasterIdLst>
   <p:sldIdLst>
     <p:sldId id="256" r:id="rId2"/>
+    <p:sldId id="257" r:id="rId3"/>
+    <p:sldId id="258" r:id="rId4"/>
+    <p:sldId id="259" r:id="rId5"/>
   </p:sldIdLst>
   <p:sldSz cx="12192000" cy="6858000"/>
   <p:notesSz cx="6858000" cy="9144000"/>
@@ -107,6 +110,11 @@
       </a:defRPr>
     </a:lvl9pPr>
   </p:defaultTextStyle>
+  <p:extLst>
+    <p:ext uri="{EFAFB233-063F-42B5-8137-9DF3F51BA10A}">
+      <p15:sldGuideLst xmlns:p15="http://schemas.microsoft.com/office/powerpoint/2012/main"/>
+    </p:ext>
+  </p:extLst>
 </p:presentation>
 </file>
 
@@ -192,7 +200,7 @@
           <a:p>
             <a:fld id="{2C9F9DDE-F0A1-491D-8D69-0A4918BBC240}" type="datetimeFigureOut">
               <a:rPr lang="zh-CN" altLang="en-US" smtClean="0"/>
-              <a:t>2021/1/17</a:t>
+              <a:t>2021/1/31</a:t>
             </a:fld>
             <a:endParaRPr lang="zh-CN" altLang="en-US"/>
           </a:p>
@@ -555,6 +563,301 @@
 </p:notes>
 </file>
 
+<file path=ppt/notesSlides/notesSlide2.xml><?xml version="1.0" encoding="utf-8"?>
+<p:notes xmlns:a="http://schemas.openxmlformats.org/drawingml/2006/main" xmlns:r="http://schemas.openxmlformats.org/officeDocument/2006/relationships" xmlns:p="http://schemas.openxmlformats.org/presentationml/2006/main">
+  <p:cSld>
+    <p:spTree>
+      <p:nvGrpSpPr>
+        <p:cNvPr id="1" name=""/>
+        <p:cNvGrpSpPr/>
+        <p:nvPr/>
+      </p:nvGrpSpPr>
+      <p:grpSpPr>
+        <a:xfrm>
+          <a:off x="0" y="0"/>
+          <a:ext cx="0" cy="0"/>
+          <a:chOff x="0" y="0"/>
+          <a:chExt cx="0" cy="0"/>
+        </a:xfrm>
+      </p:grpSpPr>
+      <p:sp>
+        <p:nvSpPr>
+          <p:cNvPr id="2" name="幻灯片图像占位符 1"/>
+          <p:cNvSpPr>
+            <a:spLocks noGrp="1" noRot="1" noChangeAspect="1"/>
+          </p:cNvSpPr>
+          <p:nvPr>
+            <p:ph type="sldImg"/>
+          </p:nvPr>
+        </p:nvSpPr>
+        <p:spPr/>
+      </p:sp>
+      <p:sp>
+        <p:nvSpPr>
+          <p:cNvPr id="3" name="备注占位符 2"/>
+          <p:cNvSpPr>
+            <a:spLocks noGrp="1"/>
+          </p:cNvSpPr>
+          <p:nvPr>
+            <p:ph type="body" idx="1"/>
+          </p:nvPr>
+        </p:nvSpPr>
+        <p:spPr/>
+        <p:txBody>
+          <a:bodyPr/>
+          <a:lstStyle/>
+          <a:p>
+            <a:r>
+              <a:rPr lang="en-US" altLang="zh-CN" dirty="0"/>
+              <a:t>JZ-33 </a:t>
+            </a:r>
+            <a:r>
+              <a:rPr lang="zh-CN" altLang="en-US" dirty="0"/>
+              <a:t>二叉搜索树的后序遍历序列 </a:t>
+            </a:r>
+            <a:r>
+              <a:rPr lang="en-US" altLang="zh-CN" dirty="0"/>
+              <a:t>– </a:t>
+            </a:r>
+            <a:r>
+              <a:rPr lang="zh-CN" altLang="en-US" dirty="0"/>
+              <a:t>单调栈</a:t>
+            </a:r>
+          </a:p>
+        </p:txBody>
+      </p:sp>
+      <p:sp>
+        <p:nvSpPr>
+          <p:cNvPr id="4" name="灯片编号占位符 3"/>
+          <p:cNvSpPr>
+            <a:spLocks noGrp="1"/>
+          </p:cNvSpPr>
+          <p:nvPr>
+            <p:ph type="sldNum" sz="quarter" idx="5"/>
+          </p:nvPr>
+        </p:nvSpPr>
+        <p:spPr/>
+        <p:txBody>
+          <a:bodyPr/>
+          <a:lstStyle/>
+          <a:p>
+            <a:fld id="{613CC393-9814-4152-B042-3E5C9AFC6D0B}" type="slidenum">
+              <a:rPr lang="zh-CN" altLang="en-US" smtClean="0"/>
+              <a:t>2</a:t>
+            </a:fld>
+            <a:endParaRPr lang="zh-CN" altLang="en-US"/>
+          </a:p>
+        </p:txBody>
+      </p:sp>
+    </p:spTree>
+    <p:extLst>
+      <p:ext uri="{BB962C8B-B14F-4D97-AF65-F5344CB8AC3E}">
+        <p14:creationId xmlns:p14="http://schemas.microsoft.com/office/powerpoint/2010/main" val="3932956805"/>
+      </p:ext>
+    </p:extLst>
+  </p:cSld>
+  <p:clrMapOvr>
+    <a:masterClrMapping/>
+  </p:clrMapOvr>
+</p:notes>
+</file>
+
+<file path=ppt/notesSlides/notesSlide3.xml><?xml version="1.0" encoding="utf-8"?>
+<p:notes xmlns:a="http://schemas.openxmlformats.org/drawingml/2006/main" xmlns:r="http://schemas.openxmlformats.org/officeDocument/2006/relationships" xmlns:p="http://schemas.openxmlformats.org/presentationml/2006/main">
+  <p:cSld>
+    <p:spTree>
+      <p:nvGrpSpPr>
+        <p:cNvPr id="1" name=""/>
+        <p:cNvGrpSpPr/>
+        <p:nvPr/>
+      </p:nvGrpSpPr>
+      <p:grpSpPr>
+        <a:xfrm>
+          <a:off x="0" y="0"/>
+          <a:ext cx="0" cy="0"/>
+          <a:chOff x="0" y="0"/>
+          <a:chExt cx="0" cy="0"/>
+        </a:xfrm>
+      </p:grpSpPr>
+      <p:sp>
+        <p:nvSpPr>
+          <p:cNvPr id="2" name="幻灯片图像占位符 1"/>
+          <p:cNvSpPr>
+            <a:spLocks noGrp="1" noRot="1" noChangeAspect="1"/>
+          </p:cNvSpPr>
+          <p:nvPr>
+            <p:ph type="sldImg"/>
+          </p:nvPr>
+        </p:nvSpPr>
+        <p:spPr/>
+      </p:sp>
+      <p:sp>
+        <p:nvSpPr>
+          <p:cNvPr id="3" name="备注占位符 2"/>
+          <p:cNvSpPr>
+            <a:spLocks noGrp="1"/>
+          </p:cNvSpPr>
+          <p:nvPr>
+            <p:ph type="body" idx="1"/>
+          </p:nvPr>
+        </p:nvSpPr>
+        <p:spPr/>
+        <p:txBody>
+          <a:bodyPr/>
+          <a:lstStyle/>
+          <a:p>
+            <a:r>
+              <a:rPr lang="en-US" altLang="zh-CN" dirty="0"/>
+              <a:t>JZ-33 </a:t>
+            </a:r>
+            <a:r>
+              <a:rPr lang="zh-CN" altLang="en-US" dirty="0"/>
+              <a:t>二叉搜索树的后序遍历序列 </a:t>
+            </a:r>
+            <a:r>
+              <a:rPr lang="en-US" altLang="zh-CN" dirty="0"/>
+              <a:t>– </a:t>
+            </a:r>
+            <a:r>
+              <a:rPr lang="zh-CN" altLang="en-US" dirty="0"/>
+              <a:t>单调栈</a:t>
+            </a:r>
+          </a:p>
+        </p:txBody>
+      </p:sp>
+      <p:sp>
+        <p:nvSpPr>
+          <p:cNvPr id="4" name="灯片编号占位符 3"/>
+          <p:cNvSpPr>
+            <a:spLocks noGrp="1"/>
+          </p:cNvSpPr>
+          <p:nvPr>
+            <p:ph type="sldNum" sz="quarter" idx="5"/>
+          </p:nvPr>
+        </p:nvSpPr>
+        <p:spPr/>
+        <p:txBody>
+          <a:bodyPr/>
+          <a:lstStyle/>
+          <a:p>
+            <a:fld id="{613CC393-9814-4152-B042-3E5C9AFC6D0B}" type="slidenum">
+              <a:rPr lang="zh-CN" altLang="en-US" smtClean="0"/>
+              <a:t>3</a:t>
+            </a:fld>
+            <a:endParaRPr lang="zh-CN" altLang="en-US"/>
+          </a:p>
+        </p:txBody>
+      </p:sp>
+    </p:spTree>
+    <p:extLst>
+      <p:ext uri="{BB962C8B-B14F-4D97-AF65-F5344CB8AC3E}">
+        <p14:creationId xmlns:p14="http://schemas.microsoft.com/office/powerpoint/2010/main" val="1064419740"/>
+      </p:ext>
+    </p:extLst>
+  </p:cSld>
+  <p:clrMapOvr>
+    <a:masterClrMapping/>
+  </p:clrMapOvr>
+</p:notes>
+</file>
+
+<file path=ppt/notesSlides/notesSlide4.xml><?xml version="1.0" encoding="utf-8"?>
+<p:notes xmlns:a="http://schemas.openxmlformats.org/drawingml/2006/main" xmlns:r="http://schemas.openxmlformats.org/officeDocument/2006/relationships" xmlns:p="http://schemas.openxmlformats.org/presentationml/2006/main">
+  <p:cSld>
+    <p:spTree>
+      <p:nvGrpSpPr>
+        <p:cNvPr id="1" name=""/>
+        <p:cNvGrpSpPr/>
+        <p:nvPr/>
+      </p:nvGrpSpPr>
+      <p:grpSpPr>
+        <a:xfrm>
+          <a:off x="0" y="0"/>
+          <a:ext cx="0" cy="0"/>
+          <a:chOff x="0" y="0"/>
+          <a:chExt cx="0" cy="0"/>
+        </a:xfrm>
+      </p:grpSpPr>
+      <p:sp>
+        <p:nvSpPr>
+          <p:cNvPr id="2" name="幻灯片图像占位符 1"/>
+          <p:cNvSpPr>
+            <a:spLocks noGrp="1" noRot="1" noChangeAspect="1"/>
+          </p:cNvSpPr>
+          <p:nvPr>
+            <p:ph type="sldImg"/>
+          </p:nvPr>
+        </p:nvSpPr>
+        <p:spPr/>
+      </p:sp>
+      <p:sp>
+        <p:nvSpPr>
+          <p:cNvPr id="3" name="备注占位符 2"/>
+          <p:cNvSpPr>
+            <a:spLocks noGrp="1"/>
+          </p:cNvSpPr>
+          <p:nvPr>
+            <p:ph type="body" idx="1"/>
+          </p:nvPr>
+        </p:nvSpPr>
+        <p:spPr/>
+        <p:txBody>
+          <a:bodyPr/>
+          <a:lstStyle/>
+          <a:p>
+            <a:r>
+              <a:rPr lang="en-US" altLang="zh-CN" dirty="0"/>
+              <a:t>1008 </a:t>
+            </a:r>
+            <a:r>
+              <a:rPr lang="zh-CN" altLang="zh-CN" sz="1800" kern="0" dirty="0">
+                <a:effectLst/>
+                <a:latin typeface="Times New Roman" panose="02020603050405020304" pitchFamily="18" charset="0"/>
+                <a:ea typeface="宋体" panose="02010600030101010101" pitchFamily="2" charset="-122"/>
+                <a:cs typeface="宋体" panose="02010600030101010101" pitchFamily="2" charset="-122"/>
+              </a:rPr>
+              <a:t>前序遍历构造二叉搜索树</a:t>
+            </a:r>
+            <a:endParaRPr lang="zh-CN" altLang="en-US" dirty="0"/>
+          </a:p>
+        </p:txBody>
+      </p:sp>
+      <p:sp>
+        <p:nvSpPr>
+          <p:cNvPr id="4" name="灯片编号占位符 3"/>
+          <p:cNvSpPr>
+            <a:spLocks noGrp="1"/>
+          </p:cNvSpPr>
+          <p:nvPr>
+            <p:ph type="sldNum" sz="quarter" idx="5"/>
+          </p:nvPr>
+        </p:nvSpPr>
+        <p:spPr/>
+        <p:txBody>
+          <a:bodyPr/>
+          <a:lstStyle/>
+          <a:p>
+            <a:fld id="{613CC393-9814-4152-B042-3E5C9AFC6D0B}" type="slidenum">
+              <a:rPr lang="zh-CN" altLang="en-US" smtClean="0"/>
+              <a:t>4</a:t>
+            </a:fld>
+            <a:endParaRPr lang="zh-CN" altLang="en-US"/>
+          </a:p>
+        </p:txBody>
+      </p:sp>
+    </p:spTree>
+    <p:extLst>
+      <p:ext uri="{BB962C8B-B14F-4D97-AF65-F5344CB8AC3E}">
+        <p14:creationId xmlns:p14="http://schemas.microsoft.com/office/powerpoint/2010/main" val="3381055116"/>
+      </p:ext>
+    </p:extLst>
+  </p:cSld>
+  <p:clrMapOvr>
+    <a:masterClrMapping/>
+  </p:clrMapOvr>
+</p:notes>
+</file>
+
 <file path=ppt/slideLayouts/slideLayout1.xml><?xml version="1.0" encoding="utf-8"?>
 <p:sldLayout xmlns:a="http://schemas.openxmlformats.org/drawingml/2006/main" xmlns:r="http://schemas.openxmlformats.org/officeDocument/2006/relationships" xmlns:p="http://schemas.openxmlformats.org/presentationml/2006/main" type="title" preserve="1">
   <p:cSld name="标题幻灯片">
@@ -702,7 +1005,7 @@
           <a:p>
             <a:fld id="{BC9E8338-0904-49E6-9B4B-343D8E3BC7C9}" type="datetimeFigureOut">
               <a:rPr lang="zh-CN" altLang="en-US" smtClean="0"/>
-              <a:t>2021/1/17</a:t>
+              <a:t>2021/1/31</a:t>
             </a:fld>
             <a:endParaRPr lang="zh-CN" altLang="en-US"/>
           </a:p>
@@ -900,7 +1203,7 @@
           <a:p>
             <a:fld id="{BC9E8338-0904-49E6-9B4B-343D8E3BC7C9}" type="datetimeFigureOut">
               <a:rPr lang="zh-CN" altLang="en-US" smtClean="0"/>
-              <a:t>2021/1/17</a:t>
+              <a:t>2021/1/31</a:t>
             </a:fld>
             <a:endParaRPr lang="zh-CN" altLang="en-US"/>
           </a:p>
@@ -1108,7 +1411,7 @@
           <a:p>
             <a:fld id="{BC9E8338-0904-49E6-9B4B-343D8E3BC7C9}" type="datetimeFigureOut">
               <a:rPr lang="zh-CN" altLang="en-US" smtClean="0"/>
-              <a:t>2021/1/17</a:t>
+              <a:t>2021/1/31</a:t>
             </a:fld>
             <a:endParaRPr lang="zh-CN" altLang="en-US"/>
           </a:p>
@@ -1306,7 +1609,7 @@
           <a:p>
             <a:fld id="{BC9E8338-0904-49E6-9B4B-343D8E3BC7C9}" type="datetimeFigureOut">
               <a:rPr lang="zh-CN" altLang="en-US" smtClean="0"/>
-              <a:t>2021/1/17</a:t>
+              <a:t>2021/1/31</a:t>
             </a:fld>
             <a:endParaRPr lang="zh-CN" altLang="en-US"/>
           </a:p>
@@ -1581,7 +1884,7 @@
           <a:p>
             <a:fld id="{BC9E8338-0904-49E6-9B4B-343D8E3BC7C9}" type="datetimeFigureOut">
               <a:rPr lang="zh-CN" altLang="en-US" smtClean="0"/>
-              <a:t>2021/1/17</a:t>
+              <a:t>2021/1/31</a:t>
             </a:fld>
             <a:endParaRPr lang="zh-CN" altLang="en-US"/>
           </a:p>
@@ -1846,7 +2149,7 @@
           <a:p>
             <a:fld id="{BC9E8338-0904-49E6-9B4B-343D8E3BC7C9}" type="datetimeFigureOut">
               <a:rPr lang="zh-CN" altLang="en-US" smtClean="0"/>
-              <a:t>2021/1/17</a:t>
+              <a:t>2021/1/31</a:t>
             </a:fld>
             <a:endParaRPr lang="zh-CN" altLang="en-US"/>
           </a:p>
@@ -2258,7 +2561,7 @@
           <a:p>
             <a:fld id="{BC9E8338-0904-49E6-9B4B-343D8E3BC7C9}" type="datetimeFigureOut">
               <a:rPr lang="zh-CN" altLang="en-US" smtClean="0"/>
-              <a:t>2021/1/17</a:t>
+              <a:t>2021/1/31</a:t>
             </a:fld>
             <a:endParaRPr lang="zh-CN" altLang="en-US"/>
           </a:p>
@@ -2399,7 +2702,7 @@
           <a:p>
             <a:fld id="{BC9E8338-0904-49E6-9B4B-343D8E3BC7C9}" type="datetimeFigureOut">
               <a:rPr lang="zh-CN" altLang="en-US" smtClean="0"/>
-              <a:t>2021/1/17</a:t>
+              <a:t>2021/1/31</a:t>
             </a:fld>
             <a:endParaRPr lang="zh-CN" altLang="en-US"/>
           </a:p>
@@ -2512,7 +2815,7 @@
           <a:p>
             <a:fld id="{BC9E8338-0904-49E6-9B4B-343D8E3BC7C9}" type="datetimeFigureOut">
               <a:rPr lang="zh-CN" altLang="en-US" smtClean="0"/>
-              <a:t>2021/1/17</a:t>
+              <a:t>2021/1/31</a:t>
             </a:fld>
             <a:endParaRPr lang="zh-CN" altLang="en-US"/>
           </a:p>
@@ -2823,7 +3126,7 @@
           <a:p>
             <a:fld id="{BC9E8338-0904-49E6-9B4B-343D8E3BC7C9}" type="datetimeFigureOut">
               <a:rPr lang="zh-CN" altLang="en-US" smtClean="0"/>
-              <a:t>2021/1/17</a:t>
+              <a:t>2021/1/31</a:t>
             </a:fld>
             <a:endParaRPr lang="zh-CN" altLang="en-US"/>
           </a:p>
@@ -3111,7 +3414,7 @@
           <a:p>
             <a:fld id="{BC9E8338-0904-49E6-9B4B-343D8E3BC7C9}" type="datetimeFigureOut">
               <a:rPr lang="zh-CN" altLang="en-US" smtClean="0"/>
-              <a:t>2021/1/17</a:t>
+              <a:t>2021/1/31</a:t>
             </a:fld>
             <a:endParaRPr lang="zh-CN" altLang="en-US"/>
           </a:p>
@@ -3352,7 +3655,7 @@
           <a:p>
             <a:fld id="{BC9E8338-0904-49E6-9B4B-343D8E3BC7C9}" type="datetimeFigureOut">
               <a:rPr lang="zh-CN" altLang="en-US" smtClean="0"/>
-              <a:t>2021/1/17</a:t>
+              <a:t>2021/1/31</a:t>
             </a:fld>
             <a:endParaRPr lang="zh-CN" altLang="en-US"/>
           </a:p>
@@ -4629,6 +4932,6711 @@
     <p:extLst>
       <p:ext uri="{BB962C8B-B14F-4D97-AF65-F5344CB8AC3E}">
         <p14:creationId xmlns:p14="http://schemas.microsoft.com/office/powerpoint/2010/main" val="642237081"/>
+      </p:ext>
+    </p:extLst>
+  </p:cSld>
+  <p:clrMapOvr>
+    <a:masterClrMapping/>
+  </p:clrMapOvr>
+</p:sld>
+</file>
+
+<file path=ppt/slides/slide2.xml><?xml version="1.0" encoding="utf-8"?>
+<p:sld xmlns:a="http://schemas.openxmlformats.org/drawingml/2006/main" xmlns:r="http://schemas.openxmlformats.org/officeDocument/2006/relationships" xmlns:p="http://schemas.openxmlformats.org/presentationml/2006/main">
+  <p:cSld>
+    <p:spTree>
+      <p:nvGrpSpPr>
+        <p:cNvPr id="1" name=""/>
+        <p:cNvGrpSpPr/>
+        <p:nvPr/>
+      </p:nvGrpSpPr>
+      <p:grpSpPr>
+        <a:xfrm>
+          <a:off x="0" y="0"/>
+          <a:ext cx="0" cy="0"/>
+          <a:chOff x="0" y="0"/>
+          <a:chExt cx="0" cy="0"/>
+        </a:xfrm>
+      </p:grpSpPr>
+      <p:graphicFrame>
+        <p:nvGraphicFramePr>
+          <p:cNvPr id="4" name="表格 4">
+            <a:extLst>
+              <a:ext uri="{FF2B5EF4-FFF2-40B4-BE49-F238E27FC236}">
+                <a16:creationId xmlns:a16="http://schemas.microsoft.com/office/drawing/2014/main" id="{3C419DC6-31CB-4ADF-BF66-C5F3CF8513AB}"/>
+              </a:ext>
+            </a:extLst>
+          </p:cNvPr>
+          <p:cNvGraphicFramePr>
+            <a:graphicFrameLocks noGrp="1"/>
+          </p:cNvGraphicFramePr>
+          <p:nvPr>
+            <p:extLst>
+              <p:ext uri="{D42A27DB-BD31-4B8C-83A1-F6EECF244321}">
+                <p14:modId xmlns:p14="http://schemas.microsoft.com/office/powerpoint/2010/main" val="421212417"/>
+              </p:ext>
+            </p:extLst>
+          </p:nvPr>
+        </p:nvGraphicFramePr>
+        <p:xfrm>
+          <a:off x="606056" y="1635760"/>
+          <a:ext cx="4434228" cy="4401315"/>
+        </p:xfrm>
+        <a:graphic>
+          <a:graphicData uri="http://schemas.openxmlformats.org/drawingml/2006/table">
+            <a:tbl>
+              <a:tblPr firstRow="1" bandRow="1">
+                <a:tableStyleId>{5940675A-B579-460E-94D1-54222C63F5DA}</a:tableStyleId>
+              </a:tblPr>
+              <a:tblGrid>
+                <a:gridCol w="825114">
+                  <a:extLst>
+                    <a:ext uri="{9D8B030D-6E8A-4147-A177-3AD203B41FA5}">
+                      <a16:colId xmlns:a16="http://schemas.microsoft.com/office/drawing/2014/main" val="3542528142"/>
+                    </a:ext>
+                  </a:extLst>
+                </a:gridCol>
+                <a:gridCol w="601519">
+                  <a:extLst>
+                    <a:ext uri="{9D8B030D-6E8A-4147-A177-3AD203B41FA5}">
+                      <a16:colId xmlns:a16="http://schemas.microsoft.com/office/drawing/2014/main" val="1320304444"/>
+                    </a:ext>
+                  </a:extLst>
+                </a:gridCol>
+                <a:gridCol w="601519">
+                  <a:extLst>
+                    <a:ext uri="{9D8B030D-6E8A-4147-A177-3AD203B41FA5}">
+                      <a16:colId xmlns:a16="http://schemas.microsoft.com/office/drawing/2014/main" val="1992927471"/>
+                    </a:ext>
+                  </a:extLst>
+                </a:gridCol>
+                <a:gridCol w="601519">
+                  <a:extLst>
+                    <a:ext uri="{9D8B030D-6E8A-4147-A177-3AD203B41FA5}">
+                      <a16:colId xmlns:a16="http://schemas.microsoft.com/office/drawing/2014/main" val="2926391739"/>
+                    </a:ext>
+                  </a:extLst>
+                </a:gridCol>
+                <a:gridCol w="601519">
+                  <a:extLst>
+                    <a:ext uri="{9D8B030D-6E8A-4147-A177-3AD203B41FA5}">
+                      <a16:colId xmlns:a16="http://schemas.microsoft.com/office/drawing/2014/main" val="931456574"/>
+                    </a:ext>
+                  </a:extLst>
+                </a:gridCol>
+                <a:gridCol w="601519">
+                  <a:extLst>
+                    <a:ext uri="{9D8B030D-6E8A-4147-A177-3AD203B41FA5}">
+                      <a16:colId xmlns:a16="http://schemas.microsoft.com/office/drawing/2014/main" val="3806504017"/>
+                    </a:ext>
+                  </a:extLst>
+                </a:gridCol>
+                <a:gridCol w="601519">
+                  <a:extLst>
+                    <a:ext uri="{9D8B030D-6E8A-4147-A177-3AD203B41FA5}">
+                      <a16:colId xmlns:a16="http://schemas.microsoft.com/office/drawing/2014/main" val="153261783"/>
+                    </a:ext>
+                  </a:extLst>
+                </a:gridCol>
+              </a:tblGrid>
+              <a:tr h="489035">
+                <a:tc>
+                  <a:txBody>
+                    <a:bodyPr/>
+                    <a:lstStyle/>
+                    <a:p>
+                      <a:pPr algn="r"/>
+                      <a:r>
+                        <a:rPr lang="zh-CN" altLang="en-US" baseline="0" dirty="0">
+                          <a:latin typeface="Times New Roman" panose="02020603050405020304" pitchFamily="18" charset="0"/>
+                          <a:ea typeface="宋体" panose="02010600030101010101" pitchFamily="2" charset="-122"/>
+                          <a:cs typeface="Times New Roman" panose="02020603050405020304" pitchFamily="18" charset="0"/>
+                        </a:rPr>
+                        <a:t>递减数</a:t>
+                      </a:r>
+                    </a:p>
+                  </a:txBody>
+                  <a:tcPr marL="0" anchor="ctr">
+                    <a:lnL w="12700" cmpd="sng">
+                      <a:noFill/>
+                    </a:lnL>
+                    <a:lnR w="12700" cap="flat" cmpd="sng" algn="ctr">
+                      <a:solidFill>
+                        <a:schemeClr val="tx1"/>
+                      </a:solidFill>
+                      <a:prstDash val="solid"/>
+                      <a:round/>
+                      <a:headEnd type="none" w="med" len="med"/>
+                      <a:tailEnd type="none" w="med" len="med"/>
+                    </a:lnR>
+                    <a:lnT w="12700" cmpd="sng">
+                      <a:noFill/>
+                    </a:lnT>
+                    <a:lnB w="28575" cap="flat" cmpd="sng" algn="ctr">
+                      <a:solidFill>
+                        <a:schemeClr val="tx1"/>
+                      </a:solidFill>
+                      <a:prstDash val="solid"/>
+                      <a:round/>
+                      <a:headEnd type="none" w="med" len="med"/>
+                      <a:tailEnd type="none" w="med" len="med"/>
+                    </a:lnB>
+                    <a:lnTlToBr w="12700" cmpd="sng">
+                      <a:noFill/>
+                      <a:prstDash val="solid"/>
+                    </a:lnTlToBr>
+                    <a:lnBlToTr w="12700" cmpd="sng">
+                      <a:noFill/>
+                      <a:prstDash val="solid"/>
+                    </a:lnBlToTr>
+                  </a:tcPr>
+                </a:tc>
+                <a:tc>
+                  <a:txBody>
+                    <a:bodyPr/>
+                    <a:lstStyle/>
+                    <a:p>
+                      <a:pPr algn="ctr"/>
+                      <a:endParaRPr lang="zh-CN" altLang="en-US" baseline="0" dirty="0">
+                        <a:latin typeface="Times New Roman" panose="02020603050405020304" pitchFamily="18" charset="0"/>
+                        <a:ea typeface="宋体" panose="02010600030101010101" pitchFamily="2" charset="-122"/>
+                        <a:cs typeface="Times New Roman" panose="02020603050405020304" pitchFamily="18" charset="0"/>
+                      </a:endParaRPr>
+                    </a:p>
+                  </a:txBody>
+                  <a:tcPr anchor="ctr">
+                    <a:lnL w="12700" cap="flat" cmpd="sng" algn="ctr">
+                      <a:solidFill>
+                        <a:schemeClr val="tx1"/>
+                      </a:solidFill>
+                      <a:prstDash val="solid"/>
+                      <a:round/>
+                      <a:headEnd type="none" w="med" len="med"/>
+                      <a:tailEnd type="none" w="med" len="med"/>
+                    </a:lnL>
+                    <a:lnR w="12700" cap="flat" cmpd="sng" algn="ctr">
+                      <a:solidFill>
+                        <a:schemeClr val="tx1"/>
+                      </a:solidFill>
+                      <a:prstDash val="solid"/>
+                      <a:round/>
+                      <a:headEnd type="none" w="med" len="med"/>
+                      <a:tailEnd type="none" w="med" len="med"/>
+                    </a:lnR>
+                    <a:lnB w="28575" cap="flat" cmpd="sng" algn="ctr">
+                      <a:solidFill>
+                        <a:schemeClr val="tx1"/>
+                      </a:solidFill>
+                      <a:prstDash val="solid"/>
+                      <a:round/>
+                      <a:headEnd type="none" w="med" len="med"/>
+                      <a:tailEnd type="none" w="med" len="med"/>
+                    </a:lnB>
+                  </a:tcPr>
+                </a:tc>
+                <a:tc>
+                  <a:txBody>
+                    <a:bodyPr/>
+                    <a:lstStyle/>
+                    <a:p>
+                      <a:pPr algn="ctr"/>
+                      <a:endParaRPr lang="zh-CN" altLang="en-US" baseline="0" dirty="0">
+                        <a:latin typeface="Times New Roman" panose="02020603050405020304" pitchFamily="18" charset="0"/>
+                        <a:ea typeface="宋体" panose="02010600030101010101" pitchFamily="2" charset="-122"/>
+                        <a:cs typeface="Times New Roman" panose="02020603050405020304" pitchFamily="18" charset="0"/>
+                      </a:endParaRPr>
+                    </a:p>
+                  </a:txBody>
+                  <a:tcPr anchor="ctr">
+                    <a:lnL w="12700" cap="flat" cmpd="sng" algn="ctr">
+                      <a:solidFill>
+                        <a:schemeClr val="tx1"/>
+                      </a:solidFill>
+                      <a:prstDash val="solid"/>
+                      <a:round/>
+                      <a:headEnd type="none" w="med" len="med"/>
+                      <a:tailEnd type="none" w="med" len="med"/>
+                    </a:lnL>
+                    <a:lnB w="28575" cap="flat" cmpd="sng" algn="ctr">
+                      <a:solidFill>
+                        <a:schemeClr val="tx1"/>
+                      </a:solidFill>
+                      <a:prstDash val="solid"/>
+                      <a:round/>
+                      <a:headEnd type="none" w="med" len="med"/>
+                      <a:tailEnd type="none" w="med" len="med"/>
+                    </a:lnB>
+                  </a:tcPr>
+                </a:tc>
+                <a:tc>
+                  <a:txBody>
+                    <a:bodyPr/>
+                    <a:lstStyle/>
+                    <a:p>
+                      <a:pPr algn="ctr"/>
+                      <a:r>
+                        <a:rPr lang="en-US" altLang="zh-CN" baseline="0" dirty="0">
+                          <a:solidFill>
+                            <a:schemeClr val="accent4">
+                              <a:lumMod val="75000"/>
+                            </a:schemeClr>
+                          </a:solidFill>
+                          <a:latin typeface="Times New Roman" panose="02020603050405020304" pitchFamily="18" charset="0"/>
+                          <a:ea typeface="宋体" panose="02010600030101010101" pitchFamily="2" charset="-122"/>
+                          <a:cs typeface="Times New Roman" panose="02020603050405020304" pitchFamily="18" charset="0"/>
+                        </a:rPr>
+                        <a:t>11</a:t>
+                      </a:r>
+                      <a:endParaRPr lang="zh-CN" altLang="en-US" baseline="0" dirty="0">
+                        <a:solidFill>
+                          <a:schemeClr val="accent4">
+                            <a:lumMod val="75000"/>
+                          </a:schemeClr>
+                        </a:solidFill>
+                        <a:latin typeface="Times New Roman" panose="02020603050405020304" pitchFamily="18" charset="0"/>
+                        <a:ea typeface="宋体" panose="02010600030101010101" pitchFamily="2" charset="-122"/>
+                        <a:cs typeface="Times New Roman" panose="02020603050405020304" pitchFamily="18" charset="0"/>
+                      </a:endParaRPr>
+                    </a:p>
+                  </a:txBody>
+                  <a:tcPr anchor="ctr">
+                    <a:lnB w="28575" cap="flat" cmpd="sng" algn="ctr">
+                      <a:solidFill>
+                        <a:schemeClr val="tx1"/>
+                      </a:solidFill>
+                      <a:prstDash val="solid"/>
+                      <a:round/>
+                      <a:headEnd type="none" w="med" len="med"/>
+                      <a:tailEnd type="none" w="med" len="med"/>
+                    </a:lnB>
+                  </a:tcPr>
+                </a:tc>
+                <a:tc>
+                  <a:txBody>
+                    <a:bodyPr/>
+                    <a:lstStyle/>
+                    <a:p>
+                      <a:pPr algn="ctr"/>
+                      <a:r>
+                        <a:rPr lang="en-US" altLang="zh-CN" baseline="0" dirty="0">
+                          <a:solidFill>
+                            <a:schemeClr val="accent4">
+                              <a:lumMod val="75000"/>
+                            </a:schemeClr>
+                          </a:solidFill>
+                          <a:latin typeface="Times New Roman" panose="02020603050405020304" pitchFamily="18" charset="0"/>
+                          <a:ea typeface="宋体" panose="02010600030101010101" pitchFamily="2" charset="-122"/>
+                          <a:cs typeface="Times New Roman" panose="02020603050405020304" pitchFamily="18" charset="0"/>
+                        </a:rPr>
+                        <a:t>8</a:t>
+                      </a:r>
+                      <a:endParaRPr lang="zh-CN" altLang="en-US" baseline="0" dirty="0">
+                        <a:solidFill>
+                          <a:schemeClr val="accent4">
+                            <a:lumMod val="75000"/>
+                          </a:schemeClr>
+                        </a:solidFill>
+                        <a:latin typeface="Times New Roman" panose="02020603050405020304" pitchFamily="18" charset="0"/>
+                        <a:ea typeface="宋体" panose="02010600030101010101" pitchFamily="2" charset="-122"/>
+                        <a:cs typeface="Times New Roman" panose="02020603050405020304" pitchFamily="18" charset="0"/>
+                      </a:endParaRPr>
+                    </a:p>
+                  </a:txBody>
+                  <a:tcPr anchor="ctr">
+                    <a:lnB w="28575" cap="flat" cmpd="sng" algn="ctr">
+                      <a:solidFill>
+                        <a:schemeClr val="tx1"/>
+                      </a:solidFill>
+                      <a:prstDash val="solid"/>
+                      <a:round/>
+                      <a:headEnd type="none" w="med" len="med"/>
+                      <a:tailEnd type="none" w="med" len="med"/>
+                    </a:lnB>
+                  </a:tcPr>
+                </a:tc>
+                <a:tc>
+                  <a:txBody>
+                    <a:bodyPr/>
+                    <a:lstStyle/>
+                    <a:p>
+                      <a:pPr algn="ctr"/>
+                      <a:r>
+                        <a:rPr lang="en-US" altLang="zh-CN" baseline="0" dirty="0">
+                          <a:solidFill>
+                            <a:schemeClr val="accent4">
+                              <a:lumMod val="75000"/>
+                            </a:schemeClr>
+                          </a:solidFill>
+                          <a:latin typeface="Times New Roman" panose="02020603050405020304" pitchFamily="18" charset="0"/>
+                          <a:ea typeface="宋体" panose="02010600030101010101" pitchFamily="2" charset="-122"/>
+                          <a:cs typeface="Times New Roman" panose="02020603050405020304" pitchFamily="18" charset="0"/>
+                        </a:rPr>
+                        <a:t>5</a:t>
+                      </a:r>
+                      <a:endParaRPr lang="zh-CN" altLang="en-US" baseline="0" dirty="0">
+                        <a:solidFill>
+                          <a:schemeClr val="accent4">
+                            <a:lumMod val="75000"/>
+                          </a:schemeClr>
+                        </a:solidFill>
+                        <a:latin typeface="Times New Roman" panose="02020603050405020304" pitchFamily="18" charset="0"/>
+                        <a:ea typeface="宋体" panose="02010600030101010101" pitchFamily="2" charset="-122"/>
+                        <a:cs typeface="Times New Roman" panose="02020603050405020304" pitchFamily="18" charset="0"/>
+                      </a:endParaRPr>
+                    </a:p>
+                  </a:txBody>
+                  <a:tcPr anchor="ctr">
+                    <a:lnB w="28575" cap="flat" cmpd="sng" algn="ctr">
+                      <a:solidFill>
+                        <a:schemeClr val="tx1"/>
+                      </a:solidFill>
+                      <a:prstDash val="solid"/>
+                      <a:round/>
+                      <a:headEnd type="none" w="med" len="med"/>
+                      <a:tailEnd type="none" w="med" len="med"/>
+                    </a:lnB>
+                  </a:tcPr>
+                </a:tc>
+                <a:tc>
+                  <a:txBody>
+                    <a:bodyPr/>
+                    <a:lstStyle/>
+                    <a:p>
+                      <a:pPr algn="ctr"/>
+                      <a:r>
+                        <a:rPr lang="en-US" altLang="zh-CN" baseline="0" dirty="0">
+                          <a:solidFill>
+                            <a:schemeClr val="accent4">
+                              <a:lumMod val="75000"/>
+                            </a:schemeClr>
+                          </a:solidFill>
+                          <a:latin typeface="Times New Roman" panose="02020603050405020304" pitchFamily="18" charset="0"/>
+                          <a:ea typeface="宋体" panose="02010600030101010101" pitchFamily="2" charset="-122"/>
+                          <a:cs typeface="Times New Roman" panose="02020603050405020304" pitchFamily="18" charset="0"/>
+                        </a:rPr>
+                        <a:t>3</a:t>
+                      </a:r>
+                      <a:endParaRPr lang="zh-CN" altLang="en-US" baseline="0" dirty="0">
+                        <a:solidFill>
+                          <a:schemeClr val="accent4">
+                            <a:lumMod val="75000"/>
+                          </a:schemeClr>
+                        </a:solidFill>
+                        <a:latin typeface="Times New Roman" panose="02020603050405020304" pitchFamily="18" charset="0"/>
+                        <a:ea typeface="宋体" panose="02010600030101010101" pitchFamily="2" charset="-122"/>
+                        <a:cs typeface="Times New Roman" panose="02020603050405020304" pitchFamily="18" charset="0"/>
+                      </a:endParaRPr>
+                    </a:p>
+                  </a:txBody>
+                  <a:tcPr anchor="ctr">
+                    <a:lnB w="28575" cap="flat" cmpd="sng" algn="ctr">
+                      <a:solidFill>
+                        <a:schemeClr val="tx1"/>
+                      </a:solidFill>
+                      <a:prstDash val="solid"/>
+                      <a:round/>
+                      <a:headEnd type="none" w="med" len="med"/>
+                      <a:tailEnd type="none" w="med" len="med"/>
+                    </a:lnB>
+                  </a:tcPr>
+                </a:tc>
+                <a:extLst>
+                  <a:ext uri="{0D108BD9-81ED-4DB2-BD59-A6C34878D82A}">
+                    <a16:rowId xmlns:a16="http://schemas.microsoft.com/office/drawing/2014/main" val="4013840662"/>
+                  </a:ext>
+                </a:extLst>
+              </a:tr>
+              <a:tr h="489035">
+                <a:tc>
+                  <a:txBody>
+                    <a:bodyPr/>
+                    <a:lstStyle/>
+                    <a:p>
+                      <a:endParaRPr lang="zh-CN" altLang="en-US" baseline="0" dirty="0">
+                        <a:latin typeface="Times New Roman" panose="02020603050405020304" pitchFamily="18" charset="0"/>
+                        <a:ea typeface="宋体" panose="02010600030101010101" pitchFamily="2" charset="-122"/>
+                        <a:cs typeface="Times New Roman" panose="02020603050405020304" pitchFamily="18" charset="0"/>
+                      </a:endParaRPr>
+                    </a:p>
+                  </a:txBody>
+                  <a:tcPr>
+                    <a:lnL w="12700" cmpd="sng">
+                      <a:noFill/>
+                    </a:lnL>
+                    <a:lnR w="12700" cap="flat" cmpd="sng" algn="ctr">
+                      <a:solidFill>
+                        <a:schemeClr val="tx1"/>
+                      </a:solidFill>
+                      <a:prstDash val="solid"/>
+                      <a:round/>
+                      <a:headEnd type="none" w="med" len="med"/>
+                      <a:tailEnd type="none" w="med" len="med"/>
+                    </a:lnR>
+                    <a:lnT w="28575" cap="flat" cmpd="sng" algn="ctr">
+                      <a:solidFill>
+                        <a:schemeClr val="tx1"/>
+                      </a:solidFill>
+                      <a:prstDash val="solid"/>
+                      <a:round/>
+                      <a:headEnd type="none" w="med" len="med"/>
+                      <a:tailEnd type="none" w="med" len="med"/>
+                    </a:lnT>
+                    <a:lnB w="12700" cmpd="sng">
+                      <a:noFill/>
+                    </a:lnB>
+                    <a:lnTlToBr w="12700" cmpd="sng">
+                      <a:noFill/>
+                      <a:prstDash val="solid"/>
+                    </a:lnTlToBr>
+                    <a:lnBlToTr w="12700" cmpd="sng">
+                      <a:noFill/>
+                      <a:prstDash val="solid"/>
+                    </a:lnBlToTr>
+                  </a:tcPr>
+                </a:tc>
+                <a:tc>
+                  <a:txBody>
+                    <a:bodyPr/>
+                    <a:lstStyle/>
+                    <a:p>
+                      <a:pPr algn="ctr"/>
+                      <a:endParaRPr lang="zh-CN" altLang="en-US" baseline="0" dirty="0">
+                        <a:latin typeface="Times New Roman" panose="02020603050405020304" pitchFamily="18" charset="0"/>
+                        <a:ea typeface="宋体" panose="02010600030101010101" pitchFamily="2" charset="-122"/>
+                        <a:cs typeface="Times New Roman" panose="02020603050405020304" pitchFamily="18" charset="0"/>
+                      </a:endParaRPr>
+                    </a:p>
+                  </a:txBody>
+                  <a:tcPr anchor="ctr">
+                    <a:lnL w="12700" cap="flat" cmpd="sng" algn="ctr">
+                      <a:solidFill>
+                        <a:schemeClr val="tx1"/>
+                      </a:solidFill>
+                      <a:prstDash val="solid"/>
+                      <a:round/>
+                      <a:headEnd type="none" w="med" len="med"/>
+                      <a:tailEnd type="none" w="med" len="med"/>
+                    </a:lnL>
+                    <a:lnR w="12700" cap="flat" cmpd="sng" algn="ctr">
+                      <a:solidFill>
+                        <a:schemeClr val="tx1"/>
+                      </a:solidFill>
+                      <a:prstDash val="solid"/>
+                      <a:round/>
+                      <a:headEnd type="none" w="med" len="med"/>
+                      <a:tailEnd type="none" w="med" len="med"/>
+                    </a:lnR>
+                    <a:lnT w="28575" cap="flat" cmpd="sng" algn="ctr">
+                      <a:solidFill>
+                        <a:schemeClr val="tx1"/>
+                      </a:solidFill>
+                      <a:prstDash val="solid"/>
+                      <a:round/>
+                      <a:headEnd type="none" w="med" len="med"/>
+                      <a:tailEnd type="none" w="med" len="med"/>
+                    </a:lnT>
+                  </a:tcPr>
+                </a:tc>
+                <a:tc>
+                  <a:txBody>
+                    <a:bodyPr/>
+                    <a:lstStyle/>
+                    <a:p>
+                      <a:pPr algn="ctr"/>
+                      <a:endParaRPr lang="zh-CN" altLang="en-US" baseline="0" dirty="0">
+                        <a:latin typeface="Times New Roman" panose="02020603050405020304" pitchFamily="18" charset="0"/>
+                        <a:ea typeface="宋体" panose="02010600030101010101" pitchFamily="2" charset="-122"/>
+                        <a:cs typeface="Times New Roman" panose="02020603050405020304" pitchFamily="18" charset="0"/>
+                      </a:endParaRPr>
+                    </a:p>
+                  </a:txBody>
+                  <a:tcPr anchor="ctr">
+                    <a:lnL w="12700" cap="flat" cmpd="sng" algn="ctr">
+                      <a:solidFill>
+                        <a:schemeClr val="tx1"/>
+                      </a:solidFill>
+                      <a:prstDash val="solid"/>
+                      <a:round/>
+                      <a:headEnd type="none" w="med" len="med"/>
+                      <a:tailEnd type="none" w="med" len="med"/>
+                    </a:lnL>
+                    <a:lnT w="28575" cap="flat" cmpd="sng" algn="ctr">
+                      <a:solidFill>
+                        <a:schemeClr val="tx1"/>
+                      </a:solidFill>
+                      <a:prstDash val="solid"/>
+                      <a:round/>
+                      <a:headEnd type="none" w="med" len="med"/>
+                      <a:tailEnd type="none" w="med" len="med"/>
+                    </a:lnT>
+                  </a:tcPr>
+                </a:tc>
+                <a:tc>
+                  <a:txBody>
+                    <a:bodyPr/>
+                    <a:lstStyle/>
+                    <a:p>
+                      <a:pPr algn="ctr"/>
+                      <a:endParaRPr lang="zh-CN" altLang="en-US" baseline="0" dirty="0">
+                        <a:latin typeface="Times New Roman" panose="02020603050405020304" pitchFamily="18" charset="0"/>
+                        <a:ea typeface="宋体" panose="02010600030101010101" pitchFamily="2" charset="-122"/>
+                        <a:cs typeface="Times New Roman" panose="02020603050405020304" pitchFamily="18" charset="0"/>
+                      </a:endParaRPr>
+                    </a:p>
+                  </a:txBody>
+                  <a:tcPr anchor="ctr">
+                    <a:lnT w="28575" cap="flat" cmpd="sng" algn="ctr">
+                      <a:solidFill>
+                        <a:schemeClr val="tx1"/>
+                      </a:solidFill>
+                      <a:prstDash val="solid"/>
+                      <a:round/>
+                      <a:headEnd type="none" w="med" len="med"/>
+                      <a:tailEnd type="none" w="med" len="med"/>
+                    </a:lnT>
+                  </a:tcPr>
+                </a:tc>
+                <a:tc>
+                  <a:txBody>
+                    <a:bodyPr/>
+                    <a:lstStyle/>
+                    <a:p>
+                      <a:pPr algn="ctr"/>
+                      <a:endParaRPr lang="zh-CN" altLang="en-US" baseline="0" dirty="0">
+                        <a:latin typeface="Times New Roman" panose="02020603050405020304" pitchFamily="18" charset="0"/>
+                        <a:ea typeface="宋体" panose="02010600030101010101" pitchFamily="2" charset="-122"/>
+                        <a:cs typeface="Times New Roman" panose="02020603050405020304" pitchFamily="18" charset="0"/>
+                      </a:endParaRPr>
+                    </a:p>
+                  </a:txBody>
+                  <a:tcPr anchor="ctr">
+                    <a:lnT w="28575" cap="flat" cmpd="sng" algn="ctr">
+                      <a:solidFill>
+                        <a:schemeClr val="tx1"/>
+                      </a:solidFill>
+                      <a:prstDash val="solid"/>
+                      <a:round/>
+                      <a:headEnd type="none" w="med" len="med"/>
+                      <a:tailEnd type="none" w="med" len="med"/>
+                    </a:lnT>
+                  </a:tcPr>
+                </a:tc>
+                <a:tc>
+                  <a:txBody>
+                    <a:bodyPr/>
+                    <a:lstStyle/>
+                    <a:p>
+                      <a:pPr algn="ctr"/>
+                      <a:endParaRPr lang="zh-CN" altLang="en-US" baseline="0" dirty="0">
+                        <a:latin typeface="Times New Roman" panose="02020603050405020304" pitchFamily="18" charset="0"/>
+                        <a:ea typeface="宋体" panose="02010600030101010101" pitchFamily="2" charset="-122"/>
+                        <a:cs typeface="Times New Roman" panose="02020603050405020304" pitchFamily="18" charset="0"/>
+                      </a:endParaRPr>
+                    </a:p>
+                  </a:txBody>
+                  <a:tcPr anchor="ctr">
+                    <a:lnT w="28575" cap="flat" cmpd="sng" algn="ctr">
+                      <a:solidFill>
+                        <a:schemeClr val="tx1"/>
+                      </a:solidFill>
+                      <a:prstDash val="solid"/>
+                      <a:round/>
+                      <a:headEnd type="none" w="med" len="med"/>
+                      <a:tailEnd type="none" w="med" len="med"/>
+                    </a:lnT>
+                  </a:tcPr>
+                </a:tc>
+                <a:tc>
+                  <a:txBody>
+                    <a:bodyPr/>
+                    <a:lstStyle/>
+                    <a:p>
+                      <a:pPr algn="ctr"/>
+                      <a:endParaRPr lang="zh-CN" altLang="en-US" baseline="0" dirty="0">
+                        <a:latin typeface="Times New Roman" panose="02020603050405020304" pitchFamily="18" charset="0"/>
+                        <a:ea typeface="宋体" panose="02010600030101010101" pitchFamily="2" charset="-122"/>
+                        <a:cs typeface="Times New Roman" panose="02020603050405020304" pitchFamily="18" charset="0"/>
+                      </a:endParaRPr>
+                    </a:p>
+                  </a:txBody>
+                  <a:tcPr anchor="ctr">
+                    <a:lnT w="28575" cap="flat" cmpd="sng" algn="ctr">
+                      <a:solidFill>
+                        <a:schemeClr val="tx1"/>
+                      </a:solidFill>
+                      <a:prstDash val="solid"/>
+                      <a:round/>
+                      <a:headEnd type="none" w="med" len="med"/>
+                      <a:tailEnd type="none" w="med" len="med"/>
+                    </a:lnT>
+                  </a:tcPr>
+                </a:tc>
+                <a:extLst>
+                  <a:ext uri="{0D108BD9-81ED-4DB2-BD59-A6C34878D82A}">
+                    <a16:rowId xmlns:a16="http://schemas.microsoft.com/office/drawing/2014/main" val="3753413523"/>
+                  </a:ext>
+                </a:extLst>
+              </a:tr>
+              <a:tr h="489035">
+                <a:tc>
+                  <a:txBody>
+                    <a:bodyPr/>
+                    <a:lstStyle/>
+                    <a:p>
+                      <a:endParaRPr lang="zh-CN" altLang="en-US" baseline="0" dirty="0">
+                        <a:latin typeface="Times New Roman" panose="02020603050405020304" pitchFamily="18" charset="0"/>
+                        <a:ea typeface="宋体" panose="02010600030101010101" pitchFamily="2" charset="-122"/>
+                        <a:cs typeface="Times New Roman" panose="02020603050405020304" pitchFamily="18" charset="0"/>
+                      </a:endParaRPr>
+                    </a:p>
+                  </a:txBody>
+                  <a:tcPr>
+                    <a:lnL w="12700" cmpd="sng">
+                      <a:noFill/>
+                    </a:lnL>
+                    <a:lnR w="12700" cap="flat" cmpd="sng" algn="ctr">
+                      <a:solidFill>
+                        <a:schemeClr val="tx1"/>
+                      </a:solidFill>
+                      <a:prstDash val="solid"/>
+                      <a:round/>
+                      <a:headEnd type="none" w="med" len="med"/>
+                      <a:tailEnd type="none" w="med" len="med"/>
+                    </a:lnR>
+                    <a:lnT w="12700" cmpd="sng">
+                      <a:noFill/>
+                    </a:lnT>
+                    <a:lnB w="12700" cmpd="sng">
+                      <a:noFill/>
+                    </a:lnB>
+                    <a:lnTlToBr w="12700" cmpd="sng">
+                      <a:noFill/>
+                      <a:prstDash val="solid"/>
+                    </a:lnTlToBr>
+                    <a:lnBlToTr w="12700" cmpd="sng">
+                      <a:noFill/>
+                      <a:prstDash val="solid"/>
+                    </a:lnBlToTr>
+                  </a:tcPr>
+                </a:tc>
+                <a:tc>
+                  <a:txBody>
+                    <a:bodyPr/>
+                    <a:lstStyle/>
+                    <a:p>
+                      <a:pPr algn="ctr"/>
+                      <a:endParaRPr lang="zh-CN" altLang="en-US" strike="sngStrike" baseline="0" dirty="0">
+                        <a:latin typeface="Times New Roman" panose="02020603050405020304" pitchFamily="18" charset="0"/>
+                        <a:ea typeface="宋体" panose="02010600030101010101" pitchFamily="2" charset="-122"/>
+                        <a:cs typeface="Times New Roman" panose="02020603050405020304" pitchFamily="18" charset="0"/>
+                      </a:endParaRPr>
+                    </a:p>
+                  </a:txBody>
+                  <a:tcPr anchor="ctr">
+                    <a:lnL w="12700" cap="flat" cmpd="sng" algn="ctr">
+                      <a:solidFill>
+                        <a:schemeClr val="tx1"/>
+                      </a:solidFill>
+                      <a:prstDash val="solid"/>
+                      <a:round/>
+                      <a:headEnd type="none" w="med" len="med"/>
+                      <a:tailEnd type="none" w="med" len="med"/>
+                    </a:lnL>
+                    <a:lnR w="12700" cap="flat" cmpd="sng" algn="ctr">
+                      <a:solidFill>
+                        <a:schemeClr val="tx1"/>
+                      </a:solidFill>
+                      <a:prstDash val="solid"/>
+                      <a:round/>
+                      <a:headEnd type="none" w="med" len="med"/>
+                      <a:tailEnd type="none" w="med" len="med"/>
+                    </a:lnR>
+                  </a:tcPr>
+                </a:tc>
+                <a:tc>
+                  <a:txBody>
+                    <a:bodyPr/>
+                    <a:lstStyle/>
+                    <a:p>
+                      <a:pPr algn="ctr"/>
+                      <a:r>
+                        <a:rPr lang="en-US" altLang="zh-CN" strike="sngStrike" baseline="0" dirty="0">
+                          <a:solidFill>
+                            <a:srgbClr val="00B0F0"/>
+                          </a:solidFill>
+                          <a:latin typeface="Times New Roman" panose="02020603050405020304" pitchFamily="18" charset="0"/>
+                          <a:ea typeface="宋体" panose="02010600030101010101" pitchFamily="2" charset="-122"/>
+                          <a:cs typeface="Times New Roman" panose="02020603050405020304" pitchFamily="18" charset="0"/>
+                        </a:rPr>
+                        <a:t>13</a:t>
+                      </a:r>
+                      <a:endParaRPr lang="zh-CN" altLang="en-US" strike="sngStrike" baseline="0" dirty="0">
+                        <a:solidFill>
+                          <a:srgbClr val="00B0F0"/>
+                        </a:solidFill>
+                        <a:latin typeface="Times New Roman" panose="02020603050405020304" pitchFamily="18" charset="0"/>
+                        <a:ea typeface="宋体" panose="02010600030101010101" pitchFamily="2" charset="-122"/>
+                        <a:cs typeface="Times New Roman" panose="02020603050405020304" pitchFamily="18" charset="0"/>
+                      </a:endParaRPr>
+                    </a:p>
+                  </a:txBody>
+                  <a:tcPr anchor="ctr">
+                    <a:lnL w="12700" cap="flat" cmpd="sng" algn="ctr">
+                      <a:solidFill>
+                        <a:schemeClr val="tx1"/>
+                      </a:solidFill>
+                      <a:prstDash val="solid"/>
+                      <a:round/>
+                      <a:headEnd type="none" w="med" len="med"/>
+                      <a:tailEnd type="none" w="med" len="med"/>
+                    </a:lnL>
+                  </a:tcPr>
+                </a:tc>
+                <a:tc>
+                  <a:txBody>
+                    <a:bodyPr/>
+                    <a:lstStyle/>
+                    <a:p>
+                      <a:pPr algn="ctr"/>
+                      <a:endParaRPr lang="zh-CN" altLang="en-US" baseline="0" dirty="0">
+                        <a:solidFill>
+                          <a:srgbClr val="00B0F0"/>
+                        </a:solidFill>
+                        <a:latin typeface="Times New Roman" panose="02020603050405020304" pitchFamily="18" charset="0"/>
+                        <a:ea typeface="宋体" panose="02010600030101010101" pitchFamily="2" charset="-122"/>
+                        <a:cs typeface="Times New Roman" panose="02020603050405020304" pitchFamily="18" charset="0"/>
+                      </a:endParaRPr>
+                    </a:p>
+                  </a:txBody>
+                  <a:tcPr anchor="ctr"/>
+                </a:tc>
+                <a:tc>
+                  <a:txBody>
+                    <a:bodyPr/>
+                    <a:lstStyle/>
+                    <a:p>
+                      <a:pPr algn="ctr"/>
+                      <a:endParaRPr lang="zh-CN" altLang="en-US" baseline="0" dirty="0">
+                        <a:solidFill>
+                          <a:srgbClr val="00B0F0"/>
+                        </a:solidFill>
+                        <a:latin typeface="Times New Roman" panose="02020603050405020304" pitchFamily="18" charset="0"/>
+                        <a:ea typeface="宋体" panose="02010600030101010101" pitchFamily="2" charset="-122"/>
+                        <a:cs typeface="Times New Roman" panose="02020603050405020304" pitchFamily="18" charset="0"/>
+                      </a:endParaRPr>
+                    </a:p>
+                  </a:txBody>
+                  <a:tcPr anchor="ctr"/>
+                </a:tc>
+                <a:tc>
+                  <a:txBody>
+                    <a:bodyPr/>
+                    <a:lstStyle/>
+                    <a:p>
+                      <a:pPr algn="ctr"/>
+                      <a:endParaRPr lang="zh-CN" altLang="en-US" baseline="0">
+                        <a:solidFill>
+                          <a:srgbClr val="00B0F0"/>
+                        </a:solidFill>
+                        <a:latin typeface="Times New Roman" panose="02020603050405020304" pitchFamily="18" charset="0"/>
+                        <a:ea typeface="宋体" panose="02010600030101010101" pitchFamily="2" charset="-122"/>
+                        <a:cs typeface="Times New Roman" panose="02020603050405020304" pitchFamily="18" charset="0"/>
+                      </a:endParaRPr>
+                    </a:p>
+                  </a:txBody>
+                  <a:tcPr anchor="ctr"/>
+                </a:tc>
+                <a:tc>
+                  <a:txBody>
+                    <a:bodyPr/>
+                    <a:lstStyle/>
+                    <a:p>
+                      <a:pPr algn="ctr"/>
+                      <a:endParaRPr lang="zh-CN" altLang="en-US" baseline="0">
+                        <a:solidFill>
+                          <a:srgbClr val="00B0F0"/>
+                        </a:solidFill>
+                        <a:latin typeface="Times New Roman" panose="02020603050405020304" pitchFamily="18" charset="0"/>
+                        <a:ea typeface="宋体" panose="02010600030101010101" pitchFamily="2" charset="-122"/>
+                        <a:cs typeface="Times New Roman" panose="02020603050405020304" pitchFamily="18" charset="0"/>
+                      </a:endParaRPr>
+                    </a:p>
+                  </a:txBody>
+                  <a:tcPr anchor="ctr"/>
+                </a:tc>
+                <a:extLst>
+                  <a:ext uri="{0D108BD9-81ED-4DB2-BD59-A6C34878D82A}">
+                    <a16:rowId xmlns:a16="http://schemas.microsoft.com/office/drawing/2014/main" val="3114142593"/>
+                  </a:ext>
+                </a:extLst>
+              </a:tr>
+              <a:tr h="489035">
+                <a:tc>
+                  <a:txBody>
+                    <a:bodyPr/>
+                    <a:lstStyle/>
+                    <a:p>
+                      <a:endParaRPr lang="zh-CN" altLang="en-US" baseline="0" dirty="0">
+                        <a:latin typeface="Times New Roman" panose="02020603050405020304" pitchFamily="18" charset="0"/>
+                        <a:ea typeface="宋体" panose="02010600030101010101" pitchFamily="2" charset="-122"/>
+                        <a:cs typeface="Times New Roman" panose="02020603050405020304" pitchFamily="18" charset="0"/>
+                      </a:endParaRPr>
+                    </a:p>
+                  </a:txBody>
+                  <a:tcPr>
+                    <a:lnL w="12700" cmpd="sng">
+                      <a:noFill/>
+                    </a:lnL>
+                    <a:lnR w="12700" cap="flat" cmpd="sng" algn="ctr">
+                      <a:solidFill>
+                        <a:schemeClr val="tx1"/>
+                      </a:solidFill>
+                      <a:prstDash val="solid"/>
+                      <a:round/>
+                      <a:headEnd type="none" w="med" len="med"/>
+                      <a:tailEnd type="none" w="med" len="med"/>
+                    </a:lnR>
+                    <a:lnT w="12700" cmpd="sng">
+                      <a:noFill/>
+                    </a:lnT>
+                    <a:lnB w="12700" cmpd="sng">
+                      <a:noFill/>
+                    </a:lnB>
+                    <a:lnTlToBr w="12700" cmpd="sng">
+                      <a:noFill/>
+                      <a:prstDash val="solid"/>
+                    </a:lnTlToBr>
+                    <a:lnBlToTr w="12700" cmpd="sng">
+                      <a:noFill/>
+                      <a:prstDash val="solid"/>
+                    </a:lnBlToTr>
+                  </a:tcPr>
+                </a:tc>
+                <a:tc>
+                  <a:txBody>
+                    <a:bodyPr/>
+                    <a:lstStyle/>
+                    <a:p>
+                      <a:pPr algn="ctr"/>
+                      <a:endParaRPr lang="zh-CN" altLang="en-US" strike="sngStrike" baseline="0" dirty="0">
+                        <a:latin typeface="Times New Roman" panose="02020603050405020304" pitchFamily="18" charset="0"/>
+                        <a:ea typeface="宋体" panose="02010600030101010101" pitchFamily="2" charset="-122"/>
+                        <a:cs typeface="Times New Roman" panose="02020603050405020304" pitchFamily="18" charset="0"/>
+                      </a:endParaRPr>
+                    </a:p>
+                  </a:txBody>
+                  <a:tcPr anchor="ctr">
+                    <a:lnL w="12700" cap="flat" cmpd="sng" algn="ctr">
+                      <a:solidFill>
+                        <a:schemeClr val="tx1"/>
+                      </a:solidFill>
+                      <a:prstDash val="solid"/>
+                      <a:round/>
+                      <a:headEnd type="none" w="med" len="med"/>
+                      <a:tailEnd type="none" w="med" len="med"/>
+                    </a:lnL>
+                    <a:lnR w="12700" cap="flat" cmpd="sng" algn="ctr">
+                      <a:solidFill>
+                        <a:schemeClr val="tx1"/>
+                      </a:solidFill>
+                      <a:prstDash val="solid"/>
+                      <a:round/>
+                      <a:headEnd type="none" w="med" len="med"/>
+                      <a:tailEnd type="none" w="med" len="med"/>
+                    </a:lnR>
+                  </a:tcPr>
+                </a:tc>
+                <a:tc>
+                  <a:txBody>
+                    <a:bodyPr/>
+                    <a:lstStyle/>
+                    <a:p>
+                      <a:pPr algn="ctr"/>
+                      <a:r>
+                        <a:rPr lang="en-US" altLang="zh-CN" strike="sngStrike" baseline="0" dirty="0">
+                          <a:solidFill>
+                            <a:srgbClr val="00B0F0"/>
+                          </a:solidFill>
+                          <a:latin typeface="Times New Roman" panose="02020603050405020304" pitchFamily="18" charset="0"/>
+                          <a:ea typeface="宋体" panose="02010600030101010101" pitchFamily="2" charset="-122"/>
+                          <a:cs typeface="Times New Roman" panose="02020603050405020304" pitchFamily="18" charset="0"/>
+                        </a:rPr>
+                        <a:t>12</a:t>
+                      </a:r>
+                      <a:endParaRPr lang="zh-CN" altLang="en-US" strike="sngStrike" baseline="0" dirty="0">
+                        <a:solidFill>
+                          <a:srgbClr val="00B0F0"/>
+                        </a:solidFill>
+                        <a:latin typeface="Times New Roman" panose="02020603050405020304" pitchFamily="18" charset="0"/>
+                        <a:ea typeface="宋体" panose="02010600030101010101" pitchFamily="2" charset="-122"/>
+                        <a:cs typeface="Times New Roman" panose="02020603050405020304" pitchFamily="18" charset="0"/>
+                      </a:endParaRPr>
+                    </a:p>
+                  </a:txBody>
+                  <a:tcPr anchor="ctr">
+                    <a:lnL w="12700" cap="flat" cmpd="sng" algn="ctr">
+                      <a:solidFill>
+                        <a:schemeClr val="tx1"/>
+                      </a:solidFill>
+                      <a:prstDash val="solid"/>
+                      <a:round/>
+                      <a:headEnd type="none" w="med" len="med"/>
+                      <a:tailEnd type="none" w="med" len="med"/>
+                    </a:lnL>
+                  </a:tcPr>
+                </a:tc>
+                <a:tc>
+                  <a:txBody>
+                    <a:bodyPr/>
+                    <a:lstStyle/>
+                    <a:p>
+                      <a:pPr algn="ctr"/>
+                      <a:r>
+                        <a:rPr lang="en-US" altLang="zh-CN" strike="sngStrike" baseline="0" dirty="0">
+                          <a:solidFill>
+                            <a:srgbClr val="00B0F0"/>
+                          </a:solidFill>
+                          <a:latin typeface="Times New Roman" panose="02020603050405020304" pitchFamily="18" charset="0"/>
+                          <a:ea typeface="宋体" panose="02010600030101010101" pitchFamily="2" charset="-122"/>
+                          <a:cs typeface="Times New Roman" panose="02020603050405020304" pitchFamily="18" charset="0"/>
+                        </a:rPr>
+                        <a:t>11</a:t>
+                      </a:r>
+                      <a:endParaRPr lang="zh-CN" altLang="en-US" strike="sngStrike" baseline="0" dirty="0">
+                        <a:solidFill>
+                          <a:srgbClr val="00B0F0"/>
+                        </a:solidFill>
+                        <a:latin typeface="Times New Roman" panose="02020603050405020304" pitchFamily="18" charset="0"/>
+                        <a:ea typeface="宋体" panose="02010600030101010101" pitchFamily="2" charset="-122"/>
+                        <a:cs typeface="Times New Roman" panose="02020603050405020304" pitchFamily="18" charset="0"/>
+                      </a:endParaRPr>
+                    </a:p>
+                  </a:txBody>
+                  <a:tcPr anchor="ctr"/>
+                </a:tc>
+                <a:tc>
+                  <a:txBody>
+                    <a:bodyPr/>
+                    <a:lstStyle/>
+                    <a:p>
+                      <a:pPr algn="ctr"/>
+                      <a:r>
+                        <a:rPr lang="en-US" altLang="zh-CN" strike="sngStrike" baseline="0" dirty="0">
+                          <a:solidFill>
+                            <a:srgbClr val="00B0F0"/>
+                          </a:solidFill>
+                          <a:latin typeface="Times New Roman" panose="02020603050405020304" pitchFamily="18" charset="0"/>
+                          <a:ea typeface="宋体" panose="02010600030101010101" pitchFamily="2" charset="-122"/>
+                          <a:cs typeface="Times New Roman" panose="02020603050405020304" pitchFamily="18" charset="0"/>
+                        </a:rPr>
+                        <a:t>9</a:t>
+                      </a:r>
+                      <a:endParaRPr lang="zh-CN" altLang="en-US" strike="sngStrike" baseline="0" dirty="0">
+                        <a:solidFill>
+                          <a:srgbClr val="00B0F0"/>
+                        </a:solidFill>
+                        <a:latin typeface="Times New Roman" panose="02020603050405020304" pitchFamily="18" charset="0"/>
+                        <a:ea typeface="宋体" panose="02010600030101010101" pitchFamily="2" charset="-122"/>
+                        <a:cs typeface="Times New Roman" panose="02020603050405020304" pitchFamily="18" charset="0"/>
+                      </a:endParaRPr>
+                    </a:p>
+                  </a:txBody>
+                  <a:tcPr anchor="ctr"/>
+                </a:tc>
+                <a:tc>
+                  <a:txBody>
+                    <a:bodyPr/>
+                    <a:lstStyle/>
+                    <a:p>
+                      <a:pPr algn="ctr"/>
+                      <a:r>
+                        <a:rPr lang="en-US" altLang="zh-CN" strike="sngStrike" baseline="0" dirty="0">
+                          <a:solidFill>
+                            <a:srgbClr val="00B0F0"/>
+                          </a:solidFill>
+                          <a:latin typeface="Times New Roman" panose="02020603050405020304" pitchFamily="18" charset="0"/>
+                          <a:ea typeface="宋体" panose="02010600030101010101" pitchFamily="2" charset="-122"/>
+                          <a:cs typeface="Times New Roman" panose="02020603050405020304" pitchFamily="18" charset="0"/>
+                        </a:rPr>
+                        <a:t>6</a:t>
+                      </a:r>
+                      <a:endParaRPr lang="zh-CN" altLang="en-US" strike="sngStrike" baseline="0" dirty="0">
+                        <a:solidFill>
+                          <a:srgbClr val="00B0F0"/>
+                        </a:solidFill>
+                        <a:latin typeface="Times New Roman" panose="02020603050405020304" pitchFamily="18" charset="0"/>
+                        <a:ea typeface="宋体" panose="02010600030101010101" pitchFamily="2" charset="-122"/>
+                        <a:cs typeface="Times New Roman" panose="02020603050405020304" pitchFamily="18" charset="0"/>
+                      </a:endParaRPr>
+                    </a:p>
+                  </a:txBody>
+                  <a:tcPr anchor="ctr"/>
+                </a:tc>
+                <a:tc>
+                  <a:txBody>
+                    <a:bodyPr/>
+                    <a:lstStyle/>
+                    <a:p>
+                      <a:pPr algn="ctr"/>
+                      <a:endParaRPr lang="zh-CN" altLang="en-US" baseline="0" dirty="0">
+                        <a:solidFill>
+                          <a:srgbClr val="00B0F0"/>
+                        </a:solidFill>
+                        <a:latin typeface="Times New Roman" panose="02020603050405020304" pitchFamily="18" charset="0"/>
+                        <a:ea typeface="宋体" panose="02010600030101010101" pitchFamily="2" charset="-122"/>
+                        <a:cs typeface="Times New Roman" panose="02020603050405020304" pitchFamily="18" charset="0"/>
+                      </a:endParaRPr>
+                    </a:p>
+                  </a:txBody>
+                  <a:tcPr anchor="ctr"/>
+                </a:tc>
+                <a:extLst>
+                  <a:ext uri="{0D108BD9-81ED-4DB2-BD59-A6C34878D82A}">
+                    <a16:rowId xmlns:a16="http://schemas.microsoft.com/office/drawing/2014/main" val="3724900541"/>
+                  </a:ext>
+                </a:extLst>
+              </a:tr>
+              <a:tr h="489035">
+                <a:tc>
+                  <a:txBody>
+                    <a:bodyPr/>
+                    <a:lstStyle/>
+                    <a:p>
+                      <a:pPr algn="l"/>
+                      <a:r>
+                        <a:rPr lang="en-US" altLang="zh-CN" baseline="0" dirty="0">
+                          <a:latin typeface="Times New Roman" panose="02020603050405020304" pitchFamily="18" charset="0"/>
+                          <a:ea typeface="宋体" panose="02010600030101010101" pitchFamily="2" charset="-122"/>
+                          <a:cs typeface="Times New Roman" panose="02020603050405020304" pitchFamily="18" charset="0"/>
+                        </a:rPr>
+                        <a:t>stack</a:t>
+                      </a:r>
+                      <a:endParaRPr lang="zh-CN" altLang="en-US" baseline="0" dirty="0">
+                        <a:latin typeface="Times New Roman" panose="02020603050405020304" pitchFamily="18" charset="0"/>
+                        <a:ea typeface="宋体" panose="02010600030101010101" pitchFamily="2" charset="-122"/>
+                        <a:cs typeface="Times New Roman" panose="02020603050405020304" pitchFamily="18" charset="0"/>
+                      </a:endParaRPr>
+                    </a:p>
+                  </a:txBody>
+                  <a:tcPr anchor="ctr">
+                    <a:lnL w="12700" cmpd="sng">
+                      <a:noFill/>
+                    </a:lnL>
+                    <a:lnR w="12700" cap="flat" cmpd="sng" algn="ctr">
+                      <a:solidFill>
+                        <a:schemeClr val="tx1"/>
+                      </a:solidFill>
+                      <a:prstDash val="solid"/>
+                      <a:round/>
+                      <a:headEnd type="none" w="med" len="med"/>
+                      <a:tailEnd type="none" w="med" len="med"/>
+                    </a:lnR>
+                    <a:lnT w="12700" cmpd="sng">
+                      <a:noFill/>
+                    </a:lnT>
+                    <a:lnB w="28575" cap="flat" cmpd="sng" algn="ctr">
+                      <a:solidFill>
+                        <a:schemeClr val="tx1"/>
+                      </a:solidFill>
+                      <a:prstDash val="solid"/>
+                      <a:round/>
+                      <a:headEnd type="none" w="med" len="med"/>
+                      <a:tailEnd type="none" w="med" len="med"/>
+                    </a:lnB>
+                    <a:lnTlToBr w="12700" cmpd="sng">
+                      <a:noFill/>
+                      <a:prstDash val="solid"/>
+                    </a:lnTlToBr>
+                    <a:lnBlToTr w="12700" cmpd="sng">
+                      <a:noFill/>
+                      <a:prstDash val="solid"/>
+                    </a:lnBlToTr>
+                  </a:tcPr>
+                </a:tc>
+                <a:tc>
+                  <a:txBody>
+                    <a:bodyPr/>
+                    <a:lstStyle/>
+                    <a:p>
+                      <a:pPr algn="ctr"/>
+                      <a:endParaRPr lang="zh-CN" altLang="en-US" u="none" strike="sngStrike" baseline="0" dirty="0">
+                        <a:latin typeface="Times New Roman" panose="02020603050405020304" pitchFamily="18" charset="0"/>
+                        <a:ea typeface="宋体" panose="02010600030101010101" pitchFamily="2" charset="-122"/>
+                        <a:cs typeface="Times New Roman" panose="02020603050405020304" pitchFamily="18" charset="0"/>
+                      </a:endParaRPr>
+                    </a:p>
+                  </a:txBody>
+                  <a:tcPr anchor="ctr">
+                    <a:lnL w="12700" cap="flat" cmpd="sng" algn="ctr">
+                      <a:solidFill>
+                        <a:schemeClr val="tx1"/>
+                      </a:solidFill>
+                      <a:prstDash val="solid"/>
+                      <a:round/>
+                      <a:headEnd type="none" w="med" len="med"/>
+                      <a:tailEnd type="none" w="med" len="med"/>
+                    </a:lnL>
+                    <a:lnR w="12700" cap="flat" cmpd="sng" algn="ctr">
+                      <a:solidFill>
+                        <a:schemeClr val="tx1"/>
+                      </a:solidFill>
+                      <a:prstDash val="solid"/>
+                      <a:round/>
+                      <a:headEnd type="none" w="med" len="med"/>
+                      <a:tailEnd type="none" w="med" len="med"/>
+                    </a:lnR>
+                    <a:lnB w="28575" cap="flat" cmpd="sng" algn="ctr">
+                      <a:solidFill>
+                        <a:schemeClr val="tx1"/>
+                      </a:solidFill>
+                      <a:prstDash val="solid"/>
+                      <a:round/>
+                      <a:headEnd type="none" w="med" len="med"/>
+                      <a:tailEnd type="none" w="med" len="med"/>
+                    </a:lnB>
+                  </a:tcPr>
+                </a:tc>
+                <a:tc>
+                  <a:txBody>
+                    <a:bodyPr/>
+                    <a:lstStyle/>
+                    <a:p>
+                      <a:pPr algn="ctr"/>
+                      <a:r>
+                        <a:rPr lang="en-US" altLang="zh-CN" u="none" strike="sngStrike" baseline="0" dirty="0">
+                          <a:solidFill>
+                            <a:srgbClr val="00B0F0"/>
+                          </a:solidFill>
+                          <a:latin typeface="Times New Roman" panose="02020603050405020304" pitchFamily="18" charset="0"/>
+                          <a:ea typeface="宋体" panose="02010600030101010101" pitchFamily="2" charset="-122"/>
+                          <a:cs typeface="Times New Roman" panose="02020603050405020304" pitchFamily="18" charset="0"/>
+                        </a:rPr>
+                        <a:t>10</a:t>
+                      </a:r>
+                      <a:endParaRPr lang="zh-CN" altLang="en-US" u="none" strike="sngStrike" baseline="0" dirty="0">
+                        <a:solidFill>
+                          <a:srgbClr val="00B0F0"/>
+                        </a:solidFill>
+                        <a:latin typeface="Times New Roman" panose="02020603050405020304" pitchFamily="18" charset="0"/>
+                        <a:ea typeface="宋体" panose="02010600030101010101" pitchFamily="2" charset="-122"/>
+                        <a:cs typeface="Times New Roman" panose="02020603050405020304" pitchFamily="18" charset="0"/>
+                      </a:endParaRPr>
+                    </a:p>
+                  </a:txBody>
+                  <a:tcPr anchor="ctr">
+                    <a:lnL w="12700" cap="flat" cmpd="sng" algn="ctr">
+                      <a:solidFill>
+                        <a:schemeClr val="tx1"/>
+                      </a:solidFill>
+                      <a:prstDash val="solid"/>
+                      <a:round/>
+                      <a:headEnd type="none" w="med" len="med"/>
+                      <a:tailEnd type="none" w="med" len="med"/>
+                    </a:lnL>
+                    <a:lnB w="28575" cap="flat" cmpd="sng" algn="ctr">
+                      <a:solidFill>
+                        <a:schemeClr val="tx1"/>
+                      </a:solidFill>
+                      <a:prstDash val="solid"/>
+                      <a:round/>
+                      <a:headEnd type="none" w="med" len="med"/>
+                      <a:tailEnd type="none" w="med" len="med"/>
+                    </a:lnB>
+                  </a:tcPr>
+                </a:tc>
+                <a:tc>
+                  <a:txBody>
+                    <a:bodyPr/>
+                    <a:lstStyle/>
+                    <a:p>
+                      <a:pPr algn="ctr"/>
+                      <a:endParaRPr lang="zh-CN" altLang="en-US" baseline="0" dirty="0">
+                        <a:solidFill>
+                          <a:srgbClr val="00B0F0"/>
+                        </a:solidFill>
+                        <a:latin typeface="Times New Roman" panose="02020603050405020304" pitchFamily="18" charset="0"/>
+                        <a:ea typeface="宋体" panose="02010600030101010101" pitchFamily="2" charset="-122"/>
+                        <a:cs typeface="Times New Roman" panose="02020603050405020304" pitchFamily="18" charset="0"/>
+                      </a:endParaRPr>
+                    </a:p>
+                  </a:txBody>
+                  <a:tcPr anchor="ctr">
+                    <a:lnB w="28575" cap="flat" cmpd="sng" algn="ctr">
+                      <a:solidFill>
+                        <a:schemeClr val="tx1"/>
+                      </a:solidFill>
+                      <a:prstDash val="solid"/>
+                      <a:round/>
+                      <a:headEnd type="none" w="med" len="med"/>
+                      <a:tailEnd type="none" w="med" len="med"/>
+                    </a:lnB>
+                  </a:tcPr>
+                </a:tc>
+                <a:tc>
+                  <a:txBody>
+                    <a:bodyPr/>
+                    <a:lstStyle/>
+                    <a:p>
+                      <a:pPr algn="ctr"/>
+                      <a:r>
+                        <a:rPr lang="en-US" altLang="zh-CN" strike="sngStrike" baseline="0" dirty="0">
+                          <a:solidFill>
+                            <a:srgbClr val="00B0F0"/>
+                          </a:solidFill>
+                          <a:latin typeface="Times New Roman" panose="02020603050405020304" pitchFamily="18" charset="0"/>
+                          <a:ea typeface="宋体" panose="02010600030101010101" pitchFamily="2" charset="-122"/>
+                          <a:cs typeface="Times New Roman" panose="02020603050405020304" pitchFamily="18" charset="0"/>
+                        </a:rPr>
+                        <a:t>8</a:t>
+                      </a:r>
+                      <a:endParaRPr lang="zh-CN" altLang="en-US" strike="sngStrike" baseline="0" dirty="0">
+                        <a:solidFill>
+                          <a:srgbClr val="00B0F0"/>
+                        </a:solidFill>
+                        <a:latin typeface="Times New Roman" panose="02020603050405020304" pitchFamily="18" charset="0"/>
+                        <a:ea typeface="宋体" panose="02010600030101010101" pitchFamily="2" charset="-122"/>
+                        <a:cs typeface="Times New Roman" panose="02020603050405020304" pitchFamily="18" charset="0"/>
+                      </a:endParaRPr>
+                    </a:p>
+                  </a:txBody>
+                  <a:tcPr anchor="ctr">
+                    <a:lnB w="28575" cap="flat" cmpd="sng" algn="ctr">
+                      <a:solidFill>
+                        <a:schemeClr val="tx1"/>
+                      </a:solidFill>
+                      <a:prstDash val="solid"/>
+                      <a:round/>
+                      <a:headEnd type="none" w="med" len="med"/>
+                      <a:tailEnd type="none" w="med" len="med"/>
+                    </a:lnB>
+                  </a:tcPr>
+                </a:tc>
+                <a:tc>
+                  <a:txBody>
+                    <a:bodyPr/>
+                    <a:lstStyle/>
+                    <a:p>
+                      <a:pPr algn="ctr"/>
+                      <a:r>
+                        <a:rPr lang="en-US" altLang="zh-CN" strike="sngStrike" baseline="0" dirty="0">
+                          <a:solidFill>
+                            <a:srgbClr val="00B0F0"/>
+                          </a:solidFill>
+                          <a:latin typeface="Times New Roman" panose="02020603050405020304" pitchFamily="18" charset="0"/>
+                          <a:ea typeface="宋体" panose="02010600030101010101" pitchFamily="2" charset="-122"/>
+                          <a:cs typeface="Times New Roman" panose="02020603050405020304" pitchFamily="18" charset="0"/>
+                        </a:rPr>
+                        <a:t>5</a:t>
+                      </a:r>
+                      <a:endParaRPr lang="zh-CN" altLang="en-US" strike="sngStrike" baseline="0" dirty="0">
+                        <a:solidFill>
+                          <a:srgbClr val="00B0F0"/>
+                        </a:solidFill>
+                        <a:latin typeface="Times New Roman" panose="02020603050405020304" pitchFamily="18" charset="0"/>
+                        <a:ea typeface="宋体" panose="02010600030101010101" pitchFamily="2" charset="-122"/>
+                        <a:cs typeface="Times New Roman" panose="02020603050405020304" pitchFamily="18" charset="0"/>
+                      </a:endParaRPr>
+                    </a:p>
+                  </a:txBody>
+                  <a:tcPr anchor="ctr">
+                    <a:lnB w="28575" cap="flat" cmpd="sng" algn="ctr">
+                      <a:solidFill>
+                        <a:schemeClr val="tx1"/>
+                      </a:solidFill>
+                      <a:prstDash val="solid"/>
+                      <a:round/>
+                      <a:headEnd type="none" w="med" len="med"/>
+                      <a:tailEnd type="none" w="med" len="med"/>
+                    </a:lnB>
+                  </a:tcPr>
+                </a:tc>
+                <a:tc>
+                  <a:txBody>
+                    <a:bodyPr/>
+                    <a:lstStyle/>
+                    <a:p>
+                      <a:pPr algn="ctr"/>
+                      <a:r>
+                        <a:rPr lang="en-US" altLang="zh-CN" baseline="0" dirty="0">
+                          <a:solidFill>
+                            <a:srgbClr val="00B0F0"/>
+                          </a:solidFill>
+                          <a:latin typeface="Times New Roman" panose="02020603050405020304" pitchFamily="18" charset="0"/>
+                          <a:ea typeface="宋体" panose="02010600030101010101" pitchFamily="2" charset="-122"/>
+                          <a:cs typeface="Times New Roman" panose="02020603050405020304" pitchFamily="18" charset="0"/>
+                        </a:rPr>
+                        <a:t>3</a:t>
+                      </a:r>
+                      <a:endParaRPr lang="zh-CN" altLang="en-US" baseline="0" dirty="0">
+                        <a:solidFill>
+                          <a:srgbClr val="00B0F0"/>
+                        </a:solidFill>
+                        <a:latin typeface="Times New Roman" panose="02020603050405020304" pitchFamily="18" charset="0"/>
+                        <a:ea typeface="宋体" panose="02010600030101010101" pitchFamily="2" charset="-122"/>
+                        <a:cs typeface="Times New Roman" panose="02020603050405020304" pitchFamily="18" charset="0"/>
+                      </a:endParaRPr>
+                    </a:p>
+                  </a:txBody>
+                  <a:tcPr anchor="ctr">
+                    <a:lnB w="28575" cap="flat" cmpd="sng" algn="ctr">
+                      <a:solidFill>
+                        <a:schemeClr val="tx1"/>
+                      </a:solidFill>
+                      <a:prstDash val="solid"/>
+                      <a:round/>
+                      <a:headEnd type="none" w="med" len="med"/>
+                      <a:tailEnd type="none" w="med" len="med"/>
+                    </a:lnB>
+                  </a:tcPr>
+                </a:tc>
+                <a:extLst>
+                  <a:ext uri="{0D108BD9-81ED-4DB2-BD59-A6C34878D82A}">
+                    <a16:rowId xmlns:a16="http://schemas.microsoft.com/office/drawing/2014/main" val="600389008"/>
+                  </a:ext>
+                </a:extLst>
+              </a:tr>
+              <a:tr h="489035">
+                <a:tc>
+                  <a:txBody>
+                    <a:bodyPr/>
+                    <a:lstStyle/>
+                    <a:p>
+                      <a:pPr algn="l"/>
+                      <a:r>
+                        <a:rPr lang="en-US" altLang="zh-CN" baseline="0" dirty="0">
+                          <a:latin typeface="Times New Roman" panose="02020603050405020304" pitchFamily="18" charset="0"/>
+                          <a:ea typeface="宋体" panose="02010600030101010101" pitchFamily="2" charset="-122"/>
+                          <a:cs typeface="Times New Roman" panose="02020603050405020304" pitchFamily="18" charset="0"/>
+                        </a:rPr>
+                        <a:t>root</a:t>
+                      </a:r>
+                      <a:endParaRPr lang="zh-CN" altLang="en-US" baseline="0" dirty="0">
+                        <a:latin typeface="Times New Roman" panose="02020603050405020304" pitchFamily="18" charset="0"/>
+                        <a:ea typeface="宋体" panose="02010600030101010101" pitchFamily="2" charset="-122"/>
+                        <a:cs typeface="Times New Roman" panose="02020603050405020304" pitchFamily="18" charset="0"/>
+                      </a:endParaRPr>
+                    </a:p>
+                  </a:txBody>
+                  <a:tcPr anchor="ctr">
+                    <a:lnL w="12700" cmpd="sng">
+                      <a:noFill/>
+                    </a:lnL>
+                    <a:lnR w="12700" cap="flat" cmpd="sng" algn="ctr">
+                      <a:solidFill>
+                        <a:schemeClr val="tx1"/>
+                      </a:solidFill>
+                      <a:prstDash val="solid"/>
+                      <a:round/>
+                      <a:headEnd type="none" w="med" len="med"/>
+                      <a:tailEnd type="none" w="med" len="med"/>
+                    </a:lnR>
+                    <a:lnT w="28575" cap="flat" cmpd="sng" algn="ctr">
+                      <a:solidFill>
+                        <a:schemeClr val="tx1"/>
+                      </a:solidFill>
+                      <a:prstDash val="solid"/>
+                      <a:round/>
+                      <a:headEnd type="none" w="med" len="med"/>
+                      <a:tailEnd type="none" w="med" len="med"/>
+                    </a:lnT>
+                    <a:lnB w="12700" cmpd="sng">
+                      <a:noFill/>
+                    </a:lnB>
+                    <a:lnTlToBr w="12700" cmpd="sng">
+                      <a:noFill/>
+                      <a:prstDash val="solid"/>
+                    </a:lnTlToBr>
+                    <a:lnBlToTr w="12700" cmpd="sng">
+                      <a:noFill/>
+                      <a:prstDash val="solid"/>
+                    </a:lnBlToTr>
+                  </a:tcPr>
+                </a:tc>
+                <a:tc>
+                  <a:txBody>
+                    <a:bodyPr/>
+                    <a:lstStyle/>
+                    <a:p>
+                      <a:pPr algn="ctr"/>
+                      <a:r>
+                        <a:rPr lang="en-US" altLang="zh-CN" sz="1400" baseline="0" dirty="0">
+                          <a:latin typeface="Times New Roman" panose="02020603050405020304" pitchFamily="18" charset="0"/>
+                          <a:ea typeface="宋体" panose="02010600030101010101" pitchFamily="2" charset="-122"/>
+                          <a:cs typeface="Times New Roman" panose="02020603050405020304" pitchFamily="18" charset="0"/>
+                        </a:rPr>
+                        <a:t>MAX</a:t>
+                      </a:r>
+                      <a:endParaRPr lang="zh-CN" altLang="en-US" baseline="0" dirty="0">
+                        <a:latin typeface="Times New Roman" panose="02020603050405020304" pitchFamily="18" charset="0"/>
+                        <a:ea typeface="宋体" panose="02010600030101010101" pitchFamily="2" charset="-122"/>
+                        <a:cs typeface="Times New Roman" panose="02020603050405020304" pitchFamily="18" charset="0"/>
+                      </a:endParaRPr>
+                    </a:p>
+                  </a:txBody>
+                  <a:tcPr anchor="ctr">
+                    <a:lnL w="12700" cap="flat" cmpd="sng" algn="ctr">
+                      <a:solidFill>
+                        <a:schemeClr val="tx1"/>
+                      </a:solidFill>
+                      <a:prstDash val="solid"/>
+                      <a:round/>
+                      <a:headEnd type="none" w="med" len="med"/>
+                      <a:tailEnd type="none" w="med" len="med"/>
+                    </a:lnL>
+                    <a:lnR w="12700" cap="flat" cmpd="sng" algn="ctr">
+                      <a:solidFill>
+                        <a:schemeClr val="tx1"/>
+                      </a:solidFill>
+                      <a:prstDash val="solid"/>
+                      <a:round/>
+                      <a:headEnd type="none" w="med" len="med"/>
+                      <a:tailEnd type="none" w="med" len="med"/>
+                    </a:lnR>
+                    <a:lnT w="28575" cap="flat" cmpd="sng" algn="ctr">
+                      <a:solidFill>
+                        <a:schemeClr val="tx1"/>
+                      </a:solidFill>
+                      <a:prstDash val="solid"/>
+                      <a:round/>
+                      <a:headEnd type="none" w="med" len="med"/>
+                      <a:tailEnd type="none" w="med" len="med"/>
+                    </a:lnT>
+                  </a:tcPr>
+                </a:tc>
+                <a:tc>
+                  <a:txBody>
+                    <a:bodyPr/>
+                    <a:lstStyle/>
+                    <a:p>
+                      <a:pPr algn="ctr"/>
+                      <a:r>
+                        <a:rPr lang="en-US" altLang="zh-CN" strike="noStrike" baseline="0" dirty="0">
+                          <a:solidFill>
+                            <a:srgbClr val="00B050"/>
+                          </a:solidFill>
+                          <a:latin typeface="Times New Roman" panose="02020603050405020304" pitchFamily="18" charset="0"/>
+                          <a:ea typeface="宋体" panose="02010600030101010101" pitchFamily="2" charset="-122"/>
+                          <a:cs typeface="Times New Roman" panose="02020603050405020304" pitchFamily="18" charset="0"/>
+                        </a:rPr>
+                        <a:t>13</a:t>
+                      </a:r>
+                      <a:endParaRPr lang="zh-CN" altLang="en-US" strike="noStrike" baseline="0" dirty="0">
+                        <a:solidFill>
+                          <a:srgbClr val="00B050"/>
+                        </a:solidFill>
+                        <a:latin typeface="Times New Roman" panose="02020603050405020304" pitchFamily="18" charset="0"/>
+                        <a:ea typeface="宋体" panose="02010600030101010101" pitchFamily="2" charset="-122"/>
+                        <a:cs typeface="Times New Roman" panose="02020603050405020304" pitchFamily="18" charset="0"/>
+                      </a:endParaRPr>
+                    </a:p>
+                  </a:txBody>
+                  <a:tcPr anchor="ctr">
+                    <a:lnL w="12700" cap="flat" cmpd="sng" algn="ctr">
+                      <a:solidFill>
+                        <a:schemeClr val="tx1"/>
+                      </a:solidFill>
+                      <a:prstDash val="solid"/>
+                      <a:round/>
+                      <a:headEnd type="none" w="med" len="med"/>
+                      <a:tailEnd type="none" w="med" len="med"/>
+                    </a:lnL>
+                    <a:lnT w="28575" cap="flat" cmpd="sng" algn="ctr">
+                      <a:solidFill>
+                        <a:schemeClr val="tx1"/>
+                      </a:solidFill>
+                      <a:prstDash val="solid"/>
+                      <a:round/>
+                      <a:headEnd type="none" w="med" len="med"/>
+                      <a:tailEnd type="none" w="med" len="med"/>
+                    </a:lnT>
+                  </a:tcPr>
+                </a:tc>
+                <a:tc>
+                  <a:txBody>
+                    <a:bodyPr/>
+                    <a:lstStyle/>
+                    <a:p>
+                      <a:pPr algn="ctr"/>
+                      <a:r>
+                        <a:rPr lang="en-US" altLang="zh-CN" baseline="0" dirty="0">
+                          <a:solidFill>
+                            <a:srgbClr val="00B050"/>
+                          </a:solidFill>
+                          <a:latin typeface="Times New Roman" panose="02020603050405020304" pitchFamily="18" charset="0"/>
+                          <a:ea typeface="宋体" panose="02010600030101010101" pitchFamily="2" charset="-122"/>
+                          <a:cs typeface="Times New Roman" panose="02020603050405020304" pitchFamily="18" charset="0"/>
+                        </a:rPr>
+                        <a:t>11</a:t>
+                      </a:r>
+                      <a:endParaRPr lang="zh-CN" altLang="en-US" baseline="0" dirty="0">
+                        <a:solidFill>
+                          <a:srgbClr val="00B050"/>
+                        </a:solidFill>
+                        <a:latin typeface="Times New Roman" panose="02020603050405020304" pitchFamily="18" charset="0"/>
+                        <a:ea typeface="宋体" panose="02010600030101010101" pitchFamily="2" charset="-122"/>
+                        <a:cs typeface="Times New Roman" panose="02020603050405020304" pitchFamily="18" charset="0"/>
+                      </a:endParaRPr>
+                    </a:p>
+                  </a:txBody>
+                  <a:tcPr anchor="ctr">
+                    <a:lnT w="28575" cap="flat" cmpd="sng" algn="ctr">
+                      <a:solidFill>
+                        <a:schemeClr val="tx1"/>
+                      </a:solidFill>
+                      <a:prstDash val="solid"/>
+                      <a:round/>
+                      <a:headEnd type="none" w="med" len="med"/>
+                      <a:tailEnd type="none" w="med" len="med"/>
+                    </a:lnT>
+                  </a:tcPr>
+                </a:tc>
+                <a:tc>
+                  <a:txBody>
+                    <a:bodyPr/>
+                    <a:lstStyle/>
+                    <a:p>
+                      <a:pPr algn="ctr"/>
+                      <a:r>
+                        <a:rPr lang="en-US" altLang="zh-CN" baseline="0" dirty="0">
+                          <a:solidFill>
+                            <a:srgbClr val="00B050"/>
+                          </a:solidFill>
+                          <a:latin typeface="Times New Roman" panose="02020603050405020304" pitchFamily="18" charset="0"/>
+                          <a:ea typeface="宋体" panose="02010600030101010101" pitchFamily="2" charset="-122"/>
+                          <a:cs typeface="Times New Roman" panose="02020603050405020304" pitchFamily="18" charset="0"/>
+                        </a:rPr>
+                        <a:t>9</a:t>
+                      </a:r>
+                      <a:endParaRPr lang="zh-CN" altLang="en-US" baseline="0" dirty="0">
+                        <a:solidFill>
+                          <a:srgbClr val="00B050"/>
+                        </a:solidFill>
+                        <a:latin typeface="Times New Roman" panose="02020603050405020304" pitchFamily="18" charset="0"/>
+                        <a:ea typeface="宋体" panose="02010600030101010101" pitchFamily="2" charset="-122"/>
+                        <a:cs typeface="Times New Roman" panose="02020603050405020304" pitchFamily="18" charset="0"/>
+                      </a:endParaRPr>
+                    </a:p>
+                  </a:txBody>
+                  <a:tcPr anchor="ctr">
+                    <a:lnT w="28575" cap="flat" cmpd="sng" algn="ctr">
+                      <a:solidFill>
+                        <a:schemeClr val="tx1"/>
+                      </a:solidFill>
+                      <a:prstDash val="solid"/>
+                      <a:round/>
+                      <a:headEnd type="none" w="med" len="med"/>
+                      <a:tailEnd type="none" w="med" len="med"/>
+                    </a:lnT>
+                  </a:tcPr>
+                </a:tc>
+                <a:tc>
+                  <a:txBody>
+                    <a:bodyPr/>
+                    <a:lstStyle/>
+                    <a:p>
+                      <a:pPr algn="ctr"/>
+                      <a:r>
+                        <a:rPr lang="en-US" altLang="zh-CN" baseline="0" dirty="0">
+                          <a:solidFill>
+                            <a:srgbClr val="00B050"/>
+                          </a:solidFill>
+                          <a:latin typeface="Times New Roman" panose="02020603050405020304" pitchFamily="18" charset="0"/>
+                          <a:ea typeface="宋体" panose="02010600030101010101" pitchFamily="2" charset="-122"/>
+                          <a:cs typeface="Times New Roman" panose="02020603050405020304" pitchFamily="18" charset="0"/>
+                        </a:rPr>
+                        <a:t>6</a:t>
+                      </a:r>
+                      <a:endParaRPr lang="zh-CN" altLang="en-US" baseline="0" dirty="0">
+                        <a:solidFill>
+                          <a:srgbClr val="00B050"/>
+                        </a:solidFill>
+                        <a:latin typeface="Times New Roman" panose="02020603050405020304" pitchFamily="18" charset="0"/>
+                        <a:ea typeface="宋体" panose="02010600030101010101" pitchFamily="2" charset="-122"/>
+                        <a:cs typeface="Times New Roman" panose="02020603050405020304" pitchFamily="18" charset="0"/>
+                      </a:endParaRPr>
+                    </a:p>
+                  </a:txBody>
+                  <a:tcPr anchor="ctr">
+                    <a:lnT w="28575" cap="flat" cmpd="sng" algn="ctr">
+                      <a:solidFill>
+                        <a:schemeClr val="tx1"/>
+                      </a:solidFill>
+                      <a:prstDash val="solid"/>
+                      <a:round/>
+                      <a:headEnd type="none" w="med" len="med"/>
+                      <a:tailEnd type="none" w="med" len="med"/>
+                    </a:lnT>
+                  </a:tcPr>
+                </a:tc>
+                <a:tc>
+                  <a:txBody>
+                    <a:bodyPr/>
+                    <a:lstStyle/>
+                    <a:p>
+                      <a:pPr algn="ctr"/>
+                      <a:endParaRPr lang="zh-CN" altLang="en-US" baseline="0" dirty="0">
+                        <a:latin typeface="Times New Roman" panose="02020603050405020304" pitchFamily="18" charset="0"/>
+                        <a:ea typeface="宋体" panose="02010600030101010101" pitchFamily="2" charset="-122"/>
+                        <a:cs typeface="Times New Roman" panose="02020603050405020304" pitchFamily="18" charset="0"/>
+                      </a:endParaRPr>
+                    </a:p>
+                  </a:txBody>
+                  <a:tcPr anchor="ctr">
+                    <a:lnT w="28575" cap="flat" cmpd="sng" algn="ctr">
+                      <a:solidFill>
+                        <a:schemeClr val="tx1"/>
+                      </a:solidFill>
+                      <a:prstDash val="solid"/>
+                      <a:round/>
+                      <a:headEnd type="none" w="med" len="med"/>
+                      <a:tailEnd type="none" w="med" len="med"/>
+                    </a:lnT>
+                  </a:tcPr>
+                </a:tc>
+                <a:extLst>
+                  <a:ext uri="{0D108BD9-81ED-4DB2-BD59-A6C34878D82A}">
+                    <a16:rowId xmlns:a16="http://schemas.microsoft.com/office/drawing/2014/main" val="3360340133"/>
+                  </a:ext>
+                </a:extLst>
+              </a:tr>
+              <a:tr h="489035">
+                <a:tc>
+                  <a:txBody>
+                    <a:bodyPr/>
+                    <a:lstStyle/>
+                    <a:p>
+                      <a:endParaRPr lang="zh-CN" altLang="en-US" baseline="0" dirty="0">
+                        <a:latin typeface="Times New Roman" panose="02020603050405020304" pitchFamily="18" charset="0"/>
+                        <a:ea typeface="宋体" panose="02010600030101010101" pitchFamily="2" charset="-122"/>
+                        <a:cs typeface="Times New Roman" panose="02020603050405020304" pitchFamily="18" charset="0"/>
+                      </a:endParaRPr>
+                    </a:p>
+                  </a:txBody>
+                  <a:tcPr>
+                    <a:lnL w="12700" cmpd="sng">
+                      <a:noFill/>
+                    </a:lnL>
+                    <a:lnR w="12700" cap="flat" cmpd="sng" algn="ctr">
+                      <a:solidFill>
+                        <a:schemeClr val="tx1"/>
+                      </a:solidFill>
+                      <a:prstDash val="solid"/>
+                      <a:round/>
+                      <a:headEnd type="none" w="med" len="med"/>
+                      <a:tailEnd type="none" w="med" len="med"/>
+                    </a:lnR>
+                    <a:lnT w="12700" cmpd="sng">
+                      <a:noFill/>
+                    </a:lnT>
+                    <a:lnB w="12700" cmpd="sng">
+                      <a:noFill/>
+                    </a:lnB>
+                    <a:lnTlToBr w="12700" cmpd="sng">
+                      <a:noFill/>
+                      <a:prstDash val="solid"/>
+                    </a:lnTlToBr>
+                    <a:lnBlToTr w="12700" cmpd="sng">
+                      <a:noFill/>
+                      <a:prstDash val="solid"/>
+                    </a:lnBlToTr>
+                  </a:tcPr>
+                </a:tc>
+                <a:tc>
+                  <a:txBody>
+                    <a:bodyPr/>
+                    <a:lstStyle/>
+                    <a:p>
+                      <a:pPr algn="ctr"/>
+                      <a:endParaRPr lang="zh-CN" altLang="en-US" baseline="0" dirty="0">
+                        <a:latin typeface="Times New Roman" panose="02020603050405020304" pitchFamily="18" charset="0"/>
+                        <a:ea typeface="宋体" panose="02010600030101010101" pitchFamily="2" charset="-122"/>
+                        <a:cs typeface="Times New Roman" panose="02020603050405020304" pitchFamily="18" charset="0"/>
+                      </a:endParaRPr>
+                    </a:p>
+                  </a:txBody>
+                  <a:tcPr anchor="ctr">
+                    <a:lnL w="12700" cap="flat" cmpd="sng" algn="ctr">
+                      <a:solidFill>
+                        <a:schemeClr val="tx1"/>
+                      </a:solidFill>
+                      <a:prstDash val="solid"/>
+                      <a:round/>
+                      <a:headEnd type="none" w="med" len="med"/>
+                      <a:tailEnd type="none" w="med" len="med"/>
+                    </a:lnL>
+                    <a:lnR w="12700" cap="flat" cmpd="sng" algn="ctr">
+                      <a:solidFill>
+                        <a:schemeClr val="tx1"/>
+                      </a:solidFill>
+                      <a:prstDash val="solid"/>
+                      <a:round/>
+                      <a:headEnd type="none" w="med" len="med"/>
+                      <a:tailEnd type="none" w="med" len="med"/>
+                    </a:lnR>
+                  </a:tcPr>
+                </a:tc>
+                <a:tc>
+                  <a:txBody>
+                    <a:bodyPr/>
+                    <a:lstStyle/>
+                    <a:p>
+                      <a:pPr algn="ctr"/>
+                      <a:r>
+                        <a:rPr lang="en-US" altLang="zh-CN" baseline="0" dirty="0">
+                          <a:solidFill>
+                            <a:srgbClr val="00B050"/>
+                          </a:solidFill>
+                          <a:latin typeface="Times New Roman" panose="02020603050405020304" pitchFamily="18" charset="0"/>
+                          <a:ea typeface="宋体" panose="02010600030101010101" pitchFamily="2" charset="-122"/>
+                          <a:cs typeface="Times New Roman" panose="02020603050405020304" pitchFamily="18" charset="0"/>
+                        </a:rPr>
+                        <a:t>12</a:t>
+                      </a:r>
+                      <a:endParaRPr lang="zh-CN" altLang="en-US" baseline="0" dirty="0">
+                        <a:solidFill>
+                          <a:srgbClr val="00B050"/>
+                        </a:solidFill>
+                        <a:latin typeface="Times New Roman" panose="02020603050405020304" pitchFamily="18" charset="0"/>
+                        <a:ea typeface="宋体" panose="02010600030101010101" pitchFamily="2" charset="-122"/>
+                        <a:cs typeface="Times New Roman" panose="02020603050405020304" pitchFamily="18" charset="0"/>
+                      </a:endParaRPr>
+                    </a:p>
+                  </a:txBody>
+                  <a:tcPr anchor="ctr">
+                    <a:lnL w="12700" cap="flat" cmpd="sng" algn="ctr">
+                      <a:solidFill>
+                        <a:schemeClr val="tx1"/>
+                      </a:solidFill>
+                      <a:prstDash val="solid"/>
+                      <a:round/>
+                      <a:headEnd type="none" w="med" len="med"/>
+                      <a:tailEnd type="none" w="med" len="med"/>
+                    </a:lnL>
+                  </a:tcPr>
+                </a:tc>
+                <a:tc>
+                  <a:txBody>
+                    <a:bodyPr/>
+                    <a:lstStyle/>
+                    <a:p>
+                      <a:pPr algn="ctr"/>
+                      <a:r>
+                        <a:rPr lang="en-US" altLang="zh-CN" baseline="0" dirty="0">
+                          <a:solidFill>
+                            <a:srgbClr val="00B050"/>
+                          </a:solidFill>
+                          <a:latin typeface="Times New Roman" panose="02020603050405020304" pitchFamily="18" charset="0"/>
+                          <a:ea typeface="宋体" panose="02010600030101010101" pitchFamily="2" charset="-122"/>
+                          <a:cs typeface="Times New Roman" panose="02020603050405020304" pitchFamily="18" charset="0"/>
+                        </a:rPr>
+                        <a:t>10</a:t>
+                      </a:r>
+                      <a:endParaRPr lang="zh-CN" altLang="en-US" baseline="0" dirty="0">
+                        <a:solidFill>
+                          <a:srgbClr val="00B050"/>
+                        </a:solidFill>
+                        <a:latin typeface="Times New Roman" panose="02020603050405020304" pitchFamily="18" charset="0"/>
+                        <a:ea typeface="宋体" panose="02010600030101010101" pitchFamily="2" charset="-122"/>
+                        <a:cs typeface="Times New Roman" panose="02020603050405020304" pitchFamily="18" charset="0"/>
+                      </a:endParaRPr>
+                    </a:p>
+                  </a:txBody>
+                  <a:tcPr anchor="ctr"/>
+                </a:tc>
+                <a:tc>
+                  <a:txBody>
+                    <a:bodyPr/>
+                    <a:lstStyle/>
+                    <a:p>
+                      <a:pPr algn="ctr"/>
+                      <a:r>
+                        <a:rPr lang="en-US" altLang="zh-CN" baseline="0" dirty="0">
+                          <a:solidFill>
+                            <a:srgbClr val="00B050"/>
+                          </a:solidFill>
+                          <a:latin typeface="Times New Roman" panose="02020603050405020304" pitchFamily="18" charset="0"/>
+                          <a:ea typeface="宋体" panose="02010600030101010101" pitchFamily="2" charset="-122"/>
+                          <a:cs typeface="Times New Roman" panose="02020603050405020304" pitchFamily="18" charset="0"/>
+                        </a:rPr>
+                        <a:t>8</a:t>
+                      </a:r>
+                      <a:endParaRPr lang="zh-CN" altLang="en-US" baseline="0" dirty="0">
+                        <a:solidFill>
+                          <a:srgbClr val="00B050"/>
+                        </a:solidFill>
+                        <a:latin typeface="Times New Roman" panose="02020603050405020304" pitchFamily="18" charset="0"/>
+                        <a:ea typeface="宋体" panose="02010600030101010101" pitchFamily="2" charset="-122"/>
+                        <a:cs typeface="Times New Roman" panose="02020603050405020304" pitchFamily="18" charset="0"/>
+                      </a:endParaRPr>
+                    </a:p>
+                  </a:txBody>
+                  <a:tcPr anchor="ctr"/>
+                </a:tc>
+                <a:tc>
+                  <a:txBody>
+                    <a:bodyPr/>
+                    <a:lstStyle/>
+                    <a:p>
+                      <a:pPr algn="ctr"/>
+                      <a:r>
+                        <a:rPr lang="en-US" altLang="zh-CN" baseline="0" dirty="0">
+                          <a:solidFill>
+                            <a:srgbClr val="00B050"/>
+                          </a:solidFill>
+                          <a:latin typeface="Times New Roman" panose="02020603050405020304" pitchFamily="18" charset="0"/>
+                          <a:ea typeface="宋体" panose="02010600030101010101" pitchFamily="2" charset="-122"/>
+                          <a:cs typeface="Times New Roman" panose="02020603050405020304" pitchFamily="18" charset="0"/>
+                        </a:rPr>
+                        <a:t>5</a:t>
+                      </a:r>
+                      <a:endParaRPr lang="zh-CN" altLang="en-US" baseline="0" dirty="0">
+                        <a:solidFill>
+                          <a:srgbClr val="00B050"/>
+                        </a:solidFill>
+                        <a:latin typeface="Times New Roman" panose="02020603050405020304" pitchFamily="18" charset="0"/>
+                        <a:ea typeface="宋体" panose="02010600030101010101" pitchFamily="2" charset="-122"/>
+                        <a:cs typeface="Times New Roman" panose="02020603050405020304" pitchFamily="18" charset="0"/>
+                      </a:endParaRPr>
+                    </a:p>
+                  </a:txBody>
+                  <a:tcPr anchor="ctr"/>
+                </a:tc>
+                <a:tc>
+                  <a:txBody>
+                    <a:bodyPr/>
+                    <a:lstStyle/>
+                    <a:p>
+                      <a:pPr algn="ctr"/>
+                      <a:endParaRPr lang="zh-CN" altLang="en-US" baseline="0" dirty="0">
+                        <a:latin typeface="Times New Roman" panose="02020603050405020304" pitchFamily="18" charset="0"/>
+                        <a:ea typeface="宋体" panose="02010600030101010101" pitchFamily="2" charset="-122"/>
+                        <a:cs typeface="Times New Roman" panose="02020603050405020304" pitchFamily="18" charset="0"/>
+                      </a:endParaRPr>
+                    </a:p>
+                  </a:txBody>
+                  <a:tcPr anchor="ctr"/>
+                </a:tc>
+                <a:extLst>
+                  <a:ext uri="{0D108BD9-81ED-4DB2-BD59-A6C34878D82A}">
+                    <a16:rowId xmlns:a16="http://schemas.microsoft.com/office/drawing/2014/main" val="3621907057"/>
+                  </a:ext>
+                </a:extLst>
+              </a:tr>
+              <a:tr h="489035">
+                <a:tc>
+                  <a:txBody>
+                    <a:bodyPr/>
+                    <a:lstStyle/>
+                    <a:p>
+                      <a:endParaRPr lang="zh-CN" altLang="en-US" baseline="0" dirty="0">
+                        <a:latin typeface="Times New Roman" panose="02020603050405020304" pitchFamily="18" charset="0"/>
+                        <a:ea typeface="宋体" panose="02010600030101010101" pitchFamily="2" charset="-122"/>
+                        <a:cs typeface="Times New Roman" panose="02020603050405020304" pitchFamily="18" charset="0"/>
+                      </a:endParaRPr>
+                    </a:p>
+                  </a:txBody>
+                  <a:tcPr>
+                    <a:lnL w="12700" cmpd="sng">
+                      <a:noFill/>
+                    </a:lnL>
+                    <a:lnR w="12700" cap="flat" cmpd="sng" algn="ctr">
+                      <a:solidFill>
+                        <a:schemeClr val="tx1"/>
+                      </a:solidFill>
+                      <a:prstDash val="solid"/>
+                      <a:round/>
+                      <a:headEnd type="none" w="med" len="med"/>
+                      <a:tailEnd type="none" w="med" len="med"/>
+                    </a:lnR>
+                    <a:lnT w="12700" cmpd="sng">
+                      <a:noFill/>
+                    </a:lnT>
+                    <a:lnB w="12700" cmpd="sng">
+                      <a:noFill/>
+                    </a:lnB>
+                    <a:lnTlToBr w="12700" cmpd="sng">
+                      <a:noFill/>
+                      <a:prstDash val="solid"/>
+                    </a:lnTlToBr>
+                    <a:lnBlToTr w="12700" cmpd="sng">
+                      <a:noFill/>
+                      <a:prstDash val="solid"/>
+                    </a:lnBlToTr>
+                  </a:tcPr>
+                </a:tc>
+                <a:tc>
+                  <a:txBody>
+                    <a:bodyPr/>
+                    <a:lstStyle/>
+                    <a:p>
+                      <a:pPr algn="ctr"/>
+                      <a:endParaRPr lang="zh-CN" altLang="en-US" baseline="0" dirty="0">
+                        <a:latin typeface="Times New Roman" panose="02020603050405020304" pitchFamily="18" charset="0"/>
+                        <a:ea typeface="宋体" panose="02010600030101010101" pitchFamily="2" charset="-122"/>
+                        <a:cs typeface="Times New Roman" panose="02020603050405020304" pitchFamily="18" charset="0"/>
+                      </a:endParaRPr>
+                    </a:p>
+                  </a:txBody>
+                  <a:tcPr anchor="ctr">
+                    <a:lnL w="12700" cap="flat" cmpd="sng" algn="ctr">
+                      <a:solidFill>
+                        <a:schemeClr val="tx1"/>
+                      </a:solidFill>
+                      <a:prstDash val="solid"/>
+                      <a:round/>
+                      <a:headEnd type="none" w="med" len="med"/>
+                      <a:tailEnd type="none" w="med" len="med"/>
+                    </a:lnL>
+                    <a:lnR w="12700" cap="flat" cmpd="sng" algn="ctr">
+                      <a:solidFill>
+                        <a:schemeClr val="tx1"/>
+                      </a:solidFill>
+                      <a:prstDash val="solid"/>
+                      <a:round/>
+                      <a:headEnd type="none" w="med" len="med"/>
+                      <a:tailEnd type="none" w="med" len="med"/>
+                    </a:lnR>
+                  </a:tcPr>
+                </a:tc>
+                <a:tc>
+                  <a:txBody>
+                    <a:bodyPr/>
+                    <a:lstStyle/>
+                    <a:p>
+                      <a:pPr algn="ctr"/>
+                      <a:endParaRPr lang="zh-CN" altLang="en-US" baseline="0" dirty="0">
+                        <a:latin typeface="Times New Roman" panose="02020603050405020304" pitchFamily="18" charset="0"/>
+                        <a:ea typeface="宋体" panose="02010600030101010101" pitchFamily="2" charset="-122"/>
+                        <a:cs typeface="Times New Roman" panose="02020603050405020304" pitchFamily="18" charset="0"/>
+                      </a:endParaRPr>
+                    </a:p>
+                  </a:txBody>
+                  <a:tcPr anchor="ctr">
+                    <a:lnL w="12700" cap="flat" cmpd="sng" algn="ctr">
+                      <a:solidFill>
+                        <a:schemeClr val="tx1"/>
+                      </a:solidFill>
+                      <a:prstDash val="solid"/>
+                      <a:round/>
+                      <a:headEnd type="none" w="med" len="med"/>
+                      <a:tailEnd type="none" w="med" len="med"/>
+                    </a:lnL>
+                  </a:tcPr>
+                </a:tc>
+                <a:tc>
+                  <a:txBody>
+                    <a:bodyPr/>
+                    <a:lstStyle/>
+                    <a:p>
+                      <a:pPr algn="ctr"/>
+                      <a:endParaRPr lang="zh-CN" altLang="en-US" baseline="0" dirty="0">
+                        <a:latin typeface="Times New Roman" panose="02020603050405020304" pitchFamily="18" charset="0"/>
+                        <a:ea typeface="宋体" panose="02010600030101010101" pitchFamily="2" charset="-122"/>
+                        <a:cs typeface="Times New Roman" panose="02020603050405020304" pitchFamily="18" charset="0"/>
+                      </a:endParaRPr>
+                    </a:p>
+                  </a:txBody>
+                  <a:tcPr anchor="ctr"/>
+                </a:tc>
+                <a:tc>
+                  <a:txBody>
+                    <a:bodyPr/>
+                    <a:lstStyle/>
+                    <a:p>
+                      <a:pPr algn="ctr"/>
+                      <a:endParaRPr lang="zh-CN" altLang="en-US" baseline="0" dirty="0">
+                        <a:latin typeface="Times New Roman" panose="02020603050405020304" pitchFamily="18" charset="0"/>
+                        <a:ea typeface="宋体" panose="02010600030101010101" pitchFamily="2" charset="-122"/>
+                        <a:cs typeface="Times New Roman" panose="02020603050405020304" pitchFamily="18" charset="0"/>
+                      </a:endParaRPr>
+                    </a:p>
+                  </a:txBody>
+                  <a:tcPr anchor="ctr"/>
+                </a:tc>
+                <a:tc>
+                  <a:txBody>
+                    <a:bodyPr/>
+                    <a:lstStyle/>
+                    <a:p>
+                      <a:pPr algn="ctr"/>
+                      <a:endParaRPr lang="zh-CN" altLang="en-US" baseline="0" dirty="0">
+                        <a:latin typeface="Times New Roman" panose="02020603050405020304" pitchFamily="18" charset="0"/>
+                        <a:ea typeface="宋体" panose="02010600030101010101" pitchFamily="2" charset="-122"/>
+                        <a:cs typeface="Times New Roman" panose="02020603050405020304" pitchFamily="18" charset="0"/>
+                      </a:endParaRPr>
+                    </a:p>
+                  </a:txBody>
+                  <a:tcPr anchor="ctr"/>
+                </a:tc>
+                <a:tc>
+                  <a:txBody>
+                    <a:bodyPr/>
+                    <a:lstStyle/>
+                    <a:p>
+                      <a:pPr algn="ctr"/>
+                      <a:endParaRPr lang="zh-CN" altLang="en-US" baseline="0" dirty="0">
+                        <a:latin typeface="Times New Roman" panose="02020603050405020304" pitchFamily="18" charset="0"/>
+                        <a:ea typeface="宋体" panose="02010600030101010101" pitchFamily="2" charset="-122"/>
+                        <a:cs typeface="Times New Roman" panose="02020603050405020304" pitchFamily="18" charset="0"/>
+                      </a:endParaRPr>
+                    </a:p>
+                  </a:txBody>
+                  <a:tcPr anchor="ctr"/>
+                </a:tc>
+                <a:extLst>
+                  <a:ext uri="{0D108BD9-81ED-4DB2-BD59-A6C34878D82A}">
+                    <a16:rowId xmlns:a16="http://schemas.microsoft.com/office/drawing/2014/main" val="3403059162"/>
+                  </a:ext>
+                </a:extLst>
+              </a:tr>
+              <a:tr h="489035">
+                <a:tc>
+                  <a:txBody>
+                    <a:bodyPr/>
+                    <a:lstStyle/>
+                    <a:p>
+                      <a:endParaRPr lang="zh-CN" altLang="en-US" baseline="0" dirty="0">
+                        <a:latin typeface="Times New Roman" panose="02020603050405020304" pitchFamily="18" charset="0"/>
+                        <a:ea typeface="宋体" panose="02010600030101010101" pitchFamily="2" charset="-122"/>
+                        <a:cs typeface="Times New Roman" panose="02020603050405020304" pitchFamily="18" charset="0"/>
+                      </a:endParaRPr>
+                    </a:p>
+                  </a:txBody>
+                  <a:tcPr>
+                    <a:lnL w="12700" cmpd="sng">
+                      <a:noFill/>
+                    </a:lnL>
+                    <a:lnR w="12700" cap="flat" cmpd="sng" algn="ctr">
+                      <a:solidFill>
+                        <a:schemeClr val="tx1"/>
+                      </a:solidFill>
+                      <a:prstDash val="solid"/>
+                      <a:round/>
+                      <a:headEnd type="none" w="med" len="med"/>
+                      <a:tailEnd type="none" w="med" len="med"/>
+                    </a:lnR>
+                    <a:lnT w="12700" cmpd="sng">
+                      <a:noFill/>
+                    </a:lnT>
+                    <a:lnB w="12700" cmpd="sng">
+                      <a:noFill/>
+                    </a:lnB>
+                    <a:lnTlToBr w="12700" cmpd="sng">
+                      <a:noFill/>
+                      <a:prstDash val="solid"/>
+                    </a:lnTlToBr>
+                    <a:lnBlToTr w="12700" cmpd="sng">
+                      <a:noFill/>
+                      <a:prstDash val="solid"/>
+                    </a:lnBlToTr>
+                  </a:tcPr>
+                </a:tc>
+                <a:tc>
+                  <a:txBody>
+                    <a:bodyPr/>
+                    <a:lstStyle/>
+                    <a:p>
+                      <a:pPr algn="ctr"/>
+                      <a:endParaRPr lang="zh-CN" altLang="en-US" baseline="0" dirty="0">
+                        <a:latin typeface="Times New Roman" panose="02020603050405020304" pitchFamily="18" charset="0"/>
+                        <a:ea typeface="宋体" panose="02010600030101010101" pitchFamily="2" charset="-122"/>
+                        <a:cs typeface="Times New Roman" panose="02020603050405020304" pitchFamily="18" charset="0"/>
+                      </a:endParaRPr>
+                    </a:p>
+                  </a:txBody>
+                  <a:tcPr anchor="ctr">
+                    <a:lnL w="12700" cap="flat" cmpd="sng" algn="ctr">
+                      <a:solidFill>
+                        <a:schemeClr val="tx1"/>
+                      </a:solidFill>
+                      <a:prstDash val="solid"/>
+                      <a:round/>
+                      <a:headEnd type="none" w="med" len="med"/>
+                      <a:tailEnd type="none" w="med" len="med"/>
+                    </a:lnL>
+                    <a:lnR w="12700" cap="flat" cmpd="sng" algn="ctr">
+                      <a:solidFill>
+                        <a:schemeClr val="tx1"/>
+                      </a:solidFill>
+                      <a:prstDash val="solid"/>
+                      <a:round/>
+                      <a:headEnd type="none" w="med" len="med"/>
+                      <a:tailEnd type="none" w="med" len="med"/>
+                    </a:lnR>
+                  </a:tcPr>
+                </a:tc>
+                <a:tc>
+                  <a:txBody>
+                    <a:bodyPr/>
+                    <a:lstStyle/>
+                    <a:p>
+                      <a:pPr algn="ctr"/>
+                      <a:endParaRPr lang="zh-CN" altLang="en-US" baseline="0" dirty="0">
+                        <a:latin typeface="Times New Roman" panose="02020603050405020304" pitchFamily="18" charset="0"/>
+                        <a:ea typeface="宋体" panose="02010600030101010101" pitchFamily="2" charset="-122"/>
+                        <a:cs typeface="Times New Roman" panose="02020603050405020304" pitchFamily="18" charset="0"/>
+                      </a:endParaRPr>
+                    </a:p>
+                  </a:txBody>
+                  <a:tcPr anchor="ctr">
+                    <a:lnL w="12700" cap="flat" cmpd="sng" algn="ctr">
+                      <a:solidFill>
+                        <a:schemeClr val="tx1"/>
+                      </a:solidFill>
+                      <a:prstDash val="solid"/>
+                      <a:round/>
+                      <a:headEnd type="none" w="med" len="med"/>
+                      <a:tailEnd type="none" w="med" len="med"/>
+                    </a:lnL>
+                  </a:tcPr>
+                </a:tc>
+                <a:tc>
+                  <a:txBody>
+                    <a:bodyPr/>
+                    <a:lstStyle/>
+                    <a:p>
+                      <a:pPr algn="ctr"/>
+                      <a:endParaRPr lang="zh-CN" altLang="en-US" baseline="0" dirty="0">
+                        <a:latin typeface="Times New Roman" panose="02020603050405020304" pitchFamily="18" charset="0"/>
+                        <a:ea typeface="宋体" panose="02010600030101010101" pitchFamily="2" charset="-122"/>
+                        <a:cs typeface="Times New Roman" panose="02020603050405020304" pitchFamily="18" charset="0"/>
+                      </a:endParaRPr>
+                    </a:p>
+                  </a:txBody>
+                  <a:tcPr anchor="ctr"/>
+                </a:tc>
+                <a:tc>
+                  <a:txBody>
+                    <a:bodyPr/>
+                    <a:lstStyle/>
+                    <a:p>
+                      <a:pPr algn="ctr"/>
+                      <a:endParaRPr lang="zh-CN" altLang="en-US" baseline="0" dirty="0">
+                        <a:latin typeface="Times New Roman" panose="02020603050405020304" pitchFamily="18" charset="0"/>
+                        <a:ea typeface="宋体" panose="02010600030101010101" pitchFamily="2" charset="-122"/>
+                        <a:cs typeface="Times New Roman" panose="02020603050405020304" pitchFamily="18" charset="0"/>
+                      </a:endParaRPr>
+                    </a:p>
+                  </a:txBody>
+                  <a:tcPr anchor="ctr"/>
+                </a:tc>
+                <a:tc>
+                  <a:txBody>
+                    <a:bodyPr/>
+                    <a:lstStyle/>
+                    <a:p>
+                      <a:pPr algn="ctr"/>
+                      <a:endParaRPr lang="zh-CN" altLang="en-US" baseline="0" dirty="0">
+                        <a:latin typeface="Times New Roman" panose="02020603050405020304" pitchFamily="18" charset="0"/>
+                        <a:ea typeface="宋体" panose="02010600030101010101" pitchFamily="2" charset="-122"/>
+                        <a:cs typeface="Times New Roman" panose="02020603050405020304" pitchFamily="18" charset="0"/>
+                      </a:endParaRPr>
+                    </a:p>
+                  </a:txBody>
+                  <a:tcPr anchor="ctr"/>
+                </a:tc>
+                <a:tc>
+                  <a:txBody>
+                    <a:bodyPr/>
+                    <a:lstStyle/>
+                    <a:p>
+                      <a:pPr algn="ctr"/>
+                      <a:endParaRPr lang="zh-CN" altLang="en-US" baseline="0" dirty="0">
+                        <a:latin typeface="Times New Roman" panose="02020603050405020304" pitchFamily="18" charset="0"/>
+                        <a:ea typeface="宋体" panose="02010600030101010101" pitchFamily="2" charset="-122"/>
+                        <a:cs typeface="Times New Roman" panose="02020603050405020304" pitchFamily="18" charset="0"/>
+                      </a:endParaRPr>
+                    </a:p>
+                  </a:txBody>
+                  <a:tcPr anchor="ctr"/>
+                </a:tc>
+                <a:extLst>
+                  <a:ext uri="{0D108BD9-81ED-4DB2-BD59-A6C34878D82A}">
+                    <a16:rowId xmlns:a16="http://schemas.microsoft.com/office/drawing/2014/main" val="2385879809"/>
+                  </a:ext>
+                </a:extLst>
+              </a:tr>
+            </a:tbl>
+          </a:graphicData>
+        </a:graphic>
+      </p:graphicFrame>
+      <p:pic>
+        <p:nvPicPr>
+          <p:cNvPr id="29" name="图片 28">
+            <a:extLst>
+              <a:ext uri="{FF2B5EF4-FFF2-40B4-BE49-F238E27FC236}">
+                <a16:creationId xmlns:a16="http://schemas.microsoft.com/office/drawing/2014/main" id="{0DA5549D-B17F-4119-A243-4F4D02D29DED}"/>
+              </a:ext>
+            </a:extLst>
+          </p:cNvPr>
+          <p:cNvPicPr>
+            <a:picLocks noChangeAspect="1"/>
+          </p:cNvPicPr>
+          <p:nvPr/>
+        </p:nvPicPr>
+        <p:blipFill>
+          <a:blip r:embed="rId3">
+            <a:extLst>
+              <a:ext uri="{28A0092B-C50C-407E-A947-70E740481C1C}">
+                <a14:useLocalDpi xmlns:a14="http://schemas.microsoft.com/office/drawing/2010/main" val="0"/>
+              </a:ext>
+            </a:extLst>
+          </a:blip>
+          <a:srcRect/>
+          <a:stretch/>
+        </p:blipFill>
+        <p:spPr>
+          <a:xfrm>
+            <a:off x="5361086" y="3245979"/>
+            <a:ext cx="3237068" cy="2306053"/>
+          </a:xfrm>
+          <a:prstGeom prst="rect">
+            <a:avLst/>
+          </a:prstGeom>
+        </p:spPr>
+      </p:pic>
+      <p:sp>
+        <p:nvSpPr>
+          <p:cNvPr id="31" name="文本框 30">
+            <a:extLst>
+              <a:ext uri="{FF2B5EF4-FFF2-40B4-BE49-F238E27FC236}">
+                <a16:creationId xmlns:a16="http://schemas.microsoft.com/office/drawing/2014/main" id="{195E88C7-DD89-48A6-84A2-379D432CCDF1}"/>
+              </a:ext>
+            </a:extLst>
+          </p:cNvPr>
+          <p:cNvSpPr txBox="1"/>
+          <p:nvPr/>
+        </p:nvSpPr>
+        <p:spPr>
+          <a:xfrm>
+            <a:off x="5461713" y="1635760"/>
+            <a:ext cx="3166380" cy="1169551"/>
+          </a:xfrm>
+          <a:prstGeom prst="rect">
+            <a:avLst/>
+          </a:prstGeom>
+          <a:noFill/>
+        </p:spPr>
+        <p:txBody>
+          <a:bodyPr wrap="none" rtlCol="0">
+            <a:spAutoFit/>
+          </a:bodyPr>
+          <a:lstStyle/>
+          <a:p>
+            <a:pPr>
+              <a:spcAft>
+                <a:spcPts val="600"/>
+              </a:spcAft>
+            </a:pPr>
+            <a:r>
+              <a:rPr lang="en-US" altLang="zh-CN" sz="2000" dirty="0">
+                <a:latin typeface="Times New Roman" panose="02020603050405020304" pitchFamily="18" charset="0"/>
+                <a:cs typeface="Times New Roman" panose="02020603050405020304" pitchFamily="18" charset="0"/>
+              </a:rPr>
+              <a:t>[ 10, 12, 13, </a:t>
+            </a:r>
+            <a:r>
+              <a:rPr lang="en-US" altLang="zh-CN" sz="2000" dirty="0">
+                <a:solidFill>
+                  <a:schemeClr val="accent4">
+                    <a:lumMod val="75000"/>
+                  </a:schemeClr>
+                </a:solidFill>
+                <a:latin typeface="Times New Roman" panose="02020603050405020304" pitchFamily="18" charset="0"/>
+                <a:cs typeface="Times New Roman" panose="02020603050405020304" pitchFamily="18" charset="0"/>
+              </a:rPr>
+              <a:t>11</a:t>
+            </a:r>
+            <a:r>
+              <a:rPr lang="en-US" altLang="zh-CN" sz="2000" dirty="0">
+                <a:latin typeface="Times New Roman" panose="02020603050405020304" pitchFamily="18" charset="0"/>
+                <a:cs typeface="Times New Roman" panose="02020603050405020304" pitchFamily="18" charset="0"/>
+              </a:rPr>
+              <a:t>, </a:t>
+            </a:r>
+            <a:r>
+              <a:rPr lang="en-US" altLang="zh-CN" sz="2000" dirty="0">
+                <a:solidFill>
+                  <a:schemeClr val="accent4">
+                    <a:lumMod val="75000"/>
+                  </a:schemeClr>
+                </a:solidFill>
+                <a:latin typeface="Times New Roman" panose="02020603050405020304" pitchFamily="18" charset="0"/>
+                <a:cs typeface="Times New Roman" panose="02020603050405020304" pitchFamily="18" charset="0"/>
+              </a:rPr>
+              <a:t>8</a:t>
+            </a:r>
+            <a:r>
+              <a:rPr lang="en-US" altLang="zh-CN" sz="2000" dirty="0">
+                <a:latin typeface="Times New Roman" panose="02020603050405020304" pitchFamily="18" charset="0"/>
+                <a:cs typeface="Times New Roman" panose="02020603050405020304" pitchFamily="18" charset="0"/>
+              </a:rPr>
+              <a:t>, 9, </a:t>
+            </a:r>
+            <a:r>
+              <a:rPr lang="en-US" altLang="zh-CN" sz="2000" dirty="0">
+                <a:solidFill>
+                  <a:schemeClr val="accent4">
+                    <a:lumMod val="75000"/>
+                  </a:schemeClr>
+                </a:solidFill>
+                <a:latin typeface="Times New Roman" panose="02020603050405020304" pitchFamily="18" charset="0"/>
+                <a:cs typeface="Times New Roman" panose="02020603050405020304" pitchFamily="18" charset="0"/>
+              </a:rPr>
+              <a:t>5</a:t>
+            </a:r>
+            <a:r>
+              <a:rPr lang="en-US" altLang="zh-CN" sz="2000" dirty="0">
+                <a:latin typeface="Times New Roman" panose="02020603050405020304" pitchFamily="18" charset="0"/>
+                <a:cs typeface="Times New Roman" panose="02020603050405020304" pitchFamily="18" charset="0"/>
+              </a:rPr>
+              <a:t>, 6, </a:t>
+            </a:r>
+            <a:r>
+              <a:rPr lang="en-US" altLang="zh-CN" sz="2000" dirty="0">
+                <a:solidFill>
+                  <a:schemeClr val="accent4">
+                    <a:lumMod val="75000"/>
+                  </a:schemeClr>
+                </a:solidFill>
+                <a:latin typeface="Times New Roman" panose="02020603050405020304" pitchFamily="18" charset="0"/>
+                <a:cs typeface="Times New Roman" panose="02020603050405020304" pitchFamily="18" charset="0"/>
+              </a:rPr>
+              <a:t>3</a:t>
+            </a:r>
+            <a:r>
+              <a:rPr lang="en-US" altLang="zh-CN" sz="2000" dirty="0">
+                <a:latin typeface="Times New Roman" panose="02020603050405020304" pitchFamily="18" charset="0"/>
+                <a:cs typeface="Times New Roman" panose="02020603050405020304" pitchFamily="18" charset="0"/>
+              </a:rPr>
+              <a:t> ]</a:t>
+            </a:r>
+            <a:endParaRPr lang="en-US" altLang="zh-CN" sz="2000" dirty="0">
+              <a:latin typeface="Times New Roman" panose="02020603050405020304" pitchFamily="18" charset="0"/>
+              <a:ea typeface="宋体" panose="02010600030101010101" pitchFamily="2" charset="-122"/>
+              <a:cs typeface="Times New Roman" panose="02020603050405020304" pitchFamily="18" charset="0"/>
+            </a:endParaRPr>
+          </a:p>
+          <a:p>
+            <a:pPr algn="l">
+              <a:spcAft>
+                <a:spcPts val="600"/>
+              </a:spcAft>
+            </a:pPr>
+            <a:r>
+              <a:rPr lang="zh-CN" altLang="en-US" sz="2000" dirty="0">
+                <a:latin typeface="Times New Roman" panose="02020603050405020304" pitchFamily="18" charset="0"/>
+                <a:ea typeface="宋体" panose="02010600030101010101" pitchFamily="2" charset="-122"/>
+                <a:cs typeface="Times New Roman" panose="02020603050405020304" pitchFamily="18" charset="0"/>
+              </a:rPr>
+              <a:t>反转的后序遍历数组</a:t>
+            </a:r>
+            <a:endParaRPr lang="en-US" altLang="zh-CN" sz="2000" dirty="0">
+              <a:latin typeface="Times New Roman" panose="02020603050405020304" pitchFamily="18" charset="0"/>
+              <a:ea typeface="宋体" panose="02010600030101010101" pitchFamily="2" charset="-122"/>
+              <a:cs typeface="Times New Roman" panose="02020603050405020304" pitchFamily="18" charset="0"/>
+            </a:endParaRPr>
+          </a:p>
+          <a:p>
+            <a:pPr algn="l">
+              <a:spcAft>
+                <a:spcPts val="600"/>
+              </a:spcAft>
+            </a:pPr>
+            <a:r>
+              <a:rPr lang="zh-CN" altLang="en-US" sz="2000" dirty="0">
+                <a:latin typeface="Times New Roman" panose="02020603050405020304" pitchFamily="18" charset="0"/>
+                <a:ea typeface="宋体" panose="02010600030101010101" pitchFamily="2" charset="-122"/>
+                <a:cs typeface="Times New Roman" panose="02020603050405020304" pitchFamily="18" charset="0"/>
+              </a:rPr>
+              <a:t>根→右→左</a:t>
+            </a:r>
+            <a:endParaRPr lang="en-US" altLang="zh-CN" sz="2000" dirty="0">
+              <a:latin typeface="Times New Roman" panose="02020603050405020304" pitchFamily="18" charset="0"/>
+              <a:ea typeface="宋体" panose="02010600030101010101" pitchFamily="2" charset="-122"/>
+              <a:cs typeface="Times New Roman" panose="02020603050405020304" pitchFamily="18" charset="0"/>
+            </a:endParaRPr>
+          </a:p>
+        </p:txBody>
+      </p:sp>
+      <p:sp>
+        <p:nvSpPr>
+          <p:cNvPr id="33" name="文本框 32">
+            <a:extLst>
+              <a:ext uri="{FF2B5EF4-FFF2-40B4-BE49-F238E27FC236}">
+                <a16:creationId xmlns:a16="http://schemas.microsoft.com/office/drawing/2014/main" id="{563695CA-1ACB-4212-9F95-E80369EC6275}"/>
+              </a:ext>
+            </a:extLst>
+          </p:cNvPr>
+          <p:cNvSpPr txBox="1"/>
+          <p:nvPr/>
+        </p:nvSpPr>
+        <p:spPr>
+          <a:xfrm>
+            <a:off x="9143607" y="1661735"/>
+            <a:ext cx="5630067" cy="3970318"/>
+          </a:xfrm>
+          <a:prstGeom prst="rect">
+            <a:avLst/>
+          </a:prstGeom>
+          <a:noFill/>
+        </p:spPr>
+        <p:txBody>
+          <a:bodyPr wrap="none" rtlCol="0">
+            <a:spAutoFit/>
+          </a:bodyPr>
+          <a:lstStyle/>
+          <a:p>
+            <a:pPr algn="l"/>
+            <a:r>
+              <a:rPr lang="en-US" altLang="zh-CN" dirty="0">
+                <a:latin typeface="Consolas" panose="020B0609020204030204" pitchFamily="49" charset="0"/>
+              </a:rPr>
+              <a:t>stack&lt;int&gt; </a:t>
+            </a:r>
+            <a:r>
+              <a:rPr lang="en-US" altLang="zh-CN" dirty="0" err="1">
+                <a:latin typeface="Consolas" panose="020B0609020204030204" pitchFamily="49" charset="0"/>
+              </a:rPr>
+              <a:t>stk</a:t>
+            </a:r>
+            <a:r>
+              <a:rPr lang="en-US" altLang="zh-CN" dirty="0">
+                <a:latin typeface="Consolas" panose="020B0609020204030204" pitchFamily="49" charset="0"/>
+              </a:rPr>
+              <a:t>;</a:t>
+            </a:r>
+          </a:p>
+          <a:p>
+            <a:pPr algn="l"/>
+            <a:r>
+              <a:rPr lang="en-US" altLang="zh-CN" dirty="0">
+                <a:latin typeface="Consolas" panose="020B0609020204030204" pitchFamily="49" charset="0"/>
+              </a:rPr>
+              <a:t>int root = INT_MAX;</a:t>
+            </a:r>
+          </a:p>
+          <a:p>
+            <a:pPr algn="l"/>
+            <a:r>
+              <a:rPr lang="en-US" altLang="zh-CN" dirty="0">
+                <a:latin typeface="Consolas" panose="020B0609020204030204" pitchFamily="49" charset="0"/>
+              </a:rPr>
+              <a:t>for (int </a:t>
+            </a:r>
+            <a:r>
+              <a:rPr lang="en-US" altLang="zh-CN" dirty="0" err="1">
+                <a:latin typeface="Consolas" panose="020B0609020204030204" pitchFamily="49" charset="0"/>
+              </a:rPr>
+              <a:t>i</a:t>
+            </a:r>
+            <a:r>
+              <a:rPr lang="en-US" altLang="zh-CN" dirty="0">
+                <a:latin typeface="Consolas" panose="020B0609020204030204" pitchFamily="49" charset="0"/>
+              </a:rPr>
+              <a:t>=</a:t>
+            </a:r>
+            <a:r>
+              <a:rPr lang="en-US" altLang="zh-CN" dirty="0" err="1">
+                <a:latin typeface="Consolas" panose="020B0609020204030204" pitchFamily="49" charset="0"/>
+              </a:rPr>
+              <a:t>postorder.size</a:t>
+            </a:r>
+            <a:r>
+              <a:rPr lang="en-US" altLang="zh-CN" dirty="0">
+                <a:latin typeface="Consolas" panose="020B0609020204030204" pitchFamily="49" charset="0"/>
+              </a:rPr>
+              <a:t>()-1; </a:t>
+            </a:r>
+            <a:r>
+              <a:rPr lang="en-US" altLang="zh-CN" dirty="0" err="1">
+                <a:latin typeface="Consolas" panose="020B0609020204030204" pitchFamily="49" charset="0"/>
+              </a:rPr>
+              <a:t>i</a:t>
+            </a:r>
+            <a:r>
+              <a:rPr lang="en-US" altLang="zh-CN" dirty="0">
+                <a:latin typeface="Consolas" panose="020B0609020204030204" pitchFamily="49" charset="0"/>
+              </a:rPr>
+              <a:t>&gt;=0; --</a:t>
+            </a:r>
+            <a:r>
+              <a:rPr lang="en-US" altLang="zh-CN" dirty="0" err="1">
+                <a:latin typeface="Consolas" panose="020B0609020204030204" pitchFamily="49" charset="0"/>
+              </a:rPr>
+              <a:t>i</a:t>
+            </a:r>
+            <a:r>
+              <a:rPr lang="en-US" altLang="zh-CN" dirty="0">
+                <a:latin typeface="Consolas" panose="020B0609020204030204" pitchFamily="49" charset="0"/>
+              </a:rPr>
+              <a:t>) {</a:t>
+            </a:r>
+          </a:p>
+          <a:p>
+            <a:pPr algn="l"/>
+            <a:r>
+              <a:rPr lang="en-US" altLang="zh-CN" dirty="0">
+                <a:latin typeface="Consolas" panose="020B0609020204030204" pitchFamily="49" charset="0"/>
+              </a:rPr>
+              <a:t>    int cur = </a:t>
+            </a:r>
+            <a:r>
+              <a:rPr lang="en-US" altLang="zh-CN" dirty="0" err="1">
+                <a:latin typeface="Consolas" panose="020B0609020204030204" pitchFamily="49" charset="0"/>
+              </a:rPr>
+              <a:t>postorder</a:t>
+            </a:r>
+            <a:r>
+              <a:rPr lang="en-US" altLang="zh-CN" dirty="0">
+                <a:latin typeface="Consolas" panose="020B0609020204030204" pitchFamily="49" charset="0"/>
+              </a:rPr>
+              <a:t>[</a:t>
+            </a:r>
+            <a:r>
+              <a:rPr lang="en-US" altLang="zh-CN" dirty="0" err="1">
+                <a:latin typeface="Consolas" panose="020B0609020204030204" pitchFamily="49" charset="0"/>
+              </a:rPr>
+              <a:t>i</a:t>
+            </a:r>
+            <a:r>
+              <a:rPr lang="en-US" altLang="zh-CN" dirty="0">
+                <a:latin typeface="Consolas" panose="020B0609020204030204" pitchFamily="49" charset="0"/>
+              </a:rPr>
+              <a:t>];</a:t>
+            </a:r>
+          </a:p>
+          <a:p>
+            <a:pPr algn="l"/>
+            <a:r>
+              <a:rPr lang="en-US" altLang="zh-CN" dirty="0">
+                <a:latin typeface="Consolas" panose="020B0609020204030204" pitchFamily="49" charset="0"/>
+              </a:rPr>
+              <a:t>    while (!</a:t>
+            </a:r>
+            <a:r>
+              <a:rPr lang="en-US" altLang="zh-CN" dirty="0" err="1">
+                <a:latin typeface="Consolas" panose="020B0609020204030204" pitchFamily="49" charset="0"/>
+              </a:rPr>
+              <a:t>stk.empty</a:t>
+            </a:r>
+            <a:r>
+              <a:rPr lang="en-US" altLang="zh-CN" dirty="0">
+                <a:latin typeface="Consolas" panose="020B0609020204030204" pitchFamily="49" charset="0"/>
+              </a:rPr>
+              <a:t>() &amp;&amp; </a:t>
+            </a:r>
+            <a:r>
+              <a:rPr lang="en-US" altLang="zh-CN" dirty="0">
+                <a:solidFill>
+                  <a:schemeClr val="accent4">
+                    <a:lumMod val="75000"/>
+                  </a:schemeClr>
+                </a:solidFill>
+                <a:latin typeface="Consolas" panose="020B0609020204030204" pitchFamily="49" charset="0"/>
+              </a:rPr>
+              <a:t>cur&lt;</a:t>
+            </a:r>
+            <a:r>
+              <a:rPr lang="en-US" altLang="zh-CN" dirty="0" err="1">
+                <a:solidFill>
+                  <a:schemeClr val="accent4">
+                    <a:lumMod val="75000"/>
+                  </a:schemeClr>
+                </a:solidFill>
+                <a:latin typeface="Consolas" panose="020B0609020204030204" pitchFamily="49" charset="0"/>
+              </a:rPr>
+              <a:t>stk.top</a:t>
+            </a:r>
+            <a:r>
+              <a:rPr lang="en-US" altLang="zh-CN" dirty="0">
+                <a:solidFill>
+                  <a:schemeClr val="accent4">
+                    <a:lumMod val="75000"/>
+                  </a:schemeClr>
+                </a:solidFill>
+                <a:latin typeface="Consolas" panose="020B0609020204030204" pitchFamily="49" charset="0"/>
+              </a:rPr>
+              <a:t>()</a:t>
+            </a:r>
+            <a:r>
+              <a:rPr lang="en-US" altLang="zh-CN" dirty="0">
+                <a:latin typeface="Consolas" panose="020B0609020204030204" pitchFamily="49" charset="0"/>
+              </a:rPr>
+              <a:t>) {</a:t>
+            </a:r>
+          </a:p>
+          <a:p>
+            <a:pPr algn="l"/>
+            <a:r>
+              <a:rPr lang="en-US" altLang="zh-CN" dirty="0">
+                <a:solidFill>
+                  <a:srgbClr val="00B050"/>
+                </a:solidFill>
+                <a:latin typeface="Consolas" panose="020B0609020204030204" pitchFamily="49" charset="0"/>
+              </a:rPr>
+              <a:t>        root = </a:t>
+            </a:r>
+            <a:r>
+              <a:rPr lang="en-US" altLang="zh-CN" dirty="0" err="1">
+                <a:solidFill>
+                  <a:srgbClr val="00B050"/>
+                </a:solidFill>
+                <a:latin typeface="Consolas" panose="020B0609020204030204" pitchFamily="49" charset="0"/>
+              </a:rPr>
+              <a:t>stk.top</a:t>
+            </a:r>
+            <a:r>
+              <a:rPr lang="en-US" altLang="zh-CN" dirty="0">
+                <a:solidFill>
+                  <a:srgbClr val="00B050"/>
+                </a:solidFill>
+                <a:latin typeface="Consolas" panose="020B0609020204030204" pitchFamily="49" charset="0"/>
+              </a:rPr>
+              <a:t>();</a:t>
+            </a:r>
+          </a:p>
+          <a:p>
+            <a:pPr algn="l"/>
+            <a:r>
+              <a:rPr lang="en-US" altLang="zh-CN" dirty="0">
+                <a:solidFill>
+                  <a:srgbClr val="00B050"/>
+                </a:solidFill>
+                <a:latin typeface="Consolas" panose="020B0609020204030204" pitchFamily="49" charset="0"/>
+              </a:rPr>
+              <a:t>        </a:t>
+            </a:r>
+            <a:r>
+              <a:rPr lang="en-US" altLang="zh-CN" dirty="0" err="1">
+                <a:solidFill>
+                  <a:srgbClr val="00B050"/>
+                </a:solidFill>
+                <a:latin typeface="Consolas" panose="020B0609020204030204" pitchFamily="49" charset="0"/>
+              </a:rPr>
+              <a:t>stk.pop</a:t>
+            </a:r>
+            <a:r>
+              <a:rPr lang="en-US" altLang="zh-CN" dirty="0">
+                <a:solidFill>
+                  <a:srgbClr val="00B050"/>
+                </a:solidFill>
+                <a:latin typeface="Consolas" panose="020B0609020204030204" pitchFamily="49" charset="0"/>
+              </a:rPr>
+              <a:t>();</a:t>
+            </a:r>
+          </a:p>
+          <a:p>
+            <a:pPr algn="l"/>
+            <a:r>
+              <a:rPr lang="en-US" altLang="zh-CN" dirty="0">
+                <a:latin typeface="Consolas" panose="020B0609020204030204" pitchFamily="49" charset="0"/>
+              </a:rPr>
+              <a:t>    }</a:t>
+            </a:r>
+          </a:p>
+          <a:p>
+            <a:pPr algn="l"/>
+            <a:r>
+              <a:rPr lang="en-US" altLang="zh-CN" dirty="0">
+                <a:solidFill>
+                  <a:srgbClr val="FF0000"/>
+                </a:solidFill>
+                <a:latin typeface="Consolas" panose="020B0609020204030204" pitchFamily="49" charset="0"/>
+              </a:rPr>
+              <a:t>    if (cur&gt;root) {</a:t>
+            </a:r>
+          </a:p>
+          <a:p>
+            <a:pPr algn="l"/>
+            <a:r>
+              <a:rPr lang="en-US" altLang="zh-CN" dirty="0">
+                <a:solidFill>
+                  <a:srgbClr val="FF0000"/>
+                </a:solidFill>
+                <a:latin typeface="Consolas" panose="020B0609020204030204" pitchFamily="49" charset="0"/>
+              </a:rPr>
+              <a:t>        return false;</a:t>
+            </a:r>
+          </a:p>
+          <a:p>
+            <a:pPr algn="l"/>
+            <a:r>
+              <a:rPr lang="en-US" altLang="zh-CN" dirty="0">
+                <a:solidFill>
+                  <a:srgbClr val="FF0000"/>
+                </a:solidFill>
+                <a:latin typeface="Consolas" panose="020B0609020204030204" pitchFamily="49" charset="0"/>
+              </a:rPr>
+              <a:t>    }</a:t>
+            </a:r>
+          </a:p>
+          <a:p>
+            <a:pPr algn="l"/>
+            <a:r>
+              <a:rPr lang="en-US" altLang="zh-CN" dirty="0">
+                <a:latin typeface="Consolas" panose="020B0609020204030204" pitchFamily="49" charset="0"/>
+              </a:rPr>
+              <a:t>    </a:t>
+            </a:r>
+            <a:r>
+              <a:rPr lang="en-US" altLang="zh-CN" dirty="0" err="1">
+                <a:solidFill>
+                  <a:srgbClr val="00B0F0"/>
+                </a:solidFill>
+                <a:latin typeface="Consolas" panose="020B0609020204030204" pitchFamily="49" charset="0"/>
+              </a:rPr>
+              <a:t>stk.push</a:t>
+            </a:r>
+            <a:r>
+              <a:rPr lang="en-US" altLang="zh-CN" dirty="0">
+                <a:solidFill>
+                  <a:srgbClr val="00B0F0"/>
+                </a:solidFill>
+                <a:latin typeface="Consolas" panose="020B0609020204030204" pitchFamily="49" charset="0"/>
+              </a:rPr>
+              <a:t>(cur);</a:t>
+            </a:r>
+          </a:p>
+          <a:p>
+            <a:pPr algn="l"/>
+            <a:r>
+              <a:rPr lang="en-US" altLang="zh-CN" dirty="0">
+                <a:latin typeface="Consolas" panose="020B0609020204030204" pitchFamily="49" charset="0"/>
+              </a:rPr>
+              <a:t>}</a:t>
+            </a:r>
+          </a:p>
+          <a:p>
+            <a:pPr algn="l"/>
+            <a:r>
+              <a:rPr lang="en-US" altLang="zh-CN" dirty="0">
+                <a:latin typeface="Consolas" panose="020B0609020204030204" pitchFamily="49" charset="0"/>
+              </a:rPr>
+              <a:t>return true;</a:t>
+            </a:r>
+            <a:endParaRPr lang="zh-CN" altLang="en-US" dirty="0" err="1">
+              <a:latin typeface="Consolas" panose="020B0609020204030204" pitchFamily="49" charset="0"/>
+            </a:endParaRPr>
+          </a:p>
+        </p:txBody>
+      </p:sp>
+      <p:cxnSp>
+        <p:nvCxnSpPr>
+          <p:cNvPr id="3" name="直接箭头连接符 2">
+            <a:extLst>
+              <a:ext uri="{FF2B5EF4-FFF2-40B4-BE49-F238E27FC236}">
+                <a16:creationId xmlns:a16="http://schemas.microsoft.com/office/drawing/2014/main" id="{D98A3B01-AAE0-4D01-8499-00C6E0D23A16}"/>
+              </a:ext>
+            </a:extLst>
+          </p:cNvPr>
+          <p:cNvCxnSpPr>
+            <a:cxnSpLocks/>
+          </p:cNvCxnSpPr>
+          <p:nvPr/>
+        </p:nvCxnSpPr>
+        <p:spPr>
+          <a:xfrm>
+            <a:off x="1307804" y="4318984"/>
+            <a:ext cx="0" cy="1475760"/>
+          </a:xfrm>
+          <a:prstGeom prst="straightConnector1">
+            <a:avLst/>
+          </a:prstGeom>
+          <a:ln w="19050">
+            <a:solidFill>
+              <a:schemeClr val="tx1"/>
+            </a:solidFill>
+            <a:tailEnd type="triangle" w="lg" len="lg"/>
+          </a:ln>
+        </p:spPr>
+        <p:style>
+          <a:lnRef idx="1">
+            <a:schemeClr val="accent1"/>
+          </a:lnRef>
+          <a:fillRef idx="0">
+            <a:schemeClr val="accent1"/>
+          </a:fillRef>
+          <a:effectRef idx="0">
+            <a:schemeClr val="accent1"/>
+          </a:effectRef>
+          <a:fontRef idx="minor">
+            <a:schemeClr val="tx1"/>
+          </a:fontRef>
+        </p:style>
+      </p:cxnSp>
+      <p:cxnSp>
+        <p:nvCxnSpPr>
+          <p:cNvPr id="8" name="直接箭头连接符 7">
+            <a:extLst>
+              <a:ext uri="{FF2B5EF4-FFF2-40B4-BE49-F238E27FC236}">
+                <a16:creationId xmlns:a16="http://schemas.microsoft.com/office/drawing/2014/main" id="{BC9759B3-4ABC-4555-BCFB-0FA8596132F2}"/>
+              </a:ext>
+            </a:extLst>
+          </p:cNvPr>
+          <p:cNvCxnSpPr>
+            <a:cxnSpLocks/>
+          </p:cNvCxnSpPr>
+          <p:nvPr/>
+        </p:nvCxnSpPr>
+        <p:spPr>
+          <a:xfrm flipV="1">
+            <a:off x="1311354" y="2339163"/>
+            <a:ext cx="0" cy="1544888"/>
+          </a:xfrm>
+          <a:prstGeom prst="straightConnector1">
+            <a:avLst/>
+          </a:prstGeom>
+          <a:ln w="19050">
+            <a:solidFill>
+              <a:schemeClr val="tx1"/>
+            </a:solidFill>
+            <a:tailEnd type="triangle" w="lg" len="lg"/>
+          </a:ln>
+        </p:spPr>
+        <p:style>
+          <a:lnRef idx="1">
+            <a:schemeClr val="accent1"/>
+          </a:lnRef>
+          <a:fillRef idx="0">
+            <a:schemeClr val="accent1"/>
+          </a:fillRef>
+          <a:effectRef idx="0">
+            <a:schemeClr val="accent1"/>
+          </a:effectRef>
+          <a:fontRef idx="minor">
+            <a:schemeClr val="tx1"/>
+          </a:fontRef>
+        </p:style>
+      </p:cxnSp>
+    </p:spTree>
+    <p:extLst>
+      <p:ext uri="{BB962C8B-B14F-4D97-AF65-F5344CB8AC3E}">
+        <p14:creationId xmlns:p14="http://schemas.microsoft.com/office/powerpoint/2010/main" val="709441502"/>
+      </p:ext>
+    </p:extLst>
+  </p:cSld>
+  <p:clrMapOvr>
+    <a:masterClrMapping/>
+  </p:clrMapOvr>
+</p:sld>
+</file>
+
+<file path=ppt/slides/slide3.xml><?xml version="1.0" encoding="utf-8"?>
+<p:sld xmlns:a="http://schemas.openxmlformats.org/drawingml/2006/main" xmlns:r="http://schemas.openxmlformats.org/officeDocument/2006/relationships" xmlns:p="http://schemas.openxmlformats.org/presentationml/2006/main">
+  <p:cSld>
+    <p:spTree>
+      <p:nvGrpSpPr>
+        <p:cNvPr id="1" name=""/>
+        <p:cNvGrpSpPr/>
+        <p:nvPr/>
+      </p:nvGrpSpPr>
+      <p:grpSpPr>
+        <a:xfrm>
+          <a:off x="0" y="0"/>
+          <a:ext cx="0" cy="0"/>
+          <a:chOff x="0" y="0"/>
+          <a:chExt cx="0" cy="0"/>
+        </a:xfrm>
+      </p:grpSpPr>
+      <p:graphicFrame>
+        <p:nvGraphicFramePr>
+          <p:cNvPr id="4" name="表格 4">
+            <a:extLst>
+              <a:ext uri="{FF2B5EF4-FFF2-40B4-BE49-F238E27FC236}">
+                <a16:creationId xmlns:a16="http://schemas.microsoft.com/office/drawing/2014/main" id="{3C419DC6-31CB-4ADF-BF66-C5F3CF8513AB}"/>
+              </a:ext>
+            </a:extLst>
+          </p:cNvPr>
+          <p:cNvGraphicFramePr>
+            <a:graphicFrameLocks noGrp="1"/>
+          </p:cNvGraphicFramePr>
+          <p:nvPr>
+            <p:extLst>
+              <p:ext uri="{D42A27DB-BD31-4B8C-83A1-F6EECF244321}">
+                <p14:modId xmlns:p14="http://schemas.microsoft.com/office/powerpoint/2010/main" val="3496359139"/>
+              </p:ext>
+            </p:extLst>
+          </p:nvPr>
+        </p:nvGraphicFramePr>
+        <p:xfrm>
+          <a:off x="606056" y="1635760"/>
+          <a:ext cx="4434228" cy="4401315"/>
+        </p:xfrm>
+        <a:graphic>
+          <a:graphicData uri="http://schemas.openxmlformats.org/drawingml/2006/table">
+            <a:tbl>
+              <a:tblPr firstRow="1" bandRow="1">
+                <a:tableStyleId>{5940675A-B579-460E-94D1-54222C63F5DA}</a:tableStyleId>
+              </a:tblPr>
+              <a:tblGrid>
+                <a:gridCol w="825114">
+                  <a:extLst>
+                    <a:ext uri="{9D8B030D-6E8A-4147-A177-3AD203B41FA5}">
+                      <a16:colId xmlns:a16="http://schemas.microsoft.com/office/drawing/2014/main" val="3542528142"/>
+                    </a:ext>
+                  </a:extLst>
+                </a:gridCol>
+                <a:gridCol w="601519">
+                  <a:extLst>
+                    <a:ext uri="{9D8B030D-6E8A-4147-A177-3AD203B41FA5}">
+                      <a16:colId xmlns:a16="http://schemas.microsoft.com/office/drawing/2014/main" val="1320304444"/>
+                    </a:ext>
+                  </a:extLst>
+                </a:gridCol>
+                <a:gridCol w="601519">
+                  <a:extLst>
+                    <a:ext uri="{9D8B030D-6E8A-4147-A177-3AD203B41FA5}">
+                      <a16:colId xmlns:a16="http://schemas.microsoft.com/office/drawing/2014/main" val="1992927471"/>
+                    </a:ext>
+                  </a:extLst>
+                </a:gridCol>
+                <a:gridCol w="601519">
+                  <a:extLst>
+                    <a:ext uri="{9D8B030D-6E8A-4147-A177-3AD203B41FA5}">
+                      <a16:colId xmlns:a16="http://schemas.microsoft.com/office/drawing/2014/main" val="2926391739"/>
+                    </a:ext>
+                  </a:extLst>
+                </a:gridCol>
+                <a:gridCol w="601519">
+                  <a:extLst>
+                    <a:ext uri="{9D8B030D-6E8A-4147-A177-3AD203B41FA5}">
+                      <a16:colId xmlns:a16="http://schemas.microsoft.com/office/drawing/2014/main" val="931456574"/>
+                    </a:ext>
+                  </a:extLst>
+                </a:gridCol>
+                <a:gridCol w="601519">
+                  <a:extLst>
+                    <a:ext uri="{9D8B030D-6E8A-4147-A177-3AD203B41FA5}">
+                      <a16:colId xmlns:a16="http://schemas.microsoft.com/office/drawing/2014/main" val="3806504017"/>
+                    </a:ext>
+                  </a:extLst>
+                </a:gridCol>
+                <a:gridCol w="601519">
+                  <a:extLst>
+                    <a:ext uri="{9D8B030D-6E8A-4147-A177-3AD203B41FA5}">
+                      <a16:colId xmlns:a16="http://schemas.microsoft.com/office/drawing/2014/main" val="153261783"/>
+                    </a:ext>
+                  </a:extLst>
+                </a:gridCol>
+              </a:tblGrid>
+              <a:tr h="489035">
+                <a:tc>
+                  <a:txBody>
+                    <a:bodyPr/>
+                    <a:lstStyle/>
+                    <a:p>
+                      <a:pPr algn="r"/>
+                      <a:r>
+                        <a:rPr lang="zh-CN" altLang="en-US" baseline="0" dirty="0">
+                          <a:latin typeface="Times New Roman" panose="02020603050405020304" pitchFamily="18" charset="0"/>
+                          <a:ea typeface="宋体" panose="02010600030101010101" pitchFamily="2" charset="-122"/>
+                          <a:cs typeface="Times New Roman" panose="02020603050405020304" pitchFamily="18" charset="0"/>
+                        </a:rPr>
+                        <a:t>递减数</a:t>
+                      </a:r>
+                    </a:p>
+                  </a:txBody>
+                  <a:tcPr marL="0" anchor="ctr">
+                    <a:lnL w="12700" cmpd="sng">
+                      <a:noFill/>
+                    </a:lnL>
+                    <a:lnR w="12700" cap="flat" cmpd="sng" algn="ctr">
+                      <a:solidFill>
+                        <a:schemeClr val="tx1"/>
+                      </a:solidFill>
+                      <a:prstDash val="solid"/>
+                      <a:round/>
+                      <a:headEnd type="none" w="med" len="med"/>
+                      <a:tailEnd type="none" w="med" len="med"/>
+                    </a:lnR>
+                    <a:lnT w="12700" cmpd="sng">
+                      <a:noFill/>
+                    </a:lnT>
+                    <a:lnB w="28575" cap="flat" cmpd="sng" algn="ctr">
+                      <a:solidFill>
+                        <a:schemeClr val="tx1"/>
+                      </a:solidFill>
+                      <a:prstDash val="solid"/>
+                      <a:round/>
+                      <a:headEnd type="none" w="med" len="med"/>
+                      <a:tailEnd type="none" w="med" len="med"/>
+                    </a:lnB>
+                    <a:lnTlToBr w="12700" cmpd="sng">
+                      <a:noFill/>
+                      <a:prstDash val="solid"/>
+                    </a:lnTlToBr>
+                    <a:lnBlToTr w="12700" cmpd="sng">
+                      <a:noFill/>
+                      <a:prstDash val="solid"/>
+                    </a:lnBlToTr>
+                  </a:tcPr>
+                </a:tc>
+                <a:tc>
+                  <a:txBody>
+                    <a:bodyPr/>
+                    <a:lstStyle/>
+                    <a:p>
+                      <a:pPr algn="ctr"/>
+                      <a:endParaRPr lang="zh-CN" altLang="en-US" baseline="0" dirty="0">
+                        <a:latin typeface="Times New Roman" panose="02020603050405020304" pitchFamily="18" charset="0"/>
+                        <a:ea typeface="宋体" panose="02010600030101010101" pitchFamily="2" charset="-122"/>
+                        <a:cs typeface="Times New Roman" panose="02020603050405020304" pitchFamily="18" charset="0"/>
+                      </a:endParaRPr>
+                    </a:p>
+                  </a:txBody>
+                  <a:tcPr anchor="ctr">
+                    <a:lnL w="12700" cap="flat" cmpd="sng" algn="ctr">
+                      <a:solidFill>
+                        <a:schemeClr val="tx1"/>
+                      </a:solidFill>
+                      <a:prstDash val="solid"/>
+                      <a:round/>
+                      <a:headEnd type="none" w="med" len="med"/>
+                      <a:tailEnd type="none" w="med" len="med"/>
+                    </a:lnL>
+                    <a:lnR w="12700" cap="flat" cmpd="sng" algn="ctr">
+                      <a:solidFill>
+                        <a:schemeClr val="tx1"/>
+                      </a:solidFill>
+                      <a:prstDash val="solid"/>
+                      <a:round/>
+                      <a:headEnd type="none" w="med" len="med"/>
+                      <a:tailEnd type="none" w="med" len="med"/>
+                    </a:lnR>
+                    <a:lnB w="28575" cap="flat" cmpd="sng" algn="ctr">
+                      <a:solidFill>
+                        <a:schemeClr val="tx1"/>
+                      </a:solidFill>
+                      <a:prstDash val="solid"/>
+                      <a:round/>
+                      <a:headEnd type="none" w="med" len="med"/>
+                      <a:tailEnd type="none" w="med" len="med"/>
+                    </a:lnB>
+                  </a:tcPr>
+                </a:tc>
+                <a:tc>
+                  <a:txBody>
+                    <a:bodyPr/>
+                    <a:lstStyle/>
+                    <a:p>
+                      <a:pPr algn="ctr"/>
+                      <a:endParaRPr lang="zh-CN" altLang="en-US" baseline="0" dirty="0">
+                        <a:latin typeface="Times New Roman" panose="02020603050405020304" pitchFamily="18" charset="0"/>
+                        <a:ea typeface="宋体" panose="02010600030101010101" pitchFamily="2" charset="-122"/>
+                        <a:cs typeface="Times New Roman" panose="02020603050405020304" pitchFamily="18" charset="0"/>
+                      </a:endParaRPr>
+                    </a:p>
+                  </a:txBody>
+                  <a:tcPr anchor="ctr">
+                    <a:lnL w="12700" cap="flat" cmpd="sng" algn="ctr">
+                      <a:solidFill>
+                        <a:schemeClr val="tx1"/>
+                      </a:solidFill>
+                      <a:prstDash val="solid"/>
+                      <a:round/>
+                      <a:headEnd type="none" w="med" len="med"/>
+                      <a:tailEnd type="none" w="med" len="med"/>
+                    </a:lnL>
+                    <a:lnB w="28575" cap="flat" cmpd="sng" algn="ctr">
+                      <a:solidFill>
+                        <a:schemeClr val="tx1"/>
+                      </a:solidFill>
+                      <a:prstDash val="solid"/>
+                      <a:round/>
+                      <a:headEnd type="none" w="med" len="med"/>
+                      <a:tailEnd type="none" w="med" len="med"/>
+                    </a:lnB>
+                  </a:tcPr>
+                </a:tc>
+                <a:tc>
+                  <a:txBody>
+                    <a:bodyPr/>
+                    <a:lstStyle/>
+                    <a:p>
+                      <a:pPr algn="ctr"/>
+                      <a:r>
+                        <a:rPr lang="en-US" altLang="zh-CN" baseline="0" dirty="0">
+                          <a:solidFill>
+                            <a:schemeClr val="accent4">
+                              <a:lumMod val="75000"/>
+                            </a:schemeClr>
+                          </a:solidFill>
+                          <a:latin typeface="Times New Roman" panose="02020603050405020304" pitchFamily="18" charset="0"/>
+                          <a:ea typeface="宋体" panose="02010600030101010101" pitchFamily="2" charset="-122"/>
+                          <a:cs typeface="Times New Roman" panose="02020603050405020304" pitchFamily="18" charset="0"/>
+                        </a:rPr>
+                        <a:t>8</a:t>
+                      </a:r>
+                      <a:endParaRPr lang="zh-CN" altLang="en-US" baseline="0" dirty="0">
+                        <a:solidFill>
+                          <a:schemeClr val="accent4">
+                            <a:lumMod val="75000"/>
+                          </a:schemeClr>
+                        </a:solidFill>
+                        <a:latin typeface="Times New Roman" panose="02020603050405020304" pitchFamily="18" charset="0"/>
+                        <a:ea typeface="宋体" panose="02010600030101010101" pitchFamily="2" charset="-122"/>
+                        <a:cs typeface="Times New Roman" panose="02020603050405020304" pitchFamily="18" charset="0"/>
+                      </a:endParaRPr>
+                    </a:p>
+                  </a:txBody>
+                  <a:tcPr anchor="ctr">
+                    <a:lnB w="28575" cap="flat" cmpd="sng" algn="ctr">
+                      <a:solidFill>
+                        <a:schemeClr val="tx1"/>
+                      </a:solidFill>
+                      <a:prstDash val="solid"/>
+                      <a:round/>
+                      <a:headEnd type="none" w="med" len="med"/>
+                      <a:tailEnd type="none" w="med" len="med"/>
+                    </a:lnB>
+                  </a:tcPr>
+                </a:tc>
+                <a:tc>
+                  <a:txBody>
+                    <a:bodyPr/>
+                    <a:lstStyle/>
+                    <a:p>
+                      <a:pPr algn="ctr"/>
+                      <a:endParaRPr lang="zh-CN" altLang="en-US" baseline="0" dirty="0">
+                        <a:latin typeface="Times New Roman" panose="02020603050405020304" pitchFamily="18" charset="0"/>
+                        <a:ea typeface="宋体" panose="02010600030101010101" pitchFamily="2" charset="-122"/>
+                        <a:cs typeface="Times New Roman" panose="02020603050405020304" pitchFamily="18" charset="0"/>
+                      </a:endParaRPr>
+                    </a:p>
+                  </a:txBody>
+                  <a:tcPr anchor="ctr">
+                    <a:lnB w="28575" cap="flat" cmpd="sng" algn="ctr">
+                      <a:solidFill>
+                        <a:schemeClr val="tx1"/>
+                      </a:solidFill>
+                      <a:prstDash val="solid"/>
+                      <a:round/>
+                      <a:headEnd type="none" w="med" len="med"/>
+                      <a:tailEnd type="none" w="med" len="med"/>
+                    </a:lnB>
+                  </a:tcPr>
+                </a:tc>
+                <a:tc>
+                  <a:txBody>
+                    <a:bodyPr/>
+                    <a:lstStyle/>
+                    <a:p>
+                      <a:pPr algn="ctr"/>
+                      <a:endParaRPr lang="zh-CN" altLang="en-US" baseline="0" dirty="0">
+                        <a:latin typeface="Times New Roman" panose="02020603050405020304" pitchFamily="18" charset="0"/>
+                        <a:ea typeface="宋体" panose="02010600030101010101" pitchFamily="2" charset="-122"/>
+                        <a:cs typeface="Times New Roman" panose="02020603050405020304" pitchFamily="18" charset="0"/>
+                      </a:endParaRPr>
+                    </a:p>
+                  </a:txBody>
+                  <a:tcPr anchor="ctr">
+                    <a:lnB w="28575" cap="flat" cmpd="sng" algn="ctr">
+                      <a:solidFill>
+                        <a:schemeClr val="tx1"/>
+                      </a:solidFill>
+                      <a:prstDash val="solid"/>
+                      <a:round/>
+                      <a:headEnd type="none" w="med" len="med"/>
+                      <a:tailEnd type="none" w="med" len="med"/>
+                    </a:lnB>
+                  </a:tcPr>
+                </a:tc>
+                <a:tc>
+                  <a:txBody>
+                    <a:bodyPr/>
+                    <a:lstStyle/>
+                    <a:p>
+                      <a:pPr algn="ctr"/>
+                      <a:endParaRPr lang="zh-CN" altLang="en-US" baseline="0" dirty="0">
+                        <a:latin typeface="Times New Roman" panose="02020603050405020304" pitchFamily="18" charset="0"/>
+                        <a:ea typeface="宋体" panose="02010600030101010101" pitchFamily="2" charset="-122"/>
+                        <a:cs typeface="Times New Roman" panose="02020603050405020304" pitchFamily="18" charset="0"/>
+                      </a:endParaRPr>
+                    </a:p>
+                  </a:txBody>
+                  <a:tcPr anchor="ctr">
+                    <a:lnB w="28575" cap="flat" cmpd="sng" algn="ctr">
+                      <a:solidFill>
+                        <a:schemeClr val="tx1"/>
+                      </a:solidFill>
+                      <a:prstDash val="solid"/>
+                      <a:round/>
+                      <a:headEnd type="none" w="med" len="med"/>
+                      <a:tailEnd type="none" w="med" len="med"/>
+                    </a:lnB>
+                  </a:tcPr>
+                </a:tc>
+                <a:extLst>
+                  <a:ext uri="{0D108BD9-81ED-4DB2-BD59-A6C34878D82A}">
+                    <a16:rowId xmlns:a16="http://schemas.microsoft.com/office/drawing/2014/main" val="4013840662"/>
+                  </a:ext>
+                </a:extLst>
+              </a:tr>
+              <a:tr h="489035">
+                <a:tc>
+                  <a:txBody>
+                    <a:bodyPr/>
+                    <a:lstStyle/>
+                    <a:p>
+                      <a:endParaRPr lang="zh-CN" altLang="en-US" baseline="0" dirty="0">
+                        <a:latin typeface="Times New Roman" panose="02020603050405020304" pitchFamily="18" charset="0"/>
+                        <a:ea typeface="宋体" panose="02010600030101010101" pitchFamily="2" charset="-122"/>
+                        <a:cs typeface="Times New Roman" panose="02020603050405020304" pitchFamily="18" charset="0"/>
+                      </a:endParaRPr>
+                    </a:p>
+                  </a:txBody>
+                  <a:tcPr>
+                    <a:lnL w="12700" cmpd="sng">
+                      <a:noFill/>
+                    </a:lnL>
+                    <a:lnR w="12700" cap="flat" cmpd="sng" algn="ctr">
+                      <a:solidFill>
+                        <a:schemeClr val="tx1"/>
+                      </a:solidFill>
+                      <a:prstDash val="solid"/>
+                      <a:round/>
+                      <a:headEnd type="none" w="med" len="med"/>
+                      <a:tailEnd type="none" w="med" len="med"/>
+                    </a:lnR>
+                    <a:lnT w="28575" cap="flat" cmpd="sng" algn="ctr">
+                      <a:solidFill>
+                        <a:schemeClr val="tx1"/>
+                      </a:solidFill>
+                      <a:prstDash val="solid"/>
+                      <a:round/>
+                      <a:headEnd type="none" w="med" len="med"/>
+                      <a:tailEnd type="none" w="med" len="med"/>
+                    </a:lnT>
+                    <a:lnB w="12700" cmpd="sng">
+                      <a:noFill/>
+                    </a:lnB>
+                    <a:lnTlToBr w="12700" cmpd="sng">
+                      <a:noFill/>
+                      <a:prstDash val="solid"/>
+                    </a:lnTlToBr>
+                    <a:lnBlToTr w="12700" cmpd="sng">
+                      <a:noFill/>
+                      <a:prstDash val="solid"/>
+                    </a:lnBlToTr>
+                  </a:tcPr>
+                </a:tc>
+                <a:tc>
+                  <a:txBody>
+                    <a:bodyPr/>
+                    <a:lstStyle/>
+                    <a:p>
+                      <a:pPr algn="ctr"/>
+                      <a:endParaRPr lang="zh-CN" altLang="en-US" baseline="0" dirty="0">
+                        <a:latin typeface="Times New Roman" panose="02020603050405020304" pitchFamily="18" charset="0"/>
+                        <a:ea typeface="宋体" panose="02010600030101010101" pitchFamily="2" charset="-122"/>
+                        <a:cs typeface="Times New Roman" panose="02020603050405020304" pitchFamily="18" charset="0"/>
+                      </a:endParaRPr>
+                    </a:p>
+                  </a:txBody>
+                  <a:tcPr anchor="ctr">
+                    <a:lnL w="12700" cap="flat" cmpd="sng" algn="ctr">
+                      <a:solidFill>
+                        <a:schemeClr val="tx1"/>
+                      </a:solidFill>
+                      <a:prstDash val="solid"/>
+                      <a:round/>
+                      <a:headEnd type="none" w="med" len="med"/>
+                      <a:tailEnd type="none" w="med" len="med"/>
+                    </a:lnL>
+                    <a:lnR w="12700" cap="flat" cmpd="sng" algn="ctr">
+                      <a:solidFill>
+                        <a:schemeClr val="tx1"/>
+                      </a:solidFill>
+                      <a:prstDash val="solid"/>
+                      <a:round/>
+                      <a:headEnd type="none" w="med" len="med"/>
+                      <a:tailEnd type="none" w="med" len="med"/>
+                    </a:lnR>
+                    <a:lnT w="28575" cap="flat" cmpd="sng" algn="ctr">
+                      <a:solidFill>
+                        <a:schemeClr val="tx1"/>
+                      </a:solidFill>
+                      <a:prstDash val="solid"/>
+                      <a:round/>
+                      <a:headEnd type="none" w="med" len="med"/>
+                      <a:tailEnd type="none" w="med" len="med"/>
+                    </a:lnT>
+                  </a:tcPr>
+                </a:tc>
+                <a:tc>
+                  <a:txBody>
+                    <a:bodyPr/>
+                    <a:lstStyle/>
+                    <a:p>
+                      <a:pPr algn="ctr"/>
+                      <a:endParaRPr lang="zh-CN" altLang="en-US" baseline="0" dirty="0">
+                        <a:latin typeface="Times New Roman" panose="02020603050405020304" pitchFamily="18" charset="0"/>
+                        <a:ea typeface="宋体" panose="02010600030101010101" pitchFamily="2" charset="-122"/>
+                        <a:cs typeface="Times New Roman" panose="02020603050405020304" pitchFamily="18" charset="0"/>
+                      </a:endParaRPr>
+                    </a:p>
+                  </a:txBody>
+                  <a:tcPr anchor="ctr">
+                    <a:lnL w="12700" cap="flat" cmpd="sng" algn="ctr">
+                      <a:solidFill>
+                        <a:schemeClr val="tx1"/>
+                      </a:solidFill>
+                      <a:prstDash val="solid"/>
+                      <a:round/>
+                      <a:headEnd type="none" w="med" len="med"/>
+                      <a:tailEnd type="none" w="med" len="med"/>
+                    </a:lnL>
+                    <a:lnT w="28575" cap="flat" cmpd="sng" algn="ctr">
+                      <a:solidFill>
+                        <a:schemeClr val="tx1"/>
+                      </a:solidFill>
+                      <a:prstDash val="solid"/>
+                      <a:round/>
+                      <a:headEnd type="none" w="med" len="med"/>
+                      <a:tailEnd type="none" w="med" len="med"/>
+                    </a:lnT>
+                  </a:tcPr>
+                </a:tc>
+                <a:tc>
+                  <a:txBody>
+                    <a:bodyPr/>
+                    <a:lstStyle/>
+                    <a:p>
+                      <a:pPr algn="ctr"/>
+                      <a:endParaRPr lang="zh-CN" altLang="en-US" baseline="0" dirty="0">
+                        <a:latin typeface="Times New Roman" panose="02020603050405020304" pitchFamily="18" charset="0"/>
+                        <a:ea typeface="宋体" panose="02010600030101010101" pitchFamily="2" charset="-122"/>
+                        <a:cs typeface="Times New Roman" panose="02020603050405020304" pitchFamily="18" charset="0"/>
+                      </a:endParaRPr>
+                    </a:p>
+                  </a:txBody>
+                  <a:tcPr anchor="ctr">
+                    <a:lnT w="28575" cap="flat" cmpd="sng" algn="ctr">
+                      <a:solidFill>
+                        <a:schemeClr val="tx1"/>
+                      </a:solidFill>
+                      <a:prstDash val="solid"/>
+                      <a:round/>
+                      <a:headEnd type="none" w="med" len="med"/>
+                      <a:tailEnd type="none" w="med" len="med"/>
+                    </a:lnT>
+                  </a:tcPr>
+                </a:tc>
+                <a:tc>
+                  <a:txBody>
+                    <a:bodyPr/>
+                    <a:lstStyle/>
+                    <a:p>
+                      <a:pPr algn="ctr"/>
+                      <a:endParaRPr lang="zh-CN" altLang="en-US" baseline="0" dirty="0">
+                        <a:latin typeface="Times New Roman" panose="02020603050405020304" pitchFamily="18" charset="0"/>
+                        <a:ea typeface="宋体" panose="02010600030101010101" pitchFamily="2" charset="-122"/>
+                        <a:cs typeface="Times New Roman" panose="02020603050405020304" pitchFamily="18" charset="0"/>
+                      </a:endParaRPr>
+                    </a:p>
+                  </a:txBody>
+                  <a:tcPr anchor="ctr">
+                    <a:lnT w="28575" cap="flat" cmpd="sng" algn="ctr">
+                      <a:solidFill>
+                        <a:schemeClr val="tx1"/>
+                      </a:solidFill>
+                      <a:prstDash val="solid"/>
+                      <a:round/>
+                      <a:headEnd type="none" w="med" len="med"/>
+                      <a:tailEnd type="none" w="med" len="med"/>
+                    </a:lnT>
+                  </a:tcPr>
+                </a:tc>
+                <a:tc>
+                  <a:txBody>
+                    <a:bodyPr/>
+                    <a:lstStyle/>
+                    <a:p>
+                      <a:pPr algn="ctr"/>
+                      <a:endParaRPr lang="zh-CN" altLang="en-US" baseline="0" dirty="0">
+                        <a:latin typeface="Times New Roman" panose="02020603050405020304" pitchFamily="18" charset="0"/>
+                        <a:ea typeface="宋体" panose="02010600030101010101" pitchFamily="2" charset="-122"/>
+                        <a:cs typeface="Times New Roman" panose="02020603050405020304" pitchFamily="18" charset="0"/>
+                      </a:endParaRPr>
+                    </a:p>
+                  </a:txBody>
+                  <a:tcPr anchor="ctr">
+                    <a:lnT w="28575" cap="flat" cmpd="sng" algn="ctr">
+                      <a:solidFill>
+                        <a:schemeClr val="tx1"/>
+                      </a:solidFill>
+                      <a:prstDash val="solid"/>
+                      <a:round/>
+                      <a:headEnd type="none" w="med" len="med"/>
+                      <a:tailEnd type="none" w="med" len="med"/>
+                    </a:lnT>
+                  </a:tcPr>
+                </a:tc>
+                <a:tc>
+                  <a:txBody>
+                    <a:bodyPr/>
+                    <a:lstStyle/>
+                    <a:p>
+                      <a:pPr algn="ctr"/>
+                      <a:endParaRPr lang="zh-CN" altLang="en-US" baseline="0" dirty="0">
+                        <a:latin typeface="Times New Roman" panose="02020603050405020304" pitchFamily="18" charset="0"/>
+                        <a:ea typeface="宋体" panose="02010600030101010101" pitchFamily="2" charset="-122"/>
+                        <a:cs typeface="Times New Roman" panose="02020603050405020304" pitchFamily="18" charset="0"/>
+                      </a:endParaRPr>
+                    </a:p>
+                  </a:txBody>
+                  <a:tcPr anchor="ctr">
+                    <a:lnT w="28575" cap="flat" cmpd="sng" algn="ctr">
+                      <a:solidFill>
+                        <a:schemeClr val="tx1"/>
+                      </a:solidFill>
+                      <a:prstDash val="solid"/>
+                      <a:round/>
+                      <a:headEnd type="none" w="med" len="med"/>
+                      <a:tailEnd type="none" w="med" len="med"/>
+                    </a:lnT>
+                  </a:tcPr>
+                </a:tc>
+                <a:extLst>
+                  <a:ext uri="{0D108BD9-81ED-4DB2-BD59-A6C34878D82A}">
+                    <a16:rowId xmlns:a16="http://schemas.microsoft.com/office/drawing/2014/main" val="3753413523"/>
+                  </a:ext>
+                </a:extLst>
+              </a:tr>
+              <a:tr h="489035">
+                <a:tc>
+                  <a:txBody>
+                    <a:bodyPr/>
+                    <a:lstStyle/>
+                    <a:p>
+                      <a:endParaRPr lang="zh-CN" altLang="en-US" baseline="0" dirty="0">
+                        <a:latin typeface="Times New Roman" panose="02020603050405020304" pitchFamily="18" charset="0"/>
+                        <a:ea typeface="宋体" panose="02010600030101010101" pitchFamily="2" charset="-122"/>
+                        <a:cs typeface="Times New Roman" panose="02020603050405020304" pitchFamily="18" charset="0"/>
+                      </a:endParaRPr>
+                    </a:p>
+                  </a:txBody>
+                  <a:tcPr>
+                    <a:lnL w="12700" cmpd="sng">
+                      <a:noFill/>
+                    </a:lnL>
+                    <a:lnR w="12700" cap="flat" cmpd="sng" algn="ctr">
+                      <a:solidFill>
+                        <a:schemeClr val="tx1"/>
+                      </a:solidFill>
+                      <a:prstDash val="solid"/>
+                      <a:round/>
+                      <a:headEnd type="none" w="med" len="med"/>
+                      <a:tailEnd type="none" w="med" len="med"/>
+                    </a:lnR>
+                    <a:lnT w="12700" cmpd="sng">
+                      <a:noFill/>
+                    </a:lnT>
+                    <a:lnB w="12700" cmpd="sng">
+                      <a:noFill/>
+                    </a:lnB>
+                    <a:lnTlToBr w="12700" cmpd="sng">
+                      <a:noFill/>
+                      <a:prstDash val="solid"/>
+                    </a:lnTlToBr>
+                    <a:lnBlToTr w="12700" cmpd="sng">
+                      <a:noFill/>
+                      <a:prstDash val="solid"/>
+                    </a:lnBlToTr>
+                  </a:tcPr>
+                </a:tc>
+                <a:tc>
+                  <a:txBody>
+                    <a:bodyPr/>
+                    <a:lstStyle/>
+                    <a:p>
+                      <a:pPr algn="ctr"/>
+                      <a:endParaRPr lang="zh-CN" altLang="en-US" strike="sngStrike" baseline="0" dirty="0">
+                        <a:latin typeface="Times New Roman" panose="02020603050405020304" pitchFamily="18" charset="0"/>
+                        <a:ea typeface="宋体" panose="02010600030101010101" pitchFamily="2" charset="-122"/>
+                        <a:cs typeface="Times New Roman" panose="02020603050405020304" pitchFamily="18" charset="0"/>
+                      </a:endParaRPr>
+                    </a:p>
+                  </a:txBody>
+                  <a:tcPr anchor="ctr">
+                    <a:lnL w="12700" cap="flat" cmpd="sng" algn="ctr">
+                      <a:solidFill>
+                        <a:schemeClr val="tx1"/>
+                      </a:solidFill>
+                      <a:prstDash val="solid"/>
+                      <a:round/>
+                      <a:headEnd type="none" w="med" len="med"/>
+                      <a:tailEnd type="none" w="med" len="med"/>
+                    </a:lnL>
+                    <a:lnR w="12700" cap="flat" cmpd="sng" algn="ctr">
+                      <a:solidFill>
+                        <a:schemeClr val="tx1"/>
+                      </a:solidFill>
+                      <a:prstDash val="solid"/>
+                      <a:round/>
+                      <a:headEnd type="none" w="med" len="med"/>
+                      <a:tailEnd type="none" w="med" len="med"/>
+                    </a:lnR>
+                  </a:tcPr>
+                </a:tc>
+                <a:tc>
+                  <a:txBody>
+                    <a:bodyPr/>
+                    <a:lstStyle/>
+                    <a:p>
+                      <a:pPr algn="ctr"/>
+                      <a:r>
+                        <a:rPr lang="en-US" altLang="zh-CN" strike="sngStrike" baseline="0" dirty="0">
+                          <a:solidFill>
+                            <a:srgbClr val="00B0F0"/>
+                          </a:solidFill>
+                          <a:latin typeface="Times New Roman" panose="02020603050405020304" pitchFamily="18" charset="0"/>
+                          <a:ea typeface="宋体" panose="02010600030101010101" pitchFamily="2" charset="-122"/>
+                          <a:cs typeface="Times New Roman" panose="02020603050405020304" pitchFamily="18" charset="0"/>
+                        </a:rPr>
+                        <a:t>13</a:t>
+                      </a:r>
+                      <a:endParaRPr lang="zh-CN" altLang="en-US" strike="sngStrike" baseline="0" dirty="0">
+                        <a:solidFill>
+                          <a:srgbClr val="00B0F0"/>
+                        </a:solidFill>
+                        <a:latin typeface="Times New Roman" panose="02020603050405020304" pitchFamily="18" charset="0"/>
+                        <a:ea typeface="宋体" panose="02010600030101010101" pitchFamily="2" charset="-122"/>
+                        <a:cs typeface="Times New Roman" panose="02020603050405020304" pitchFamily="18" charset="0"/>
+                      </a:endParaRPr>
+                    </a:p>
+                  </a:txBody>
+                  <a:tcPr anchor="ctr">
+                    <a:lnL w="12700" cap="flat" cmpd="sng" algn="ctr">
+                      <a:solidFill>
+                        <a:schemeClr val="tx1"/>
+                      </a:solidFill>
+                      <a:prstDash val="solid"/>
+                      <a:round/>
+                      <a:headEnd type="none" w="med" len="med"/>
+                      <a:tailEnd type="none" w="med" len="med"/>
+                    </a:lnL>
+                  </a:tcPr>
+                </a:tc>
+                <a:tc>
+                  <a:txBody>
+                    <a:bodyPr/>
+                    <a:lstStyle/>
+                    <a:p>
+                      <a:pPr algn="ctr"/>
+                      <a:endParaRPr lang="zh-CN" altLang="en-US" baseline="0" dirty="0">
+                        <a:solidFill>
+                          <a:srgbClr val="00B0F0"/>
+                        </a:solidFill>
+                        <a:latin typeface="Times New Roman" panose="02020603050405020304" pitchFamily="18" charset="0"/>
+                        <a:ea typeface="宋体" panose="02010600030101010101" pitchFamily="2" charset="-122"/>
+                        <a:cs typeface="Times New Roman" panose="02020603050405020304" pitchFamily="18" charset="0"/>
+                      </a:endParaRPr>
+                    </a:p>
+                  </a:txBody>
+                  <a:tcPr anchor="ctr"/>
+                </a:tc>
+                <a:tc>
+                  <a:txBody>
+                    <a:bodyPr/>
+                    <a:lstStyle/>
+                    <a:p>
+                      <a:pPr algn="ctr"/>
+                      <a:endParaRPr lang="zh-CN" altLang="en-US" baseline="0">
+                        <a:solidFill>
+                          <a:srgbClr val="00B0F0"/>
+                        </a:solidFill>
+                        <a:latin typeface="Times New Roman" panose="02020603050405020304" pitchFamily="18" charset="0"/>
+                        <a:ea typeface="宋体" panose="02010600030101010101" pitchFamily="2" charset="-122"/>
+                        <a:cs typeface="Times New Roman" panose="02020603050405020304" pitchFamily="18" charset="0"/>
+                      </a:endParaRPr>
+                    </a:p>
+                  </a:txBody>
+                  <a:tcPr anchor="ctr"/>
+                </a:tc>
+                <a:tc>
+                  <a:txBody>
+                    <a:bodyPr/>
+                    <a:lstStyle/>
+                    <a:p>
+                      <a:pPr algn="ctr"/>
+                      <a:endParaRPr lang="zh-CN" altLang="en-US" baseline="0">
+                        <a:latin typeface="Times New Roman" panose="02020603050405020304" pitchFamily="18" charset="0"/>
+                        <a:ea typeface="宋体" panose="02010600030101010101" pitchFamily="2" charset="-122"/>
+                        <a:cs typeface="Times New Roman" panose="02020603050405020304" pitchFamily="18" charset="0"/>
+                      </a:endParaRPr>
+                    </a:p>
+                  </a:txBody>
+                  <a:tcPr anchor="ctr"/>
+                </a:tc>
+                <a:tc>
+                  <a:txBody>
+                    <a:bodyPr/>
+                    <a:lstStyle/>
+                    <a:p>
+                      <a:pPr algn="ctr"/>
+                      <a:endParaRPr lang="zh-CN" altLang="en-US" baseline="0">
+                        <a:latin typeface="Times New Roman" panose="02020603050405020304" pitchFamily="18" charset="0"/>
+                        <a:ea typeface="宋体" panose="02010600030101010101" pitchFamily="2" charset="-122"/>
+                        <a:cs typeface="Times New Roman" panose="02020603050405020304" pitchFamily="18" charset="0"/>
+                      </a:endParaRPr>
+                    </a:p>
+                  </a:txBody>
+                  <a:tcPr anchor="ctr"/>
+                </a:tc>
+                <a:extLst>
+                  <a:ext uri="{0D108BD9-81ED-4DB2-BD59-A6C34878D82A}">
+                    <a16:rowId xmlns:a16="http://schemas.microsoft.com/office/drawing/2014/main" val="3114142593"/>
+                  </a:ext>
+                </a:extLst>
+              </a:tr>
+              <a:tr h="489035">
+                <a:tc>
+                  <a:txBody>
+                    <a:bodyPr/>
+                    <a:lstStyle/>
+                    <a:p>
+                      <a:endParaRPr lang="zh-CN" altLang="en-US" baseline="0" dirty="0">
+                        <a:latin typeface="Times New Roman" panose="02020603050405020304" pitchFamily="18" charset="0"/>
+                        <a:ea typeface="宋体" panose="02010600030101010101" pitchFamily="2" charset="-122"/>
+                        <a:cs typeface="Times New Roman" panose="02020603050405020304" pitchFamily="18" charset="0"/>
+                      </a:endParaRPr>
+                    </a:p>
+                  </a:txBody>
+                  <a:tcPr>
+                    <a:lnL w="12700" cmpd="sng">
+                      <a:noFill/>
+                    </a:lnL>
+                    <a:lnR w="12700" cap="flat" cmpd="sng" algn="ctr">
+                      <a:solidFill>
+                        <a:schemeClr val="tx1"/>
+                      </a:solidFill>
+                      <a:prstDash val="solid"/>
+                      <a:round/>
+                      <a:headEnd type="none" w="med" len="med"/>
+                      <a:tailEnd type="none" w="med" len="med"/>
+                    </a:lnR>
+                    <a:lnT w="12700" cmpd="sng">
+                      <a:noFill/>
+                    </a:lnT>
+                    <a:lnB w="12700" cmpd="sng">
+                      <a:noFill/>
+                    </a:lnB>
+                    <a:lnTlToBr w="12700" cmpd="sng">
+                      <a:noFill/>
+                      <a:prstDash val="solid"/>
+                    </a:lnTlToBr>
+                    <a:lnBlToTr w="12700" cmpd="sng">
+                      <a:noFill/>
+                      <a:prstDash val="solid"/>
+                    </a:lnBlToTr>
+                  </a:tcPr>
+                </a:tc>
+                <a:tc>
+                  <a:txBody>
+                    <a:bodyPr/>
+                    <a:lstStyle/>
+                    <a:p>
+                      <a:pPr algn="ctr"/>
+                      <a:endParaRPr lang="zh-CN" altLang="en-US" strike="sngStrike" baseline="0" dirty="0">
+                        <a:latin typeface="Times New Roman" panose="02020603050405020304" pitchFamily="18" charset="0"/>
+                        <a:ea typeface="宋体" panose="02010600030101010101" pitchFamily="2" charset="-122"/>
+                        <a:cs typeface="Times New Roman" panose="02020603050405020304" pitchFamily="18" charset="0"/>
+                      </a:endParaRPr>
+                    </a:p>
+                  </a:txBody>
+                  <a:tcPr anchor="ctr">
+                    <a:lnL w="12700" cap="flat" cmpd="sng" algn="ctr">
+                      <a:solidFill>
+                        <a:schemeClr val="tx1"/>
+                      </a:solidFill>
+                      <a:prstDash val="solid"/>
+                      <a:round/>
+                      <a:headEnd type="none" w="med" len="med"/>
+                      <a:tailEnd type="none" w="med" len="med"/>
+                    </a:lnL>
+                    <a:lnR w="12700" cap="flat" cmpd="sng" algn="ctr">
+                      <a:solidFill>
+                        <a:schemeClr val="tx1"/>
+                      </a:solidFill>
+                      <a:prstDash val="solid"/>
+                      <a:round/>
+                      <a:headEnd type="none" w="med" len="med"/>
+                      <a:tailEnd type="none" w="med" len="med"/>
+                    </a:lnR>
+                  </a:tcPr>
+                </a:tc>
+                <a:tc>
+                  <a:txBody>
+                    <a:bodyPr/>
+                    <a:lstStyle/>
+                    <a:p>
+                      <a:pPr algn="ctr"/>
+                      <a:r>
+                        <a:rPr lang="en-US" altLang="zh-CN" strike="sngStrike" baseline="0" dirty="0">
+                          <a:solidFill>
+                            <a:srgbClr val="00B0F0"/>
+                          </a:solidFill>
+                          <a:latin typeface="Times New Roman" panose="02020603050405020304" pitchFamily="18" charset="0"/>
+                          <a:ea typeface="宋体" panose="02010600030101010101" pitchFamily="2" charset="-122"/>
+                          <a:cs typeface="Times New Roman" panose="02020603050405020304" pitchFamily="18" charset="0"/>
+                        </a:rPr>
+                        <a:t>12</a:t>
+                      </a:r>
+                      <a:endParaRPr lang="zh-CN" altLang="en-US" strike="sngStrike" baseline="0" dirty="0">
+                        <a:solidFill>
+                          <a:srgbClr val="00B0F0"/>
+                        </a:solidFill>
+                        <a:latin typeface="Times New Roman" panose="02020603050405020304" pitchFamily="18" charset="0"/>
+                        <a:ea typeface="宋体" panose="02010600030101010101" pitchFamily="2" charset="-122"/>
+                        <a:cs typeface="Times New Roman" panose="02020603050405020304" pitchFamily="18" charset="0"/>
+                      </a:endParaRPr>
+                    </a:p>
+                  </a:txBody>
+                  <a:tcPr anchor="ctr">
+                    <a:lnL w="12700" cap="flat" cmpd="sng" algn="ctr">
+                      <a:solidFill>
+                        <a:schemeClr val="tx1"/>
+                      </a:solidFill>
+                      <a:prstDash val="solid"/>
+                      <a:round/>
+                      <a:headEnd type="none" w="med" len="med"/>
+                      <a:tailEnd type="none" w="med" len="med"/>
+                    </a:lnL>
+                  </a:tcPr>
+                </a:tc>
+                <a:tc>
+                  <a:txBody>
+                    <a:bodyPr/>
+                    <a:lstStyle/>
+                    <a:p>
+                      <a:pPr algn="ctr"/>
+                      <a:r>
+                        <a:rPr lang="en-US" altLang="zh-CN" strike="noStrike" baseline="0" dirty="0">
+                          <a:solidFill>
+                            <a:srgbClr val="FF0000"/>
+                          </a:solidFill>
+                          <a:latin typeface="Times New Roman" panose="02020603050405020304" pitchFamily="18" charset="0"/>
+                          <a:ea typeface="宋体" panose="02010600030101010101" pitchFamily="2" charset="-122"/>
+                          <a:cs typeface="Times New Roman" panose="02020603050405020304" pitchFamily="18" charset="0"/>
+                        </a:rPr>
+                        <a:t>11</a:t>
+                      </a:r>
+                      <a:endParaRPr lang="zh-CN" altLang="en-US" strike="noStrike" baseline="0" dirty="0">
+                        <a:solidFill>
+                          <a:srgbClr val="FF0000"/>
+                        </a:solidFill>
+                        <a:latin typeface="Times New Roman" panose="02020603050405020304" pitchFamily="18" charset="0"/>
+                        <a:ea typeface="宋体" panose="02010600030101010101" pitchFamily="2" charset="-122"/>
+                        <a:cs typeface="Times New Roman" panose="02020603050405020304" pitchFamily="18" charset="0"/>
+                      </a:endParaRPr>
+                    </a:p>
+                  </a:txBody>
+                  <a:tcPr anchor="ctr"/>
+                </a:tc>
+                <a:tc>
+                  <a:txBody>
+                    <a:bodyPr/>
+                    <a:lstStyle/>
+                    <a:p>
+                      <a:pPr algn="ctr"/>
+                      <a:endParaRPr lang="zh-CN" altLang="en-US" strike="noStrike" baseline="0" dirty="0">
+                        <a:solidFill>
+                          <a:srgbClr val="00B0F0"/>
+                        </a:solidFill>
+                        <a:latin typeface="Times New Roman" panose="02020603050405020304" pitchFamily="18" charset="0"/>
+                        <a:ea typeface="宋体" panose="02010600030101010101" pitchFamily="2" charset="-122"/>
+                        <a:cs typeface="Times New Roman" panose="02020603050405020304" pitchFamily="18" charset="0"/>
+                      </a:endParaRPr>
+                    </a:p>
+                  </a:txBody>
+                  <a:tcPr anchor="ctr"/>
+                </a:tc>
+                <a:tc>
+                  <a:txBody>
+                    <a:bodyPr/>
+                    <a:lstStyle/>
+                    <a:p>
+                      <a:pPr algn="ctr"/>
+                      <a:endParaRPr lang="zh-CN" altLang="en-US" baseline="0" dirty="0">
+                        <a:latin typeface="Times New Roman" panose="02020603050405020304" pitchFamily="18" charset="0"/>
+                        <a:ea typeface="宋体" panose="02010600030101010101" pitchFamily="2" charset="-122"/>
+                        <a:cs typeface="Times New Roman" panose="02020603050405020304" pitchFamily="18" charset="0"/>
+                      </a:endParaRPr>
+                    </a:p>
+                  </a:txBody>
+                  <a:tcPr anchor="ctr"/>
+                </a:tc>
+                <a:tc>
+                  <a:txBody>
+                    <a:bodyPr/>
+                    <a:lstStyle/>
+                    <a:p>
+                      <a:pPr algn="ctr"/>
+                      <a:endParaRPr lang="zh-CN" altLang="en-US" baseline="0" dirty="0">
+                        <a:latin typeface="Times New Roman" panose="02020603050405020304" pitchFamily="18" charset="0"/>
+                        <a:ea typeface="宋体" panose="02010600030101010101" pitchFamily="2" charset="-122"/>
+                        <a:cs typeface="Times New Roman" panose="02020603050405020304" pitchFamily="18" charset="0"/>
+                      </a:endParaRPr>
+                    </a:p>
+                  </a:txBody>
+                  <a:tcPr anchor="ctr"/>
+                </a:tc>
+                <a:extLst>
+                  <a:ext uri="{0D108BD9-81ED-4DB2-BD59-A6C34878D82A}">
+                    <a16:rowId xmlns:a16="http://schemas.microsoft.com/office/drawing/2014/main" val="3724900541"/>
+                  </a:ext>
+                </a:extLst>
+              </a:tr>
+              <a:tr h="489035">
+                <a:tc>
+                  <a:txBody>
+                    <a:bodyPr/>
+                    <a:lstStyle/>
+                    <a:p>
+                      <a:pPr algn="l"/>
+                      <a:r>
+                        <a:rPr lang="en-US" altLang="zh-CN" baseline="0" dirty="0">
+                          <a:latin typeface="Times New Roman" panose="02020603050405020304" pitchFamily="18" charset="0"/>
+                          <a:ea typeface="宋体" panose="02010600030101010101" pitchFamily="2" charset="-122"/>
+                          <a:cs typeface="Times New Roman" panose="02020603050405020304" pitchFamily="18" charset="0"/>
+                        </a:rPr>
+                        <a:t>stack</a:t>
+                      </a:r>
+                      <a:endParaRPr lang="zh-CN" altLang="en-US" baseline="0" dirty="0">
+                        <a:latin typeface="Times New Roman" panose="02020603050405020304" pitchFamily="18" charset="0"/>
+                        <a:ea typeface="宋体" panose="02010600030101010101" pitchFamily="2" charset="-122"/>
+                        <a:cs typeface="Times New Roman" panose="02020603050405020304" pitchFamily="18" charset="0"/>
+                      </a:endParaRPr>
+                    </a:p>
+                  </a:txBody>
+                  <a:tcPr anchor="ctr">
+                    <a:lnL w="12700" cmpd="sng">
+                      <a:noFill/>
+                    </a:lnL>
+                    <a:lnR w="12700" cap="flat" cmpd="sng" algn="ctr">
+                      <a:solidFill>
+                        <a:schemeClr val="tx1"/>
+                      </a:solidFill>
+                      <a:prstDash val="solid"/>
+                      <a:round/>
+                      <a:headEnd type="none" w="med" len="med"/>
+                      <a:tailEnd type="none" w="med" len="med"/>
+                    </a:lnR>
+                    <a:lnT w="12700" cmpd="sng">
+                      <a:noFill/>
+                    </a:lnT>
+                    <a:lnB w="28575" cap="flat" cmpd="sng" algn="ctr">
+                      <a:solidFill>
+                        <a:schemeClr val="tx1"/>
+                      </a:solidFill>
+                      <a:prstDash val="solid"/>
+                      <a:round/>
+                      <a:headEnd type="none" w="med" len="med"/>
+                      <a:tailEnd type="none" w="med" len="med"/>
+                    </a:lnB>
+                    <a:lnTlToBr w="12700" cmpd="sng">
+                      <a:noFill/>
+                      <a:prstDash val="solid"/>
+                    </a:lnTlToBr>
+                    <a:lnBlToTr w="12700" cmpd="sng">
+                      <a:noFill/>
+                      <a:prstDash val="solid"/>
+                    </a:lnBlToTr>
+                  </a:tcPr>
+                </a:tc>
+                <a:tc>
+                  <a:txBody>
+                    <a:bodyPr/>
+                    <a:lstStyle/>
+                    <a:p>
+                      <a:pPr algn="ctr"/>
+                      <a:endParaRPr lang="zh-CN" altLang="en-US" u="none" strike="sngStrike" baseline="0" dirty="0">
+                        <a:latin typeface="Times New Roman" panose="02020603050405020304" pitchFamily="18" charset="0"/>
+                        <a:ea typeface="宋体" panose="02010600030101010101" pitchFamily="2" charset="-122"/>
+                        <a:cs typeface="Times New Roman" panose="02020603050405020304" pitchFamily="18" charset="0"/>
+                      </a:endParaRPr>
+                    </a:p>
+                  </a:txBody>
+                  <a:tcPr anchor="ctr">
+                    <a:lnL w="12700" cap="flat" cmpd="sng" algn="ctr">
+                      <a:solidFill>
+                        <a:schemeClr val="tx1"/>
+                      </a:solidFill>
+                      <a:prstDash val="solid"/>
+                      <a:round/>
+                      <a:headEnd type="none" w="med" len="med"/>
+                      <a:tailEnd type="none" w="med" len="med"/>
+                    </a:lnL>
+                    <a:lnR w="12700" cap="flat" cmpd="sng" algn="ctr">
+                      <a:solidFill>
+                        <a:schemeClr val="tx1"/>
+                      </a:solidFill>
+                      <a:prstDash val="solid"/>
+                      <a:round/>
+                      <a:headEnd type="none" w="med" len="med"/>
+                      <a:tailEnd type="none" w="med" len="med"/>
+                    </a:lnR>
+                    <a:lnB w="28575" cap="flat" cmpd="sng" algn="ctr">
+                      <a:solidFill>
+                        <a:schemeClr val="tx1"/>
+                      </a:solidFill>
+                      <a:prstDash val="solid"/>
+                      <a:round/>
+                      <a:headEnd type="none" w="med" len="med"/>
+                      <a:tailEnd type="none" w="med" len="med"/>
+                    </a:lnB>
+                  </a:tcPr>
+                </a:tc>
+                <a:tc>
+                  <a:txBody>
+                    <a:bodyPr/>
+                    <a:lstStyle/>
+                    <a:p>
+                      <a:pPr algn="ctr"/>
+                      <a:r>
+                        <a:rPr lang="en-US" altLang="zh-CN" u="none" strike="sngStrike" baseline="0" dirty="0">
+                          <a:solidFill>
+                            <a:srgbClr val="00B0F0"/>
+                          </a:solidFill>
+                          <a:latin typeface="Times New Roman" panose="02020603050405020304" pitchFamily="18" charset="0"/>
+                          <a:ea typeface="宋体" panose="02010600030101010101" pitchFamily="2" charset="-122"/>
+                          <a:cs typeface="Times New Roman" panose="02020603050405020304" pitchFamily="18" charset="0"/>
+                        </a:rPr>
+                        <a:t>10</a:t>
+                      </a:r>
+                      <a:endParaRPr lang="zh-CN" altLang="en-US" u="none" strike="sngStrike" baseline="0" dirty="0">
+                        <a:solidFill>
+                          <a:srgbClr val="00B0F0"/>
+                        </a:solidFill>
+                        <a:latin typeface="Times New Roman" panose="02020603050405020304" pitchFamily="18" charset="0"/>
+                        <a:ea typeface="宋体" panose="02010600030101010101" pitchFamily="2" charset="-122"/>
+                        <a:cs typeface="Times New Roman" panose="02020603050405020304" pitchFamily="18" charset="0"/>
+                      </a:endParaRPr>
+                    </a:p>
+                  </a:txBody>
+                  <a:tcPr anchor="ctr">
+                    <a:lnL w="12700" cap="flat" cmpd="sng" algn="ctr">
+                      <a:solidFill>
+                        <a:schemeClr val="tx1"/>
+                      </a:solidFill>
+                      <a:prstDash val="solid"/>
+                      <a:round/>
+                      <a:headEnd type="none" w="med" len="med"/>
+                      <a:tailEnd type="none" w="med" len="med"/>
+                    </a:lnL>
+                    <a:lnB w="28575" cap="flat" cmpd="sng" algn="ctr">
+                      <a:solidFill>
+                        <a:schemeClr val="tx1"/>
+                      </a:solidFill>
+                      <a:prstDash val="solid"/>
+                      <a:round/>
+                      <a:headEnd type="none" w="med" len="med"/>
+                      <a:tailEnd type="none" w="med" len="med"/>
+                    </a:lnB>
+                  </a:tcPr>
+                </a:tc>
+                <a:tc>
+                  <a:txBody>
+                    <a:bodyPr/>
+                    <a:lstStyle/>
+                    <a:p>
+                      <a:pPr algn="ctr"/>
+                      <a:r>
+                        <a:rPr lang="en-US" altLang="zh-CN" baseline="0" dirty="0">
+                          <a:solidFill>
+                            <a:srgbClr val="00B0F0"/>
+                          </a:solidFill>
+                          <a:latin typeface="Times New Roman" panose="02020603050405020304" pitchFamily="18" charset="0"/>
+                          <a:ea typeface="宋体" panose="02010600030101010101" pitchFamily="2" charset="-122"/>
+                          <a:cs typeface="Times New Roman" panose="02020603050405020304" pitchFamily="18" charset="0"/>
+                        </a:rPr>
+                        <a:t>8</a:t>
+                      </a:r>
+                      <a:endParaRPr lang="zh-CN" altLang="en-US" baseline="0" dirty="0">
+                        <a:solidFill>
+                          <a:srgbClr val="00B0F0"/>
+                        </a:solidFill>
+                        <a:latin typeface="Times New Roman" panose="02020603050405020304" pitchFamily="18" charset="0"/>
+                        <a:ea typeface="宋体" panose="02010600030101010101" pitchFamily="2" charset="-122"/>
+                        <a:cs typeface="Times New Roman" panose="02020603050405020304" pitchFamily="18" charset="0"/>
+                      </a:endParaRPr>
+                    </a:p>
+                  </a:txBody>
+                  <a:tcPr anchor="ctr">
+                    <a:lnB w="28575" cap="flat" cmpd="sng" algn="ctr">
+                      <a:solidFill>
+                        <a:schemeClr val="tx1"/>
+                      </a:solidFill>
+                      <a:prstDash val="solid"/>
+                      <a:round/>
+                      <a:headEnd type="none" w="med" len="med"/>
+                      <a:tailEnd type="none" w="med" len="med"/>
+                    </a:lnB>
+                  </a:tcPr>
+                </a:tc>
+                <a:tc>
+                  <a:txBody>
+                    <a:bodyPr/>
+                    <a:lstStyle/>
+                    <a:p>
+                      <a:pPr algn="ctr"/>
+                      <a:endParaRPr lang="zh-CN" altLang="en-US" strike="sngStrike" baseline="0" dirty="0">
+                        <a:solidFill>
+                          <a:srgbClr val="00B0F0"/>
+                        </a:solidFill>
+                        <a:latin typeface="Times New Roman" panose="02020603050405020304" pitchFamily="18" charset="0"/>
+                        <a:ea typeface="宋体" panose="02010600030101010101" pitchFamily="2" charset="-122"/>
+                        <a:cs typeface="Times New Roman" panose="02020603050405020304" pitchFamily="18" charset="0"/>
+                      </a:endParaRPr>
+                    </a:p>
+                  </a:txBody>
+                  <a:tcPr anchor="ctr">
+                    <a:lnB w="28575" cap="flat" cmpd="sng" algn="ctr">
+                      <a:solidFill>
+                        <a:schemeClr val="tx1"/>
+                      </a:solidFill>
+                      <a:prstDash val="solid"/>
+                      <a:round/>
+                      <a:headEnd type="none" w="med" len="med"/>
+                      <a:tailEnd type="none" w="med" len="med"/>
+                    </a:lnB>
+                  </a:tcPr>
+                </a:tc>
+                <a:tc>
+                  <a:txBody>
+                    <a:bodyPr/>
+                    <a:lstStyle/>
+                    <a:p>
+                      <a:pPr algn="ctr"/>
+                      <a:endParaRPr lang="zh-CN" altLang="en-US" baseline="0" dirty="0">
+                        <a:latin typeface="Times New Roman" panose="02020603050405020304" pitchFamily="18" charset="0"/>
+                        <a:ea typeface="宋体" panose="02010600030101010101" pitchFamily="2" charset="-122"/>
+                        <a:cs typeface="Times New Roman" panose="02020603050405020304" pitchFamily="18" charset="0"/>
+                      </a:endParaRPr>
+                    </a:p>
+                  </a:txBody>
+                  <a:tcPr anchor="ctr">
+                    <a:lnB w="28575" cap="flat" cmpd="sng" algn="ctr">
+                      <a:solidFill>
+                        <a:schemeClr val="tx1"/>
+                      </a:solidFill>
+                      <a:prstDash val="solid"/>
+                      <a:round/>
+                      <a:headEnd type="none" w="med" len="med"/>
+                      <a:tailEnd type="none" w="med" len="med"/>
+                    </a:lnB>
+                  </a:tcPr>
+                </a:tc>
+                <a:tc>
+                  <a:txBody>
+                    <a:bodyPr/>
+                    <a:lstStyle/>
+                    <a:p>
+                      <a:pPr algn="ctr"/>
+                      <a:endParaRPr lang="zh-CN" altLang="en-US" baseline="0" dirty="0">
+                        <a:latin typeface="Times New Roman" panose="02020603050405020304" pitchFamily="18" charset="0"/>
+                        <a:ea typeface="宋体" panose="02010600030101010101" pitchFamily="2" charset="-122"/>
+                        <a:cs typeface="Times New Roman" panose="02020603050405020304" pitchFamily="18" charset="0"/>
+                      </a:endParaRPr>
+                    </a:p>
+                  </a:txBody>
+                  <a:tcPr anchor="ctr">
+                    <a:lnB w="28575" cap="flat" cmpd="sng" algn="ctr">
+                      <a:solidFill>
+                        <a:schemeClr val="tx1"/>
+                      </a:solidFill>
+                      <a:prstDash val="solid"/>
+                      <a:round/>
+                      <a:headEnd type="none" w="med" len="med"/>
+                      <a:tailEnd type="none" w="med" len="med"/>
+                    </a:lnB>
+                  </a:tcPr>
+                </a:tc>
+                <a:extLst>
+                  <a:ext uri="{0D108BD9-81ED-4DB2-BD59-A6C34878D82A}">
+                    <a16:rowId xmlns:a16="http://schemas.microsoft.com/office/drawing/2014/main" val="600389008"/>
+                  </a:ext>
+                </a:extLst>
+              </a:tr>
+              <a:tr h="489035">
+                <a:tc>
+                  <a:txBody>
+                    <a:bodyPr/>
+                    <a:lstStyle/>
+                    <a:p>
+                      <a:pPr algn="l"/>
+                      <a:r>
+                        <a:rPr lang="en-US" altLang="zh-CN" baseline="0" dirty="0">
+                          <a:latin typeface="Times New Roman" panose="02020603050405020304" pitchFamily="18" charset="0"/>
+                          <a:ea typeface="宋体" panose="02010600030101010101" pitchFamily="2" charset="-122"/>
+                          <a:cs typeface="Times New Roman" panose="02020603050405020304" pitchFamily="18" charset="0"/>
+                        </a:rPr>
+                        <a:t>root</a:t>
+                      </a:r>
+                      <a:endParaRPr lang="zh-CN" altLang="en-US" baseline="0" dirty="0">
+                        <a:latin typeface="Times New Roman" panose="02020603050405020304" pitchFamily="18" charset="0"/>
+                        <a:ea typeface="宋体" panose="02010600030101010101" pitchFamily="2" charset="-122"/>
+                        <a:cs typeface="Times New Roman" panose="02020603050405020304" pitchFamily="18" charset="0"/>
+                      </a:endParaRPr>
+                    </a:p>
+                  </a:txBody>
+                  <a:tcPr anchor="ctr">
+                    <a:lnL w="12700" cmpd="sng">
+                      <a:noFill/>
+                    </a:lnL>
+                    <a:lnR w="12700" cap="flat" cmpd="sng" algn="ctr">
+                      <a:solidFill>
+                        <a:schemeClr val="tx1"/>
+                      </a:solidFill>
+                      <a:prstDash val="solid"/>
+                      <a:round/>
+                      <a:headEnd type="none" w="med" len="med"/>
+                      <a:tailEnd type="none" w="med" len="med"/>
+                    </a:lnR>
+                    <a:lnT w="28575" cap="flat" cmpd="sng" algn="ctr">
+                      <a:solidFill>
+                        <a:schemeClr val="tx1"/>
+                      </a:solidFill>
+                      <a:prstDash val="solid"/>
+                      <a:round/>
+                      <a:headEnd type="none" w="med" len="med"/>
+                      <a:tailEnd type="none" w="med" len="med"/>
+                    </a:lnT>
+                    <a:lnB w="12700" cmpd="sng">
+                      <a:noFill/>
+                    </a:lnB>
+                    <a:lnTlToBr w="12700" cmpd="sng">
+                      <a:noFill/>
+                      <a:prstDash val="solid"/>
+                    </a:lnTlToBr>
+                    <a:lnBlToTr w="12700" cmpd="sng">
+                      <a:noFill/>
+                      <a:prstDash val="solid"/>
+                    </a:lnBlToTr>
+                  </a:tcPr>
+                </a:tc>
+                <a:tc>
+                  <a:txBody>
+                    <a:bodyPr/>
+                    <a:lstStyle/>
+                    <a:p>
+                      <a:pPr algn="ctr"/>
+                      <a:r>
+                        <a:rPr lang="en-US" altLang="zh-CN" sz="1400" baseline="0" dirty="0">
+                          <a:latin typeface="Times New Roman" panose="02020603050405020304" pitchFamily="18" charset="0"/>
+                          <a:ea typeface="宋体" panose="02010600030101010101" pitchFamily="2" charset="-122"/>
+                          <a:cs typeface="Times New Roman" panose="02020603050405020304" pitchFamily="18" charset="0"/>
+                        </a:rPr>
+                        <a:t>MAX</a:t>
+                      </a:r>
+                      <a:endParaRPr lang="zh-CN" altLang="en-US" baseline="0" dirty="0">
+                        <a:latin typeface="Times New Roman" panose="02020603050405020304" pitchFamily="18" charset="0"/>
+                        <a:ea typeface="宋体" panose="02010600030101010101" pitchFamily="2" charset="-122"/>
+                        <a:cs typeface="Times New Roman" panose="02020603050405020304" pitchFamily="18" charset="0"/>
+                      </a:endParaRPr>
+                    </a:p>
+                  </a:txBody>
+                  <a:tcPr anchor="ctr">
+                    <a:lnL w="12700" cap="flat" cmpd="sng" algn="ctr">
+                      <a:solidFill>
+                        <a:schemeClr val="tx1"/>
+                      </a:solidFill>
+                      <a:prstDash val="solid"/>
+                      <a:round/>
+                      <a:headEnd type="none" w="med" len="med"/>
+                      <a:tailEnd type="none" w="med" len="med"/>
+                    </a:lnL>
+                    <a:lnR w="12700" cap="flat" cmpd="sng" algn="ctr">
+                      <a:solidFill>
+                        <a:schemeClr val="tx1"/>
+                      </a:solidFill>
+                      <a:prstDash val="solid"/>
+                      <a:round/>
+                      <a:headEnd type="none" w="med" len="med"/>
+                      <a:tailEnd type="none" w="med" len="med"/>
+                    </a:lnR>
+                    <a:lnT w="28575" cap="flat" cmpd="sng" algn="ctr">
+                      <a:solidFill>
+                        <a:schemeClr val="tx1"/>
+                      </a:solidFill>
+                      <a:prstDash val="solid"/>
+                      <a:round/>
+                      <a:headEnd type="none" w="med" len="med"/>
+                      <a:tailEnd type="none" w="med" len="med"/>
+                    </a:lnT>
+                  </a:tcPr>
+                </a:tc>
+                <a:tc>
+                  <a:txBody>
+                    <a:bodyPr/>
+                    <a:lstStyle/>
+                    <a:p>
+                      <a:pPr algn="ctr"/>
+                      <a:r>
+                        <a:rPr lang="en-US" altLang="zh-CN" strike="noStrike" baseline="0" dirty="0">
+                          <a:solidFill>
+                            <a:srgbClr val="00B050"/>
+                          </a:solidFill>
+                          <a:latin typeface="Times New Roman" panose="02020603050405020304" pitchFamily="18" charset="0"/>
+                          <a:ea typeface="宋体" panose="02010600030101010101" pitchFamily="2" charset="-122"/>
+                          <a:cs typeface="Times New Roman" panose="02020603050405020304" pitchFamily="18" charset="0"/>
+                        </a:rPr>
+                        <a:t>13</a:t>
+                      </a:r>
+                      <a:endParaRPr lang="zh-CN" altLang="en-US" strike="noStrike" baseline="0" dirty="0">
+                        <a:solidFill>
+                          <a:srgbClr val="00B050"/>
+                        </a:solidFill>
+                        <a:latin typeface="Times New Roman" panose="02020603050405020304" pitchFamily="18" charset="0"/>
+                        <a:ea typeface="宋体" panose="02010600030101010101" pitchFamily="2" charset="-122"/>
+                        <a:cs typeface="Times New Roman" panose="02020603050405020304" pitchFamily="18" charset="0"/>
+                      </a:endParaRPr>
+                    </a:p>
+                  </a:txBody>
+                  <a:tcPr anchor="ctr">
+                    <a:lnL w="12700" cap="flat" cmpd="sng" algn="ctr">
+                      <a:solidFill>
+                        <a:schemeClr val="tx1"/>
+                      </a:solidFill>
+                      <a:prstDash val="solid"/>
+                      <a:round/>
+                      <a:headEnd type="none" w="med" len="med"/>
+                      <a:tailEnd type="none" w="med" len="med"/>
+                    </a:lnL>
+                    <a:lnT w="28575" cap="flat" cmpd="sng" algn="ctr">
+                      <a:solidFill>
+                        <a:schemeClr val="tx1"/>
+                      </a:solidFill>
+                      <a:prstDash val="solid"/>
+                      <a:round/>
+                      <a:headEnd type="none" w="med" len="med"/>
+                      <a:tailEnd type="none" w="med" len="med"/>
+                    </a:lnT>
+                  </a:tcPr>
+                </a:tc>
+                <a:tc>
+                  <a:txBody>
+                    <a:bodyPr/>
+                    <a:lstStyle/>
+                    <a:p>
+                      <a:pPr algn="ctr"/>
+                      <a:endParaRPr lang="zh-CN" altLang="en-US" baseline="0" dirty="0">
+                        <a:latin typeface="Times New Roman" panose="02020603050405020304" pitchFamily="18" charset="0"/>
+                        <a:ea typeface="宋体" panose="02010600030101010101" pitchFamily="2" charset="-122"/>
+                        <a:cs typeface="Times New Roman" panose="02020603050405020304" pitchFamily="18" charset="0"/>
+                      </a:endParaRPr>
+                    </a:p>
+                  </a:txBody>
+                  <a:tcPr anchor="ctr">
+                    <a:lnT w="28575" cap="flat" cmpd="sng" algn="ctr">
+                      <a:solidFill>
+                        <a:schemeClr val="tx1"/>
+                      </a:solidFill>
+                      <a:prstDash val="solid"/>
+                      <a:round/>
+                      <a:headEnd type="none" w="med" len="med"/>
+                      <a:tailEnd type="none" w="med" len="med"/>
+                    </a:lnT>
+                  </a:tcPr>
+                </a:tc>
+                <a:tc>
+                  <a:txBody>
+                    <a:bodyPr/>
+                    <a:lstStyle/>
+                    <a:p>
+                      <a:pPr algn="ctr"/>
+                      <a:endParaRPr lang="zh-CN" altLang="en-US" baseline="0" dirty="0">
+                        <a:latin typeface="Times New Roman" panose="02020603050405020304" pitchFamily="18" charset="0"/>
+                        <a:ea typeface="宋体" panose="02010600030101010101" pitchFamily="2" charset="-122"/>
+                        <a:cs typeface="Times New Roman" panose="02020603050405020304" pitchFamily="18" charset="0"/>
+                      </a:endParaRPr>
+                    </a:p>
+                  </a:txBody>
+                  <a:tcPr anchor="ctr">
+                    <a:lnT w="28575" cap="flat" cmpd="sng" algn="ctr">
+                      <a:solidFill>
+                        <a:schemeClr val="tx1"/>
+                      </a:solidFill>
+                      <a:prstDash val="solid"/>
+                      <a:round/>
+                      <a:headEnd type="none" w="med" len="med"/>
+                      <a:tailEnd type="none" w="med" len="med"/>
+                    </a:lnT>
+                  </a:tcPr>
+                </a:tc>
+                <a:tc>
+                  <a:txBody>
+                    <a:bodyPr/>
+                    <a:lstStyle/>
+                    <a:p>
+                      <a:pPr algn="ctr"/>
+                      <a:endParaRPr lang="zh-CN" altLang="en-US" baseline="0" dirty="0">
+                        <a:latin typeface="Times New Roman" panose="02020603050405020304" pitchFamily="18" charset="0"/>
+                        <a:ea typeface="宋体" panose="02010600030101010101" pitchFamily="2" charset="-122"/>
+                        <a:cs typeface="Times New Roman" panose="02020603050405020304" pitchFamily="18" charset="0"/>
+                      </a:endParaRPr>
+                    </a:p>
+                  </a:txBody>
+                  <a:tcPr anchor="ctr">
+                    <a:lnT w="28575" cap="flat" cmpd="sng" algn="ctr">
+                      <a:solidFill>
+                        <a:schemeClr val="tx1"/>
+                      </a:solidFill>
+                      <a:prstDash val="solid"/>
+                      <a:round/>
+                      <a:headEnd type="none" w="med" len="med"/>
+                      <a:tailEnd type="none" w="med" len="med"/>
+                    </a:lnT>
+                  </a:tcPr>
+                </a:tc>
+                <a:tc>
+                  <a:txBody>
+                    <a:bodyPr/>
+                    <a:lstStyle/>
+                    <a:p>
+                      <a:pPr algn="ctr"/>
+                      <a:endParaRPr lang="zh-CN" altLang="en-US" baseline="0" dirty="0">
+                        <a:latin typeface="Times New Roman" panose="02020603050405020304" pitchFamily="18" charset="0"/>
+                        <a:ea typeface="宋体" panose="02010600030101010101" pitchFamily="2" charset="-122"/>
+                        <a:cs typeface="Times New Roman" panose="02020603050405020304" pitchFamily="18" charset="0"/>
+                      </a:endParaRPr>
+                    </a:p>
+                  </a:txBody>
+                  <a:tcPr anchor="ctr">
+                    <a:lnT w="28575" cap="flat" cmpd="sng" algn="ctr">
+                      <a:solidFill>
+                        <a:schemeClr val="tx1"/>
+                      </a:solidFill>
+                      <a:prstDash val="solid"/>
+                      <a:round/>
+                      <a:headEnd type="none" w="med" len="med"/>
+                      <a:tailEnd type="none" w="med" len="med"/>
+                    </a:lnT>
+                  </a:tcPr>
+                </a:tc>
+                <a:extLst>
+                  <a:ext uri="{0D108BD9-81ED-4DB2-BD59-A6C34878D82A}">
+                    <a16:rowId xmlns:a16="http://schemas.microsoft.com/office/drawing/2014/main" val="3360340133"/>
+                  </a:ext>
+                </a:extLst>
+              </a:tr>
+              <a:tr h="489035">
+                <a:tc>
+                  <a:txBody>
+                    <a:bodyPr/>
+                    <a:lstStyle/>
+                    <a:p>
+                      <a:endParaRPr lang="zh-CN" altLang="en-US" baseline="0" dirty="0">
+                        <a:latin typeface="Times New Roman" panose="02020603050405020304" pitchFamily="18" charset="0"/>
+                        <a:ea typeface="宋体" panose="02010600030101010101" pitchFamily="2" charset="-122"/>
+                        <a:cs typeface="Times New Roman" panose="02020603050405020304" pitchFamily="18" charset="0"/>
+                      </a:endParaRPr>
+                    </a:p>
+                  </a:txBody>
+                  <a:tcPr>
+                    <a:lnL w="12700" cmpd="sng">
+                      <a:noFill/>
+                    </a:lnL>
+                    <a:lnR w="12700" cap="flat" cmpd="sng" algn="ctr">
+                      <a:solidFill>
+                        <a:schemeClr val="tx1"/>
+                      </a:solidFill>
+                      <a:prstDash val="solid"/>
+                      <a:round/>
+                      <a:headEnd type="none" w="med" len="med"/>
+                      <a:tailEnd type="none" w="med" len="med"/>
+                    </a:lnR>
+                    <a:lnT w="12700" cmpd="sng">
+                      <a:noFill/>
+                    </a:lnT>
+                    <a:lnB w="12700" cmpd="sng">
+                      <a:noFill/>
+                    </a:lnB>
+                    <a:lnTlToBr w="12700" cmpd="sng">
+                      <a:noFill/>
+                      <a:prstDash val="solid"/>
+                    </a:lnTlToBr>
+                    <a:lnBlToTr w="12700" cmpd="sng">
+                      <a:noFill/>
+                      <a:prstDash val="solid"/>
+                    </a:lnBlToTr>
+                  </a:tcPr>
+                </a:tc>
+                <a:tc>
+                  <a:txBody>
+                    <a:bodyPr/>
+                    <a:lstStyle/>
+                    <a:p>
+                      <a:pPr algn="ctr"/>
+                      <a:endParaRPr lang="zh-CN" altLang="en-US" baseline="0" dirty="0">
+                        <a:latin typeface="Times New Roman" panose="02020603050405020304" pitchFamily="18" charset="0"/>
+                        <a:ea typeface="宋体" panose="02010600030101010101" pitchFamily="2" charset="-122"/>
+                        <a:cs typeface="Times New Roman" panose="02020603050405020304" pitchFamily="18" charset="0"/>
+                      </a:endParaRPr>
+                    </a:p>
+                  </a:txBody>
+                  <a:tcPr anchor="ctr">
+                    <a:lnL w="12700" cap="flat" cmpd="sng" algn="ctr">
+                      <a:solidFill>
+                        <a:schemeClr val="tx1"/>
+                      </a:solidFill>
+                      <a:prstDash val="solid"/>
+                      <a:round/>
+                      <a:headEnd type="none" w="med" len="med"/>
+                      <a:tailEnd type="none" w="med" len="med"/>
+                    </a:lnL>
+                    <a:lnR w="12700" cap="flat" cmpd="sng" algn="ctr">
+                      <a:solidFill>
+                        <a:schemeClr val="tx1"/>
+                      </a:solidFill>
+                      <a:prstDash val="solid"/>
+                      <a:round/>
+                      <a:headEnd type="none" w="med" len="med"/>
+                      <a:tailEnd type="none" w="med" len="med"/>
+                    </a:lnR>
+                  </a:tcPr>
+                </a:tc>
+                <a:tc>
+                  <a:txBody>
+                    <a:bodyPr/>
+                    <a:lstStyle/>
+                    <a:p>
+                      <a:pPr algn="ctr"/>
+                      <a:r>
+                        <a:rPr lang="en-US" altLang="zh-CN" baseline="0" dirty="0">
+                          <a:solidFill>
+                            <a:srgbClr val="00B050"/>
+                          </a:solidFill>
+                          <a:latin typeface="Times New Roman" panose="02020603050405020304" pitchFamily="18" charset="0"/>
+                          <a:ea typeface="宋体" panose="02010600030101010101" pitchFamily="2" charset="-122"/>
+                          <a:cs typeface="Times New Roman" panose="02020603050405020304" pitchFamily="18" charset="0"/>
+                        </a:rPr>
+                        <a:t>12</a:t>
+                      </a:r>
+                      <a:endParaRPr lang="zh-CN" altLang="en-US" baseline="0" dirty="0">
+                        <a:solidFill>
+                          <a:srgbClr val="00B050"/>
+                        </a:solidFill>
+                        <a:latin typeface="Times New Roman" panose="02020603050405020304" pitchFamily="18" charset="0"/>
+                        <a:ea typeface="宋体" panose="02010600030101010101" pitchFamily="2" charset="-122"/>
+                        <a:cs typeface="Times New Roman" panose="02020603050405020304" pitchFamily="18" charset="0"/>
+                      </a:endParaRPr>
+                    </a:p>
+                  </a:txBody>
+                  <a:tcPr anchor="ctr">
+                    <a:lnL w="12700" cap="flat" cmpd="sng" algn="ctr">
+                      <a:solidFill>
+                        <a:schemeClr val="tx1"/>
+                      </a:solidFill>
+                      <a:prstDash val="solid"/>
+                      <a:round/>
+                      <a:headEnd type="none" w="med" len="med"/>
+                      <a:tailEnd type="none" w="med" len="med"/>
+                    </a:lnL>
+                  </a:tcPr>
+                </a:tc>
+                <a:tc>
+                  <a:txBody>
+                    <a:bodyPr/>
+                    <a:lstStyle/>
+                    <a:p>
+                      <a:pPr algn="ctr"/>
+                      <a:endParaRPr lang="zh-CN" altLang="en-US" baseline="0" dirty="0">
+                        <a:latin typeface="Times New Roman" panose="02020603050405020304" pitchFamily="18" charset="0"/>
+                        <a:ea typeface="宋体" panose="02010600030101010101" pitchFamily="2" charset="-122"/>
+                        <a:cs typeface="Times New Roman" panose="02020603050405020304" pitchFamily="18" charset="0"/>
+                      </a:endParaRPr>
+                    </a:p>
+                  </a:txBody>
+                  <a:tcPr anchor="ctr"/>
+                </a:tc>
+                <a:tc>
+                  <a:txBody>
+                    <a:bodyPr/>
+                    <a:lstStyle/>
+                    <a:p>
+                      <a:pPr algn="ctr"/>
+                      <a:endParaRPr lang="zh-CN" altLang="en-US" baseline="0" dirty="0">
+                        <a:latin typeface="Times New Roman" panose="02020603050405020304" pitchFamily="18" charset="0"/>
+                        <a:ea typeface="宋体" panose="02010600030101010101" pitchFamily="2" charset="-122"/>
+                        <a:cs typeface="Times New Roman" panose="02020603050405020304" pitchFamily="18" charset="0"/>
+                      </a:endParaRPr>
+                    </a:p>
+                  </a:txBody>
+                  <a:tcPr anchor="ctr"/>
+                </a:tc>
+                <a:tc>
+                  <a:txBody>
+                    <a:bodyPr/>
+                    <a:lstStyle/>
+                    <a:p>
+                      <a:pPr algn="ctr"/>
+                      <a:endParaRPr lang="zh-CN" altLang="en-US" baseline="0" dirty="0">
+                        <a:latin typeface="Times New Roman" panose="02020603050405020304" pitchFamily="18" charset="0"/>
+                        <a:ea typeface="宋体" panose="02010600030101010101" pitchFamily="2" charset="-122"/>
+                        <a:cs typeface="Times New Roman" panose="02020603050405020304" pitchFamily="18" charset="0"/>
+                      </a:endParaRPr>
+                    </a:p>
+                  </a:txBody>
+                  <a:tcPr anchor="ctr"/>
+                </a:tc>
+                <a:tc>
+                  <a:txBody>
+                    <a:bodyPr/>
+                    <a:lstStyle/>
+                    <a:p>
+                      <a:pPr algn="ctr"/>
+                      <a:endParaRPr lang="zh-CN" altLang="en-US" baseline="0" dirty="0">
+                        <a:latin typeface="Times New Roman" panose="02020603050405020304" pitchFamily="18" charset="0"/>
+                        <a:ea typeface="宋体" panose="02010600030101010101" pitchFamily="2" charset="-122"/>
+                        <a:cs typeface="Times New Roman" panose="02020603050405020304" pitchFamily="18" charset="0"/>
+                      </a:endParaRPr>
+                    </a:p>
+                  </a:txBody>
+                  <a:tcPr anchor="ctr"/>
+                </a:tc>
+                <a:extLst>
+                  <a:ext uri="{0D108BD9-81ED-4DB2-BD59-A6C34878D82A}">
+                    <a16:rowId xmlns:a16="http://schemas.microsoft.com/office/drawing/2014/main" val="3621907057"/>
+                  </a:ext>
+                </a:extLst>
+              </a:tr>
+              <a:tr h="489035">
+                <a:tc>
+                  <a:txBody>
+                    <a:bodyPr/>
+                    <a:lstStyle/>
+                    <a:p>
+                      <a:endParaRPr lang="zh-CN" altLang="en-US" baseline="0" dirty="0">
+                        <a:latin typeface="Times New Roman" panose="02020603050405020304" pitchFamily="18" charset="0"/>
+                        <a:ea typeface="宋体" panose="02010600030101010101" pitchFamily="2" charset="-122"/>
+                        <a:cs typeface="Times New Roman" panose="02020603050405020304" pitchFamily="18" charset="0"/>
+                      </a:endParaRPr>
+                    </a:p>
+                  </a:txBody>
+                  <a:tcPr>
+                    <a:lnL w="12700" cmpd="sng">
+                      <a:noFill/>
+                    </a:lnL>
+                    <a:lnR w="12700" cap="flat" cmpd="sng" algn="ctr">
+                      <a:solidFill>
+                        <a:schemeClr val="tx1"/>
+                      </a:solidFill>
+                      <a:prstDash val="solid"/>
+                      <a:round/>
+                      <a:headEnd type="none" w="med" len="med"/>
+                      <a:tailEnd type="none" w="med" len="med"/>
+                    </a:lnR>
+                    <a:lnT w="12700" cmpd="sng">
+                      <a:noFill/>
+                    </a:lnT>
+                    <a:lnB w="12700" cmpd="sng">
+                      <a:noFill/>
+                    </a:lnB>
+                    <a:lnTlToBr w="12700" cmpd="sng">
+                      <a:noFill/>
+                      <a:prstDash val="solid"/>
+                    </a:lnTlToBr>
+                    <a:lnBlToTr w="12700" cmpd="sng">
+                      <a:noFill/>
+                      <a:prstDash val="solid"/>
+                    </a:lnBlToTr>
+                  </a:tcPr>
+                </a:tc>
+                <a:tc>
+                  <a:txBody>
+                    <a:bodyPr/>
+                    <a:lstStyle/>
+                    <a:p>
+                      <a:pPr algn="ctr"/>
+                      <a:endParaRPr lang="zh-CN" altLang="en-US" baseline="0" dirty="0">
+                        <a:latin typeface="Times New Roman" panose="02020603050405020304" pitchFamily="18" charset="0"/>
+                        <a:ea typeface="宋体" panose="02010600030101010101" pitchFamily="2" charset="-122"/>
+                        <a:cs typeface="Times New Roman" panose="02020603050405020304" pitchFamily="18" charset="0"/>
+                      </a:endParaRPr>
+                    </a:p>
+                  </a:txBody>
+                  <a:tcPr anchor="ctr">
+                    <a:lnL w="12700" cap="flat" cmpd="sng" algn="ctr">
+                      <a:solidFill>
+                        <a:schemeClr val="tx1"/>
+                      </a:solidFill>
+                      <a:prstDash val="solid"/>
+                      <a:round/>
+                      <a:headEnd type="none" w="med" len="med"/>
+                      <a:tailEnd type="none" w="med" len="med"/>
+                    </a:lnL>
+                    <a:lnR w="12700" cap="flat" cmpd="sng" algn="ctr">
+                      <a:solidFill>
+                        <a:schemeClr val="tx1"/>
+                      </a:solidFill>
+                      <a:prstDash val="solid"/>
+                      <a:round/>
+                      <a:headEnd type="none" w="med" len="med"/>
+                      <a:tailEnd type="none" w="med" len="med"/>
+                    </a:lnR>
+                  </a:tcPr>
+                </a:tc>
+                <a:tc>
+                  <a:txBody>
+                    <a:bodyPr/>
+                    <a:lstStyle/>
+                    <a:p>
+                      <a:pPr algn="ctr"/>
+                      <a:r>
+                        <a:rPr lang="en-US" altLang="zh-CN" baseline="0" dirty="0">
+                          <a:solidFill>
+                            <a:srgbClr val="FF0000"/>
+                          </a:solidFill>
+                          <a:latin typeface="Times New Roman" panose="02020603050405020304" pitchFamily="18" charset="0"/>
+                          <a:ea typeface="宋体" panose="02010600030101010101" pitchFamily="2" charset="-122"/>
+                          <a:cs typeface="Times New Roman" panose="02020603050405020304" pitchFamily="18" charset="0"/>
+                        </a:rPr>
+                        <a:t>10</a:t>
+                      </a:r>
+                      <a:endParaRPr lang="zh-CN" altLang="en-US" baseline="0" dirty="0">
+                        <a:solidFill>
+                          <a:srgbClr val="FF0000"/>
+                        </a:solidFill>
+                        <a:latin typeface="Times New Roman" panose="02020603050405020304" pitchFamily="18" charset="0"/>
+                        <a:ea typeface="宋体" panose="02010600030101010101" pitchFamily="2" charset="-122"/>
+                        <a:cs typeface="Times New Roman" panose="02020603050405020304" pitchFamily="18" charset="0"/>
+                      </a:endParaRPr>
+                    </a:p>
+                  </a:txBody>
+                  <a:tcPr anchor="ctr">
+                    <a:lnL w="12700" cap="flat" cmpd="sng" algn="ctr">
+                      <a:solidFill>
+                        <a:schemeClr val="tx1"/>
+                      </a:solidFill>
+                      <a:prstDash val="solid"/>
+                      <a:round/>
+                      <a:headEnd type="none" w="med" len="med"/>
+                      <a:tailEnd type="none" w="med" len="med"/>
+                    </a:lnL>
+                  </a:tcPr>
+                </a:tc>
+                <a:tc>
+                  <a:txBody>
+                    <a:bodyPr/>
+                    <a:lstStyle/>
+                    <a:p>
+                      <a:pPr algn="ctr"/>
+                      <a:endParaRPr lang="zh-CN" altLang="en-US" baseline="0" dirty="0">
+                        <a:latin typeface="Times New Roman" panose="02020603050405020304" pitchFamily="18" charset="0"/>
+                        <a:ea typeface="宋体" panose="02010600030101010101" pitchFamily="2" charset="-122"/>
+                        <a:cs typeface="Times New Roman" panose="02020603050405020304" pitchFamily="18" charset="0"/>
+                      </a:endParaRPr>
+                    </a:p>
+                  </a:txBody>
+                  <a:tcPr anchor="ctr"/>
+                </a:tc>
+                <a:tc>
+                  <a:txBody>
+                    <a:bodyPr/>
+                    <a:lstStyle/>
+                    <a:p>
+                      <a:pPr algn="ctr"/>
+                      <a:endParaRPr lang="zh-CN" altLang="en-US" baseline="0" dirty="0">
+                        <a:latin typeface="Times New Roman" panose="02020603050405020304" pitchFamily="18" charset="0"/>
+                        <a:ea typeface="宋体" panose="02010600030101010101" pitchFamily="2" charset="-122"/>
+                        <a:cs typeface="Times New Roman" panose="02020603050405020304" pitchFamily="18" charset="0"/>
+                      </a:endParaRPr>
+                    </a:p>
+                  </a:txBody>
+                  <a:tcPr anchor="ctr"/>
+                </a:tc>
+                <a:tc>
+                  <a:txBody>
+                    <a:bodyPr/>
+                    <a:lstStyle/>
+                    <a:p>
+                      <a:pPr algn="ctr"/>
+                      <a:endParaRPr lang="zh-CN" altLang="en-US" baseline="0" dirty="0">
+                        <a:latin typeface="Times New Roman" panose="02020603050405020304" pitchFamily="18" charset="0"/>
+                        <a:ea typeface="宋体" panose="02010600030101010101" pitchFamily="2" charset="-122"/>
+                        <a:cs typeface="Times New Roman" panose="02020603050405020304" pitchFamily="18" charset="0"/>
+                      </a:endParaRPr>
+                    </a:p>
+                  </a:txBody>
+                  <a:tcPr anchor="ctr"/>
+                </a:tc>
+                <a:tc>
+                  <a:txBody>
+                    <a:bodyPr/>
+                    <a:lstStyle/>
+                    <a:p>
+                      <a:pPr algn="ctr"/>
+                      <a:endParaRPr lang="zh-CN" altLang="en-US" baseline="0" dirty="0">
+                        <a:latin typeface="Times New Roman" panose="02020603050405020304" pitchFamily="18" charset="0"/>
+                        <a:ea typeface="宋体" panose="02010600030101010101" pitchFamily="2" charset="-122"/>
+                        <a:cs typeface="Times New Roman" panose="02020603050405020304" pitchFamily="18" charset="0"/>
+                      </a:endParaRPr>
+                    </a:p>
+                  </a:txBody>
+                  <a:tcPr anchor="ctr"/>
+                </a:tc>
+                <a:extLst>
+                  <a:ext uri="{0D108BD9-81ED-4DB2-BD59-A6C34878D82A}">
+                    <a16:rowId xmlns:a16="http://schemas.microsoft.com/office/drawing/2014/main" val="3403059162"/>
+                  </a:ext>
+                </a:extLst>
+              </a:tr>
+              <a:tr h="489035">
+                <a:tc>
+                  <a:txBody>
+                    <a:bodyPr/>
+                    <a:lstStyle/>
+                    <a:p>
+                      <a:endParaRPr lang="zh-CN" altLang="en-US" baseline="0" dirty="0">
+                        <a:latin typeface="Times New Roman" panose="02020603050405020304" pitchFamily="18" charset="0"/>
+                        <a:ea typeface="宋体" panose="02010600030101010101" pitchFamily="2" charset="-122"/>
+                        <a:cs typeface="Times New Roman" panose="02020603050405020304" pitchFamily="18" charset="0"/>
+                      </a:endParaRPr>
+                    </a:p>
+                  </a:txBody>
+                  <a:tcPr>
+                    <a:lnL w="12700" cmpd="sng">
+                      <a:noFill/>
+                    </a:lnL>
+                    <a:lnR w="12700" cap="flat" cmpd="sng" algn="ctr">
+                      <a:solidFill>
+                        <a:schemeClr val="tx1"/>
+                      </a:solidFill>
+                      <a:prstDash val="solid"/>
+                      <a:round/>
+                      <a:headEnd type="none" w="med" len="med"/>
+                      <a:tailEnd type="none" w="med" len="med"/>
+                    </a:lnR>
+                    <a:lnT w="12700" cmpd="sng">
+                      <a:noFill/>
+                    </a:lnT>
+                    <a:lnB w="12700" cmpd="sng">
+                      <a:noFill/>
+                    </a:lnB>
+                    <a:lnTlToBr w="12700" cmpd="sng">
+                      <a:noFill/>
+                      <a:prstDash val="solid"/>
+                    </a:lnTlToBr>
+                    <a:lnBlToTr w="12700" cmpd="sng">
+                      <a:noFill/>
+                      <a:prstDash val="solid"/>
+                    </a:lnBlToTr>
+                  </a:tcPr>
+                </a:tc>
+                <a:tc>
+                  <a:txBody>
+                    <a:bodyPr/>
+                    <a:lstStyle/>
+                    <a:p>
+                      <a:pPr algn="ctr"/>
+                      <a:endParaRPr lang="zh-CN" altLang="en-US" baseline="0" dirty="0">
+                        <a:latin typeface="Times New Roman" panose="02020603050405020304" pitchFamily="18" charset="0"/>
+                        <a:ea typeface="宋体" panose="02010600030101010101" pitchFamily="2" charset="-122"/>
+                        <a:cs typeface="Times New Roman" panose="02020603050405020304" pitchFamily="18" charset="0"/>
+                      </a:endParaRPr>
+                    </a:p>
+                  </a:txBody>
+                  <a:tcPr anchor="ctr">
+                    <a:lnL w="12700" cap="flat" cmpd="sng" algn="ctr">
+                      <a:solidFill>
+                        <a:schemeClr val="tx1"/>
+                      </a:solidFill>
+                      <a:prstDash val="solid"/>
+                      <a:round/>
+                      <a:headEnd type="none" w="med" len="med"/>
+                      <a:tailEnd type="none" w="med" len="med"/>
+                    </a:lnL>
+                    <a:lnR w="12700" cap="flat" cmpd="sng" algn="ctr">
+                      <a:solidFill>
+                        <a:schemeClr val="tx1"/>
+                      </a:solidFill>
+                      <a:prstDash val="solid"/>
+                      <a:round/>
+                      <a:headEnd type="none" w="med" len="med"/>
+                      <a:tailEnd type="none" w="med" len="med"/>
+                    </a:lnR>
+                  </a:tcPr>
+                </a:tc>
+                <a:tc>
+                  <a:txBody>
+                    <a:bodyPr/>
+                    <a:lstStyle/>
+                    <a:p>
+                      <a:pPr algn="ctr"/>
+                      <a:endParaRPr lang="zh-CN" altLang="en-US" baseline="0" dirty="0">
+                        <a:latin typeface="Times New Roman" panose="02020603050405020304" pitchFamily="18" charset="0"/>
+                        <a:ea typeface="宋体" panose="02010600030101010101" pitchFamily="2" charset="-122"/>
+                        <a:cs typeface="Times New Roman" panose="02020603050405020304" pitchFamily="18" charset="0"/>
+                      </a:endParaRPr>
+                    </a:p>
+                  </a:txBody>
+                  <a:tcPr anchor="ctr">
+                    <a:lnL w="12700" cap="flat" cmpd="sng" algn="ctr">
+                      <a:solidFill>
+                        <a:schemeClr val="tx1"/>
+                      </a:solidFill>
+                      <a:prstDash val="solid"/>
+                      <a:round/>
+                      <a:headEnd type="none" w="med" len="med"/>
+                      <a:tailEnd type="none" w="med" len="med"/>
+                    </a:lnL>
+                  </a:tcPr>
+                </a:tc>
+                <a:tc>
+                  <a:txBody>
+                    <a:bodyPr/>
+                    <a:lstStyle/>
+                    <a:p>
+                      <a:pPr algn="ctr"/>
+                      <a:endParaRPr lang="zh-CN" altLang="en-US" baseline="0" dirty="0">
+                        <a:latin typeface="Times New Roman" panose="02020603050405020304" pitchFamily="18" charset="0"/>
+                        <a:ea typeface="宋体" panose="02010600030101010101" pitchFamily="2" charset="-122"/>
+                        <a:cs typeface="Times New Roman" panose="02020603050405020304" pitchFamily="18" charset="0"/>
+                      </a:endParaRPr>
+                    </a:p>
+                  </a:txBody>
+                  <a:tcPr anchor="ctr"/>
+                </a:tc>
+                <a:tc>
+                  <a:txBody>
+                    <a:bodyPr/>
+                    <a:lstStyle/>
+                    <a:p>
+                      <a:pPr algn="ctr"/>
+                      <a:endParaRPr lang="zh-CN" altLang="en-US" baseline="0" dirty="0">
+                        <a:latin typeface="Times New Roman" panose="02020603050405020304" pitchFamily="18" charset="0"/>
+                        <a:ea typeface="宋体" panose="02010600030101010101" pitchFamily="2" charset="-122"/>
+                        <a:cs typeface="Times New Roman" panose="02020603050405020304" pitchFamily="18" charset="0"/>
+                      </a:endParaRPr>
+                    </a:p>
+                  </a:txBody>
+                  <a:tcPr anchor="ctr"/>
+                </a:tc>
+                <a:tc>
+                  <a:txBody>
+                    <a:bodyPr/>
+                    <a:lstStyle/>
+                    <a:p>
+                      <a:pPr algn="ctr"/>
+                      <a:endParaRPr lang="zh-CN" altLang="en-US" baseline="0" dirty="0">
+                        <a:latin typeface="Times New Roman" panose="02020603050405020304" pitchFamily="18" charset="0"/>
+                        <a:ea typeface="宋体" panose="02010600030101010101" pitchFamily="2" charset="-122"/>
+                        <a:cs typeface="Times New Roman" panose="02020603050405020304" pitchFamily="18" charset="0"/>
+                      </a:endParaRPr>
+                    </a:p>
+                  </a:txBody>
+                  <a:tcPr anchor="ctr"/>
+                </a:tc>
+                <a:tc>
+                  <a:txBody>
+                    <a:bodyPr/>
+                    <a:lstStyle/>
+                    <a:p>
+                      <a:pPr algn="ctr"/>
+                      <a:endParaRPr lang="zh-CN" altLang="en-US" baseline="0" dirty="0">
+                        <a:latin typeface="Times New Roman" panose="02020603050405020304" pitchFamily="18" charset="0"/>
+                        <a:ea typeface="宋体" panose="02010600030101010101" pitchFamily="2" charset="-122"/>
+                        <a:cs typeface="Times New Roman" panose="02020603050405020304" pitchFamily="18" charset="0"/>
+                      </a:endParaRPr>
+                    </a:p>
+                  </a:txBody>
+                  <a:tcPr anchor="ctr"/>
+                </a:tc>
+                <a:extLst>
+                  <a:ext uri="{0D108BD9-81ED-4DB2-BD59-A6C34878D82A}">
+                    <a16:rowId xmlns:a16="http://schemas.microsoft.com/office/drawing/2014/main" val="2385879809"/>
+                  </a:ext>
+                </a:extLst>
+              </a:tr>
+            </a:tbl>
+          </a:graphicData>
+        </a:graphic>
+      </p:graphicFrame>
+      <p:sp>
+        <p:nvSpPr>
+          <p:cNvPr id="31" name="文本框 30">
+            <a:extLst>
+              <a:ext uri="{FF2B5EF4-FFF2-40B4-BE49-F238E27FC236}">
+                <a16:creationId xmlns:a16="http://schemas.microsoft.com/office/drawing/2014/main" id="{195E88C7-DD89-48A6-84A2-379D432CCDF1}"/>
+              </a:ext>
+            </a:extLst>
+          </p:cNvPr>
+          <p:cNvSpPr txBox="1"/>
+          <p:nvPr/>
+        </p:nvSpPr>
+        <p:spPr>
+          <a:xfrm>
+            <a:off x="5461713" y="1635760"/>
+            <a:ext cx="3230500" cy="1169551"/>
+          </a:xfrm>
+          <a:prstGeom prst="rect">
+            <a:avLst/>
+          </a:prstGeom>
+          <a:noFill/>
+        </p:spPr>
+        <p:txBody>
+          <a:bodyPr wrap="none" rtlCol="0">
+            <a:spAutoFit/>
+          </a:bodyPr>
+          <a:lstStyle/>
+          <a:p>
+            <a:pPr>
+              <a:spcAft>
+                <a:spcPts val="600"/>
+              </a:spcAft>
+            </a:pPr>
+            <a:r>
+              <a:rPr lang="en-US" altLang="zh-CN" sz="2000" dirty="0">
+                <a:latin typeface="Times New Roman" panose="02020603050405020304" pitchFamily="18" charset="0"/>
+                <a:cs typeface="Times New Roman" panose="02020603050405020304" pitchFamily="18" charset="0"/>
+              </a:rPr>
+              <a:t>[ 10, 12, 13, </a:t>
+            </a:r>
+            <a:r>
+              <a:rPr lang="en-US" altLang="zh-CN" sz="2000" dirty="0">
+                <a:solidFill>
+                  <a:schemeClr val="accent4">
+                    <a:lumMod val="75000"/>
+                  </a:schemeClr>
+                </a:solidFill>
+                <a:latin typeface="Times New Roman" panose="02020603050405020304" pitchFamily="18" charset="0"/>
+                <a:cs typeface="Times New Roman" panose="02020603050405020304" pitchFamily="18" charset="0"/>
+              </a:rPr>
+              <a:t>8</a:t>
+            </a:r>
+            <a:r>
+              <a:rPr lang="en-US" altLang="zh-CN" sz="2000" dirty="0">
+                <a:latin typeface="Times New Roman" panose="02020603050405020304" pitchFamily="18" charset="0"/>
+                <a:cs typeface="Times New Roman" panose="02020603050405020304" pitchFamily="18" charset="0"/>
+              </a:rPr>
+              <a:t>, </a:t>
+            </a:r>
+            <a:r>
+              <a:rPr lang="en-US" altLang="zh-CN" sz="2000" dirty="0">
+                <a:solidFill>
+                  <a:srgbClr val="FF0000"/>
+                </a:solidFill>
+                <a:latin typeface="Times New Roman" panose="02020603050405020304" pitchFamily="18" charset="0"/>
+                <a:cs typeface="Times New Roman" panose="02020603050405020304" pitchFamily="18" charset="0"/>
+              </a:rPr>
+              <a:t>11</a:t>
+            </a:r>
+            <a:r>
+              <a:rPr lang="en-US" altLang="zh-CN" sz="2000" dirty="0">
+                <a:latin typeface="Times New Roman" panose="02020603050405020304" pitchFamily="18" charset="0"/>
+                <a:cs typeface="Times New Roman" panose="02020603050405020304" pitchFamily="18" charset="0"/>
+              </a:rPr>
+              <a:t>, </a:t>
+            </a:r>
+            <a:r>
+              <a:rPr lang="en-US" altLang="zh-CN" sz="2000" dirty="0">
+                <a:solidFill>
+                  <a:schemeClr val="accent4">
+                    <a:lumMod val="75000"/>
+                  </a:schemeClr>
+                </a:solidFill>
+                <a:latin typeface="Times New Roman" panose="02020603050405020304" pitchFamily="18" charset="0"/>
+                <a:cs typeface="Times New Roman" panose="02020603050405020304" pitchFamily="18" charset="0"/>
+              </a:rPr>
+              <a:t>9</a:t>
+            </a:r>
+            <a:r>
+              <a:rPr lang="en-US" altLang="zh-CN" sz="2000" dirty="0">
+                <a:latin typeface="Times New Roman" panose="02020603050405020304" pitchFamily="18" charset="0"/>
+                <a:cs typeface="Times New Roman" panose="02020603050405020304" pitchFamily="18" charset="0"/>
+              </a:rPr>
+              <a:t>, </a:t>
+            </a:r>
+            <a:r>
+              <a:rPr lang="en-US" altLang="zh-CN" sz="2000" dirty="0">
+                <a:solidFill>
+                  <a:schemeClr val="accent4">
+                    <a:lumMod val="75000"/>
+                  </a:schemeClr>
+                </a:solidFill>
+                <a:latin typeface="Times New Roman" panose="02020603050405020304" pitchFamily="18" charset="0"/>
+                <a:cs typeface="Times New Roman" panose="02020603050405020304" pitchFamily="18" charset="0"/>
+              </a:rPr>
+              <a:t>5</a:t>
+            </a:r>
+            <a:r>
+              <a:rPr lang="en-US" altLang="zh-CN" sz="2000" dirty="0">
+                <a:latin typeface="Times New Roman" panose="02020603050405020304" pitchFamily="18" charset="0"/>
+                <a:cs typeface="Times New Roman" panose="02020603050405020304" pitchFamily="18" charset="0"/>
+              </a:rPr>
+              <a:t>, 6, </a:t>
+            </a:r>
+            <a:r>
+              <a:rPr lang="en-US" altLang="zh-CN" sz="2000" dirty="0">
+                <a:solidFill>
+                  <a:schemeClr val="accent4">
+                    <a:lumMod val="75000"/>
+                  </a:schemeClr>
+                </a:solidFill>
+                <a:latin typeface="Times New Roman" panose="02020603050405020304" pitchFamily="18" charset="0"/>
+                <a:cs typeface="Times New Roman" panose="02020603050405020304" pitchFamily="18" charset="0"/>
+              </a:rPr>
+              <a:t>3</a:t>
+            </a:r>
+            <a:r>
+              <a:rPr lang="en-US" altLang="zh-CN" sz="2000" dirty="0">
+                <a:latin typeface="Times New Roman" panose="02020603050405020304" pitchFamily="18" charset="0"/>
+                <a:cs typeface="Times New Roman" panose="02020603050405020304" pitchFamily="18" charset="0"/>
+              </a:rPr>
+              <a:t> ]</a:t>
+            </a:r>
+            <a:endParaRPr lang="en-US" altLang="zh-CN" sz="2000" dirty="0">
+              <a:latin typeface="Times New Roman" panose="02020603050405020304" pitchFamily="18" charset="0"/>
+              <a:ea typeface="宋体" panose="02010600030101010101" pitchFamily="2" charset="-122"/>
+              <a:cs typeface="Times New Roman" panose="02020603050405020304" pitchFamily="18" charset="0"/>
+            </a:endParaRPr>
+          </a:p>
+          <a:p>
+            <a:pPr algn="l">
+              <a:spcAft>
+                <a:spcPts val="600"/>
+              </a:spcAft>
+            </a:pPr>
+            <a:r>
+              <a:rPr lang="zh-CN" altLang="en-US" sz="2000" dirty="0">
+                <a:latin typeface="Times New Roman" panose="02020603050405020304" pitchFamily="18" charset="0"/>
+                <a:ea typeface="宋体" panose="02010600030101010101" pitchFamily="2" charset="-122"/>
+                <a:cs typeface="Times New Roman" panose="02020603050405020304" pitchFamily="18" charset="0"/>
+              </a:rPr>
+              <a:t>反转的后序遍历数组</a:t>
+            </a:r>
+            <a:endParaRPr lang="en-US" altLang="zh-CN" sz="2000" dirty="0">
+              <a:latin typeface="Times New Roman" panose="02020603050405020304" pitchFamily="18" charset="0"/>
+              <a:ea typeface="宋体" panose="02010600030101010101" pitchFamily="2" charset="-122"/>
+              <a:cs typeface="Times New Roman" panose="02020603050405020304" pitchFamily="18" charset="0"/>
+            </a:endParaRPr>
+          </a:p>
+          <a:p>
+            <a:pPr algn="l">
+              <a:spcAft>
+                <a:spcPts val="600"/>
+              </a:spcAft>
+            </a:pPr>
+            <a:r>
+              <a:rPr lang="zh-CN" altLang="en-US" sz="2000" dirty="0">
+                <a:latin typeface="Times New Roman" panose="02020603050405020304" pitchFamily="18" charset="0"/>
+                <a:ea typeface="宋体" panose="02010600030101010101" pitchFamily="2" charset="-122"/>
+                <a:cs typeface="Times New Roman" panose="02020603050405020304" pitchFamily="18" charset="0"/>
+              </a:rPr>
+              <a:t>根→右→左</a:t>
+            </a:r>
+            <a:endParaRPr lang="en-US" altLang="zh-CN" sz="2000" dirty="0">
+              <a:latin typeface="Times New Roman" panose="02020603050405020304" pitchFamily="18" charset="0"/>
+              <a:ea typeface="宋体" panose="02010600030101010101" pitchFamily="2" charset="-122"/>
+              <a:cs typeface="Times New Roman" panose="02020603050405020304" pitchFamily="18" charset="0"/>
+            </a:endParaRPr>
+          </a:p>
+        </p:txBody>
+      </p:sp>
+      <p:sp>
+        <p:nvSpPr>
+          <p:cNvPr id="33" name="文本框 32">
+            <a:extLst>
+              <a:ext uri="{FF2B5EF4-FFF2-40B4-BE49-F238E27FC236}">
+                <a16:creationId xmlns:a16="http://schemas.microsoft.com/office/drawing/2014/main" id="{563695CA-1ACB-4212-9F95-E80369EC6275}"/>
+              </a:ext>
+            </a:extLst>
+          </p:cNvPr>
+          <p:cNvSpPr txBox="1"/>
+          <p:nvPr/>
+        </p:nvSpPr>
+        <p:spPr>
+          <a:xfrm>
+            <a:off x="9143607" y="1661735"/>
+            <a:ext cx="5630067" cy="3970318"/>
+          </a:xfrm>
+          <a:prstGeom prst="rect">
+            <a:avLst/>
+          </a:prstGeom>
+          <a:noFill/>
+        </p:spPr>
+        <p:txBody>
+          <a:bodyPr wrap="none" rtlCol="0">
+            <a:spAutoFit/>
+          </a:bodyPr>
+          <a:lstStyle/>
+          <a:p>
+            <a:pPr algn="l"/>
+            <a:r>
+              <a:rPr lang="en-US" altLang="zh-CN" dirty="0">
+                <a:latin typeface="Consolas" panose="020B0609020204030204" pitchFamily="49" charset="0"/>
+              </a:rPr>
+              <a:t>stack&lt;int&gt; </a:t>
+            </a:r>
+            <a:r>
+              <a:rPr lang="en-US" altLang="zh-CN" dirty="0" err="1">
+                <a:latin typeface="Consolas" panose="020B0609020204030204" pitchFamily="49" charset="0"/>
+              </a:rPr>
+              <a:t>stk</a:t>
+            </a:r>
+            <a:r>
+              <a:rPr lang="en-US" altLang="zh-CN" dirty="0">
+                <a:latin typeface="Consolas" panose="020B0609020204030204" pitchFamily="49" charset="0"/>
+              </a:rPr>
+              <a:t>;</a:t>
+            </a:r>
+          </a:p>
+          <a:p>
+            <a:pPr algn="l"/>
+            <a:r>
+              <a:rPr lang="en-US" altLang="zh-CN" dirty="0">
+                <a:latin typeface="Consolas" panose="020B0609020204030204" pitchFamily="49" charset="0"/>
+              </a:rPr>
+              <a:t>int root = INT_MAX;</a:t>
+            </a:r>
+          </a:p>
+          <a:p>
+            <a:pPr algn="l"/>
+            <a:r>
+              <a:rPr lang="en-US" altLang="zh-CN" dirty="0">
+                <a:latin typeface="Consolas" panose="020B0609020204030204" pitchFamily="49" charset="0"/>
+              </a:rPr>
+              <a:t>for (int </a:t>
+            </a:r>
+            <a:r>
+              <a:rPr lang="en-US" altLang="zh-CN" dirty="0" err="1">
+                <a:latin typeface="Consolas" panose="020B0609020204030204" pitchFamily="49" charset="0"/>
+              </a:rPr>
+              <a:t>i</a:t>
+            </a:r>
+            <a:r>
+              <a:rPr lang="en-US" altLang="zh-CN" dirty="0">
+                <a:latin typeface="Consolas" panose="020B0609020204030204" pitchFamily="49" charset="0"/>
+              </a:rPr>
+              <a:t>=</a:t>
+            </a:r>
+            <a:r>
+              <a:rPr lang="en-US" altLang="zh-CN" dirty="0" err="1">
+                <a:latin typeface="Consolas" panose="020B0609020204030204" pitchFamily="49" charset="0"/>
+              </a:rPr>
+              <a:t>postorder.size</a:t>
+            </a:r>
+            <a:r>
+              <a:rPr lang="en-US" altLang="zh-CN" dirty="0">
+                <a:latin typeface="Consolas" panose="020B0609020204030204" pitchFamily="49" charset="0"/>
+              </a:rPr>
+              <a:t>()-1; </a:t>
+            </a:r>
+            <a:r>
+              <a:rPr lang="en-US" altLang="zh-CN" dirty="0" err="1">
+                <a:latin typeface="Consolas" panose="020B0609020204030204" pitchFamily="49" charset="0"/>
+              </a:rPr>
+              <a:t>i</a:t>
+            </a:r>
+            <a:r>
+              <a:rPr lang="en-US" altLang="zh-CN" dirty="0">
+                <a:latin typeface="Consolas" panose="020B0609020204030204" pitchFamily="49" charset="0"/>
+              </a:rPr>
+              <a:t>&gt;=0; --</a:t>
+            </a:r>
+            <a:r>
+              <a:rPr lang="en-US" altLang="zh-CN" dirty="0" err="1">
+                <a:latin typeface="Consolas" panose="020B0609020204030204" pitchFamily="49" charset="0"/>
+              </a:rPr>
+              <a:t>i</a:t>
+            </a:r>
+            <a:r>
+              <a:rPr lang="en-US" altLang="zh-CN" dirty="0">
+                <a:latin typeface="Consolas" panose="020B0609020204030204" pitchFamily="49" charset="0"/>
+              </a:rPr>
+              <a:t>) {</a:t>
+            </a:r>
+          </a:p>
+          <a:p>
+            <a:pPr algn="l"/>
+            <a:r>
+              <a:rPr lang="en-US" altLang="zh-CN" dirty="0">
+                <a:latin typeface="Consolas" panose="020B0609020204030204" pitchFamily="49" charset="0"/>
+              </a:rPr>
+              <a:t>    int cur = </a:t>
+            </a:r>
+            <a:r>
+              <a:rPr lang="en-US" altLang="zh-CN" dirty="0" err="1">
+                <a:latin typeface="Consolas" panose="020B0609020204030204" pitchFamily="49" charset="0"/>
+              </a:rPr>
+              <a:t>postorder</a:t>
+            </a:r>
+            <a:r>
+              <a:rPr lang="en-US" altLang="zh-CN" dirty="0">
+                <a:latin typeface="Consolas" panose="020B0609020204030204" pitchFamily="49" charset="0"/>
+              </a:rPr>
+              <a:t>[</a:t>
+            </a:r>
+            <a:r>
+              <a:rPr lang="en-US" altLang="zh-CN" dirty="0" err="1">
+                <a:latin typeface="Consolas" panose="020B0609020204030204" pitchFamily="49" charset="0"/>
+              </a:rPr>
+              <a:t>i</a:t>
+            </a:r>
+            <a:r>
+              <a:rPr lang="en-US" altLang="zh-CN" dirty="0">
+                <a:latin typeface="Consolas" panose="020B0609020204030204" pitchFamily="49" charset="0"/>
+              </a:rPr>
+              <a:t>];</a:t>
+            </a:r>
+          </a:p>
+          <a:p>
+            <a:pPr algn="l"/>
+            <a:r>
+              <a:rPr lang="en-US" altLang="zh-CN" dirty="0">
+                <a:latin typeface="Consolas" panose="020B0609020204030204" pitchFamily="49" charset="0"/>
+              </a:rPr>
+              <a:t>    while (!</a:t>
+            </a:r>
+            <a:r>
+              <a:rPr lang="en-US" altLang="zh-CN" dirty="0" err="1">
+                <a:latin typeface="Consolas" panose="020B0609020204030204" pitchFamily="49" charset="0"/>
+              </a:rPr>
+              <a:t>stk.empty</a:t>
+            </a:r>
+            <a:r>
+              <a:rPr lang="en-US" altLang="zh-CN" dirty="0">
+                <a:latin typeface="Consolas" panose="020B0609020204030204" pitchFamily="49" charset="0"/>
+              </a:rPr>
+              <a:t>() &amp;&amp; </a:t>
+            </a:r>
+            <a:r>
+              <a:rPr lang="en-US" altLang="zh-CN" dirty="0">
+                <a:solidFill>
+                  <a:schemeClr val="accent4">
+                    <a:lumMod val="75000"/>
+                  </a:schemeClr>
+                </a:solidFill>
+                <a:latin typeface="Consolas" panose="020B0609020204030204" pitchFamily="49" charset="0"/>
+              </a:rPr>
+              <a:t>cur&lt;</a:t>
+            </a:r>
+            <a:r>
+              <a:rPr lang="en-US" altLang="zh-CN" dirty="0" err="1">
+                <a:solidFill>
+                  <a:schemeClr val="accent4">
+                    <a:lumMod val="75000"/>
+                  </a:schemeClr>
+                </a:solidFill>
+                <a:latin typeface="Consolas" panose="020B0609020204030204" pitchFamily="49" charset="0"/>
+              </a:rPr>
+              <a:t>stk.top</a:t>
+            </a:r>
+            <a:r>
+              <a:rPr lang="en-US" altLang="zh-CN" dirty="0">
+                <a:solidFill>
+                  <a:schemeClr val="accent4">
+                    <a:lumMod val="75000"/>
+                  </a:schemeClr>
+                </a:solidFill>
+                <a:latin typeface="Consolas" panose="020B0609020204030204" pitchFamily="49" charset="0"/>
+              </a:rPr>
+              <a:t>()</a:t>
+            </a:r>
+            <a:r>
+              <a:rPr lang="en-US" altLang="zh-CN" dirty="0">
+                <a:latin typeface="Consolas" panose="020B0609020204030204" pitchFamily="49" charset="0"/>
+              </a:rPr>
+              <a:t>) {</a:t>
+            </a:r>
+          </a:p>
+          <a:p>
+            <a:pPr algn="l"/>
+            <a:r>
+              <a:rPr lang="en-US" altLang="zh-CN" dirty="0">
+                <a:solidFill>
+                  <a:srgbClr val="00B050"/>
+                </a:solidFill>
+                <a:latin typeface="Consolas" panose="020B0609020204030204" pitchFamily="49" charset="0"/>
+              </a:rPr>
+              <a:t>        root = </a:t>
+            </a:r>
+            <a:r>
+              <a:rPr lang="en-US" altLang="zh-CN" dirty="0" err="1">
+                <a:solidFill>
+                  <a:srgbClr val="00B050"/>
+                </a:solidFill>
+                <a:latin typeface="Consolas" panose="020B0609020204030204" pitchFamily="49" charset="0"/>
+              </a:rPr>
+              <a:t>stk.top</a:t>
+            </a:r>
+            <a:r>
+              <a:rPr lang="en-US" altLang="zh-CN" dirty="0">
+                <a:solidFill>
+                  <a:srgbClr val="00B050"/>
+                </a:solidFill>
+                <a:latin typeface="Consolas" panose="020B0609020204030204" pitchFamily="49" charset="0"/>
+              </a:rPr>
+              <a:t>();</a:t>
+            </a:r>
+          </a:p>
+          <a:p>
+            <a:pPr algn="l"/>
+            <a:r>
+              <a:rPr lang="en-US" altLang="zh-CN" dirty="0">
+                <a:solidFill>
+                  <a:srgbClr val="00B050"/>
+                </a:solidFill>
+                <a:latin typeface="Consolas" panose="020B0609020204030204" pitchFamily="49" charset="0"/>
+              </a:rPr>
+              <a:t>        </a:t>
+            </a:r>
+            <a:r>
+              <a:rPr lang="en-US" altLang="zh-CN" dirty="0" err="1">
+                <a:solidFill>
+                  <a:srgbClr val="00B050"/>
+                </a:solidFill>
+                <a:latin typeface="Consolas" panose="020B0609020204030204" pitchFamily="49" charset="0"/>
+              </a:rPr>
+              <a:t>stk.pop</a:t>
+            </a:r>
+            <a:r>
+              <a:rPr lang="en-US" altLang="zh-CN" dirty="0">
+                <a:solidFill>
+                  <a:srgbClr val="00B050"/>
+                </a:solidFill>
+                <a:latin typeface="Consolas" panose="020B0609020204030204" pitchFamily="49" charset="0"/>
+              </a:rPr>
+              <a:t>();</a:t>
+            </a:r>
+          </a:p>
+          <a:p>
+            <a:pPr algn="l"/>
+            <a:r>
+              <a:rPr lang="en-US" altLang="zh-CN" dirty="0">
+                <a:latin typeface="Consolas" panose="020B0609020204030204" pitchFamily="49" charset="0"/>
+              </a:rPr>
+              <a:t>    }</a:t>
+            </a:r>
+          </a:p>
+          <a:p>
+            <a:pPr algn="l"/>
+            <a:r>
+              <a:rPr lang="en-US" altLang="zh-CN" dirty="0">
+                <a:latin typeface="Consolas" panose="020B0609020204030204" pitchFamily="49" charset="0"/>
+              </a:rPr>
+              <a:t>    </a:t>
+            </a:r>
+            <a:r>
+              <a:rPr lang="en-US" altLang="zh-CN" dirty="0">
+                <a:solidFill>
+                  <a:srgbClr val="FF0000"/>
+                </a:solidFill>
+                <a:latin typeface="Consolas" panose="020B0609020204030204" pitchFamily="49" charset="0"/>
+              </a:rPr>
+              <a:t>if (cur&gt;root) {</a:t>
+            </a:r>
+          </a:p>
+          <a:p>
+            <a:pPr algn="l"/>
+            <a:r>
+              <a:rPr lang="en-US" altLang="zh-CN" dirty="0">
+                <a:solidFill>
+                  <a:srgbClr val="FF0000"/>
+                </a:solidFill>
+                <a:latin typeface="Consolas" panose="020B0609020204030204" pitchFamily="49" charset="0"/>
+              </a:rPr>
+              <a:t>        return false;</a:t>
+            </a:r>
+          </a:p>
+          <a:p>
+            <a:pPr algn="l"/>
+            <a:r>
+              <a:rPr lang="en-US" altLang="zh-CN" dirty="0">
+                <a:solidFill>
+                  <a:srgbClr val="FF0000"/>
+                </a:solidFill>
+                <a:latin typeface="Consolas" panose="020B0609020204030204" pitchFamily="49" charset="0"/>
+              </a:rPr>
+              <a:t>    }</a:t>
+            </a:r>
+          </a:p>
+          <a:p>
+            <a:pPr algn="l"/>
+            <a:r>
+              <a:rPr lang="en-US" altLang="zh-CN" dirty="0">
+                <a:latin typeface="Consolas" panose="020B0609020204030204" pitchFamily="49" charset="0"/>
+              </a:rPr>
+              <a:t>    </a:t>
+            </a:r>
+            <a:r>
+              <a:rPr lang="en-US" altLang="zh-CN" dirty="0" err="1">
+                <a:solidFill>
+                  <a:srgbClr val="00B0F0"/>
+                </a:solidFill>
+                <a:latin typeface="Consolas" panose="020B0609020204030204" pitchFamily="49" charset="0"/>
+              </a:rPr>
+              <a:t>stk.push</a:t>
+            </a:r>
+            <a:r>
+              <a:rPr lang="en-US" altLang="zh-CN" dirty="0">
+                <a:solidFill>
+                  <a:srgbClr val="00B0F0"/>
+                </a:solidFill>
+                <a:latin typeface="Consolas" panose="020B0609020204030204" pitchFamily="49" charset="0"/>
+              </a:rPr>
+              <a:t>(cur);</a:t>
+            </a:r>
+          </a:p>
+          <a:p>
+            <a:pPr algn="l"/>
+            <a:r>
+              <a:rPr lang="en-US" altLang="zh-CN" dirty="0">
+                <a:latin typeface="Consolas" panose="020B0609020204030204" pitchFamily="49" charset="0"/>
+              </a:rPr>
+              <a:t>}</a:t>
+            </a:r>
+          </a:p>
+          <a:p>
+            <a:pPr algn="l"/>
+            <a:r>
+              <a:rPr lang="en-US" altLang="zh-CN" dirty="0">
+                <a:latin typeface="Consolas" panose="020B0609020204030204" pitchFamily="49" charset="0"/>
+              </a:rPr>
+              <a:t>return true;</a:t>
+            </a:r>
+            <a:endParaRPr lang="zh-CN" altLang="en-US" dirty="0" err="1">
+              <a:latin typeface="Consolas" panose="020B0609020204030204" pitchFamily="49" charset="0"/>
+            </a:endParaRPr>
+          </a:p>
+        </p:txBody>
+      </p:sp>
+      <p:cxnSp>
+        <p:nvCxnSpPr>
+          <p:cNvPr id="3" name="直接箭头连接符 2">
+            <a:extLst>
+              <a:ext uri="{FF2B5EF4-FFF2-40B4-BE49-F238E27FC236}">
+                <a16:creationId xmlns:a16="http://schemas.microsoft.com/office/drawing/2014/main" id="{D98A3B01-AAE0-4D01-8499-00C6E0D23A16}"/>
+              </a:ext>
+            </a:extLst>
+          </p:cNvPr>
+          <p:cNvCxnSpPr>
+            <a:cxnSpLocks/>
+          </p:cNvCxnSpPr>
+          <p:nvPr/>
+        </p:nvCxnSpPr>
+        <p:spPr>
+          <a:xfrm>
+            <a:off x="1307804" y="4318984"/>
+            <a:ext cx="0" cy="1475760"/>
+          </a:xfrm>
+          <a:prstGeom prst="straightConnector1">
+            <a:avLst/>
+          </a:prstGeom>
+          <a:ln w="19050">
+            <a:solidFill>
+              <a:schemeClr val="tx1"/>
+            </a:solidFill>
+            <a:tailEnd type="triangle" w="lg" len="lg"/>
+          </a:ln>
+        </p:spPr>
+        <p:style>
+          <a:lnRef idx="1">
+            <a:schemeClr val="accent1"/>
+          </a:lnRef>
+          <a:fillRef idx="0">
+            <a:schemeClr val="accent1"/>
+          </a:fillRef>
+          <a:effectRef idx="0">
+            <a:schemeClr val="accent1"/>
+          </a:effectRef>
+          <a:fontRef idx="minor">
+            <a:schemeClr val="tx1"/>
+          </a:fontRef>
+        </p:style>
+      </p:cxnSp>
+      <p:cxnSp>
+        <p:nvCxnSpPr>
+          <p:cNvPr id="8" name="直接箭头连接符 7">
+            <a:extLst>
+              <a:ext uri="{FF2B5EF4-FFF2-40B4-BE49-F238E27FC236}">
+                <a16:creationId xmlns:a16="http://schemas.microsoft.com/office/drawing/2014/main" id="{BC9759B3-4ABC-4555-BCFB-0FA8596132F2}"/>
+              </a:ext>
+            </a:extLst>
+          </p:cNvPr>
+          <p:cNvCxnSpPr>
+            <a:cxnSpLocks/>
+          </p:cNvCxnSpPr>
+          <p:nvPr/>
+        </p:nvCxnSpPr>
+        <p:spPr>
+          <a:xfrm flipV="1">
+            <a:off x="1311354" y="2339163"/>
+            <a:ext cx="0" cy="1544888"/>
+          </a:xfrm>
+          <a:prstGeom prst="straightConnector1">
+            <a:avLst/>
+          </a:prstGeom>
+          <a:ln w="19050">
+            <a:solidFill>
+              <a:schemeClr val="tx1"/>
+            </a:solidFill>
+            <a:tailEnd type="triangle" w="lg" len="lg"/>
+          </a:ln>
+        </p:spPr>
+        <p:style>
+          <a:lnRef idx="1">
+            <a:schemeClr val="accent1"/>
+          </a:lnRef>
+          <a:fillRef idx="0">
+            <a:schemeClr val="accent1"/>
+          </a:fillRef>
+          <a:effectRef idx="0">
+            <a:schemeClr val="accent1"/>
+          </a:effectRef>
+          <a:fontRef idx="minor">
+            <a:schemeClr val="tx1"/>
+          </a:fontRef>
+        </p:style>
+      </p:cxnSp>
+      <p:pic>
+        <p:nvPicPr>
+          <p:cNvPr id="9" name="图片 8">
+            <a:extLst>
+              <a:ext uri="{FF2B5EF4-FFF2-40B4-BE49-F238E27FC236}">
+                <a16:creationId xmlns:a16="http://schemas.microsoft.com/office/drawing/2014/main" id="{5D2AFCC1-4280-4B44-A6DB-04EF8B1C999D}"/>
+              </a:ext>
+            </a:extLst>
+          </p:cNvPr>
+          <p:cNvPicPr>
+            <a:picLocks noChangeAspect="1"/>
+          </p:cNvPicPr>
+          <p:nvPr/>
+        </p:nvPicPr>
+        <p:blipFill>
+          <a:blip r:embed="rId3">
+            <a:extLst>
+              <a:ext uri="{28A0092B-C50C-407E-A947-70E740481C1C}">
+                <a14:useLocalDpi xmlns:a14="http://schemas.microsoft.com/office/drawing/2010/main" val="0"/>
+              </a:ext>
+            </a:extLst>
+          </a:blip>
+          <a:srcRect/>
+          <a:stretch/>
+        </p:blipFill>
+        <p:spPr>
+          <a:xfrm>
+            <a:off x="5361086" y="3245979"/>
+            <a:ext cx="3237068" cy="2306053"/>
+          </a:xfrm>
+          <a:prstGeom prst="rect">
+            <a:avLst/>
+          </a:prstGeom>
+        </p:spPr>
+      </p:pic>
+    </p:spTree>
+    <p:extLst>
+      <p:ext uri="{BB962C8B-B14F-4D97-AF65-F5344CB8AC3E}">
+        <p14:creationId xmlns:p14="http://schemas.microsoft.com/office/powerpoint/2010/main" val="2050412390"/>
+      </p:ext>
+    </p:extLst>
+  </p:cSld>
+  <p:clrMapOvr>
+    <a:masterClrMapping/>
+  </p:clrMapOvr>
+</p:sld>
+</file>
+
+<file path=ppt/slides/slide4.xml><?xml version="1.0" encoding="utf-8"?>
+<p:sld xmlns:a="http://schemas.openxmlformats.org/drawingml/2006/main" xmlns:r="http://schemas.openxmlformats.org/officeDocument/2006/relationships" xmlns:p="http://schemas.openxmlformats.org/presentationml/2006/main">
+  <p:cSld>
+    <p:spTree>
+      <p:nvGrpSpPr>
+        <p:cNvPr id="1" name=""/>
+        <p:cNvGrpSpPr/>
+        <p:nvPr/>
+      </p:nvGrpSpPr>
+      <p:grpSpPr>
+        <a:xfrm>
+          <a:off x="0" y="0"/>
+          <a:ext cx="0" cy="0"/>
+          <a:chOff x="0" y="0"/>
+          <a:chExt cx="0" cy="0"/>
+        </a:xfrm>
+      </p:grpSpPr>
+      <p:pic>
+        <p:nvPicPr>
+          <p:cNvPr id="5" name="图片 4">
+            <a:extLst>
+              <a:ext uri="{FF2B5EF4-FFF2-40B4-BE49-F238E27FC236}">
+                <a16:creationId xmlns:a16="http://schemas.microsoft.com/office/drawing/2014/main" id="{AD578D96-7517-4592-8D8F-0D47F2FDA838}"/>
+              </a:ext>
+            </a:extLst>
+          </p:cNvPr>
+          <p:cNvPicPr>
+            <a:picLocks noChangeAspect="1"/>
+          </p:cNvPicPr>
+          <p:nvPr/>
+        </p:nvPicPr>
+        <p:blipFill>
+          <a:blip r:embed="rId3">
+            <a:extLst>
+              <a:ext uri="{28A0092B-C50C-407E-A947-70E740481C1C}">
+                <a14:useLocalDpi xmlns:a14="http://schemas.microsoft.com/office/drawing/2010/main" val="0"/>
+              </a:ext>
+            </a:extLst>
+          </a:blip>
+          <a:srcRect/>
+          <a:stretch/>
+        </p:blipFill>
+        <p:spPr>
+          <a:xfrm>
+            <a:off x="558026" y="1300749"/>
+            <a:ext cx="7719594" cy="4479468"/>
+          </a:xfrm>
+          <a:prstGeom prst="rect">
+            <a:avLst/>
+          </a:prstGeom>
+        </p:spPr>
+      </p:pic>
+      <p:sp>
+        <p:nvSpPr>
+          <p:cNvPr id="6" name="文本框 5">
+            <a:extLst>
+              <a:ext uri="{FF2B5EF4-FFF2-40B4-BE49-F238E27FC236}">
+                <a16:creationId xmlns:a16="http://schemas.microsoft.com/office/drawing/2014/main" id="{AC6A2574-7966-4119-AF71-D02B7A94F3CF}"/>
+              </a:ext>
+            </a:extLst>
+          </p:cNvPr>
+          <p:cNvSpPr txBox="1"/>
+          <p:nvPr/>
+        </p:nvSpPr>
+        <p:spPr>
+          <a:xfrm>
+            <a:off x="2552870" y="1846003"/>
+            <a:ext cx="1327608" cy="461665"/>
+          </a:xfrm>
+          <a:prstGeom prst="rect">
+            <a:avLst/>
+          </a:prstGeom>
+          <a:noFill/>
+        </p:spPr>
+        <p:txBody>
+          <a:bodyPr wrap="none" rtlCol="0">
+            <a:spAutoFit/>
+          </a:bodyPr>
+          <a:lstStyle/>
+          <a:p>
+            <a:pPr algn="l"/>
+            <a:r>
+              <a:rPr lang="en-US" altLang="zh-CN" sz="2400" dirty="0">
+                <a:solidFill>
+                  <a:srgbClr val="00B050"/>
+                </a:solidFill>
+                <a:latin typeface="Times New Roman" panose="02020603050405020304" pitchFamily="18" charset="0"/>
+                <a:ea typeface="宋体" panose="02010600030101010101" pitchFamily="2" charset="-122"/>
+              </a:rPr>
+              <a:t>1, (-∞, 8)</a:t>
+            </a:r>
+            <a:endParaRPr lang="zh-CN" altLang="en-US" sz="2400" dirty="0" err="1">
+              <a:solidFill>
+                <a:srgbClr val="00B050"/>
+              </a:solidFill>
+              <a:latin typeface="Times New Roman" panose="02020603050405020304" pitchFamily="18" charset="0"/>
+              <a:ea typeface="宋体" panose="02010600030101010101" pitchFamily="2" charset="-122"/>
+            </a:endParaRPr>
+          </a:p>
+        </p:txBody>
+      </p:sp>
+      <p:sp>
+        <p:nvSpPr>
+          <p:cNvPr id="7" name="文本框 6">
+            <a:extLst>
+              <a:ext uri="{FF2B5EF4-FFF2-40B4-BE49-F238E27FC236}">
+                <a16:creationId xmlns:a16="http://schemas.microsoft.com/office/drawing/2014/main" id="{BFC450A6-264D-4CE5-95A9-F57B2CB0385B}"/>
+              </a:ext>
+            </a:extLst>
+          </p:cNvPr>
+          <p:cNvSpPr txBox="1"/>
+          <p:nvPr/>
+        </p:nvSpPr>
+        <p:spPr>
+          <a:xfrm>
+            <a:off x="5373347" y="1846004"/>
+            <a:ext cx="1398140" cy="461665"/>
+          </a:xfrm>
+          <a:prstGeom prst="rect">
+            <a:avLst/>
+          </a:prstGeom>
+          <a:noFill/>
+        </p:spPr>
+        <p:txBody>
+          <a:bodyPr wrap="none" rtlCol="0">
+            <a:spAutoFit/>
+          </a:bodyPr>
+          <a:lstStyle/>
+          <a:p>
+            <a:pPr algn="l"/>
+            <a:r>
+              <a:rPr lang="en-US" altLang="zh-CN" sz="2400" dirty="0">
+                <a:solidFill>
+                  <a:srgbClr val="00B050"/>
+                </a:solidFill>
+                <a:latin typeface="Times New Roman" panose="02020603050405020304" pitchFamily="18" charset="0"/>
+                <a:ea typeface="宋体" panose="02010600030101010101" pitchFamily="2" charset="-122"/>
+              </a:rPr>
+              <a:t>4, (8, +∞)</a:t>
+            </a:r>
+            <a:endParaRPr lang="zh-CN" altLang="en-US" sz="2400" dirty="0" err="1">
+              <a:solidFill>
+                <a:srgbClr val="00B050"/>
+              </a:solidFill>
+              <a:latin typeface="Times New Roman" panose="02020603050405020304" pitchFamily="18" charset="0"/>
+              <a:ea typeface="宋体" panose="02010600030101010101" pitchFamily="2" charset="-122"/>
+            </a:endParaRPr>
+          </a:p>
+        </p:txBody>
+      </p:sp>
+      <p:sp>
+        <p:nvSpPr>
+          <p:cNvPr id="8" name="文本框 7">
+            <a:extLst>
+              <a:ext uri="{FF2B5EF4-FFF2-40B4-BE49-F238E27FC236}">
+                <a16:creationId xmlns:a16="http://schemas.microsoft.com/office/drawing/2014/main" id="{E00660CB-DF3F-44FD-80F5-08EA1482CC67}"/>
+              </a:ext>
+            </a:extLst>
+          </p:cNvPr>
+          <p:cNvSpPr txBox="1"/>
+          <p:nvPr/>
+        </p:nvSpPr>
+        <p:spPr>
+          <a:xfrm>
+            <a:off x="996790" y="3124329"/>
+            <a:ext cx="1327608" cy="461665"/>
+          </a:xfrm>
+          <a:prstGeom prst="rect">
+            <a:avLst/>
+          </a:prstGeom>
+          <a:noFill/>
+        </p:spPr>
+        <p:txBody>
+          <a:bodyPr wrap="none" rtlCol="0">
+            <a:spAutoFit/>
+          </a:bodyPr>
+          <a:lstStyle/>
+          <a:p>
+            <a:pPr algn="l"/>
+            <a:r>
+              <a:rPr lang="en-US" altLang="zh-CN" sz="2400" dirty="0">
+                <a:solidFill>
+                  <a:srgbClr val="00B050"/>
+                </a:solidFill>
+                <a:latin typeface="Times New Roman" panose="02020603050405020304" pitchFamily="18" charset="0"/>
+                <a:ea typeface="宋体" panose="02010600030101010101" pitchFamily="2" charset="-122"/>
+              </a:rPr>
+              <a:t>2, (-</a:t>
+            </a:r>
+            <a:r>
+              <a:rPr lang="zh-CN" altLang="en-US" sz="2400" dirty="0">
+                <a:solidFill>
+                  <a:srgbClr val="00B050"/>
+                </a:solidFill>
+                <a:latin typeface="Times New Roman" panose="02020603050405020304" pitchFamily="18" charset="0"/>
+                <a:ea typeface="宋体" panose="02010600030101010101" pitchFamily="2" charset="-122"/>
+              </a:rPr>
+              <a:t>∞</a:t>
+            </a:r>
+            <a:r>
+              <a:rPr lang="en-US" altLang="zh-CN" sz="2400" dirty="0">
+                <a:solidFill>
+                  <a:srgbClr val="00B050"/>
+                </a:solidFill>
+                <a:latin typeface="Times New Roman" panose="02020603050405020304" pitchFamily="18" charset="0"/>
+                <a:ea typeface="宋体" panose="02010600030101010101" pitchFamily="2" charset="-122"/>
+              </a:rPr>
+              <a:t>, 5)</a:t>
+            </a:r>
+            <a:endParaRPr lang="zh-CN" altLang="en-US" sz="2400" dirty="0" err="1">
+              <a:solidFill>
+                <a:srgbClr val="00B050"/>
+              </a:solidFill>
+              <a:latin typeface="Times New Roman" panose="02020603050405020304" pitchFamily="18" charset="0"/>
+              <a:ea typeface="宋体" panose="02010600030101010101" pitchFamily="2" charset="-122"/>
+            </a:endParaRPr>
+          </a:p>
+        </p:txBody>
+      </p:sp>
+      <p:sp>
+        <p:nvSpPr>
+          <p:cNvPr id="9" name="文本框 8">
+            <a:extLst>
+              <a:ext uri="{FF2B5EF4-FFF2-40B4-BE49-F238E27FC236}">
+                <a16:creationId xmlns:a16="http://schemas.microsoft.com/office/drawing/2014/main" id="{E01616C6-ABF8-408D-AA8B-F23A40AF7947}"/>
+              </a:ext>
+            </a:extLst>
+          </p:cNvPr>
+          <p:cNvSpPr txBox="1"/>
+          <p:nvPr/>
+        </p:nvSpPr>
+        <p:spPr>
+          <a:xfrm>
+            <a:off x="3336360" y="3124328"/>
+            <a:ext cx="1159292" cy="461665"/>
+          </a:xfrm>
+          <a:prstGeom prst="rect">
+            <a:avLst/>
+          </a:prstGeom>
+          <a:noFill/>
+        </p:spPr>
+        <p:txBody>
+          <a:bodyPr wrap="none" rtlCol="0">
+            <a:spAutoFit/>
+          </a:bodyPr>
+          <a:lstStyle/>
+          <a:p>
+            <a:pPr algn="l"/>
+            <a:r>
+              <a:rPr lang="en-US" altLang="zh-CN" sz="2400" dirty="0">
+                <a:solidFill>
+                  <a:srgbClr val="00B050"/>
+                </a:solidFill>
+                <a:latin typeface="Times New Roman" panose="02020603050405020304" pitchFamily="18" charset="0"/>
+                <a:ea typeface="宋体" panose="02010600030101010101" pitchFamily="2" charset="-122"/>
+              </a:rPr>
+              <a:t>3, (5, 8)</a:t>
+            </a:r>
+            <a:endParaRPr lang="zh-CN" altLang="en-US" sz="2400" dirty="0" err="1">
+              <a:solidFill>
+                <a:srgbClr val="00B050"/>
+              </a:solidFill>
+              <a:latin typeface="Times New Roman" panose="02020603050405020304" pitchFamily="18" charset="0"/>
+              <a:ea typeface="宋体" panose="02010600030101010101" pitchFamily="2" charset="-122"/>
+            </a:endParaRPr>
+          </a:p>
+        </p:txBody>
+      </p:sp>
+      <p:sp>
+        <p:nvSpPr>
+          <p:cNvPr id="10" name="文本框 9">
+            <a:extLst>
+              <a:ext uri="{FF2B5EF4-FFF2-40B4-BE49-F238E27FC236}">
+                <a16:creationId xmlns:a16="http://schemas.microsoft.com/office/drawing/2014/main" id="{F73F3587-3D18-47BF-8FF6-4617B5CADFBB}"/>
+              </a:ext>
+            </a:extLst>
+          </p:cNvPr>
+          <p:cNvSpPr txBox="1"/>
+          <p:nvPr/>
+        </p:nvSpPr>
+        <p:spPr>
+          <a:xfrm>
+            <a:off x="6771487" y="3124326"/>
+            <a:ext cx="1552028" cy="461665"/>
+          </a:xfrm>
+          <a:prstGeom prst="rect">
+            <a:avLst/>
+          </a:prstGeom>
+          <a:noFill/>
+        </p:spPr>
+        <p:txBody>
+          <a:bodyPr wrap="none" rtlCol="0">
+            <a:spAutoFit/>
+          </a:bodyPr>
+          <a:lstStyle/>
+          <a:p>
+            <a:pPr algn="l"/>
+            <a:r>
+              <a:rPr lang="en-US" altLang="zh-CN" sz="2400" dirty="0">
+                <a:solidFill>
+                  <a:srgbClr val="00B050"/>
+                </a:solidFill>
+                <a:latin typeface="Times New Roman" panose="02020603050405020304" pitchFamily="18" charset="0"/>
+                <a:ea typeface="宋体" panose="02010600030101010101" pitchFamily="2" charset="-122"/>
+              </a:rPr>
+              <a:t>5, (10, +∞)</a:t>
+            </a:r>
+            <a:endParaRPr lang="zh-CN" altLang="en-US" sz="2400" dirty="0" err="1">
+              <a:solidFill>
+                <a:srgbClr val="00B050"/>
+              </a:solidFill>
+              <a:latin typeface="Times New Roman" panose="02020603050405020304" pitchFamily="18" charset="0"/>
+              <a:ea typeface="宋体" panose="02010600030101010101" pitchFamily="2" charset="-122"/>
+            </a:endParaRPr>
+          </a:p>
+        </p:txBody>
+      </p:sp>
+      <p:sp>
+        <p:nvSpPr>
+          <p:cNvPr id="12" name="文本框 11">
+            <a:extLst>
+              <a:ext uri="{FF2B5EF4-FFF2-40B4-BE49-F238E27FC236}">
+                <a16:creationId xmlns:a16="http://schemas.microsoft.com/office/drawing/2014/main" id="{8031956B-5D8C-4B72-994C-29467F344CB1}"/>
+              </a:ext>
+            </a:extLst>
+          </p:cNvPr>
+          <p:cNvSpPr txBox="1"/>
+          <p:nvPr/>
+        </p:nvSpPr>
+        <p:spPr>
+          <a:xfrm>
+            <a:off x="3845223" y="955508"/>
+            <a:ext cx="1566454" cy="461665"/>
+          </a:xfrm>
+          <a:prstGeom prst="rect">
+            <a:avLst/>
+          </a:prstGeom>
+          <a:noFill/>
+        </p:spPr>
+        <p:txBody>
+          <a:bodyPr wrap="none" rtlCol="0">
+            <a:spAutoFit/>
+          </a:bodyPr>
+          <a:lstStyle/>
+          <a:p>
+            <a:pPr algn="l"/>
+            <a:r>
+              <a:rPr lang="en-US" altLang="zh-CN" sz="2400" dirty="0">
+                <a:solidFill>
+                  <a:srgbClr val="00B050"/>
+                </a:solidFill>
+                <a:latin typeface="Times New Roman" panose="02020603050405020304" pitchFamily="18" charset="0"/>
+                <a:ea typeface="宋体" panose="02010600030101010101" pitchFamily="2" charset="-122"/>
+              </a:rPr>
+              <a:t>0, (-∞, +</a:t>
+            </a:r>
+            <a:r>
+              <a:rPr lang="zh-CN" altLang="en-US" sz="2400" dirty="0">
+                <a:solidFill>
+                  <a:srgbClr val="00B050"/>
+                </a:solidFill>
+                <a:latin typeface="Times New Roman" panose="02020603050405020304" pitchFamily="18" charset="0"/>
+                <a:ea typeface="宋体" panose="02010600030101010101" pitchFamily="2" charset="-122"/>
+              </a:rPr>
+              <a:t>∞</a:t>
+            </a:r>
+            <a:r>
+              <a:rPr lang="en-US" altLang="zh-CN" sz="2400" dirty="0">
+                <a:solidFill>
+                  <a:srgbClr val="00B050"/>
+                </a:solidFill>
+                <a:latin typeface="Times New Roman" panose="02020603050405020304" pitchFamily="18" charset="0"/>
+                <a:ea typeface="宋体" panose="02010600030101010101" pitchFamily="2" charset="-122"/>
+              </a:rPr>
+              <a:t>)</a:t>
+            </a:r>
+            <a:endParaRPr lang="zh-CN" altLang="en-US" sz="2400" dirty="0" err="1">
+              <a:solidFill>
+                <a:srgbClr val="00B050"/>
+              </a:solidFill>
+              <a:latin typeface="Times New Roman" panose="02020603050405020304" pitchFamily="18" charset="0"/>
+              <a:ea typeface="宋体" panose="02010600030101010101" pitchFamily="2" charset="-122"/>
+            </a:endParaRPr>
+          </a:p>
+        </p:txBody>
+      </p:sp>
+      <p:graphicFrame>
+        <p:nvGraphicFramePr>
+          <p:cNvPr id="13" name="表格 13">
+            <a:extLst>
+              <a:ext uri="{FF2B5EF4-FFF2-40B4-BE49-F238E27FC236}">
+                <a16:creationId xmlns:a16="http://schemas.microsoft.com/office/drawing/2014/main" id="{3045EDB7-798B-4CE3-A8B1-CA21BDFCB20B}"/>
+              </a:ext>
+            </a:extLst>
+          </p:cNvPr>
+          <p:cNvGraphicFramePr>
+            <a:graphicFrameLocks noGrp="1"/>
+          </p:cNvGraphicFramePr>
+          <p:nvPr>
+            <p:extLst>
+              <p:ext uri="{D42A27DB-BD31-4B8C-83A1-F6EECF244321}">
+                <p14:modId xmlns:p14="http://schemas.microsoft.com/office/powerpoint/2010/main" val="1917783152"/>
+              </p:ext>
+            </p:extLst>
+          </p:nvPr>
+        </p:nvGraphicFramePr>
+        <p:xfrm>
+          <a:off x="6771487" y="904509"/>
+          <a:ext cx="5090806" cy="792480"/>
+        </p:xfrm>
+        <a:graphic>
+          <a:graphicData uri="http://schemas.openxmlformats.org/drawingml/2006/table">
+            <a:tbl>
+              <a:tblPr firstRow="1" bandRow="1">
+                <a:tableStyleId>{5940675A-B579-460E-94D1-54222C63F5DA}</a:tableStyleId>
+              </a:tblPr>
+              <a:tblGrid>
+                <a:gridCol w="727258">
+                  <a:extLst>
+                    <a:ext uri="{9D8B030D-6E8A-4147-A177-3AD203B41FA5}">
+                      <a16:colId xmlns:a16="http://schemas.microsoft.com/office/drawing/2014/main" val="230900110"/>
+                    </a:ext>
+                  </a:extLst>
+                </a:gridCol>
+                <a:gridCol w="727258">
+                  <a:extLst>
+                    <a:ext uri="{9D8B030D-6E8A-4147-A177-3AD203B41FA5}">
+                      <a16:colId xmlns:a16="http://schemas.microsoft.com/office/drawing/2014/main" val="2887621260"/>
+                    </a:ext>
+                  </a:extLst>
+                </a:gridCol>
+                <a:gridCol w="727258">
+                  <a:extLst>
+                    <a:ext uri="{9D8B030D-6E8A-4147-A177-3AD203B41FA5}">
+                      <a16:colId xmlns:a16="http://schemas.microsoft.com/office/drawing/2014/main" val="4205523446"/>
+                    </a:ext>
+                  </a:extLst>
+                </a:gridCol>
+                <a:gridCol w="727258">
+                  <a:extLst>
+                    <a:ext uri="{9D8B030D-6E8A-4147-A177-3AD203B41FA5}">
+                      <a16:colId xmlns:a16="http://schemas.microsoft.com/office/drawing/2014/main" val="2804267588"/>
+                    </a:ext>
+                  </a:extLst>
+                </a:gridCol>
+                <a:gridCol w="727258">
+                  <a:extLst>
+                    <a:ext uri="{9D8B030D-6E8A-4147-A177-3AD203B41FA5}">
+                      <a16:colId xmlns:a16="http://schemas.microsoft.com/office/drawing/2014/main" val="3071323571"/>
+                    </a:ext>
+                  </a:extLst>
+                </a:gridCol>
+                <a:gridCol w="727258">
+                  <a:extLst>
+                    <a:ext uri="{9D8B030D-6E8A-4147-A177-3AD203B41FA5}">
+                      <a16:colId xmlns:a16="http://schemas.microsoft.com/office/drawing/2014/main" val="2579024454"/>
+                    </a:ext>
+                  </a:extLst>
+                </a:gridCol>
+                <a:gridCol w="727258">
+                  <a:extLst>
+                    <a:ext uri="{9D8B030D-6E8A-4147-A177-3AD203B41FA5}">
+                      <a16:colId xmlns:a16="http://schemas.microsoft.com/office/drawing/2014/main" val="3128878835"/>
+                    </a:ext>
+                  </a:extLst>
+                </a:gridCol>
+              </a:tblGrid>
+              <a:tr h="370840">
+                <a:tc>
+                  <a:txBody>
+                    <a:bodyPr/>
+                    <a:lstStyle/>
+                    <a:p>
+                      <a:pPr algn="ctr"/>
+                      <a:r>
+                        <a:rPr lang="en-US" altLang="zh-CN" sz="2000" dirty="0" err="1">
+                          <a:latin typeface="Times New Roman" panose="02020603050405020304" pitchFamily="18" charset="0"/>
+                          <a:cs typeface="Times New Roman" panose="02020603050405020304" pitchFamily="18" charset="0"/>
+                        </a:rPr>
+                        <a:t>idx</a:t>
+                      </a:r>
+                      <a:endParaRPr lang="zh-CN" altLang="en-US" sz="2000" dirty="0">
+                        <a:latin typeface="Times New Roman" panose="02020603050405020304" pitchFamily="18" charset="0"/>
+                        <a:cs typeface="Times New Roman" panose="02020603050405020304" pitchFamily="18" charset="0"/>
+                      </a:endParaRPr>
+                    </a:p>
+                  </a:txBody>
+                  <a:tcPr/>
+                </a:tc>
+                <a:tc>
+                  <a:txBody>
+                    <a:bodyPr/>
+                    <a:lstStyle/>
+                    <a:p>
+                      <a:pPr algn="ctr"/>
+                      <a:r>
+                        <a:rPr lang="en-US" altLang="zh-CN" sz="2000" dirty="0">
+                          <a:latin typeface="Times New Roman" panose="02020603050405020304" pitchFamily="18" charset="0"/>
+                          <a:cs typeface="Times New Roman" panose="02020603050405020304" pitchFamily="18" charset="0"/>
+                        </a:rPr>
+                        <a:t>0</a:t>
+                      </a:r>
+                      <a:endParaRPr lang="zh-CN" altLang="en-US" sz="2000" dirty="0">
+                        <a:latin typeface="Times New Roman" panose="02020603050405020304" pitchFamily="18" charset="0"/>
+                        <a:cs typeface="Times New Roman" panose="02020603050405020304" pitchFamily="18" charset="0"/>
+                      </a:endParaRPr>
+                    </a:p>
+                  </a:txBody>
+                  <a:tcPr/>
+                </a:tc>
+                <a:tc>
+                  <a:txBody>
+                    <a:bodyPr/>
+                    <a:lstStyle/>
+                    <a:p>
+                      <a:pPr algn="ctr"/>
+                      <a:r>
+                        <a:rPr lang="en-US" altLang="zh-CN" sz="2000" dirty="0">
+                          <a:latin typeface="Times New Roman" panose="02020603050405020304" pitchFamily="18" charset="0"/>
+                          <a:cs typeface="Times New Roman" panose="02020603050405020304" pitchFamily="18" charset="0"/>
+                        </a:rPr>
+                        <a:t>1</a:t>
+                      </a:r>
+                      <a:endParaRPr lang="zh-CN" altLang="en-US" sz="2000" dirty="0">
+                        <a:latin typeface="Times New Roman" panose="02020603050405020304" pitchFamily="18" charset="0"/>
+                        <a:cs typeface="Times New Roman" panose="02020603050405020304" pitchFamily="18" charset="0"/>
+                      </a:endParaRPr>
+                    </a:p>
+                  </a:txBody>
+                  <a:tcPr/>
+                </a:tc>
+                <a:tc>
+                  <a:txBody>
+                    <a:bodyPr/>
+                    <a:lstStyle/>
+                    <a:p>
+                      <a:pPr algn="ctr"/>
+                      <a:r>
+                        <a:rPr lang="en-US" altLang="zh-CN" sz="2000" dirty="0">
+                          <a:latin typeface="Times New Roman" panose="02020603050405020304" pitchFamily="18" charset="0"/>
+                          <a:cs typeface="Times New Roman" panose="02020603050405020304" pitchFamily="18" charset="0"/>
+                        </a:rPr>
+                        <a:t>2</a:t>
+                      </a:r>
+                      <a:endParaRPr lang="zh-CN" altLang="en-US" sz="2000" dirty="0">
+                        <a:latin typeface="Times New Roman" panose="02020603050405020304" pitchFamily="18" charset="0"/>
+                        <a:cs typeface="Times New Roman" panose="02020603050405020304" pitchFamily="18" charset="0"/>
+                      </a:endParaRPr>
+                    </a:p>
+                  </a:txBody>
+                  <a:tcPr/>
+                </a:tc>
+                <a:tc>
+                  <a:txBody>
+                    <a:bodyPr/>
+                    <a:lstStyle/>
+                    <a:p>
+                      <a:pPr algn="ctr"/>
+                      <a:r>
+                        <a:rPr lang="en-US" altLang="zh-CN" sz="2000" dirty="0">
+                          <a:latin typeface="Times New Roman" panose="02020603050405020304" pitchFamily="18" charset="0"/>
+                          <a:cs typeface="Times New Roman" panose="02020603050405020304" pitchFamily="18" charset="0"/>
+                        </a:rPr>
+                        <a:t>3</a:t>
+                      </a:r>
+                      <a:endParaRPr lang="zh-CN" altLang="en-US" sz="2000" dirty="0">
+                        <a:latin typeface="Times New Roman" panose="02020603050405020304" pitchFamily="18" charset="0"/>
+                        <a:cs typeface="Times New Roman" panose="02020603050405020304" pitchFamily="18" charset="0"/>
+                      </a:endParaRPr>
+                    </a:p>
+                  </a:txBody>
+                  <a:tcPr/>
+                </a:tc>
+                <a:tc>
+                  <a:txBody>
+                    <a:bodyPr/>
+                    <a:lstStyle/>
+                    <a:p>
+                      <a:pPr algn="ctr"/>
+                      <a:r>
+                        <a:rPr lang="en-US" altLang="zh-CN" sz="2000" dirty="0">
+                          <a:latin typeface="Times New Roman" panose="02020603050405020304" pitchFamily="18" charset="0"/>
+                          <a:cs typeface="Times New Roman" panose="02020603050405020304" pitchFamily="18" charset="0"/>
+                        </a:rPr>
+                        <a:t>4</a:t>
+                      </a:r>
+                      <a:endParaRPr lang="zh-CN" altLang="en-US" sz="2000" dirty="0">
+                        <a:latin typeface="Times New Roman" panose="02020603050405020304" pitchFamily="18" charset="0"/>
+                        <a:cs typeface="Times New Roman" panose="02020603050405020304" pitchFamily="18" charset="0"/>
+                      </a:endParaRPr>
+                    </a:p>
+                  </a:txBody>
+                  <a:tcPr/>
+                </a:tc>
+                <a:tc>
+                  <a:txBody>
+                    <a:bodyPr/>
+                    <a:lstStyle/>
+                    <a:p>
+                      <a:pPr algn="ctr"/>
+                      <a:r>
+                        <a:rPr lang="en-US" altLang="zh-CN" sz="2000" dirty="0">
+                          <a:latin typeface="Times New Roman" panose="02020603050405020304" pitchFamily="18" charset="0"/>
+                          <a:cs typeface="Times New Roman" panose="02020603050405020304" pitchFamily="18" charset="0"/>
+                        </a:rPr>
+                        <a:t>5</a:t>
+                      </a:r>
+                      <a:endParaRPr lang="zh-CN" altLang="en-US" sz="2000" dirty="0">
+                        <a:latin typeface="Times New Roman" panose="02020603050405020304" pitchFamily="18" charset="0"/>
+                        <a:cs typeface="Times New Roman" panose="02020603050405020304" pitchFamily="18" charset="0"/>
+                      </a:endParaRPr>
+                    </a:p>
+                  </a:txBody>
+                  <a:tcPr/>
+                </a:tc>
+                <a:extLst>
+                  <a:ext uri="{0D108BD9-81ED-4DB2-BD59-A6C34878D82A}">
+                    <a16:rowId xmlns:a16="http://schemas.microsoft.com/office/drawing/2014/main" val="936472672"/>
+                  </a:ext>
+                </a:extLst>
+              </a:tr>
+              <a:tr h="370840">
+                <a:tc>
+                  <a:txBody>
+                    <a:bodyPr/>
+                    <a:lstStyle/>
+                    <a:p>
+                      <a:pPr algn="ctr"/>
+                      <a:r>
+                        <a:rPr lang="en-US" altLang="zh-CN" sz="2000" dirty="0">
+                          <a:latin typeface="Times New Roman" panose="02020603050405020304" pitchFamily="18" charset="0"/>
+                          <a:cs typeface="Times New Roman" panose="02020603050405020304" pitchFamily="18" charset="0"/>
+                        </a:rPr>
+                        <a:t>num</a:t>
+                      </a:r>
+                      <a:endParaRPr lang="zh-CN" altLang="en-US" sz="2000" dirty="0">
+                        <a:latin typeface="Times New Roman" panose="02020603050405020304" pitchFamily="18" charset="0"/>
+                        <a:cs typeface="Times New Roman" panose="02020603050405020304" pitchFamily="18" charset="0"/>
+                      </a:endParaRPr>
+                    </a:p>
+                  </a:txBody>
+                  <a:tcPr/>
+                </a:tc>
+                <a:tc>
+                  <a:txBody>
+                    <a:bodyPr/>
+                    <a:lstStyle/>
+                    <a:p>
+                      <a:pPr algn="ctr"/>
+                      <a:r>
+                        <a:rPr lang="en-US" altLang="zh-CN" sz="2000" dirty="0">
+                          <a:latin typeface="Times New Roman" panose="02020603050405020304" pitchFamily="18" charset="0"/>
+                          <a:cs typeface="Times New Roman" panose="02020603050405020304" pitchFamily="18" charset="0"/>
+                        </a:rPr>
+                        <a:t>8</a:t>
+                      </a:r>
+                      <a:endParaRPr lang="zh-CN" altLang="en-US" sz="2000" dirty="0">
+                        <a:latin typeface="Times New Roman" panose="02020603050405020304" pitchFamily="18" charset="0"/>
+                        <a:cs typeface="Times New Roman" panose="02020603050405020304" pitchFamily="18" charset="0"/>
+                      </a:endParaRPr>
+                    </a:p>
+                  </a:txBody>
+                  <a:tcPr/>
+                </a:tc>
+                <a:tc>
+                  <a:txBody>
+                    <a:bodyPr/>
+                    <a:lstStyle/>
+                    <a:p>
+                      <a:pPr algn="ctr"/>
+                      <a:r>
+                        <a:rPr lang="en-US" altLang="zh-CN" sz="2000" dirty="0">
+                          <a:latin typeface="Times New Roman" panose="02020603050405020304" pitchFamily="18" charset="0"/>
+                          <a:cs typeface="Times New Roman" panose="02020603050405020304" pitchFamily="18" charset="0"/>
+                        </a:rPr>
+                        <a:t>5</a:t>
+                      </a:r>
+                      <a:endParaRPr lang="zh-CN" altLang="en-US" sz="2000" dirty="0">
+                        <a:latin typeface="Times New Roman" panose="02020603050405020304" pitchFamily="18" charset="0"/>
+                        <a:cs typeface="Times New Roman" panose="02020603050405020304" pitchFamily="18" charset="0"/>
+                      </a:endParaRPr>
+                    </a:p>
+                  </a:txBody>
+                  <a:tcPr/>
+                </a:tc>
+                <a:tc>
+                  <a:txBody>
+                    <a:bodyPr/>
+                    <a:lstStyle/>
+                    <a:p>
+                      <a:pPr algn="ctr"/>
+                      <a:r>
+                        <a:rPr lang="en-US" altLang="zh-CN" sz="2000" dirty="0">
+                          <a:latin typeface="Times New Roman" panose="02020603050405020304" pitchFamily="18" charset="0"/>
+                          <a:cs typeface="Times New Roman" panose="02020603050405020304" pitchFamily="18" charset="0"/>
+                        </a:rPr>
+                        <a:t>1</a:t>
+                      </a:r>
+                      <a:endParaRPr lang="zh-CN" altLang="en-US" sz="2000" dirty="0">
+                        <a:latin typeface="Times New Roman" panose="02020603050405020304" pitchFamily="18" charset="0"/>
+                        <a:cs typeface="Times New Roman" panose="02020603050405020304" pitchFamily="18" charset="0"/>
+                      </a:endParaRPr>
+                    </a:p>
+                  </a:txBody>
+                  <a:tcPr/>
+                </a:tc>
+                <a:tc>
+                  <a:txBody>
+                    <a:bodyPr/>
+                    <a:lstStyle/>
+                    <a:p>
+                      <a:pPr algn="ctr"/>
+                      <a:r>
+                        <a:rPr lang="en-US" altLang="zh-CN" sz="2000" dirty="0">
+                          <a:latin typeface="Times New Roman" panose="02020603050405020304" pitchFamily="18" charset="0"/>
+                          <a:cs typeface="Times New Roman" panose="02020603050405020304" pitchFamily="18" charset="0"/>
+                        </a:rPr>
+                        <a:t>7</a:t>
+                      </a:r>
+                      <a:endParaRPr lang="zh-CN" altLang="en-US" sz="2000" dirty="0">
+                        <a:latin typeface="Times New Roman" panose="02020603050405020304" pitchFamily="18" charset="0"/>
+                        <a:cs typeface="Times New Roman" panose="02020603050405020304" pitchFamily="18" charset="0"/>
+                      </a:endParaRPr>
+                    </a:p>
+                  </a:txBody>
+                  <a:tcPr/>
+                </a:tc>
+                <a:tc>
+                  <a:txBody>
+                    <a:bodyPr/>
+                    <a:lstStyle/>
+                    <a:p>
+                      <a:pPr algn="ctr"/>
+                      <a:r>
+                        <a:rPr lang="en-US" altLang="zh-CN" sz="2000" dirty="0">
+                          <a:latin typeface="Times New Roman" panose="02020603050405020304" pitchFamily="18" charset="0"/>
+                          <a:cs typeface="Times New Roman" panose="02020603050405020304" pitchFamily="18" charset="0"/>
+                        </a:rPr>
+                        <a:t>10</a:t>
+                      </a:r>
+                      <a:endParaRPr lang="zh-CN" altLang="en-US" sz="2000" dirty="0">
+                        <a:latin typeface="Times New Roman" panose="02020603050405020304" pitchFamily="18" charset="0"/>
+                        <a:cs typeface="Times New Roman" panose="02020603050405020304" pitchFamily="18" charset="0"/>
+                      </a:endParaRPr>
+                    </a:p>
+                  </a:txBody>
+                  <a:tcPr/>
+                </a:tc>
+                <a:tc>
+                  <a:txBody>
+                    <a:bodyPr/>
+                    <a:lstStyle/>
+                    <a:p>
+                      <a:pPr algn="ctr"/>
+                      <a:r>
+                        <a:rPr lang="en-US" altLang="zh-CN" sz="2000" dirty="0">
+                          <a:latin typeface="Times New Roman" panose="02020603050405020304" pitchFamily="18" charset="0"/>
+                          <a:cs typeface="Times New Roman" panose="02020603050405020304" pitchFamily="18" charset="0"/>
+                        </a:rPr>
+                        <a:t>12</a:t>
+                      </a:r>
+                      <a:endParaRPr lang="zh-CN" altLang="en-US" sz="2000" dirty="0">
+                        <a:latin typeface="Times New Roman" panose="02020603050405020304" pitchFamily="18" charset="0"/>
+                        <a:cs typeface="Times New Roman" panose="02020603050405020304" pitchFamily="18" charset="0"/>
+                      </a:endParaRPr>
+                    </a:p>
+                  </a:txBody>
+                  <a:tcPr/>
+                </a:tc>
+                <a:extLst>
+                  <a:ext uri="{0D108BD9-81ED-4DB2-BD59-A6C34878D82A}">
+                    <a16:rowId xmlns:a16="http://schemas.microsoft.com/office/drawing/2014/main" val="1059828537"/>
+                  </a:ext>
+                </a:extLst>
+              </a:tr>
+            </a:tbl>
+          </a:graphicData>
+        </a:graphic>
+      </p:graphicFrame>
+      <p:sp>
+        <p:nvSpPr>
+          <p:cNvPr id="14" name="文本框 13">
+            <a:extLst>
+              <a:ext uri="{FF2B5EF4-FFF2-40B4-BE49-F238E27FC236}">
+                <a16:creationId xmlns:a16="http://schemas.microsoft.com/office/drawing/2014/main" id="{92BBB243-8105-4450-A2CA-3D10AE46929A}"/>
+              </a:ext>
+            </a:extLst>
+          </p:cNvPr>
+          <p:cNvSpPr txBox="1"/>
+          <p:nvPr/>
+        </p:nvSpPr>
+        <p:spPr>
+          <a:xfrm>
+            <a:off x="60708" y="4336857"/>
+            <a:ext cx="1327608" cy="461665"/>
+          </a:xfrm>
+          <a:prstGeom prst="rect">
+            <a:avLst/>
+          </a:prstGeom>
+          <a:noFill/>
+        </p:spPr>
+        <p:txBody>
+          <a:bodyPr wrap="none" rtlCol="0">
+            <a:spAutoFit/>
+          </a:bodyPr>
+          <a:lstStyle/>
+          <a:p>
+            <a:pPr algn="l"/>
+            <a:r>
+              <a:rPr lang="en-US" altLang="zh-CN" sz="2400" dirty="0">
+                <a:solidFill>
+                  <a:srgbClr val="FF0000"/>
+                </a:solidFill>
+                <a:latin typeface="Times New Roman" panose="02020603050405020304" pitchFamily="18" charset="0"/>
+                <a:ea typeface="宋体" panose="02010600030101010101" pitchFamily="2" charset="-122"/>
+              </a:rPr>
+              <a:t>3, (-</a:t>
+            </a:r>
+            <a:r>
+              <a:rPr lang="zh-CN" altLang="en-US" sz="2400" dirty="0">
+                <a:solidFill>
+                  <a:srgbClr val="FF0000"/>
+                </a:solidFill>
+                <a:latin typeface="Times New Roman" panose="02020603050405020304" pitchFamily="18" charset="0"/>
+                <a:ea typeface="宋体" panose="02010600030101010101" pitchFamily="2" charset="-122"/>
+              </a:rPr>
+              <a:t>∞</a:t>
+            </a:r>
+            <a:r>
+              <a:rPr lang="en-US" altLang="zh-CN" sz="2400" dirty="0">
+                <a:solidFill>
+                  <a:srgbClr val="FF0000"/>
+                </a:solidFill>
+                <a:latin typeface="Times New Roman" panose="02020603050405020304" pitchFamily="18" charset="0"/>
+                <a:ea typeface="宋体" panose="02010600030101010101" pitchFamily="2" charset="-122"/>
+              </a:rPr>
+              <a:t>, 1)</a:t>
+            </a:r>
+            <a:endParaRPr lang="zh-CN" altLang="en-US" sz="2400" dirty="0" err="1">
+              <a:solidFill>
+                <a:srgbClr val="FF0000"/>
+              </a:solidFill>
+              <a:latin typeface="Times New Roman" panose="02020603050405020304" pitchFamily="18" charset="0"/>
+              <a:ea typeface="宋体" panose="02010600030101010101" pitchFamily="2" charset="-122"/>
+            </a:endParaRPr>
+          </a:p>
+        </p:txBody>
+      </p:sp>
+      <p:sp>
+        <p:nvSpPr>
+          <p:cNvPr id="15" name="文本框 14">
+            <a:extLst>
+              <a:ext uri="{FF2B5EF4-FFF2-40B4-BE49-F238E27FC236}">
+                <a16:creationId xmlns:a16="http://schemas.microsoft.com/office/drawing/2014/main" id="{1861FBBB-5821-471A-AF6A-597F57B14946}"/>
+              </a:ext>
+            </a:extLst>
+          </p:cNvPr>
+          <p:cNvSpPr txBox="1"/>
+          <p:nvPr/>
+        </p:nvSpPr>
+        <p:spPr>
+          <a:xfrm>
+            <a:off x="1912454" y="4221440"/>
+            <a:ext cx="1159292" cy="461665"/>
+          </a:xfrm>
+          <a:prstGeom prst="rect">
+            <a:avLst/>
+          </a:prstGeom>
+          <a:noFill/>
+        </p:spPr>
+        <p:txBody>
+          <a:bodyPr wrap="none" rtlCol="0">
+            <a:spAutoFit/>
+          </a:bodyPr>
+          <a:lstStyle/>
+          <a:p>
+            <a:pPr algn="l"/>
+            <a:r>
+              <a:rPr lang="en-US" altLang="zh-CN" sz="2400" dirty="0">
+                <a:solidFill>
+                  <a:srgbClr val="FF0000"/>
+                </a:solidFill>
+                <a:latin typeface="Times New Roman" panose="02020603050405020304" pitchFamily="18" charset="0"/>
+                <a:ea typeface="宋体" panose="02010600030101010101" pitchFamily="2" charset="-122"/>
+              </a:rPr>
+              <a:t>3, (1, 5)</a:t>
+            </a:r>
+            <a:endParaRPr lang="zh-CN" altLang="en-US" sz="2400" dirty="0" err="1">
+              <a:solidFill>
+                <a:srgbClr val="FF0000"/>
+              </a:solidFill>
+              <a:latin typeface="Times New Roman" panose="02020603050405020304" pitchFamily="18" charset="0"/>
+              <a:ea typeface="宋体" panose="02010600030101010101" pitchFamily="2" charset="-122"/>
+            </a:endParaRPr>
+          </a:p>
+        </p:txBody>
+      </p:sp>
+      <p:sp>
+        <p:nvSpPr>
+          <p:cNvPr id="16" name="文本框 15">
+            <a:extLst>
+              <a:ext uri="{FF2B5EF4-FFF2-40B4-BE49-F238E27FC236}">
+                <a16:creationId xmlns:a16="http://schemas.microsoft.com/office/drawing/2014/main" id="{EE0185F4-DEE2-4FF2-B844-0ECD2384899B}"/>
+              </a:ext>
+            </a:extLst>
+          </p:cNvPr>
+          <p:cNvSpPr txBox="1"/>
+          <p:nvPr/>
+        </p:nvSpPr>
+        <p:spPr>
+          <a:xfrm>
+            <a:off x="2493475" y="4528433"/>
+            <a:ext cx="1159292" cy="461665"/>
+          </a:xfrm>
+          <a:prstGeom prst="rect">
+            <a:avLst/>
+          </a:prstGeom>
+          <a:noFill/>
+        </p:spPr>
+        <p:txBody>
+          <a:bodyPr wrap="none" rtlCol="0">
+            <a:spAutoFit/>
+          </a:bodyPr>
+          <a:lstStyle/>
+          <a:p>
+            <a:pPr algn="l"/>
+            <a:r>
+              <a:rPr lang="en-US" altLang="zh-CN" sz="2400" dirty="0">
+                <a:solidFill>
+                  <a:srgbClr val="FF0000"/>
+                </a:solidFill>
+                <a:latin typeface="Times New Roman" panose="02020603050405020304" pitchFamily="18" charset="0"/>
+                <a:ea typeface="宋体" panose="02010600030101010101" pitchFamily="2" charset="-122"/>
+              </a:rPr>
+              <a:t>4, (5, 7)</a:t>
+            </a:r>
+            <a:endParaRPr lang="zh-CN" altLang="en-US" sz="2400" dirty="0" err="1">
+              <a:solidFill>
+                <a:srgbClr val="FF0000"/>
+              </a:solidFill>
+              <a:latin typeface="Times New Roman" panose="02020603050405020304" pitchFamily="18" charset="0"/>
+              <a:ea typeface="宋体" panose="02010600030101010101" pitchFamily="2" charset="-122"/>
+            </a:endParaRPr>
+          </a:p>
+        </p:txBody>
+      </p:sp>
+      <p:sp>
+        <p:nvSpPr>
+          <p:cNvPr id="18" name="文本框 17">
+            <a:extLst>
+              <a:ext uri="{FF2B5EF4-FFF2-40B4-BE49-F238E27FC236}">
+                <a16:creationId xmlns:a16="http://schemas.microsoft.com/office/drawing/2014/main" id="{72ACA70F-2367-4E32-BA08-34BC2B0A174A}"/>
+              </a:ext>
+            </a:extLst>
+          </p:cNvPr>
+          <p:cNvSpPr txBox="1"/>
+          <p:nvPr/>
+        </p:nvSpPr>
+        <p:spPr>
+          <a:xfrm>
+            <a:off x="4179929" y="4324550"/>
+            <a:ext cx="1159292" cy="461665"/>
+          </a:xfrm>
+          <a:prstGeom prst="rect">
+            <a:avLst/>
+          </a:prstGeom>
+          <a:noFill/>
+        </p:spPr>
+        <p:txBody>
+          <a:bodyPr wrap="none" rtlCol="0">
+            <a:spAutoFit/>
+          </a:bodyPr>
+          <a:lstStyle/>
+          <a:p>
+            <a:pPr algn="l"/>
+            <a:r>
+              <a:rPr lang="en-US" altLang="zh-CN" sz="2400" dirty="0">
+                <a:solidFill>
+                  <a:srgbClr val="FF0000"/>
+                </a:solidFill>
+                <a:latin typeface="Times New Roman" panose="02020603050405020304" pitchFamily="18" charset="0"/>
+                <a:ea typeface="宋体" panose="02010600030101010101" pitchFamily="2" charset="-122"/>
+              </a:rPr>
+              <a:t>4, (7, 8)</a:t>
+            </a:r>
+            <a:endParaRPr lang="zh-CN" altLang="en-US" sz="2400" dirty="0" err="1">
+              <a:solidFill>
+                <a:srgbClr val="FF0000"/>
+              </a:solidFill>
+              <a:latin typeface="Times New Roman" panose="02020603050405020304" pitchFamily="18" charset="0"/>
+              <a:ea typeface="宋体" panose="02010600030101010101" pitchFamily="2" charset="-122"/>
+            </a:endParaRPr>
+          </a:p>
+        </p:txBody>
+      </p:sp>
+      <p:sp>
+        <p:nvSpPr>
+          <p:cNvPr id="19" name="文本框 18">
+            <a:extLst>
+              <a:ext uri="{FF2B5EF4-FFF2-40B4-BE49-F238E27FC236}">
+                <a16:creationId xmlns:a16="http://schemas.microsoft.com/office/drawing/2014/main" id="{DD6A945B-2E75-469C-B8C1-CD644F666D93}"/>
+              </a:ext>
+            </a:extLst>
+          </p:cNvPr>
+          <p:cNvSpPr txBox="1"/>
+          <p:nvPr/>
+        </p:nvSpPr>
+        <p:spPr>
+          <a:xfrm>
+            <a:off x="4755087" y="3124327"/>
+            <a:ext cx="1313180" cy="461665"/>
+          </a:xfrm>
+          <a:prstGeom prst="rect">
+            <a:avLst/>
+          </a:prstGeom>
+          <a:noFill/>
+        </p:spPr>
+        <p:txBody>
+          <a:bodyPr wrap="none" rtlCol="0">
+            <a:spAutoFit/>
+          </a:bodyPr>
+          <a:lstStyle/>
+          <a:p>
+            <a:pPr algn="l"/>
+            <a:r>
+              <a:rPr lang="en-US" altLang="zh-CN" sz="2400" dirty="0">
+                <a:solidFill>
+                  <a:srgbClr val="FF0000"/>
+                </a:solidFill>
+                <a:latin typeface="Times New Roman" panose="02020603050405020304" pitchFamily="18" charset="0"/>
+                <a:ea typeface="宋体" panose="02010600030101010101" pitchFamily="2" charset="-122"/>
+              </a:rPr>
+              <a:t>5, (8, 10)</a:t>
+            </a:r>
+            <a:endParaRPr lang="zh-CN" altLang="en-US" sz="2400" dirty="0" err="1">
+              <a:solidFill>
+                <a:srgbClr val="FF0000"/>
+              </a:solidFill>
+              <a:latin typeface="Times New Roman" panose="02020603050405020304" pitchFamily="18" charset="0"/>
+              <a:ea typeface="宋体" panose="02010600030101010101" pitchFamily="2" charset="-122"/>
+            </a:endParaRPr>
+          </a:p>
+        </p:txBody>
+      </p:sp>
+      <p:sp>
+        <p:nvSpPr>
+          <p:cNvPr id="20" name="文本框 19">
+            <a:extLst>
+              <a:ext uri="{FF2B5EF4-FFF2-40B4-BE49-F238E27FC236}">
+                <a16:creationId xmlns:a16="http://schemas.microsoft.com/office/drawing/2014/main" id="{DE021413-6953-43B4-84BC-66AF5408EADA}"/>
+              </a:ext>
+            </a:extLst>
+          </p:cNvPr>
+          <p:cNvSpPr txBox="1"/>
+          <p:nvPr/>
+        </p:nvSpPr>
+        <p:spPr>
+          <a:xfrm>
+            <a:off x="5492972" y="4336857"/>
+            <a:ext cx="1467068" cy="461665"/>
+          </a:xfrm>
+          <a:prstGeom prst="rect">
+            <a:avLst/>
+          </a:prstGeom>
+          <a:noFill/>
+        </p:spPr>
+        <p:txBody>
+          <a:bodyPr wrap="none" rtlCol="0">
+            <a:spAutoFit/>
+          </a:bodyPr>
+          <a:lstStyle/>
+          <a:p>
+            <a:pPr algn="l"/>
+            <a:r>
+              <a:rPr lang="en-US" altLang="zh-CN" sz="2400" dirty="0">
+                <a:solidFill>
+                  <a:srgbClr val="FF0000"/>
+                </a:solidFill>
+                <a:latin typeface="Times New Roman" panose="02020603050405020304" pitchFamily="18" charset="0"/>
+                <a:ea typeface="宋体" panose="02010600030101010101" pitchFamily="2" charset="-122"/>
+              </a:rPr>
+              <a:t>6, (10, 12)</a:t>
+            </a:r>
+            <a:endParaRPr lang="zh-CN" altLang="en-US" sz="2400" dirty="0" err="1">
+              <a:solidFill>
+                <a:srgbClr val="FF0000"/>
+              </a:solidFill>
+              <a:latin typeface="Times New Roman" panose="02020603050405020304" pitchFamily="18" charset="0"/>
+              <a:ea typeface="宋体" panose="02010600030101010101" pitchFamily="2" charset="-122"/>
+            </a:endParaRPr>
+          </a:p>
+        </p:txBody>
+      </p:sp>
+    </p:spTree>
+    <p:extLst>
+      <p:ext uri="{BB962C8B-B14F-4D97-AF65-F5344CB8AC3E}">
+        <p14:creationId xmlns:p14="http://schemas.microsoft.com/office/powerpoint/2010/main" val="2829032680"/>
       </p:ext>
     </p:extLst>
   </p:cSld>

--- a/高频代码题解示意图.pptx
+++ b/高频代码题解示意图.pptx
@@ -5,7 +5,7 @@
     <p:sldMasterId id="2147483648" r:id="rId1"/>
   </p:sldMasterIdLst>
   <p:notesMasterIdLst>
-    <p:notesMasterId r:id="rId7"/>
+    <p:notesMasterId r:id="rId8"/>
   </p:notesMasterIdLst>
   <p:sldIdLst>
     <p:sldId id="256" r:id="rId2"/>
@@ -13,6 +13,7 @@
     <p:sldId id="258" r:id="rId4"/>
     <p:sldId id="259" r:id="rId5"/>
     <p:sldId id="262" r:id="rId6"/>
+    <p:sldId id="263" r:id="rId7"/>
   </p:sldIdLst>
   <p:sldSz cx="12192000" cy="6858000"/>
   <p:notesSz cx="6858000" cy="9144000"/>
@@ -201,7 +202,7 @@
           <a:p>
             <a:fld id="{2C9F9DDE-F0A1-491D-8D69-0A4918BBC240}" type="datetimeFigureOut">
               <a:rPr lang="zh-CN" altLang="en-US" smtClean="0"/>
-              <a:t>2021/2/2</a:t>
+              <a:t>2021/2/22</a:t>
             </a:fld>
             <a:endParaRPr lang="zh-CN" altLang="en-US"/>
           </a:p>
@@ -950,6 +951,114 @@
 </p:notes>
 </file>
 
+<file path=ppt/notesSlides/notesSlide6.xml><?xml version="1.0" encoding="utf-8"?>
+<p:notes xmlns:a="http://schemas.openxmlformats.org/drawingml/2006/main" xmlns:r="http://schemas.openxmlformats.org/officeDocument/2006/relationships" xmlns:p="http://schemas.openxmlformats.org/presentationml/2006/main">
+  <p:cSld>
+    <p:spTree>
+      <p:nvGrpSpPr>
+        <p:cNvPr id="1" name=""/>
+        <p:cNvGrpSpPr/>
+        <p:nvPr/>
+      </p:nvGrpSpPr>
+      <p:grpSpPr>
+        <a:xfrm>
+          <a:off x="0" y="0"/>
+          <a:ext cx="0" cy="0"/>
+          <a:chOff x="0" y="0"/>
+          <a:chExt cx="0" cy="0"/>
+        </a:xfrm>
+      </p:grpSpPr>
+      <p:sp>
+        <p:nvSpPr>
+          <p:cNvPr id="2" name="幻灯片图像占位符 1"/>
+          <p:cNvSpPr>
+            <a:spLocks noGrp="1" noRot="1" noChangeAspect="1"/>
+          </p:cNvSpPr>
+          <p:nvPr>
+            <p:ph type="sldImg"/>
+          </p:nvPr>
+        </p:nvSpPr>
+        <p:spPr/>
+      </p:sp>
+      <p:sp>
+        <p:nvSpPr>
+          <p:cNvPr id="3" name="备注占位符 2"/>
+          <p:cNvSpPr>
+            <a:spLocks noGrp="1"/>
+          </p:cNvSpPr>
+          <p:nvPr>
+            <p:ph type="body" idx="1"/>
+          </p:nvPr>
+        </p:nvSpPr>
+        <p:spPr/>
+        <p:txBody>
+          <a:bodyPr/>
+          <a:lstStyle/>
+          <a:p>
+            <a:r>
+              <a:rPr lang="en-US" altLang="zh-CN" dirty="0"/>
+              <a:t>0151 </a:t>
+            </a:r>
+            <a:r>
+              <a:rPr lang="zh-CN" altLang="en-US" dirty="0"/>
+              <a:t>翻转字符串里的单词 </a:t>
+            </a:r>
+            <a:r>
+              <a:rPr lang="en-US" altLang="zh-CN" dirty="0"/>
+              <a:t>+ JZ-58-1 </a:t>
+            </a:r>
+            <a:r>
+              <a:rPr lang="zh-CN" altLang="en-US" dirty="0"/>
+              <a:t>翻转单词顺序</a:t>
+            </a:r>
+            <a:r>
+              <a:rPr lang="en-US" altLang="zh-CN" dirty="0"/>
+              <a:t>.</a:t>
+            </a:r>
+            <a:r>
+              <a:rPr lang="en-US" altLang="zh-CN" dirty="0" err="1"/>
+              <a:t>cpp</a:t>
+            </a:r>
+            <a:endParaRPr lang="zh-CN" altLang="en-US" dirty="0"/>
+          </a:p>
+        </p:txBody>
+      </p:sp>
+      <p:sp>
+        <p:nvSpPr>
+          <p:cNvPr id="4" name="灯片编号占位符 3"/>
+          <p:cNvSpPr>
+            <a:spLocks noGrp="1"/>
+          </p:cNvSpPr>
+          <p:nvPr>
+            <p:ph type="sldNum" sz="quarter" idx="5"/>
+          </p:nvPr>
+        </p:nvSpPr>
+        <p:spPr/>
+        <p:txBody>
+          <a:bodyPr/>
+          <a:lstStyle/>
+          <a:p>
+            <a:fld id="{613CC393-9814-4152-B042-3E5C9AFC6D0B}" type="slidenum">
+              <a:rPr lang="zh-CN" altLang="en-US" smtClean="0"/>
+              <a:t>6</a:t>
+            </a:fld>
+            <a:endParaRPr lang="zh-CN" altLang="en-US"/>
+          </a:p>
+        </p:txBody>
+      </p:sp>
+    </p:spTree>
+    <p:extLst>
+      <p:ext uri="{BB962C8B-B14F-4D97-AF65-F5344CB8AC3E}">
+        <p14:creationId xmlns:p14="http://schemas.microsoft.com/office/powerpoint/2010/main" val="2499047169"/>
+      </p:ext>
+    </p:extLst>
+  </p:cSld>
+  <p:clrMapOvr>
+    <a:masterClrMapping/>
+  </p:clrMapOvr>
+</p:notes>
+</file>
+
 <file path=ppt/slideLayouts/slideLayout1.xml><?xml version="1.0" encoding="utf-8"?>
 <p:sldLayout xmlns:a="http://schemas.openxmlformats.org/drawingml/2006/main" xmlns:r="http://schemas.openxmlformats.org/officeDocument/2006/relationships" xmlns:p="http://schemas.openxmlformats.org/presentationml/2006/main" type="title" preserve="1">
   <p:cSld name="标题幻灯片">
@@ -1097,7 +1206,7 @@
           <a:p>
             <a:fld id="{BC9E8338-0904-49E6-9B4B-343D8E3BC7C9}" type="datetimeFigureOut">
               <a:rPr lang="zh-CN" altLang="en-US" smtClean="0"/>
-              <a:t>2021/2/2</a:t>
+              <a:t>2021/2/22</a:t>
             </a:fld>
             <a:endParaRPr lang="zh-CN" altLang="en-US"/>
           </a:p>
@@ -1295,7 +1404,7 @@
           <a:p>
             <a:fld id="{BC9E8338-0904-49E6-9B4B-343D8E3BC7C9}" type="datetimeFigureOut">
               <a:rPr lang="zh-CN" altLang="en-US" smtClean="0"/>
-              <a:t>2021/2/2</a:t>
+              <a:t>2021/2/22</a:t>
             </a:fld>
             <a:endParaRPr lang="zh-CN" altLang="en-US"/>
           </a:p>
@@ -1503,7 +1612,7 @@
           <a:p>
             <a:fld id="{BC9E8338-0904-49E6-9B4B-343D8E3BC7C9}" type="datetimeFigureOut">
               <a:rPr lang="zh-CN" altLang="en-US" smtClean="0"/>
-              <a:t>2021/2/2</a:t>
+              <a:t>2021/2/22</a:t>
             </a:fld>
             <a:endParaRPr lang="zh-CN" altLang="en-US"/>
           </a:p>
@@ -1701,7 +1810,7 @@
           <a:p>
             <a:fld id="{BC9E8338-0904-49E6-9B4B-343D8E3BC7C9}" type="datetimeFigureOut">
               <a:rPr lang="zh-CN" altLang="en-US" smtClean="0"/>
-              <a:t>2021/2/2</a:t>
+              <a:t>2021/2/22</a:t>
             </a:fld>
             <a:endParaRPr lang="zh-CN" altLang="en-US"/>
           </a:p>
@@ -1976,7 +2085,7 @@
           <a:p>
             <a:fld id="{BC9E8338-0904-49E6-9B4B-343D8E3BC7C9}" type="datetimeFigureOut">
               <a:rPr lang="zh-CN" altLang="en-US" smtClean="0"/>
-              <a:t>2021/2/2</a:t>
+              <a:t>2021/2/22</a:t>
             </a:fld>
             <a:endParaRPr lang="zh-CN" altLang="en-US"/>
           </a:p>
@@ -2241,7 +2350,7 @@
           <a:p>
             <a:fld id="{BC9E8338-0904-49E6-9B4B-343D8E3BC7C9}" type="datetimeFigureOut">
               <a:rPr lang="zh-CN" altLang="en-US" smtClean="0"/>
-              <a:t>2021/2/2</a:t>
+              <a:t>2021/2/22</a:t>
             </a:fld>
             <a:endParaRPr lang="zh-CN" altLang="en-US"/>
           </a:p>
@@ -2653,7 +2762,7 @@
           <a:p>
             <a:fld id="{BC9E8338-0904-49E6-9B4B-343D8E3BC7C9}" type="datetimeFigureOut">
               <a:rPr lang="zh-CN" altLang="en-US" smtClean="0"/>
-              <a:t>2021/2/2</a:t>
+              <a:t>2021/2/22</a:t>
             </a:fld>
             <a:endParaRPr lang="zh-CN" altLang="en-US"/>
           </a:p>
@@ -2794,7 +2903,7 @@
           <a:p>
             <a:fld id="{BC9E8338-0904-49E6-9B4B-343D8E3BC7C9}" type="datetimeFigureOut">
               <a:rPr lang="zh-CN" altLang="en-US" smtClean="0"/>
-              <a:t>2021/2/2</a:t>
+              <a:t>2021/2/22</a:t>
             </a:fld>
             <a:endParaRPr lang="zh-CN" altLang="en-US"/>
           </a:p>
@@ -2907,7 +3016,7 @@
           <a:p>
             <a:fld id="{BC9E8338-0904-49E6-9B4B-343D8E3BC7C9}" type="datetimeFigureOut">
               <a:rPr lang="zh-CN" altLang="en-US" smtClean="0"/>
-              <a:t>2021/2/2</a:t>
+              <a:t>2021/2/22</a:t>
             </a:fld>
             <a:endParaRPr lang="zh-CN" altLang="en-US"/>
           </a:p>
@@ -3218,7 +3327,7 @@
           <a:p>
             <a:fld id="{BC9E8338-0904-49E6-9B4B-343D8E3BC7C9}" type="datetimeFigureOut">
               <a:rPr lang="zh-CN" altLang="en-US" smtClean="0"/>
-              <a:t>2021/2/2</a:t>
+              <a:t>2021/2/22</a:t>
             </a:fld>
             <a:endParaRPr lang="zh-CN" altLang="en-US"/>
           </a:p>
@@ -3506,7 +3615,7 @@
           <a:p>
             <a:fld id="{BC9E8338-0904-49E6-9B4B-343D8E3BC7C9}" type="datetimeFigureOut">
               <a:rPr lang="zh-CN" altLang="en-US" smtClean="0"/>
-              <a:t>2021/2/2</a:t>
+              <a:t>2021/2/22</a:t>
             </a:fld>
             <a:endParaRPr lang="zh-CN" altLang="en-US"/>
           </a:p>
@@ -3747,7 +3856,7 @@
           <a:p>
             <a:fld id="{BC9E8338-0904-49E6-9B4B-343D8E3BC7C9}" type="datetimeFigureOut">
               <a:rPr lang="zh-CN" altLang="en-US" smtClean="0"/>
-              <a:t>2021/2/2</a:t>
+              <a:t>2021/2/22</a:t>
             </a:fld>
             <a:endParaRPr lang="zh-CN" altLang="en-US"/>
           </a:p>
@@ -21957,6 +22066,8305 @@
 </p:sld>
 </file>
 
+<file path=ppt/slides/slide6.xml><?xml version="1.0" encoding="utf-8"?>
+<p:sld xmlns:a="http://schemas.openxmlformats.org/drawingml/2006/main" xmlns:r="http://schemas.openxmlformats.org/officeDocument/2006/relationships" xmlns:p="http://schemas.openxmlformats.org/presentationml/2006/main">
+  <p:cSld>
+    <p:spTree>
+      <p:nvGrpSpPr>
+        <p:cNvPr id="1" name=""/>
+        <p:cNvGrpSpPr/>
+        <p:nvPr/>
+      </p:nvGrpSpPr>
+      <p:grpSpPr>
+        <a:xfrm>
+          <a:off x="0" y="0"/>
+          <a:ext cx="0" cy="0"/>
+          <a:chOff x="0" y="0"/>
+          <a:chExt cx="0" cy="0"/>
+        </a:xfrm>
+      </p:grpSpPr>
+      <p:graphicFrame>
+        <p:nvGraphicFramePr>
+          <p:cNvPr id="4" name="表格 4">
+            <a:extLst>
+              <a:ext uri="{FF2B5EF4-FFF2-40B4-BE49-F238E27FC236}">
+                <a16:creationId xmlns:a16="http://schemas.microsoft.com/office/drawing/2014/main" id="{4EC68AFC-EB0D-4752-8ACD-A4DBFB8321B5}"/>
+              </a:ext>
+            </a:extLst>
+          </p:cNvPr>
+          <p:cNvGraphicFramePr>
+            <a:graphicFrameLocks noGrp="1"/>
+          </p:cNvGraphicFramePr>
+          <p:nvPr>
+            <p:extLst>
+              <p:ext uri="{D42A27DB-BD31-4B8C-83A1-F6EECF244321}">
+                <p14:modId xmlns:p14="http://schemas.microsoft.com/office/powerpoint/2010/main" val="1771039316"/>
+              </p:ext>
+            </p:extLst>
+          </p:nvPr>
+        </p:nvGraphicFramePr>
+        <p:xfrm>
+          <a:off x="2440733" y="3155841"/>
+          <a:ext cx="5689600" cy="396240"/>
+        </p:xfrm>
+        <a:graphic>
+          <a:graphicData uri="http://schemas.openxmlformats.org/drawingml/2006/table">
+            <a:tbl>
+              <a:tblPr firstRow="1" bandRow="1">
+                <a:tableStyleId>{5940675A-B579-460E-94D1-54222C63F5DA}</a:tableStyleId>
+              </a:tblPr>
+              <a:tblGrid>
+                <a:gridCol w="406400">
+                  <a:extLst>
+                    <a:ext uri="{9D8B030D-6E8A-4147-A177-3AD203B41FA5}">
+                      <a16:colId xmlns:a16="http://schemas.microsoft.com/office/drawing/2014/main" val="724645724"/>
+                    </a:ext>
+                  </a:extLst>
+                </a:gridCol>
+                <a:gridCol w="406400">
+                  <a:extLst>
+                    <a:ext uri="{9D8B030D-6E8A-4147-A177-3AD203B41FA5}">
+                      <a16:colId xmlns:a16="http://schemas.microsoft.com/office/drawing/2014/main" val="1836722532"/>
+                    </a:ext>
+                  </a:extLst>
+                </a:gridCol>
+                <a:gridCol w="406400">
+                  <a:extLst>
+                    <a:ext uri="{9D8B030D-6E8A-4147-A177-3AD203B41FA5}">
+                      <a16:colId xmlns:a16="http://schemas.microsoft.com/office/drawing/2014/main" val="3009865464"/>
+                    </a:ext>
+                  </a:extLst>
+                </a:gridCol>
+                <a:gridCol w="406400">
+                  <a:extLst>
+                    <a:ext uri="{9D8B030D-6E8A-4147-A177-3AD203B41FA5}">
+                      <a16:colId xmlns:a16="http://schemas.microsoft.com/office/drawing/2014/main" val="2013969288"/>
+                    </a:ext>
+                  </a:extLst>
+                </a:gridCol>
+                <a:gridCol w="406400">
+                  <a:extLst>
+                    <a:ext uri="{9D8B030D-6E8A-4147-A177-3AD203B41FA5}">
+                      <a16:colId xmlns:a16="http://schemas.microsoft.com/office/drawing/2014/main" val="2573172242"/>
+                    </a:ext>
+                  </a:extLst>
+                </a:gridCol>
+                <a:gridCol w="406400">
+                  <a:extLst>
+                    <a:ext uri="{9D8B030D-6E8A-4147-A177-3AD203B41FA5}">
+                      <a16:colId xmlns:a16="http://schemas.microsoft.com/office/drawing/2014/main" val="1176554396"/>
+                    </a:ext>
+                  </a:extLst>
+                </a:gridCol>
+                <a:gridCol w="406400">
+                  <a:extLst>
+                    <a:ext uri="{9D8B030D-6E8A-4147-A177-3AD203B41FA5}">
+                      <a16:colId xmlns:a16="http://schemas.microsoft.com/office/drawing/2014/main" val="2148932215"/>
+                    </a:ext>
+                  </a:extLst>
+                </a:gridCol>
+                <a:gridCol w="406400">
+                  <a:extLst>
+                    <a:ext uri="{9D8B030D-6E8A-4147-A177-3AD203B41FA5}">
+                      <a16:colId xmlns:a16="http://schemas.microsoft.com/office/drawing/2014/main" val="1914188605"/>
+                    </a:ext>
+                  </a:extLst>
+                </a:gridCol>
+                <a:gridCol w="406400">
+                  <a:extLst>
+                    <a:ext uri="{9D8B030D-6E8A-4147-A177-3AD203B41FA5}">
+                      <a16:colId xmlns:a16="http://schemas.microsoft.com/office/drawing/2014/main" val="1524311926"/>
+                    </a:ext>
+                  </a:extLst>
+                </a:gridCol>
+                <a:gridCol w="406400">
+                  <a:extLst>
+                    <a:ext uri="{9D8B030D-6E8A-4147-A177-3AD203B41FA5}">
+                      <a16:colId xmlns:a16="http://schemas.microsoft.com/office/drawing/2014/main" val="3881050891"/>
+                    </a:ext>
+                  </a:extLst>
+                </a:gridCol>
+                <a:gridCol w="406400">
+                  <a:extLst>
+                    <a:ext uri="{9D8B030D-6E8A-4147-A177-3AD203B41FA5}">
+                      <a16:colId xmlns:a16="http://schemas.microsoft.com/office/drawing/2014/main" val="1931707403"/>
+                    </a:ext>
+                  </a:extLst>
+                </a:gridCol>
+                <a:gridCol w="406400">
+                  <a:extLst>
+                    <a:ext uri="{9D8B030D-6E8A-4147-A177-3AD203B41FA5}">
+                      <a16:colId xmlns:a16="http://schemas.microsoft.com/office/drawing/2014/main" val="4196253283"/>
+                    </a:ext>
+                  </a:extLst>
+                </a:gridCol>
+                <a:gridCol w="406400">
+                  <a:extLst>
+                    <a:ext uri="{9D8B030D-6E8A-4147-A177-3AD203B41FA5}">
+                      <a16:colId xmlns:a16="http://schemas.microsoft.com/office/drawing/2014/main" val="342264775"/>
+                    </a:ext>
+                  </a:extLst>
+                </a:gridCol>
+                <a:gridCol w="406400">
+                  <a:extLst>
+                    <a:ext uri="{9D8B030D-6E8A-4147-A177-3AD203B41FA5}">
+                      <a16:colId xmlns:a16="http://schemas.microsoft.com/office/drawing/2014/main" val="28913360"/>
+                    </a:ext>
+                  </a:extLst>
+                </a:gridCol>
+              </a:tblGrid>
+              <a:tr h="370840">
+                <a:tc>
+                  <a:txBody>
+                    <a:bodyPr/>
+                    <a:lstStyle/>
+                    <a:p>
+                      <a:pPr algn="ctr"/>
+                      <a:r>
+                        <a:rPr lang="en-US" altLang="zh-CN" sz="2000" b="0" dirty="0">
+                          <a:latin typeface="Times New Roman" panose="02020603050405020304" pitchFamily="18" charset="0"/>
+                          <a:cs typeface="Times New Roman" panose="02020603050405020304" pitchFamily="18" charset="0"/>
+                        </a:rPr>
+                        <a:t>n</a:t>
+                      </a:r>
+                      <a:endParaRPr lang="zh-CN" altLang="en-US" sz="2000" b="0" dirty="0">
+                        <a:latin typeface="Times New Roman" panose="02020603050405020304" pitchFamily="18" charset="0"/>
+                        <a:cs typeface="Times New Roman" panose="02020603050405020304" pitchFamily="18" charset="0"/>
+                      </a:endParaRPr>
+                    </a:p>
+                  </a:txBody>
+                  <a:tcPr>
+                    <a:solidFill>
+                      <a:schemeClr val="accent5">
+                        <a:lumMod val="20000"/>
+                        <a:lumOff val="80000"/>
+                      </a:schemeClr>
+                    </a:solidFill>
+                  </a:tcPr>
+                </a:tc>
+                <a:tc>
+                  <a:txBody>
+                    <a:bodyPr/>
+                    <a:lstStyle/>
+                    <a:p>
+                      <a:pPr algn="ctr"/>
+                      <a:r>
+                        <a:rPr lang="en-US" altLang="zh-CN" sz="2000" b="0" dirty="0">
+                          <a:latin typeface="Times New Roman" panose="02020603050405020304" pitchFamily="18" charset="0"/>
+                          <a:cs typeface="Times New Roman" panose="02020603050405020304" pitchFamily="18" charset="0"/>
+                        </a:rPr>
+                        <a:t>u</a:t>
+                      </a:r>
+                      <a:endParaRPr lang="zh-CN" altLang="en-US" sz="2000" b="0" dirty="0">
+                        <a:latin typeface="Times New Roman" panose="02020603050405020304" pitchFamily="18" charset="0"/>
+                        <a:cs typeface="Times New Roman" panose="02020603050405020304" pitchFamily="18" charset="0"/>
+                      </a:endParaRPr>
+                    </a:p>
+                  </a:txBody>
+                  <a:tcPr>
+                    <a:solidFill>
+                      <a:schemeClr val="accent5">
+                        <a:lumMod val="20000"/>
+                        <a:lumOff val="80000"/>
+                      </a:schemeClr>
+                    </a:solidFill>
+                  </a:tcPr>
+                </a:tc>
+                <a:tc>
+                  <a:txBody>
+                    <a:bodyPr/>
+                    <a:lstStyle/>
+                    <a:p>
+                      <a:pPr algn="ctr"/>
+                      <a:r>
+                        <a:rPr lang="en-US" altLang="zh-CN" sz="2000" b="0" dirty="0">
+                          <a:latin typeface="Times New Roman" panose="02020603050405020304" pitchFamily="18" charset="0"/>
+                          <a:cs typeface="Times New Roman" panose="02020603050405020304" pitchFamily="18" charset="0"/>
+                        </a:rPr>
+                        <a:t>f</a:t>
+                      </a:r>
+                      <a:endParaRPr lang="zh-CN" altLang="en-US" sz="2000" b="0" dirty="0">
+                        <a:latin typeface="Times New Roman" panose="02020603050405020304" pitchFamily="18" charset="0"/>
+                        <a:cs typeface="Times New Roman" panose="02020603050405020304" pitchFamily="18" charset="0"/>
+                      </a:endParaRPr>
+                    </a:p>
+                  </a:txBody>
+                  <a:tcPr>
+                    <a:solidFill>
+                      <a:schemeClr val="accent5">
+                        <a:lumMod val="20000"/>
+                        <a:lumOff val="80000"/>
+                      </a:schemeClr>
+                    </a:solidFill>
+                  </a:tcPr>
+                </a:tc>
+                <a:tc>
+                  <a:txBody>
+                    <a:bodyPr/>
+                    <a:lstStyle/>
+                    <a:p>
+                      <a:pPr algn="ctr"/>
+                      <a:r>
+                        <a:rPr lang="en-US" altLang="zh-CN" sz="2000" b="0" dirty="0">
+                          <a:latin typeface="Times New Roman" panose="02020603050405020304" pitchFamily="18" charset="0"/>
+                          <a:cs typeface="Times New Roman" panose="02020603050405020304" pitchFamily="18" charset="0"/>
+                        </a:rPr>
+                        <a:t>f</a:t>
+                      </a:r>
+                      <a:endParaRPr lang="zh-CN" altLang="en-US" sz="2000" b="0" dirty="0">
+                        <a:latin typeface="Times New Roman" panose="02020603050405020304" pitchFamily="18" charset="0"/>
+                        <a:cs typeface="Times New Roman" panose="02020603050405020304" pitchFamily="18" charset="0"/>
+                      </a:endParaRPr>
+                    </a:p>
+                  </a:txBody>
+                  <a:tcPr/>
+                </a:tc>
+                <a:tc>
+                  <a:txBody>
+                    <a:bodyPr/>
+                    <a:lstStyle/>
+                    <a:p>
+                      <a:pPr algn="ctr"/>
+                      <a:endParaRPr lang="zh-CN" altLang="en-US" sz="2000" b="0" dirty="0">
+                        <a:latin typeface="Times New Roman" panose="02020603050405020304" pitchFamily="18" charset="0"/>
+                        <a:cs typeface="Times New Roman" panose="02020603050405020304" pitchFamily="18" charset="0"/>
+                      </a:endParaRPr>
+                    </a:p>
+                  </a:txBody>
+                  <a:tcPr/>
+                </a:tc>
+                <a:tc>
+                  <a:txBody>
+                    <a:bodyPr/>
+                    <a:lstStyle/>
+                    <a:p>
+                      <a:pPr algn="ctr"/>
+                      <a:r>
+                        <a:rPr lang="en-US" altLang="zh-CN" sz="2000" b="0" dirty="0">
+                          <a:latin typeface="Times New Roman" panose="02020603050405020304" pitchFamily="18" charset="0"/>
+                          <a:cs typeface="Times New Roman" panose="02020603050405020304" pitchFamily="18" charset="0"/>
+                        </a:rPr>
+                        <a:t>s</a:t>
+                      </a:r>
+                      <a:endParaRPr lang="zh-CN" altLang="en-US" sz="2000" b="0" dirty="0">
+                        <a:latin typeface="Times New Roman" panose="02020603050405020304" pitchFamily="18" charset="0"/>
+                        <a:cs typeface="Times New Roman" panose="02020603050405020304" pitchFamily="18" charset="0"/>
+                      </a:endParaRPr>
+                    </a:p>
+                  </a:txBody>
+                  <a:tcPr/>
+                </a:tc>
+                <a:tc>
+                  <a:txBody>
+                    <a:bodyPr/>
+                    <a:lstStyle/>
+                    <a:p>
+                      <a:pPr algn="ctr"/>
+                      <a:r>
+                        <a:rPr lang="en-US" altLang="zh-CN" sz="2000" b="0" dirty="0" err="1">
+                          <a:latin typeface="Times New Roman" panose="02020603050405020304" pitchFamily="18" charset="0"/>
+                          <a:cs typeface="Times New Roman" panose="02020603050405020304" pitchFamily="18" charset="0"/>
+                        </a:rPr>
+                        <a:t>i</a:t>
+                      </a:r>
+                      <a:endParaRPr lang="zh-CN" altLang="en-US" sz="2000" b="0" dirty="0">
+                        <a:latin typeface="Times New Roman" panose="02020603050405020304" pitchFamily="18" charset="0"/>
+                        <a:cs typeface="Times New Roman" panose="02020603050405020304" pitchFamily="18" charset="0"/>
+                      </a:endParaRPr>
+                    </a:p>
+                  </a:txBody>
+                  <a:tcPr/>
+                </a:tc>
+                <a:tc>
+                  <a:txBody>
+                    <a:bodyPr/>
+                    <a:lstStyle/>
+                    <a:p>
+                      <a:pPr algn="ctr"/>
+                      <a:endParaRPr lang="zh-CN" altLang="en-US" sz="2000" b="0" dirty="0">
+                        <a:latin typeface="Times New Roman" panose="02020603050405020304" pitchFamily="18" charset="0"/>
+                        <a:cs typeface="Times New Roman" panose="02020603050405020304" pitchFamily="18" charset="0"/>
+                      </a:endParaRPr>
+                    </a:p>
+                  </a:txBody>
+                  <a:tcPr/>
+                </a:tc>
+                <a:tc>
+                  <a:txBody>
+                    <a:bodyPr/>
+                    <a:lstStyle/>
+                    <a:p>
+                      <a:pPr algn="ctr"/>
+                      <a:r>
+                        <a:rPr lang="en-US" altLang="zh-CN" sz="2000" b="0" dirty="0">
+                          <a:latin typeface="Times New Roman" panose="02020603050405020304" pitchFamily="18" charset="0"/>
+                          <a:cs typeface="Times New Roman" panose="02020603050405020304" pitchFamily="18" charset="0"/>
+                        </a:rPr>
+                        <a:t>e</a:t>
+                      </a:r>
+                      <a:endParaRPr lang="zh-CN" altLang="en-US" sz="2000" b="0" dirty="0">
+                        <a:latin typeface="Times New Roman" panose="02020603050405020304" pitchFamily="18" charset="0"/>
+                        <a:cs typeface="Times New Roman" panose="02020603050405020304" pitchFamily="18" charset="0"/>
+                      </a:endParaRPr>
+                    </a:p>
+                  </a:txBody>
+                  <a:tcPr/>
+                </a:tc>
+                <a:tc>
+                  <a:txBody>
+                    <a:bodyPr/>
+                    <a:lstStyle/>
+                    <a:p>
+                      <a:pPr algn="ctr"/>
+                      <a:r>
+                        <a:rPr lang="en-US" altLang="zh-CN" sz="2000" b="0" dirty="0">
+                          <a:latin typeface="Times New Roman" panose="02020603050405020304" pitchFamily="18" charset="0"/>
+                          <a:cs typeface="Times New Roman" panose="02020603050405020304" pitchFamily="18" charset="0"/>
+                        </a:rPr>
+                        <a:t>d</a:t>
+                      </a:r>
+                      <a:endParaRPr lang="zh-CN" altLang="en-US" sz="2000" b="0" dirty="0">
+                        <a:latin typeface="Times New Roman" panose="02020603050405020304" pitchFamily="18" charset="0"/>
+                        <a:cs typeface="Times New Roman" panose="02020603050405020304" pitchFamily="18" charset="0"/>
+                      </a:endParaRPr>
+                    </a:p>
+                  </a:txBody>
+                  <a:tcPr/>
+                </a:tc>
+                <a:tc>
+                  <a:txBody>
+                    <a:bodyPr/>
+                    <a:lstStyle/>
+                    <a:p>
+                      <a:pPr algn="ctr"/>
+                      <a:r>
+                        <a:rPr lang="en-US" altLang="zh-CN" sz="2000" b="0" dirty="0">
+                          <a:latin typeface="Times New Roman" panose="02020603050405020304" pitchFamily="18" charset="0"/>
+                          <a:cs typeface="Times New Roman" panose="02020603050405020304" pitchFamily="18" charset="0"/>
+                        </a:rPr>
+                        <a:t>o</a:t>
+                      </a:r>
+                      <a:endParaRPr lang="zh-CN" altLang="en-US" sz="2000" b="0" dirty="0">
+                        <a:latin typeface="Times New Roman" panose="02020603050405020304" pitchFamily="18" charset="0"/>
+                        <a:cs typeface="Times New Roman" panose="02020603050405020304" pitchFamily="18" charset="0"/>
+                      </a:endParaRPr>
+                    </a:p>
+                  </a:txBody>
+                  <a:tcPr/>
+                </a:tc>
+                <a:tc>
+                  <a:txBody>
+                    <a:bodyPr/>
+                    <a:lstStyle/>
+                    <a:p>
+                      <a:pPr algn="ctr"/>
+                      <a:r>
+                        <a:rPr lang="en-US" altLang="zh-CN" sz="2000" b="0" dirty="0">
+                          <a:latin typeface="Times New Roman" panose="02020603050405020304" pitchFamily="18" charset="0"/>
+                          <a:cs typeface="Times New Roman" panose="02020603050405020304" pitchFamily="18" charset="0"/>
+                        </a:rPr>
+                        <a:t>c</a:t>
+                      </a:r>
+                      <a:endParaRPr lang="zh-CN" altLang="en-US" sz="2000" b="0" dirty="0">
+                        <a:latin typeface="Times New Roman" panose="02020603050405020304" pitchFamily="18" charset="0"/>
+                        <a:cs typeface="Times New Roman" panose="02020603050405020304" pitchFamily="18" charset="0"/>
+                      </a:endParaRPr>
+                    </a:p>
+                  </a:txBody>
+                  <a:tcPr/>
+                </a:tc>
+                <a:tc>
+                  <a:txBody>
+                    <a:bodyPr/>
+                    <a:lstStyle/>
+                    <a:p>
+                      <a:pPr algn="ctr"/>
+                      <a:endParaRPr lang="zh-CN" altLang="en-US" sz="2000" b="0" dirty="0">
+                        <a:latin typeface="Times New Roman" panose="02020603050405020304" pitchFamily="18" charset="0"/>
+                        <a:cs typeface="Times New Roman" panose="02020603050405020304" pitchFamily="18" charset="0"/>
+                      </a:endParaRPr>
+                    </a:p>
+                  </a:txBody>
+                  <a:tcPr/>
+                </a:tc>
+                <a:tc>
+                  <a:txBody>
+                    <a:bodyPr/>
+                    <a:lstStyle/>
+                    <a:p>
+                      <a:pPr algn="ctr"/>
+                      <a:endParaRPr lang="zh-CN" altLang="en-US" sz="2000" b="0" dirty="0">
+                        <a:latin typeface="Times New Roman" panose="02020603050405020304" pitchFamily="18" charset="0"/>
+                        <a:cs typeface="Times New Roman" panose="02020603050405020304" pitchFamily="18" charset="0"/>
+                      </a:endParaRPr>
+                    </a:p>
+                  </a:txBody>
+                  <a:tcPr/>
+                </a:tc>
+                <a:extLst>
+                  <a:ext uri="{0D108BD9-81ED-4DB2-BD59-A6C34878D82A}">
+                    <a16:rowId xmlns:a16="http://schemas.microsoft.com/office/drawing/2014/main" val="3732229575"/>
+                  </a:ext>
+                </a:extLst>
+              </a:tr>
+            </a:tbl>
+          </a:graphicData>
+        </a:graphic>
+      </p:graphicFrame>
+      <p:grpSp>
+        <p:nvGrpSpPr>
+          <p:cNvPr id="36" name="组合 35">
+            <a:extLst>
+              <a:ext uri="{FF2B5EF4-FFF2-40B4-BE49-F238E27FC236}">
+                <a16:creationId xmlns:a16="http://schemas.microsoft.com/office/drawing/2014/main" id="{26E31F45-6D77-4ECE-B1C7-A33A2E160370}"/>
+              </a:ext>
+            </a:extLst>
+          </p:cNvPr>
+          <p:cNvGrpSpPr/>
+          <p:nvPr/>
+        </p:nvGrpSpPr>
+        <p:grpSpPr>
+          <a:xfrm>
+            <a:off x="3530599" y="3653285"/>
+            <a:ext cx="677333" cy="610880"/>
+            <a:chOff x="4732865" y="3593626"/>
+            <a:chExt cx="677333" cy="610880"/>
+          </a:xfrm>
+        </p:grpSpPr>
+        <p:cxnSp>
+          <p:nvCxnSpPr>
+            <p:cNvPr id="16" name="直接箭头连接符 15">
+              <a:extLst>
+                <a:ext uri="{FF2B5EF4-FFF2-40B4-BE49-F238E27FC236}">
+                  <a16:creationId xmlns:a16="http://schemas.microsoft.com/office/drawing/2014/main" id="{544B5BA8-697F-4706-95E8-CC28B848FF1E}"/>
+                </a:ext>
+              </a:extLst>
+            </p:cNvPr>
+            <p:cNvCxnSpPr>
+              <a:cxnSpLocks/>
+            </p:cNvCxnSpPr>
+            <p:nvPr/>
+          </p:nvCxnSpPr>
+          <p:spPr>
+            <a:xfrm flipV="1">
+              <a:off x="5071532" y="3593626"/>
+              <a:ext cx="0" cy="305375"/>
+            </a:xfrm>
+            <a:prstGeom prst="straightConnector1">
+              <a:avLst/>
+            </a:prstGeom>
+            <a:ln w="19050">
+              <a:tailEnd type="triangle"/>
+            </a:ln>
+          </p:spPr>
+          <p:style>
+            <a:lnRef idx="1">
+              <a:schemeClr val="dk1"/>
+            </a:lnRef>
+            <a:fillRef idx="0">
+              <a:schemeClr val="dk1"/>
+            </a:fillRef>
+            <a:effectRef idx="0">
+              <a:schemeClr val="dk1"/>
+            </a:effectRef>
+            <a:fontRef idx="minor">
+              <a:schemeClr val="tx1"/>
+            </a:fontRef>
+          </p:style>
+        </p:cxnSp>
+        <p:sp>
+          <p:nvSpPr>
+            <p:cNvPr id="20" name="文本框 19">
+              <a:extLst>
+                <a:ext uri="{FF2B5EF4-FFF2-40B4-BE49-F238E27FC236}">
+                  <a16:creationId xmlns:a16="http://schemas.microsoft.com/office/drawing/2014/main" id="{87F062BB-D34A-4F30-A5F5-AF944F32A347}"/>
+                </a:ext>
+              </a:extLst>
+            </p:cNvPr>
+            <p:cNvSpPr txBox="1"/>
+            <p:nvPr/>
+          </p:nvSpPr>
+          <p:spPr>
+            <a:xfrm>
+              <a:off x="4732865" y="3927507"/>
+              <a:ext cx="677333" cy="276999"/>
+            </a:xfrm>
+            <a:prstGeom prst="rect">
+              <a:avLst/>
+            </a:prstGeom>
+            <a:noFill/>
+          </p:spPr>
+          <p:txBody>
+            <a:bodyPr wrap="square" lIns="0" tIns="0" rIns="0" bIns="0" rtlCol="0">
+              <a:spAutoFit/>
+            </a:bodyPr>
+            <a:lstStyle/>
+            <a:p>
+              <a:pPr algn="ctr"/>
+              <a:r>
+                <a:rPr lang="en-US" altLang="zh-CN" dirty="0" err="1">
+                  <a:latin typeface="Times New Roman" panose="02020603050405020304" pitchFamily="18" charset="0"/>
+                  <a:ea typeface="宋体" panose="02010600030101010101" pitchFamily="2" charset="-122"/>
+                </a:rPr>
+                <a:t>idx</a:t>
+              </a:r>
+              <a:endParaRPr lang="zh-CN" altLang="en-US" dirty="0">
+                <a:latin typeface="Times New Roman" panose="02020603050405020304" pitchFamily="18" charset="0"/>
+                <a:ea typeface="宋体" panose="02010600030101010101" pitchFamily="2" charset="-122"/>
+              </a:endParaRPr>
+            </a:p>
+          </p:txBody>
+        </p:sp>
+      </p:grpSp>
+      <p:grpSp>
+        <p:nvGrpSpPr>
+          <p:cNvPr id="35" name="组合 34">
+            <a:extLst>
+              <a:ext uri="{FF2B5EF4-FFF2-40B4-BE49-F238E27FC236}">
+                <a16:creationId xmlns:a16="http://schemas.microsoft.com/office/drawing/2014/main" id="{9D7DC05D-CDAF-4C4F-969B-351031BE4705}"/>
+              </a:ext>
+            </a:extLst>
+          </p:cNvPr>
+          <p:cNvGrpSpPr/>
+          <p:nvPr/>
+        </p:nvGrpSpPr>
+        <p:grpSpPr>
+          <a:xfrm>
+            <a:off x="3725336" y="2478215"/>
+            <a:ext cx="1100667" cy="627024"/>
+            <a:chOff x="4521198" y="2503416"/>
+            <a:chExt cx="1100667" cy="627024"/>
+          </a:xfrm>
+        </p:grpSpPr>
+        <p:sp>
+          <p:nvSpPr>
+            <p:cNvPr id="22" name="文本框 21">
+              <a:extLst>
+                <a:ext uri="{FF2B5EF4-FFF2-40B4-BE49-F238E27FC236}">
+                  <a16:creationId xmlns:a16="http://schemas.microsoft.com/office/drawing/2014/main" id="{164DCE27-D1FF-4866-8DB6-A09985BA0D19}"/>
+                </a:ext>
+              </a:extLst>
+            </p:cNvPr>
+            <p:cNvSpPr txBox="1"/>
+            <p:nvPr/>
+          </p:nvSpPr>
+          <p:spPr>
+            <a:xfrm>
+              <a:off x="4521198" y="2503416"/>
+              <a:ext cx="1100667" cy="276999"/>
+            </a:xfrm>
+            <a:prstGeom prst="rect">
+              <a:avLst/>
+            </a:prstGeom>
+            <a:noFill/>
+          </p:spPr>
+          <p:txBody>
+            <a:bodyPr wrap="square" lIns="0" tIns="0" rIns="0" bIns="0" rtlCol="0">
+              <a:spAutoFit/>
+            </a:bodyPr>
+            <a:lstStyle/>
+            <a:p>
+              <a:pPr algn="ctr"/>
+              <a:r>
+                <a:rPr lang="en-US" altLang="zh-CN" dirty="0">
+                  <a:latin typeface="Times New Roman" panose="02020603050405020304" pitchFamily="18" charset="0"/>
+                  <a:ea typeface="宋体" panose="02010600030101010101" pitchFamily="2" charset="-122"/>
+                </a:rPr>
+                <a:t>end</a:t>
+              </a:r>
+              <a:endParaRPr lang="zh-CN" altLang="en-US" dirty="0">
+                <a:latin typeface="Times New Roman" panose="02020603050405020304" pitchFamily="18" charset="0"/>
+                <a:ea typeface="宋体" panose="02010600030101010101" pitchFamily="2" charset="-122"/>
+              </a:endParaRPr>
+            </a:p>
+          </p:txBody>
+        </p:sp>
+        <p:cxnSp>
+          <p:nvCxnSpPr>
+            <p:cNvPr id="27" name="直接箭头连接符 26">
+              <a:extLst>
+                <a:ext uri="{FF2B5EF4-FFF2-40B4-BE49-F238E27FC236}">
+                  <a16:creationId xmlns:a16="http://schemas.microsoft.com/office/drawing/2014/main" id="{5812DE14-AF01-4B17-8942-25169222DB6B}"/>
+                </a:ext>
+              </a:extLst>
+            </p:cNvPr>
+            <p:cNvCxnSpPr>
+              <a:cxnSpLocks/>
+            </p:cNvCxnSpPr>
+            <p:nvPr/>
+          </p:nvCxnSpPr>
+          <p:spPr>
+            <a:xfrm rot="10800000" flipV="1">
+              <a:off x="5071533" y="2825065"/>
+              <a:ext cx="0" cy="305375"/>
+            </a:xfrm>
+            <a:prstGeom prst="straightConnector1">
+              <a:avLst/>
+            </a:prstGeom>
+            <a:ln w="19050">
+              <a:tailEnd type="triangle"/>
+            </a:ln>
+          </p:spPr>
+          <p:style>
+            <a:lnRef idx="1">
+              <a:schemeClr val="dk1"/>
+            </a:lnRef>
+            <a:fillRef idx="0">
+              <a:schemeClr val="dk1"/>
+            </a:fillRef>
+            <a:effectRef idx="0">
+              <a:schemeClr val="dk1"/>
+            </a:effectRef>
+            <a:fontRef idx="minor">
+              <a:schemeClr val="tx1"/>
+            </a:fontRef>
+          </p:style>
+        </p:cxnSp>
+      </p:grpSp>
+      <p:grpSp>
+        <p:nvGrpSpPr>
+          <p:cNvPr id="34" name="组合 33">
+            <a:extLst>
+              <a:ext uri="{FF2B5EF4-FFF2-40B4-BE49-F238E27FC236}">
+                <a16:creationId xmlns:a16="http://schemas.microsoft.com/office/drawing/2014/main" id="{35CA6E56-6A9B-4BED-BDBF-3F92912FC42C}"/>
+              </a:ext>
+            </a:extLst>
+          </p:cNvPr>
+          <p:cNvGrpSpPr/>
+          <p:nvPr/>
+        </p:nvGrpSpPr>
+        <p:grpSpPr>
+          <a:xfrm>
+            <a:off x="2500002" y="2475370"/>
+            <a:ext cx="1100667" cy="627024"/>
+            <a:chOff x="2904065" y="2499103"/>
+            <a:chExt cx="1100667" cy="627024"/>
+          </a:xfrm>
+        </p:grpSpPr>
+        <p:sp>
+          <p:nvSpPr>
+            <p:cNvPr id="30" name="文本框 29">
+              <a:extLst>
+                <a:ext uri="{FF2B5EF4-FFF2-40B4-BE49-F238E27FC236}">
+                  <a16:creationId xmlns:a16="http://schemas.microsoft.com/office/drawing/2014/main" id="{A10AC065-0868-4B7A-98C2-C617CCB0C178}"/>
+                </a:ext>
+              </a:extLst>
+            </p:cNvPr>
+            <p:cNvSpPr txBox="1"/>
+            <p:nvPr/>
+          </p:nvSpPr>
+          <p:spPr>
+            <a:xfrm>
+              <a:off x="2904065" y="2499103"/>
+              <a:ext cx="1100667" cy="276999"/>
+            </a:xfrm>
+            <a:prstGeom prst="rect">
+              <a:avLst/>
+            </a:prstGeom>
+            <a:noFill/>
+          </p:spPr>
+          <p:txBody>
+            <a:bodyPr wrap="square" lIns="0" tIns="0" rIns="0" bIns="0" rtlCol="0">
+              <a:spAutoFit/>
+            </a:bodyPr>
+            <a:lstStyle/>
+            <a:p>
+              <a:pPr algn="ctr"/>
+              <a:r>
+                <a:rPr lang="en-US" altLang="zh-CN" dirty="0">
+                  <a:latin typeface="Times New Roman" panose="02020603050405020304" pitchFamily="18" charset="0"/>
+                  <a:ea typeface="宋体" panose="02010600030101010101" pitchFamily="2" charset="-122"/>
+                </a:rPr>
+                <a:t>start</a:t>
+              </a:r>
+              <a:endParaRPr lang="zh-CN" altLang="en-US" dirty="0">
+                <a:latin typeface="Times New Roman" panose="02020603050405020304" pitchFamily="18" charset="0"/>
+                <a:ea typeface="宋体" panose="02010600030101010101" pitchFamily="2" charset="-122"/>
+              </a:endParaRPr>
+            </a:p>
+          </p:txBody>
+        </p:sp>
+        <p:cxnSp>
+          <p:nvCxnSpPr>
+            <p:cNvPr id="31" name="直接箭头连接符 30">
+              <a:extLst>
+                <a:ext uri="{FF2B5EF4-FFF2-40B4-BE49-F238E27FC236}">
+                  <a16:creationId xmlns:a16="http://schemas.microsoft.com/office/drawing/2014/main" id="{52AFA18F-1DDA-4CB9-BADF-03C52851DECD}"/>
+                </a:ext>
+              </a:extLst>
+            </p:cNvPr>
+            <p:cNvCxnSpPr>
+              <a:cxnSpLocks/>
+            </p:cNvCxnSpPr>
+            <p:nvPr/>
+          </p:nvCxnSpPr>
+          <p:spPr>
+            <a:xfrm rot="10800000" flipV="1">
+              <a:off x="3454400" y="2820752"/>
+              <a:ext cx="0" cy="305375"/>
+            </a:xfrm>
+            <a:prstGeom prst="straightConnector1">
+              <a:avLst/>
+            </a:prstGeom>
+            <a:ln w="19050">
+              <a:tailEnd type="triangle"/>
+            </a:ln>
+          </p:spPr>
+          <p:style>
+            <a:lnRef idx="1">
+              <a:schemeClr val="dk1"/>
+            </a:lnRef>
+            <a:fillRef idx="0">
+              <a:schemeClr val="dk1"/>
+            </a:fillRef>
+            <a:effectRef idx="0">
+              <a:schemeClr val="dk1"/>
+            </a:effectRef>
+            <a:fontRef idx="minor">
+              <a:schemeClr val="tx1"/>
+            </a:fontRef>
+          </p:style>
+        </p:cxnSp>
+      </p:grpSp>
+      <p:graphicFrame>
+        <p:nvGraphicFramePr>
+          <p:cNvPr id="32" name="表格 4">
+            <a:extLst>
+              <a:ext uri="{FF2B5EF4-FFF2-40B4-BE49-F238E27FC236}">
+                <a16:creationId xmlns:a16="http://schemas.microsoft.com/office/drawing/2014/main" id="{BA95CF2C-BF04-441F-BD61-515A0649072F}"/>
+              </a:ext>
+            </a:extLst>
+          </p:cNvPr>
+          <p:cNvGraphicFramePr>
+            <a:graphicFrameLocks noGrp="1"/>
+          </p:cNvGraphicFramePr>
+          <p:nvPr>
+            <p:extLst>
+              <p:ext uri="{D42A27DB-BD31-4B8C-83A1-F6EECF244321}">
+                <p14:modId xmlns:p14="http://schemas.microsoft.com/office/powerpoint/2010/main" val="1397125982"/>
+              </p:ext>
+            </p:extLst>
+          </p:nvPr>
+        </p:nvGraphicFramePr>
+        <p:xfrm>
+          <a:off x="2440733" y="814114"/>
+          <a:ext cx="5689600" cy="396240"/>
+        </p:xfrm>
+        <a:graphic>
+          <a:graphicData uri="http://schemas.openxmlformats.org/drawingml/2006/table">
+            <a:tbl>
+              <a:tblPr firstRow="1" bandRow="1">
+                <a:tableStyleId>{5940675A-B579-460E-94D1-54222C63F5DA}</a:tableStyleId>
+              </a:tblPr>
+              <a:tblGrid>
+                <a:gridCol w="406400">
+                  <a:extLst>
+                    <a:ext uri="{9D8B030D-6E8A-4147-A177-3AD203B41FA5}">
+                      <a16:colId xmlns:a16="http://schemas.microsoft.com/office/drawing/2014/main" val="724645724"/>
+                    </a:ext>
+                  </a:extLst>
+                </a:gridCol>
+                <a:gridCol w="406400">
+                  <a:extLst>
+                    <a:ext uri="{9D8B030D-6E8A-4147-A177-3AD203B41FA5}">
+                      <a16:colId xmlns:a16="http://schemas.microsoft.com/office/drawing/2014/main" val="1836722532"/>
+                    </a:ext>
+                  </a:extLst>
+                </a:gridCol>
+                <a:gridCol w="406400">
+                  <a:extLst>
+                    <a:ext uri="{9D8B030D-6E8A-4147-A177-3AD203B41FA5}">
+                      <a16:colId xmlns:a16="http://schemas.microsoft.com/office/drawing/2014/main" val="3009865464"/>
+                    </a:ext>
+                  </a:extLst>
+                </a:gridCol>
+                <a:gridCol w="406400">
+                  <a:extLst>
+                    <a:ext uri="{9D8B030D-6E8A-4147-A177-3AD203B41FA5}">
+                      <a16:colId xmlns:a16="http://schemas.microsoft.com/office/drawing/2014/main" val="2013969288"/>
+                    </a:ext>
+                  </a:extLst>
+                </a:gridCol>
+                <a:gridCol w="406400">
+                  <a:extLst>
+                    <a:ext uri="{9D8B030D-6E8A-4147-A177-3AD203B41FA5}">
+                      <a16:colId xmlns:a16="http://schemas.microsoft.com/office/drawing/2014/main" val="2573172242"/>
+                    </a:ext>
+                  </a:extLst>
+                </a:gridCol>
+                <a:gridCol w="406400">
+                  <a:extLst>
+                    <a:ext uri="{9D8B030D-6E8A-4147-A177-3AD203B41FA5}">
+                      <a16:colId xmlns:a16="http://schemas.microsoft.com/office/drawing/2014/main" val="1176554396"/>
+                    </a:ext>
+                  </a:extLst>
+                </a:gridCol>
+                <a:gridCol w="406400">
+                  <a:extLst>
+                    <a:ext uri="{9D8B030D-6E8A-4147-A177-3AD203B41FA5}">
+                      <a16:colId xmlns:a16="http://schemas.microsoft.com/office/drawing/2014/main" val="2148932215"/>
+                    </a:ext>
+                  </a:extLst>
+                </a:gridCol>
+                <a:gridCol w="406400">
+                  <a:extLst>
+                    <a:ext uri="{9D8B030D-6E8A-4147-A177-3AD203B41FA5}">
+                      <a16:colId xmlns:a16="http://schemas.microsoft.com/office/drawing/2014/main" val="1914188605"/>
+                    </a:ext>
+                  </a:extLst>
+                </a:gridCol>
+                <a:gridCol w="406400">
+                  <a:extLst>
+                    <a:ext uri="{9D8B030D-6E8A-4147-A177-3AD203B41FA5}">
+                      <a16:colId xmlns:a16="http://schemas.microsoft.com/office/drawing/2014/main" val="1524311926"/>
+                    </a:ext>
+                  </a:extLst>
+                </a:gridCol>
+                <a:gridCol w="406400">
+                  <a:extLst>
+                    <a:ext uri="{9D8B030D-6E8A-4147-A177-3AD203B41FA5}">
+                      <a16:colId xmlns:a16="http://schemas.microsoft.com/office/drawing/2014/main" val="3881050891"/>
+                    </a:ext>
+                  </a:extLst>
+                </a:gridCol>
+                <a:gridCol w="406400">
+                  <a:extLst>
+                    <a:ext uri="{9D8B030D-6E8A-4147-A177-3AD203B41FA5}">
+                      <a16:colId xmlns:a16="http://schemas.microsoft.com/office/drawing/2014/main" val="1931707403"/>
+                    </a:ext>
+                  </a:extLst>
+                </a:gridCol>
+                <a:gridCol w="406400">
+                  <a:extLst>
+                    <a:ext uri="{9D8B030D-6E8A-4147-A177-3AD203B41FA5}">
+                      <a16:colId xmlns:a16="http://schemas.microsoft.com/office/drawing/2014/main" val="4196253283"/>
+                    </a:ext>
+                  </a:extLst>
+                </a:gridCol>
+                <a:gridCol w="406400">
+                  <a:extLst>
+                    <a:ext uri="{9D8B030D-6E8A-4147-A177-3AD203B41FA5}">
+                      <a16:colId xmlns:a16="http://schemas.microsoft.com/office/drawing/2014/main" val="342264775"/>
+                    </a:ext>
+                  </a:extLst>
+                </a:gridCol>
+                <a:gridCol w="406400">
+                  <a:extLst>
+                    <a:ext uri="{9D8B030D-6E8A-4147-A177-3AD203B41FA5}">
+                      <a16:colId xmlns:a16="http://schemas.microsoft.com/office/drawing/2014/main" val="28913360"/>
+                    </a:ext>
+                  </a:extLst>
+                </a:gridCol>
+              </a:tblGrid>
+              <a:tr h="370840">
+                <a:tc>
+                  <a:txBody>
+                    <a:bodyPr/>
+                    <a:lstStyle/>
+                    <a:p>
+                      <a:pPr algn="ctr"/>
+                      <a:endParaRPr lang="zh-CN" altLang="en-US" sz="2000" b="0" dirty="0">
+                        <a:latin typeface="Times New Roman" panose="02020603050405020304" pitchFamily="18" charset="0"/>
+                        <a:cs typeface="Times New Roman" panose="02020603050405020304" pitchFamily="18" charset="0"/>
+                      </a:endParaRPr>
+                    </a:p>
+                  </a:txBody>
+                  <a:tcPr/>
+                </a:tc>
+                <a:tc>
+                  <a:txBody>
+                    <a:bodyPr/>
+                    <a:lstStyle/>
+                    <a:p>
+                      <a:pPr algn="ctr"/>
+                      <a:endParaRPr lang="zh-CN" altLang="en-US" sz="2000" b="0" dirty="0">
+                        <a:latin typeface="Times New Roman" panose="02020603050405020304" pitchFamily="18" charset="0"/>
+                        <a:cs typeface="Times New Roman" panose="02020603050405020304" pitchFamily="18" charset="0"/>
+                      </a:endParaRPr>
+                    </a:p>
+                  </a:txBody>
+                  <a:tcPr/>
+                </a:tc>
+                <a:tc>
+                  <a:txBody>
+                    <a:bodyPr/>
+                    <a:lstStyle/>
+                    <a:p>
+                      <a:pPr algn="ctr"/>
+                      <a:r>
+                        <a:rPr lang="en-US" altLang="zh-CN" sz="2000" b="0" dirty="0">
+                          <a:latin typeface="Times New Roman" panose="02020603050405020304" pitchFamily="18" charset="0"/>
+                          <a:cs typeface="Times New Roman" panose="02020603050405020304" pitchFamily="18" charset="0"/>
+                        </a:rPr>
+                        <a:t>c</a:t>
+                      </a:r>
+                      <a:endParaRPr lang="zh-CN" altLang="en-US" sz="2000" b="0" dirty="0">
+                        <a:latin typeface="Times New Roman" panose="02020603050405020304" pitchFamily="18" charset="0"/>
+                        <a:cs typeface="Times New Roman" panose="02020603050405020304" pitchFamily="18" charset="0"/>
+                      </a:endParaRPr>
+                    </a:p>
+                  </a:txBody>
+                  <a:tcPr/>
+                </a:tc>
+                <a:tc>
+                  <a:txBody>
+                    <a:bodyPr/>
+                    <a:lstStyle/>
+                    <a:p>
+                      <a:pPr algn="ctr"/>
+                      <a:r>
+                        <a:rPr lang="en-US" altLang="zh-CN" sz="2000" b="0" dirty="0">
+                          <a:latin typeface="Times New Roman" panose="02020603050405020304" pitchFamily="18" charset="0"/>
+                          <a:cs typeface="Times New Roman" panose="02020603050405020304" pitchFamily="18" charset="0"/>
+                        </a:rPr>
+                        <a:t>o</a:t>
+                      </a:r>
+                      <a:endParaRPr lang="zh-CN" altLang="en-US" sz="2000" b="0" dirty="0">
+                        <a:latin typeface="Times New Roman" panose="02020603050405020304" pitchFamily="18" charset="0"/>
+                        <a:cs typeface="Times New Roman" panose="02020603050405020304" pitchFamily="18" charset="0"/>
+                      </a:endParaRPr>
+                    </a:p>
+                  </a:txBody>
+                  <a:tcPr/>
+                </a:tc>
+                <a:tc>
+                  <a:txBody>
+                    <a:bodyPr/>
+                    <a:lstStyle/>
+                    <a:p>
+                      <a:pPr algn="ctr"/>
+                      <a:r>
+                        <a:rPr lang="en-US" altLang="zh-CN" sz="2000" b="0" dirty="0">
+                          <a:latin typeface="Times New Roman" panose="02020603050405020304" pitchFamily="18" charset="0"/>
+                          <a:cs typeface="Times New Roman" panose="02020603050405020304" pitchFamily="18" charset="0"/>
+                        </a:rPr>
+                        <a:t>d</a:t>
+                      </a:r>
+                      <a:endParaRPr lang="zh-CN" altLang="en-US" sz="2000" b="0" dirty="0">
+                        <a:latin typeface="Times New Roman" panose="02020603050405020304" pitchFamily="18" charset="0"/>
+                        <a:cs typeface="Times New Roman" panose="02020603050405020304" pitchFamily="18" charset="0"/>
+                      </a:endParaRPr>
+                    </a:p>
+                  </a:txBody>
+                  <a:tcPr/>
+                </a:tc>
+                <a:tc>
+                  <a:txBody>
+                    <a:bodyPr/>
+                    <a:lstStyle/>
+                    <a:p>
+                      <a:pPr algn="ctr"/>
+                      <a:r>
+                        <a:rPr lang="en-US" altLang="zh-CN" sz="2000" b="0" dirty="0">
+                          <a:latin typeface="Times New Roman" panose="02020603050405020304" pitchFamily="18" charset="0"/>
+                          <a:cs typeface="Times New Roman" panose="02020603050405020304" pitchFamily="18" charset="0"/>
+                        </a:rPr>
+                        <a:t>e</a:t>
+                      </a:r>
+                      <a:endParaRPr lang="zh-CN" altLang="en-US" sz="2000" b="0" dirty="0">
+                        <a:latin typeface="Times New Roman" panose="02020603050405020304" pitchFamily="18" charset="0"/>
+                        <a:cs typeface="Times New Roman" panose="02020603050405020304" pitchFamily="18" charset="0"/>
+                      </a:endParaRPr>
+                    </a:p>
+                  </a:txBody>
+                  <a:tcPr/>
+                </a:tc>
+                <a:tc>
+                  <a:txBody>
+                    <a:bodyPr/>
+                    <a:lstStyle/>
+                    <a:p>
+                      <a:pPr algn="ctr"/>
+                      <a:endParaRPr lang="zh-CN" altLang="en-US" sz="2000" b="0" dirty="0">
+                        <a:latin typeface="Times New Roman" panose="02020603050405020304" pitchFamily="18" charset="0"/>
+                        <a:cs typeface="Times New Roman" panose="02020603050405020304" pitchFamily="18" charset="0"/>
+                      </a:endParaRPr>
+                    </a:p>
+                  </a:txBody>
+                  <a:tcPr/>
+                </a:tc>
+                <a:tc>
+                  <a:txBody>
+                    <a:bodyPr/>
+                    <a:lstStyle/>
+                    <a:p>
+                      <a:pPr algn="ctr"/>
+                      <a:r>
+                        <a:rPr lang="en-US" altLang="zh-CN" sz="2000" b="0" dirty="0" err="1">
+                          <a:latin typeface="Times New Roman" panose="02020603050405020304" pitchFamily="18" charset="0"/>
+                          <a:cs typeface="Times New Roman" panose="02020603050405020304" pitchFamily="18" charset="0"/>
+                        </a:rPr>
+                        <a:t>i</a:t>
+                      </a:r>
+                      <a:endParaRPr lang="zh-CN" altLang="en-US" sz="2000" b="0" dirty="0">
+                        <a:latin typeface="Times New Roman" panose="02020603050405020304" pitchFamily="18" charset="0"/>
+                        <a:cs typeface="Times New Roman" panose="02020603050405020304" pitchFamily="18" charset="0"/>
+                      </a:endParaRPr>
+                    </a:p>
+                  </a:txBody>
+                  <a:tcPr/>
+                </a:tc>
+                <a:tc>
+                  <a:txBody>
+                    <a:bodyPr/>
+                    <a:lstStyle/>
+                    <a:p>
+                      <a:pPr algn="ctr"/>
+                      <a:r>
+                        <a:rPr lang="en-US" altLang="zh-CN" sz="2000" b="0" dirty="0">
+                          <a:latin typeface="Times New Roman" panose="02020603050405020304" pitchFamily="18" charset="0"/>
+                          <a:cs typeface="Times New Roman" panose="02020603050405020304" pitchFamily="18" charset="0"/>
+                        </a:rPr>
+                        <a:t>s</a:t>
+                      </a:r>
+                      <a:endParaRPr lang="zh-CN" altLang="en-US" sz="2000" b="0" dirty="0">
+                        <a:latin typeface="Times New Roman" panose="02020603050405020304" pitchFamily="18" charset="0"/>
+                        <a:cs typeface="Times New Roman" panose="02020603050405020304" pitchFamily="18" charset="0"/>
+                      </a:endParaRPr>
+                    </a:p>
+                  </a:txBody>
+                  <a:tcPr/>
+                </a:tc>
+                <a:tc>
+                  <a:txBody>
+                    <a:bodyPr/>
+                    <a:lstStyle/>
+                    <a:p>
+                      <a:pPr algn="ctr"/>
+                      <a:endParaRPr lang="zh-CN" altLang="en-US" sz="2000" b="0" dirty="0">
+                        <a:latin typeface="Times New Roman" panose="02020603050405020304" pitchFamily="18" charset="0"/>
+                        <a:cs typeface="Times New Roman" panose="02020603050405020304" pitchFamily="18" charset="0"/>
+                      </a:endParaRPr>
+                    </a:p>
+                  </a:txBody>
+                  <a:tcPr/>
+                </a:tc>
+                <a:tc>
+                  <a:txBody>
+                    <a:bodyPr/>
+                    <a:lstStyle/>
+                    <a:p>
+                      <a:pPr algn="ctr"/>
+                      <a:r>
+                        <a:rPr lang="en-US" altLang="zh-CN" sz="2000" b="0" dirty="0">
+                          <a:latin typeface="Times New Roman" panose="02020603050405020304" pitchFamily="18" charset="0"/>
+                          <a:cs typeface="Times New Roman" panose="02020603050405020304" pitchFamily="18" charset="0"/>
+                        </a:rPr>
+                        <a:t>f</a:t>
+                      </a:r>
+                      <a:endParaRPr lang="zh-CN" altLang="en-US" sz="2000" b="0" dirty="0">
+                        <a:latin typeface="Times New Roman" panose="02020603050405020304" pitchFamily="18" charset="0"/>
+                        <a:cs typeface="Times New Roman" panose="02020603050405020304" pitchFamily="18" charset="0"/>
+                      </a:endParaRPr>
+                    </a:p>
+                  </a:txBody>
+                  <a:tcPr/>
+                </a:tc>
+                <a:tc>
+                  <a:txBody>
+                    <a:bodyPr/>
+                    <a:lstStyle/>
+                    <a:p>
+                      <a:pPr algn="ctr"/>
+                      <a:r>
+                        <a:rPr lang="en-US" altLang="zh-CN" sz="2000" b="0" dirty="0">
+                          <a:latin typeface="Times New Roman" panose="02020603050405020304" pitchFamily="18" charset="0"/>
+                          <a:cs typeface="Times New Roman" panose="02020603050405020304" pitchFamily="18" charset="0"/>
+                        </a:rPr>
+                        <a:t>u</a:t>
+                      </a:r>
+                      <a:endParaRPr lang="zh-CN" altLang="en-US" sz="2000" b="0" dirty="0">
+                        <a:latin typeface="Times New Roman" panose="02020603050405020304" pitchFamily="18" charset="0"/>
+                        <a:cs typeface="Times New Roman" panose="02020603050405020304" pitchFamily="18" charset="0"/>
+                      </a:endParaRPr>
+                    </a:p>
+                  </a:txBody>
+                  <a:tcPr/>
+                </a:tc>
+                <a:tc>
+                  <a:txBody>
+                    <a:bodyPr/>
+                    <a:lstStyle/>
+                    <a:p>
+                      <a:pPr algn="ctr"/>
+                      <a:r>
+                        <a:rPr lang="en-US" altLang="zh-CN" sz="2000" b="0" dirty="0">
+                          <a:latin typeface="Times New Roman" panose="02020603050405020304" pitchFamily="18" charset="0"/>
+                          <a:cs typeface="Times New Roman" panose="02020603050405020304" pitchFamily="18" charset="0"/>
+                        </a:rPr>
+                        <a:t>n</a:t>
+                      </a:r>
+                      <a:endParaRPr lang="zh-CN" altLang="en-US" sz="2000" b="0" dirty="0">
+                        <a:latin typeface="Times New Roman" panose="02020603050405020304" pitchFamily="18" charset="0"/>
+                        <a:cs typeface="Times New Roman" panose="02020603050405020304" pitchFamily="18" charset="0"/>
+                      </a:endParaRPr>
+                    </a:p>
+                  </a:txBody>
+                  <a:tcPr/>
+                </a:tc>
+                <a:tc>
+                  <a:txBody>
+                    <a:bodyPr/>
+                    <a:lstStyle/>
+                    <a:p>
+                      <a:pPr algn="ctr"/>
+                      <a:endParaRPr lang="zh-CN" altLang="en-US" sz="2000" b="0" dirty="0">
+                        <a:latin typeface="Times New Roman" panose="02020603050405020304" pitchFamily="18" charset="0"/>
+                        <a:cs typeface="Times New Roman" panose="02020603050405020304" pitchFamily="18" charset="0"/>
+                      </a:endParaRPr>
+                    </a:p>
+                  </a:txBody>
+                  <a:tcPr/>
+                </a:tc>
+                <a:extLst>
+                  <a:ext uri="{0D108BD9-81ED-4DB2-BD59-A6C34878D82A}">
+                    <a16:rowId xmlns:a16="http://schemas.microsoft.com/office/drawing/2014/main" val="3732229575"/>
+                  </a:ext>
+                </a:extLst>
+              </a:tr>
+            </a:tbl>
+          </a:graphicData>
+        </a:graphic>
+      </p:graphicFrame>
+      <p:graphicFrame>
+        <p:nvGraphicFramePr>
+          <p:cNvPr id="33" name="表格 4">
+            <a:extLst>
+              <a:ext uri="{FF2B5EF4-FFF2-40B4-BE49-F238E27FC236}">
+                <a16:creationId xmlns:a16="http://schemas.microsoft.com/office/drawing/2014/main" id="{3AAC0558-9506-4074-9C0C-E9AF34889A04}"/>
+              </a:ext>
+            </a:extLst>
+          </p:cNvPr>
+          <p:cNvGraphicFramePr>
+            <a:graphicFrameLocks noGrp="1"/>
+          </p:cNvGraphicFramePr>
+          <p:nvPr>
+            <p:extLst>
+              <p:ext uri="{D42A27DB-BD31-4B8C-83A1-F6EECF244321}">
+                <p14:modId xmlns:p14="http://schemas.microsoft.com/office/powerpoint/2010/main" val="2611808580"/>
+              </p:ext>
+            </p:extLst>
+          </p:nvPr>
+        </p:nvGraphicFramePr>
+        <p:xfrm>
+          <a:off x="2440733" y="1687682"/>
+          <a:ext cx="5689600" cy="396240"/>
+        </p:xfrm>
+        <a:graphic>
+          <a:graphicData uri="http://schemas.openxmlformats.org/drawingml/2006/table">
+            <a:tbl>
+              <a:tblPr firstRow="1" bandRow="1">
+                <a:tableStyleId>{5940675A-B579-460E-94D1-54222C63F5DA}</a:tableStyleId>
+              </a:tblPr>
+              <a:tblGrid>
+                <a:gridCol w="406400">
+                  <a:extLst>
+                    <a:ext uri="{9D8B030D-6E8A-4147-A177-3AD203B41FA5}">
+                      <a16:colId xmlns:a16="http://schemas.microsoft.com/office/drawing/2014/main" val="724645724"/>
+                    </a:ext>
+                  </a:extLst>
+                </a:gridCol>
+                <a:gridCol w="406400">
+                  <a:extLst>
+                    <a:ext uri="{9D8B030D-6E8A-4147-A177-3AD203B41FA5}">
+                      <a16:colId xmlns:a16="http://schemas.microsoft.com/office/drawing/2014/main" val="1836722532"/>
+                    </a:ext>
+                  </a:extLst>
+                </a:gridCol>
+                <a:gridCol w="406400">
+                  <a:extLst>
+                    <a:ext uri="{9D8B030D-6E8A-4147-A177-3AD203B41FA5}">
+                      <a16:colId xmlns:a16="http://schemas.microsoft.com/office/drawing/2014/main" val="3009865464"/>
+                    </a:ext>
+                  </a:extLst>
+                </a:gridCol>
+                <a:gridCol w="406400">
+                  <a:extLst>
+                    <a:ext uri="{9D8B030D-6E8A-4147-A177-3AD203B41FA5}">
+                      <a16:colId xmlns:a16="http://schemas.microsoft.com/office/drawing/2014/main" val="2013969288"/>
+                    </a:ext>
+                  </a:extLst>
+                </a:gridCol>
+                <a:gridCol w="406400">
+                  <a:extLst>
+                    <a:ext uri="{9D8B030D-6E8A-4147-A177-3AD203B41FA5}">
+                      <a16:colId xmlns:a16="http://schemas.microsoft.com/office/drawing/2014/main" val="2573172242"/>
+                    </a:ext>
+                  </a:extLst>
+                </a:gridCol>
+                <a:gridCol w="406400">
+                  <a:extLst>
+                    <a:ext uri="{9D8B030D-6E8A-4147-A177-3AD203B41FA5}">
+                      <a16:colId xmlns:a16="http://schemas.microsoft.com/office/drawing/2014/main" val="1176554396"/>
+                    </a:ext>
+                  </a:extLst>
+                </a:gridCol>
+                <a:gridCol w="406400">
+                  <a:extLst>
+                    <a:ext uri="{9D8B030D-6E8A-4147-A177-3AD203B41FA5}">
+                      <a16:colId xmlns:a16="http://schemas.microsoft.com/office/drawing/2014/main" val="2148932215"/>
+                    </a:ext>
+                  </a:extLst>
+                </a:gridCol>
+                <a:gridCol w="406400">
+                  <a:extLst>
+                    <a:ext uri="{9D8B030D-6E8A-4147-A177-3AD203B41FA5}">
+                      <a16:colId xmlns:a16="http://schemas.microsoft.com/office/drawing/2014/main" val="1914188605"/>
+                    </a:ext>
+                  </a:extLst>
+                </a:gridCol>
+                <a:gridCol w="406400">
+                  <a:extLst>
+                    <a:ext uri="{9D8B030D-6E8A-4147-A177-3AD203B41FA5}">
+                      <a16:colId xmlns:a16="http://schemas.microsoft.com/office/drawing/2014/main" val="1524311926"/>
+                    </a:ext>
+                  </a:extLst>
+                </a:gridCol>
+                <a:gridCol w="406400">
+                  <a:extLst>
+                    <a:ext uri="{9D8B030D-6E8A-4147-A177-3AD203B41FA5}">
+                      <a16:colId xmlns:a16="http://schemas.microsoft.com/office/drawing/2014/main" val="3881050891"/>
+                    </a:ext>
+                  </a:extLst>
+                </a:gridCol>
+                <a:gridCol w="406400">
+                  <a:extLst>
+                    <a:ext uri="{9D8B030D-6E8A-4147-A177-3AD203B41FA5}">
+                      <a16:colId xmlns:a16="http://schemas.microsoft.com/office/drawing/2014/main" val="1931707403"/>
+                    </a:ext>
+                  </a:extLst>
+                </a:gridCol>
+                <a:gridCol w="406400">
+                  <a:extLst>
+                    <a:ext uri="{9D8B030D-6E8A-4147-A177-3AD203B41FA5}">
+                      <a16:colId xmlns:a16="http://schemas.microsoft.com/office/drawing/2014/main" val="4196253283"/>
+                    </a:ext>
+                  </a:extLst>
+                </a:gridCol>
+                <a:gridCol w="406400">
+                  <a:extLst>
+                    <a:ext uri="{9D8B030D-6E8A-4147-A177-3AD203B41FA5}">
+                      <a16:colId xmlns:a16="http://schemas.microsoft.com/office/drawing/2014/main" val="342264775"/>
+                    </a:ext>
+                  </a:extLst>
+                </a:gridCol>
+                <a:gridCol w="406400">
+                  <a:extLst>
+                    <a:ext uri="{9D8B030D-6E8A-4147-A177-3AD203B41FA5}">
+                      <a16:colId xmlns:a16="http://schemas.microsoft.com/office/drawing/2014/main" val="28913360"/>
+                    </a:ext>
+                  </a:extLst>
+                </a:gridCol>
+              </a:tblGrid>
+              <a:tr h="370840">
+                <a:tc>
+                  <a:txBody>
+                    <a:bodyPr/>
+                    <a:lstStyle/>
+                    <a:p>
+                      <a:pPr algn="ctr"/>
+                      <a:endParaRPr lang="zh-CN" altLang="en-US" sz="2000" b="0" dirty="0">
+                        <a:latin typeface="Times New Roman" panose="02020603050405020304" pitchFamily="18" charset="0"/>
+                        <a:cs typeface="Times New Roman" panose="02020603050405020304" pitchFamily="18" charset="0"/>
+                      </a:endParaRPr>
+                    </a:p>
+                  </a:txBody>
+                  <a:tcPr/>
+                </a:tc>
+                <a:tc>
+                  <a:txBody>
+                    <a:bodyPr/>
+                    <a:lstStyle/>
+                    <a:p>
+                      <a:pPr algn="ctr"/>
+                      <a:r>
+                        <a:rPr lang="en-US" altLang="zh-CN" sz="2000" b="0" dirty="0">
+                          <a:latin typeface="Times New Roman" panose="02020603050405020304" pitchFamily="18" charset="0"/>
+                          <a:cs typeface="Times New Roman" panose="02020603050405020304" pitchFamily="18" charset="0"/>
+                        </a:rPr>
+                        <a:t>n</a:t>
+                      </a:r>
+                      <a:endParaRPr lang="zh-CN" altLang="en-US" sz="2000" b="0" dirty="0">
+                        <a:latin typeface="Times New Roman" panose="02020603050405020304" pitchFamily="18" charset="0"/>
+                        <a:cs typeface="Times New Roman" panose="02020603050405020304" pitchFamily="18" charset="0"/>
+                      </a:endParaRPr>
+                    </a:p>
+                  </a:txBody>
+                  <a:tcPr/>
+                </a:tc>
+                <a:tc>
+                  <a:txBody>
+                    <a:bodyPr/>
+                    <a:lstStyle/>
+                    <a:p>
+                      <a:pPr algn="ctr"/>
+                      <a:r>
+                        <a:rPr lang="en-US" altLang="zh-CN" sz="2000" b="0" dirty="0">
+                          <a:latin typeface="Times New Roman" panose="02020603050405020304" pitchFamily="18" charset="0"/>
+                          <a:cs typeface="Times New Roman" panose="02020603050405020304" pitchFamily="18" charset="0"/>
+                        </a:rPr>
+                        <a:t>u</a:t>
+                      </a:r>
+                      <a:endParaRPr lang="zh-CN" altLang="en-US" sz="2000" b="0" dirty="0">
+                        <a:latin typeface="Times New Roman" panose="02020603050405020304" pitchFamily="18" charset="0"/>
+                        <a:cs typeface="Times New Roman" panose="02020603050405020304" pitchFamily="18" charset="0"/>
+                      </a:endParaRPr>
+                    </a:p>
+                  </a:txBody>
+                  <a:tcPr/>
+                </a:tc>
+                <a:tc>
+                  <a:txBody>
+                    <a:bodyPr/>
+                    <a:lstStyle/>
+                    <a:p>
+                      <a:pPr algn="ctr"/>
+                      <a:r>
+                        <a:rPr lang="en-US" altLang="zh-CN" sz="2000" b="0" dirty="0">
+                          <a:latin typeface="Times New Roman" panose="02020603050405020304" pitchFamily="18" charset="0"/>
+                          <a:cs typeface="Times New Roman" panose="02020603050405020304" pitchFamily="18" charset="0"/>
+                        </a:rPr>
+                        <a:t>f</a:t>
+                      </a:r>
+                      <a:endParaRPr lang="zh-CN" altLang="en-US" sz="2000" b="0" dirty="0">
+                        <a:latin typeface="Times New Roman" panose="02020603050405020304" pitchFamily="18" charset="0"/>
+                        <a:cs typeface="Times New Roman" panose="02020603050405020304" pitchFamily="18" charset="0"/>
+                      </a:endParaRPr>
+                    </a:p>
+                  </a:txBody>
+                  <a:tcPr/>
+                </a:tc>
+                <a:tc>
+                  <a:txBody>
+                    <a:bodyPr/>
+                    <a:lstStyle/>
+                    <a:p>
+                      <a:pPr algn="ctr"/>
+                      <a:endParaRPr lang="zh-CN" altLang="en-US" sz="2000" b="0" dirty="0">
+                        <a:latin typeface="Times New Roman" panose="02020603050405020304" pitchFamily="18" charset="0"/>
+                        <a:cs typeface="Times New Roman" panose="02020603050405020304" pitchFamily="18" charset="0"/>
+                      </a:endParaRPr>
+                    </a:p>
+                  </a:txBody>
+                  <a:tcPr/>
+                </a:tc>
+                <a:tc>
+                  <a:txBody>
+                    <a:bodyPr/>
+                    <a:lstStyle/>
+                    <a:p>
+                      <a:pPr algn="ctr"/>
+                      <a:r>
+                        <a:rPr lang="en-US" altLang="zh-CN" sz="2000" b="0" dirty="0">
+                          <a:latin typeface="Times New Roman" panose="02020603050405020304" pitchFamily="18" charset="0"/>
+                          <a:cs typeface="Times New Roman" panose="02020603050405020304" pitchFamily="18" charset="0"/>
+                        </a:rPr>
+                        <a:t>s</a:t>
+                      </a:r>
+                      <a:endParaRPr lang="zh-CN" altLang="en-US" sz="2000" b="0" dirty="0">
+                        <a:latin typeface="Times New Roman" panose="02020603050405020304" pitchFamily="18" charset="0"/>
+                        <a:cs typeface="Times New Roman" panose="02020603050405020304" pitchFamily="18" charset="0"/>
+                      </a:endParaRPr>
+                    </a:p>
+                  </a:txBody>
+                  <a:tcPr/>
+                </a:tc>
+                <a:tc>
+                  <a:txBody>
+                    <a:bodyPr/>
+                    <a:lstStyle/>
+                    <a:p>
+                      <a:pPr algn="ctr"/>
+                      <a:r>
+                        <a:rPr lang="en-US" altLang="zh-CN" sz="2000" b="0" dirty="0" err="1">
+                          <a:latin typeface="Times New Roman" panose="02020603050405020304" pitchFamily="18" charset="0"/>
+                          <a:cs typeface="Times New Roman" panose="02020603050405020304" pitchFamily="18" charset="0"/>
+                        </a:rPr>
+                        <a:t>i</a:t>
+                      </a:r>
+                      <a:endParaRPr lang="zh-CN" altLang="en-US" sz="2000" b="0" dirty="0">
+                        <a:latin typeface="Times New Roman" panose="02020603050405020304" pitchFamily="18" charset="0"/>
+                        <a:cs typeface="Times New Roman" panose="02020603050405020304" pitchFamily="18" charset="0"/>
+                      </a:endParaRPr>
+                    </a:p>
+                  </a:txBody>
+                  <a:tcPr/>
+                </a:tc>
+                <a:tc>
+                  <a:txBody>
+                    <a:bodyPr/>
+                    <a:lstStyle/>
+                    <a:p>
+                      <a:pPr algn="ctr"/>
+                      <a:endParaRPr lang="zh-CN" altLang="en-US" sz="2000" b="0" dirty="0">
+                        <a:latin typeface="Times New Roman" panose="02020603050405020304" pitchFamily="18" charset="0"/>
+                        <a:cs typeface="Times New Roman" panose="02020603050405020304" pitchFamily="18" charset="0"/>
+                      </a:endParaRPr>
+                    </a:p>
+                  </a:txBody>
+                  <a:tcPr/>
+                </a:tc>
+                <a:tc>
+                  <a:txBody>
+                    <a:bodyPr/>
+                    <a:lstStyle/>
+                    <a:p>
+                      <a:pPr algn="ctr"/>
+                      <a:r>
+                        <a:rPr lang="en-US" altLang="zh-CN" sz="2000" b="0" dirty="0">
+                          <a:latin typeface="Times New Roman" panose="02020603050405020304" pitchFamily="18" charset="0"/>
+                          <a:cs typeface="Times New Roman" panose="02020603050405020304" pitchFamily="18" charset="0"/>
+                        </a:rPr>
+                        <a:t>e</a:t>
+                      </a:r>
+                      <a:endParaRPr lang="zh-CN" altLang="en-US" sz="2000" b="0" dirty="0">
+                        <a:latin typeface="Times New Roman" panose="02020603050405020304" pitchFamily="18" charset="0"/>
+                        <a:cs typeface="Times New Roman" panose="02020603050405020304" pitchFamily="18" charset="0"/>
+                      </a:endParaRPr>
+                    </a:p>
+                  </a:txBody>
+                  <a:tcPr/>
+                </a:tc>
+                <a:tc>
+                  <a:txBody>
+                    <a:bodyPr/>
+                    <a:lstStyle/>
+                    <a:p>
+                      <a:pPr algn="ctr"/>
+                      <a:r>
+                        <a:rPr lang="en-US" altLang="zh-CN" sz="2000" b="0" dirty="0">
+                          <a:latin typeface="Times New Roman" panose="02020603050405020304" pitchFamily="18" charset="0"/>
+                          <a:cs typeface="Times New Roman" panose="02020603050405020304" pitchFamily="18" charset="0"/>
+                        </a:rPr>
+                        <a:t>d</a:t>
+                      </a:r>
+                      <a:endParaRPr lang="zh-CN" altLang="en-US" sz="2000" b="0" dirty="0">
+                        <a:latin typeface="Times New Roman" panose="02020603050405020304" pitchFamily="18" charset="0"/>
+                        <a:cs typeface="Times New Roman" panose="02020603050405020304" pitchFamily="18" charset="0"/>
+                      </a:endParaRPr>
+                    </a:p>
+                  </a:txBody>
+                  <a:tcPr/>
+                </a:tc>
+                <a:tc>
+                  <a:txBody>
+                    <a:bodyPr/>
+                    <a:lstStyle/>
+                    <a:p>
+                      <a:pPr algn="ctr"/>
+                      <a:r>
+                        <a:rPr lang="en-US" altLang="zh-CN" sz="2000" b="0" dirty="0">
+                          <a:latin typeface="Times New Roman" panose="02020603050405020304" pitchFamily="18" charset="0"/>
+                          <a:cs typeface="Times New Roman" panose="02020603050405020304" pitchFamily="18" charset="0"/>
+                        </a:rPr>
+                        <a:t>o</a:t>
+                      </a:r>
+                      <a:endParaRPr lang="zh-CN" altLang="en-US" sz="2000" b="0" dirty="0">
+                        <a:latin typeface="Times New Roman" panose="02020603050405020304" pitchFamily="18" charset="0"/>
+                        <a:cs typeface="Times New Roman" panose="02020603050405020304" pitchFamily="18" charset="0"/>
+                      </a:endParaRPr>
+                    </a:p>
+                  </a:txBody>
+                  <a:tcPr/>
+                </a:tc>
+                <a:tc>
+                  <a:txBody>
+                    <a:bodyPr/>
+                    <a:lstStyle/>
+                    <a:p>
+                      <a:pPr algn="ctr"/>
+                      <a:r>
+                        <a:rPr lang="en-US" altLang="zh-CN" sz="2000" b="0" dirty="0">
+                          <a:latin typeface="Times New Roman" panose="02020603050405020304" pitchFamily="18" charset="0"/>
+                          <a:cs typeface="Times New Roman" panose="02020603050405020304" pitchFamily="18" charset="0"/>
+                        </a:rPr>
+                        <a:t>c</a:t>
+                      </a:r>
+                      <a:endParaRPr lang="zh-CN" altLang="en-US" sz="2000" b="0" dirty="0">
+                        <a:latin typeface="Times New Roman" panose="02020603050405020304" pitchFamily="18" charset="0"/>
+                        <a:cs typeface="Times New Roman" panose="02020603050405020304" pitchFamily="18" charset="0"/>
+                      </a:endParaRPr>
+                    </a:p>
+                  </a:txBody>
+                  <a:tcPr/>
+                </a:tc>
+                <a:tc>
+                  <a:txBody>
+                    <a:bodyPr/>
+                    <a:lstStyle/>
+                    <a:p>
+                      <a:pPr algn="ctr"/>
+                      <a:endParaRPr lang="zh-CN" altLang="en-US" sz="2000" b="0" dirty="0">
+                        <a:latin typeface="Times New Roman" panose="02020603050405020304" pitchFamily="18" charset="0"/>
+                        <a:cs typeface="Times New Roman" panose="02020603050405020304" pitchFamily="18" charset="0"/>
+                      </a:endParaRPr>
+                    </a:p>
+                  </a:txBody>
+                  <a:tcPr/>
+                </a:tc>
+                <a:tc>
+                  <a:txBody>
+                    <a:bodyPr/>
+                    <a:lstStyle/>
+                    <a:p>
+                      <a:pPr algn="ctr"/>
+                      <a:endParaRPr lang="zh-CN" altLang="en-US" sz="2000" b="0" dirty="0">
+                        <a:latin typeface="Times New Roman" panose="02020603050405020304" pitchFamily="18" charset="0"/>
+                        <a:cs typeface="Times New Roman" panose="02020603050405020304" pitchFamily="18" charset="0"/>
+                      </a:endParaRPr>
+                    </a:p>
+                  </a:txBody>
+                  <a:tcPr/>
+                </a:tc>
+                <a:extLst>
+                  <a:ext uri="{0D108BD9-81ED-4DB2-BD59-A6C34878D82A}">
+                    <a16:rowId xmlns:a16="http://schemas.microsoft.com/office/drawing/2014/main" val="3732229575"/>
+                  </a:ext>
+                </a:extLst>
+              </a:tr>
+            </a:tbl>
+          </a:graphicData>
+        </a:graphic>
+      </p:graphicFrame>
+      <p:graphicFrame>
+        <p:nvGraphicFramePr>
+          <p:cNvPr id="37" name="表格 4">
+            <a:extLst>
+              <a:ext uri="{FF2B5EF4-FFF2-40B4-BE49-F238E27FC236}">
+                <a16:creationId xmlns:a16="http://schemas.microsoft.com/office/drawing/2014/main" id="{51AE77FB-916F-4DA8-882C-B8AF2A44F7EE}"/>
+              </a:ext>
+            </a:extLst>
+          </p:cNvPr>
+          <p:cNvGraphicFramePr>
+            <a:graphicFrameLocks noGrp="1"/>
+          </p:cNvGraphicFramePr>
+          <p:nvPr>
+            <p:extLst>
+              <p:ext uri="{D42A27DB-BD31-4B8C-83A1-F6EECF244321}">
+                <p14:modId xmlns:p14="http://schemas.microsoft.com/office/powerpoint/2010/main" val="3562061404"/>
+              </p:ext>
+            </p:extLst>
+          </p:nvPr>
+        </p:nvGraphicFramePr>
+        <p:xfrm>
+          <a:off x="2440733" y="5236249"/>
+          <a:ext cx="5689600" cy="396240"/>
+        </p:xfrm>
+        <a:graphic>
+          <a:graphicData uri="http://schemas.openxmlformats.org/drawingml/2006/table">
+            <a:tbl>
+              <a:tblPr firstRow="1" bandRow="1">
+                <a:tableStyleId>{5940675A-B579-460E-94D1-54222C63F5DA}</a:tableStyleId>
+              </a:tblPr>
+              <a:tblGrid>
+                <a:gridCol w="406400">
+                  <a:extLst>
+                    <a:ext uri="{9D8B030D-6E8A-4147-A177-3AD203B41FA5}">
+                      <a16:colId xmlns:a16="http://schemas.microsoft.com/office/drawing/2014/main" val="724645724"/>
+                    </a:ext>
+                  </a:extLst>
+                </a:gridCol>
+                <a:gridCol w="406400">
+                  <a:extLst>
+                    <a:ext uri="{9D8B030D-6E8A-4147-A177-3AD203B41FA5}">
+                      <a16:colId xmlns:a16="http://schemas.microsoft.com/office/drawing/2014/main" val="1836722532"/>
+                    </a:ext>
+                  </a:extLst>
+                </a:gridCol>
+                <a:gridCol w="406400">
+                  <a:extLst>
+                    <a:ext uri="{9D8B030D-6E8A-4147-A177-3AD203B41FA5}">
+                      <a16:colId xmlns:a16="http://schemas.microsoft.com/office/drawing/2014/main" val="3009865464"/>
+                    </a:ext>
+                  </a:extLst>
+                </a:gridCol>
+                <a:gridCol w="406400">
+                  <a:extLst>
+                    <a:ext uri="{9D8B030D-6E8A-4147-A177-3AD203B41FA5}">
+                      <a16:colId xmlns:a16="http://schemas.microsoft.com/office/drawing/2014/main" val="2013969288"/>
+                    </a:ext>
+                  </a:extLst>
+                </a:gridCol>
+                <a:gridCol w="406400">
+                  <a:extLst>
+                    <a:ext uri="{9D8B030D-6E8A-4147-A177-3AD203B41FA5}">
+                      <a16:colId xmlns:a16="http://schemas.microsoft.com/office/drawing/2014/main" val="2573172242"/>
+                    </a:ext>
+                  </a:extLst>
+                </a:gridCol>
+                <a:gridCol w="406400">
+                  <a:extLst>
+                    <a:ext uri="{9D8B030D-6E8A-4147-A177-3AD203B41FA5}">
+                      <a16:colId xmlns:a16="http://schemas.microsoft.com/office/drawing/2014/main" val="1176554396"/>
+                    </a:ext>
+                  </a:extLst>
+                </a:gridCol>
+                <a:gridCol w="406400">
+                  <a:extLst>
+                    <a:ext uri="{9D8B030D-6E8A-4147-A177-3AD203B41FA5}">
+                      <a16:colId xmlns:a16="http://schemas.microsoft.com/office/drawing/2014/main" val="2148932215"/>
+                    </a:ext>
+                  </a:extLst>
+                </a:gridCol>
+                <a:gridCol w="406400">
+                  <a:extLst>
+                    <a:ext uri="{9D8B030D-6E8A-4147-A177-3AD203B41FA5}">
+                      <a16:colId xmlns:a16="http://schemas.microsoft.com/office/drawing/2014/main" val="1914188605"/>
+                    </a:ext>
+                  </a:extLst>
+                </a:gridCol>
+                <a:gridCol w="406400">
+                  <a:extLst>
+                    <a:ext uri="{9D8B030D-6E8A-4147-A177-3AD203B41FA5}">
+                      <a16:colId xmlns:a16="http://schemas.microsoft.com/office/drawing/2014/main" val="1524311926"/>
+                    </a:ext>
+                  </a:extLst>
+                </a:gridCol>
+                <a:gridCol w="406400">
+                  <a:extLst>
+                    <a:ext uri="{9D8B030D-6E8A-4147-A177-3AD203B41FA5}">
+                      <a16:colId xmlns:a16="http://schemas.microsoft.com/office/drawing/2014/main" val="3881050891"/>
+                    </a:ext>
+                  </a:extLst>
+                </a:gridCol>
+                <a:gridCol w="406400">
+                  <a:extLst>
+                    <a:ext uri="{9D8B030D-6E8A-4147-A177-3AD203B41FA5}">
+                      <a16:colId xmlns:a16="http://schemas.microsoft.com/office/drawing/2014/main" val="1931707403"/>
+                    </a:ext>
+                  </a:extLst>
+                </a:gridCol>
+                <a:gridCol w="406400">
+                  <a:extLst>
+                    <a:ext uri="{9D8B030D-6E8A-4147-A177-3AD203B41FA5}">
+                      <a16:colId xmlns:a16="http://schemas.microsoft.com/office/drawing/2014/main" val="4196253283"/>
+                    </a:ext>
+                  </a:extLst>
+                </a:gridCol>
+                <a:gridCol w="406400">
+                  <a:extLst>
+                    <a:ext uri="{9D8B030D-6E8A-4147-A177-3AD203B41FA5}">
+                      <a16:colId xmlns:a16="http://schemas.microsoft.com/office/drawing/2014/main" val="342264775"/>
+                    </a:ext>
+                  </a:extLst>
+                </a:gridCol>
+                <a:gridCol w="406400">
+                  <a:extLst>
+                    <a:ext uri="{9D8B030D-6E8A-4147-A177-3AD203B41FA5}">
+                      <a16:colId xmlns:a16="http://schemas.microsoft.com/office/drawing/2014/main" val="28913360"/>
+                    </a:ext>
+                  </a:extLst>
+                </a:gridCol>
+              </a:tblGrid>
+              <a:tr h="370840">
+                <a:tc>
+                  <a:txBody>
+                    <a:bodyPr/>
+                    <a:lstStyle/>
+                    <a:p>
+                      <a:pPr algn="ctr"/>
+                      <a:r>
+                        <a:rPr lang="en-US" altLang="zh-CN" sz="2000" b="0" dirty="0">
+                          <a:latin typeface="Times New Roman" panose="02020603050405020304" pitchFamily="18" charset="0"/>
+                          <a:cs typeface="Times New Roman" panose="02020603050405020304" pitchFamily="18" charset="0"/>
+                        </a:rPr>
+                        <a:t>f</a:t>
+                      </a:r>
+                      <a:endParaRPr lang="zh-CN" altLang="en-US" sz="2000" b="0" dirty="0">
+                        <a:latin typeface="Times New Roman" panose="02020603050405020304" pitchFamily="18" charset="0"/>
+                        <a:cs typeface="Times New Roman" panose="02020603050405020304" pitchFamily="18" charset="0"/>
+                      </a:endParaRPr>
+                    </a:p>
+                  </a:txBody>
+                  <a:tcPr>
+                    <a:solidFill>
+                      <a:schemeClr val="accent6">
+                        <a:lumMod val="20000"/>
+                        <a:lumOff val="80000"/>
+                      </a:schemeClr>
+                    </a:solidFill>
+                  </a:tcPr>
+                </a:tc>
+                <a:tc>
+                  <a:txBody>
+                    <a:bodyPr/>
+                    <a:lstStyle/>
+                    <a:p>
+                      <a:pPr algn="ctr"/>
+                      <a:r>
+                        <a:rPr lang="en-US" altLang="zh-CN" sz="2000" b="0" dirty="0">
+                          <a:latin typeface="Times New Roman" panose="02020603050405020304" pitchFamily="18" charset="0"/>
+                          <a:cs typeface="Times New Roman" panose="02020603050405020304" pitchFamily="18" charset="0"/>
+                        </a:rPr>
+                        <a:t>u</a:t>
+                      </a:r>
+                      <a:endParaRPr lang="zh-CN" altLang="en-US" sz="2000" b="0" dirty="0">
+                        <a:latin typeface="Times New Roman" panose="02020603050405020304" pitchFamily="18" charset="0"/>
+                        <a:cs typeface="Times New Roman" panose="02020603050405020304" pitchFamily="18" charset="0"/>
+                      </a:endParaRPr>
+                    </a:p>
+                  </a:txBody>
+                  <a:tcPr>
+                    <a:solidFill>
+                      <a:schemeClr val="accent6">
+                        <a:lumMod val="20000"/>
+                        <a:lumOff val="80000"/>
+                      </a:schemeClr>
+                    </a:solidFill>
+                  </a:tcPr>
+                </a:tc>
+                <a:tc>
+                  <a:txBody>
+                    <a:bodyPr/>
+                    <a:lstStyle/>
+                    <a:p>
+                      <a:pPr algn="ctr"/>
+                      <a:r>
+                        <a:rPr lang="en-US" altLang="zh-CN" sz="2000" b="0" dirty="0">
+                          <a:latin typeface="Times New Roman" panose="02020603050405020304" pitchFamily="18" charset="0"/>
+                          <a:cs typeface="Times New Roman" panose="02020603050405020304" pitchFamily="18" charset="0"/>
+                        </a:rPr>
+                        <a:t>n</a:t>
+                      </a:r>
+                      <a:endParaRPr lang="zh-CN" altLang="en-US" sz="2000" b="0" dirty="0">
+                        <a:latin typeface="Times New Roman" panose="02020603050405020304" pitchFamily="18" charset="0"/>
+                        <a:cs typeface="Times New Roman" panose="02020603050405020304" pitchFamily="18" charset="0"/>
+                      </a:endParaRPr>
+                    </a:p>
+                  </a:txBody>
+                  <a:tcPr>
+                    <a:solidFill>
+                      <a:schemeClr val="accent6">
+                        <a:lumMod val="20000"/>
+                        <a:lumOff val="80000"/>
+                      </a:schemeClr>
+                    </a:solidFill>
+                  </a:tcPr>
+                </a:tc>
+                <a:tc>
+                  <a:txBody>
+                    <a:bodyPr/>
+                    <a:lstStyle/>
+                    <a:p>
+                      <a:pPr algn="ctr"/>
+                      <a:r>
+                        <a:rPr lang="en-US" altLang="zh-CN" sz="2000" b="0" dirty="0">
+                          <a:latin typeface="Times New Roman" panose="02020603050405020304" pitchFamily="18" charset="0"/>
+                          <a:cs typeface="Times New Roman" panose="02020603050405020304" pitchFamily="18" charset="0"/>
+                        </a:rPr>
+                        <a:t>f</a:t>
+                      </a:r>
+                      <a:endParaRPr lang="zh-CN" altLang="en-US" sz="2000" b="0" dirty="0">
+                        <a:latin typeface="Times New Roman" panose="02020603050405020304" pitchFamily="18" charset="0"/>
+                        <a:cs typeface="Times New Roman" panose="02020603050405020304" pitchFamily="18" charset="0"/>
+                      </a:endParaRPr>
+                    </a:p>
+                  </a:txBody>
+                  <a:tcPr/>
+                </a:tc>
+                <a:tc>
+                  <a:txBody>
+                    <a:bodyPr/>
+                    <a:lstStyle/>
+                    <a:p>
+                      <a:pPr algn="ctr"/>
+                      <a:endParaRPr lang="zh-CN" altLang="en-US" sz="2000" b="0" dirty="0">
+                        <a:latin typeface="Times New Roman" panose="02020603050405020304" pitchFamily="18" charset="0"/>
+                        <a:cs typeface="Times New Roman" panose="02020603050405020304" pitchFamily="18" charset="0"/>
+                      </a:endParaRPr>
+                    </a:p>
+                  </a:txBody>
+                  <a:tcPr/>
+                </a:tc>
+                <a:tc>
+                  <a:txBody>
+                    <a:bodyPr/>
+                    <a:lstStyle/>
+                    <a:p>
+                      <a:pPr algn="ctr"/>
+                      <a:r>
+                        <a:rPr lang="en-US" altLang="zh-CN" sz="2000" b="0" dirty="0">
+                          <a:latin typeface="Times New Roman" panose="02020603050405020304" pitchFamily="18" charset="0"/>
+                          <a:cs typeface="Times New Roman" panose="02020603050405020304" pitchFamily="18" charset="0"/>
+                        </a:rPr>
+                        <a:t>s</a:t>
+                      </a:r>
+                      <a:endParaRPr lang="zh-CN" altLang="en-US" sz="2000" b="0" dirty="0">
+                        <a:latin typeface="Times New Roman" panose="02020603050405020304" pitchFamily="18" charset="0"/>
+                        <a:cs typeface="Times New Roman" panose="02020603050405020304" pitchFamily="18" charset="0"/>
+                      </a:endParaRPr>
+                    </a:p>
+                  </a:txBody>
+                  <a:tcPr/>
+                </a:tc>
+                <a:tc>
+                  <a:txBody>
+                    <a:bodyPr/>
+                    <a:lstStyle/>
+                    <a:p>
+                      <a:pPr algn="ctr"/>
+                      <a:r>
+                        <a:rPr lang="en-US" altLang="zh-CN" sz="2000" b="0" dirty="0" err="1">
+                          <a:latin typeface="Times New Roman" panose="02020603050405020304" pitchFamily="18" charset="0"/>
+                          <a:cs typeface="Times New Roman" panose="02020603050405020304" pitchFamily="18" charset="0"/>
+                        </a:rPr>
+                        <a:t>i</a:t>
+                      </a:r>
+                      <a:endParaRPr lang="zh-CN" altLang="en-US" sz="2000" b="0" dirty="0">
+                        <a:latin typeface="Times New Roman" panose="02020603050405020304" pitchFamily="18" charset="0"/>
+                        <a:cs typeface="Times New Roman" panose="02020603050405020304" pitchFamily="18" charset="0"/>
+                      </a:endParaRPr>
+                    </a:p>
+                  </a:txBody>
+                  <a:tcPr/>
+                </a:tc>
+                <a:tc>
+                  <a:txBody>
+                    <a:bodyPr/>
+                    <a:lstStyle/>
+                    <a:p>
+                      <a:pPr algn="ctr"/>
+                      <a:endParaRPr lang="zh-CN" altLang="en-US" sz="2000" b="0" dirty="0">
+                        <a:latin typeface="Times New Roman" panose="02020603050405020304" pitchFamily="18" charset="0"/>
+                        <a:cs typeface="Times New Roman" panose="02020603050405020304" pitchFamily="18" charset="0"/>
+                      </a:endParaRPr>
+                    </a:p>
+                  </a:txBody>
+                  <a:tcPr/>
+                </a:tc>
+                <a:tc>
+                  <a:txBody>
+                    <a:bodyPr/>
+                    <a:lstStyle/>
+                    <a:p>
+                      <a:pPr algn="ctr"/>
+                      <a:r>
+                        <a:rPr lang="en-US" altLang="zh-CN" sz="2000" b="0" dirty="0">
+                          <a:latin typeface="Times New Roman" panose="02020603050405020304" pitchFamily="18" charset="0"/>
+                          <a:cs typeface="Times New Roman" panose="02020603050405020304" pitchFamily="18" charset="0"/>
+                        </a:rPr>
+                        <a:t>e</a:t>
+                      </a:r>
+                      <a:endParaRPr lang="zh-CN" altLang="en-US" sz="2000" b="0" dirty="0">
+                        <a:latin typeface="Times New Roman" panose="02020603050405020304" pitchFamily="18" charset="0"/>
+                        <a:cs typeface="Times New Roman" panose="02020603050405020304" pitchFamily="18" charset="0"/>
+                      </a:endParaRPr>
+                    </a:p>
+                  </a:txBody>
+                  <a:tcPr/>
+                </a:tc>
+                <a:tc>
+                  <a:txBody>
+                    <a:bodyPr/>
+                    <a:lstStyle/>
+                    <a:p>
+                      <a:pPr algn="ctr"/>
+                      <a:r>
+                        <a:rPr lang="en-US" altLang="zh-CN" sz="2000" b="0" dirty="0">
+                          <a:latin typeface="Times New Roman" panose="02020603050405020304" pitchFamily="18" charset="0"/>
+                          <a:cs typeface="Times New Roman" panose="02020603050405020304" pitchFamily="18" charset="0"/>
+                        </a:rPr>
+                        <a:t>d</a:t>
+                      </a:r>
+                      <a:endParaRPr lang="zh-CN" altLang="en-US" sz="2000" b="0" dirty="0">
+                        <a:latin typeface="Times New Roman" panose="02020603050405020304" pitchFamily="18" charset="0"/>
+                        <a:cs typeface="Times New Roman" panose="02020603050405020304" pitchFamily="18" charset="0"/>
+                      </a:endParaRPr>
+                    </a:p>
+                  </a:txBody>
+                  <a:tcPr/>
+                </a:tc>
+                <a:tc>
+                  <a:txBody>
+                    <a:bodyPr/>
+                    <a:lstStyle/>
+                    <a:p>
+                      <a:pPr algn="ctr"/>
+                      <a:r>
+                        <a:rPr lang="en-US" altLang="zh-CN" sz="2000" b="0" dirty="0">
+                          <a:latin typeface="Times New Roman" panose="02020603050405020304" pitchFamily="18" charset="0"/>
+                          <a:cs typeface="Times New Roman" panose="02020603050405020304" pitchFamily="18" charset="0"/>
+                        </a:rPr>
+                        <a:t>o</a:t>
+                      </a:r>
+                      <a:endParaRPr lang="zh-CN" altLang="en-US" sz="2000" b="0" dirty="0">
+                        <a:latin typeface="Times New Roman" panose="02020603050405020304" pitchFamily="18" charset="0"/>
+                        <a:cs typeface="Times New Roman" panose="02020603050405020304" pitchFamily="18" charset="0"/>
+                      </a:endParaRPr>
+                    </a:p>
+                  </a:txBody>
+                  <a:tcPr/>
+                </a:tc>
+                <a:tc>
+                  <a:txBody>
+                    <a:bodyPr/>
+                    <a:lstStyle/>
+                    <a:p>
+                      <a:pPr algn="ctr"/>
+                      <a:r>
+                        <a:rPr lang="en-US" altLang="zh-CN" sz="2000" b="0" dirty="0">
+                          <a:latin typeface="Times New Roman" panose="02020603050405020304" pitchFamily="18" charset="0"/>
+                          <a:cs typeface="Times New Roman" panose="02020603050405020304" pitchFamily="18" charset="0"/>
+                        </a:rPr>
+                        <a:t>c</a:t>
+                      </a:r>
+                      <a:endParaRPr lang="zh-CN" altLang="en-US" sz="2000" b="0" dirty="0">
+                        <a:latin typeface="Times New Roman" panose="02020603050405020304" pitchFamily="18" charset="0"/>
+                        <a:cs typeface="Times New Roman" panose="02020603050405020304" pitchFamily="18" charset="0"/>
+                      </a:endParaRPr>
+                    </a:p>
+                  </a:txBody>
+                  <a:tcPr/>
+                </a:tc>
+                <a:tc>
+                  <a:txBody>
+                    <a:bodyPr/>
+                    <a:lstStyle/>
+                    <a:p>
+                      <a:pPr algn="ctr"/>
+                      <a:endParaRPr lang="zh-CN" altLang="en-US" sz="2000" b="0" dirty="0">
+                        <a:latin typeface="Times New Roman" panose="02020603050405020304" pitchFamily="18" charset="0"/>
+                        <a:cs typeface="Times New Roman" panose="02020603050405020304" pitchFamily="18" charset="0"/>
+                      </a:endParaRPr>
+                    </a:p>
+                  </a:txBody>
+                  <a:tcPr/>
+                </a:tc>
+                <a:tc>
+                  <a:txBody>
+                    <a:bodyPr/>
+                    <a:lstStyle/>
+                    <a:p>
+                      <a:pPr algn="ctr"/>
+                      <a:endParaRPr lang="zh-CN" altLang="en-US" sz="2000" b="0" dirty="0">
+                        <a:latin typeface="Times New Roman" panose="02020603050405020304" pitchFamily="18" charset="0"/>
+                        <a:cs typeface="Times New Roman" panose="02020603050405020304" pitchFamily="18" charset="0"/>
+                      </a:endParaRPr>
+                    </a:p>
+                  </a:txBody>
+                  <a:tcPr/>
+                </a:tc>
+                <a:extLst>
+                  <a:ext uri="{0D108BD9-81ED-4DB2-BD59-A6C34878D82A}">
+                    <a16:rowId xmlns:a16="http://schemas.microsoft.com/office/drawing/2014/main" val="3732229575"/>
+                  </a:ext>
+                </a:extLst>
+              </a:tr>
+            </a:tbl>
+          </a:graphicData>
+        </a:graphic>
+      </p:graphicFrame>
+      <p:grpSp>
+        <p:nvGrpSpPr>
+          <p:cNvPr id="38" name="组合 37">
+            <a:extLst>
+              <a:ext uri="{FF2B5EF4-FFF2-40B4-BE49-F238E27FC236}">
+                <a16:creationId xmlns:a16="http://schemas.microsoft.com/office/drawing/2014/main" id="{AB9850FA-2B0A-4AD1-8512-836DC34EBF30}"/>
+              </a:ext>
+            </a:extLst>
+          </p:cNvPr>
+          <p:cNvGrpSpPr/>
+          <p:nvPr/>
+        </p:nvGrpSpPr>
+        <p:grpSpPr>
+          <a:xfrm>
+            <a:off x="3530599" y="5733693"/>
+            <a:ext cx="677333" cy="610880"/>
+            <a:chOff x="4732865" y="3593626"/>
+            <a:chExt cx="677333" cy="610880"/>
+          </a:xfrm>
+        </p:grpSpPr>
+        <p:cxnSp>
+          <p:nvCxnSpPr>
+            <p:cNvPr id="39" name="直接箭头连接符 38">
+              <a:extLst>
+                <a:ext uri="{FF2B5EF4-FFF2-40B4-BE49-F238E27FC236}">
+                  <a16:creationId xmlns:a16="http://schemas.microsoft.com/office/drawing/2014/main" id="{BEBF400F-EE45-43E9-BD05-2C9DA04B35B8}"/>
+                </a:ext>
+              </a:extLst>
+            </p:cNvPr>
+            <p:cNvCxnSpPr>
+              <a:cxnSpLocks/>
+            </p:cNvCxnSpPr>
+            <p:nvPr/>
+          </p:nvCxnSpPr>
+          <p:spPr>
+            <a:xfrm flipV="1">
+              <a:off x="5071532" y="3593626"/>
+              <a:ext cx="0" cy="305375"/>
+            </a:xfrm>
+            <a:prstGeom prst="straightConnector1">
+              <a:avLst/>
+            </a:prstGeom>
+            <a:ln w="19050">
+              <a:tailEnd type="triangle"/>
+            </a:ln>
+          </p:spPr>
+          <p:style>
+            <a:lnRef idx="1">
+              <a:schemeClr val="dk1"/>
+            </a:lnRef>
+            <a:fillRef idx="0">
+              <a:schemeClr val="dk1"/>
+            </a:fillRef>
+            <a:effectRef idx="0">
+              <a:schemeClr val="dk1"/>
+            </a:effectRef>
+            <a:fontRef idx="minor">
+              <a:schemeClr val="tx1"/>
+            </a:fontRef>
+          </p:style>
+        </p:cxnSp>
+        <p:sp>
+          <p:nvSpPr>
+            <p:cNvPr id="40" name="文本框 39">
+              <a:extLst>
+                <a:ext uri="{FF2B5EF4-FFF2-40B4-BE49-F238E27FC236}">
+                  <a16:creationId xmlns:a16="http://schemas.microsoft.com/office/drawing/2014/main" id="{35C10008-DF65-45C8-896F-E379AB5C4FA5}"/>
+                </a:ext>
+              </a:extLst>
+            </p:cNvPr>
+            <p:cNvSpPr txBox="1"/>
+            <p:nvPr/>
+          </p:nvSpPr>
+          <p:spPr>
+            <a:xfrm>
+              <a:off x="4732865" y="3927507"/>
+              <a:ext cx="677333" cy="276999"/>
+            </a:xfrm>
+            <a:prstGeom prst="rect">
+              <a:avLst/>
+            </a:prstGeom>
+            <a:noFill/>
+          </p:spPr>
+          <p:txBody>
+            <a:bodyPr wrap="square" lIns="0" tIns="0" rIns="0" bIns="0" rtlCol="0">
+              <a:spAutoFit/>
+            </a:bodyPr>
+            <a:lstStyle/>
+            <a:p>
+              <a:pPr algn="ctr"/>
+              <a:r>
+                <a:rPr lang="en-US" altLang="zh-CN" dirty="0" err="1">
+                  <a:latin typeface="Times New Roman" panose="02020603050405020304" pitchFamily="18" charset="0"/>
+                  <a:ea typeface="宋体" panose="02010600030101010101" pitchFamily="2" charset="-122"/>
+                </a:rPr>
+                <a:t>idx</a:t>
+              </a:r>
+              <a:endParaRPr lang="zh-CN" altLang="en-US" dirty="0">
+                <a:latin typeface="Times New Roman" panose="02020603050405020304" pitchFamily="18" charset="0"/>
+                <a:ea typeface="宋体" panose="02010600030101010101" pitchFamily="2" charset="-122"/>
+              </a:endParaRPr>
+            </a:p>
+          </p:txBody>
+        </p:sp>
+      </p:grpSp>
+      <p:grpSp>
+        <p:nvGrpSpPr>
+          <p:cNvPr id="41" name="组合 40">
+            <a:extLst>
+              <a:ext uri="{FF2B5EF4-FFF2-40B4-BE49-F238E27FC236}">
+                <a16:creationId xmlns:a16="http://schemas.microsoft.com/office/drawing/2014/main" id="{8C5C99F9-42F4-4C4C-AF9D-EAF6970B838D}"/>
+              </a:ext>
+            </a:extLst>
+          </p:cNvPr>
+          <p:cNvGrpSpPr/>
+          <p:nvPr/>
+        </p:nvGrpSpPr>
+        <p:grpSpPr>
+          <a:xfrm>
+            <a:off x="3725336" y="4558623"/>
+            <a:ext cx="1100667" cy="627024"/>
+            <a:chOff x="4521198" y="2503416"/>
+            <a:chExt cx="1100667" cy="627024"/>
+          </a:xfrm>
+        </p:grpSpPr>
+        <p:sp>
+          <p:nvSpPr>
+            <p:cNvPr id="42" name="文本框 41">
+              <a:extLst>
+                <a:ext uri="{FF2B5EF4-FFF2-40B4-BE49-F238E27FC236}">
+                  <a16:creationId xmlns:a16="http://schemas.microsoft.com/office/drawing/2014/main" id="{58D2B2F6-2B7B-4CEC-835F-418BCD96A8D1}"/>
+                </a:ext>
+              </a:extLst>
+            </p:cNvPr>
+            <p:cNvSpPr txBox="1"/>
+            <p:nvPr/>
+          </p:nvSpPr>
+          <p:spPr>
+            <a:xfrm>
+              <a:off x="4521198" y="2503416"/>
+              <a:ext cx="1100667" cy="276999"/>
+            </a:xfrm>
+            <a:prstGeom prst="rect">
+              <a:avLst/>
+            </a:prstGeom>
+            <a:noFill/>
+          </p:spPr>
+          <p:txBody>
+            <a:bodyPr wrap="square" lIns="0" tIns="0" rIns="0" bIns="0" rtlCol="0">
+              <a:spAutoFit/>
+            </a:bodyPr>
+            <a:lstStyle/>
+            <a:p>
+              <a:pPr algn="ctr"/>
+              <a:r>
+                <a:rPr lang="en-US" altLang="zh-CN" dirty="0">
+                  <a:latin typeface="Times New Roman" panose="02020603050405020304" pitchFamily="18" charset="0"/>
+                  <a:ea typeface="宋体" panose="02010600030101010101" pitchFamily="2" charset="-122"/>
+                </a:rPr>
+                <a:t>end</a:t>
+              </a:r>
+              <a:endParaRPr lang="zh-CN" altLang="en-US" dirty="0">
+                <a:latin typeface="Times New Roman" panose="02020603050405020304" pitchFamily="18" charset="0"/>
+                <a:ea typeface="宋体" panose="02010600030101010101" pitchFamily="2" charset="-122"/>
+              </a:endParaRPr>
+            </a:p>
+          </p:txBody>
+        </p:sp>
+        <p:cxnSp>
+          <p:nvCxnSpPr>
+            <p:cNvPr id="43" name="直接箭头连接符 42">
+              <a:extLst>
+                <a:ext uri="{FF2B5EF4-FFF2-40B4-BE49-F238E27FC236}">
+                  <a16:creationId xmlns:a16="http://schemas.microsoft.com/office/drawing/2014/main" id="{56BF9F4A-195E-4AF3-AC52-21398D55D659}"/>
+                </a:ext>
+              </a:extLst>
+            </p:cNvPr>
+            <p:cNvCxnSpPr>
+              <a:cxnSpLocks/>
+            </p:cNvCxnSpPr>
+            <p:nvPr/>
+          </p:nvCxnSpPr>
+          <p:spPr>
+            <a:xfrm rot="10800000" flipV="1">
+              <a:off x="5071533" y="2825065"/>
+              <a:ext cx="0" cy="305375"/>
+            </a:xfrm>
+            <a:prstGeom prst="straightConnector1">
+              <a:avLst/>
+            </a:prstGeom>
+            <a:ln w="19050">
+              <a:tailEnd type="triangle"/>
+            </a:ln>
+          </p:spPr>
+          <p:style>
+            <a:lnRef idx="1">
+              <a:schemeClr val="dk1"/>
+            </a:lnRef>
+            <a:fillRef idx="0">
+              <a:schemeClr val="dk1"/>
+            </a:fillRef>
+            <a:effectRef idx="0">
+              <a:schemeClr val="dk1"/>
+            </a:effectRef>
+            <a:fontRef idx="minor">
+              <a:schemeClr val="tx1"/>
+            </a:fontRef>
+          </p:style>
+        </p:cxnSp>
+      </p:grpSp>
+      <p:grpSp>
+        <p:nvGrpSpPr>
+          <p:cNvPr id="44" name="组合 43">
+            <a:extLst>
+              <a:ext uri="{FF2B5EF4-FFF2-40B4-BE49-F238E27FC236}">
+                <a16:creationId xmlns:a16="http://schemas.microsoft.com/office/drawing/2014/main" id="{679A706E-CE95-49FA-B2B1-FC7108BEE114}"/>
+              </a:ext>
+            </a:extLst>
+          </p:cNvPr>
+          <p:cNvGrpSpPr/>
+          <p:nvPr/>
+        </p:nvGrpSpPr>
+        <p:grpSpPr>
+          <a:xfrm>
+            <a:off x="2500002" y="4555778"/>
+            <a:ext cx="1100667" cy="627024"/>
+            <a:chOff x="2904065" y="2499103"/>
+            <a:chExt cx="1100667" cy="627024"/>
+          </a:xfrm>
+        </p:grpSpPr>
+        <p:sp>
+          <p:nvSpPr>
+            <p:cNvPr id="45" name="文本框 44">
+              <a:extLst>
+                <a:ext uri="{FF2B5EF4-FFF2-40B4-BE49-F238E27FC236}">
+                  <a16:creationId xmlns:a16="http://schemas.microsoft.com/office/drawing/2014/main" id="{586FA398-58BB-4170-86A4-89AE6C5262CD}"/>
+                </a:ext>
+              </a:extLst>
+            </p:cNvPr>
+            <p:cNvSpPr txBox="1"/>
+            <p:nvPr/>
+          </p:nvSpPr>
+          <p:spPr>
+            <a:xfrm>
+              <a:off x="2904065" y="2499103"/>
+              <a:ext cx="1100667" cy="276999"/>
+            </a:xfrm>
+            <a:prstGeom prst="rect">
+              <a:avLst/>
+            </a:prstGeom>
+            <a:noFill/>
+          </p:spPr>
+          <p:txBody>
+            <a:bodyPr wrap="square" lIns="0" tIns="0" rIns="0" bIns="0" rtlCol="0">
+              <a:spAutoFit/>
+            </a:bodyPr>
+            <a:lstStyle/>
+            <a:p>
+              <a:pPr algn="ctr"/>
+              <a:r>
+                <a:rPr lang="en-US" altLang="zh-CN" dirty="0">
+                  <a:latin typeface="Times New Roman" panose="02020603050405020304" pitchFamily="18" charset="0"/>
+                  <a:ea typeface="宋体" panose="02010600030101010101" pitchFamily="2" charset="-122"/>
+                </a:rPr>
+                <a:t>start</a:t>
+              </a:r>
+              <a:endParaRPr lang="zh-CN" altLang="en-US" dirty="0">
+                <a:latin typeface="Times New Roman" panose="02020603050405020304" pitchFamily="18" charset="0"/>
+                <a:ea typeface="宋体" panose="02010600030101010101" pitchFamily="2" charset="-122"/>
+              </a:endParaRPr>
+            </a:p>
+          </p:txBody>
+        </p:sp>
+        <p:cxnSp>
+          <p:nvCxnSpPr>
+            <p:cNvPr id="46" name="直接箭头连接符 45">
+              <a:extLst>
+                <a:ext uri="{FF2B5EF4-FFF2-40B4-BE49-F238E27FC236}">
+                  <a16:creationId xmlns:a16="http://schemas.microsoft.com/office/drawing/2014/main" id="{CF64E493-855B-4A84-B579-08B8F741B19E}"/>
+                </a:ext>
+              </a:extLst>
+            </p:cNvPr>
+            <p:cNvCxnSpPr>
+              <a:cxnSpLocks/>
+            </p:cNvCxnSpPr>
+            <p:nvPr/>
+          </p:nvCxnSpPr>
+          <p:spPr>
+            <a:xfrm rot="10800000" flipV="1">
+              <a:off x="3454400" y="2820752"/>
+              <a:ext cx="0" cy="305375"/>
+            </a:xfrm>
+            <a:prstGeom prst="straightConnector1">
+              <a:avLst/>
+            </a:prstGeom>
+            <a:ln w="19050">
+              <a:tailEnd type="triangle"/>
+            </a:ln>
+          </p:spPr>
+          <p:style>
+            <a:lnRef idx="1">
+              <a:schemeClr val="dk1"/>
+            </a:lnRef>
+            <a:fillRef idx="0">
+              <a:schemeClr val="dk1"/>
+            </a:fillRef>
+            <a:effectRef idx="0">
+              <a:schemeClr val="dk1"/>
+            </a:effectRef>
+            <a:fontRef idx="minor">
+              <a:schemeClr val="tx1"/>
+            </a:fontRef>
+          </p:style>
+        </p:cxnSp>
+      </p:grpSp>
+      <p:cxnSp>
+        <p:nvCxnSpPr>
+          <p:cNvPr id="48" name="直接连接符 47">
+            <a:extLst>
+              <a:ext uri="{FF2B5EF4-FFF2-40B4-BE49-F238E27FC236}">
+                <a16:creationId xmlns:a16="http://schemas.microsoft.com/office/drawing/2014/main" id="{4873B14F-798E-40D5-8677-6B460061E5C5}"/>
+              </a:ext>
+            </a:extLst>
+          </p:cNvPr>
+          <p:cNvCxnSpPr/>
+          <p:nvPr/>
+        </p:nvCxnSpPr>
+        <p:spPr>
+          <a:xfrm>
+            <a:off x="1176867" y="1439331"/>
+            <a:ext cx="7984066" cy="0"/>
+          </a:xfrm>
+          <a:prstGeom prst="line">
+            <a:avLst/>
+          </a:prstGeom>
+          <a:ln w="12700">
+            <a:prstDash val="dash"/>
+            <a:tailEnd type="none"/>
+          </a:ln>
+        </p:spPr>
+        <p:style>
+          <a:lnRef idx="1">
+            <a:schemeClr val="dk1"/>
+          </a:lnRef>
+          <a:fillRef idx="0">
+            <a:schemeClr val="dk1"/>
+          </a:fillRef>
+          <a:effectRef idx="0">
+            <a:schemeClr val="dk1"/>
+          </a:effectRef>
+          <a:fontRef idx="minor">
+            <a:schemeClr val="tx1"/>
+          </a:fontRef>
+        </p:style>
+      </p:cxnSp>
+      <p:cxnSp>
+        <p:nvCxnSpPr>
+          <p:cNvPr id="49" name="直接连接符 48">
+            <a:extLst>
+              <a:ext uri="{FF2B5EF4-FFF2-40B4-BE49-F238E27FC236}">
+                <a16:creationId xmlns:a16="http://schemas.microsoft.com/office/drawing/2014/main" id="{60C99F42-627D-4994-85C0-DE882BAF88CA}"/>
+              </a:ext>
+            </a:extLst>
+          </p:cNvPr>
+          <p:cNvCxnSpPr/>
+          <p:nvPr/>
+        </p:nvCxnSpPr>
+        <p:spPr>
+          <a:xfrm>
+            <a:off x="1176867" y="2348370"/>
+            <a:ext cx="7984066" cy="0"/>
+          </a:xfrm>
+          <a:prstGeom prst="line">
+            <a:avLst/>
+          </a:prstGeom>
+          <a:ln w="12700">
+            <a:prstDash val="dash"/>
+            <a:tailEnd type="none"/>
+          </a:ln>
+        </p:spPr>
+        <p:style>
+          <a:lnRef idx="1">
+            <a:schemeClr val="dk1"/>
+          </a:lnRef>
+          <a:fillRef idx="0">
+            <a:schemeClr val="dk1"/>
+          </a:fillRef>
+          <a:effectRef idx="0">
+            <a:schemeClr val="dk1"/>
+          </a:effectRef>
+          <a:fontRef idx="minor">
+            <a:schemeClr val="tx1"/>
+          </a:fontRef>
+        </p:style>
+      </p:cxnSp>
+      <p:cxnSp>
+        <p:nvCxnSpPr>
+          <p:cNvPr id="50" name="直接连接符 49">
+            <a:extLst>
+              <a:ext uri="{FF2B5EF4-FFF2-40B4-BE49-F238E27FC236}">
+                <a16:creationId xmlns:a16="http://schemas.microsoft.com/office/drawing/2014/main" id="{0C663CF2-C62E-4E75-A3B8-29B8F56D47D8}"/>
+              </a:ext>
+            </a:extLst>
+          </p:cNvPr>
+          <p:cNvCxnSpPr/>
+          <p:nvPr/>
+        </p:nvCxnSpPr>
+        <p:spPr>
+          <a:xfrm>
+            <a:off x="1236134" y="4454175"/>
+            <a:ext cx="7984066" cy="0"/>
+          </a:xfrm>
+          <a:prstGeom prst="line">
+            <a:avLst/>
+          </a:prstGeom>
+          <a:ln w="12700">
+            <a:prstDash val="dash"/>
+            <a:tailEnd type="none"/>
+          </a:ln>
+        </p:spPr>
+        <p:style>
+          <a:lnRef idx="1">
+            <a:schemeClr val="dk1"/>
+          </a:lnRef>
+          <a:fillRef idx="0">
+            <a:schemeClr val="dk1"/>
+          </a:fillRef>
+          <a:effectRef idx="0">
+            <a:schemeClr val="dk1"/>
+          </a:effectRef>
+          <a:fontRef idx="minor">
+            <a:schemeClr val="tx1"/>
+          </a:fontRef>
+        </p:style>
+      </p:cxnSp>
+      <p:sp>
+        <p:nvSpPr>
+          <p:cNvPr id="51" name="文本框 50">
+            <a:extLst>
+              <a:ext uri="{FF2B5EF4-FFF2-40B4-BE49-F238E27FC236}">
+                <a16:creationId xmlns:a16="http://schemas.microsoft.com/office/drawing/2014/main" id="{056D79EF-1BA9-4A06-BB82-495FD0AAD2A4}"/>
+              </a:ext>
+            </a:extLst>
+          </p:cNvPr>
+          <p:cNvSpPr txBox="1"/>
+          <p:nvPr/>
+        </p:nvSpPr>
+        <p:spPr>
+          <a:xfrm>
+            <a:off x="1456267" y="832613"/>
+            <a:ext cx="698502" cy="369332"/>
+          </a:xfrm>
+          <a:prstGeom prst="rect">
+            <a:avLst/>
+          </a:prstGeom>
+          <a:noFill/>
+        </p:spPr>
+        <p:txBody>
+          <a:bodyPr wrap="square" rtlCol="0">
+            <a:spAutoFit/>
+          </a:bodyPr>
+          <a:lstStyle/>
+          <a:p>
+            <a:pPr algn="ctr"/>
+            <a:r>
+              <a:rPr lang="zh-CN" altLang="en-US" dirty="0">
+                <a:latin typeface="Times New Roman" panose="02020603050405020304" pitchFamily="18" charset="0"/>
+                <a:ea typeface="宋体" panose="02010600030101010101" pitchFamily="2" charset="-122"/>
+              </a:rPr>
+              <a:t>①</a:t>
+            </a:r>
+          </a:p>
+        </p:txBody>
+      </p:sp>
+      <p:sp>
+        <p:nvSpPr>
+          <p:cNvPr id="52" name="文本框 51">
+            <a:extLst>
+              <a:ext uri="{FF2B5EF4-FFF2-40B4-BE49-F238E27FC236}">
+                <a16:creationId xmlns:a16="http://schemas.microsoft.com/office/drawing/2014/main" id="{A6E93DAD-ED33-4AB1-97C6-D5213B9736C5}"/>
+              </a:ext>
+            </a:extLst>
+          </p:cNvPr>
+          <p:cNvSpPr txBox="1"/>
+          <p:nvPr/>
+        </p:nvSpPr>
+        <p:spPr>
+          <a:xfrm>
+            <a:off x="1456267" y="1704067"/>
+            <a:ext cx="698502" cy="369332"/>
+          </a:xfrm>
+          <a:prstGeom prst="rect">
+            <a:avLst/>
+          </a:prstGeom>
+          <a:noFill/>
+        </p:spPr>
+        <p:txBody>
+          <a:bodyPr wrap="square" rtlCol="0">
+            <a:spAutoFit/>
+          </a:bodyPr>
+          <a:lstStyle/>
+          <a:p>
+            <a:pPr algn="ctr"/>
+            <a:r>
+              <a:rPr lang="zh-CN" altLang="en-US" dirty="0">
+                <a:latin typeface="Times New Roman" panose="02020603050405020304" pitchFamily="18" charset="0"/>
+                <a:ea typeface="宋体" panose="02010600030101010101" pitchFamily="2" charset="-122"/>
+              </a:rPr>
+              <a:t>②</a:t>
+            </a:r>
+          </a:p>
+        </p:txBody>
+      </p:sp>
+      <p:sp>
+        <p:nvSpPr>
+          <p:cNvPr id="53" name="文本框 52">
+            <a:extLst>
+              <a:ext uri="{FF2B5EF4-FFF2-40B4-BE49-F238E27FC236}">
+                <a16:creationId xmlns:a16="http://schemas.microsoft.com/office/drawing/2014/main" id="{2078F0DE-8EC1-41FE-A60E-798155117697}"/>
+              </a:ext>
+            </a:extLst>
+          </p:cNvPr>
+          <p:cNvSpPr txBox="1"/>
+          <p:nvPr/>
+        </p:nvSpPr>
+        <p:spPr>
+          <a:xfrm>
+            <a:off x="1456267" y="3117064"/>
+            <a:ext cx="698502" cy="369332"/>
+          </a:xfrm>
+          <a:prstGeom prst="rect">
+            <a:avLst/>
+          </a:prstGeom>
+          <a:noFill/>
+        </p:spPr>
+        <p:txBody>
+          <a:bodyPr wrap="square" rtlCol="0">
+            <a:spAutoFit/>
+          </a:bodyPr>
+          <a:lstStyle/>
+          <a:p>
+            <a:pPr algn="ctr"/>
+            <a:r>
+              <a:rPr lang="zh-CN" altLang="en-US" dirty="0">
+                <a:latin typeface="Times New Roman" panose="02020603050405020304" pitchFamily="18" charset="0"/>
+                <a:ea typeface="宋体" panose="02010600030101010101" pitchFamily="2" charset="-122"/>
+              </a:rPr>
+              <a:t>③</a:t>
+            </a:r>
+          </a:p>
+        </p:txBody>
+      </p:sp>
+      <p:sp>
+        <p:nvSpPr>
+          <p:cNvPr id="54" name="文本框 53">
+            <a:extLst>
+              <a:ext uri="{FF2B5EF4-FFF2-40B4-BE49-F238E27FC236}">
+                <a16:creationId xmlns:a16="http://schemas.microsoft.com/office/drawing/2014/main" id="{BADE36A2-BFEF-49F2-9D03-15C110415B31}"/>
+              </a:ext>
+            </a:extLst>
+          </p:cNvPr>
+          <p:cNvSpPr txBox="1"/>
+          <p:nvPr/>
+        </p:nvSpPr>
+        <p:spPr>
+          <a:xfrm>
+            <a:off x="1456267" y="5233991"/>
+            <a:ext cx="698502" cy="369332"/>
+          </a:xfrm>
+          <a:prstGeom prst="rect">
+            <a:avLst/>
+          </a:prstGeom>
+          <a:noFill/>
+        </p:spPr>
+        <p:txBody>
+          <a:bodyPr wrap="square" rtlCol="0">
+            <a:spAutoFit/>
+          </a:bodyPr>
+          <a:lstStyle/>
+          <a:p>
+            <a:pPr algn="ctr"/>
+            <a:r>
+              <a:rPr lang="zh-CN" altLang="en-US" dirty="0">
+                <a:latin typeface="Times New Roman" panose="02020603050405020304" pitchFamily="18" charset="0"/>
+                <a:ea typeface="宋体" panose="02010600030101010101" pitchFamily="2" charset="-122"/>
+              </a:rPr>
+              <a:t>④</a:t>
+            </a:r>
+          </a:p>
+        </p:txBody>
+      </p:sp>
+      <p:cxnSp>
+        <p:nvCxnSpPr>
+          <p:cNvPr id="55" name="直接连接符 54">
+            <a:extLst>
+              <a:ext uri="{FF2B5EF4-FFF2-40B4-BE49-F238E27FC236}">
+                <a16:creationId xmlns:a16="http://schemas.microsoft.com/office/drawing/2014/main" id="{22A61E6D-D6D1-4DAC-AE8B-69A2E50CC28C}"/>
+              </a:ext>
+            </a:extLst>
+          </p:cNvPr>
+          <p:cNvCxnSpPr/>
+          <p:nvPr/>
+        </p:nvCxnSpPr>
+        <p:spPr>
+          <a:xfrm>
+            <a:off x="1265768" y="6562375"/>
+            <a:ext cx="7984066" cy="0"/>
+          </a:xfrm>
+          <a:prstGeom prst="line">
+            <a:avLst/>
+          </a:prstGeom>
+          <a:ln w="12700">
+            <a:prstDash val="dash"/>
+            <a:tailEnd type="none"/>
+          </a:ln>
+        </p:spPr>
+        <p:style>
+          <a:lnRef idx="1">
+            <a:schemeClr val="dk1"/>
+          </a:lnRef>
+          <a:fillRef idx="0">
+            <a:schemeClr val="dk1"/>
+          </a:fillRef>
+          <a:effectRef idx="0">
+            <a:schemeClr val="dk1"/>
+          </a:effectRef>
+          <a:fontRef idx="minor">
+            <a:schemeClr val="tx1"/>
+          </a:fontRef>
+        </p:style>
+      </p:cxnSp>
+      <p:graphicFrame>
+        <p:nvGraphicFramePr>
+          <p:cNvPr id="56" name="表格 4">
+            <a:extLst>
+              <a:ext uri="{FF2B5EF4-FFF2-40B4-BE49-F238E27FC236}">
+                <a16:creationId xmlns:a16="http://schemas.microsoft.com/office/drawing/2014/main" id="{86505BB1-8386-4C3B-96FE-2CB873BBFED4}"/>
+              </a:ext>
+            </a:extLst>
+          </p:cNvPr>
+          <p:cNvGraphicFramePr>
+            <a:graphicFrameLocks noGrp="1"/>
+          </p:cNvGraphicFramePr>
+          <p:nvPr>
+            <p:extLst>
+              <p:ext uri="{D42A27DB-BD31-4B8C-83A1-F6EECF244321}">
+                <p14:modId xmlns:p14="http://schemas.microsoft.com/office/powerpoint/2010/main" val="1164397181"/>
+              </p:ext>
+            </p:extLst>
+          </p:nvPr>
+        </p:nvGraphicFramePr>
+        <p:xfrm>
+          <a:off x="2440733" y="7453514"/>
+          <a:ext cx="5689600" cy="396240"/>
+        </p:xfrm>
+        <a:graphic>
+          <a:graphicData uri="http://schemas.openxmlformats.org/drawingml/2006/table">
+            <a:tbl>
+              <a:tblPr firstRow="1" bandRow="1">
+                <a:tableStyleId>{5940675A-B579-460E-94D1-54222C63F5DA}</a:tableStyleId>
+              </a:tblPr>
+              <a:tblGrid>
+                <a:gridCol w="406400">
+                  <a:extLst>
+                    <a:ext uri="{9D8B030D-6E8A-4147-A177-3AD203B41FA5}">
+                      <a16:colId xmlns:a16="http://schemas.microsoft.com/office/drawing/2014/main" val="724645724"/>
+                    </a:ext>
+                  </a:extLst>
+                </a:gridCol>
+                <a:gridCol w="406400">
+                  <a:extLst>
+                    <a:ext uri="{9D8B030D-6E8A-4147-A177-3AD203B41FA5}">
+                      <a16:colId xmlns:a16="http://schemas.microsoft.com/office/drawing/2014/main" val="1836722532"/>
+                    </a:ext>
+                  </a:extLst>
+                </a:gridCol>
+                <a:gridCol w="406400">
+                  <a:extLst>
+                    <a:ext uri="{9D8B030D-6E8A-4147-A177-3AD203B41FA5}">
+                      <a16:colId xmlns:a16="http://schemas.microsoft.com/office/drawing/2014/main" val="3009865464"/>
+                    </a:ext>
+                  </a:extLst>
+                </a:gridCol>
+                <a:gridCol w="406400">
+                  <a:extLst>
+                    <a:ext uri="{9D8B030D-6E8A-4147-A177-3AD203B41FA5}">
+                      <a16:colId xmlns:a16="http://schemas.microsoft.com/office/drawing/2014/main" val="2013969288"/>
+                    </a:ext>
+                  </a:extLst>
+                </a:gridCol>
+                <a:gridCol w="406400">
+                  <a:extLst>
+                    <a:ext uri="{9D8B030D-6E8A-4147-A177-3AD203B41FA5}">
+                      <a16:colId xmlns:a16="http://schemas.microsoft.com/office/drawing/2014/main" val="2573172242"/>
+                    </a:ext>
+                  </a:extLst>
+                </a:gridCol>
+                <a:gridCol w="406400">
+                  <a:extLst>
+                    <a:ext uri="{9D8B030D-6E8A-4147-A177-3AD203B41FA5}">
+                      <a16:colId xmlns:a16="http://schemas.microsoft.com/office/drawing/2014/main" val="1176554396"/>
+                    </a:ext>
+                  </a:extLst>
+                </a:gridCol>
+                <a:gridCol w="406400">
+                  <a:extLst>
+                    <a:ext uri="{9D8B030D-6E8A-4147-A177-3AD203B41FA5}">
+                      <a16:colId xmlns:a16="http://schemas.microsoft.com/office/drawing/2014/main" val="2148932215"/>
+                    </a:ext>
+                  </a:extLst>
+                </a:gridCol>
+                <a:gridCol w="406400">
+                  <a:extLst>
+                    <a:ext uri="{9D8B030D-6E8A-4147-A177-3AD203B41FA5}">
+                      <a16:colId xmlns:a16="http://schemas.microsoft.com/office/drawing/2014/main" val="1914188605"/>
+                    </a:ext>
+                  </a:extLst>
+                </a:gridCol>
+                <a:gridCol w="406400">
+                  <a:extLst>
+                    <a:ext uri="{9D8B030D-6E8A-4147-A177-3AD203B41FA5}">
+                      <a16:colId xmlns:a16="http://schemas.microsoft.com/office/drawing/2014/main" val="1524311926"/>
+                    </a:ext>
+                  </a:extLst>
+                </a:gridCol>
+                <a:gridCol w="406400">
+                  <a:extLst>
+                    <a:ext uri="{9D8B030D-6E8A-4147-A177-3AD203B41FA5}">
+                      <a16:colId xmlns:a16="http://schemas.microsoft.com/office/drawing/2014/main" val="3881050891"/>
+                    </a:ext>
+                  </a:extLst>
+                </a:gridCol>
+                <a:gridCol w="406400">
+                  <a:extLst>
+                    <a:ext uri="{9D8B030D-6E8A-4147-A177-3AD203B41FA5}">
+                      <a16:colId xmlns:a16="http://schemas.microsoft.com/office/drawing/2014/main" val="1931707403"/>
+                    </a:ext>
+                  </a:extLst>
+                </a:gridCol>
+                <a:gridCol w="406400">
+                  <a:extLst>
+                    <a:ext uri="{9D8B030D-6E8A-4147-A177-3AD203B41FA5}">
+                      <a16:colId xmlns:a16="http://schemas.microsoft.com/office/drawing/2014/main" val="4196253283"/>
+                    </a:ext>
+                  </a:extLst>
+                </a:gridCol>
+                <a:gridCol w="406400">
+                  <a:extLst>
+                    <a:ext uri="{9D8B030D-6E8A-4147-A177-3AD203B41FA5}">
+                      <a16:colId xmlns:a16="http://schemas.microsoft.com/office/drawing/2014/main" val="342264775"/>
+                    </a:ext>
+                  </a:extLst>
+                </a:gridCol>
+                <a:gridCol w="406400">
+                  <a:extLst>
+                    <a:ext uri="{9D8B030D-6E8A-4147-A177-3AD203B41FA5}">
+                      <a16:colId xmlns:a16="http://schemas.microsoft.com/office/drawing/2014/main" val="28913360"/>
+                    </a:ext>
+                  </a:extLst>
+                </a:gridCol>
+              </a:tblGrid>
+              <a:tr h="370840">
+                <a:tc>
+                  <a:txBody>
+                    <a:bodyPr/>
+                    <a:lstStyle/>
+                    <a:p>
+                      <a:pPr algn="ctr"/>
+                      <a:r>
+                        <a:rPr lang="en-US" altLang="zh-CN" sz="2000" b="0" dirty="0">
+                          <a:latin typeface="Times New Roman" panose="02020603050405020304" pitchFamily="18" charset="0"/>
+                          <a:cs typeface="Times New Roman" panose="02020603050405020304" pitchFamily="18" charset="0"/>
+                        </a:rPr>
+                        <a:t>f</a:t>
+                      </a:r>
+                      <a:endParaRPr lang="zh-CN" altLang="en-US" sz="2000" b="0" dirty="0">
+                        <a:latin typeface="Times New Roman" panose="02020603050405020304" pitchFamily="18" charset="0"/>
+                        <a:cs typeface="Times New Roman" panose="02020603050405020304" pitchFamily="18" charset="0"/>
+                      </a:endParaRPr>
+                    </a:p>
+                  </a:txBody>
+                  <a:tcPr>
+                    <a:solidFill>
+                      <a:schemeClr val="accent6">
+                        <a:lumMod val="20000"/>
+                        <a:lumOff val="80000"/>
+                      </a:schemeClr>
+                    </a:solidFill>
+                  </a:tcPr>
+                </a:tc>
+                <a:tc>
+                  <a:txBody>
+                    <a:bodyPr/>
+                    <a:lstStyle/>
+                    <a:p>
+                      <a:pPr algn="ctr"/>
+                      <a:r>
+                        <a:rPr lang="en-US" altLang="zh-CN" sz="2000" b="0" dirty="0">
+                          <a:latin typeface="Times New Roman" panose="02020603050405020304" pitchFamily="18" charset="0"/>
+                          <a:cs typeface="Times New Roman" panose="02020603050405020304" pitchFamily="18" charset="0"/>
+                        </a:rPr>
+                        <a:t>u</a:t>
+                      </a:r>
+                      <a:endParaRPr lang="zh-CN" altLang="en-US" sz="2000" b="0" dirty="0">
+                        <a:latin typeface="Times New Roman" panose="02020603050405020304" pitchFamily="18" charset="0"/>
+                        <a:cs typeface="Times New Roman" panose="02020603050405020304" pitchFamily="18" charset="0"/>
+                      </a:endParaRPr>
+                    </a:p>
+                  </a:txBody>
+                  <a:tcPr>
+                    <a:solidFill>
+                      <a:schemeClr val="accent6">
+                        <a:lumMod val="20000"/>
+                        <a:lumOff val="80000"/>
+                      </a:schemeClr>
+                    </a:solidFill>
+                  </a:tcPr>
+                </a:tc>
+                <a:tc>
+                  <a:txBody>
+                    <a:bodyPr/>
+                    <a:lstStyle/>
+                    <a:p>
+                      <a:pPr algn="ctr"/>
+                      <a:r>
+                        <a:rPr lang="en-US" altLang="zh-CN" sz="2000" b="0" dirty="0">
+                          <a:latin typeface="Times New Roman" panose="02020603050405020304" pitchFamily="18" charset="0"/>
+                          <a:cs typeface="Times New Roman" panose="02020603050405020304" pitchFamily="18" charset="0"/>
+                        </a:rPr>
+                        <a:t>n</a:t>
+                      </a:r>
+                      <a:endParaRPr lang="zh-CN" altLang="en-US" sz="2000" b="0" dirty="0">
+                        <a:latin typeface="Times New Roman" panose="02020603050405020304" pitchFamily="18" charset="0"/>
+                        <a:cs typeface="Times New Roman" panose="02020603050405020304" pitchFamily="18" charset="0"/>
+                      </a:endParaRPr>
+                    </a:p>
+                  </a:txBody>
+                  <a:tcPr>
+                    <a:solidFill>
+                      <a:schemeClr val="accent6">
+                        <a:lumMod val="20000"/>
+                        <a:lumOff val="80000"/>
+                      </a:schemeClr>
+                    </a:solidFill>
+                  </a:tcPr>
+                </a:tc>
+                <a:tc>
+                  <a:txBody>
+                    <a:bodyPr/>
+                    <a:lstStyle/>
+                    <a:p>
+                      <a:pPr algn="ctr"/>
+                      <a:endParaRPr lang="zh-CN" altLang="en-US" sz="2000" b="0" dirty="0">
+                        <a:latin typeface="Times New Roman" panose="02020603050405020304" pitchFamily="18" charset="0"/>
+                        <a:cs typeface="Times New Roman" panose="02020603050405020304" pitchFamily="18" charset="0"/>
+                      </a:endParaRPr>
+                    </a:p>
+                  </a:txBody>
+                  <a:tcPr>
+                    <a:noFill/>
+                  </a:tcPr>
+                </a:tc>
+                <a:tc>
+                  <a:txBody>
+                    <a:bodyPr/>
+                    <a:lstStyle/>
+                    <a:p>
+                      <a:pPr algn="ctr"/>
+                      <a:endParaRPr lang="zh-CN" altLang="en-US" sz="2000" b="0" dirty="0">
+                        <a:latin typeface="Times New Roman" panose="02020603050405020304" pitchFamily="18" charset="0"/>
+                        <a:cs typeface="Times New Roman" panose="02020603050405020304" pitchFamily="18" charset="0"/>
+                      </a:endParaRPr>
+                    </a:p>
+                  </a:txBody>
+                  <a:tcPr/>
+                </a:tc>
+                <a:tc>
+                  <a:txBody>
+                    <a:bodyPr/>
+                    <a:lstStyle/>
+                    <a:p>
+                      <a:pPr algn="ctr"/>
+                      <a:r>
+                        <a:rPr lang="en-US" altLang="zh-CN" sz="2000" b="0" dirty="0">
+                          <a:latin typeface="Times New Roman" panose="02020603050405020304" pitchFamily="18" charset="0"/>
+                          <a:cs typeface="Times New Roman" panose="02020603050405020304" pitchFamily="18" charset="0"/>
+                        </a:rPr>
+                        <a:t>s</a:t>
+                      </a:r>
+                      <a:endParaRPr lang="zh-CN" altLang="en-US" sz="2000" b="0" dirty="0">
+                        <a:latin typeface="Times New Roman" panose="02020603050405020304" pitchFamily="18" charset="0"/>
+                        <a:cs typeface="Times New Roman" panose="02020603050405020304" pitchFamily="18" charset="0"/>
+                      </a:endParaRPr>
+                    </a:p>
+                  </a:txBody>
+                  <a:tcPr/>
+                </a:tc>
+                <a:tc>
+                  <a:txBody>
+                    <a:bodyPr/>
+                    <a:lstStyle/>
+                    <a:p>
+                      <a:pPr algn="ctr"/>
+                      <a:r>
+                        <a:rPr lang="en-US" altLang="zh-CN" sz="2000" b="0" dirty="0" err="1">
+                          <a:latin typeface="Times New Roman" panose="02020603050405020304" pitchFamily="18" charset="0"/>
+                          <a:cs typeface="Times New Roman" panose="02020603050405020304" pitchFamily="18" charset="0"/>
+                        </a:rPr>
+                        <a:t>i</a:t>
+                      </a:r>
+                      <a:endParaRPr lang="zh-CN" altLang="en-US" sz="2000" b="0" dirty="0">
+                        <a:latin typeface="Times New Roman" panose="02020603050405020304" pitchFamily="18" charset="0"/>
+                        <a:cs typeface="Times New Roman" panose="02020603050405020304" pitchFamily="18" charset="0"/>
+                      </a:endParaRPr>
+                    </a:p>
+                  </a:txBody>
+                  <a:tcPr/>
+                </a:tc>
+                <a:tc>
+                  <a:txBody>
+                    <a:bodyPr/>
+                    <a:lstStyle/>
+                    <a:p>
+                      <a:pPr algn="ctr"/>
+                      <a:endParaRPr lang="zh-CN" altLang="en-US" sz="2000" b="0" dirty="0">
+                        <a:latin typeface="Times New Roman" panose="02020603050405020304" pitchFamily="18" charset="0"/>
+                        <a:cs typeface="Times New Roman" panose="02020603050405020304" pitchFamily="18" charset="0"/>
+                      </a:endParaRPr>
+                    </a:p>
+                  </a:txBody>
+                  <a:tcPr/>
+                </a:tc>
+                <a:tc>
+                  <a:txBody>
+                    <a:bodyPr/>
+                    <a:lstStyle/>
+                    <a:p>
+                      <a:pPr algn="ctr"/>
+                      <a:r>
+                        <a:rPr lang="en-US" altLang="zh-CN" sz="2000" b="0" dirty="0">
+                          <a:latin typeface="Times New Roman" panose="02020603050405020304" pitchFamily="18" charset="0"/>
+                          <a:cs typeface="Times New Roman" panose="02020603050405020304" pitchFamily="18" charset="0"/>
+                        </a:rPr>
+                        <a:t>e</a:t>
+                      </a:r>
+                      <a:endParaRPr lang="zh-CN" altLang="en-US" sz="2000" b="0" dirty="0">
+                        <a:latin typeface="Times New Roman" panose="02020603050405020304" pitchFamily="18" charset="0"/>
+                        <a:cs typeface="Times New Roman" panose="02020603050405020304" pitchFamily="18" charset="0"/>
+                      </a:endParaRPr>
+                    </a:p>
+                  </a:txBody>
+                  <a:tcPr/>
+                </a:tc>
+                <a:tc>
+                  <a:txBody>
+                    <a:bodyPr/>
+                    <a:lstStyle/>
+                    <a:p>
+                      <a:pPr algn="ctr"/>
+                      <a:r>
+                        <a:rPr lang="en-US" altLang="zh-CN" sz="2000" b="0" dirty="0">
+                          <a:latin typeface="Times New Roman" panose="02020603050405020304" pitchFamily="18" charset="0"/>
+                          <a:cs typeface="Times New Roman" panose="02020603050405020304" pitchFamily="18" charset="0"/>
+                        </a:rPr>
+                        <a:t>d</a:t>
+                      </a:r>
+                      <a:endParaRPr lang="zh-CN" altLang="en-US" sz="2000" b="0" dirty="0">
+                        <a:latin typeface="Times New Roman" panose="02020603050405020304" pitchFamily="18" charset="0"/>
+                        <a:cs typeface="Times New Roman" panose="02020603050405020304" pitchFamily="18" charset="0"/>
+                      </a:endParaRPr>
+                    </a:p>
+                  </a:txBody>
+                  <a:tcPr/>
+                </a:tc>
+                <a:tc>
+                  <a:txBody>
+                    <a:bodyPr/>
+                    <a:lstStyle/>
+                    <a:p>
+                      <a:pPr algn="ctr"/>
+                      <a:r>
+                        <a:rPr lang="en-US" altLang="zh-CN" sz="2000" b="0" dirty="0">
+                          <a:latin typeface="Times New Roman" panose="02020603050405020304" pitchFamily="18" charset="0"/>
+                          <a:cs typeface="Times New Roman" panose="02020603050405020304" pitchFamily="18" charset="0"/>
+                        </a:rPr>
+                        <a:t>o</a:t>
+                      </a:r>
+                      <a:endParaRPr lang="zh-CN" altLang="en-US" sz="2000" b="0" dirty="0">
+                        <a:latin typeface="Times New Roman" panose="02020603050405020304" pitchFamily="18" charset="0"/>
+                        <a:cs typeface="Times New Roman" panose="02020603050405020304" pitchFamily="18" charset="0"/>
+                      </a:endParaRPr>
+                    </a:p>
+                  </a:txBody>
+                  <a:tcPr/>
+                </a:tc>
+                <a:tc>
+                  <a:txBody>
+                    <a:bodyPr/>
+                    <a:lstStyle/>
+                    <a:p>
+                      <a:pPr algn="ctr"/>
+                      <a:r>
+                        <a:rPr lang="en-US" altLang="zh-CN" sz="2000" b="0" dirty="0">
+                          <a:latin typeface="Times New Roman" panose="02020603050405020304" pitchFamily="18" charset="0"/>
+                          <a:cs typeface="Times New Roman" panose="02020603050405020304" pitchFamily="18" charset="0"/>
+                        </a:rPr>
+                        <a:t>c</a:t>
+                      </a:r>
+                      <a:endParaRPr lang="zh-CN" altLang="en-US" sz="2000" b="0" dirty="0">
+                        <a:latin typeface="Times New Roman" panose="02020603050405020304" pitchFamily="18" charset="0"/>
+                        <a:cs typeface="Times New Roman" panose="02020603050405020304" pitchFamily="18" charset="0"/>
+                      </a:endParaRPr>
+                    </a:p>
+                  </a:txBody>
+                  <a:tcPr/>
+                </a:tc>
+                <a:tc>
+                  <a:txBody>
+                    <a:bodyPr/>
+                    <a:lstStyle/>
+                    <a:p>
+                      <a:pPr algn="ctr"/>
+                      <a:endParaRPr lang="zh-CN" altLang="en-US" sz="2000" b="0" dirty="0">
+                        <a:latin typeface="Times New Roman" panose="02020603050405020304" pitchFamily="18" charset="0"/>
+                        <a:cs typeface="Times New Roman" panose="02020603050405020304" pitchFamily="18" charset="0"/>
+                      </a:endParaRPr>
+                    </a:p>
+                  </a:txBody>
+                  <a:tcPr/>
+                </a:tc>
+                <a:tc>
+                  <a:txBody>
+                    <a:bodyPr/>
+                    <a:lstStyle/>
+                    <a:p>
+                      <a:pPr algn="ctr"/>
+                      <a:endParaRPr lang="zh-CN" altLang="en-US" sz="2000" b="0" dirty="0">
+                        <a:latin typeface="Times New Roman" panose="02020603050405020304" pitchFamily="18" charset="0"/>
+                        <a:cs typeface="Times New Roman" panose="02020603050405020304" pitchFamily="18" charset="0"/>
+                      </a:endParaRPr>
+                    </a:p>
+                  </a:txBody>
+                  <a:tcPr/>
+                </a:tc>
+                <a:extLst>
+                  <a:ext uri="{0D108BD9-81ED-4DB2-BD59-A6C34878D82A}">
+                    <a16:rowId xmlns:a16="http://schemas.microsoft.com/office/drawing/2014/main" val="3732229575"/>
+                  </a:ext>
+                </a:extLst>
+              </a:tr>
+            </a:tbl>
+          </a:graphicData>
+        </a:graphic>
+      </p:graphicFrame>
+      <p:grpSp>
+        <p:nvGrpSpPr>
+          <p:cNvPr id="57" name="组合 56">
+            <a:extLst>
+              <a:ext uri="{FF2B5EF4-FFF2-40B4-BE49-F238E27FC236}">
+                <a16:creationId xmlns:a16="http://schemas.microsoft.com/office/drawing/2014/main" id="{F2704DCB-E354-4DB4-884B-D401688C516B}"/>
+              </a:ext>
+            </a:extLst>
+          </p:cNvPr>
+          <p:cNvGrpSpPr/>
+          <p:nvPr/>
+        </p:nvGrpSpPr>
+        <p:grpSpPr>
+          <a:xfrm>
+            <a:off x="3518750" y="8003642"/>
+            <a:ext cx="677333" cy="610880"/>
+            <a:chOff x="4732865" y="3593626"/>
+            <a:chExt cx="677333" cy="610880"/>
+          </a:xfrm>
+        </p:grpSpPr>
+        <p:cxnSp>
+          <p:nvCxnSpPr>
+            <p:cNvPr id="58" name="直接箭头连接符 57">
+              <a:extLst>
+                <a:ext uri="{FF2B5EF4-FFF2-40B4-BE49-F238E27FC236}">
+                  <a16:creationId xmlns:a16="http://schemas.microsoft.com/office/drawing/2014/main" id="{9A0BA185-21F4-4E97-9B64-73B2B929259C}"/>
+                </a:ext>
+              </a:extLst>
+            </p:cNvPr>
+            <p:cNvCxnSpPr>
+              <a:cxnSpLocks/>
+            </p:cNvCxnSpPr>
+            <p:nvPr/>
+          </p:nvCxnSpPr>
+          <p:spPr>
+            <a:xfrm flipV="1">
+              <a:off x="5071532" y="3593626"/>
+              <a:ext cx="0" cy="305375"/>
+            </a:xfrm>
+            <a:prstGeom prst="straightConnector1">
+              <a:avLst/>
+            </a:prstGeom>
+            <a:ln w="19050">
+              <a:tailEnd type="triangle"/>
+            </a:ln>
+          </p:spPr>
+          <p:style>
+            <a:lnRef idx="1">
+              <a:schemeClr val="dk1"/>
+            </a:lnRef>
+            <a:fillRef idx="0">
+              <a:schemeClr val="dk1"/>
+            </a:fillRef>
+            <a:effectRef idx="0">
+              <a:schemeClr val="dk1"/>
+            </a:effectRef>
+            <a:fontRef idx="minor">
+              <a:schemeClr val="tx1"/>
+            </a:fontRef>
+          </p:style>
+        </p:cxnSp>
+        <p:sp>
+          <p:nvSpPr>
+            <p:cNvPr id="59" name="文本框 58">
+              <a:extLst>
+                <a:ext uri="{FF2B5EF4-FFF2-40B4-BE49-F238E27FC236}">
+                  <a16:creationId xmlns:a16="http://schemas.microsoft.com/office/drawing/2014/main" id="{A23D7F1A-A24C-46F4-B7D4-2D4CB1548426}"/>
+                </a:ext>
+              </a:extLst>
+            </p:cNvPr>
+            <p:cNvSpPr txBox="1"/>
+            <p:nvPr/>
+          </p:nvSpPr>
+          <p:spPr>
+            <a:xfrm>
+              <a:off x="4732865" y="3927507"/>
+              <a:ext cx="677333" cy="276999"/>
+            </a:xfrm>
+            <a:prstGeom prst="rect">
+              <a:avLst/>
+            </a:prstGeom>
+            <a:noFill/>
+          </p:spPr>
+          <p:txBody>
+            <a:bodyPr wrap="square" lIns="0" tIns="0" rIns="0" bIns="0" rtlCol="0">
+              <a:spAutoFit/>
+            </a:bodyPr>
+            <a:lstStyle/>
+            <a:p>
+              <a:pPr algn="ctr"/>
+              <a:r>
+                <a:rPr lang="en-US" altLang="zh-CN" dirty="0" err="1">
+                  <a:latin typeface="Times New Roman" panose="02020603050405020304" pitchFamily="18" charset="0"/>
+                  <a:ea typeface="宋体" panose="02010600030101010101" pitchFamily="2" charset="-122"/>
+                </a:rPr>
+                <a:t>idx</a:t>
+              </a:r>
+              <a:endParaRPr lang="zh-CN" altLang="en-US" dirty="0">
+                <a:latin typeface="Times New Roman" panose="02020603050405020304" pitchFamily="18" charset="0"/>
+                <a:ea typeface="宋体" panose="02010600030101010101" pitchFamily="2" charset="-122"/>
+              </a:endParaRPr>
+            </a:p>
+          </p:txBody>
+        </p:sp>
+      </p:grpSp>
+      <p:grpSp>
+        <p:nvGrpSpPr>
+          <p:cNvPr id="60" name="组合 59">
+            <a:extLst>
+              <a:ext uri="{FF2B5EF4-FFF2-40B4-BE49-F238E27FC236}">
+                <a16:creationId xmlns:a16="http://schemas.microsoft.com/office/drawing/2014/main" id="{BC55660F-740B-48BB-A1E8-554FB948BB00}"/>
+              </a:ext>
+            </a:extLst>
+          </p:cNvPr>
+          <p:cNvGrpSpPr/>
+          <p:nvPr/>
+        </p:nvGrpSpPr>
+        <p:grpSpPr>
+          <a:xfrm>
+            <a:off x="4157134" y="8968474"/>
+            <a:ext cx="1100667" cy="627024"/>
+            <a:chOff x="4521198" y="2503416"/>
+            <a:chExt cx="1100667" cy="627024"/>
+          </a:xfrm>
+        </p:grpSpPr>
+        <p:sp>
+          <p:nvSpPr>
+            <p:cNvPr id="61" name="文本框 60">
+              <a:extLst>
+                <a:ext uri="{FF2B5EF4-FFF2-40B4-BE49-F238E27FC236}">
+                  <a16:creationId xmlns:a16="http://schemas.microsoft.com/office/drawing/2014/main" id="{9ED8D7DE-D46B-4AAF-9E24-E0674979579F}"/>
+                </a:ext>
+              </a:extLst>
+            </p:cNvPr>
+            <p:cNvSpPr txBox="1"/>
+            <p:nvPr/>
+          </p:nvSpPr>
+          <p:spPr>
+            <a:xfrm>
+              <a:off x="4521198" y="2503416"/>
+              <a:ext cx="1100667" cy="276999"/>
+            </a:xfrm>
+            <a:prstGeom prst="rect">
+              <a:avLst/>
+            </a:prstGeom>
+            <a:noFill/>
+          </p:spPr>
+          <p:txBody>
+            <a:bodyPr wrap="square" lIns="0" tIns="0" rIns="0" bIns="0" rtlCol="0">
+              <a:spAutoFit/>
+            </a:bodyPr>
+            <a:lstStyle/>
+            <a:p>
+              <a:pPr algn="ctr"/>
+              <a:r>
+                <a:rPr lang="en-US" altLang="zh-CN" dirty="0">
+                  <a:latin typeface="Times New Roman" panose="02020603050405020304" pitchFamily="18" charset="0"/>
+                  <a:ea typeface="宋体" panose="02010600030101010101" pitchFamily="2" charset="-122"/>
+                </a:rPr>
+                <a:t>start,</a:t>
+              </a:r>
+              <a:r>
+                <a:rPr lang="zh-CN" altLang="en-US" dirty="0">
+                  <a:latin typeface="Times New Roman" panose="02020603050405020304" pitchFamily="18" charset="0"/>
+                  <a:ea typeface="宋体" panose="02010600030101010101" pitchFamily="2" charset="-122"/>
+                </a:rPr>
+                <a:t> </a:t>
+              </a:r>
+              <a:r>
+                <a:rPr lang="en-US" altLang="zh-CN" dirty="0">
+                  <a:latin typeface="Times New Roman" panose="02020603050405020304" pitchFamily="18" charset="0"/>
+                  <a:ea typeface="宋体" panose="02010600030101010101" pitchFamily="2" charset="-122"/>
+                </a:rPr>
+                <a:t>end</a:t>
+              </a:r>
+              <a:endParaRPr lang="zh-CN" altLang="en-US" dirty="0">
+                <a:latin typeface="Times New Roman" panose="02020603050405020304" pitchFamily="18" charset="0"/>
+                <a:ea typeface="宋体" panose="02010600030101010101" pitchFamily="2" charset="-122"/>
+              </a:endParaRPr>
+            </a:p>
+          </p:txBody>
+        </p:sp>
+        <p:cxnSp>
+          <p:nvCxnSpPr>
+            <p:cNvPr id="62" name="直接箭头连接符 61">
+              <a:extLst>
+                <a:ext uri="{FF2B5EF4-FFF2-40B4-BE49-F238E27FC236}">
+                  <a16:creationId xmlns:a16="http://schemas.microsoft.com/office/drawing/2014/main" id="{0D16D4DF-196E-44A8-9058-A4B7A62F04A1}"/>
+                </a:ext>
+              </a:extLst>
+            </p:cNvPr>
+            <p:cNvCxnSpPr>
+              <a:cxnSpLocks/>
+            </p:cNvCxnSpPr>
+            <p:nvPr/>
+          </p:nvCxnSpPr>
+          <p:spPr>
+            <a:xfrm rot="10800000" flipV="1">
+              <a:off x="5071533" y="2825065"/>
+              <a:ext cx="0" cy="305375"/>
+            </a:xfrm>
+            <a:prstGeom prst="straightConnector1">
+              <a:avLst/>
+            </a:prstGeom>
+            <a:ln w="19050">
+              <a:tailEnd type="triangle"/>
+            </a:ln>
+          </p:spPr>
+          <p:style>
+            <a:lnRef idx="1">
+              <a:schemeClr val="dk1"/>
+            </a:lnRef>
+            <a:fillRef idx="0">
+              <a:schemeClr val="dk1"/>
+            </a:fillRef>
+            <a:effectRef idx="0">
+              <a:schemeClr val="dk1"/>
+            </a:effectRef>
+            <a:fontRef idx="minor">
+              <a:schemeClr val="tx1"/>
+            </a:fontRef>
+          </p:style>
+        </p:cxnSp>
+      </p:grpSp>
+      <p:sp>
+        <p:nvSpPr>
+          <p:cNvPr id="66" name="文本框 65">
+            <a:extLst>
+              <a:ext uri="{FF2B5EF4-FFF2-40B4-BE49-F238E27FC236}">
+                <a16:creationId xmlns:a16="http://schemas.microsoft.com/office/drawing/2014/main" id="{722C3D71-7E2E-464E-8D11-8FD324A7956C}"/>
+              </a:ext>
+            </a:extLst>
+          </p:cNvPr>
+          <p:cNvSpPr txBox="1"/>
+          <p:nvPr/>
+        </p:nvSpPr>
+        <p:spPr>
+          <a:xfrm>
+            <a:off x="1456267" y="7451256"/>
+            <a:ext cx="698502" cy="369332"/>
+          </a:xfrm>
+          <a:prstGeom prst="rect">
+            <a:avLst/>
+          </a:prstGeom>
+          <a:noFill/>
+        </p:spPr>
+        <p:txBody>
+          <a:bodyPr wrap="square" rtlCol="0">
+            <a:spAutoFit/>
+          </a:bodyPr>
+          <a:lstStyle/>
+          <a:p>
+            <a:pPr algn="ctr"/>
+            <a:r>
+              <a:rPr lang="zh-CN" altLang="en-US" dirty="0">
+                <a:latin typeface="Times New Roman" panose="02020603050405020304" pitchFamily="18" charset="0"/>
+                <a:ea typeface="宋体" panose="02010600030101010101" pitchFamily="2" charset="-122"/>
+              </a:rPr>
+              <a:t>⑤</a:t>
+            </a:r>
+          </a:p>
+        </p:txBody>
+      </p:sp>
+      <p:graphicFrame>
+        <p:nvGraphicFramePr>
+          <p:cNvPr id="67" name="表格 4">
+            <a:extLst>
+              <a:ext uri="{FF2B5EF4-FFF2-40B4-BE49-F238E27FC236}">
+                <a16:creationId xmlns:a16="http://schemas.microsoft.com/office/drawing/2014/main" id="{8F2BE325-59D0-48D2-8594-63C833AC8D1E}"/>
+              </a:ext>
+            </a:extLst>
+          </p:cNvPr>
+          <p:cNvGraphicFramePr>
+            <a:graphicFrameLocks noGrp="1"/>
+          </p:cNvGraphicFramePr>
+          <p:nvPr>
+            <p:extLst>
+              <p:ext uri="{D42A27DB-BD31-4B8C-83A1-F6EECF244321}">
+                <p14:modId xmlns:p14="http://schemas.microsoft.com/office/powerpoint/2010/main" val="3200481569"/>
+              </p:ext>
+            </p:extLst>
+          </p:nvPr>
+        </p:nvGraphicFramePr>
+        <p:xfrm>
+          <a:off x="2440733" y="9660683"/>
+          <a:ext cx="5689600" cy="396240"/>
+        </p:xfrm>
+        <a:graphic>
+          <a:graphicData uri="http://schemas.openxmlformats.org/drawingml/2006/table">
+            <a:tbl>
+              <a:tblPr firstRow="1" bandRow="1">
+                <a:tableStyleId>{5940675A-B579-460E-94D1-54222C63F5DA}</a:tableStyleId>
+              </a:tblPr>
+              <a:tblGrid>
+                <a:gridCol w="406400">
+                  <a:extLst>
+                    <a:ext uri="{9D8B030D-6E8A-4147-A177-3AD203B41FA5}">
+                      <a16:colId xmlns:a16="http://schemas.microsoft.com/office/drawing/2014/main" val="724645724"/>
+                    </a:ext>
+                  </a:extLst>
+                </a:gridCol>
+                <a:gridCol w="406400">
+                  <a:extLst>
+                    <a:ext uri="{9D8B030D-6E8A-4147-A177-3AD203B41FA5}">
+                      <a16:colId xmlns:a16="http://schemas.microsoft.com/office/drawing/2014/main" val="1836722532"/>
+                    </a:ext>
+                  </a:extLst>
+                </a:gridCol>
+                <a:gridCol w="406400">
+                  <a:extLst>
+                    <a:ext uri="{9D8B030D-6E8A-4147-A177-3AD203B41FA5}">
+                      <a16:colId xmlns:a16="http://schemas.microsoft.com/office/drawing/2014/main" val="3009865464"/>
+                    </a:ext>
+                  </a:extLst>
+                </a:gridCol>
+                <a:gridCol w="406400">
+                  <a:extLst>
+                    <a:ext uri="{9D8B030D-6E8A-4147-A177-3AD203B41FA5}">
+                      <a16:colId xmlns:a16="http://schemas.microsoft.com/office/drawing/2014/main" val="2013969288"/>
+                    </a:ext>
+                  </a:extLst>
+                </a:gridCol>
+                <a:gridCol w="406400">
+                  <a:extLst>
+                    <a:ext uri="{9D8B030D-6E8A-4147-A177-3AD203B41FA5}">
+                      <a16:colId xmlns:a16="http://schemas.microsoft.com/office/drawing/2014/main" val="2573172242"/>
+                    </a:ext>
+                  </a:extLst>
+                </a:gridCol>
+                <a:gridCol w="406400">
+                  <a:extLst>
+                    <a:ext uri="{9D8B030D-6E8A-4147-A177-3AD203B41FA5}">
+                      <a16:colId xmlns:a16="http://schemas.microsoft.com/office/drawing/2014/main" val="1176554396"/>
+                    </a:ext>
+                  </a:extLst>
+                </a:gridCol>
+                <a:gridCol w="406400">
+                  <a:extLst>
+                    <a:ext uri="{9D8B030D-6E8A-4147-A177-3AD203B41FA5}">
+                      <a16:colId xmlns:a16="http://schemas.microsoft.com/office/drawing/2014/main" val="2148932215"/>
+                    </a:ext>
+                  </a:extLst>
+                </a:gridCol>
+                <a:gridCol w="406400">
+                  <a:extLst>
+                    <a:ext uri="{9D8B030D-6E8A-4147-A177-3AD203B41FA5}">
+                      <a16:colId xmlns:a16="http://schemas.microsoft.com/office/drawing/2014/main" val="1914188605"/>
+                    </a:ext>
+                  </a:extLst>
+                </a:gridCol>
+                <a:gridCol w="406400">
+                  <a:extLst>
+                    <a:ext uri="{9D8B030D-6E8A-4147-A177-3AD203B41FA5}">
+                      <a16:colId xmlns:a16="http://schemas.microsoft.com/office/drawing/2014/main" val="1524311926"/>
+                    </a:ext>
+                  </a:extLst>
+                </a:gridCol>
+                <a:gridCol w="406400">
+                  <a:extLst>
+                    <a:ext uri="{9D8B030D-6E8A-4147-A177-3AD203B41FA5}">
+                      <a16:colId xmlns:a16="http://schemas.microsoft.com/office/drawing/2014/main" val="3881050891"/>
+                    </a:ext>
+                  </a:extLst>
+                </a:gridCol>
+                <a:gridCol w="406400">
+                  <a:extLst>
+                    <a:ext uri="{9D8B030D-6E8A-4147-A177-3AD203B41FA5}">
+                      <a16:colId xmlns:a16="http://schemas.microsoft.com/office/drawing/2014/main" val="1931707403"/>
+                    </a:ext>
+                  </a:extLst>
+                </a:gridCol>
+                <a:gridCol w="406400">
+                  <a:extLst>
+                    <a:ext uri="{9D8B030D-6E8A-4147-A177-3AD203B41FA5}">
+                      <a16:colId xmlns:a16="http://schemas.microsoft.com/office/drawing/2014/main" val="4196253283"/>
+                    </a:ext>
+                  </a:extLst>
+                </a:gridCol>
+                <a:gridCol w="406400">
+                  <a:extLst>
+                    <a:ext uri="{9D8B030D-6E8A-4147-A177-3AD203B41FA5}">
+                      <a16:colId xmlns:a16="http://schemas.microsoft.com/office/drawing/2014/main" val="342264775"/>
+                    </a:ext>
+                  </a:extLst>
+                </a:gridCol>
+                <a:gridCol w="406400">
+                  <a:extLst>
+                    <a:ext uri="{9D8B030D-6E8A-4147-A177-3AD203B41FA5}">
+                      <a16:colId xmlns:a16="http://schemas.microsoft.com/office/drawing/2014/main" val="28913360"/>
+                    </a:ext>
+                  </a:extLst>
+                </a:gridCol>
+              </a:tblGrid>
+              <a:tr h="370840">
+                <a:tc>
+                  <a:txBody>
+                    <a:bodyPr/>
+                    <a:lstStyle/>
+                    <a:p>
+                      <a:pPr algn="ctr"/>
+                      <a:r>
+                        <a:rPr lang="en-US" altLang="zh-CN" sz="2000" b="0" dirty="0">
+                          <a:latin typeface="Times New Roman" panose="02020603050405020304" pitchFamily="18" charset="0"/>
+                          <a:cs typeface="Times New Roman" panose="02020603050405020304" pitchFamily="18" charset="0"/>
+                        </a:rPr>
+                        <a:t>f</a:t>
+                      </a:r>
+                      <a:endParaRPr lang="zh-CN" altLang="en-US" sz="2000" b="0" dirty="0">
+                        <a:latin typeface="Times New Roman" panose="02020603050405020304" pitchFamily="18" charset="0"/>
+                        <a:cs typeface="Times New Roman" panose="02020603050405020304" pitchFamily="18" charset="0"/>
+                      </a:endParaRPr>
+                    </a:p>
+                  </a:txBody>
+                  <a:tcPr>
+                    <a:solidFill>
+                      <a:schemeClr val="accent6">
+                        <a:lumMod val="20000"/>
+                        <a:lumOff val="80000"/>
+                      </a:schemeClr>
+                    </a:solidFill>
+                  </a:tcPr>
+                </a:tc>
+                <a:tc>
+                  <a:txBody>
+                    <a:bodyPr/>
+                    <a:lstStyle/>
+                    <a:p>
+                      <a:pPr algn="ctr"/>
+                      <a:r>
+                        <a:rPr lang="en-US" altLang="zh-CN" sz="2000" b="0" dirty="0">
+                          <a:latin typeface="Times New Roman" panose="02020603050405020304" pitchFamily="18" charset="0"/>
+                          <a:cs typeface="Times New Roman" panose="02020603050405020304" pitchFamily="18" charset="0"/>
+                        </a:rPr>
+                        <a:t>u</a:t>
+                      </a:r>
+                      <a:endParaRPr lang="zh-CN" altLang="en-US" sz="2000" b="0" dirty="0">
+                        <a:latin typeface="Times New Roman" panose="02020603050405020304" pitchFamily="18" charset="0"/>
+                        <a:cs typeface="Times New Roman" panose="02020603050405020304" pitchFamily="18" charset="0"/>
+                      </a:endParaRPr>
+                    </a:p>
+                  </a:txBody>
+                  <a:tcPr>
+                    <a:solidFill>
+                      <a:schemeClr val="accent6">
+                        <a:lumMod val="20000"/>
+                        <a:lumOff val="80000"/>
+                      </a:schemeClr>
+                    </a:solidFill>
+                  </a:tcPr>
+                </a:tc>
+                <a:tc>
+                  <a:txBody>
+                    <a:bodyPr/>
+                    <a:lstStyle/>
+                    <a:p>
+                      <a:pPr algn="ctr"/>
+                      <a:r>
+                        <a:rPr lang="en-US" altLang="zh-CN" sz="2000" b="0" dirty="0">
+                          <a:latin typeface="Times New Roman" panose="02020603050405020304" pitchFamily="18" charset="0"/>
+                          <a:cs typeface="Times New Roman" panose="02020603050405020304" pitchFamily="18" charset="0"/>
+                        </a:rPr>
+                        <a:t>n</a:t>
+                      </a:r>
+                      <a:endParaRPr lang="zh-CN" altLang="en-US" sz="2000" b="0" dirty="0">
+                        <a:latin typeface="Times New Roman" panose="02020603050405020304" pitchFamily="18" charset="0"/>
+                        <a:cs typeface="Times New Roman" panose="02020603050405020304" pitchFamily="18" charset="0"/>
+                      </a:endParaRPr>
+                    </a:p>
+                  </a:txBody>
+                  <a:tcPr>
+                    <a:solidFill>
+                      <a:schemeClr val="accent6">
+                        <a:lumMod val="20000"/>
+                        <a:lumOff val="80000"/>
+                      </a:schemeClr>
+                    </a:solidFill>
+                  </a:tcPr>
+                </a:tc>
+                <a:tc>
+                  <a:txBody>
+                    <a:bodyPr/>
+                    <a:lstStyle/>
+                    <a:p>
+                      <a:pPr algn="ctr"/>
+                      <a:endParaRPr lang="zh-CN" altLang="en-US" sz="2000" b="0" dirty="0">
+                        <a:latin typeface="Times New Roman" panose="02020603050405020304" pitchFamily="18" charset="0"/>
+                        <a:cs typeface="Times New Roman" panose="02020603050405020304" pitchFamily="18" charset="0"/>
+                      </a:endParaRPr>
+                    </a:p>
+                  </a:txBody>
+                  <a:tcPr>
+                    <a:solidFill>
+                      <a:schemeClr val="accent6">
+                        <a:lumMod val="20000"/>
+                        <a:lumOff val="80000"/>
+                      </a:schemeClr>
+                    </a:solidFill>
+                  </a:tcPr>
+                </a:tc>
+                <a:tc>
+                  <a:txBody>
+                    <a:bodyPr/>
+                    <a:lstStyle/>
+                    <a:p>
+                      <a:pPr algn="ctr"/>
+                      <a:endParaRPr lang="zh-CN" altLang="en-US" sz="2000" b="0" dirty="0">
+                        <a:latin typeface="Times New Roman" panose="02020603050405020304" pitchFamily="18" charset="0"/>
+                        <a:cs typeface="Times New Roman" panose="02020603050405020304" pitchFamily="18" charset="0"/>
+                      </a:endParaRPr>
+                    </a:p>
+                  </a:txBody>
+                  <a:tcPr/>
+                </a:tc>
+                <a:tc>
+                  <a:txBody>
+                    <a:bodyPr/>
+                    <a:lstStyle/>
+                    <a:p>
+                      <a:pPr algn="ctr"/>
+                      <a:r>
+                        <a:rPr lang="en-US" altLang="zh-CN" sz="2000" b="0" dirty="0">
+                          <a:latin typeface="Times New Roman" panose="02020603050405020304" pitchFamily="18" charset="0"/>
+                          <a:cs typeface="Times New Roman" panose="02020603050405020304" pitchFamily="18" charset="0"/>
+                        </a:rPr>
+                        <a:t>s</a:t>
+                      </a:r>
+                      <a:endParaRPr lang="zh-CN" altLang="en-US" sz="2000" b="0" dirty="0">
+                        <a:latin typeface="Times New Roman" panose="02020603050405020304" pitchFamily="18" charset="0"/>
+                        <a:cs typeface="Times New Roman" panose="02020603050405020304" pitchFamily="18" charset="0"/>
+                      </a:endParaRPr>
+                    </a:p>
+                  </a:txBody>
+                  <a:tcPr/>
+                </a:tc>
+                <a:tc>
+                  <a:txBody>
+                    <a:bodyPr/>
+                    <a:lstStyle/>
+                    <a:p>
+                      <a:pPr algn="ctr"/>
+                      <a:r>
+                        <a:rPr lang="en-US" altLang="zh-CN" sz="2000" b="0" dirty="0" err="1">
+                          <a:latin typeface="Times New Roman" panose="02020603050405020304" pitchFamily="18" charset="0"/>
+                          <a:cs typeface="Times New Roman" panose="02020603050405020304" pitchFamily="18" charset="0"/>
+                        </a:rPr>
+                        <a:t>i</a:t>
+                      </a:r>
+                      <a:endParaRPr lang="zh-CN" altLang="en-US" sz="2000" b="0" dirty="0">
+                        <a:latin typeface="Times New Roman" panose="02020603050405020304" pitchFamily="18" charset="0"/>
+                        <a:cs typeface="Times New Roman" panose="02020603050405020304" pitchFamily="18" charset="0"/>
+                      </a:endParaRPr>
+                    </a:p>
+                  </a:txBody>
+                  <a:tcPr/>
+                </a:tc>
+                <a:tc>
+                  <a:txBody>
+                    <a:bodyPr/>
+                    <a:lstStyle/>
+                    <a:p>
+                      <a:pPr algn="ctr"/>
+                      <a:endParaRPr lang="zh-CN" altLang="en-US" sz="2000" b="0" dirty="0">
+                        <a:latin typeface="Times New Roman" panose="02020603050405020304" pitchFamily="18" charset="0"/>
+                        <a:cs typeface="Times New Roman" panose="02020603050405020304" pitchFamily="18" charset="0"/>
+                      </a:endParaRPr>
+                    </a:p>
+                  </a:txBody>
+                  <a:tcPr/>
+                </a:tc>
+                <a:tc>
+                  <a:txBody>
+                    <a:bodyPr/>
+                    <a:lstStyle/>
+                    <a:p>
+                      <a:pPr algn="ctr"/>
+                      <a:r>
+                        <a:rPr lang="en-US" altLang="zh-CN" sz="2000" b="0" dirty="0">
+                          <a:latin typeface="Times New Roman" panose="02020603050405020304" pitchFamily="18" charset="0"/>
+                          <a:cs typeface="Times New Roman" panose="02020603050405020304" pitchFamily="18" charset="0"/>
+                        </a:rPr>
+                        <a:t>e</a:t>
+                      </a:r>
+                      <a:endParaRPr lang="zh-CN" altLang="en-US" sz="2000" b="0" dirty="0">
+                        <a:latin typeface="Times New Roman" panose="02020603050405020304" pitchFamily="18" charset="0"/>
+                        <a:cs typeface="Times New Roman" panose="02020603050405020304" pitchFamily="18" charset="0"/>
+                      </a:endParaRPr>
+                    </a:p>
+                  </a:txBody>
+                  <a:tcPr/>
+                </a:tc>
+                <a:tc>
+                  <a:txBody>
+                    <a:bodyPr/>
+                    <a:lstStyle/>
+                    <a:p>
+                      <a:pPr algn="ctr"/>
+                      <a:r>
+                        <a:rPr lang="en-US" altLang="zh-CN" sz="2000" b="0" dirty="0">
+                          <a:latin typeface="Times New Roman" panose="02020603050405020304" pitchFamily="18" charset="0"/>
+                          <a:cs typeface="Times New Roman" panose="02020603050405020304" pitchFamily="18" charset="0"/>
+                        </a:rPr>
+                        <a:t>d</a:t>
+                      </a:r>
+                      <a:endParaRPr lang="zh-CN" altLang="en-US" sz="2000" b="0" dirty="0">
+                        <a:latin typeface="Times New Roman" panose="02020603050405020304" pitchFamily="18" charset="0"/>
+                        <a:cs typeface="Times New Roman" panose="02020603050405020304" pitchFamily="18" charset="0"/>
+                      </a:endParaRPr>
+                    </a:p>
+                  </a:txBody>
+                  <a:tcPr/>
+                </a:tc>
+                <a:tc>
+                  <a:txBody>
+                    <a:bodyPr/>
+                    <a:lstStyle/>
+                    <a:p>
+                      <a:pPr algn="ctr"/>
+                      <a:r>
+                        <a:rPr lang="en-US" altLang="zh-CN" sz="2000" b="0" dirty="0">
+                          <a:latin typeface="Times New Roman" panose="02020603050405020304" pitchFamily="18" charset="0"/>
+                          <a:cs typeface="Times New Roman" panose="02020603050405020304" pitchFamily="18" charset="0"/>
+                        </a:rPr>
+                        <a:t>o</a:t>
+                      </a:r>
+                      <a:endParaRPr lang="zh-CN" altLang="en-US" sz="2000" b="0" dirty="0">
+                        <a:latin typeface="Times New Roman" panose="02020603050405020304" pitchFamily="18" charset="0"/>
+                        <a:cs typeface="Times New Roman" panose="02020603050405020304" pitchFamily="18" charset="0"/>
+                      </a:endParaRPr>
+                    </a:p>
+                  </a:txBody>
+                  <a:tcPr/>
+                </a:tc>
+                <a:tc>
+                  <a:txBody>
+                    <a:bodyPr/>
+                    <a:lstStyle/>
+                    <a:p>
+                      <a:pPr algn="ctr"/>
+                      <a:r>
+                        <a:rPr lang="en-US" altLang="zh-CN" sz="2000" b="0" dirty="0">
+                          <a:latin typeface="Times New Roman" panose="02020603050405020304" pitchFamily="18" charset="0"/>
+                          <a:cs typeface="Times New Roman" panose="02020603050405020304" pitchFamily="18" charset="0"/>
+                        </a:rPr>
+                        <a:t>c</a:t>
+                      </a:r>
+                      <a:endParaRPr lang="zh-CN" altLang="en-US" sz="2000" b="0" dirty="0">
+                        <a:latin typeface="Times New Roman" panose="02020603050405020304" pitchFamily="18" charset="0"/>
+                        <a:cs typeface="Times New Roman" panose="02020603050405020304" pitchFamily="18" charset="0"/>
+                      </a:endParaRPr>
+                    </a:p>
+                  </a:txBody>
+                  <a:tcPr/>
+                </a:tc>
+                <a:tc>
+                  <a:txBody>
+                    <a:bodyPr/>
+                    <a:lstStyle/>
+                    <a:p>
+                      <a:pPr algn="ctr"/>
+                      <a:endParaRPr lang="zh-CN" altLang="en-US" sz="2000" b="0" dirty="0">
+                        <a:latin typeface="Times New Roman" panose="02020603050405020304" pitchFamily="18" charset="0"/>
+                        <a:cs typeface="Times New Roman" panose="02020603050405020304" pitchFamily="18" charset="0"/>
+                      </a:endParaRPr>
+                    </a:p>
+                  </a:txBody>
+                  <a:tcPr/>
+                </a:tc>
+                <a:tc>
+                  <a:txBody>
+                    <a:bodyPr/>
+                    <a:lstStyle/>
+                    <a:p>
+                      <a:pPr algn="ctr"/>
+                      <a:endParaRPr lang="zh-CN" altLang="en-US" sz="2000" b="0" dirty="0">
+                        <a:latin typeface="Times New Roman" panose="02020603050405020304" pitchFamily="18" charset="0"/>
+                        <a:cs typeface="Times New Roman" panose="02020603050405020304" pitchFamily="18" charset="0"/>
+                      </a:endParaRPr>
+                    </a:p>
+                  </a:txBody>
+                  <a:tcPr/>
+                </a:tc>
+                <a:extLst>
+                  <a:ext uri="{0D108BD9-81ED-4DB2-BD59-A6C34878D82A}">
+                    <a16:rowId xmlns:a16="http://schemas.microsoft.com/office/drawing/2014/main" val="3732229575"/>
+                  </a:ext>
+                </a:extLst>
+              </a:tr>
+            </a:tbl>
+          </a:graphicData>
+        </a:graphic>
+      </p:graphicFrame>
+      <p:grpSp>
+        <p:nvGrpSpPr>
+          <p:cNvPr id="68" name="组合 67">
+            <a:extLst>
+              <a:ext uri="{FF2B5EF4-FFF2-40B4-BE49-F238E27FC236}">
+                <a16:creationId xmlns:a16="http://schemas.microsoft.com/office/drawing/2014/main" id="{49E46A76-279B-4877-96C3-1DEC910E6C4D}"/>
+              </a:ext>
+            </a:extLst>
+          </p:cNvPr>
+          <p:cNvGrpSpPr/>
+          <p:nvPr/>
+        </p:nvGrpSpPr>
+        <p:grpSpPr>
+          <a:xfrm>
+            <a:off x="3937002" y="10214951"/>
+            <a:ext cx="677333" cy="610880"/>
+            <a:chOff x="4732865" y="3593626"/>
+            <a:chExt cx="677333" cy="610880"/>
+          </a:xfrm>
+        </p:grpSpPr>
+        <p:cxnSp>
+          <p:nvCxnSpPr>
+            <p:cNvPr id="69" name="直接箭头连接符 68">
+              <a:extLst>
+                <a:ext uri="{FF2B5EF4-FFF2-40B4-BE49-F238E27FC236}">
+                  <a16:creationId xmlns:a16="http://schemas.microsoft.com/office/drawing/2014/main" id="{15BDEFFE-161C-464F-B1D1-58619B8E3DB5}"/>
+                </a:ext>
+              </a:extLst>
+            </p:cNvPr>
+            <p:cNvCxnSpPr>
+              <a:cxnSpLocks/>
+            </p:cNvCxnSpPr>
+            <p:nvPr/>
+          </p:nvCxnSpPr>
+          <p:spPr>
+            <a:xfrm flipV="1">
+              <a:off x="5071532" y="3593626"/>
+              <a:ext cx="0" cy="305375"/>
+            </a:xfrm>
+            <a:prstGeom prst="straightConnector1">
+              <a:avLst/>
+            </a:prstGeom>
+            <a:ln w="19050">
+              <a:tailEnd type="triangle"/>
+            </a:ln>
+          </p:spPr>
+          <p:style>
+            <a:lnRef idx="1">
+              <a:schemeClr val="dk1"/>
+            </a:lnRef>
+            <a:fillRef idx="0">
+              <a:schemeClr val="dk1"/>
+            </a:fillRef>
+            <a:effectRef idx="0">
+              <a:schemeClr val="dk1"/>
+            </a:effectRef>
+            <a:fontRef idx="minor">
+              <a:schemeClr val="tx1"/>
+            </a:fontRef>
+          </p:style>
+        </p:cxnSp>
+        <p:sp>
+          <p:nvSpPr>
+            <p:cNvPr id="70" name="文本框 69">
+              <a:extLst>
+                <a:ext uri="{FF2B5EF4-FFF2-40B4-BE49-F238E27FC236}">
+                  <a16:creationId xmlns:a16="http://schemas.microsoft.com/office/drawing/2014/main" id="{9CF966C1-9172-4EE6-B844-EF4F134F52DE}"/>
+                </a:ext>
+              </a:extLst>
+            </p:cNvPr>
+            <p:cNvSpPr txBox="1"/>
+            <p:nvPr/>
+          </p:nvSpPr>
+          <p:spPr>
+            <a:xfrm>
+              <a:off x="4732865" y="3927507"/>
+              <a:ext cx="677333" cy="276999"/>
+            </a:xfrm>
+            <a:prstGeom prst="rect">
+              <a:avLst/>
+            </a:prstGeom>
+            <a:noFill/>
+          </p:spPr>
+          <p:txBody>
+            <a:bodyPr wrap="square" lIns="0" tIns="0" rIns="0" bIns="0" rtlCol="0">
+              <a:spAutoFit/>
+            </a:bodyPr>
+            <a:lstStyle/>
+            <a:p>
+              <a:pPr algn="ctr"/>
+              <a:r>
+                <a:rPr lang="en-US" altLang="zh-CN" dirty="0" err="1">
+                  <a:latin typeface="Times New Roman" panose="02020603050405020304" pitchFamily="18" charset="0"/>
+                  <a:ea typeface="宋体" panose="02010600030101010101" pitchFamily="2" charset="-122"/>
+                </a:rPr>
+                <a:t>idx</a:t>
+              </a:r>
+              <a:endParaRPr lang="zh-CN" altLang="en-US" dirty="0">
+                <a:latin typeface="Times New Roman" panose="02020603050405020304" pitchFamily="18" charset="0"/>
+                <a:ea typeface="宋体" panose="02010600030101010101" pitchFamily="2" charset="-122"/>
+              </a:endParaRPr>
+            </a:p>
+          </p:txBody>
+        </p:sp>
+      </p:grpSp>
+      <p:sp>
+        <p:nvSpPr>
+          <p:cNvPr id="74" name="文本框 73">
+            <a:extLst>
+              <a:ext uri="{FF2B5EF4-FFF2-40B4-BE49-F238E27FC236}">
+                <a16:creationId xmlns:a16="http://schemas.microsoft.com/office/drawing/2014/main" id="{32FE30A7-7BDA-4621-9368-2CC8B49581FC}"/>
+              </a:ext>
+            </a:extLst>
+          </p:cNvPr>
+          <p:cNvSpPr txBox="1"/>
+          <p:nvPr/>
+        </p:nvSpPr>
+        <p:spPr>
+          <a:xfrm>
+            <a:off x="1456267" y="9658425"/>
+            <a:ext cx="698502" cy="369332"/>
+          </a:xfrm>
+          <a:prstGeom prst="rect">
+            <a:avLst/>
+          </a:prstGeom>
+          <a:noFill/>
+        </p:spPr>
+        <p:txBody>
+          <a:bodyPr wrap="square" rtlCol="0">
+            <a:spAutoFit/>
+          </a:bodyPr>
+          <a:lstStyle/>
+          <a:p>
+            <a:pPr algn="ctr"/>
+            <a:r>
+              <a:rPr lang="zh-CN" altLang="en-US" dirty="0">
+                <a:latin typeface="Times New Roman" panose="02020603050405020304" pitchFamily="18" charset="0"/>
+                <a:ea typeface="宋体" panose="02010600030101010101" pitchFamily="2" charset="-122"/>
+              </a:rPr>
+              <a:t>⑥</a:t>
+            </a:r>
+          </a:p>
+        </p:txBody>
+      </p:sp>
+      <p:cxnSp>
+        <p:nvCxnSpPr>
+          <p:cNvPr id="75" name="直接连接符 74">
+            <a:extLst>
+              <a:ext uri="{FF2B5EF4-FFF2-40B4-BE49-F238E27FC236}">
+                <a16:creationId xmlns:a16="http://schemas.microsoft.com/office/drawing/2014/main" id="{E8D50644-1B3C-4459-98C9-767B95E0C86E}"/>
+              </a:ext>
+            </a:extLst>
+          </p:cNvPr>
+          <p:cNvCxnSpPr/>
+          <p:nvPr/>
+        </p:nvCxnSpPr>
+        <p:spPr>
+          <a:xfrm>
+            <a:off x="1265768" y="8797575"/>
+            <a:ext cx="7984066" cy="0"/>
+          </a:xfrm>
+          <a:prstGeom prst="line">
+            <a:avLst/>
+          </a:prstGeom>
+          <a:ln w="12700">
+            <a:prstDash val="dash"/>
+            <a:tailEnd type="none"/>
+          </a:ln>
+        </p:spPr>
+        <p:style>
+          <a:lnRef idx="1">
+            <a:schemeClr val="dk1"/>
+          </a:lnRef>
+          <a:fillRef idx="0">
+            <a:schemeClr val="dk1"/>
+          </a:fillRef>
+          <a:effectRef idx="0">
+            <a:schemeClr val="dk1"/>
+          </a:effectRef>
+          <a:fontRef idx="minor">
+            <a:schemeClr val="tx1"/>
+          </a:fontRef>
+        </p:style>
+      </p:cxnSp>
+      <p:grpSp>
+        <p:nvGrpSpPr>
+          <p:cNvPr id="76" name="组合 75">
+            <a:extLst>
+              <a:ext uri="{FF2B5EF4-FFF2-40B4-BE49-F238E27FC236}">
+                <a16:creationId xmlns:a16="http://schemas.microsoft.com/office/drawing/2014/main" id="{61FCFD9A-1219-4AA8-BE6C-BA88A2AAAAA5}"/>
+              </a:ext>
+            </a:extLst>
+          </p:cNvPr>
+          <p:cNvGrpSpPr/>
+          <p:nvPr/>
+        </p:nvGrpSpPr>
+        <p:grpSpPr>
+          <a:xfrm>
+            <a:off x="3725336" y="6767406"/>
+            <a:ext cx="1100667" cy="627024"/>
+            <a:chOff x="4521198" y="2503416"/>
+            <a:chExt cx="1100667" cy="627024"/>
+          </a:xfrm>
+        </p:grpSpPr>
+        <p:sp>
+          <p:nvSpPr>
+            <p:cNvPr id="77" name="文本框 76">
+              <a:extLst>
+                <a:ext uri="{FF2B5EF4-FFF2-40B4-BE49-F238E27FC236}">
+                  <a16:creationId xmlns:a16="http://schemas.microsoft.com/office/drawing/2014/main" id="{44FB2C02-AFF8-4CD5-AFA2-17442C26E071}"/>
+                </a:ext>
+              </a:extLst>
+            </p:cNvPr>
+            <p:cNvSpPr txBox="1"/>
+            <p:nvPr/>
+          </p:nvSpPr>
+          <p:spPr>
+            <a:xfrm>
+              <a:off x="4521198" y="2503416"/>
+              <a:ext cx="1100667" cy="276999"/>
+            </a:xfrm>
+            <a:prstGeom prst="rect">
+              <a:avLst/>
+            </a:prstGeom>
+            <a:noFill/>
+          </p:spPr>
+          <p:txBody>
+            <a:bodyPr wrap="square" lIns="0" tIns="0" rIns="0" bIns="0" rtlCol="0">
+              <a:spAutoFit/>
+            </a:bodyPr>
+            <a:lstStyle/>
+            <a:p>
+              <a:pPr algn="ctr"/>
+              <a:r>
+                <a:rPr lang="en-US" altLang="zh-CN" dirty="0">
+                  <a:latin typeface="Times New Roman" panose="02020603050405020304" pitchFamily="18" charset="0"/>
+                  <a:ea typeface="宋体" panose="02010600030101010101" pitchFamily="2" charset="-122"/>
+                </a:rPr>
+                <a:t>end</a:t>
+              </a:r>
+              <a:endParaRPr lang="zh-CN" altLang="en-US" dirty="0">
+                <a:latin typeface="Times New Roman" panose="02020603050405020304" pitchFamily="18" charset="0"/>
+                <a:ea typeface="宋体" panose="02010600030101010101" pitchFamily="2" charset="-122"/>
+              </a:endParaRPr>
+            </a:p>
+          </p:txBody>
+        </p:sp>
+        <p:cxnSp>
+          <p:nvCxnSpPr>
+            <p:cNvPr id="78" name="直接箭头连接符 77">
+              <a:extLst>
+                <a:ext uri="{FF2B5EF4-FFF2-40B4-BE49-F238E27FC236}">
+                  <a16:creationId xmlns:a16="http://schemas.microsoft.com/office/drawing/2014/main" id="{39AAD0EC-7594-4A12-BCAC-B8EE8A9C2514}"/>
+                </a:ext>
+              </a:extLst>
+            </p:cNvPr>
+            <p:cNvCxnSpPr>
+              <a:cxnSpLocks/>
+            </p:cNvCxnSpPr>
+            <p:nvPr/>
+          </p:nvCxnSpPr>
+          <p:spPr>
+            <a:xfrm rot="10800000" flipV="1">
+              <a:off x="5071533" y="2825065"/>
+              <a:ext cx="0" cy="305375"/>
+            </a:xfrm>
+            <a:prstGeom prst="straightConnector1">
+              <a:avLst/>
+            </a:prstGeom>
+            <a:ln w="19050">
+              <a:tailEnd type="triangle"/>
+            </a:ln>
+          </p:spPr>
+          <p:style>
+            <a:lnRef idx="1">
+              <a:schemeClr val="dk1"/>
+            </a:lnRef>
+            <a:fillRef idx="0">
+              <a:schemeClr val="dk1"/>
+            </a:fillRef>
+            <a:effectRef idx="0">
+              <a:schemeClr val="dk1"/>
+            </a:effectRef>
+            <a:fontRef idx="minor">
+              <a:schemeClr val="tx1"/>
+            </a:fontRef>
+          </p:style>
+        </p:cxnSp>
+      </p:grpSp>
+      <p:grpSp>
+        <p:nvGrpSpPr>
+          <p:cNvPr id="79" name="组合 78">
+            <a:extLst>
+              <a:ext uri="{FF2B5EF4-FFF2-40B4-BE49-F238E27FC236}">
+                <a16:creationId xmlns:a16="http://schemas.microsoft.com/office/drawing/2014/main" id="{EB6EADF3-6FA9-4A59-ABD0-90CA201D995E}"/>
+              </a:ext>
+            </a:extLst>
+          </p:cNvPr>
+          <p:cNvGrpSpPr/>
+          <p:nvPr/>
+        </p:nvGrpSpPr>
+        <p:grpSpPr>
+          <a:xfrm>
+            <a:off x="4216403" y="11320562"/>
+            <a:ext cx="1100667" cy="627024"/>
+            <a:chOff x="4521198" y="2503416"/>
+            <a:chExt cx="1100667" cy="627024"/>
+          </a:xfrm>
+        </p:grpSpPr>
+        <p:sp>
+          <p:nvSpPr>
+            <p:cNvPr id="80" name="文本框 79">
+              <a:extLst>
+                <a:ext uri="{FF2B5EF4-FFF2-40B4-BE49-F238E27FC236}">
+                  <a16:creationId xmlns:a16="http://schemas.microsoft.com/office/drawing/2014/main" id="{F2DDAEF2-203F-4404-B9D6-1ADD7C3B6958}"/>
+                </a:ext>
+              </a:extLst>
+            </p:cNvPr>
+            <p:cNvSpPr txBox="1"/>
+            <p:nvPr/>
+          </p:nvSpPr>
+          <p:spPr>
+            <a:xfrm>
+              <a:off x="4521198" y="2503416"/>
+              <a:ext cx="1100667" cy="276999"/>
+            </a:xfrm>
+            <a:prstGeom prst="rect">
+              <a:avLst/>
+            </a:prstGeom>
+            <a:noFill/>
+          </p:spPr>
+          <p:txBody>
+            <a:bodyPr wrap="square" lIns="0" tIns="0" rIns="0" bIns="0" rtlCol="0">
+              <a:spAutoFit/>
+            </a:bodyPr>
+            <a:lstStyle/>
+            <a:p>
+              <a:pPr algn="ctr"/>
+              <a:r>
+                <a:rPr lang="en-US" altLang="zh-CN" dirty="0">
+                  <a:latin typeface="Times New Roman" panose="02020603050405020304" pitchFamily="18" charset="0"/>
+                  <a:ea typeface="宋体" panose="02010600030101010101" pitchFamily="2" charset="-122"/>
+                </a:rPr>
+                <a:t>start</a:t>
+              </a:r>
+              <a:endParaRPr lang="zh-CN" altLang="en-US" dirty="0">
+                <a:latin typeface="Times New Roman" panose="02020603050405020304" pitchFamily="18" charset="0"/>
+                <a:ea typeface="宋体" panose="02010600030101010101" pitchFamily="2" charset="-122"/>
+              </a:endParaRPr>
+            </a:p>
+          </p:txBody>
+        </p:sp>
+        <p:cxnSp>
+          <p:nvCxnSpPr>
+            <p:cNvPr id="81" name="直接箭头连接符 80">
+              <a:extLst>
+                <a:ext uri="{FF2B5EF4-FFF2-40B4-BE49-F238E27FC236}">
+                  <a16:creationId xmlns:a16="http://schemas.microsoft.com/office/drawing/2014/main" id="{66E19DBD-075C-478E-A71F-7537CF4AF2DD}"/>
+                </a:ext>
+              </a:extLst>
+            </p:cNvPr>
+            <p:cNvCxnSpPr>
+              <a:cxnSpLocks/>
+            </p:cNvCxnSpPr>
+            <p:nvPr/>
+          </p:nvCxnSpPr>
+          <p:spPr>
+            <a:xfrm rot="10800000" flipV="1">
+              <a:off x="5071533" y="2825065"/>
+              <a:ext cx="0" cy="305375"/>
+            </a:xfrm>
+            <a:prstGeom prst="straightConnector1">
+              <a:avLst/>
+            </a:prstGeom>
+            <a:ln w="19050">
+              <a:tailEnd type="triangle"/>
+            </a:ln>
+          </p:spPr>
+          <p:style>
+            <a:lnRef idx="1">
+              <a:schemeClr val="dk1"/>
+            </a:lnRef>
+            <a:fillRef idx="0">
+              <a:schemeClr val="dk1"/>
+            </a:fillRef>
+            <a:effectRef idx="0">
+              <a:schemeClr val="dk1"/>
+            </a:effectRef>
+            <a:fontRef idx="minor">
+              <a:schemeClr val="tx1"/>
+            </a:fontRef>
+          </p:style>
+        </p:cxnSp>
+      </p:grpSp>
+      <p:graphicFrame>
+        <p:nvGraphicFramePr>
+          <p:cNvPr id="82" name="表格 4">
+            <a:extLst>
+              <a:ext uri="{FF2B5EF4-FFF2-40B4-BE49-F238E27FC236}">
+                <a16:creationId xmlns:a16="http://schemas.microsoft.com/office/drawing/2014/main" id="{9770A3B5-9BEF-47B6-803B-F118B509D5D1}"/>
+              </a:ext>
+            </a:extLst>
+          </p:cNvPr>
+          <p:cNvGraphicFramePr>
+            <a:graphicFrameLocks noGrp="1"/>
+          </p:cNvGraphicFramePr>
+          <p:nvPr>
+            <p:extLst>
+              <p:ext uri="{D42A27DB-BD31-4B8C-83A1-F6EECF244321}">
+                <p14:modId xmlns:p14="http://schemas.microsoft.com/office/powerpoint/2010/main" val="4223995504"/>
+              </p:ext>
+            </p:extLst>
+          </p:nvPr>
+        </p:nvGraphicFramePr>
+        <p:xfrm>
+          <a:off x="2500002" y="12012771"/>
+          <a:ext cx="5689600" cy="396240"/>
+        </p:xfrm>
+        <a:graphic>
+          <a:graphicData uri="http://schemas.openxmlformats.org/drawingml/2006/table">
+            <a:tbl>
+              <a:tblPr firstRow="1" bandRow="1">
+                <a:tableStyleId>{5940675A-B579-460E-94D1-54222C63F5DA}</a:tableStyleId>
+              </a:tblPr>
+              <a:tblGrid>
+                <a:gridCol w="406400">
+                  <a:extLst>
+                    <a:ext uri="{9D8B030D-6E8A-4147-A177-3AD203B41FA5}">
+                      <a16:colId xmlns:a16="http://schemas.microsoft.com/office/drawing/2014/main" val="724645724"/>
+                    </a:ext>
+                  </a:extLst>
+                </a:gridCol>
+                <a:gridCol w="406400">
+                  <a:extLst>
+                    <a:ext uri="{9D8B030D-6E8A-4147-A177-3AD203B41FA5}">
+                      <a16:colId xmlns:a16="http://schemas.microsoft.com/office/drawing/2014/main" val="1836722532"/>
+                    </a:ext>
+                  </a:extLst>
+                </a:gridCol>
+                <a:gridCol w="406400">
+                  <a:extLst>
+                    <a:ext uri="{9D8B030D-6E8A-4147-A177-3AD203B41FA5}">
+                      <a16:colId xmlns:a16="http://schemas.microsoft.com/office/drawing/2014/main" val="3009865464"/>
+                    </a:ext>
+                  </a:extLst>
+                </a:gridCol>
+                <a:gridCol w="406400">
+                  <a:extLst>
+                    <a:ext uri="{9D8B030D-6E8A-4147-A177-3AD203B41FA5}">
+                      <a16:colId xmlns:a16="http://schemas.microsoft.com/office/drawing/2014/main" val="2013969288"/>
+                    </a:ext>
+                  </a:extLst>
+                </a:gridCol>
+                <a:gridCol w="406400">
+                  <a:extLst>
+                    <a:ext uri="{9D8B030D-6E8A-4147-A177-3AD203B41FA5}">
+                      <a16:colId xmlns:a16="http://schemas.microsoft.com/office/drawing/2014/main" val="2573172242"/>
+                    </a:ext>
+                  </a:extLst>
+                </a:gridCol>
+                <a:gridCol w="406400">
+                  <a:extLst>
+                    <a:ext uri="{9D8B030D-6E8A-4147-A177-3AD203B41FA5}">
+                      <a16:colId xmlns:a16="http://schemas.microsoft.com/office/drawing/2014/main" val="1176554396"/>
+                    </a:ext>
+                  </a:extLst>
+                </a:gridCol>
+                <a:gridCol w="406400">
+                  <a:extLst>
+                    <a:ext uri="{9D8B030D-6E8A-4147-A177-3AD203B41FA5}">
+                      <a16:colId xmlns:a16="http://schemas.microsoft.com/office/drawing/2014/main" val="2148932215"/>
+                    </a:ext>
+                  </a:extLst>
+                </a:gridCol>
+                <a:gridCol w="406400">
+                  <a:extLst>
+                    <a:ext uri="{9D8B030D-6E8A-4147-A177-3AD203B41FA5}">
+                      <a16:colId xmlns:a16="http://schemas.microsoft.com/office/drawing/2014/main" val="1914188605"/>
+                    </a:ext>
+                  </a:extLst>
+                </a:gridCol>
+                <a:gridCol w="406400">
+                  <a:extLst>
+                    <a:ext uri="{9D8B030D-6E8A-4147-A177-3AD203B41FA5}">
+                      <a16:colId xmlns:a16="http://schemas.microsoft.com/office/drawing/2014/main" val="1524311926"/>
+                    </a:ext>
+                  </a:extLst>
+                </a:gridCol>
+                <a:gridCol w="406400">
+                  <a:extLst>
+                    <a:ext uri="{9D8B030D-6E8A-4147-A177-3AD203B41FA5}">
+                      <a16:colId xmlns:a16="http://schemas.microsoft.com/office/drawing/2014/main" val="3881050891"/>
+                    </a:ext>
+                  </a:extLst>
+                </a:gridCol>
+                <a:gridCol w="406400">
+                  <a:extLst>
+                    <a:ext uri="{9D8B030D-6E8A-4147-A177-3AD203B41FA5}">
+                      <a16:colId xmlns:a16="http://schemas.microsoft.com/office/drawing/2014/main" val="1931707403"/>
+                    </a:ext>
+                  </a:extLst>
+                </a:gridCol>
+                <a:gridCol w="406400">
+                  <a:extLst>
+                    <a:ext uri="{9D8B030D-6E8A-4147-A177-3AD203B41FA5}">
+                      <a16:colId xmlns:a16="http://schemas.microsoft.com/office/drawing/2014/main" val="4196253283"/>
+                    </a:ext>
+                  </a:extLst>
+                </a:gridCol>
+                <a:gridCol w="406400">
+                  <a:extLst>
+                    <a:ext uri="{9D8B030D-6E8A-4147-A177-3AD203B41FA5}">
+                      <a16:colId xmlns:a16="http://schemas.microsoft.com/office/drawing/2014/main" val="342264775"/>
+                    </a:ext>
+                  </a:extLst>
+                </a:gridCol>
+                <a:gridCol w="406400">
+                  <a:extLst>
+                    <a:ext uri="{9D8B030D-6E8A-4147-A177-3AD203B41FA5}">
+                      <a16:colId xmlns:a16="http://schemas.microsoft.com/office/drawing/2014/main" val="28913360"/>
+                    </a:ext>
+                  </a:extLst>
+                </a:gridCol>
+              </a:tblGrid>
+              <a:tr h="370840">
+                <a:tc>
+                  <a:txBody>
+                    <a:bodyPr/>
+                    <a:lstStyle/>
+                    <a:p>
+                      <a:pPr algn="ctr"/>
+                      <a:r>
+                        <a:rPr lang="en-US" altLang="zh-CN" sz="2000" b="0" dirty="0">
+                          <a:latin typeface="Times New Roman" panose="02020603050405020304" pitchFamily="18" charset="0"/>
+                          <a:cs typeface="Times New Roman" panose="02020603050405020304" pitchFamily="18" charset="0"/>
+                        </a:rPr>
+                        <a:t>f</a:t>
+                      </a:r>
+                      <a:endParaRPr lang="zh-CN" altLang="en-US" sz="2000" b="0" dirty="0">
+                        <a:latin typeface="Times New Roman" panose="02020603050405020304" pitchFamily="18" charset="0"/>
+                        <a:cs typeface="Times New Roman" panose="02020603050405020304" pitchFamily="18" charset="0"/>
+                      </a:endParaRPr>
+                    </a:p>
+                  </a:txBody>
+                  <a:tcPr>
+                    <a:solidFill>
+                      <a:schemeClr val="accent6">
+                        <a:lumMod val="20000"/>
+                        <a:lumOff val="80000"/>
+                      </a:schemeClr>
+                    </a:solidFill>
+                  </a:tcPr>
+                </a:tc>
+                <a:tc>
+                  <a:txBody>
+                    <a:bodyPr/>
+                    <a:lstStyle/>
+                    <a:p>
+                      <a:pPr algn="ctr"/>
+                      <a:r>
+                        <a:rPr lang="en-US" altLang="zh-CN" sz="2000" b="0" dirty="0">
+                          <a:latin typeface="Times New Roman" panose="02020603050405020304" pitchFamily="18" charset="0"/>
+                          <a:cs typeface="Times New Roman" panose="02020603050405020304" pitchFamily="18" charset="0"/>
+                        </a:rPr>
+                        <a:t>u</a:t>
+                      </a:r>
+                      <a:endParaRPr lang="zh-CN" altLang="en-US" sz="2000" b="0" dirty="0">
+                        <a:latin typeface="Times New Roman" panose="02020603050405020304" pitchFamily="18" charset="0"/>
+                        <a:cs typeface="Times New Roman" panose="02020603050405020304" pitchFamily="18" charset="0"/>
+                      </a:endParaRPr>
+                    </a:p>
+                  </a:txBody>
+                  <a:tcPr>
+                    <a:solidFill>
+                      <a:schemeClr val="accent6">
+                        <a:lumMod val="20000"/>
+                        <a:lumOff val="80000"/>
+                      </a:schemeClr>
+                    </a:solidFill>
+                  </a:tcPr>
+                </a:tc>
+                <a:tc>
+                  <a:txBody>
+                    <a:bodyPr/>
+                    <a:lstStyle/>
+                    <a:p>
+                      <a:pPr algn="ctr"/>
+                      <a:r>
+                        <a:rPr lang="en-US" altLang="zh-CN" sz="2000" b="0" dirty="0">
+                          <a:latin typeface="Times New Roman" panose="02020603050405020304" pitchFamily="18" charset="0"/>
+                          <a:cs typeface="Times New Roman" panose="02020603050405020304" pitchFamily="18" charset="0"/>
+                        </a:rPr>
+                        <a:t>n</a:t>
+                      </a:r>
+                      <a:endParaRPr lang="zh-CN" altLang="en-US" sz="2000" b="0" dirty="0">
+                        <a:latin typeface="Times New Roman" panose="02020603050405020304" pitchFamily="18" charset="0"/>
+                        <a:cs typeface="Times New Roman" panose="02020603050405020304" pitchFamily="18" charset="0"/>
+                      </a:endParaRPr>
+                    </a:p>
+                  </a:txBody>
+                  <a:tcPr>
+                    <a:solidFill>
+                      <a:schemeClr val="accent6">
+                        <a:lumMod val="20000"/>
+                        <a:lumOff val="80000"/>
+                      </a:schemeClr>
+                    </a:solidFill>
+                  </a:tcPr>
+                </a:tc>
+                <a:tc>
+                  <a:txBody>
+                    <a:bodyPr/>
+                    <a:lstStyle/>
+                    <a:p>
+                      <a:pPr algn="ctr"/>
+                      <a:endParaRPr lang="zh-CN" altLang="en-US" sz="2000" b="0" dirty="0">
+                        <a:latin typeface="Times New Roman" panose="02020603050405020304" pitchFamily="18" charset="0"/>
+                        <a:cs typeface="Times New Roman" panose="02020603050405020304" pitchFamily="18" charset="0"/>
+                      </a:endParaRPr>
+                    </a:p>
+                  </a:txBody>
+                  <a:tcPr>
+                    <a:solidFill>
+                      <a:schemeClr val="accent6">
+                        <a:lumMod val="20000"/>
+                        <a:lumOff val="80000"/>
+                      </a:schemeClr>
+                    </a:solidFill>
+                  </a:tcPr>
+                </a:tc>
+                <a:tc>
+                  <a:txBody>
+                    <a:bodyPr/>
+                    <a:lstStyle/>
+                    <a:p>
+                      <a:pPr algn="ctr"/>
+                      <a:r>
+                        <a:rPr lang="en-US" altLang="zh-CN" sz="2000" b="0" dirty="0">
+                          <a:latin typeface="Times New Roman" panose="02020603050405020304" pitchFamily="18" charset="0"/>
+                          <a:cs typeface="Times New Roman" panose="02020603050405020304" pitchFamily="18" charset="0"/>
+                        </a:rPr>
+                        <a:t>s</a:t>
+                      </a:r>
+                      <a:endParaRPr lang="zh-CN" altLang="en-US" sz="2000" b="0" dirty="0">
+                        <a:latin typeface="Times New Roman" panose="02020603050405020304" pitchFamily="18" charset="0"/>
+                        <a:cs typeface="Times New Roman" panose="02020603050405020304" pitchFamily="18" charset="0"/>
+                      </a:endParaRPr>
+                    </a:p>
+                  </a:txBody>
+                  <a:tcPr>
+                    <a:solidFill>
+                      <a:schemeClr val="accent5">
+                        <a:lumMod val="20000"/>
+                        <a:lumOff val="80000"/>
+                      </a:schemeClr>
+                    </a:solidFill>
+                  </a:tcPr>
+                </a:tc>
+                <a:tc>
+                  <a:txBody>
+                    <a:bodyPr/>
+                    <a:lstStyle/>
+                    <a:p>
+                      <a:pPr algn="ctr"/>
+                      <a:r>
+                        <a:rPr lang="en-US" altLang="zh-CN" sz="2000" b="0" dirty="0" err="1">
+                          <a:latin typeface="Times New Roman" panose="02020603050405020304" pitchFamily="18" charset="0"/>
+                          <a:cs typeface="Times New Roman" panose="02020603050405020304" pitchFamily="18" charset="0"/>
+                        </a:rPr>
+                        <a:t>i</a:t>
+                      </a:r>
+                      <a:endParaRPr lang="zh-CN" altLang="en-US" sz="2000" b="0" dirty="0">
+                        <a:latin typeface="Times New Roman" panose="02020603050405020304" pitchFamily="18" charset="0"/>
+                        <a:cs typeface="Times New Roman" panose="02020603050405020304" pitchFamily="18" charset="0"/>
+                      </a:endParaRPr>
+                    </a:p>
+                  </a:txBody>
+                  <a:tcPr>
+                    <a:solidFill>
+                      <a:schemeClr val="accent5">
+                        <a:lumMod val="20000"/>
+                        <a:lumOff val="80000"/>
+                      </a:schemeClr>
+                    </a:solidFill>
+                  </a:tcPr>
+                </a:tc>
+                <a:tc>
+                  <a:txBody>
+                    <a:bodyPr/>
+                    <a:lstStyle/>
+                    <a:p>
+                      <a:pPr algn="ctr"/>
+                      <a:r>
+                        <a:rPr lang="en-US" altLang="zh-CN" sz="2000" b="0" dirty="0" err="1">
+                          <a:latin typeface="Times New Roman" panose="02020603050405020304" pitchFamily="18" charset="0"/>
+                          <a:cs typeface="Times New Roman" panose="02020603050405020304" pitchFamily="18" charset="0"/>
+                        </a:rPr>
+                        <a:t>i</a:t>
+                      </a:r>
+                      <a:endParaRPr lang="zh-CN" altLang="en-US" sz="2000" b="0" dirty="0">
+                        <a:latin typeface="Times New Roman" panose="02020603050405020304" pitchFamily="18" charset="0"/>
+                        <a:cs typeface="Times New Roman" panose="02020603050405020304" pitchFamily="18" charset="0"/>
+                      </a:endParaRPr>
+                    </a:p>
+                  </a:txBody>
+                  <a:tcPr/>
+                </a:tc>
+                <a:tc>
+                  <a:txBody>
+                    <a:bodyPr/>
+                    <a:lstStyle/>
+                    <a:p>
+                      <a:pPr algn="ctr"/>
+                      <a:endParaRPr lang="zh-CN" altLang="en-US" sz="2000" b="0" dirty="0">
+                        <a:latin typeface="Times New Roman" panose="02020603050405020304" pitchFamily="18" charset="0"/>
+                        <a:cs typeface="Times New Roman" panose="02020603050405020304" pitchFamily="18" charset="0"/>
+                      </a:endParaRPr>
+                    </a:p>
+                  </a:txBody>
+                  <a:tcPr/>
+                </a:tc>
+                <a:tc>
+                  <a:txBody>
+                    <a:bodyPr/>
+                    <a:lstStyle/>
+                    <a:p>
+                      <a:pPr algn="ctr"/>
+                      <a:r>
+                        <a:rPr lang="en-US" altLang="zh-CN" sz="2000" b="0" dirty="0">
+                          <a:latin typeface="Times New Roman" panose="02020603050405020304" pitchFamily="18" charset="0"/>
+                          <a:cs typeface="Times New Roman" panose="02020603050405020304" pitchFamily="18" charset="0"/>
+                        </a:rPr>
+                        <a:t>e</a:t>
+                      </a:r>
+                      <a:endParaRPr lang="zh-CN" altLang="en-US" sz="2000" b="0" dirty="0">
+                        <a:latin typeface="Times New Roman" panose="02020603050405020304" pitchFamily="18" charset="0"/>
+                        <a:cs typeface="Times New Roman" panose="02020603050405020304" pitchFamily="18" charset="0"/>
+                      </a:endParaRPr>
+                    </a:p>
+                  </a:txBody>
+                  <a:tcPr/>
+                </a:tc>
+                <a:tc>
+                  <a:txBody>
+                    <a:bodyPr/>
+                    <a:lstStyle/>
+                    <a:p>
+                      <a:pPr algn="ctr"/>
+                      <a:r>
+                        <a:rPr lang="en-US" altLang="zh-CN" sz="2000" b="0" dirty="0">
+                          <a:latin typeface="Times New Roman" panose="02020603050405020304" pitchFamily="18" charset="0"/>
+                          <a:cs typeface="Times New Roman" panose="02020603050405020304" pitchFamily="18" charset="0"/>
+                        </a:rPr>
+                        <a:t>d</a:t>
+                      </a:r>
+                      <a:endParaRPr lang="zh-CN" altLang="en-US" sz="2000" b="0" dirty="0">
+                        <a:latin typeface="Times New Roman" panose="02020603050405020304" pitchFamily="18" charset="0"/>
+                        <a:cs typeface="Times New Roman" panose="02020603050405020304" pitchFamily="18" charset="0"/>
+                      </a:endParaRPr>
+                    </a:p>
+                  </a:txBody>
+                  <a:tcPr/>
+                </a:tc>
+                <a:tc>
+                  <a:txBody>
+                    <a:bodyPr/>
+                    <a:lstStyle/>
+                    <a:p>
+                      <a:pPr algn="ctr"/>
+                      <a:r>
+                        <a:rPr lang="en-US" altLang="zh-CN" sz="2000" b="0" dirty="0">
+                          <a:latin typeface="Times New Roman" panose="02020603050405020304" pitchFamily="18" charset="0"/>
+                          <a:cs typeface="Times New Roman" panose="02020603050405020304" pitchFamily="18" charset="0"/>
+                        </a:rPr>
+                        <a:t>o</a:t>
+                      </a:r>
+                      <a:endParaRPr lang="zh-CN" altLang="en-US" sz="2000" b="0" dirty="0">
+                        <a:latin typeface="Times New Roman" panose="02020603050405020304" pitchFamily="18" charset="0"/>
+                        <a:cs typeface="Times New Roman" panose="02020603050405020304" pitchFamily="18" charset="0"/>
+                      </a:endParaRPr>
+                    </a:p>
+                  </a:txBody>
+                  <a:tcPr/>
+                </a:tc>
+                <a:tc>
+                  <a:txBody>
+                    <a:bodyPr/>
+                    <a:lstStyle/>
+                    <a:p>
+                      <a:pPr algn="ctr"/>
+                      <a:r>
+                        <a:rPr lang="en-US" altLang="zh-CN" sz="2000" b="0" dirty="0">
+                          <a:latin typeface="Times New Roman" panose="02020603050405020304" pitchFamily="18" charset="0"/>
+                          <a:cs typeface="Times New Roman" panose="02020603050405020304" pitchFamily="18" charset="0"/>
+                        </a:rPr>
+                        <a:t>c</a:t>
+                      </a:r>
+                      <a:endParaRPr lang="zh-CN" altLang="en-US" sz="2000" b="0" dirty="0">
+                        <a:latin typeface="Times New Roman" panose="02020603050405020304" pitchFamily="18" charset="0"/>
+                        <a:cs typeface="Times New Roman" panose="02020603050405020304" pitchFamily="18" charset="0"/>
+                      </a:endParaRPr>
+                    </a:p>
+                  </a:txBody>
+                  <a:tcPr/>
+                </a:tc>
+                <a:tc>
+                  <a:txBody>
+                    <a:bodyPr/>
+                    <a:lstStyle/>
+                    <a:p>
+                      <a:pPr algn="ctr"/>
+                      <a:endParaRPr lang="zh-CN" altLang="en-US" sz="2000" b="0" dirty="0">
+                        <a:latin typeface="Times New Roman" panose="02020603050405020304" pitchFamily="18" charset="0"/>
+                        <a:cs typeface="Times New Roman" panose="02020603050405020304" pitchFamily="18" charset="0"/>
+                      </a:endParaRPr>
+                    </a:p>
+                  </a:txBody>
+                  <a:tcPr/>
+                </a:tc>
+                <a:tc>
+                  <a:txBody>
+                    <a:bodyPr/>
+                    <a:lstStyle/>
+                    <a:p>
+                      <a:pPr algn="ctr"/>
+                      <a:endParaRPr lang="zh-CN" altLang="en-US" sz="2000" b="0" dirty="0">
+                        <a:latin typeface="Times New Roman" panose="02020603050405020304" pitchFamily="18" charset="0"/>
+                        <a:cs typeface="Times New Roman" panose="02020603050405020304" pitchFamily="18" charset="0"/>
+                      </a:endParaRPr>
+                    </a:p>
+                  </a:txBody>
+                  <a:tcPr/>
+                </a:tc>
+                <a:extLst>
+                  <a:ext uri="{0D108BD9-81ED-4DB2-BD59-A6C34878D82A}">
+                    <a16:rowId xmlns:a16="http://schemas.microsoft.com/office/drawing/2014/main" val="3732229575"/>
+                  </a:ext>
+                </a:extLst>
+              </a:tr>
+            </a:tbl>
+          </a:graphicData>
+        </a:graphic>
+      </p:graphicFrame>
+      <p:grpSp>
+        <p:nvGrpSpPr>
+          <p:cNvPr id="83" name="组合 82">
+            <a:extLst>
+              <a:ext uri="{FF2B5EF4-FFF2-40B4-BE49-F238E27FC236}">
+                <a16:creationId xmlns:a16="http://schemas.microsoft.com/office/drawing/2014/main" id="{8B3E04E7-2423-4D49-A16D-E56F1E0B76C2}"/>
+              </a:ext>
+            </a:extLst>
+          </p:cNvPr>
+          <p:cNvGrpSpPr/>
+          <p:nvPr/>
+        </p:nvGrpSpPr>
+        <p:grpSpPr>
+          <a:xfrm>
+            <a:off x="4826003" y="12474196"/>
+            <a:ext cx="677333" cy="610880"/>
+            <a:chOff x="4732865" y="3593626"/>
+            <a:chExt cx="677333" cy="610880"/>
+          </a:xfrm>
+        </p:grpSpPr>
+        <p:cxnSp>
+          <p:nvCxnSpPr>
+            <p:cNvPr id="84" name="直接箭头连接符 83">
+              <a:extLst>
+                <a:ext uri="{FF2B5EF4-FFF2-40B4-BE49-F238E27FC236}">
+                  <a16:creationId xmlns:a16="http://schemas.microsoft.com/office/drawing/2014/main" id="{DF7B0580-D9A8-40D1-9AB5-0DA818DB953A}"/>
+                </a:ext>
+              </a:extLst>
+            </p:cNvPr>
+            <p:cNvCxnSpPr>
+              <a:cxnSpLocks/>
+            </p:cNvCxnSpPr>
+            <p:nvPr/>
+          </p:nvCxnSpPr>
+          <p:spPr>
+            <a:xfrm flipV="1">
+              <a:off x="5071532" y="3593626"/>
+              <a:ext cx="0" cy="305375"/>
+            </a:xfrm>
+            <a:prstGeom prst="straightConnector1">
+              <a:avLst/>
+            </a:prstGeom>
+            <a:ln w="19050">
+              <a:tailEnd type="triangle"/>
+            </a:ln>
+          </p:spPr>
+          <p:style>
+            <a:lnRef idx="1">
+              <a:schemeClr val="dk1"/>
+            </a:lnRef>
+            <a:fillRef idx="0">
+              <a:schemeClr val="dk1"/>
+            </a:fillRef>
+            <a:effectRef idx="0">
+              <a:schemeClr val="dk1"/>
+            </a:effectRef>
+            <a:fontRef idx="minor">
+              <a:schemeClr val="tx1"/>
+            </a:fontRef>
+          </p:style>
+        </p:cxnSp>
+        <p:sp>
+          <p:nvSpPr>
+            <p:cNvPr id="85" name="文本框 84">
+              <a:extLst>
+                <a:ext uri="{FF2B5EF4-FFF2-40B4-BE49-F238E27FC236}">
+                  <a16:creationId xmlns:a16="http://schemas.microsoft.com/office/drawing/2014/main" id="{43173EDE-DF91-49DB-AB05-247CCC196C37}"/>
+                </a:ext>
+              </a:extLst>
+            </p:cNvPr>
+            <p:cNvSpPr txBox="1"/>
+            <p:nvPr/>
+          </p:nvSpPr>
+          <p:spPr>
+            <a:xfrm>
+              <a:off x="4732865" y="3927507"/>
+              <a:ext cx="677333" cy="276999"/>
+            </a:xfrm>
+            <a:prstGeom prst="rect">
+              <a:avLst/>
+            </a:prstGeom>
+            <a:noFill/>
+          </p:spPr>
+          <p:txBody>
+            <a:bodyPr wrap="square" lIns="0" tIns="0" rIns="0" bIns="0" rtlCol="0">
+              <a:spAutoFit/>
+            </a:bodyPr>
+            <a:lstStyle/>
+            <a:p>
+              <a:pPr algn="ctr"/>
+              <a:r>
+                <a:rPr lang="en-US" altLang="zh-CN" dirty="0" err="1">
+                  <a:latin typeface="Times New Roman" panose="02020603050405020304" pitchFamily="18" charset="0"/>
+                  <a:ea typeface="宋体" panose="02010600030101010101" pitchFamily="2" charset="-122"/>
+                </a:rPr>
+                <a:t>idx</a:t>
+              </a:r>
+              <a:endParaRPr lang="zh-CN" altLang="en-US" dirty="0">
+                <a:latin typeface="Times New Roman" panose="02020603050405020304" pitchFamily="18" charset="0"/>
+                <a:ea typeface="宋体" panose="02010600030101010101" pitchFamily="2" charset="-122"/>
+              </a:endParaRPr>
+            </a:p>
+          </p:txBody>
+        </p:sp>
+      </p:grpSp>
+      <p:grpSp>
+        <p:nvGrpSpPr>
+          <p:cNvPr id="86" name="组合 85">
+            <a:extLst>
+              <a:ext uri="{FF2B5EF4-FFF2-40B4-BE49-F238E27FC236}">
+                <a16:creationId xmlns:a16="http://schemas.microsoft.com/office/drawing/2014/main" id="{5646D3D8-DB0E-48AE-9611-4325DA33C263}"/>
+              </a:ext>
+            </a:extLst>
+          </p:cNvPr>
+          <p:cNvGrpSpPr/>
+          <p:nvPr/>
+        </p:nvGrpSpPr>
+        <p:grpSpPr>
+          <a:xfrm>
+            <a:off x="4995333" y="11327341"/>
+            <a:ext cx="1100667" cy="627024"/>
+            <a:chOff x="4521198" y="2503416"/>
+            <a:chExt cx="1100667" cy="627024"/>
+          </a:xfrm>
+        </p:grpSpPr>
+        <p:sp>
+          <p:nvSpPr>
+            <p:cNvPr id="87" name="文本框 86">
+              <a:extLst>
+                <a:ext uri="{FF2B5EF4-FFF2-40B4-BE49-F238E27FC236}">
+                  <a16:creationId xmlns:a16="http://schemas.microsoft.com/office/drawing/2014/main" id="{17761CCC-87D1-4643-99E0-2811C70A6C6E}"/>
+                </a:ext>
+              </a:extLst>
+            </p:cNvPr>
+            <p:cNvSpPr txBox="1"/>
+            <p:nvPr/>
+          </p:nvSpPr>
+          <p:spPr>
+            <a:xfrm>
+              <a:off x="4521198" y="2503416"/>
+              <a:ext cx="1100667" cy="276999"/>
+            </a:xfrm>
+            <a:prstGeom prst="rect">
+              <a:avLst/>
+            </a:prstGeom>
+            <a:noFill/>
+          </p:spPr>
+          <p:txBody>
+            <a:bodyPr wrap="square" lIns="0" tIns="0" rIns="0" bIns="0" rtlCol="0">
+              <a:spAutoFit/>
+            </a:bodyPr>
+            <a:lstStyle/>
+            <a:p>
+              <a:pPr algn="ctr"/>
+              <a:r>
+                <a:rPr lang="en-US" altLang="zh-CN" dirty="0">
+                  <a:latin typeface="Times New Roman" panose="02020603050405020304" pitchFamily="18" charset="0"/>
+                  <a:ea typeface="宋体" panose="02010600030101010101" pitchFamily="2" charset="-122"/>
+                </a:rPr>
+                <a:t>end</a:t>
+              </a:r>
+              <a:endParaRPr lang="zh-CN" altLang="en-US" dirty="0">
+                <a:latin typeface="Times New Roman" panose="02020603050405020304" pitchFamily="18" charset="0"/>
+                <a:ea typeface="宋体" panose="02010600030101010101" pitchFamily="2" charset="-122"/>
+              </a:endParaRPr>
+            </a:p>
+          </p:txBody>
+        </p:sp>
+        <p:cxnSp>
+          <p:nvCxnSpPr>
+            <p:cNvPr id="88" name="直接箭头连接符 87">
+              <a:extLst>
+                <a:ext uri="{FF2B5EF4-FFF2-40B4-BE49-F238E27FC236}">
+                  <a16:creationId xmlns:a16="http://schemas.microsoft.com/office/drawing/2014/main" id="{17E0439C-840C-4088-A33B-F60E7761A467}"/>
+                </a:ext>
+              </a:extLst>
+            </p:cNvPr>
+            <p:cNvCxnSpPr>
+              <a:cxnSpLocks/>
+            </p:cNvCxnSpPr>
+            <p:nvPr/>
+          </p:nvCxnSpPr>
+          <p:spPr>
+            <a:xfrm rot="10800000" flipV="1">
+              <a:off x="5071533" y="2825065"/>
+              <a:ext cx="0" cy="305375"/>
+            </a:xfrm>
+            <a:prstGeom prst="straightConnector1">
+              <a:avLst/>
+            </a:prstGeom>
+            <a:ln w="19050">
+              <a:tailEnd type="triangle"/>
+            </a:ln>
+          </p:spPr>
+          <p:style>
+            <a:lnRef idx="1">
+              <a:schemeClr val="dk1"/>
+            </a:lnRef>
+            <a:fillRef idx="0">
+              <a:schemeClr val="dk1"/>
+            </a:fillRef>
+            <a:effectRef idx="0">
+              <a:schemeClr val="dk1"/>
+            </a:effectRef>
+            <a:fontRef idx="minor">
+              <a:schemeClr val="tx1"/>
+            </a:fontRef>
+          </p:style>
+        </p:cxnSp>
+      </p:grpSp>
+      <p:sp>
+        <p:nvSpPr>
+          <p:cNvPr id="89" name="文本框 88">
+            <a:extLst>
+              <a:ext uri="{FF2B5EF4-FFF2-40B4-BE49-F238E27FC236}">
+                <a16:creationId xmlns:a16="http://schemas.microsoft.com/office/drawing/2014/main" id="{D97C3DA7-EEEA-4826-82BE-7E4AC3CFAE07}"/>
+              </a:ext>
+            </a:extLst>
+          </p:cNvPr>
+          <p:cNvSpPr txBox="1"/>
+          <p:nvPr/>
+        </p:nvSpPr>
+        <p:spPr>
+          <a:xfrm>
+            <a:off x="1515536" y="12010513"/>
+            <a:ext cx="698502" cy="369332"/>
+          </a:xfrm>
+          <a:prstGeom prst="rect">
+            <a:avLst/>
+          </a:prstGeom>
+          <a:noFill/>
+        </p:spPr>
+        <p:txBody>
+          <a:bodyPr wrap="square" rtlCol="0">
+            <a:spAutoFit/>
+          </a:bodyPr>
+          <a:lstStyle/>
+          <a:p>
+            <a:pPr algn="ctr"/>
+            <a:r>
+              <a:rPr lang="zh-CN" altLang="en-US" dirty="0">
+                <a:latin typeface="Times New Roman" panose="02020603050405020304" pitchFamily="18" charset="0"/>
+                <a:ea typeface="宋体" panose="02010600030101010101" pitchFamily="2" charset="-122"/>
+              </a:rPr>
+              <a:t>⑦</a:t>
+            </a:r>
+          </a:p>
+        </p:txBody>
+      </p:sp>
+      <p:cxnSp>
+        <p:nvCxnSpPr>
+          <p:cNvPr id="90" name="直接连接符 89">
+            <a:extLst>
+              <a:ext uri="{FF2B5EF4-FFF2-40B4-BE49-F238E27FC236}">
+                <a16:creationId xmlns:a16="http://schemas.microsoft.com/office/drawing/2014/main" id="{21725437-D4D3-4EBB-B5AD-FDF38E50752E}"/>
+              </a:ext>
+            </a:extLst>
+          </p:cNvPr>
+          <p:cNvCxnSpPr/>
+          <p:nvPr/>
+        </p:nvCxnSpPr>
+        <p:spPr>
+          <a:xfrm>
+            <a:off x="1325037" y="11083575"/>
+            <a:ext cx="7984066" cy="0"/>
+          </a:xfrm>
+          <a:prstGeom prst="line">
+            <a:avLst/>
+          </a:prstGeom>
+          <a:ln w="12700">
+            <a:prstDash val="dash"/>
+            <a:tailEnd type="none"/>
+          </a:ln>
+        </p:spPr>
+        <p:style>
+          <a:lnRef idx="1">
+            <a:schemeClr val="dk1"/>
+          </a:lnRef>
+          <a:fillRef idx="0">
+            <a:schemeClr val="dk1"/>
+          </a:fillRef>
+          <a:effectRef idx="0">
+            <a:schemeClr val="dk1"/>
+          </a:effectRef>
+          <a:fontRef idx="minor">
+            <a:schemeClr val="tx1"/>
+          </a:fontRef>
+        </p:style>
+      </p:cxnSp>
+      <p:grpSp>
+        <p:nvGrpSpPr>
+          <p:cNvPr id="97" name="组合 96">
+            <a:extLst>
+              <a:ext uri="{FF2B5EF4-FFF2-40B4-BE49-F238E27FC236}">
+                <a16:creationId xmlns:a16="http://schemas.microsoft.com/office/drawing/2014/main" id="{CFFE26B8-25BE-4837-8DB6-65954A955794}"/>
+              </a:ext>
+            </a:extLst>
+          </p:cNvPr>
+          <p:cNvGrpSpPr/>
+          <p:nvPr/>
+        </p:nvGrpSpPr>
+        <p:grpSpPr>
+          <a:xfrm>
+            <a:off x="4157268" y="6761907"/>
+            <a:ext cx="1100667" cy="627024"/>
+            <a:chOff x="4521198" y="2503416"/>
+            <a:chExt cx="1100667" cy="627024"/>
+          </a:xfrm>
+        </p:grpSpPr>
+        <p:sp>
+          <p:nvSpPr>
+            <p:cNvPr id="98" name="文本框 97">
+              <a:extLst>
+                <a:ext uri="{FF2B5EF4-FFF2-40B4-BE49-F238E27FC236}">
+                  <a16:creationId xmlns:a16="http://schemas.microsoft.com/office/drawing/2014/main" id="{00FB6EC2-3675-49E8-A306-228F341EF270}"/>
+                </a:ext>
+              </a:extLst>
+            </p:cNvPr>
+            <p:cNvSpPr txBox="1"/>
+            <p:nvPr/>
+          </p:nvSpPr>
+          <p:spPr>
+            <a:xfrm>
+              <a:off x="4521198" y="2503416"/>
+              <a:ext cx="1100667" cy="276999"/>
+            </a:xfrm>
+            <a:prstGeom prst="rect">
+              <a:avLst/>
+            </a:prstGeom>
+            <a:noFill/>
+          </p:spPr>
+          <p:txBody>
+            <a:bodyPr wrap="square" lIns="0" tIns="0" rIns="0" bIns="0" rtlCol="0">
+              <a:spAutoFit/>
+            </a:bodyPr>
+            <a:lstStyle/>
+            <a:p>
+              <a:pPr algn="ctr"/>
+              <a:r>
+                <a:rPr lang="en-US" altLang="zh-CN" dirty="0">
+                  <a:latin typeface="Times New Roman" panose="02020603050405020304" pitchFamily="18" charset="0"/>
+                  <a:ea typeface="宋体" panose="02010600030101010101" pitchFamily="2" charset="-122"/>
+                </a:rPr>
+                <a:t>start</a:t>
+              </a:r>
+              <a:endParaRPr lang="zh-CN" altLang="en-US" dirty="0">
+                <a:latin typeface="Times New Roman" panose="02020603050405020304" pitchFamily="18" charset="0"/>
+                <a:ea typeface="宋体" panose="02010600030101010101" pitchFamily="2" charset="-122"/>
+              </a:endParaRPr>
+            </a:p>
+          </p:txBody>
+        </p:sp>
+        <p:cxnSp>
+          <p:nvCxnSpPr>
+            <p:cNvPr id="99" name="直接箭头连接符 98">
+              <a:extLst>
+                <a:ext uri="{FF2B5EF4-FFF2-40B4-BE49-F238E27FC236}">
+                  <a16:creationId xmlns:a16="http://schemas.microsoft.com/office/drawing/2014/main" id="{412069BB-8DF7-492B-A882-5A242771F56E}"/>
+                </a:ext>
+              </a:extLst>
+            </p:cNvPr>
+            <p:cNvCxnSpPr>
+              <a:cxnSpLocks/>
+            </p:cNvCxnSpPr>
+            <p:nvPr/>
+          </p:nvCxnSpPr>
+          <p:spPr>
+            <a:xfrm rot="10800000" flipV="1">
+              <a:off x="5071533" y="2825065"/>
+              <a:ext cx="0" cy="305375"/>
+            </a:xfrm>
+            <a:prstGeom prst="straightConnector1">
+              <a:avLst/>
+            </a:prstGeom>
+            <a:ln w="19050">
+              <a:tailEnd type="triangle"/>
+            </a:ln>
+          </p:spPr>
+          <p:style>
+            <a:lnRef idx="1">
+              <a:schemeClr val="dk1"/>
+            </a:lnRef>
+            <a:fillRef idx="0">
+              <a:schemeClr val="dk1"/>
+            </a:fillRef>
+            <a:effectRef idx="0">
+              <a:schemeClr val="dk1"/>
+            </a:effectRef>
+            <a:fontRef idx="minor">
+              <a:schemeClr val="tx1"/>
+            </a:fontRef>
+          </p:style>
+        </p:cxnSp>
+      </p:grpSp>
+      <p:grpSp>
+        <p:nvGrpSpPr>
+          <p:cNvPr id="102" name="组合 101">
+            <a:extLst>
+              <a:ext uri="{FF2B5EF4-FFF2-40B4-BE49-F238E27FC236}">
+                <a16:creationId xmlns:a16="http://schemas.microsoft.com/office/drawing/2014/main" id="{4124FCE4-E4D5-4946-812C-97EADCA2D0C5}"/>
+              </a:ext>
+            </a:extLst>
+          </p:cNvPr>
+          <p:cNvGrpSpPr/>
+          <p:nvPr/>
+        </p:nvGrpSpPr>
+        <p:grpSpPr>
+          <a:xfrm>
+            <a:off x="4246035" y="13277011"/>
+            <a:ext cx="1100667" cy="627024"/>
+            <a:chOff x="4521198" y="2503416"/>
+            <a:chExt cx="1100667" cy="627024"/>
+          </a:xfrm>
+        </p:grpSpPr>
+        <p:sp>
+          <p:nvSpPr>
+            <p:cNvPr id="103" name="文本框 102">
+              <a:extLst>
+                <a:ext uri="{FF2B5EF4-FFF2-40B4-BE49-F238E27FC236}">
+                  <a16:creationId xmlns:a16="http://schemas.microsoft.com/office/drawing/2014/main" id="{EA051730-2C46-4580-A6E6-F967DFC825C6}"/>
+                </a:ext>
+              </a:extLst>
+            </p:cNvPr>
+            <p:cNvSpPr txBox="1"/>
+            <p:nvPr/>
+          </p:nvSpPr>
+          <p:spPr>
+            <a:xfrm>
+              <a:off x="4521198" y="2503416"/>
+              <a:ext cx="1100667" cy="276999"/>
+            </a:xfrm>
+            <a:prstGeom prst="rect">
+              <a:avLst/>
+            </a:prstGeom>
+            <a:noFill/>
+          </p:spPr>
+          <p:txBody>
+            <a:bodyPr wrap="square" lIns="0" tIns="0" rIns="0" bIns="0" rtlCol="0">
+              <a:spAutoFit/>
+            </a:bodyPr>
+            <a:lstStyle/>
+            <a:p>
+              <a:pPr algn="ctr"/>
+              <a:r>
+                <a:rPr lang="en-US" altLang="zh-CN" dirty="0">
+                  <a:latin typeface="Times New Roman" panose="02020603050405020304" pitchFamily="18" charset="0"/>
+                  <a:ea typeface="宋体" panose="02010600030101010101" pitchFamily="2" charset="-122"/>
+                </a:rPr>
+                <a:t>start</a:t>
+              </a:r>
+              <a:endParaRPr lang="zh-CN" altLang="en-US" dirty="0">
+                <a:latin typeface="Times New Roman" panose="02020603050405020304" pitchFamily="18" charset="0"/>
+                <a:ea typeface="宋体" panose="02010600030101010101" pitchFamily="2" charset="-122"/>
+              </a:endParaRPr>
+            </a:p>
+          </p:txBody>
+        </p:sp>
+        <p:cxnSp>
+          <p:nvCxnSpPr>
+            <p:cNvPr id="104" name="直接箭头连接符 103">
+              <a:extLst>
+                <a:ext uri="{FF2B5EF4-FFF2-40B4-BE49-F238E27FC236}">
+                  <a16:creationId xmlns:a16="http://schemas.microsoft.com/office/drawing/2014/main" id="{BE1B5432-E113-4C70-8CEC-9B93ECB5FDDE}"/>
+                </a:ext>
+              </a:extLst>
+            </p:cNvPr>
+            <p:cNvCxnSpPr>
+              <a:cxnSpLocks/>
+            </p:cNvCxnSpPr>
+            <p:nvPr/>
+          </p:nvCxnSpPr>
+          <p:spPr>
+            <a:xfrm rot="10800000" flipV="1">
+              <a:off x="5071533" y="2825065"/>
+              <a:ext cx="0" cy="305375"/>
+            </a:xfrm>
+            <a:prstGeom prst="straightConnector1">
+              <a:avLst/>
+            </a:prstGeom>
+            <a:ln w="19050">
+              <a:tailEnd type="triangle"/>
+            </a:ln>
+          </p:spPr>
+          <p:style>
+            <a:lnRef idx="1">
+              <a:schemeClr val="dk1"/>
+            </a:lnRef>
+            <a:fillRef idx="0">
+              <a:schemeClr val="dk1"/>
+            </a:fillRef>
+            <a:effectRef idx="0">
+              <a:schemeClr val="dk1"/>
+            </a:effectRef>
+            <a:fontRef idx="minor">
+              <a:schemeClr val="tx1"/>
+            </a:fontRef>
+          </p:style>
+        </p:cxnSp>
+      </p:grpSp>
+      <p:graphicFrame>
+        <p:nvGraphicFramePr>
+          <p:cNvPr id="105" name="表格 4">
+            <a:extLst>
+              <a:ext uri="{FF2B5EF4-FFF2-40B4-BE49-F238E27FC236}">
+                <a16:creationId xmlns:a16="http://schemas.microsoft.com/office/drawing/2014/main" id="{D8652388-AEBA-4B9B-BA77-E3EBD26F72B1}"/>
+              </a:ext>
+            </a:extLst>
+          </p:cNvPr>
+          <p:cNvGraphicFramePr>
+            <a:graphicFrameLocks noGrp="1"/>
+          </p:cNvGraphicFramePr>
+          <p:nvPr>
+            <p:extLst>
+              <p:ext uri="{D42A27DB-BD31-4B8C-83A1-F6EECF244321}">
+                <p14:modId xmlns:p14="http://schemas.microsoft.com/office/powerpoint/2010/main" val="2842100458"/>
+              </p:ext>
+            </p:extLst>
+          </p:nvPr>
+        </p:nvGraphicFramePr>
+        <p:xfrm>
+          <a:off x="2529634" y="13969220"/>
+          <a:ext cx="5689600" cy="396240"/>
+        </p:xfrm>
+        <a:graphic>
+          <a:graphicData uri="http://schemas.openxmlformats.org/drawingml/2006/table">
+            <a:tbl>
+              <a:tblPr firstRow="1" bandRow="1">
+                <a:tableStyleId>{5940675A-B579-460E-94D1-54222C63F5DA}</a:tableStyleId>
+              </a:tblPr>
+              <a:tblGrid>
+                <a:gridCol w="406400">
+                  <a:extLst>
+                    <a:ext uri="{9D8B030D-6E8A-4147-A177-3AD203B41FA5}">
+                      <a16:colId xmlns:a16="http://schemas.microsoft.com/office/drawing/2014/main" val="724645724"/>
+                    </a:ext>
+                  </a:extLst>
+                </a:gridCol>
+                <a:gridCol w="406400">
+                  <a:extLst>
+                    <a:ext uri="{9D8B030D-6E8A-4147-A177-3AD203B41FA5}">
+                      <a16:colId xmlns:a16="http://schemas.microsoft.com/office/drawing/2014/main" val="1836722532"/>
+                    </a:ext>
+                  </a:extLst>
+                </a:gridCol>
+                <a:gridCol w="406400">
+                  <a:extLst>
+                    <a:ext uri="{9D8B030D-6E8A-4147-A177-3AD203B41FA5}">
+                      <a16:colId xmlns:a16="http://schemas.microsoft.com/office/drawing/2014/main" val="3009865464"/>
+                    </a:ext>
+                  </a:extLst>
+                </a:gridCol>
+                <a:gridCol w="406400">
+                  <a:extLst>
+                    <a:ext uri="{9D8B030D-6E8A-4147-A177-3AD203B41FA5}">
+                      <a16:colId xmlns:a16="http://schemas.microsoft.com/office/drawing/2014/main" val="2013969288"/>
+                    </a:ext>
+                  </a:extLst>
+                </a:gridCol>
+                <a:gridCol w="406400">
+                  <a:extLst>
+                    <a:ext uri="{9D8B030D-6E8A-4147-A177-3AD203B41FA5}">
+                      <a16:colId xmlns:a16="http://schemas.microsoft.com/office/drawing/2014/main" val="2573172242"/>
+                    </a:ext>
+                  </a:extLst>
+                </a:gridCol>
+                <a:gridCol w="406400">
+                  <a:extLst>
+                    <a:ext uri="{9D8B030D-6E8A-4147-A177-3AD203B41FA5}">
+                      <a16:colId xmlns:a16="http://schemas.microsoft.com/office/drawing/2014/main" val="1176554396"/>
+                    </a:ext>
+                  </a:extLst>
+                </a:gridCol>
+                <a:gridCol w="406400">
+                  <a:extLst>
+                    <a:ext uri="{9D8B030D-6E8A-4147-A177-3AD203B41FA5}">
+                      <a16:colId xmlns:a16="http://schemas.microsoft.com/office/drawing/2014/main" val="2148932215"/>
+                    </a:ext>
+                  </a:extLst>
+                </a:gridCol>
+                <a:gridCol w="406400">
+                  <a:extLst>
+                    <a:ext uri="{9D8B030D-6E8A-4147-A177-3AD203B41FA5}">
+                      <a16:colId xmlns:a16="http://schemas.microsoft.com/office/drawing/2014/main" val="1914188605"/>
+                    </a:ext>
+                  </a:extLst>
+                </a:gridCol>
+                <a:gridCol w="406400">
+                  <a:extLst>
+                    <a:ext uri="{9D8B030D-6E8A-4147-A177-3AD203B41FA5}">
+                      <a16:colId xmlns:a16="http://schemas.microsoft.com/office/drawing/2014/main" val="1524311926"/>
+                    </a:ext>
+                  </a:extLst>
+                </a:gridCol>
+                <a:gridCol w="406400">
+                  <a:extLst>
+                    <a:ext uri="{9D8B030D-6E8A-4147-A177-3AD203B41FA5}">
+                      <a16:colId xmlns:a16="http://schemas.microsoft.com/office/drawing/2014/main" val="3881050891"/>
+                    </a:ext>
+                  </a:extLst>
+                </a:gridCol>
+                <a:gridCol w="406400">
+                  <a:extLst>
+                    <a:ext uri="{9D8B030D-6E8A-4147-A177-3AD203B41FA5}">
+                      <a16:colId xmlns:a16="http://schemas.microsoft.com/office/drawing/2014/main" val="1931707403"/>
+                    </a:ext>
+                  </a:extLst>
+                </a:gridCol>
+                <a:gridCol w="406400">
+                  <a:extLst>
+                    <a:ext uri="{9D8B030D-6E8A-4147-A177-3AD203B41FA5}">
+                      <a16:colId xmlns:a16="http://schemas.microsoft.com/office/drawing/2014/main" val="4196253283"/>
+                    </a:ext>
+                  </a:extLst>
+                </a:gridCol>
+                <a:gridCol w="406400">
+                  <a:extLst>
+                    <a:ext uri="{9D8B030D-6E8A-4147-A177-3AD203B41FA5}">
+                      <a16:colId xmlns:a16="http://schemas.microsoft.com/office/drawing/2014/main" val="342264775"/>
+                    </a:ext>
+                  </a:extLst>
+                </a:gridCol>
+                <a:gridCol w="406400">
+                  <a:extLst>
+                    <a:ext uri="{9D8B030D-6E8A-4147-A177-3AD203B41FA5}">
+                      <a16:colId xmlns:a16="http://schemas.microsoft.com/office/drawing/2014/main" val="28913360"/>
+                    </a:ext>
+                  </a:extLst>
+                </a:gridCol>
+              </a:tblGrid>
+              <a:tr h="370840">
+                <a:tc>
+                  <a:txBody>
+                    <a:bodyPr/>
+                    <a:lstStyle/>
+                    <a:p>
+                      <a:pPr algn="ctr"/>
+                      <a:r>
+                        <a:rPr lang="en-US" altLang="zh-CN" sz="2000" b="0" dirty="0">
+                          <a:latin typeface="Times New Roman" panose="02020603050405020304" pitchFamily="18" charset="0"/>
+                          <a:cs typeface="Times New Roman" panose="02020603050405020304" pitchFamily="18" charset="0"/>
+                        </a:rPr>
+                        <a:t>f</a:t>
+                      </a:r>
+                      <a:endParaRPr lang="zh-CN" altLang="en-US" sz="2000" b="0" dirty="0">
+                        <a:latin typeface="Times New Roman" panose="02020603050405020304" pitchFamily="18" charset="0"/>
+                        <a:cs typeface="Times New Roman" panose="02020603050405020304" pitchFamily="18" charset="0"/>
+                      </a:endParaRPr>
+                    </a:p>
+                  </a:txBody>
+                  <a:tcPr>
+                    <a:solidFill>
+                      <a:schemeClr val="accent6">
+                        <a:lumMod val="20000"/>
+                        <a:lumOff val="80000"/>
+                      </a:schemeClr>
+                    </a:solidFill>
+                  </a:tcPr>
+                </a:tc>
+                <a:tc>
+                  <a:txBody>
+                    <a:bodyPr/>
+                    <a:lstStyle/>
+                    <a:p>
+                      <a:pPr algn="ctr"/>
+                      <a:r>
+                        <a:rPr lang="en-US" altLang="zh-CN" sz="2000" b="0" dirty="0">
+                          <a:latin typeface="Times New Roman" panose="02020603050405020304" pitchFamily="18" charset="0"/>
+                          <a:cs typeface="Times New Roman" panose="02020603050405020304" pitchFamily="18" charset="0"/>
+                        </a:rPr>
+                        <a:t>u</a:t>
+                      </a:r>
+                      <a:endParaRPr lang="zh-CN" altLang="en-US" sz="2000" b="0" dirty="0">
+                        <a:latin typeface="Times New Roman" panose="02020603050405020304" pitchFamily="18" charset="0"/>
+                        <a:cs typeface="Times New Roman" panose="02020603050405020304" pitchFamily="18" charset="0"/>
+                      </a:endParaRPr>
+                    </a:p>
+                  </a:txBody>
+                  <a:tcPr>
+                    <a:solidFill>
+                      <a:schemeClr val="accent6">
+                        <a:lumMod val="20000"/>
+                        <a:lumOff val="80000"/>
+                      </a:schemeClr>
+                    </a:solidFill>
+                  </a:tcPr>
+                </a:tc>
+                <a:tc>
+                  <a:txBody>
+                    <a:bodyPr/>
+                    <a:lstStyle/>
+                    <a:p>
+                      <a:pPr algn="ctr"/>
+                      <a:r>
+                        <a:rPr lang="en-US" altLang="zh-CN" sz="2000" b="0" dirty="0">
+                          <a:latin typeface="Times New Roman" panose="02020603050405020304" pitchFamily="18" charset="0"/>
+                          <a:cs typeface="Times New Roman" panose="02020603050405020304" pitchFamily="18" charset="0"/>
+                        </a:rPr>
+                        <a:t>n</a:t>
+                      </a:r>
+                      <a:endParaRPr lang="zh-CN" altLang="en-US" sz="2000" b="0" dirty="0">
+                        <a:latin typeface="Times New Roman" panose="02020603050405020304" pitchFamily="18" charset="0"/>
+                        <a:cs typeface="Times New Roman" panose="02020603050405020304" pitchFamily="18" charset="0"/>
+                      </a:endParaRPr>
+                    </a:p>
+                  </a:txBody>
+                  <a:tcPr>
+                    <a:solidFill>
+                      <a:schemeClr val="accent6">
+                        <a:lumMod val="20000"/>
+                        <a:lumOff val="80000"/>
+                      </a:schemeClr>
+                    </a:solidFill>
+                  </a:tcPr>
+                </a:tc>
+                <a:tc>
+                  <a:txBody>
+                    <a:bodyPr/>
+                    <a:lstStyle/>
+                    <a:p>
+                      <a:pPr algn="ctr"/>
+                      <a:endParaRPr lang="zh-CN" altLang="en-US" sz="2000" b="0" dirty="0">
+                        <a:latin typeface="Times New Roman" panose="02020603050405020304" pitchFamily="18" charset="0"/>
+                        <a:cs typeface="Times New Roman" panose="02020603050405020304" pitchFamily="18" charset="0"/>
+                      </a:endParaRPr>
+                    </a:p>
+                  </a:txBody>
+                  <a:tcPr>
+                    <a:solidFill>
+                      <a:schemeClr val="accent6">
+                        <a:lumMod val="20000"/>
+                        <a:lumOff val="80000"/>
+                      </a:schemeClr>
+                    </a:solidFill>
+                  </a:tcPr>
+                </a:tc>
+                <a:tc>
+                  <a:txBody>
+                    <a:bodyPr/>
+                    <a:lstStyle/>
+                    <a:p>
+                      <a:pPr algn="ctr"/>
+                      <a:r>
+                        <a:rPr lang="en-US" altLang="zh-CN" sz="2000" b="0" dirty="0" err="1">
+                          <a:latin typeface="Times New Roman" panose="02020603050405020304" pitchFamily="18" charset="0"/>
+                          <a:cs typeface="Times New Roman" panose="02020603050405020304" pitchFamily="18" charset="0"/>
+                        </a:rPr>
+                        <a:t>i</a:t>
+                      </a:r>
+                      <a:endParaRPr lang="zh-CN" altLang="en-US" sz="2000" b="0" dirty="0">
+                        <a:latin typeface="Times New Roman" panose="02020603050405020304" pitchFamily="18" charset="0"/>
+                        <a:cs typeface="Times New Roman" panose="02020603050405020304" pitchFamily="18" charset="0"/>
+                      </a:endParaRPr>
+                    </a:p>
+                  </a:txBody>
+                  <a:tcPr>
+                    <a:solidFill>
+                      <a:schemeClr val="accent6">
+                        <a:lumMod val="20000"/>
+                        <a:lumOff val="80000"/>
+                      </a:schemeClr>
+                    </a:solidFill>
+                  </a:tcPr>
+                </a:tc>
+                <a:tc>
+                  <a:txBody>
+                    <a:bodyPr/>
+                    <a:lstStyle/>
+                    <a:p>
+                      <a:pPr algn="ctr"/>
+                      <a:r>
+                        <a:rPr lang="en-US" altLang="zh-CN" sz="2000" b="0" dirty="0">
+                          <a:latin typeface="Times New Roman" panose="02020603050405020304" pitchFamily="18" charset="0"/>
+                          <a:cs typeface="Times New Roman" panose="02020603050405020304" pitchFamily="18" charset="0"/>
+                        </a:rPr>
+                        <a:t>s</a:t>
+                      </a:r>
+                      <a:endParaRPr lang="zh-CN" altLang="en-US" sz="2000" b="0" dirty="0">
+                        <a:latin typeface="Times New Roman" panose="02020603050405020304" pitchFamily="18" charset="0"/>
+                        <a:cs typeface="Times New Roman" panose="02020603050405020304" pitchFamily="18" charset="0"/>
+                      </a:endParaRPr>
+                    </a:p>
+                  </a:txBody>
+                  <a:tcPr>
+                    <a:solidFill>
+                      <a:schemeClr val="accent6">
+                        <a:lumMod val="20000"/>
+                        <a:lumOff val="80000"/>
+                      </a:schemeClr>
+                    </a:solidFill>
+                  </a:tcPr>
+                </a:tc>
+                <a:tc>
+                  <a:txBody>
+                    <a:bodyPr/>
+                    <a:lstStyle/>
+                    <a:p>
+                      <a:pPr algn="ctr"/>
+                      <a:endParaRPr lang="zh-CN" altLang="en-US" sz="2000" b="0" dirty="0">
+                        <a:latin typeface="Times New Roman" panose="02020603050405020304" pitchFamily="18" charset="0"/>
+                        <a:cs typeface="Times New Roman" panose="02020603050405020304" pitchFamily="18" charset="0"/>
+                      </a:endParaRPr>
+                    </a:p>
+                  </a:txBody>
+                  <a:tcPr/>
+                </a:tc>
+                <a:tc>
+                  <a:txBody>
+                    <a:bodyPr/>
+                    <a:lstStyle/>
+                    <a:p>
+                      <a:pPr algn="ctr"/>
+                      <a:endParaRPr lang="zh-CN" altLang="en-US" sz="2000" b="0" dirty="0">
+                        <a:latin typeface="Times New Roman" panose="02020603050405020304" pitchFamily="18" charset="0"/>
+                        <a:cs typeface="Times New Roman" panose="02020603050405020304" pitchFamily="18" charset="0"/>
+                      </a:endParaRPr>
+                    </a:p>
+                  </a:txBody>
+                  <a:tcPr/>
+                </a:tc>
+                <a:tc>
+                  <a:txBody>
+                    <a:bodyPr/>
+                    <a:lstStyle/>
+                    <a:p>
+                      <a:pPr algn="ctr"/>
+                      <a:r>
+                        <a:rPr lang="en-US" altLang="zh-CN" sz="2000" b="0" dirty="0">
+                          <a:latin typeface="Times New Roman" panose="02020603050405020304" pitchFamily="18" charset="0"/>
+                          <a:cs typeface="Times New Roman" panose="02020603050405020304" pitchFamily="18" charset="0"/>
+                        </a:rPr>
+                        <a:t>e</a:t>
+                      </a:r>
+                      <a:endParaRPr lang="zh-CN" altLang="en-US" sz="2000" b="0" dirty="0">
+                        <a:latin typeface="Times New Roman" panose="02020603050405020304" pitchFamily="18" charset="0"/>
+                        <a:cs typeface="Times New Roman" panose="02020603050405020304" pitchFamily="18" charset="0"/>
+                      </a:endParaRPr>
+                    </a:p>
+                  </a:txBody>
+                  <a:tcPr/>
+                </a:tc>
+                <a:tc>
+                  <a:txBody>
+                    <a:bodyPr/>
+                    <a:lstStyle/>
+                    <a:p>
+                      <a:pPr algn="ctr"/>
+                      <a:r>
+                        <a:rPr lang="en-US" altLang="zh-CN" sz="2000" b="0" dirty="0">
+                          <a:latin typeface="Times New Roman" panose="02020603050405020304" pitchFamily="18" charset="0"/>
+                          <a:cs typeface="Times New Roman" panose="02020603050405020304" pitchFamily="18" charset="0"/>
+                        </a:rPr>
+                        <a:t>d</a:t>
+                      </a:r>
+                      <a:endParaRPr lang="zh-CN" altLang="en-US" sz="2000" b="0" dirty="0">
+                        <a:latin typeface="Times New Roman" panose="02020603050405020304" pitchFamily="18" charset="0"/>
+                        <a:cs typeface="Times New Roman" panose="02020603050405020304" pitchFamily="18" charset="0"/>
+                      </a:endParaRPr>
+                    </a:p>
+                  </a:txBody>
+                  <a:tcPr/>
+                </a:tc>
+                <a:tc>
+                  <a:txBody>
+                    <a:bodyPr/>
+                    <a:lstStyle/>
+                    <a:p>
+                      <a:pPr algn="ctr"/>
+                      <a:r>
+                        <a:rPr lang="en-US" altLang="zh-CN" sz="2000" b="0" dirty="0">
+                          <a:latin typeface="Times New Roman" panose="02020603050405020304" pitchFamily="18" charset="0"/>
+                          <a:cs typeface="Times New Roman" panose="02020603050405020304" pitchFamily="18" charset="0"/>
+                        </a:rPr>
+                        <a:t>o</a:t>
+                      </a:r>
+                      <a:endParaRPr lang="zh-CN" altLang="en-US" sz="2000" b="0" dirty="0">
+                        <a:latin typeface="Times New Roman" panose="02020603050405020304" pitchFamily="18" charset="0"/>
+                        <a:cs typeface="Times New Roman" panose="02020603050405020304" pitchFamily="18" charset="0"/>
+                      </a:endParaRPr>
+                    </a:p>
+                  </a:txBody>
+                  <a:tcPr/>
+                </a:tc>
+                <a:tc>
+                  <a:txBody>
+                    <a:bodyPr/>
+                    <a:lstStyle/>
+                    <a:p>
+                      <a:pPr algn="ctr"/>
+                      <a:r>
+                        <a:rPr lang="en-US" altLang="zh-CN" sz="2000" b="0" dirty="0">
+                          <a:latin typeface="Times New Roman" panose="02020603050405020304" pitchFamily="18" charset="0"/>
+                          <a:cs typeface="Times New Roman" panose="02020603050405020304" pitchFamily="18" charset="0"/>
+                        </a:rPr>
+                        <a:t>c</a:t>
+                      </a:r>
+                      <a:endParaRPr lang="zh-CN" altLang="en-US" sz="2000" b="0" dirty="0">
+                        <a:latin typeface="Times New Roman" panose="02020603050405020304" pitchFamily="18" charset="0"/>
+                        <a:cs typeface="Times New Roman" panose="02020603050405020304" pitchFamily="18" charset="0"/>
+                      </a:endParaRPr>
+                    </a:p>
+                  </a:txBody>
+                  <a:tcPr/>
+                </a:tc>
+                <a:tc>
+                  <a:txBody>
+                    <a:bodyPr/>
+                    <a:lstStyle/>
+                    <a:p>
+                      <a:pPr algn="ctr"/>
+                      <a:endParaRPr lang="zh-CN" altLang="en-US" sz="2000" b="0" dirty="0">
+                        <a:latin typeface="Times New Roman" panose="02020603050405020304" pitchFamily="18" charset="0"/>
+                        <a:cs typeface="Times New Roman" panose="02020603050405020304" pitchFamily="18" charset="0"/>
+                      </a:endParaRPr>
+                    </a:p>
+                  </a:txBody>
+                  <a:tcPr/>
+                </a:tc>
+                <a:tc>
+                  <a:txBody>
+                    <a:bodyPr/>
+                    <a:lstStyle/>
+                    <a:p>
+                      <a:pPr algn="ctr"/>
+                      <a:endParaRPr lang="zh-CN" altLang="en-US" sz="2000" b="0" dirty="0">
+                        <a:latin typeface="Times New Roman" panose="02020603050405020304" pitchFamily="18" charset="0"/>
+                        <a:cs typeface="Times New Roman" panose="02020603050405020304" pitchFamily="18" charset="0"/>
+                      </a:endParaRPr>
+                    </a:p>
+                  </a:txBody>
+                  <a:tcPr/>
+                </a:tc>
+                <a:extLst>
+                  <a:ext uri="{0D108BD9-81ED-4DB2-BD59-A6C34878D82A}">
+                    <a16:rowId xmlns:a16="http://schemas.microsoft.com/office/drawing/2014/main" val="3732229575"/>
+                  </a:ext>
+                </a:extLst>
+              </a:tr>
+            </a:tbl>
+          </a:graphicData>
+        </a:graphic>
+      </p:graphicFrame>
+      <p:grpSp>
+        <p:nvGrpSpPr>
+          <p:cNvPr id="106" name="组合 105">
+            <a:extLst>
+              <a:ext uri="{FF2B5EF4-FFF2-40B4-BE49-F238E27FC236}">
+                <a16:creationId xmlns:a16="http://schemas.microsoft.com/office/drawing/2014/main" id="{58B48816-C506-454F-B6E3-502578D47336}"/>
+              </a:ext>
+            </a:extLst>
+          </p:cNvPr>
+          <p:cNvGrpSpPr/>
+          <p:nvPr/>
+        </p:nvGrpSpPr>
+        <p:grpSpPr>
+          <a:xfrm>
+            <a:off x="4855635" y="14430645"/>
+            <a:ext cx="677333" cy="610880"/>
+            <a:chOff x="4732865" y="3593626"/>
+            <a:chExt cx="677333" cy="610880"/>
+          </a:xfrm>
+        </p:grpSpPr>
+        <p:cxnSp>
+          <p:nvCxnSpPr>
+            <p:cNvPr id="107" name="直接箭头连接符 106">
+              <a:extLst>
+                <a:ext uri="{FF2B5EF4-FFF2-40B4-BE49-F238E27FC236}">
+                  <a16:creationId xmlns:a16="http://schemas.microsoft.com/office/drawing/2014/main" id="{BABB6E80-C479-4D9A-A3B0-4F2B023F236B}"/>
+                </a:ext>
+              </a:extLst>
+            </p:cNvPr>
+            <p:cNvCxnSpPr>
+              <a:cxnSpLocks/>
+            </p:cNvCxnSpPr>
+            <p:nvPr/>
+          </p:nvCxnSpPr>
+          <p:spPr>
+            <a:xfrm flipV="1">
+              <a:off x="5071532" y="3593626"/>
+              <a:ext cx="0" cy="305375"/>
+            </a:xfrm>
+            <a:prstGeom prst="straightConnector1">
+              <a:avLst/>
+            </a:prstGeom>
+            <a:ln w="19050">
+              <a:tailEnd type="triangle"/>
+            </a:ln>
+          </p:spPr>
+          <p:style>
+            <a:lnRef idx="1">
+              <a:schemeClr val="dk1"/>
+            </a:lnRef>
+            <a:fillRef idx="0">
+              <a:schemeClr val="dk1"/>
+            </a:fillRef>
+            <a:effectRef idx="0">
+              <a:schemeClr val="dk1"/>
+            </a:effectRef>
+            <a:fontRef idx="minor">
+              <a:schemeClr val="tx1"/>
+            </a:fontRef>
+          </p:style>
+        </p:cxnSp>
+        <p:sp>
+          <p:nvSpPr>
+            <p:cNvPr id="108" name="文本框 107">
+              <a:extLst>
+                <a:ext uri="{FF2B5EF4-FFF2-40B4-BE49-F238E27FC236}">
+                  <a16:creationId xmlns:a16="http://schemas.microsoft.com/office/drawing/2014/main" id="{8ED0BBC6-7F52-4A4F-9E7F-6D0697EA9FE6}"/>
+                </a:ext>
+              </a:extLst>
+            </p:cNvPr>
+            <p:cNvSpPr txBox="1"/>
+            <p:nvPr/>
+          </p:nvSpPr>
+          <p:spPr>
+            <a:xfrm>
+              <a:off x="4732865" y="3927507"/>
+              <a:ext cx="677333" cy="276999"/>
+            </a:xfrm>
+            <a:prstGeom prst="rect">
+              <a:avLst/>
+            </a:prstGeom>
+            <a:noFill/>
+          </p:spPr>
+          <p:txBody>
+            <a:bodyPr wrap="square" lIns="0" tIns="0" rIns="0" bIns="0" rtlCol="0">
+              <a:spAutoFit/>
+            </a:bodyPr>
+            <a:lstStyle/>
+            <a:p>
+              <a:pPr algn="ctr"/>
+              <a:r>
+                <a:rPr lang="en-US" altLang="zh-CN" dirty="0" err="1">
+                  <a:latin typeface="Times New Roman" panose="02020603050405020304" pitchFamily="18" charset="0"/>
+                  <a:ea typeface="宋体" panose="02010600030101010101" pitchFamily="2" charset="-122"/>
+                </a:rPr>
+                <a:t>idx</a:t>
+              </a:r>
+              <a:endParaRPr lang="zh-CN" altLang="en-US" dirty="0">
+                <a:latin typeface="Times New Roman" panose="02020603050405020304" pitchFamily="18" charset="0"/>
+                <a:ea typeface="宋体" panose="02010600030101010101" pitchFamily="2" charset="-122"/>
+              </a:endParaRPr>
+            </a:p>
+          </p:txBody>
+        </p:sp>
+      </p:grpSp>
+      <p:grpSp>
+        <p:nvGrpSpPr>
+          <p:cNvPr id="109" name="组合 108">
+            <a:extLst>
+              <a:ext uri="{FF2B5EF4-FFF2-40B4-BE49-F238E27FC236}">
+                <a16:creationId xmlns:a16="http://schemas.microsoft.com/office/drawing/2014/main" id="{66CA06E8-0EA6-45D9-8405-E306D470BC2B}"/>
+              </a:ext>
+            </a:extLst>
+          </p:cNvPr>
+          <p:cNvGrpSpPr/>
+          <p:nvPr/>
+        </p:nvGrpSpPr>
+        <p:grpSpPr>
+          <a:xfrm>
+            <a:off x="5024965" y="13283790"/>
+            <a:ext cx="1100667" cy="627024"/>
+            <a:chOff x="4521198" y="2503416"/>
+            <a:chExt cx="1100667" cy="627024"/>
+          </a:xfrm>
+        </p:grpSpPr>
+        <p:sp>
+          <p:nvSpPr>
+            <p:cNvPr id="110" name="文本框 109">
+              <a:extLst>
+                <a:ext uri="{FF2B5EF4-FFF2-40B4-BE49-F238E27FC236}">
+                  <a16:creationId xmlns:a16="http://schemas.microsoft.com/office/drawing/2014/main" id="{EF8698B6-051F-4126-8BC9-9D1243CDD0C2}"/>
+                </a:ext>
+              </a:extLst>
+            </p:cNvPr>
+            <p:cNvSpPr txBox="1"/>
+            <p:nvPr/>
+          </p:nvSpPr>
+          <p:spPr>
+            <a:xfrm>
+              <a:off x="4521198" y="2503416"/>
+              <a:ext cx="1100667" cy="276999"/>
+            </a:xfrm>
+            <a:prstGeom prst="rect">
+              <a:avLst/>
+            </a:prstGeom>
+            <a:noFill/>
+          </p:spPr>
+          <p:txBody>
+            <a:bodyPr wrap="square" lIns="0" tIns="0" rIns="0" bIns="0" rtlCol="0">
+              <a:spAutoFit/>
+            </a:bodyPr>
+            <a:lstStyle/>
+            <a:p>
+              <a:pPr algn="ctr"/>
+              <a:r>
+                <a:rPr lang="en-US" altLang="zh-CN" dirty="0">
+                  <a:latin typeface="Times New Roman" panose="02020603050405020304" pitchFamily="18" charset="0"/>
+                  <a:ea typeface="宋体" panose="02010600030101010101" pitchFamily="2" charset="-122"/>
+                </a:rPr>
+                <a:t>end</a:t>
+              </a:r>
+              <a:endParaRPr lang="zh-CN" altLang="en-US" dirty="0">
+                <a:latin typeface="Times New Roman" panose="02020603050405020304" pitchFamily="18" charset="0"/>
+                <a:ea typeface="宋体" panose="02010600030101010101" pitchFamily="2" charset="-122"/>
+              </a:endParaRPr>
+            </a:p>
+          </p:txBody>
+        </p:sp>
+        <p:cxnSp>
+          <p:nvCxnSpPr>
+            <p:cNvPr id="111" name="直接箭头连接符 110">
+              <a:extLst>
+                <a:ext uri="{FF2B5EF4-FFF2-40B4-BE49-F238E27FC236}">
+                  <a16:creationId xmlns:a16="http://schemas.microsoft.com/office/drawing/2014/main" id="{813FB498-44E7-48CE-9D21-6F37FAF89A81}"/>
+                </a:ext>
+              </a:extLst>
+            </p:cNvPr>
+            <p:cNvCxnSpPr>
+              <a:cxnSpLocks/>
+            </p:cNvCxnSpPr>
+            <p:nvPr/>
+          </p:nvCxnSpPr>
+          <p:spPr>
+            <a:xfrm rot="10800000" flipV="1">
+              <a:off x="5071533" y="2825065"/>
+              <a:ext cx="0" cy="305375"/>
+            </a:xfrm>
+            <a:prstGeom prst="straightConnector1">
+              <a:avLst/>
+            </a:prstGeom>
+            <a:ln w="19050">
+              <a:tailEnd type="triangle"/>
+            </a:ln>
+          </p:spPr>
+          <p:style>
+            <a:lnRef idx="1">
+              <a:schemeClr val="dk1"/>
+            </a:lnRef>
+            <a:fillRef idx="0">
+              <a:schemeClr val="dk1"/>
+            </a:fillRef>
+            <a:effectRef idx="0">
+              <a:schemeClr val="dk1"/>
+            </a:effectRef>
+            <a:fontRef idx="minor">
+              <a:schemeClr val="tx1"/>
+            </a:fontRef>
+          </p:style>
+        </p:cxnSp>
+      </p:grpSp>
+      <p:sp>
+        <p:nvSpPr>
+          <p:cNvPr id="112" name="文本框 111">
+            <a:extLst>
+              <a:ext uri="{FF2B5EF4-FFF2-40B4-BE49-F238E27FC236}">
+                <a16:creationId xmlns:a16="http://schemas.microsoft.com/office/drawing/2014/main" id="{767DC90F-6886-43C3-BB68-7B14B0684BCC}"/>
+              </a:ext>
+            </a:extLst>
+          </p:cNvPr>
+          <p:cNvSpPr txBox="1"/>
+          <p:nvPr/>
+        </p:nvSpPr>
+        <p:spPr>
+          <a:xfrm>
+            <a:off x="1545168" y="13966962"/>
+            <a:ext cx="698502" cy="369332"/>
+          </a:xfrm>
+          <a:prstGeom prst="rect">
+            <a:avLst/>
+          </a:prstGeom>
+          <a:noFill/>
+        </p:spPr>
+        <p:txBody>
+          <a:bodyPr wrap="square" rtlCol="0">
+            <a:spAutoFit/>
+          </a:bodyPr>
+          <a:lstStyle/>
+          <a:p>
+            <a:pPr algn="ctr"/>
+            <a:r>
+              <a:rPr lang="zh-CN" altLang="en-US" dirty="0">
+                <a:latin typeface="Times New Roman" panose="02020603050405020304" pitchFamily="18" charset="0"/>
+                <a:ea typeface="宋体" panose="02010600030101010101" pitchFamily="2" charset="-122"/>
+              </a:rPr>
+              <a:t>⑧</a:t>
+            </a:r>
+          </a:p>
+        </p:txBody>
+      </p:sp>
+      <p:cxnSp>
+        <p:nvCxnSpPr>
+          <p:cNvPr id="113" name="直接连接符 112">
+            <a:extLst>
+              <a:ext uri="{FF2B5EF4-FFF2-40B4-BE49-F238E27FC236}">
+                <a16:creationId xmlns:a16="http://schemas.microsoft.com/office/drawing/2014/main" id="{46860DD2-8793-421D-B9C3-09B564020BC7}"/>
+              </a:ext>
+            </a:extLst>
+          </p:cNvPr>
+          <p:cNvCxnSpPr/>
+          <p:nvPr/>
+        </p:nvCxnSpPr>
+        <p:spPr>
+          <a:xfrm>
+            <a:off x="1354669" y="13212927"/>
+            <a:ext cx="7984066" cy="0"/>
+          </a:xfrm>
+          <a:prstGeom prst="line">
+            <a:avLst/>
+          </a:prstGeom>
+          <a:ln w="12700">
+            <a:prstDash val="dash"/>
+            <a:tailEnd type="none"/>
+          </a:ln>
+        </p:spPr>
+        <p:style>
+          <a:lnRef idx="1">
+            <a:schemeClr val="dk1"/>
+          </a:lnRef>
+          <a:fillRef idx="0">
+            <a:schemeClr val="dk1"/>
+          </a:fillRef>
+          <a:effectRef idx="0">
+            <a:schemeClr val="dk1"/>
+          </a:effectRef>
+          <a:fontRef idx="minor">
+            <a:schemeClr val="tx1"/>
+          </a:fontRef>
+        </p:style>
+      </p:cxnSp>
+      <p:grpSp>
+        <p:nvGrpSpPr>
+          <p:cNvPr id="115" name="组合 114">
+            <a:extLst>
+              <a:ext uri="{FF2B5EF4-FFF2-40B4-BE49-F238E27FC236}">
+                <a16:creationId xmlns:a16="http://schemas.microsoft.com/office/drawing/2014/main" id="{887D9B58-2773-46B0-A5A6-5FC1D3255693}"/>
+              </a:ext>
+            </a:extLst>
+          </p:cNvPr>
+          <p:cNvGrpSpPr/>
+          <p:nvPr/>
+        </p:nvGrpSpPr>
+        <p:grpSpPr>
+          <a:xfrm>
+            <a:off x="5435601" y="15300818"/>
+            <a:ext cx="1100667" cy="627024"/>
+            <a:chOff x="4521198" y="2503416"/>
+            <a:chExt cx="1100667" cy="627024"/>
+          </a:xfrm>
+        </p:grpSpPr>
+        <p:sp>
+          <p:nvSpPr>
+            <p:cNvPr id="116" name="文本框 115">
+              <a:extLst>
+                <a:ext uri="{FF2B5EF4-FFF2-40B4-BE49-F238E27FC236}">
+                  <a16:creationId xmlns:a16="http://schemas.microsoft.com/office/drawing/2014/main" id="{082525BC-2AA3-4527-88E1-03E461AD9785}"/>
+                </a:ext>
+              </a:extLst>
+            </p:cNvPr>
+            <p:cNvSpPr txBox="1"/>
+            <p:nvPr/>
+          </p:nvSpPr>
+          <p:spPr>
+            <a:xfrm>
+              <a:off x="4521198" y="2503416"/>
+              <a:ext cx="1100667" cy="276999"/>
+            </a:xfrm>
+            <a:prstGeom prst="rect">
+              <a:avLst/>
+            </a:prstGeom>
+            <a:noFill/>
+          </p:spPr>
+          <p:txBody>
+            <a:bodyPr wrap="square" lIns="0" tIns="0" rIns="0" bIns="0" rtlCol="0">
+              <a:spAutoFit/>
+            </a:bodyPr>
+            <a:lstStyle/>
+            <a:p>
+              <a:pPr algn="ctr"/>
+              <a:r>
+                <a:rPr lang="en-US" altLang="zh-CN" dirty="0">
+                  <a:latin typeface="Times New Roman" panose="02020603050405020304" pitchFamily="18" charset="0"/>
+                  <a:ea typeface="宋体" panose="02010600030101010101" pitchFamily="2" charset="-122"/>
+                </a:rPr>
+                <a:t>start</a:t>
+              </a:r>
+              <a:endParaRPr lang="zh-CN" altLang="en-US" dirty="0">
+                <a:latin typeface="Times New Roman" panose="02020603050405020304" pitchFamily="18" charset="0"/>
+                <a:ea typeface="宋体" panose="02010600030101010101" pitchFamily="2" charset="-122"/>
+              </a:endParaRPr>
+            </a:p>
+          </p:txBody>
+        </p:sp>
+        <p:cxnSp>
+          <p:nvCxnSpPr>
+            <p:cNvPr id="117" name="直接箭头连接符 116">
+              <a:extLst>
+                <a:ext uri="{FF2B5EF4-FFF2-40B4-BE49-F238E27FC236}">
+                  <a16:creationId xmlns:a16="http://schemas.microsoft.com/office/drawing/2014/main" id="{20669480-D6FF-430C-A08F-A9302D381F85}"/>
+                </a:ext>
+              </a:extLst>
+            </p:cNvPr>
+            <p:cNvCxnSpPr>
+              <a:cxnSpLocks/>
+            </p:cNvCxnSpPr>
+            <p:nvPr/>
+          </p:nvCxnSpPr>
+          <p:spPr>
+            <a:xfrm rot="10800000" flipV="1">
+              <a:off x="5071533" y="2825065"/>
+              <a:ext cx="0" cy="305375"/>
+            </a:xfrm>
+            <a:prstGeom prst="straightConnector1">
+              <a:avLst/>
+            </a:prstGeom>
+            <a:ln w="19050">
+              <a:tailEnd type="triangle"/>
+            </a:ln>
+          </p:spPr>
+          <p:style>
+            <a:lnRef idx="1">
+              <a:schemeClr val="dk1"/>
+            </a:lnRef>
+            <a:fillRef idx="0">
+              <a:schemeClr val="dk1"/>
+            </a:fillRef>
+            <a:effectRef idx="0">
+              <a:schemeClr val="dk1"/>
+            </a:effectRef>
+            <a:fontRef idx="minor">
+              <a:schemeClr val="tx1"/>
+            </a:fontRef>
+          </p:style>
+        </p:cxnSp>
+      </p:grpSp>
+      <p:graphicFrame>
+        <p:nvGraphicFramePr>
+          <p:cNvPr id="118" name="表格 4">
+            <a:extLst>
+              <a:ext uri="{FF2B5EF4-FFF2-40B4-BE49-F238E27FC236}">
+                <a16:creationId xmlns:a16="http://schemas.microsoft.com/office/drawing/2014/main" id="{AA8920E8-77DC-4DC0-8A83-C91AD38D5498}"/>
+              </a:ext>
+            </a:extLst>
+          </p:cNvPr>
+          <p:cNvGraphicFramePr>
+            <a:graphicFrameLocks noGrp="1"/>
+          </p:cNvGraphicFramePr>
+          <p:nvPr>
+            <p:extLst>
+              <p:ext uri="{D42A27DB-BD31-4B8C-83A1-F6EECF244321}">
+                <p14:modId xmlns:p14="http://schemas.microsoft.com/office/powerpoint/2010/main" val="2884121814"/>
+              </p:ext>
+            </p:extLst>
+          </p:nvPr>
+        </p:nvGraphicFramePr>
+        <p:xfrm>
+          <a:off x="2501902" y="16034488"/>
+          <a:ext cx="5689600" cy="396240"/>
+        </p:xfrm>
+        <a:graphic>
+          <a:graphicData uri="http://schemas.openxmlformats.org/drawingml/2006/table">
+            <a:tbl>
+              <a:tblPr firstRow="1" bandRow="1">
+                <a:tableStyleId>{5940675A-B579-460E-94D1-54222C63F5DA}</a:tableStyleId>
+              </a:tblPr>
+              <a:tblGrid>
+                <a:gridCol w="406400">
+                  <a:extLst>
+                    <a:ext uri="{9D8B030D-6E8A-4147-A177-3AD203B41FA5}">
+                      <a16:colId xmlns:a16="http://schemas.microsoft.com/office/drawing/2014/main" val="724645724"/>
+                    </a:ext>
+                  </a:extLst>
+                </a:gridCol>
+                <a:gridCol w="406400">
+                  <a:extLst>
+                    <a:ext uri="{9D8B030D-6E8A-4147-A177-3AD203B41FA5}">
+                      <a16:colId xmlns:a16="http://schemas.microsoft.com/office/drawing/2014/main" val="1836722532"/>
+                    </a:ext>
+                  </a:extLst>
+                </a:gridCol>
+                <a:gridCol w="406400">
+                  <a:extLst>
+                    <a:ext uri="{9D8B030D-6E8A-4147-A177-3AD203B41FA5}">
+                      <a16:colId xmlns:a16="http://schemas.microsoft.com/office/drawing/2014/main" val="3009865464"/>
+                    </a:ext>
+                  </a:extLst>
+                </a:gridCol>
+                <a:gridCol w="406400">
+                  <a:extLst>
+                    <a:ext uri="{9D8B030D-6E8A-4147-A177-3AD203B41FA5}">
+                      <a16:colId xmlns:a16="http://schemas.microsoft.com/office/drawing/2014/main" val="2013969288"/>
+                    </a:ext>
+                  </a:extLst>
+                </a:gridCol>
+                <a:gridCol w="406400">
+                  <a:extLst>
+                    <a:ext uri="{9D8B030D-6E8A-4147-A177-3AD203B41FA5}">
+                      <a16:colId xmlns:a16="http://schemas.microsoft.com/office/drawing/2014/main" val="2573172242"/>
+                    </a:ext>
+                  </a:extLst>
+                </a:gridCol>
+                <a:gridCol w="406400">
+                  <a:extLst>
+                    <a:ext uri="{9D8B030D-6E8A-4147-A177-3AD203B41FA5}">
+                      <a16:colId xmlns:a16="http://schemas.microsoft.com/office/drawing/2014/main" val="1176554396"/>
+                    </a:ext>
+                  </a:extLst>
+                </a:gridCol>
+                <a:gridCol w="406400">
+                  <a:extLst>
+                    <a:ext uri="{9D8B030D-6E8A-4147-A177-3AD203B41FA5}">
+                      <a16:colId xmlns:a16="http://schemas.microsoft.com/office/drawing/2014/main" val="2148932215"/>
+                    </a:ext>
+                  </a:extLst>
+                </a:gridCol>
+                <a:gridCol w="406400">
+                  <a:extLst>
+                    <a:ext uri="{9D8B030D-6E8A-4147-A177-3AD203B41FA5}">
+                      <a16:colId xmlns:a16="http://schemas.microsoft.com/office/drawing/2014/main" val="1914188605"/>
+                    </a:ext>
+                  </a:extLst>
+                </a:gridCol>
+                <a:gridCol w="406400">
+                  <a:extLst>
+                    <a:ext uri="{9D8B030D-6E8A-4147-A177-3AD203B41FA5}">
+                      <a16:colId xmlns:a16="http://schemas.microsoft.com/office/drawing/2014/main" val="1524311926"/>
+                    </a:ext>
+                  </a:extLst>
+                </a:gridCol>
+                <a:gridCol w="406400">
+                  <a:extLst>
+                    <a:ext uri="{9D8B030D-6E8A-4147-A177-3AD203B41FA5}">
+                      <a16:colId xmlns:a16="http://schemas.microsoft.com/office/drawing/2014/main" val="3881050891"/>
+                    </a:ext>
+                  </a:extLst>
+                </a:gridCol>
+                <a:gridCol w="406400">
+                  <a:extLst>
+                    <a:ext uri="{9D8B030D-6E8A-4147-A177-3AD203B41FA5}">
+                      <a16:colId xmlns:a16="http://schemas.microsoft.com/office/drawing/2014/main" val="1931707403"/>
+                    </a:ext>
+                  </a:extLst>
+                </a:gridCol>
+                <a:gridCol w="406400">
+                  <a:extLst>
+                    <a:ext uri="{9D8B030D-6E8A-4147-A177-3AD203B41FA5}">
+                      <a16:colId xmlns:a16="http://schemas.microsoft.com/office/drawing/2014/main" val="4196253283"/>
+                    </a:ext>
+                  </a:extLst>
+                </a:gridCol>
+                <a:gridCol w="406400">
+                  <a:extLst>
+                    <a:ext uri="{9D8B030D-6E8A-4147-A177-3AD203B41FA5}">
+                      <a16:colId xmlns:a16="http://schemas.microsoft.com/office/drawing/2014/main" val="342264775"/>
+                    </a:ext>
+                  </a:extLst>
+                </a:gridCol>
+                <a:gridCol w="406400">
+                  <a:extLst>
+                    <a:ext uri="{9D8B030D-6E8A-4147-A177-3AD203B41FA5}">
+                      <a16:colId xmlns:a16="http://schemas.microsoft.com/office/drawing/2014/main" val="28913360"/>
+                    </a:ext>
+                  </a:extLst>
+                </a:gridCol>
+              </a:tblGrid>
+              <a:tr h="370840">
+                <a:tc>
+                  <a:txBody>
+                    <a:bodyPr/>
+                    <a:lstStyle/>
+                    <a:p>
+                      <a:pPr algn="ctr"/>
+                      <a:r>
+                        <a:rPr lang="en-US" altLang="zh-CN" sz="2000" b="0" dirty="0">
+                          <a:latin typeface="Times New Roman" panose="02020603050405020304" pitchFamily="18" charset="0"/>
+                          <a:cs typeface="Times New Roman" panose="02020603050405020304" pitchFamily="18" charset="0"/>
+                        </a:rPr>
+                        <a:t>f</a:t>
+                      </a:r>
+                      <a:endParaRPr lang="zh-CN" altLang="en-US" sz="2000" b="0" dirty="0">
+                        <a:latin typeface="Times New Roman" panose="02020603050405020304" pitchFamily="18" charset="0"/>
+                        <a:cs typeface="Times New Roman" panose="02020603050405020304" pitchFamily="18" charset="0"/>
+                      </a:endParaRPr>
+                    </a:p>
+                  </a:txBody>
+                  <a:tcPr>
+                    <a:solidFill>
+                      <a:schemeClr val="accent6">
+                        <a:lumMod val="20000"/>
+                        <a:lumOff val="80000"/>
+                      </a:schemeClr>
+                    </a:solidFill>
+                  </a:tcPr>
+                </a:tc>
+                <a:tc>
+                  <a:txBody>
+                    <a:bodyPr/>
+                    <a:lstStyle/>
+                    <a:p>
+                      <a:pPr algn="ctr"/>
+                      <a:r>
+                        <a:rPr lang="en-US" altLang="zh-CN" sz="2000" b="0" dirty="0">
+                          <a:latin typeface="Times New Roman" panose="02020603050405020304" pitchFamily="18" charset="0"/>
+                          <a:cs typeface="Times New Roman" panose="02020603050405020304" pitchFamily="18" charset="0"/>
+                        </a:rPr>
+                        <a:t>u</a:t>
+                      </a:r>
+                      <a:endParaRPr lang="zh-CN" altLang="en-US" sz="2000" b="0" dirty="0">
+                        <a:latin typeface="Times New Roman" panose="02020603050405020304" pitchFamily="18" charset="0"/>
+                        <a:cs typeface="Times New Roman" panose="02020603050405020304" pitchFamily="18" charset="0"/>
+                      </a:endParaRPr>
+                    </a:p>
+                  </a:txBody>
+                  <a:tcPr>
+                    <a:solidFill>
+                      <a:schemeClr val="accent6">
+                        <a:lumMod val="20000"/>
+                        <a:lumOff val="80000"/>
+                      </a:schemeClr>
+                    </a:solidFill>
+                  </a:tcPr>
+                </a:tc>
+                <a:tc>
+                  <a:txBody>
+                    <a:bodyPr/>
+                    <a:lstStyle/>
+                    <a:p>
+                      <a:pPr algn="ctr"/>
+                      <a:r>
+                        <a:rPr lang="en-US" altLang="zh-CN" sz="2000" b="0" dirty="0">
+                          <a:latin typeface="Times New Roman" panose="02020603050405020304" pitchFamily="18" charset="0"/>
+                          <a:cs typeface="Times New Roman" panose="02020603050405020304" pitchFamily="18" charset="0"/>
+                        </a:rPr>
+                        <a:t>n</a:t>
+                      </a:r>
+                      <a:endParaRPr lang="zh-CN" altLang="en-US" sz="2000" b="0" dirty="0">
+                        <a:latin typeface="Times New Roman" panose="02020603050405020304" pitchFamily="18" charset="0"/>
+                        <a:cs typeface="Times New Roman" panose="02020603050405020304" pitchFamily="18" charset="0"/>
+                      </a:endParaRPr>
+                    </a:p>
+                  </a:txBody>
+                  <a:tcPr>
+                    <a:solidFill>
+                      <a:schemeClr val="accent6">
+                        <a:lumMod val="20000"/>
+                        <a:lumOff val="80000"/>
+                      </a:schemeClr>
+                    </a:solidFill>
+                  </a:tcPr>
+                </a:tc>
+                <a:tc>
+                  <a:txBody>
+                    <a:bodyPr/>
+                    <a:lstStyle/>
+                    <a:p>
+                      <a:pPr algn="ctr"/>
+                      <a:endParaRPr lang="zh-CN" altLang="en-US" sz="2000" b="0" dirty="0">
+                        <a:latin typeface="Times New Roman" panose="02020603050405020304" pitchFamily="18" charset="0"/>
+                        <a:cs typeface="Times New Roman" panose="02020603050405020304" pitchFamily="18" charset="0"/>
+                      </a:endParaRPr>
+                    </a:p>
+                  </a:txBody>
+                  <a:tcPr>
+                    <a:solidFill>
+                      <a:schemeClr val="accent6">
+                        <a:lumMod val="20000"/>
+                        <a:lumOff val="80000"/>
+                      </a:schemeClr>
+                    </a:solidFill>
+                  </a:tcPr>
+                </a:tc>
+                <a:tc>
+                  <a:txBody>
+                    <a:bodyPr/>
+                    <a:lstStyle/>
+                    <a:p>
+                      <a:pPr algn="ctr"/>
+                      <a:r>
+                        <a:rPr lang="en-US" altLang="zh-CN" sz="2000" b="0" dirty="0" err="1">
+                          <a:latin typeface="Times New Roman" panose="02020603050405020304" pitchFamily="18" charset="0"/>
+                          <a:cs typeface="Times New Roman" panose="02020603050405020304" pitchFamily="18" charset="0"/>
+                        </a:rPr>
+                        <a:t>i</a:t>
+                      </a:r>
+                      <a:endParaRPr lang="zh-CN" altLang="en-US" sz="2000" b="0" dirty="0">
+                        <a:latin typeface="Times New Roman" panose="02020603050405020304" pitchFamily="18" charset="0"/>
+                        <a:cs typeface="Times New Roman" panose="02020603050405020304" pitchFamily="18" charset="0"/>
+                      </a:endParaRPr>
+                    </a:p>
+                  </a:txBody>
+                  <a:tcPr>
+                    <a:solidFill>
+                      <a:schemeClr val="accent6">
+                        <a:lumMod val="20000"/>
+                        <a:lumOff val="80000"/>
+                      </a:schemeClr>
+                    </a:solidFill>
+                  </a:tcPr>
+                </a:tc>
+                <a:tc>
+                  <a:txBody>
+                    <a:bodyPr/>
+                    <a:lstStyle/>
+                    <a:p>
+                      <a:pPr algn="ctr"/>
+                      <a:r>
+                        <a:rPr lang="en-US" altLang="zh-CN" sz="2000" b="0" dirty="0">
+                          <a:latin typeface="Times New Roman" panose="02020603050405020304" pitchFamily="18" charset="0"/>
+                          <a:cs typeface="Times New Roman" panose="02020603050405020304" pitchFamily="18" charset="0"/>
+                        </a:rPr>
+                        <a:t>s</a:t>
+                      </a:r>
+                      <a:endParaRPr lang="zh-CN" altLang="en-US" sz="2000" b="0" dirty="0">
+                        <a:latin typeface="Times New Roman" panose="02020603050405020304" pitchFamily="18" charset="0"/>
+                        <a:cs typeface="Times New Roman" panose="02020603050405020304" pitchFamily="18" charset="0"/>
+                      </a:endParaRPr>
+                    </a:p>
+                  </a:txBody>
+                  <a:tcPr>
+                    <a:solidFill>
+                      <a:schemeClr val="accent6">
+                        <a:lumMod val="20000"/>
+                        <a:lumOff val="80000"/>
+                      </a:schemeClr>
+                    </a:solidFill>
+                  </a:tcPr>
+                </a:tc>
+                <a:tc>
+                  <a:txBody>
+                    <a:bodyPr/>
+                    <a:lstStyle/>
+                    <a:p>
+                      <a:pPr algn="ctr"/>
+                      <a:endParaRPr lang="zh-CN" altLang="en-US" sz="2000" b="0" dirty="0">
+                        <a:latin typeface="Times New Roman" panose="02020603050405020304" pitchFamily="18" charset="0"/>
+                        <a:cs typeface="Times New Roman" panose="02020603050405020304" pitchFamily="18" charset="0"/>
+                      </a:endParaRPr>
+                    </a:p>
+                  </a:txBody>
+                  <a:tcPr>
+                    <a:solidFill>
+                      <a:schemeClr val="accent6">
+                        <a:lumMod val="20000"/>
+                        <a:lumOff val="80000"/>
+                      </a:schemeClr>
+                    </a:solidFill>
+                  </a:tcPr>
+                </a:tc>
+                <a:tc>
+                  <a:txBody>
+                    <a:bodyPr/>
+                    <a:lstStyle/>
+                    <a:p>
+                      <a:pPr algn="ctr"/>
+                      <a:r>
+                        <a:rPr lang="en-US" altLang="zh-CN" sz="2000" b="0" dirty="0">
+                          <a:latin typeface="Times New Roman" panose="02020603050405020304" pitchFamily="18" charset="0"/>
+                          <a:cs typeface="Times New Roman" panose="02020603050405020304" pitchFamily="18" charset="0"/>
+                        </a:rPr>
+                        <a:t>c</a:t>
+                      </a:r>
+                      <a:endParaRPr lang="zh-CN" altLang="en-US" sz="2000" b="0" dirty="0">
+                        <a:latin typeface="Times New Roman" panose="02020603050405020304" pitchFamily="18" charset="0"/>
+                        <a:cs typeface="Times New Roman" panose="02020603050405020304" pitchFamily="18" charset="0"/>
+                      </a:endParaRPr>
+                    </a:p>
+                  </a:txBody>
+                  <a:tcPr>
+                    <a:solidFill>
+                      <a:schemeClr val="accent6">
+                        <a:lumMod val="20000"/>
+                        <a:lumOff val="80000"/>
+                      </a:schemeClr>
+                    </a:solidFill>
+                  </a:tcPr>
+                </a:tc>
+                <a:tc>
+                  <a:txBody>
+                    <a:bodyPr/>
+                    <a:lstStyle/>
+                    <a:p>
+                      <a:pPr algn="ctr"/>
+                      <a:r>
+                        <a:rPr lang="en-US" altLang="zh-CN" sz="2000" b="0" dirty="0">
+                          <a:latin typeface="Times New Roman" panose="02020603050405020304" pitchFamily="18" charset="0"/>
+                          <a:cs typeface="Times New Roman" panose="02020603050405020304" pitchFamily="18" charset="0"/>
+                        </a:rPr>
+                        <a:t>o</a:t>
+                      </a:r>
+                      <a:endParaRPr lang="zh-CN" altLang="en-US" sz="2000" b="0" dirty="0">
+                        <a:latin typeface="Times New Roman" panose="02020603050405020304" pitchFamily="18" charset="0"/>
+                        <a:cs typeface="Times New Roman" panose="02020603050405020304" pitchFamily="18" charset="0"/>
+                      </a:endParaRPr>
+                    </a:p>
+                  </a:txBody>
+                  <a:tcPr>
+                    <a:solidFill>
+                      <a:schemeClr val="accent6">
+                        <a:lumMod val="20000"/>
+                        <a:lumOff val="80000"/>
+                      </a:schemeClr>
+                    </a:solidFill>
+                  </a:tcPr>
+                </a:tc>
+                <a:tc>
+                  <a:txBody>
+                    <a:bodyPr/>
+                    <a:lstStyle/>
+                    <a:p>
+                      <a:pPr algn="ctr"/>
+                      <a:r>
+                        <a:rPr lang="en-US" altLang="zh-CN" sz="2000" b="0" dirty="0">
+                          <a:latin typeface="Times New Roman" panose="02020603050405020304" pitchFamily="18" charset="0"/>
+                          <a:cs typeface="Times New Roman" panose="02020603050405020304" pitchFamily="18" charset="0"/>
+                        </a:rPr>
+                        <a:t>d</a:t>
+                      </a:r>
+                      <a:endParaRPr lang="zh-CN" altLang="en-US" sz="2000" b="0" dirty="0">
+                        <a:latin typeface="Times New Roman" panose="02020603050405020304" pitchFamily="18" charset="0"/>
+                        <a:cs typeface="Times New Roman" panose="02020603050405020304" pitchFamily="18" charset="0"/>
+                      </a:endParaRPr>
+                    </a:p>
+                  </a:txBody>
+                  <a:tcPr>
+                    <a:solidFill>
+                      <a:schemeClr val="accent6">
+                        <a:lumMod val="20000"/>
+                        <a:lumOff val="80000"/>
+                      </a:schemeClr>
+                    </a:solidFill>
+                  </a:tcPr>
+                </a:tc>
+                <a:tc>
+                  <a:txBody>
+                    <a:bodyPr/>
+                    <a:lstStyle/>
+                    <a:p>
+                      <a:pPr algn="ctr"/>
+                      <a:r>
+                        <a:rPr lang="en-US" altLang="zh-CN" sz="2000" b="0" dirty="0">
+                          <a:latin typeface="Times New Roman" panose="02020603050405020304" pitchFamily="18" charset="0"/>
+                          <a:cs typeface="Times New Roman" panose="02020603050405020304" pitchFamily="18" charset="0"/>
+                        </a:rPr>
+                        <a:t>e</a:t>
+                      </a:r>
+                      <a:endParaRPr lang="zh-CN" altLang="en-US" sz="2000" b="0" dirty="0">
+                        <a:latin typeface="Times New Roman" panose="02020603050405020304" pitchFamily="18" charset="0"/>
+                        <a:cs typeface="Times New Roman" panose="02020603050405020304" pitchFamily="18" charset="0"/>
+                      </a:endParaRPr>
+                    </a:p>
+                  </a:txBody>
+                  <a:tcPr>
+                    <a:solidFill>
+                      <a:schemeClr val="accent6">
+                        <a:lumMod val="20000"/>
+                        <a:lumOff val="80000"/>
+                      </a:schemeClr>
+                    </a:solidFill>
+                  </a:tcPr>
+                </a:tc>
+                <a:tc>
+                  <a:txBody>
+                    <a:bodyPr/>
+                    <a:lstStyle/>
+                    <a:p>
+                      <a:pPr algn="ctr"/>
+                      <a:r>
+                        <a:rPr lang="en-US" altLang="zh-CN" sz="2000" b="0" dirty="0">
+                          <a:latin typeface="Times New Roman" panose="02020603050405020304" pitchFamily="18" charset="0"/>
+                          <a:cs typeface="Times New Roman" panose="02020603050405020304" pitchFamily="18" charset="0"/>
+                        </a:rPr>
+                        <a:t>c</a:t>
+                      </a:r>
+                      <a:endParaRPr lang="zh-CN" altLang="en-US" sz="2000" b="0" dirty="0">
+                        <a:latin typeface="Times New Roman" panose="02020603050405020304" pitchFamily="18" charset="0"/>
+                        <a:cs typeface="Times New Roman" panose="02020603050405020304" pitchFamily="18" charset="0"/>
+                      </a:endParaRPr>
+                    </a:p>
+                  </a:txBody>
+                  <a:tcPr/>
+                </a:tc>
+                <a:tc>
+                  <a:txBody>
+                    <a:bodyPr/>
+                    <a:lstStyle/>
+                    <a:p>
+                      <a:pPr algn="ctr"/>
+                      <a:endParaRPr lang="zh-CN" altLang="en-US" sz="2000" b="0" dirty="0">
+                        <a:latin typeface="Times New Roman" panose="02020603050405020304" pitchFamily="18" charset="0"/>
+                        <a:cs typeface="Times New Roman" panose="02020603050405020304" pitchFamily="18" charset="0"/>
+                      </a:endParaRPr>
+                    </a:p>
+                  </a:txBody>
+                  <a:tcPr/>
+                </a:tc>
+                <a:tc>
+                  <a:txBody>
+                    <a:bodyPr/>
+                    <a:lstStyle/>
+                    <a:p>
+                      <a:pPr algn="ctr"/>
+                      <a:endParaRPr lang="zh-CN" altLang="en-US" sz="2000" b="0" dirty="0">
+                        <a:latin typeface="Times New Roman" panose="02020603050405020304" pitchFamily="18" charset="0"/>
+                        <a:cs typeface="Times New Roman" panose="02020603050405020304" pitchFamily="18" charset="0"/>
+                      </a:endParaRPr>
+                    </a:p>
+                  </a:txBody>
+                  <a:tcPr/>
+                </a:tc>
+                <a:extLst>
+                  <a:ext uri="{0D108BD9-81ED-4DB2-BD59-A6C34878D82A}">
+                    <a16:rowId xmlns:a16="http://schemas.microsoft.com/office/drawing/2014/main" val="3732229575"/>
+                  </a:ext>
+                </a:extLst>
+              </a:tr>
+            </a:tbl>
+          </a:graphicData>
+        </a:graphic>
+      </p:graphicFrame>
+      <p:grpSp>
+        <p:nvGrpSpPr>
+          <p:cNvPr id="119" name="组合 118">
+            <a:extLst>
+              <a:ext uri="{FF2B5EF4-FFF2-40B4-BE49-F238E27FC236}">
+                <a16:creationId xmlns:a16="http://schemas.microsoft.com/office/drawing/2014/main" id="{951A11EB-0B32-488E-8F33-9CFC67D64363}"/>
+              </a:ext>
+            </a:extLst>
+          </p:cNvPr>
+          <p:cNvGrpSpPr/>
+          <p:nvPr/>
+        </p:nvGrpSpPr>
+        <p:grpSpPr>
+          <a:xfrm>
+            <a:off x="6796403" y="16506808"/>
+            <a:ext cx="677333" cy="610880"/>
+            <a:chOff x="4732865" y="3593626"/>
+            <a:chExt cx="677333" cy="610880"/>
+          </a:xfrm>
+        </p:grpSpPr>
+        <p:cxnSp>
+          <p:nvCxnSpPr>
+            <p:cNvPr id="120" name="直接箭头连接符 119">
+              <a:extLst>
+                <a:ext uri="{FF2B5EF4-FFF2-40B4-BE49-F238E27FC236}">
+                  <a16:creationId xmlns:a16="http://schemas.microsoft.com/office/drawing/2014/main" id="{8D9DB45C-0664-4D93-B2A8-9EDEF443C772}"/>
+                </a:ext>
+              </a:extLst>
+            </p:cNvPr>
+            <p:cNvCxnSpPr>
+              <a:cxnSpLocks/>
+            </p:cNvCxnSpPr>
+            <p:nvPr/>
+          </p:nvCxnSpPr>
+          <p:spPr>
+            <a:xfrm flipV="1">
+              <a:off x="5071532" y="3593626"/>
+              <a:ext cx="0" cy="305375"/>
+            </a:xfrm>
+            <a:prstGeom prst="straightConnector1">
+              <a:avLst/>
+            </a:prstGeom>
+            <a:ln w="19050">
+              <a:tailEnd type="triangle"/>
+            </a:ln>
+          </p:spPr>
+          <p:style>
+            <a:lnRef idx="1">
+              <a:schemeClr val="dk1"/>
+            </a:lnRef>
+            <a:fillRef idx="0">
+              <a:schemeClr val="dk1"/>
+            </a:fillRef>
+            <a:effectRef idx="0">
+              <a:schemeClr val="dk1"/>
+            </a:effectRef>
+            <a:fontRef idx="minor">
+              <a:schemeClr val="tx1"/>
+            </a:fontRef>
+          </p:style>
+        </p:cxnSp>
+        <p:sp>
+          <p:nvSpPr>
+            <p:cNvPr id="121" name="文本框 120">
+              <a:extLst>
+                <a:ext uri="{FF2B5EF4-FFF2-40B4-BE49-F238E27FC236}">
+                  <a16:creationId xmlns:a16="http://schemas.microsoft.com/office/drawing/2014/main" id="{5110CD91-6186-4DC7-AD03-9D4770B59ABC}"/>
+                </a:ext>
+              </a:extLst>
+            </p:cNvPr>
+            <p:cNvSpPr txBox="1"/>
+            <p:nvPr/>
+          </p:nvSpPr>
+          <p:spPr>
+            <a:xfrm>
+              <a:off x="4732865" y="3927507"/>
+              <a:ext cx="677333" cy="276999"/>
+            </a:xfrm>
+            <a:prstGeom prst="rect">
+              <a:avLst/>
+            </a:prstGeom>
+            <a:noFill/>
+          </p:spPr>
+          <p:txBody>
+            <a:bodyPr wrap="square" lIns="0" tIns="0" rIns="0" bIns="0" rtlCol="0">
+              <a:spAutoFit/>
+            </a:bodyPr>
+            <a:lstStyle/>
+            <a:p>
+              <a:pPr algn="ctr"/>
+              <a:r>
+                <a:rPr lang="en-US" altLang="zh-CN" dirty="0" err="1">
+                  <a:latin typeface="Times New Roman" panose="02020603050405020304" pitchFamily="18" charset="0"/>
+                  <a:ea typeface="宋体" panose="02010600030101010101" pitchFamily="2" charset="-122"/>
+                </a:rPr>
+                <a:t>idx</a:t>
+              </a:r>
+              <a:endParaRPr lang="zh-CN" altLang="en-US" dirty="0">
+                <a:latin typeface="Times New Roman" panose="02020603050405020304" pitchFamily="18" charset="0"/>
+                <a:ea typeface="宋体" panose="02010600030101010101" pitchFamily="2" charset="-122"/>
+              </a:endParaRPr>
+            </a:p>
+          </p:txBody>
+        </p:sp>
+      </p:grpSp>
+      <p:grpSp>
+        <p:nvGrpSpPr>
+          <p:cNvPr id="122" name="组合 121">
+            <a:extLst>
+              <a:ext uri="{FF2B5EF4-FFF2-40B4-BE49-F238E27FC236}">
+                <a16:creationId xmlns:a16="http://schemas.microsoft.com/office/drawing/2014/main" id="{2941A776-8F5D-44A4-BE12-91541E601D08}"/>
+              </a:ext>
+            </a:extLst>
+          </p:cNvPr>
+          <p:cNvGrpSpPr/>
+          <p:nvPr/>
+        </p:nvGrpSpPr>
+        <p:grpSpPr>
+          <a:xfrm>
+            <a:off x="7029666" y="15321910"/>
+            <a:ext cx="1100667" cy="627024"/>
+            <a:chOff x="4521198" y="2503416"/>
+            <a:chExt cx="1100667" cy="627024"/>
+          </a:xfrm>
+        </p:grpSpPr>
+        <p:sp>
+          <p:nvSpPr>
+            <p:cNvPr id="123" name="文本框 122">
+              <a:extLst>
+                <a:ext uri="{FF2B5EF4-FFF2-40B4-BE49-F238E27FC236}">
+                  <a16:creationId xmlns:a16="http://schemas.microsoft.com/office/drawing/2014/main" id="{23A275C5-8364-4773-A76F-0B39E9933031}"/>
+                </a:ext>
+              </a:extLst>
+            </p:cNvPr>
+            <p:cNvSpPr txBox="1"/>
+            <p:nvPr/>
+          </p:nvSpPr>
+          <p:spPr>
+            <a:xfrm>
+              <a:off x="4521198" y="2503416"/>
+              <a:ext cx="1100667" cy="276999"/>
+            </a:xfrm>
+            <a:prstGeom prst="rect">
+              <a:avLst/>
+            </a:prstGeom>
+            <a:noFill/>
+          </p:spPr>
+          <p:txBody>
+            <a:bodyPr wrap="square" lIns="0" tIns="0" rIns="0" bIns="0" rtlCol="0">
+              <a:spAutoFit/>
+            </a:bodyPr>
+            <a:lstStyle/>
+            <a:p>
+              <a:pPr algn="ctr"/>
+              <a:r>
+                <a:rPr lang="en-US" altLang="zh-CN" dirty="0">
+                  <a:latin typeface="Times New Roman" panose="02020603050405020304" pitchFamily="18" charset="0"/>
+                  <a:ea typeface="宋体" panose="02010600030101010101" pitchFamily="2" charset="-122"/>
+                </a:rPr>
+                <a:t>end</a:t>
+              </a:r>
+              <a:endParaRPr lang="zh-CN" altLang="en-US" dirty="0">
+                <a:latin typeface="Times New Roman" panose="02020603050405020304" pitchFamily="18" charset="0"/>
+                <a:ea typeface="宋体" panose="02010600030101010101" pitchFamily="2" charset="-122"/>
+              </a:endParaRPr>
+            </a:p>
+          </p:txBody>
+        </p:sp>
+        <p:cxnSp>
+          <p:nvCxnSpPr>
+            <p:cNvPr id="124" name="直接箭头连接符 123">
+              <a:extLst>
+                <a:ext uri="{FF2B5EF4-FFF2-40B4-BE49-F238E27FC236}">
+                  <a16:creationId xmlns:a16="http://schemas.microsoft.com/office/drawing/2014/main" id="{D81107C9-7848-46D3-91B8-0A90F29EF547}"/>
+                </a:ext>
+              </a:extLst>
+            </p:cNvPr>
+            <p:cNvCxnSpPr>
+              <a:cxnSpLocks/>
+            </p:cNvCxnSpPr>
+            <p:nvPr/>
+          </p:nvCxnSpPr>
+          <p:spPr>
+            <a:xfrm rot="10800000" flipV="1">
+              <a:off x="5071533" y="2825065"/>
+              <a:ext cx="0" cy="305375"/>
+            </a:xfrm>
+            <a:prstGeom prst="straightConnector1">
+              <a:avLst/>
+            </a:prstGeom>
+            <a:ln w="19050">
+              <a:tailEnd type="triangle"/>
+            </a:ln>
+          </p:spPr>
+          <p:style>
+            <a:lnRef idx="1">
+              <a:schemeClr val="dk1"/>
+            </a:lnRef>
+            <a:fillRef idx="0">
+              <a:schemeClr val="dk1"/>
+            </a:fillRef>
+            <a:effectRef idx="0">
+              <a:schemeClr val="dk1"/>
+            </a:effectRef>
+            <a:fontRef idx="minor">
+              <a:schemeClr val="tx1"/>
+            </a:fontRef>
+          </p:style>
+        </p:cxnSp>
+      </p:grpSp>
+      <p:sp>
+        <p:nvSpPr>
+          <p:cNvPr id="125" name="文本框 124">
+            <a:extLst>
+              <a:ext uri="{FF2B5EF4-FFF2-40B4-BE49-F238E27FC236}">
+                <a16:creationId xmlns:a16="http://schemas.microsoft.com/office/drawing/2014/main" id="{3D61B01D-FF80-4981-9E95-7F9171CAD6A5}"/>
+              </a:ext>
+            </a:extLst>
+          </p:cNvPr>
+          <p:cNvSpPr txBox="1"/>
+          <p:nvPr/>
+        </p:nvSpPr>
+        <p:spPr>
+          <a:xfrm>
+            <a:off x="1517436" y="16032230"/>
+            <a:ext cx="698502" cy="369332"/>
+          </a:xfrm>
+          <a:prstGeom prst="rect">
+            <a:avLst/>
+          </a:prstGeom>
+          <a:noFill/>
+        </p:spPr>
+        <p:txBody>
+          <a:bodyPr wrap="square" rtlCol="0">
+            <a:spAutoFit/>
+          </a:bodyPr>
+          <a:lstStyle/>
+          <a:p>
+            <a:pPr algn="ctr"/>
+            <a:r>
+              <a:rPr lang="zh-CN" altLang="en-US" dirty="0">
+                <a:latin typeface="Times New Roman" panose="02020603050405020304" pitchFamily="18" charset="0"/>
+                <a:ea typeface="宋体" panose="02010600030101010101" pitchFamily="2" charset="-122"/>
+              </a:rPr>
+              <a:t>⑨</a:t>
+            </a:r>
+          </a:p>
+        </p:txBody>
+      </p:sp>
+      <p:cxnSp>
+        <p:nvCxnSpPr>
+          <p:cNvPr id="126" name="直接连接符 125">
+            <a:extLst>
+              <a:ext uri="{FF2B5EF4-FFF2-40B4-BE49-F238E27FC236}">
+                <a16:creationId xmlns:a16="http://schemas.microsoft.com/office/drawing/2014/main" id="{99F175FD-F0C4-445C-BAB8-9EC4371D2A5B}"/>
+              </a:ext>
+            </a:extLst>
+          </p:cNvPr>
+          <p:cNvCxnSpPr/>
+          <p:nvPr/>
+        </p:nvCxnSpPr>
+        <p:spPr>
+          <a:xfrm>
+            <a:off x="1414781" y="15213378"/>
+            <a:ext cx="7984066" cy="0"/>
+          </a:xfrm>
+          <a:prstGeom prst="line">
+            <a:avLst/>
+          </a:prstGeom>
+          <a:ln w="12700">
+            <a:prstDash val="dash"/>
+            <a:tailEnd type="none"/>
+          </a:ln>
+        </p:spPr>
+        <p:style>
+          <a:lnRef idx="1">
+            <a:schemeClr val="dk1"/>
+          </a:lnRef>
+          <a:fillRef idx="0">
+            <a:schemeClr val="dk1"/>
+          </a:fillRef>
+          <a:effectRef idx="0">
+            <a:schemeClr val="dk1"/>
+          </a:effectRef>
+          <a:fontRef idx="minor">
+            <a:schemeClr val="tx1"/>
+          </a:fontRef>
+        </p:style>
+      </p:cxnSp>
+      <p:grpSp>
+        <p:nvGrpSpPr>
+          <p:cNvPr id="142" name="组合 141">
+            <a:extLst>
+              <a:ext uri="{FF2B5EF4-FFF2-40B4-BE49-F238E27FC236}">
+                <a16:creationId xmlns:a16="http://schemas.microsoft.com/office/drawing/2014/main" id="{A1E41BAF-9392-4C31-BFDD-A3E17CEB2AD5}"/>
+              </a:ext>
+            </a:extLst>
+          </p:cNvPr>
+          <p:cNvGrpSpPr/>
+          <p:nvPr/>
+        </p:nvGrpSpPr>
+        <p:grpSpPr>
+          <a:xfrm>
+            <a:off x="9367462" y="4549280"/>
+            <a:ext cx="8062064" cy="3529652"/>
+            <a:chOff x="9367462" y="4549280"/>
+            <a:chExt cx="8062064" cy="3529652"/>
+          </a:xfrm>
+        </p:grpSpPr>
+        <p:sp>
+          <p:nvSpPr>
+            <p:cNvPr id="92" name="文本框 91">
+              <a:extLst>
+                <a:ext uri="{FF2B5EF4-FFF2-40B4-BE49-F238E27FC236}">
+                  <a16:creationId xmlns:a16="http://schemas.microsoft.com/office/drawing/2014/main" id="{009B4FCD-7515-4E18-9761-B3E8140FFD5B}"/>
+                </a:ext>
+              </a:extLst>
+            </p:cNvPr>
+            <p:cNvSpPr txBox="1"/>
+            <p:nvPr/>
+          </p:nvSpPr>
+          <p:spPr>
+            <a:xfrm>
+              <a:off x="9917794" y="4549280"/>
+              <a:ext cx="7511732" cy="3416320"/>
+            </a:xfrm>
+            <a:prstGeom prst="rect">
+              <a:avLst/>
+            </a:prstGeom>
+            <a:noFill/>
+          </p:spPr>
+          <p:txBody>
+            <a:bodyPr wrap="square">
+              <a:spAutoFit/>
+            </a:bodyPr>
+            <a:lstStyle/>
+            <a:p>
+              <a:r>
+                <a:rPr lang="en-US" altLang="zh-CN" dirty="0">
+                  <a:latin typeface="Consolas" panose="020B0609020204030204" pitchFamily="49" charset="0"/>
+                </a:rPr>
+                <a:t>for (start=0; start&lt;</a:t>
+              </a:r>
+              <a:r>
+                <a:rPr lang="en-US" altLang="zh-CN" dirty="0" err="1">
+                  <a:latin typeface="Consolas" panose="020B0609020204030204" pitchFamily="49" charset="0"/>
+                </a:rPr>
+                <a:t>s.size</a:t>
+              </a:r>
+              <a:r>
+                <a:rPr lang="en-US" altLang="zh-CN" dirty="0">
+                  <a:latin typeface="Consolas" panose="020B0609020204030204" pitchFamily="49" charset="0"/>
+                </a:rPr>
+                <a:t>(); ++start) {</a:t>
+              </a:r>
+            </a:p>
+            <a:p>
+              <a:r>
+                <a:rPr lang="en-US" altLang="zh-CN" dirty="0">
+                  <a:latin typeface="Consolas" panose="020B0609020204030204" pitchFamily="49" charset="0"/>
+                </a:rPr>
+                <a:t>    if (s[start] == ' ')</a:t>
+              </a:r>
+            </a:p>
+            <a:p>
+              <a:r>
+                <a:rPr lang="en-US" altLang="zh-CN" dirty="0">
+                  <a:latin typeface="Consolas" panose="020B0609020204030204" pitchFamily="49" charset="0"/>
+                </a:rPr>
+                <a:t>        continue;</a:t>
+              </a:r>
+            </a:p>
+            <a:p>
+              <a:r>
+                <a:rPr lang="en-US" altLang="zh-CN" dirty="0">
+                  <a:latin typeface="Consolas" panose="020B0609020204030204" pitchFamily="49" charset="0"/>
+                </a:rPr>
+                <a:t>    if (</a:t>
+              </a:r>
+              <a:r>
+                <a:rPr lang="en-US" altLang="zh-CN" dirty="0" err="1">
+                  <a:latin typeface="Consolas" panose="020B0609020204030204" pitchFamily="49" charset="0"/>
+                </a:rPr>
+                <a:t>idx</a:t>
+              </a:r>
+              <a:r>
+                <a:rPr lang="en-US" altLang="zh-CN" dirty="0">
+                  <a:latin typeface="Consolas" panose="020B0609020204030204" pitchFamily="49" charset="0"/>
+                </a:rPr>
+                <a:t> != 0)</a:t>
+              </a:r>
+            </a:p>
+            <a:p>
+              <a:r>
+                <a:rPr lang="en-US" altLang="zh-CN" dirty="0">
+                  <a:latin typeface="Consolas" panose="020B0609020204030204" pitchFamily="49" charset="0"/>
+                </a:rPr>
+                <a:t>        s[</a:t>
+              </a:r>
+              <a:r>
+                <a:rPr lang="en-US" altLang="zh-CN" dirty="0" err="1">
+                  <a:latin typeface="Consolas" panose="020B0609020204030204" pitchFamily="49" charset="0"/>
+                </a:rPr>
+                <a:t>idx</a:t>
+              </a:r>
+              <a:r>
+                <a:rPr lang="en-US" altLang="zh-CN" dirty="0">
+                  <a:latin typeface="Consolas" panose="020B0609020204030204" pitchFamily="49" charset="0"/>
+                </a:rPr>
+                <a:t>++] = ' ';</a:t>
+              </a:r>
+            </a:p>
+            <a:p>
+              <a:r>
+                <a:rPr lang="en-US" altLang="zh-CN" dirty="0">
+                  <a:latin typeface="Consolas" panose="020B0609020204030204" pitchFamily="49" charset="0"/>
+                </a:rPr>
+                <a:t>    end = start;</a:t>
+              </a:r>
+            </a:p>
+            <a:p>
+              <a:r>
+                <a:rPr lang="en-US" altLang="zh-CN" dirty="0">
+                  <a:latin typeface="Consolas" panose="020B0609020204030204" pitchFamily="49" charset="0"/>
+                </a:rPr>
+                <a:t>    while (end&lt;</a:t>
+              </a:r>
+              <a:r>
+                <a:rPr lang="en-US" altLang="zh-CN" dirty="0" err="1">
+                  <a:latin typeface="Consolas" panose="020B0609020204030204" pitchFamily="49" charset="0"/>
+                </a:rPr>
+                <a:t>s.size</a:t>
+              </a:r>
+              <a:r>
+                <a:rPr lang="en-US" altLang="zh-CN" dirty="0">
+                  <a:latin typeface="Consolas" panose="020B0609020204030204" pitchFamily="49" charset="0"/>
+                </a:rPr>
+                <a:t>() &amp;&amp; s[end]!=' ')</a:t>
+              </a:r>
+            </a:p>
+            <a:p>
+              <a:r>
+                <a:rPr lang="en-US" altLang="zh-CN" dirty="0">
+                  <a:latin typeface="Consolas" panose="020B0609020204030204" pitchFamily="49" charset="0"/>
+                </a:rPr>
+                <a:t>        s[</a:t>
+              </a:r>
+              <a:r>
+                <a:rPr lang="en-US" altLang="zh-CN" dirty="0" err="1">
+                  <a:latin typeface="Consolas" panose="020B0609020204030204" pitchFamily="49" charset="0"/>
+                </a:rPr>
+                <a:t>idx</a:t>
+              </a:r>
+              <a:r>
+                <a:rPr lang="en-US" altLang="zh-CN" dirty="0">
+                  <a:latin typeface="Consolas" panose="020B0609020204030204" pitchFamily="49" charset="0"/>
+                </a:rPr>
+                <a:t>++] = s[end++];</a:t>
+              </a:r>
+            </a:p>
+            <a:p>
+              <a:r>
+                <a:rPr lang="en-US" altLang="zh-CN" dirty="0">
+                  <a:latin typeface="Consolas" panose="020B0609020204030204" pitchFamily="49" charset="0"/>
+                </a:rPr>
+                <a:t>    reverse(</a:t>
+              </a:r>
+              <a:r>
+                <a:rPr lang="en-US" altLang="zh-CN" dirty="0" err="1">
+                  <a:latin typeface="Consolas" panose="020B0609020204030204" pitchFamily="49" charset="0"/>
+                </a:rPr>
+                <a:t>s.begin</a:t>
+              </a:r>
+              <a:r>
+                <a:rPr lang="en-US" altLang="zh-CN" dirty="0">
+                  <a:latin typeface="Consolas" panose="020B0609020204030204" pitchFamily="49" charset="0"/>
+                </a:rPr>
+                <a:t>()+</a:t>
+              </a:r>
+              <a:r>
+                <a:rPr lang="en-US" altLang="zh-CN" dirty="0" err="1">
+                  <a:latin typeface="Consolas" panose="020B0609020204030204" pitchFamily="49" charset="0"/>
+                </a:rPr>
+                <a:t>idx</a:t>
+              </a:r>
+              <a:r>
+                <a:rPr lang="en-US" altLang="zh-CN" dirty="0">
+                  <a:latin typeface="Consolas" panose="020B0609020204030204" pitchFamily="49" charset="0"/>
+                </a:rPr>
+                <a:t>-(end-start), </a:t>
+              </a:r>
+              <a:r>
+                <a:rPr lang="en-US" altLang="zh-CN" dirty="0" err="1">
+                  <a:latin typeface="Consolas" panose="020B0609020204030204" pitchFamily="49" charset="0"/>
+                </a:rPr>
+                <a:t>s.begin</a:t>
+              </a:r>
+              <a:r>
+                <a:rPr lang="en-US" altLang="zh-CN" dirty="0">
+                  <a:latin typeface="Consolas" panose="020B0609020204030204" pitchFamily="49" charset="0"/>
+                </a:rPr>
+                <a:t>()+</a:t>
+              </a:r>
+              <a:r>
+                <a:rPr lang="en-US" altLang="zh-CN" dirty="0" err="1">
+                  <a:latin typeface="Consolas" panose="020B0609020204030204" pitchFamily="49" charset="0"/>
+                </a:rPr>
+                <a:t>idx</a:t>
+              </a:r>
+              <a:r>
+                <a:rPr lang="en-US" altLang="zh-CN" dirty="0">
+                  <a:latin typeface="Consolas" panose="020B0609020204030204" pitchFamily="49" charset="0"/>
+                </a:rPr>
+                <a:t>);</a:t>
+              </a:r>
+            </a:p>
+            <a:p>
+              <a:r>
+                <a:rPr lang="en-US" altLang="zh-CN" dirty="0">
+                  <a:latin typeface="Consolas" panose="020B0609020204030204" pitchFamily="49" charset="0"/>
+                </a:rPr>
+                <a:t>    start = end;</a:t>
+              </a:r>
+            </a:p>
+            <a:p>
+              <a:r>
+                <a:rPr lang="en-US" altLang="zh-CN" dirty="0">
+                  <a:latin typeface="Consolas" panose="020B0609020204030204" pitchFamily="49" charset="0"/>
+                </a:rPr>
+                <a:t>}</a:t>
+              </a:r>
+            </a:p>
+            <a:p>
+              <a:r>
+                <a:rPr lang="en-US" altLang="zh-CN" dirty="0" err="1">
+                  <a:latin typeface="Consolas" panose="020B0609020204030204" pitchFamily="49" charset="0"/>
+                </a:rPr>
+                <a:t>s.erase</a:t>
+              </a:r>
+              <a:r>
+                <a:rPr lang="en-US" altLang="zh-CN" dirty="0">
+                  <a:latin typeface="Consolas" panose="020B0609020204030204" pitchFamily="49" charset="0"/>
+                </a:rPr>
+                <a:t>(</a:t>
+              </a:r>
+              <a:r>
+                <a:rPr lang="en-US" altLang="zh-CN" dirty="0" err="1">
+                  <a:latin typeface="Consolas" panose="020B0609020204030204" pitchFamily="49" charset="0"/>
+                </a:rPr>
+                <a:t>s.begin</a:t>
+              </a:r>
+              <a:r>
+                <a:rPr lang="en-US" altLang="zh-CN" dirty="0">
+                  <a:latin typeface="Consolas" panose="020B0609020204030204" pitchFamily="49" charset="0"/>
+                </a:rPr>
+                <a:t>()+</a:t>
+              </a:r>
+              <a:r>
+                <a:rPr lang="en-US" altLang="zh-CN" dirty="0" err="1">
+                  <a:latin typeface="Consolas" panose="020B0609020204030204" pitchFamily="49" charset="0"/>
+                </a:rPr>
+                <a:t>idx</a:t>
+              </a:r>
+              <a:r>
+                <a:rPr lang="en-US" altLang="zh-CN" dirty="0">
+                  <a:latin typeface="Consolas" panose="020B0609020204030204" pitchFamily="49" charset="0"/>
+                </a:rPr>
+                <a:t>, </a:t>
+              </a:r>
+              <a:r>
+                <a:rPr lang="en-US" altLang="zh-CN" dirty="0" err="1">
+                  <a:latin typeface="Consolas" panose="020B0609020204030204" pitchFamily="49" charset="0"/>
+                </a:rPr>
+                <a:t>s.end</a:t>
+              </a:r>
+              <a:r>
+                <a:rPr lang="en-US" altLang="zh-CN" dirty="0">
+                  <a:latin typeface="Consolas" panose="020B0609020204030204" pitchFamily="49" charset="0"/>
+                </a:rPr>
+                <a:t>());</a:t>
+              </a:r>
+              <a:endParaRPr lang="zh-CN" altLang="en-US" dirty="0">
+                <a:latin typeface="Consolas" panose="020B0609020204030204" pitchFamily="49" charset="0"/>
+              </a:endParaRPr>
+            </a:p>
+          </p:txBody>
+        </p:sp>
+        <p:sp>
+          <p:nvSpPr>
+            <p:cNvPr id="93" name="文本框 92">
+              <a:extLst>
+                <a:ext uri="{FF2B5EF4-FFF2-40B4-BE49-F238E27FC236}">
+                  <a16:creationId xmlns:a16="http://schemas.microsoft.com/office/drawing/2014/main" id="{47B7C291-AC41-4FAB-A006-77BB3CD9643B}"/>
+                </a:ext>
+              </a:extLst>
+            </p:cNvPr>
+            <p:cNvSpPr txBox="1"/>
+            <p:nvPr/>
+          </p:nvSpPr>
+          <p:spPr>
+            <a:xfrm>
+              <a:off x="9998939" y="6648601"/>
+              <a:ext cx="698502" cy="338554"/>
+            </a:xfrm>
+            <a:prstGeom prst="rect">
+              <a:avLst/>
+            </a:prstGeom>
+            <a:noFill/>
+          </p:spPr>
+          <p:txBody>
+            <a:bodyPr wrap="square" rtlCol="0">
+              <a:spAutoFit/>
+            </a:bodyPr>
+            <a:lstStyle/>
+            <a:p>
+              <a:pPr algn="ctr"/>
+              <a:r>
+                <a:rPr lang="zh-CN" altLang="en-US" sz="1600" dirty="0">
+                  <a:latin typeface="Times New Roman" panose="02020603050405020304" pitchFamily="18" charset="0"/>
+                  <a:ea typeface="宋体" panose="02010600030101010101" pitchFamily="2" charset="-122"/>
+                </a:rPr>
+                <a:t>③</a:t>
+              </a:r>
+            </a:p>
+          </p:txBody>
+        </p:sp>
+        <p:sp>
+          <p:nvSpPr>
+            <p:cNvPr id="95" name="文本框 94">
+              <a:extLst>
+                <a:ext uri="{FF2B5EF4-FFF2-40B4-BE49-F238E27FC236}">
+                  <a16:creationId xmlns:a16="http://schemas.microsoft.com/office/drawing/2014/main" id="{37F60372-56EA-43F3-89DD-855662EC20AF}"/>
+                </a:ext>
+              </a:extLst>
+            </p:cNvPr>
+            <p:cNvSpPr txBox="1"/>
+            <p:nvPr/>
+          </p:nvSpPr>
+          <p:spPr>
+            <a:xfrm>
+              <a:off x="9998939" y="6954106"/>
+              <a:ext cx="698502" cy="338554"/>
+            </a:xfrm>
+            <a:prstGeom prst="rect">
+              <a:avLst/>
+            </a:prstGeom>
+            <a:noFill/>
+          </p:spPr>
+          <p:txBody>
+            <a:bodyPr wrap="square" rtlCol="0">
+              <a:spAutoFit/>
+            </a:bodyPr>
+            <a:lstStyle/>
+            <a:p>
+              <a:pPr algn="ctr"/>
+              <a:r>
+                <a:rPr lang="zh-CN" altLang="en-US" sz="1600" dirty="0">
+                  <a:latin typeface="Times New Roman" panose="02020603050405020304" pitchFamily="18" charset="0"/>
+                  <a:ea typeface="宋体" panose="02010600030101010101" pitchFamily="2" charset="-122"/>
+                </a:rPr>
+                <a:t>④</a:t>
+              </a:r>
+            </a:p>
+          </p:txBody>
+        </p:sp>
+        <p:sp>
+          <p:nvSpPr>
+            <p:cNvPr id="96" name="文本框 95">
+              <a:extLst>
+                <a:ext uri="{FF2B5EF4-FFF2-40B4-BE49-F238E27FC236}">
+                  <a16:creationId xmlns:a16="http://schemas.microsoft.com/office/drawing/2014/main" id="{D89A7959-7D82-4F0C-8871-56EC191A7F59}"/>
+                </a:ext>
+              </a:extLst>
+            </p:cNvPr>
+            <p:cNvSpPr txBox="1"/>
+            <p:nvPr/>
+          </p:nvSpPr>
+          <p:spPr>
+            <a:xfrm>
+              <a:off x="9974947" y="5187212"/>
+              <a:ext cx="698502" cy="338554"/>
+            </a:xfrm>
+            <a:prstGeom prst="rect">
+              <a:avLst/>
+            </a:prstGeom>
+            <a:noFill/>
+          </p:spPr>
+          <p:txBody>
+            <a:bodyPr wrap="square" rtlCol="0">
+              <a:spAutoFit/>
+            </a:bodyPr>
+            <a:lstStyle/>
+            <a:p>
+              <a:pPr algn="ctr"/>
+              <a:r>
+                <a:rPr lang="zh-CN" altLang="en-US" sz="1600" dirty="0">
+                  <a:latin typeface="Times New Roman" panose="02020603050405020304" pitchFamily="18" charset="0"/>
+                  <a:ea typeface="宋体" panose="02010600030101010101" pitchFamily="2" charset="-122"/>
+                </a:rPr>
+                <a:t>⑤</a:t>
+              </a:r>
+            </a:p>
+          </p:txBody>
+        </p:sp>
+        <p:sp>
+          <p:nvSpPr>
+            <p:cNvPr id="100" name="文本框 99">
+              <a:extLst>
+                <a:ext uri="{FF2B5EF4-FFF2-40B4-BE49-F238E27FC236}">
+                  <a16:creationId xmlns:a16="http://schemas.microsoft.com/office/drawing/2014/main" id="{745B8F9C-08F3-427C-9F4B-D192CBE48A20}"/>
+                </a:ext>
+              </a:extLst>
+            </p:cNvPr>
+            <p:cNvSpPr txBox="1"/>
+            <p:nvPr/>
+          </p:nvSpPr>
+          <p:spPr>
+            <a:xfrm>
+              <a:off x="9998939" y="6083383"/>
+              <a:ext cx="698502" cy="338554"/>
+            </a:xfrm>
+            <a:prstGeom prst="rect">
+              <a:avLst/>
+            </a:prstGeom>
+            <a:noFill/>
+          </p:spPr>
+          <p:txBody>
+            <a:bodyPr wrap="square" rtlCol="0">
+              <a:spAutoFit/>
+            </a:bodyPr>
+            <a:lstStyle/>
+            <a:p>
+              <a:pPr algn="ctr"/>
+              <a:r>
+                <a:rPr lang="zh-CN" altLang="en-US" sz="1600" dirty="0">
+                  <a:latin typeface="Times New Roman" panose="02020603050405020304" pitchFamily="18" charset="0"/>
+                  <a:ea typeface="宋体" panose="02010600030101010101" pitchFamily="2" charset="-122"/>
+                </a:rPr>
+                <a:t>⑥</a:t>
+              </a:r>
+            </a:p>
+          </p:txBody>
+        </p:sp>
+        <p:sp>
+          <p:nvSpPr>
+            <p:cNvPr id="101" name="文本框 100">
+              <a:extLst>
+                <a:ext uri="{FF2B5EF4-FFF2-40B4-BE49-F238E27FC236}">
+                  <a16:creationId xmlns:a16="http://schemas.microsoft.com/office/drawing/2014/main" id="{4C096A7B-074D-47DC-8D0E-9F91C026D684}"/>
+                </a:ext>
+              </a:extLst>
+            </p:cNvPr>
+            <p:cNvSpPr txBox="1"/>
+            <p:nvPr/>
+          </p:nvSpPr>
+          <p:spPr>
+            <a:xfrm>
+              <a:off x="9688188" y="6648601"/>
+              <a:ext cx="698502" cy="338554"/>
+            </a:xfrm>
+            <a:prstGeom prst="rect">
+              <a:avLst/>
+            </a:prstGeom>
+            <a:noFill/>
+          </p:spPr>
+          <p:txBody>
+            <a:bodyPr wrap="square" rtlCol="0">
+              <a:spAutoFit/>
+            </a:bodyPr>
+            <a:lstStyle/>
+            <a:p>
+              <a:pPr algn="ctr"/>
+              <a:r>
+                <a:rPr lang="zh-CN" altLang="en-US" sz="1600" dirty="0">
+                  <a:latin typeface="Times New Roman" panose="02020603050405020304" pitchFamily="18" charset="0"/>
+                  <a:ea typeface="宋体" panose="02010600030101010101" pitchFamily="2" charset="-122"/>
+                </a:rPr>
+                <a:t>⑦</a:t>
+              </a:r>
+            </a:p>
+          </p:txBody>
+        </p:sp>
+        <p:sp>
+          <p:nvSpPr>
+            <p:cNvPr id="114" name="文本框 113">
+              <a:extLst>
+                <a:ext uri="{FF2B5EF4-FFF2-40B4-BE49-F238E27FC236}">
+                  <a16:creationId xmlns:a16="http://schemas.microsoft.com/office/drawing/2014/main" id="{9CD631B4-F1C2-4DEB-BC59-0216A8360B50}"/>
+                </a:ext>
+              </a:extLst>
+            </p:cNvPr>
+            <p:cNvSpPr txBox="1"/>
+            <p:nvPr/>
+          </p:nvSpPr>
+          <p:spPr>
+            <a:xfrm>
+              <a:off x="9686943" y="6949147"/>
+              <a:ext cx="698502" cy="338554"/>
+            </a:xfrm>
+            <a:prstGeom prst="rect">
+              <a:avLst/>
+            </a:prstGeom>
+            <a:noFill/>
+          </p:spPr>
+          <p:txBody>
+            <a:bodyPr wrap="square" rtlCol="0">
+              <a:spAutoFit/>
+            </a:bodyPr>
+            <a:lstStyle/>
+            <a:p>
+              <a:pPr algn="ctr"/>
+              <a:r>
+                <a:rPr lang="zh-CN" altLang="en-US" sz="1600" dirty="0">
+                  <a:latin typeface="Times New Roman" panose="02020603050405020304" pitchFamily="18" charset="0"/>
+                  <a:ea typeface="宋体" panose="02010600030101010101" pitchFamily="2" charset="-122"/>
+                </a:rPr>
+                <a:t>⑧</a:t>
+              </a:r>
+            </a:p>
+          </p:txBody>
+        </p:sp>
+        <p:sp>
+          <p:nvSpPr>
+            <p:cNvPr id="127" name="文本框 126">
+              <a:extLst>
+                <a:ext uri="{FF2B5EF4-FFF2-40B4-BE49-F238E27FC236}">
+                  <a16:creationId xmlns:a16="http://schemas.microsoft.com/office/drawing/2014/main" id="{DF0B60B7-77D9-442C-A239-52082580CA90}"/>
+                </a:ext>
+              </a:extLst>
+            </p:cNvPr>
+            <p:cNvSpPr txBox="1"/>
+            <p:nvPr/>
+          </p:nvSpPr>
+          <p:spPr>
+            <a:xfrm>
+              <a:off x="9367462" y="6954106"/>
+              <a:ext cx="698502" cy="338554"/>
+            </a:xfrm>
+            <a:prstGeom prst="rect">
+              <a:avLst/>
+            </a:prstGeom>
+            <a:noFill/>
+          </p:spPr>
+          <p:txBody>
+            <a:bodyPr wrap="square" rtlCol="0">
+              <a:spAutoFit/>
+            </a:bodyPr>
+            <a:lstStyle/>
+            <a:p>
+              <a:pPr algn="ctr"/>
+              <a:r>
+                <a:rPr lang="zh-CN" altLang="en-US" sz="1600" dirty="0">
+                  <a:latin typeface="Times New Roman" panose="02020603050405020304" pitchFamily="18" charset="0"/>
+                  <a:ea typeface="宋体" panose="02010600030101010101" pitchFamily="2" charset="-122"/>
+                </a:rPr>
+                <a:t>⑨</a:t>
+              </a:r>
+            </a:p>
+          </p:txBody>
+        </p:sp>
+        <p:sp>
+          <p:nvSpPr>
+            <p:cNvPr id="128" name="文本框 127">
+              <a:extLst>
+                <a:ext uri="{FF2B5EF4-FFF2-40B4-BE49-F238E27FC236}">
+                  <a16:creationId xmlns:a16="http://schemas.microsoft.com/office/drawing/2014/main" id="{CC9C16D6-0896-479A-BEE7-FB98EAF0800E}"/>
+                </a:ext>
+              </a:extLst>
+            </p:cNvPr>
+            <p:cNvSpPr txBox="1"/>
+            <p:nvPr/>
+          </p:nvSpPr>
+          <p:spPr>
+            <a:xfrm>
+              <a:off x="9398847" y="7740378"/>
+              <a:ext cx="698502" cy="338554"/>
+            </a:xfrm>
+            <a:prstGeom prst="rect">
+              <a:avLst/>
+            </a:prstGeom>
+            <a:noFill/>
+          </p:spPr>
+          <p:txBody>
+            <a:bodyPr wrap="square" rtlCol="0">
+              <a:spAutoFit/>
+            </a:bodyPr>
+            <a:lstStyle/>
+            <a:p>
+              <a:pPr algn="ctr"/>
+              <a:r>
+                <a:rPr lang="zh-CN" altLang="en-US" sz="1600" dirty="0">
+                  <a:latin typeface="Times New Roman" panose="02020603050405020304" pitchFamily="18" charset="0"/>
+                  <a:ea typeface="宋体" panose="02010600030101010101" pitchFamily="2" charset="-122"/>
+                </a:rPr>
+                <a:t>⑩</a:t>
+              </a:r>
+            </a:p>
+          </p:txBody>
+        </p:sp>
+      </p:grpSp>
+      <p:grpSp>
+        <p:nvGrpSpPr>
+          <p:cNvPr id="129" name="组合 128">
+            <a:extLst>
+              <a:ext uri="{FF2B5EF4-FFF2-40B4-BE49-F238E27FC236}">
+                <a16:creationId xmlns:a16="http://schemas.microsoft.com/office/drawing/2014/main" id="{409E8818-8AB6-42D2-A6C4-D8490042C42D}"/>
+              </a:ext>
+            </a:extLst>
+          </p:cNvPr>
+          <p:cNvGrpSpPr/>
+          <p:nvPr/>
+        </p:nvGrpSpPr>
+        <p:grpSpPr>
+          <a:xfrm>
+            <a:off x="7579999" y="17468844"/>
+            <a:ext cx="1100667" cy="627024"/>
+            <a:chOff x="4521198" y="2503416"/>
+            <a:chExt cx="1100667" cy="627024"/>
+          </a:xfrm>
+        </p:grpSpPr>
+        <p:sp>
+          <p:nvSpPr>
+            <p:cNvPr id="130" name="文本框 129">
+              <a:extLst>
+                <a:ext uri="{FF2B5EF4-FFF2-40B4-BE49-F238E27FC236}">
+                  <a16:creationId xmlns:a16="http://schemas.microsoft.com/office/drawing/2014/main" id="{BA8C2D56-8345-41FC-BECB-53D67570227B}"/>
+                </a:ext>
+              </a:extLst>
+            </p:cNvPr>
+            <p:cNvSpPr txBox="1"/>
+            <p:nvPr/>
+          </p:nvSpPr>
+          <p:spPr>
+            <a:xfrm>
+              <a:off x="4521198" y="2503416"/>
+              <a:ext cx="1100667" cy="276999"/>
+            </a:xfrm>
+            <a:prstGeom prst="rect">
+              <a:avLst/>
+            </a:prstGeom>
+            <a:noFill/>
+          </p:spPr>
+          <p:txBody>
+            <a:bodyPr wrap="square" lIns="0" tIns="0" rIns="0" bIns="0" rtlCol="0">
+              <a:spAutoFit/>
+            </a:bodyPr>
+            <a:lstStyle/>
+            <a:p>
+              <a:pPr algn="ctr"/>
+              <a:r>
+                <a:rPr lang="en-US" altLang="zh-CN" dirty="0">
+                  <a:latin typeface="Times New Roman" panose="02020603050405020304" pitchFamily="18" charset="0"/>
+                  <a:ea typeface="宋体" panose="02010600030101010101" pitchFamily="2" charset="-122"/>
+                </a:rPr>
+                <a:t>start</a:t>
+              </a:r>
+              <a:endParaRPr lang="zh-CN" altLang="en-US" dirty="0">
+                <a:latin typeface="Times New Roman" panose="02020603050405020304" pitchFamily="18" charset="0"/>
+                <a:ea typeface="宋体" panose="02010600030101010101" pitchFamily="2" charset="-122"/>
+              </a:endParaRPr>
+            </a:p>
+          </p:txBody>
+        </p:sp>
+        <p:cxnSp>
+          <p:nvCxnSpPr>
+            <p:cNvPr id="131" name="直接箭头连接符 130">
+              <a:extLst>
+                <a:ext uri="{FF2B5EF4-FFF2-40B4-BE49-F238E27FC236}">
+                  <a16:creationId xmlns:a16="http://schemas.microsoft.com/office/drawing/2014/main" id="{41BDF126-0D66-442F-B96A-28FD9A6338BD}"/>
+                </a:ext>
+              </a:extLst>
+            </p:cNvPr>
+            <p:cNvCxnSpPr>
+              <a:cxnSpLocks/>
+            </p:cNvCxnSpPr>
+            <p:nvPr/>
+          </p:nvCxnSpPr>
+          <p:spPr>
+            <a:xfrm rot="10800000" flipV="1">
+              <a:off x="5071533" y="2825065"/>
+              <a:ext cx="0" cy="305375"/>
+            </a:xfrm>
+            <a:prstGeom prst="straightConnector1">
+              <a:avLst/>
+            </a:prstGeom>
+            <a:ln w="19050">
+              <a:tailEnd type="triangle"/>
+            </a:ln>
+          </p:spPr>
+          <p:style>
+            <a:lnRef idx="1">
+              <a:schemeClr val="dk1"/>
+            </a:lnRef>
+            <a:fillRef idx="0">
+              <a:schemeClr val="dk1"/>
+            </a:fillRef>
+            <a:effectRef idx="0">
+              <a:schemeClr val="dk1"/>
+            </a:effectRef>
+            <a:fontRef idx="minor">
+              <a:schemeClr val="tx1"/>
+            </a:fontRef>
+          </p:style>
+        </p:cxnSp>
+      </p:grpSp>
+      <p:graphicFrame>
+        <p:nvGraphicFramePr>
+          <p:cNvPr id="132" name="表格 4">
+            <a:extLst>
+              <a:ext uri="{FF2B5EF4-FFF2-40B4-BE49-F238E27FC236}">
+                <a16:creationId xmlns:a16="http://schemas.microsoft.com/office/drawing/2014/main" id="{7E59747F-720F-472B-B5A1-C2F74663BFB9}"/>
+              </a:ext>
+            </a:extLst>
+          </p:cNvPr>
+          <p:cNvGraphicFramePr>
+            <a:graphicFrameLocks noGrp="1"/>
+          </p:cNvGraphicFramePr>
+          <p:nvPr>
+            <p:extLst>
+              <p:ext uri="{D42A27DB-BD31-4B8C-83A1-F6EECF244321}">
+                <p14:modId xmlns:p14="http://schemas.microsoft.com/office/powerpoint/2010/main" val="937567026"/>
+              </p:ext>
+            </p:extLst>
+          </p:nvPr>
+        </p:nvGraphicFramePr>
+        <p:xfrm>
+          <a:off x="2590803" y="18183052"/>
+          <a:ext cx="5689600" cy="396240"/>
+        </p:xfrm>
+        <a:graphic>
+          <a:graphicData uri="http://schemas.openxmlformats.org/drawingml/2006/table">
+            <a:tbl>
+              <a:tblPr firstRow="1" bandRow="1">
+                <a:tableStyleId>{5940675A-B579-460E-94D1-54222C63F5DA}</a:tableStyleId>
+              </a:tblPr>
+              <a:tblGrid>
+                <a:gridCol w="406400">
+                  <a:extLst>
+                    <a:ext uri="{9D8B030D-6E8A-4147-A177-3AD203B41FA5}">
+                      <a16:colId xmlns:a16="http://schemas.microsoft.com/office/drawing/2014/main" val="724645724"/>
+                    </a:ext>
+                  </a:extLst>
+                </a:gridCol>
+                <a:gridCol w="406400">
+                  <a:extLst>
+                    <a:ext uri="{9D8B030D-6E8A-4147-A177-3AD203B41FA5}">
+                      <a16:colId xmlns:a16="http://schemas.microsoft.com/office/drawing/2014/main" val="1836722532"/>
+                    </a:ext>
+                  </a:extLst>
+                </a:gridCol>
+                <a:gridCol w="406400">
+                  <a:extLst>
+                    <a:ext uri="{9D8B030D-6E8A-4147-A177-3AD203B41FA5}">
+                      <a16:colId xmlns:a16="http://schemas.microsoft.com/office/drawing/2014/main" val="3009865464"/>
+                    </a:ext>
+                  </a:extLst>
+                </a:gridCol>
+                <a:gridCol w="406400">
+                  <a:extLst>
+                    <a:ext uri="{9D8B030D-6E8A-4147-A177-3AD203B41FA5}">
+                      <a16:colId xmlns:a16="http://schemas.microsoft.com/office/drawing/2014/main" val="2013969288"/>
+                    </a:ext>
+                  </a:extLst>
+                </a:gridCol>
+                <a:gridCol w="406400">
+                  <a:extLst>
+                    <a:ext uri="{9D8B030D-6E8A-4147-A177-3AD203B41FA5}">
+                      <a16:colId xmlns:a16="http://schemas.microsoft.com/office/drawing/2014/main" val="2573172242"/>
+                    </a:ext>
+                  </a:extLst>
+                </a:gridCol>
+                <a:gridCol w="406400">
+                  <a:extLst>
+                    <a:ext uri="{9D8B030D-6E8A-4147-A177-3AD203B41FA5}">
+                      <a16:colId xmlns:a16="http://schemas.microsoft.com/office/drawing/2014/main" val="1176554396"/>
+                    </a:ext>
+                  </a:extLst>
+                </a:gridCol>
+                <a:gridCol w="406400">
+                  <a:extLst>
+                    <a:ext uri="{9D8B030D-6E8A-4147-A177-3AD203B41FA5}">
+                      <a16:colId xmlns:a16="http://schemas.microsoft.com/office/drawing/2014/main" val="2148932215"/>
+                    </a:ext>
+                  </a:extLst>
+                </a:gridCol>
+                <a:gridCol w="406400">
+                  <a:extLst>
+                    <a:ext uri="{9D8B030D-6E8A-4147-A177-3AD203B41FA5}">
+                      <a16:colId xmlns:a16="http://schemas.microsoft.com/office/drawing/2014/main" val="1914188605"/>
+                    </a:ext>
+                  </a:extLst>
+                </a:gridCol>
+                <a:gridCol w="406400">
+                  <a:extLst>
+                    <a:ext uri="{9D8B030D-6E8A-4147-A177-3AD203B41FA5}">
+                      <a16:colId xmlns:a16="http://schemas.microsoft.com/office/drawing/2014/main" val="1524311926"/>
+                    </a:ext>
+                  </a:extLst>
+                </a:gridCol>
+                <a:gridCol w="406400">
+                  <a:extLst>
+                    <a:ext uri="{9D8B030D-6E8A-4147-A177-3AD203B41FA5}">
+                      <a16:colId xmlns:a16="http://schemas.microsoft.com/office/drawing/2014/main" val="3881050891"/>
+                    </a:ext>
+                  </a:extLst>
+                </a:gridCol>
+                <a:gridCol w="406400">
+                  <a:extLst>
+                    <a:ext uri="{9D8B030D-6E8A-4147-A177-3AD203B41FA5}">
+                      <a16:colId xmlns:a16="http://schemas.microsoft.com/office/drawing/2014/main" val="1931707403"/>
+                    </a:ext>
+                  </a:extLst>
+                </a:gridCol>
+                <a:gridCol w="406400">
+                  <a:extLst>
+                    <a:ext uri="{9D8B030D-6E8A-4147-A177-3AD203B41FA5}">
+                      <a16:colId xmlns:a16="http://schemas.microsoft.com/office/drawing/2014/main" val="4196253283"/>
+                    </a:ext>
+                  </a:extLst>
+                </a:gridCol>
+                <a:gridCol w="406400">
+                  <a:extLst>
+                    <a:ext uri="{9D8B030D-6E8A-4147-A177-3AD203B41FA5}">
+                      <a16:colId xmlns:a16="http://schemas.microsoft.com/office/drawing/2014/main" val="342264775"/>
+                    </a:ext>
+                  </a:extLst>
+                </a:gridCol>
+                <a:gridCol w="406400">
+                  <a:extLst>
+                    <a:ext uri="{9D8B030D-6E8A-4147-A177-3AD203B41FA5}">
+                      <a16:colId xmlns:a16="http://schemas.microsoft.com/office/drawing/2014/main" val="28913360"/>
+                    </a:ext>
+                  </a:extLst>
+                </a:gridCol>
+              </a:tblGrid>
+              <a:tr h="370840">
+                <a:tc>
+                  <a:txBody>
+                    <a:bodyPr/>
+                    <a:lstStyle/>
+                    <a:p>
+                      <a:pPr algn="ctr"/>
+                      <a:r>
+                        <a:rPr lang="en-US" altLang="zh-CN" sz="2000" b="0" dirty="0">
+                          <a:latin typeface="Times New Roman" panose="02020603050405020304" pitchFamily="18" charset="0"/>
+                          <a:cs typeface="Times New Roman" panose="02020603050405020304" pitchFamily="18" charset="0"/>
+                        </a:rPr>
+                        <a:t>f</a:t>
+                      </a:r>
+                      <a:endParaRPr lang="zh-CN" altLang="en-US" sz="2000" b="0" dirty="0">
+                        <a:latin typeface="Times New Roman" panose="02020603050405020304" pitchFamily="18" charset="0"/>
+                        <a:cs typeface="Times New Roman" panose="02020603050405020304" pitchFamily="18" charset="0"/>
+                      </a:endParaRPr>
+                    </a:p>
+                  </a:txBody>
+                  <a:tcPr>
+                    <a:solidFill>
+                      <a:schemeClr val="accent6">
+                        <a:lumMod val="20000"/>
+                        <a:lumOff val="80000"/>
+                      </a:schemeClr>
+                    </a:solidFill>
+                  </a:tcPr>
+                </a:tc>
+                <a:tc>
+                  <a:txBody>
+                    <a:bodyPr/>
+                    <a:lstStyle/>
+                    <a:p>
+                      <a:pPr algn="ctr"/>
+                      <a:r>
+                        <a:rPr lang="en-US" altLang="zh-CN" sz="2000" b="0" dirty="0">
+                          <a:latin typeface="Times New Roman" panose="02020603050405020304" pitchFamily="18" charset="0"/>
+                          <a:cs typeface="Times New Roman" panose="02020603050405020304" pitchFamily="18" charset="0"/>
+                        </a:rPr>
+                        <a:t>u</a:t>
+                      </a:r>
+                      <a:endParaRPr lang="zh-CN" altLang="en-US" sz="2000" b="0" dirty="0">
+                        <a:latin typeface="Times New Roman" panose="02020603050405020304" pitchFamily="18" charset="0"/>
+                        <a:cs typeface="Times New Roman" panose="02020603050405020304" pitchFamily="18" charset="0"/>
+                      </a:endParaRPr>
+                    </a:p>
+                  </a:txBody>
+                  <a:tcPr>
+                    <a:solidFill>
+                      <a:schemeClr val="accent6">
+                        <a:lumMod val="20000"/>
+                        <a:lumOff val="80000"/>
+                      </a:schemeClr>
+                    </a:solidFill>
+                  </a:tcPr>
+                </a:tc>
+                <a:tc>
+                  <a:txBody>
+                    <a:bodyPr/>
+                    <a:lstStyle/>
+                    <a:p>
+                      <a:pPr algn="ctr"/>
+                      <a:r>
+                        <a:rPr lang="en-US" altLang="zh-CN" sz="2000" b="0" dirty="0">
+                          <a:latin typeface="Times New Roman" panose="02020603050405020304" pitchFamily="18" charset="0"/>
+                          <a:cs typeface="Times New Roman" panose="02020603050405020304" pitchFamily="18" charset="0"/>
+                        </a:rPr>
+                        <a:t>n</a:t>
+                      </a:r>
+                      <a:endParaRPr lang="zh-CN" altLang="en-US" sz="2000" b="0" dirty="0">
+                        <a:latin typeface="Times New Roman" panose="02020603050405020304" pitchFamily="18" charset="0"/>
+                        <a:cs typeface="Times New Roman" panose="02020603050405020304" pitchFamily="18" charset="0"/>
+                      </a:endParaRPr>
+                    </a:p>
+                  </a:txBody>
+                  <a:tcPr>
+                    <a:solidFill>
+                      <a:schemeClr val="accent6">
+                        <a:lumMod val="20000"/>
+                        <a:lumOff val="80000"/>
+                      </a:schemeClr>
+                    </a:solidFill>
+                  </a:tcPr>
+                </a:tc>
+                <a:tc>
+                  <a:txBody>
+                    <a:bodyPr/>
+                    <a:lstStyle/>
+                    <a:p>
+                      <a:pPr algn="ctr"/>
+                      <a:endParaRPr lang="zh-CN" altLang="en-US" sz="2000" b="0" dirty="0">
+                        <a:latin typeface="Times New Roman" panose="02020603050405020304" pitchFamily="18" charset="0"/>
+                        <a:cs typeface="Times New Roman" panose="02020603050405020304" pitchFamily="18" charset="0"/>
+                      </a:endParaRPr>
+                    </a:p>
+                  </a:txBody>
+                  <a:tcPr>
+                    <a:solidFill>
+                      <a:schemeClr val="accent6">
+                        <a:lumMod val="20000"/>
+                        <a:lumOff val="80000"/>
+                      </a:schemeClr>
+                    </a:solidFill>
+                  </a:tcPr>
+                </a:tc>
+                <a:tc>
+                  <a:txBody>
+                    <a:bodyPr/>
+                    <a:lstStyle/>
+                    <a:p>
+                      <a:pPr algn="ctr"/>
+                      <a:r>
+                        <a:rPr lang="en-US" altLang="zh-CN" sz="2000" b="0" dirty="0" err="1">
+                          <a:latin typeface="Times New Roman" panose="02020603050405020304" pitchFamily="18" charset="0"/>
+                          <a:cs typeface="Times New Roman" panose="02020603050405020304" pitchFamily="18" charset="0"/>
+                        </a:rPr>
+                        <a:t>i</a:t>
+                      </a:r>
+                      <a:endParaRPr lang="zh-CN" altLang="en-US" sz="2000" b="0" dirty="0">
+                        <a:latin typeface="Times New Roman" panose="02020603050405020304" pitchFamily="18" charset="0"/>
+                        <a:cs typeface="Times New Roman" panose="02020603050405020304" pitchFamily="18" charset="0"/>
+                      </a:endParaRPr>
+                    </a:p>
+                  </a:txBody>
+                  <a:tcPr>
+                    <a:solidFill>
+                      <a:schemeClr val="accent6">
+                        <a:lumMod val="20000"/>
+                        <a:lumOff val="80000"/>
+                      </a:schemeClr>
+                    </a:solidFill>
+                  </a:tcPr>
+                </a:tc>
+                <a:tc>
+                  <a:txBody>
+                    <a:bodyPr/>
+                    <a:lstStyle/>
+                    <a:p>
+                      <a:pPr algn="ctr"/>
+                      <a:r>
+                        <a:rPr lang="en-US" altLang="zh-CN" sz="2000" b="0" dirty="0">
+                          <a:latin typeface="Times New Roman" panose="02020603050405020304" pitchFamily="18" charset="0"/>
+                          <a:cs typeface="Times New Roman" panose="02020603050405020304" pitchFamily="18" charset="0"/>
+                        </a:rPr>
+                        <a:t>s</a:t>
+                      </a:r>
+                      <a:endParaRPr lang="zh-CN" altLang="en-US" sz="2000" b="0" dirty="0">
+                        <a:latin typeface="Times New Roman" panose="02020603050405020304" pitchFamily="18" charset="0"/>
+                        <a:cs typeface="Times New Roman" panose="02020603050405020304" pitchFamily="18" charset="0"/>
+                      </a:endParaRPr>
+                    </a:p>
+                  </a:txBody>
+                  <a:tcPr>
+                    <a:solidFill>
+                      <a:schemeClr val="accent6">
+                        <a:lumMod val="20000"/>
+                        <a:lumOff val="80000"/>
+                      </a:schemeClr>
+                    </a:solidFill>
+                  </a:tcPr>
+                </a:tc>
+                <a:tc>
+                  <a:txBody>
+                    <a:bodyPr/>
+                    <a:lstStyle/>
+                    <a:p>
+                      <a:pPr algn="ctr"/>
+                      <a:endParaRPr lang="zh-CN" altLang="en-US" sz="2000" b="0" dirty="0">
+                        <a:latin typeface="Times New Roman" panose="02020603050405020304" pitchFamily="18" charset="0"/>
+                        <a:cs typeface="Times New Roman" panose="02020603050405020304" pitchFamily="18" charset="0"/>
+                      </a:endParaRPr>
+                    </a:p>
+                  </a:txBody>
+                  <a:tcPr>
+                    <a:solidFill>
+                      <a:schemeClr val="accent6">
+                        <a:lumMod val="20000"/>
+                        <a:lumOff val="80000"/>
+                      </a:schemeClr>
+                    </a:solidFill>
+                  </a:tcPr>
+                </a:tc>
+                <a:tc>
+                  <a:txBody>
+                    <a:bodyPr/>
+                    <a:lstStyle/>
+                    <a:p>
+                      <a:pPr algn="ctr"/>
+                      <a:r>
+                        <a:rPr lang="en-US" altLang="zh-CN" sz="2000" b="0" dirty="0">
+                          <a:latin typeface="Times New Roman" panose="02020603050405020304" pitchFamily="18" charset="0"/>
+                          <a:cs typeface="Times New Roman" panose="02020603050405020304" pitchFamily="18" charset="0"/>
+                        </a:rPr>
+                        <a:t>c</a:t>
+                      </a:r>
+                      <a:endParaRPr lang="zh-CN" altLang="en-US" sz="2000" b="0" dirty="0">
+                        <a:latin typeface="Times New Roman" panose="02020603050405020304" pitchFamily="18" charset="0"/>
+                        <a:cs typeface="Times New Roman" panose="02020603050405020304" pitchFamily="18" charset="0"/>
+                      </a:endParaRPr>
+                    </a:p>
+                  </a:txBody>
+                  <a:tcPr>
+                    <a:solidFill>
+                      <a:schemeClr val="accent6">
+                        <a:lumMod val="20000"/>
+                        <a:lumOff val="80000"/>
+                      </a:schemeClr>
+                    </a:solidFill>
+                  </a:tcPr>
+                </a:tc>
+                <a:tc>
+                  <a:txBody>
+                    <a:bodyPr/>
+                    <a:lstStyle/>
+                    <a:p>
+                      <a:pPr algn="ctr"/>
+                      <a:r>
+                        <a:rPr lang="en-US" altLang="zh-CN" sz="2000" b="0" dirty="0">
+                          <a:latin typeface="Times New Roman" panose="02020603050405020304" pitchFamily="18" charset="0"/>
+                          <a:cs typeface="Times New Roman" panose="02020603050405020304" pitchFamily="18" charset="0"/>
+                        </a:rPr>
+                        <a:t>o</a:t>
+                      </a:r>
+                      <a:endParaRPr lang="zh-CN" altLang="en-US" sz="2000" b="0" dirty="0">
+                        <a:latin typeface="Times New Roman" panose="02020603050405020304" pitchFamily="18" charset="0"/>
+                        <a:cs typeface="Times New Roman" panose="02020603050405020304" pitchFamily="18" charset="0"/>
+                      </a:endParaRPr>
+                    </a:p>
+                  </a:txBody>
+                  <a:tcPr>
+                    <a:solidFill>
+                      <a:schemeClr val="accent6">
+                        <a:lumMod val="20000"/>
+                        <a:lumOff val="80000"/>
+                      </a:schemeClr>
+                    </a:solidFill>
+                  </a:tcPr>
+                </a:tc>
+                <a:tc>
+                  <a:txBody>
+                    <a:bodyPr/>
+                    <a:lstStyle/>
+                    <a:p>
+                      <a:pPr algn="ctr"/>
+                      <a:r>
+                        <a:rPr lang="en-US" altLang="zh-CN" sz="2000" b="0" dirty="0">
+                          <a:latin typeface="Times New Roman" panose="02020603050405020304" pitchFamily="18" charset="0"/>
+                          <a:cs typeface="Times New Roman" panose="02020603050405020304" pitchFamily="18" charset="0"/>
+                        </a:rPr>
+                        <a:t>d</a:t>
+                      </a:r>
+                      <a:endParaRPr lang="zh-CN" altLang="en-US" sz="2000" b="0" dirty="0">
+                        <a:latin typeface="Times New Roman" panose="02020603050405020304" pitchFamily="18" charset="0"/>
+                        <a:cs typeface="Times New Roman" panose="02020603050405020304" pitchFamily="18" charset="0"/>
+                      </a:endParaRPr>
+                    </a:p>
+                  </a:txBody>
+                  <a:tcPr>
+                    <a:solidFill>
+                      <a:schemeClr val="accent6">
+                        <a:lumMod val="20000"/>
+                        <a:lumOff val="80000"/>
+                      </a:schemeClr>
+                    </a:solidFill>
+                  </a:tcPr>
+                </a:tc>
+                <a:tc>
+                  <a:txBody>
+                    <a:bodyPr/>
+                    <a:lstStyle/>
+                    <a:p>
+                      <a:pPr algn="ctr"/>
+                      <a:r>
+                        <a:rPr lang="en-US" altLang="zh-CN" sz="2000" b="0" dirty="0">
+                          <a:latin typeface="Times New Roman" panose="02020603050405020304" pitchFamily="18" charset="0"/>
+                          <a:cs typeface="Times New Roman" panose="02020603050405020304" pitchFamily="18" charset="0"/>
+                        </a:rPr>
+                        <a:t>e</a:t>
+                      </a:r>
+                      <a:endParaRPr lang="zh-CN" altLang="en-US" sz="2000" b="0" dirty="0">
+                        <a:latin typeface="Times New Roman" panose="02020603050405020304" pitchFamily="18" charset="0"/>
+                        <a:cs typeface="Times New Roman" panose="02020603050405020304" pitchFamily="18" charset="0"/>
+                      </a:endParaRPr>
+                    </a:p>
+                  </a:txBody>
+                  <a:tcPr>
+                    <a:lnR w="12700" cap="flat" cmpd="sng" algn="ctr">
+                      <a:solidFill>
+                        <a:schemeClr val="tx1"/>
+                      </a:solidFill>
+                      <a:prstDash val="solid"/>
+                      <a:round/>
+                      <a:headEnd type="none" w="med" len="med"/>
+                      <a:tailEnd type="none" w="med" len="med"/>
+                    </a:lnR>
+                    <a:solidFill>
+                      <a:schemeClr val="accent6">
+                        <a:lumMod val="20000"/>
+                        <a:lumOff val="80000"/>
+                      </a:schemeClr>
+                    </a:solidFill>
+                  </a:tcPr>
+                </a:tc>
+                <a:tc>
+                  <a:txBody>
+                    <a:bodyPr/>
+                    <a:lstStyle/>
+                    <a:p>
+                      <a:pPr algn="ctr"/>
+                      <a:endParaRPr lang="zh-CN" altLang="en-US" sz="2000" b="0" dirty="0">
+                        <a:latin typeface="Times New Roman" panose="02020603050405020304" pitchFamily="18" charset="0"/>
+                        <a:cs typeface="Times New Roman" panose="02020603050405020304" pitchFamily="18" charset="0"/>
+                      </a:endParaRPr>
+                    </a:p>
+                  </a:txBody>
+                  <a:tcPr>
+                    <a:lnL w="12700" cap="flat" cmpd="sng" algn="ctr">
+                      <a:solidFill>
+                        <a:schemeClr val="tx1"/>
+                      </a:solidFill>
+                      <a:prstDash val="solid"/>
+                      <a:round/>
+                      <a:headEnd type="none" w="med" len="med"/>
+                      <a:tailEnd type="none" w="med" len="med"/>
+                    </a:lnL>
+                    <a:lnR w="12700" cap="flat" cmpd="sng" algn="ctr">
+                      <a:solidFill>
+                        <a:schemeClr val="tx1"/>
+                      </a:solidFill>
+                      <a:prstDash val="dot"/>
+                      <a:round/>
+                      <a:headEnd type="none" w="med" len="med"/>
+                      <a:tailEnd type="none" w="med" len="med"/>
+                    </a:lnR>
+                    <a:lnT w="12700" cap="flat" cmpd="sng" algn="ctr">
+                      <a:solidFill>
+                        <a:schemeClr val="tx1"/>
+                      </a:solidFill>
+                      <a:prstDash val="dot"/>
+                      <a:round/>
+                      <a:headEnd type="none" w="med" len="med"/>
+                      <a:tailEnd type="none" w="med" len="med"/>
+                    </a:lnT>
+                    <a:lnB w="12700" cap="flat" cmpd="sng" algn="ctr">
+                      <a:solidFill>
+                        <a:schemeClr val="tx1"/>
+                      </a:solidFill>
+                      <a:prstDash val="dot"/>
+                      <a:round/>
+                      <a:headEnd type="none" w="med" len="med"/>
+                      <a:tailEnd type="none" w="med" len="med"/>
+                    </a:lnB>
+                  </a:tcPr>
+                </a:tc>
+                <a:tc>
+                  <a:txBody>
+                    <a:bodyPr/>
+                    <a:lstStyle/>
+                    <a:p>
+                      <a:pPr algn="ctr"/>
+                      <a:endParaRPr lang="zh-CN" altLang="en-US" sz="2000" b="0" dirty="0">
+                        <a:latin typeface="Times New Roman" panose="02020603050405020304" pitchFamily="18" charset="0"/>
+                        <a:cs typeface="Times New Roman" panose="02020603050405020304" pitchFamily="18" charset="0"/>
+                      </a:endParaRPr>
+                    </a:p>
+                  </a:txBody>
+                  <a:tcPr>
+                    <a:lnL w="12700" cap="flat" cmpd="sng" algn="ctr">
+                      <a:solidFill>
+                        <a:schemeClr val="tx1"/>
+                      </a:solidFill>
+                      <a:prstDash val="dot"/>
+                      <a:round/>
+                      <a:headEnd type="none" w="med" len="med"/>
+                      <a:tailEnd type="none" w="med" len="med"/>
+                    </a:lnL>
+                    <a:lnR w="12700" cap="flat" cmpd="sng" algn="ctr">
+                      <a:solidFill>
+                        <a:schemeClr val="tx1"/>
+                      </a:solidFill>
+                      <a:prstDash val="dot"/>
+                      <a:round/>
+                      <a:headEnd type="none" w="med" len="med"/>
+                      <a:tailEnd type="none" w="med" len="med"/>
+                    </a:lnR>
+                    <a:lnT w="12700" cap="flat" cmpd="sng" algn="ctr">
+                      <a:solidFill>
+                        <a:schemeClr val="tx1"/>
+                      </a:solidFill>
+                      <a:prstDash val="dot"/>
+                      <a:round/>
+                      <a:headEnd type="none" w="med" len="med"/>
+                      <a:tailEnd type="none" w="med" len="med"/>
+                    </a:lnT>
+                    <a:lnB w="12700" cap="flat" cmpd="sng" algn="ctr">
+                      <a:solidFill>
+                        <a:schemeClr val="tx1"/>
+                      </a:solidFill>
+                      <a:prstDash val="dot"/>
+                      <a:round/>
+                      <a:headEnd type="none" w="med" len="med"/>
+                      <a:tailEnd type="none" w="med" len="med"/>
+                    </a:lnB>
+                  </a:tcPr>
+                </a:tc>
+                <a:tc>
+                  <a:txBody>
+                    <a:bodyPr/>
+                    <a:lstStyle/>
+                    <a:p>
+                      <a:pPr algn="ctr"/>
+                      <a:endParaRPr lang="zh-CN" altLang="en-US" sz="2000" b="0" dirty="0">
+                        <a:latin typeface="Times New Roman" panose="02020603050405020304" pitchFamily="18" charset="0"/>
+                        <a:cs typeface="Times New Roman" panose="02020603050405020304" pitchFamily="18" charset="0"/>
+                      </a:endParaRPr>
+                    </a:p>
+                  </a:txBody>
+                  <a:tcPr>
+                    <a:lnL w="12700" cap="flat" cmpd="sng" algn="ctr">
+                      <a:solidFill>
+                        <a:schemeClr val="tx1"/>
+                      </a:solidFill>
+                      <a:prstDash val="dot"/>
+                      <a:round/>
+                      <a:headEnd type="none" w="med" len="med"/>
+                      <a:tailEnd type="none" w="med" len="med"/>
+                    </a:lnL>
+                    <a:lnR w="12700" cap="flat" cmpd="sng" algn="ctr">
+                      <a:solidFill>
+                        <a:schemeClr val="tx1"/>
+                      </a:solidFill>
+                      <a:prstDash val="dot"/>
+                      <a:round/>
+                      <a:headEnd type="none" w="med" len="med"/>
+                      <a:tailEnd type="none" w="med" len="med"/>
+                    </a:lnR>
+                    <a:lnT w="12700" cap="flat" cmpd="sng" algn="ctr">
+                      <a:solidFill>
+                        <a:schemeClr val="tx1"/>
+                      </a:solidFill>
+                      <a:prstDash val="dot"/>
+                      <a:round/>
+                      <a:headEnd type="none" w="med" len="med"/>
+                      <a:tailEnd type="none" w="med" len="med"/>
+                    </a:lnT>
+                    <a:lnB w="12700" cap="flat" cmpd="sng" algn="ctr">
+                      <a:solidFill>
+                        <a:schemeClr val="tx1"/>
+                      </a:solidFill>
+                      <a:prstDash val="dot"/>
+                      <a:round/>
+                      <a:headEnd type="none" w="med" len="med"/>
+                      <a:tailEnd type="none" w="med" len="med"/>
+                    </a:lnB>
+                  </a:tcPr>
+                </a:tc>
+                <a:extLst>
+                  <a:ext uri="{0D108BD9-81ED-4DB2-BD59-A6C34878D82A}">
+                    <a16:rowId xmlns:a16="http://schemas.microsoft.com/office/drawing/2014/main" val="3732229575"/>
+                  </a:ext>
+                </a:extLst>
+              </a:tr>
+            </a:tbl>
+          </a:graphicData>
+        </a:graphic>
+      </p:graphicFrame>
+      <p:grpSp>
+        <p:nvGrpSpPr>
+          <p:cNvPr id="133" name="组合 132">
+            <a:extLst>
+              <a:ext uri="{FF2B5EF4-FFF2-40B4-BE49-F238E27FC236}">
+                <a16:creationId xmlns:a16="http://schemas.microsoft.com/office/drawing/2014/main" id="{B9A6CB54-7075-43D0-984C-76E30E34DB9C}"/>
+              </a:ext>
+            </a:extLst>
+          </p:cNvPr>
+          <p:cNvGrpSpPr/>
+          <p:nvPr/>
+        </p:nvGrpSpPr>
+        <p:grpSpPr>
+          <a:xfrm>
+            <a:off x="6885304" y="18655372"/>
+            <a:ext cx="677333" cy="610880"/>
+            <a:chOff x="4732865" y="3593626"/>
+            <a:chExt cx="677333" cy="610880"/>
+          </a:xfrm>
+        </p:grpSpPr>
+        <p:cxnSp>
+          <p:nvCxnSpPr>
+            <p:cNvPr id="134" name="直接箭头连接符 133">
+              <a:extLst>
+                <a:ext uri="{FF2B5EF4-FFF2-40B4-BE49-F238E27FC236}">
+                  <a16:creationId xmlns:a16="http://schemas.microsoft.com/office/drawing/2014/main" id="{606D0F3B-20D5-4AC1-8294-EA2D59168008}"/>
+                </a:ext>
+              </a:extLst>
+            </p:cNvPr>
+            <p:cNvCxnSpPr>
+              <a:cxnSpLocks/>
+            </p:cNvCxnSpPr>
+            <p:nvPr/>
+          </p:nvCxnSpPr>
+          <p:spPr>
+            <a:xfrm flipV="1">
+              <a:off x="5071532" y="3593626"/>
+              <a:ext cx="0" cy="305375"/>
+            </a:xfrm>
+            <a:prstGeom prst="straightConnector1">
+              <a:avLst/>
+            </a:prstGeom>
+            <a:ln w="19050">
+              <a:tailEnd type="triangle"/>
+            </a:ln>
+          </p:spPr>
+          <p:style>
+            <a:lnRef idx="1">
+              <a:schemeClr val="dk1"/>
+            </a:lnRef>
+            <a:fillRef idx="0">
+              <a:schemeClr val="dk1"/>
+            </a:fillRef>
+            <a:effectRef idx="0">
+              <a:schemeClr val="dk1"/>
+            </a:effectRef>
+            <a:fontRef idx="minor">
+              <a:schemeClr val="tx1"/>
+            </a:fontRef>
+          </p:style>
+        </p:cxnSp>
+        <p:sp>
+          <p:nvSpPr>
+            <p:cNvPr id="135" name="文本框 134">
+              <a:extLst>
+                <a:ext uri="{FF2B5EF4-FFF2-40B4-BE49-F238E27FC236}">
+                  <a16:creationId xmlns:a16="http://schemas.microsoft.com/office/drawing/2014/main" id="{3C8EE848-78AE-476C-B9B8-A9908696FFFB}"/>
+                </a:ext>
+              </a:extLst>
+            </p:cNvPr>
+            <p:cNvSpPr txBox="1"/>
+            <p:nvPr/>
+          </p:nvSpPr>
+          <p:spPr>
+            <a:xfrm>
+              <a:off x="4732865" y="3927507"/>
+              <a:ext cx="677333" cy="276999"/>
+            </a:xfrm>
+            <a:prstGeom prst="rect">
+              <a:avLst/>
+            </a:prstGeom>
+            <a:noFill/>
+          </p:spPr>
+          <p:txBody>
+            <a:bodyPr wrap="square" lIns="0" tIns="0" rIns="0" bIns="0" rtlCol="0">
+              <a:spAutoFit/>
+            </a:bodyPr>
+            <a:lstStyle/>
+            <a:p>
+              <a:pPr algn="ctr"/>
+              <a:r>
+                <a:rPr lang="en-US" altLang="zh-CN" dirty="0" err="1">
+                  <a:latin typeface="Times New Roman" panose="02020603050405020304" pitchFamily="18" charset="0"/>
+                  <a:ea typeface="宋体" panose="02010600030101010101" pitchFamily="2" charset="-122"/>
+                </a:rPr>
+                <a:t>idx</a:t>
+              </a:r>
+              <a:endParaRPr lang="zh-CN" altLang="en-US" dirty="0">
+                <a:latin typeface="Times New Roman" panose="02020603050405020304" pitchFamily="18" charset="0"/>
+                <a:ea typeface="宋体" panose="02010600030101010101" pitchFamily="2" charset="-122"/>
+              </a:endParaRPr>
+            </a:p>
+          </p:txBody>
+        </p:sp>
+      </p:grpSp>
+      <p:grpSp>
+        <p:nvGrpSpPr>
+          <p:cNvPr id="136" name="组合 135">
+            <a:extLst>
+              <a:ext uri="{FF2B5EF4-FFF2-40B4-BE49-F238E27FC236}">
+                <a16:creationId xmlns:a16="http://schemas.microsoft.com/office/drawing/2014/main" id="{7410E95B-BC56-4117-B466-D4690768E36F}"/>
+              </a:ext>
+            </a:extLst>
+          </p:cNvPr>
+          <p:cNvGrpSpPr/>
+          <p:nvPr/>
+        </p:nvGrpSpPr>
+        <p:grpSpPr>
+          <a:xfrm>
+            <a:off x="7118567" y="17470474"/>
+            <a:ext cx="1100667" cy="627024"/>
+            <a:chOff x="4521198" y="2503416"/>
+            <a:chExt cx="1100667" cy="627024"/>
+          </a:xfrm>
+        </p:grpSpPr>
+        <p:sp>
+          <p:nvSpPr>
+            <p:cNvPr id="137" name="文本框 136">
+              <a:extLst>
+                <a:ext uri="{FF2B5EF4-FFF2-40B4-BE49-F238E27FC236}">
+                  <a16:creationId xmlns:a16="http://schemas.microsoft.com/office/drawing/2014/main" id="{E9B62EF2-4587-4C6C-9020-AC94E0331A1C}"/>
+                </a:ext>
+              </a:extLst>
+            </p:cNvPr>
+            <p:cNvSpPr txBox="1"/>
+            <p:nvPr/>
+          </p:nvSpPr>
+          <p:spPr>
+            <a:xfrm>
+              <a:off x="4521198" y="2503416"/>
+              <a:ext cx="1100667" cy="276999"/>
+            </a:xfrm>
+            <a:prstGeom prst="rect">
+              <a:avLst/>
+            </a:prstGeom>
+            <a:noFill/>
+          </p:spPr>
+          <p:txBody>
+            <a:bodyPr wrap="square" lIns="0" tIns="0" rIns="0" bIns="0" rtlCol="0">
+              <a:spAutoFit/>
+            </a:bodyPr>
+            <a:lstStyle/>
+            <a:p>
+              <a:pPr algn="ctr"/>
+              <a:r>
+                <a:rPr lang="en-US" altLang="zh-CN" dirty="0">
+                  <a:latin typeface="Times New Roman" panose="02020603050405020304" pitchFamily="18" charset="0"/>
+                  <a:ea typeface="宋体" panose="02010600030101010101" pitchFamily="2" charset="-122"/>
+                </a:rPr>
+                <a:t>end</a:t>
+              </a:r>
+              <a:endParaRPr lang="zh-CN" altLang="en-US" dirty="0">
+                <a:latin typeface="Times New Roman" panose="02020603050405020304" pitchFamily="18" charset="0"/>
+                <a:ea typeface="宋体" panose="02010600030101010101" pitchFamily="2" charset="-122"/>
+              </a:endParaRPr>
+            </a:p>
+          </p:txBody>
+        </p:sp>
+        <p:cxnSp>
+          <p:nvCxnSpPr>
+            <p:cNvPr id="138" name="直接箭头连接符 137">
+              <a:extLst>
+                <a:ext uri="{FF2B5EF4-FFF2-40B4-BE49-F238E27FC236}">
+                  <a16:creationId xmlns:a16="http://schemas.microsoft.com/office/drawing/2014/main" id="{3A792B50-E85D-4FB1-B42E-325BA6C636CF}"/>
+                </a:ext>
+              </a:extLst>
+            </p:cNvPr>
+            <p:cNvCxnSpPr>
+              <a:cxnSpLocks/>
+            </p:cNvCxnSpPr>
+            <p:nvPr/>
+          </p:nvCxnSpPr>
+          <p:spPr>
+            <a:xfrm rot="10800000" flipV="1">
+              <a:off x="5071533" y="2825065"/>
+              <a:ext cx="0" cy="305375"/>
+            </a:xfrm>
+            <a:prstGeom prst="straightConnector1">
+              <a:avLst/>
+            </a:prstGeom>
+            <a:ln w="19050">
+              <a:tailEnd type="triangle"/>
+            </a:ln>
+          </p:spPr>
+          <p:style>
+            <a:lnRef idx="1">
+              <a:schemeClr val="dk1"/>
+            </a:lnRef>
+            <a:fillRef idx="0">
+              <a:schemeClr val="dk1"/>
+            </a:fillRef>
+            <a:effectRef idx="0">
+              <a:schemeClr val="dk1"/>
+            </a:effectRef>
+            <a:fontRef idx="minor">
+              <a:schemeClr val="tx1"/>
+            </a:fontRef>
+          </p:style>
+        </p:cxnSp>
+      </p:grpSp>
+      <p:sp>
+        <p:nvSpPr>
+          <p:cNvPr id="139" name="文本框 138">
+            <a:extLst>
+              <a:ext uri="{FF2B5EF4-FFF2-40B4-BE49-F238E27FC236}">
+                <a16:creationId xmlns:a16="http://schemas.microsoft.com/office/drawing/2014/main" id="{E94CB21F-A710-4CDB-9CBA-B8B94C4330B8}"/>
+              </a:ext>
+            </a:extLst>
+          </p:cNvPr>
+          <p:cNvSpPr txBox="1"/>
+          <p:nvPr/>
+        </p:nvSpPr>
+        <p:spPr>
+          <a:xfrm>
+            <a:off x="1545168" y="18206612"/>
+            <a:ext cx="698502" cy="369332"/>
+          </a:xfrm>
+          <a:prstGeom prst="rect">
+            <a:avLst/>
+          </a:prstGeom>
+          <a:noFill/>
+        </p:spPr>
+        <p:txBody>
+          <a:bodyPr wrap="square" rtlCol="0">
+            <a:spAutoFit/>
+          </a:bodyPr>
+          <a:lstStyle/>
+          <a:p>
+            <a:pPr algn="ctr"/>
+            <a:r>
+              <a:rPr lang="zh-CN" altLang="en-US" dirty="0">
+                <a:latin typeface="Times New Roman" panose="02020603050405020304" pitchFamily="18" charset="0"/>
+                <a:ea typeface="宋体" panose="02010600030101010101" pitchFamily="2" charset="-122"/>
+              </a:rPr>
+              <a:t>⑩</a:t>
+            </a:r>
+          </a:p>
+        </p:txBody>
+      </p:sp>
+      <p:cxnSp>
+        <p:nvCxnSpPr>
+          <p:cNvPr id="140" name="直接连接符 139">
+            <a:extLst>
+              <a:ext uri="{FF2B5EF4-FFF2-40B4-BE49-F238E27FC236}">
+                <a16:creationId xmlns:a16="http://schemas.microsoft.com/office/drawing/2014/main" id="{DAC019F2-CE42-4086-B3AE-CC22A42F9900}"/>
+              </a:ext>
+            </a:extLst>
+          </p:cNvPr>
+          <p:cNvCxnSpPr/>
+          <p:nvPr/>
+        </p:nvCxnSpPr>
+        <p:spPr>
+          <a:xfrm>
+            <a:off x="1443568" y="17397360"/>
+            <a:ext cx="7984066" cy="0"/>
+          </a:xfrm>
+          <a:prstGeom prst="line">
+            <a:avLst/>
+          </a:prstGeom>
+          <a:ln w="12700">
+            <a:prstDash val="dash"/>
+            <a:tailEnd type="none"/>
+          </a:ln>
+        </p:spPr>
+        <p:style>
+          <a:lnRef idx="1">
+            <a:schemeClr val="dk1"/>
+          </a:lnRef>
+          <a:fillRef idx="0">
+            <a:schemeClr val="dk1"/>
+          </a:fillRef>
+          <a:effectRef idx="0">
+            <a:schemeClr val="dk1"/>
+          </a:effectRef>
+          <a:fontRef idx="minor">
+            <a:schemeClr val="tx1"/>
+          </a:fontRef>
+        </p:style>
+      </p:cxnSp>
+    </p:spTree>
+    <p:extLst>
+      <p:ext uri="{BB962C8B-B14F-4D97-AF65-F5344CB8AC3E}">
+        <p14:creationId xmlns:p14="http://schemas.microsoft.com/office/powerpoint/2010/main" val="2803449953"/>
+      </p:ext>
+    </p:extLst>
+  </p:cSld>
+  <p:clrMapOvr>
+    <a:masterClrMapping/>
+  </p:clrMapOvr>
+</p:sld>
+</file>
+
 <file path=ppt/theme/theme1.xml><?xml version="1.0" encoding="utf-8"?>
 <a:theme xmlns:a="http://schemas.openxmlformats.org/drawingml/2006/main" name="Office 主题​​">
   <a:themeElements>
@@ -22266,6 +30674,29 @@
         </a:fontRef>
       </a:style>
     </a:spDef>
+    <a:lnDef>
+      <a:spPr>
+        <a:ln w="19050">
+          <a:tailEnd type="triangle"/>
+        </a:ln>
+      </a:spPr>
+      <a:bodyPr/>
+      <a:lstStyle/>
+      <a:style>
+        <a:lnRef idx="1">
+          <a:schemeClr val="dk1"/>
+        </a:lnRef>
+        <a:fillRef idx="0">
+          <a:schemeClr val="dk1"/>
+        </a:fillRef>
+        <a:effectRef idx="0">
+          <a:schemeClr val="dk1"/>
+        </a:effectRef>
+        <a:fontRef idx="minor">
+          <a:schemeClr val="tx1"/>
+        </a:fontRef>
+      </a:style>
+    </a:lnDef>
     <a:txDef>
       <a:spPr>
         <a:noFill/>

--- a/高频代码题解示意图.pptx
+++ b/高频代码题解示意图.pptx
@@ -5,7 +5,7 @@
     <p:sldMasterId id="2147483648" r:id="rId1"/>
   </p:sldMasterIdLst>
   <p:notesMasterIdLst>
-    <p:notesMasterId r:id="rId8"/>
+    <p:notesMasterId r:id="rId9"/>
   </p:notesMasterIdLst>
   <p:sldIdLst>
     <p:sldId id="256" r:id="rId2"/>
@@ -14,6 +14,7 @@
     <p:sldId id="259" r:id="rId5"/>
     <p:sldId id="262" r:id="rId6"/>
     <p:sldId id="263" r:id="rId7"/>
+    <p:sldId id="264" r:id="rId8"/>
   </p:sldIdLst>
   <p:sldSz cx="12192000" cy="6858000"/>
   <p:notesSz cx="6858000" cy="9144000"/>
@@ -202,7 +203,7 @@
           <a:p>
             <a:fld id="{2C9F9DDE-F0A1-491D-8D69-0A4918BBC240}" type="datetimeFigureOut">
               <a:rPr lang="zh-CN" altLang="en-US" smtClean="0"/>
-              <a:t>2021/2/22</a:t>
+              <a:t>2021/2/23</a:t>
             </a:fld>
             <a:endParaRPr lang="zh-CN" altLang="en-US"/>
           </a:p>
@@ -1011,15 +1012,6 @@
               <a:rPr lang="zh-CN" altLang="en-US" dirty="0"/>
               <a:t>翻转单词顺序</a:t>
             </a:r>
-            <a:r>
-              <a:rPr lang="en-US" altLang="zh-CN" dirty="0"/>
-              <a:t>.</a:t>
-            </a:r>
-            <a:r>
-              <a:rPr lang="en-US" altLang="zh-CN" dirty="0" err="1"/>
-              <a:t>cpp</a:t>
-            </a:r>
-            <a:endParaRPr lang="zh-CN" altLang="en-US" dirty="0"/>
           </a:p>
         </p:txBody>
       </p:sp>
@@ -1050,6 +1042,97 @@
     <p:extLst>
       <p:ext uri="{BB962C8B-B14F-4D97-AF65-F5344CB8AC3E}">
         <p14:creationId xmlns:p14="http://schemas.microsoft.com/office/powerpoint/2010/main" val="2499047169"/>
+      </p:ext>
+    </p:extLst>
+  </p:cSld>
+  <p:clrMapOvr>
+    <a:masterClrMapping/>
+  </p:clrMapOvr>
+</p:notes>
+</file>
+
+<file path=ppt/notesSlides/notesSlide7.xml><?xml version="1.0" encoding="utf-8"?>
+<p:notes xmlns:a="http://schemas.openxmlformats.org/drawingml/2006/main" xmlns:r="http://schemas.openxmlformats.org/officeDocument/2006/relationships" xmlns:p="http://schemas.openxmlformats.org/presentationml/2006/main">
+  <p:cSld>
+    <p:spTree>
+      <p:nvGrpSpPr>
+        <p:cNvPr id="1" name=""/>
+        <p:cNvGrpSpPr/>
+        <p:nvPr/>
+      </p:nvGrpSpPr>
+      <p:grpSpPr>
+        <a:xfrm>
+          <a:off x="0" y="0"/>
+          <a:ext cx="0" cy="0"/>
+          <a:chOff x="0" y="0"/>
+          <a:chExt cx="0" cy="0"/>
+        </a:xfrm>
+      </p:grpSpPr>
+      <p:sp>
+        <p:nvSpPr>
+          <p:cNvPr id="2" name="幻灯片图像占位符 1"/>
+          <p:cNvSpPr>
+            <a:spLocks noGrp="1" noRot="1" noChangeAspect="1"/>
+          </p:cNvSpPr>
+          <p:nvPr>
+            <p:ph type="sldImg"/>
+          </p:nvPr>
+        </p:nvSpPr>
+        <p:spPr/>
+      </p:sp>
+      <p:sp>
+        <p:nvSpPr>
+          <p:cNvPr id="3" name="备注占位符 2"/>
+          <p:cNvSpPr>
+            <a:spLocks noGrp="1"/>
+          </p:cNvSpPr>
+          <p:nvPr>
+            <p:ph type="body" idx="1"/>
+          </p:nvPr>
+        </p:nvSpPr>
+        <p:spPr/>
+        <p:txBody>
+          <a:bodyPr/>
+          <a:lstStyle/>
+          <a:p>
+            <a:r>
+              <a:rPr lang="en-US" altLang="zh-CN" dirty="0"/>
+              <a:t>JZ-60 n</a:t>
+            </a:r>
+            <a:r>
+              <a:rPr lang="zh-CN" altLang="en-US" dirty="0"/>
+              <a:t>个骰子的点数</a:t>
+            </a:r>
+          </a:p>
+        </p:txBody>
+      </p:sp>
+      <p:sp>
+        <p:nvSpPr>
+          <p:cNvPr id="4" name="灯片编号占位符 3"/>
+          <p:cNvSpPr>
+            <a:spLocks noGrp="1"/>
+          </p:cNvSpPr>
+          <p:nvPr>
+            <p:ph type="sldNum" sz="quarter" idx="5"/>
+          </p:nvPr>
+        </p:nvSpPr>
+        <p:spPr/>
+        <p:txBody>
+          <a:bodyPr/>
+          <a:lstStyle/>
+          <a:p>
+            <a:fld id="{613CC393-9814-4152-B042-3E5C9AFC6D0B}" type="slidenum">
+              <a:rPr lang="zh-CN" altLang="en-US" smtClean="0"/>
+              <a:t>7</a:t>
+            </a:fld>
+            <a:endParaRPr lang="zh-CN" altLang="en-US"/>
+          </a:p>
+        </p:txBody>
+      </p:sp>
+    </p:spTree>
+    <p:extLst>
+      <p:ext uri="{BB962C8B-B14F-4D97-AF65-F5344CB8AC3E}">
+        <p14:creationId xmlns:p14="http://schemas.microsoft.com/office/powerpoint/2010/main" val="1040071906"/>
       </p:ext>
     </p:extLst>
   </p:cSld>
@@ -1206,7 +1289,7 @@
           <a:p>
             <a:fld id="{BC9E8338-0904-49E6-9B4B-343D8E3BC7C9}" type="datetimeFigureOut">
               <a:rPr lang="zh-CN" altLang="en-US" smtClean="0"/>
-              <a:t>2021/2/22</a:t>
+              <a:t>2021/2/23</a:t>
             </a:fld>
             <a:endParaRPr lang="zh-CN" altLang="en-US"/>
           </a:p>
@@ -1404,7 +1487,7 @@
           <a:p>
             <a:fld id="{BC9E8338-0904-49E6-9B4B-343D8E3BC7C9}" type="datetimeFigureOut">
               <a:rPr lang="zh-CN" altLang="en-US" smtClean="0"/>
-              <a:t>2021/2/22</a:t>
+              <a:t>2021/2/23</a:t>
             </a:fld>
             <a:endParaRPr lang="zh-CN" altLang="en-US"/>
           </a:p>
@@ -1612,7 +1695,7 @@
           <a:p>
             <a:fld id="{BC9E8338-0904-49E6-9B4B-343D8E3BC7C9}" type="datetimeFigureOut">
               <a:rPr lang="zh-CN" altLang="en-US" smtClean="0"/>
-              <a:t>2021/2/22</a:t>
+              <a:t>2021/2/23</a:t>
             </a:fld>
             <a:endParaRPr lang="zh-CN" altLang="en-US"/>
           </a:p>
@@ -1810,7 +1893,7 @@
           <a:p>
             <a:fld id="{BC9E8338-0904-49E6-9B4B-343D8E3BC7C9}" type="datetimeFigureOut">
               <a:rPr lang="zh-CN" altLang="en-US" smtClean="0"/>
-              <a:t>2021/2/22</a:t>
+              <a:t>2021/2/23</a:t>
             </a:fld>
             <a:endParaRPr lang="zh-CN" altLang="en-US"/>
           </a:p>
@@ -2085,7 +2168,7 @@
           <a:p>
             <a:fld id="{BC9E8338-0904-49E6-9B4B-343D8E3BC7C9}" type="datetimeFigureOut">
               <a:rPr lang="zh-CN" altLang="en-US" smtClean="0"/>
-              <a:t>2021/2/22</a:t>
+              <a:t>2021/2/23</a:t>
             </a:fld>
             <a:endParaRPr lang="zh-CN" altLang="en-US"/>
           </a:p>
@@ -2350,7 +2433,7 @@
           <a:p>
             <a:fld id="{BC9E8338-0904-49E6-9B4B-343D8E3BC7C9}" type="datetimeFigureOut">
               <a:rPr lang="zh-CN" altLang="en-US" smtClean="0"/>
-              <a:t>2021/2/22</a:t>
+              <a:t>2021/2/23</a:t>
             </a:fld>
             <a:endParaRPr lang="zh-CN" altLang="en-US"/>
           </a:p>
@@ -2762,7 +2845,7 @@
           <a:p>
             <a:fld id="{BC9E8338-0904-49E6-9B4B-343D8E3BC7C9}" type="datetimeFigureOut">
               <a:rPr lang="zh-CN" altLang="en-US" smtClean="0"/>
-              <a:t>2021/2/22</a:t>
+              <a:t>2021/2/23</a:t>
             </a:fld>
             <a:endParaRPr lang="zh-CN" altLang="en-US"/>
           </a:p>
@@ -2903,7 +2986,7 @@
           <a:p>
             <a:fld id="{BC9E8338-0904-49E6-9B4B-343D8E3BC7C9}" type="datetimeFigureOut">
               <a:rPr lang="zh-CN" altLang="en-US" smtClean="0"/>
-              <a:t>2021/2/22</a:t>
+              <a:t>2021/2/23</a:t>
             </a:fld>
             <a:endParaRPr lang="zh-CN" altLang="en-US"/>
           </a:p>
@@ -3016,7 +3099,7 @@
           <a:p>
             <a:fld id="{BC9E8338-0904-49E6-9B4B-343D8E3BC7C9}" type="datetimeFigureOut">
               <a:rPr lang="zh-CN" altLang="en-US" smtClean="0"/>
-              <a:t>2021/2/22</a:t>
+              <a:t>2021/2/23</a:t>
             </a:fld>
             <a:endParaRPr lang="zh-CN" altLang="en-US"/>
           </a:p>
@@ -3327,7 +3410,7 @@
           <a:p>
             <a:fld id="{BC9E8338-0904-49E6-9B4B-343D8E3BC7C9}" type="datetimeFigureOut">
               <a:rPr lang="zh-CN" altLang="en-US" smtClean="0"/>
-              <a:t>2021/2/22</a:t>
+              <a:t>2021/2/23</a:t>
             </a:fld>
             <a:endParaRPr lang="zh-CN" altLang="en-US"/>
           </a:p>
@@ -3615,7 +3698,7 @@
           <a:p>
             <a:fld id="{BC9E8338-0904-49E6-9B4B-343D8E3BC7C9}" type="datetimeFigureOut">
               <a:rPr lang="zh-CN" altLang="en-US" smtClean="0"/>
-              <a:t>2021/2/22</a:t>
+              <a:t>2021/2/23</a:t>
             </a:fld>
             <a:endParaRPr lang="zh-CN" altLang="en-US"/>
           </a:p>
@@ -3856,7 +3939,7 @@
           <a:p>
             <a:fld id="{BC9E8338-0904-49E6-9B4B-343D8E3BC7C9}" type="datetimeFigureOut">
               <a:rPr lang="zh-CN" altLang="en-US" smtClean="0"/>
-              <a:t>2021/2/22</a:t>
+              <a:t>2021/2/23</a:t>
             </a:fld>
             <a:endParaRPr lang="zh-CN" altLang="en-US"/>
           </a:p>
@@ -30365,6 +30448,1922 @@
 </p:sld>
 </file>
 
+<file path=ppt/slides/slide7.xml><?xml version="1.0" encoding="utf-8"?>
+<p:sld xmlns:a="http://schemas.openxmlformats.org/drawingml/2006/main" xmlns:r="http://schemas.openxmlformats.org/officeDocument/2006/relationships" xmlns:p="http://schemas.openxmlformats.org/presentationml/2006/main">
+  <p:cSld>
+    <p:spTree>
+      <p:nvGrpSpPr>
+        <p:cNvPr id="1" name=""/>
+        <p:cNvGrpSpPr/>
+        <p:nvPr/>
+      </p:nvGrpSpPr>
+      <p:grpSpPr>
+        <a:xfrm>
+          <a:off x="0" y="0"/>
+          <a:ext cx="0" cy="0"/>
+          <a:chOff x="0" y="0"/>
+          <a:chExt cx="0" cy="0"/>
+        </a:xfrm>
+      </p:grpSpPr>
+      <p:graphicFrame>
+        <p:nvGraphicFramePr>
+          <p:cNvPr id="4" name="表格 4">
+            <a:extLst>
+              <a:ext uri="{FF2B5EF4-FFF2-40B4-BE49-F238E27FC236}">
+                <a16:creationId xmlns:a16="http://schemas.microsoft.com/office/drawing/2014/main" id="{DC39D3C4-8429-40BA-B361-D4D725BFE3CC}"/>
+              </a:ext>
+            </a:extLst>
+          </p:cNvPr>
+          <p:cNvGraphicFramePr>
+            <a:graphicFrameLocks noGrp="1"/>
+          </p:cNvGraphicFramePr>
+          <p:nvPr>
+            <p:extLst>
+              <p:ext uri="{D42A27DB-BD31-4B8C-83A1-F6EECF244321}">
+                <p14:modId xmlns:p14="http://schemas.microsoft.com/office/powerpoint/2010/main" val="2123175303"/>
+              </p:ext>
+            </p:extLst>
+          </p:nvPr>
+        </p:nvGraphicFramePr>
+        <p:xfrm>
+          <a:off x="955494" y="1212825"/>
+          <a:ext cx="9472780" cy="2478050"/>
+        </p:xfrm>
+        <a:graphic>
+          <a:graphicData uri="http://schemas.openxmlformats.org/drawingml/2006/table">
+            <a:tbl>
+              <a:tblPr firstRow="1" bandRow="1">
+                <a:tableStyleId>{5940675A-B579-460E-94D1-54222C63F5DA}</a:tableStyleId>
+              </a:tblPr>
+              <a:tblGrid>
+                <a:gridCol w="473639">
+                  <a:extLst>
+                    <a:ext uri="{9D8B030D-6E8A-4147-A177-3AD203B41FA5}">
+                      <a16:colId xmlns:a16="http://schemas.microsoft.com/office/drawing/2014/main" val="1875877966"/>
+                    </a:ext>
+                  </a:extLst>
+                </a:gridCol>
+                <a:gridCol w="473639">
+                  <a:extLst>
+                    <a:ext uri="{9D8B030D-6E8A-4147-A177-3AD203B41FA5}">
+                      <a16:colId xmlns:a16="http://schemas.microsoft.com/office/drawing/2014/main" val="2763931087"/>
+                    </a:ext>
+                  </a:extLst>
+                </a:gridCol>
+                <a:gridCol w="473639">
+                  <a:extLst>
+                    <a:ext uri="{9D8B030D-6E8A-4147-A177-3AD203B41FA5}">
+                      <a16:colId xmlns:a16="http://schemas.microsoft.com/office/drawing/2014/main" val="656116734"/>
+                    </a:ext>
+                  </a:extLst>
+                </a:gridCol>
+                <a:gridCol w="473639">
+                  <a:extLst>
+                    <a:ext uri="{9D8B030D-6E8A-4147-A177-3AD203B41FA5}">
+                      <a16:colId xmlns:a16="http://schemas.microsoft.com/office/drawing/2014/main" val="932944216"/>
+                    </a:ext>
+                  </a:extLst>
+                </a:gridCol>
+                <a:gridCol w="473639">
+                  <a:extLst>
+                    <a:ext uri="{9D8B030D-6E8A-4147-A177-3AD203B41FA5}">
+                      <a16:colId xmlns:a16="http://schemas.microsoft.com/office/drawing/2014/main" val="1845681499"/>
+                    </a:ext>
+                  </a:extLst>
+                </a:gridCol>
+                <a:gridCol w="473639">
+                  <a:extLst>
+                    <a:ext uri="{9D8B030D-6E8A-4147-A177-3AD203B41FA5}">
+                      <a16:colId xmlns:a16="http://schemas.microsoft.com/office/drawing/2014/main" val="3850315018"/>
+                    </a:ext>
+                  </a:extLst>
+                </a:gridCol>
+                <a:gridCol w="473639">
+                  <a:extLst>
+                    <a:ext uri="{9D8B030D-6E8A-4147-A177-3AD203B41FA5}">
+                      <a16:colId xmlns:a16="http://schemas.microsoft.com/office/drawing/2014/main" val="4289458409"/>
+                    </a:ext>
+                  </a:extLst>
+                </a:gridCol>
+                <a:gridCol w="473639">
+                  <a:extLst>
+                    <a:ext uri="{9D8B030D-6E8A-4147-A177-3AD203B41FA5}">
+                      <a16:colId xmlns:a16="http://schemas.microsoft.com/office/drawing/2014/main" val="1686734236"/>
+                    </a:ext>
+                  </a:extLst>
+                </a:gridCol>
+                <a:gridCol w="473639">
+                  <a:extLst>
+                    <a:ext uri="{9D8B030D-6E8A-4147-A177-3AD203B41FA5}">
+                      <a16:colId xmlns:a16="http://schemas.microsoft.com/office/drawing/2014/main" val="2002242932"/>
+                    </a:ext>
+                  </a:extLst>
+                </a:gridCol>
+                <a:gridCol w="473639">
+                  <a:extLst>
+                    <a:ext uri="{9D8B030D-6E8A-4147-A177-3AD203B41FA5}">
+                      <a16:colId xmlns:a16="http://schemas.microsoft.com/office/drawing/2014/main" val="3999004693"/>
+                    </a:ext>
+                  </a:extLst>
+                </a:gridCol>
+                <a:gridCol w="473639">
+                  <a:extLst>
+                    <a:ext uri="{9D8B030D-6E8A-4147-A177-3AD203B41FA5}">
+                      <a16:colId xmlns:a16="http://schemas.microsoft.com/office/drawing/2014/main" val="1274956131"/>
+                    </a:ext>
+                  </a:extLst>
+                </a:gridCol>
+                <a:gridCol w="473639">
+                  <a:extLst>
+                    <a:ext uri="{9D8B030D-6E8A-4147-A177-3AD203B41FA5}">
+                      <a16:colId xmlns:a16="http://schemas.microsoft.com/office/drawing/2014/main" val="2511273561"/>
+                    </a:ext>
+                  </a:extLst>
+                </a:gridCol>
+                <a:gridCol w="473639">
+                  <a:extLst>
+                    <a:ext uri="{9D8B030D-6E8A-4147-A177-3AD203B41FA5}">
+                      <a16:colId xmlns:a16="http://schemas.microsoft.com/office/drawing/2014/main" val="4292597417"/>
+                    </a:ext>
+                  </a:extLst>
+                </a:gridCol>
+                <a:gridCol w="473639">
+                  <a:extLst>
+                    <a:ext uri="{9D8B030D-6E8A-4147-A177-3AD203B41FA5}">
+                      <a16:colId xmlns:a16="http://schemas.microsoft.com/office/drawing/2014/main" val="3701958130"/>
+                    </a:ext>
+                  </a:extLst>
+                </a:gridCol>
+                <a:gridCol w="473639">
+                  <a:extLst>
+                    <a:ext uri="{9D8B030D-6E8A-4147-A177-3AD203B41FA5}">
+                      <a16:colId xmlns:a16="http://schemas.microsoft.com/office/drawing/2014/main" val="3343145294"/>
+                    </a:ext>
+                  </a:extLst>
+                </a:gridCol>
+                <a:gridCol w="473639">
+                  <a:extLst>
+                    <a:ext uri="{9D8B030D-6E8A-4147-A177-3AD203B41FA5}">
+                      <a16:colId xmlns:a16="http://schemas.microsoft.com/office/drawing/2014/main" val="745356998"/>
+                    </a:ext>
+                  </a:extLst>
+                </a:gridCol>
+                <a:gridCol w="473639">
+                  <a:extLst>
+                    <a:ext uri="{9D8B030D-6E8A-4147-A177-3AD203B41FA5}">
+                      <a16:colId xmlns:a16="http://schemas.microsoft.com/office/drawing/2014/main" val="3800504679"/>
+                    </a:ext>
+                  </a:extLst>
+                </a:gridCol>
+                <a:gridCol w="473639">
+                  <a:extLst>
+                    <a:ext uri="{9D8B030D-6E8A-4147-A177-3AD203B41FA5}">
+                      <a16:colId xmlns:a16="http://schemas.microsoft.com/office/drawing/2014/main" val="3817265428"/>
+                    </a:ext>
+                  </a:extLst>
+                </a:gridCol>
+                <a:gridCol w="473639">
+                  <a:extLst>
+                    <a:ext uri="{9D8B030D-6E8A-4147-A177-3AD203B41FA5}">
+                      <a16:colId xmlns:a16="http://schemas.microsoft.com/office/drawing/2014/main" val="3242409640"/>
+                    </a:ext>
+                  </a:extLst>
+                </a:gridCol>
+                <a:gridCol w="473639">
+                  <a:extLst>
+                    <a:ext uri="{9D8B030D-6E8A-4147-A177-3AD203B41FA5}">
+                      <a16:colId xmlns:a16="http://schemas.microsoft.com/office/drawing/2014/main" val="2131603343"/>
+                    </a:ext>
+                  </a:extLst>
+                </a:gridCol>
+              </a:tblGrid>
+              <a:tr h="495610">
+                <a:tc>
+                  <a:txBody>
+                    <a:bodyPr/>
+                    <a:lstStyle/>
+                    <a:p>
+                      <a:pPr algn="ctr"/>
+                      <a:endParaRPr lang="zh-CN" altLang="en-US" dirty="0"/>
+                    </a:p>
+                  </a:txBody>
+                  <a:tcPr anchor="ctr">
+                    <a:lnTlToBr w="12700" cap="flat" cmpd="sng" algn="ctr">
+                      <a:noFill/>
+                      <a:prstDash val="solid"/>
+                      <a:round/>
+                      <a:headEnd type="none" w="med" len="med"/>
+                      <a:tailEnd type="none" w="med" len="med"/>
+                    </a:lnTlToBr>
+                  </a:tcPr>
+                </a:tc>
+                <a:tc>
+                  <a:txBody>
+                    <a:bodyPr/>
+                    <a:lstStyle/>
+                    <a:p>
+                      <a:pPr algn="ctr"/>
+                      <a:r>
+                        <a:rPr lang="en-US" altLang="zh-CN" dirty="0"/>
+                        <a:t>0</a:t>
+                      </a:r>
+                      <a:endParaRPr lang="zh-CN" altLang="en-US" dirty="0"/>
+                    </a:p>
+                  </a:txBody>
+                  <a:tcPr anchor="ctr">
+                    <a:lnTlToBr w="12700" cap="flat" cmpd="sng" algn="ctr">
+                      <a:noFill/>
+                      <a:prstDash val="solid"/>
+                      <a:round/>
+                      <a:headEnd type="none" w="med" len="med"/>
+                      <a:tailEnd type="none" w="med" len="med"/>
+                    </a:lnTlToBr>
+                  </a:tcPr>
+                </a:tc>
+                <a:tc>
+                  <a:txBody>
+                    <a:bodyPr/>
+                    <a:lstStyle/>
+                    <a:p>
+                      <a:pPr algn="ctr"/>
+                      <a:r>
+                        <a:rPr lang="en-US" altLang="zh-CN" dirty="0"/>
+                        <a:t>1</a:t>
+                      </a:r>
+                      <a:endParaRPr lang="zh-CN" altLang="en-US" dirty="0"/>
+                    </a:p>
+                  </a:txBody>
+                  <a:tcPr anchor="ctr"/>
+                </a:tc>
+                <a:tc>
+                  <a:txBody>
+                    <a:bodyPr/>
+                    <a:lstStyle/>
+                    <a:p>
+                      <a:pPr algn="ctr"/>
+                      <a:r>
+                        <a:rPr lang="en-US" altLang="zh-CN" dirty="0"/>
+                        <a:t>2</a:t>
+                      </a:r>
+                      <a:endParaRPr lang="zh-CN" altLang="en-US" dirty="0"/>
+                    </a:p>
+                  </a:txBody>
+                  <a:tcPr anchor="ctr"/>
+                </a:tc>
+                <a:tc>
+                  <a:txBody>
+                    <a:bodyPr/>
+                    <a:lstStyle/>
+                    <a:p>
+                      <a:pPr algn="ctr"/>
+                      <a:r>
+                        <a:rPr lang="en-US" altLang="zh-CN" dirty="0"/>
+                        <a:t>3</a:t>
+                      </a:r>
+                      <a:endParaRPr lang="zh-CN" altLang="en-US" dirty="0"/>
+                    </a:p>
+                  </a:txBody>
+                  <a:tcPr anchor="ctr"/>
+                </a:tc>
+                <a:tc>
+                  <a:txBody>
+                    <a:bodyPr/>
+                    <a:lstStyle/>
+                    <a:p>
+                      <a:pPr algn="ctr"/>
+                      <a:r>
+                        <a:rPr lang="en-US" altLang="zh-CN" dirty="0"/>
+                        <a:t>4</a:t>
+                      </a:r>
+                      <a:endParaRPr lang="zh-CN" altLang="en-US" dirty="0"/>
+                    </a:p>
+                  </a:txBody>
+                  <a:tcPr anchor="ctr"/>
+                </a:tc>
+                <a:tc>
+                  <a:txBody>
+                    <a:bodyPr/>
+                    <a:lstStyle/>
+                    <a:p>
+                      <a:pPr algn="ctr"/>
+                      <a:r>
+                        <a:rPr lang="en-US" altLang="zh-CN" dirty="0"/>
+                        <a:t>5</a:t>
+                      </a:r>
+                      <a:endParaRPr lang="zh-CN" altLang="en-US" dirty="0"/>
+                    </a:p>
+                  </a:txBody>
+                  <a:tcPr anchor="ctr"/>
+                </a:tc>
+                <a:tc>
+                  <a:txBody>
+                    <a:bodyPr/>
+                    <a:lstStyle/>
+                    <a:p>
+                      <a:pPr algn="ctr"/>
+                      <a:r>
+                        <a:rPr lang="en-US" altLang="zh-CN" dirty="0"/>
+                        <a:t>6</a:t>
+                      </a:r>
+                      <a:endParaRPr lang="zh-CN" altLang="en-US" dirty="0"/>
+                    </a:p>
+                  </a:txBody>
+                  <a:tcPr anchor="ctr"/>
+                </a:tc>
+                <a:tc>
+                  <a:txBody>
+                    <a:bodyPr/>
+                    <a:lstStyle/>
+                    <a:p>
+                      <a:pPr algn="ctr"/>
+                      <a:r>
+                        <a:rPr lang="en-US" altLang="zh-CN" dirty="0"/>
+                        <a:t>7</a:t>
+                      </a:r>
+                      <a:endParaRPr lang="zh-CN" altLang="en-US" dirty="0"/>
+                    </a:p>
+                  </a:txBody>
+                  <a:tcPr anchor="ctr"/>
+                </a:tc>
+                <a:tc>
+                  <a:txBody>
+                    <a:bodyPr/>
+                    <a:lstStyle/>
+                    <a:p>
+                      <a:pPr algn="ctr"/>
+                      <a:r>
+                        <a:rPr lang="en-US" altLang="zh-CN" dirty="0"/>
+                        <a:t>8</a:t>
+                      </a:r>
+                      <a:endParaRPr lang="zh-CN" altLang="en-US" dirty="0"/>
+                    </a:p>
+                  </a:txBody>
+                  <a:tcPr anchor="ctr"/>
+                </a:tc>
+                <a:tc>
+                  <a:txBody>
+                    <a:bodyPr/>
+                    <a:lstStyle/>
+                    <a:p>
+                      <a:pPr algn="ctr"/>
+                      <a:r>
+                        <a:rPr lang="en-US" altLang="zh-CN" dirty="0"/>
+                        <a:t>9</a:t>
+                      </a:r>
+                      <a:endParaRPr lang="zh-CN" altLang="en-US" dirty="0"/>
+                    </a:p>
+                  </a:txBody>
+                  <a:tcPr anchor="ctr"/>
+                </a:tc>
+                <a:tc>
+                  <a:txBody>
+                    <a:bodyPr/>
+                    <a:lstStyle/>
+                    <a:p>
+                      <a:pPr algn="ctr"/>
+                      <a:r>
+                        <a:rPr lang="en-US" altLang="zh-CN" dirty="0"/>
+                        <a:t>10</a:t>
+                      </a:r>
+                      <a:endParaRPr lang="zh-CN" altLang="en-US" dirty="0"/>
+                    </a:p>
+                  </a:txBody>
+                  <a:tcPr anchor="ctr"/>
+                </a:tc>
+                <a:tc>
+                  <a:txBody>
+                    <a:bodyPr/>
+                    <a:lstStyle/>
+                    <a:p>
+                      <a:pPr algn="ctr"/>
+                      <a:r>
+                        <a:rPr lang="en-US" altLang="zh-CN" dirty="0"/>
+                        <a:t>11</a:t>
+                      </a:r>
+                      <a:endParaRPr lang="zh-CN" altLang="en-US" dirty="0"/>
+                    </a:p>
+                  </a:txBody>
+                  <a:tcPr anchor="ctr"/>
+                </a:tc>
+                <a:tc>
+                  <a:txBody>
+                    <a:bodyPr/>
+                    <a:lstStyle/>
+                    <a:p>
+                      <a:pPr algn="ctr"/>
+                      <a:r>
+                        <a:rPr lang="en-US" altLang="zh-CN" dirty="0"/>
+                        <a:t>12</a:t>
+                      </a:r>
+                      <a:endParaRPr lang="zh-CN" altLang="en-US" dirty="0"/>
+                    </a:p>
+                  </a:txBody>
+                  <a:tcPr anchor="ctr"/>
+                </a:tc>
+                <a:tc>
+                  <a:txBody>
+                    <a:bodyPr/>
+                    <a:lstStyle/>
+                    <a:p>
+                      <a:pPr algn="ctr"/>
+                      <a:r>
+                        <a:rPr lang="en-US" altLang="zh-CN" dirty="0"/>
+                        <a:t>13</a:t>
+                      </a:r>
+                      <a:endParaRPr lang="zh-CN" altLang="en-US" dirty="0"/>
+                    </a:p>
+                  </a:txBody>
+                  <a:tcPr anchor="ctr"/>
+                </a:tc>
+                <a:tc>
+                  <a:txBody>
+                    <a:bodyPr/>
+                    <a:lstStyle/>
+                    <a:p>
+                      <a:pPr algn="ctr"/>
+                      <a:r>
+                        <a:rPr lang="en-US" altLang="zh-CN" dirty="0"/>
+                        <a:t>14</a:t>
+                      </a:r>
+                      <a:endParaRPr lang="zh-CN" altLang="en-US" dirty="0"/>
+                    </a:p>
+                  </a:txBody>
+                  <a:tcPr anchor="ctr"/>
+                </a:tc>
+                <a:tc>
+                  <a:txBody>
+                    <a:bodyPr/>
+                    <a:lstStyle/>
+                    <a:p>
+                      <a:pPr algn="ctr"/>
+                      <a:r>
+                        <a:rPr lang="en-US" altLang="zh-CN" dirty="0"/>
+                        <a:t>15</a:t>
+                      </a:r>
+                      <a:endParaRPr lang="zh-CN" altLang="en-US" dirty="0"/>
+                    </a:p>
+                  </a:txBody>
+                  <a:tcPr anchor="ctr"/>
+                </a:tc>
+                <a:tc>
+                  <a:txBody>
+                    <a:bodyPr/>
+                    <a:lstStyle/>
+                    <a:p>
+                      <a:pPr algn="ctr"/>
+                      <a:r>
+                        <a:rPr lang="en-US" altLang="zh-CN" dirty="0"/>
+                        <a:t>16</a:t>
+                      </a:r>
+                      <a:endParaRPr lang="zh-CN" altLang="en-US" dirty="0"/>
+                    </a:p>
+                  </a:txBody>
+                  <a:tcPr anchor="ctr"/>
+                </a:tc>
+                <a:tc>
+                  <a:txBody>
+                    <a:bodyPr/>
+                    <a:lstStyle/>
+                    <a:p>
+                      <a:pPr algn="ctr"/>
+                      <a:r>
+                        <a:rPr lang="en-US" altLang="zh-CN" dirty="0"/>
+                        <a:t>17</a:t>
+                      </a:r>
+                      <a:endParaRPr lang="zh-CN" altLang="en-US" dirty="0"/>
+                    </a:p>
+                  </a:txBody>
+                  <a:tcPr anchor="ctr"/>
+                </a:tc>
+                <a:tc>
+                  <a:txBody>
+                    <a:bodyPr/>
+                    <a:lstStyle/>
+                    <a:p>
+                      <a:pPr algn="ctr"/>
+                      <a:r>
+                        <a:rPr lang="en-US" altLang="zh-CN" dirty="0"/>
+                        <a:t>18</a:t>
+                      </a:r>
+                      <a:endParaRPr lang="zh-CN" altLang="en-US" dirty="0"/>
+                    </a:p>
+                  </a:txBody>
+                  <a:tcPr anchor="ctr"/>
+                </a:tc>
+                <a:extLst>
+                  <a:ext uri="{0D108BD9-81ED-4DB2-BD59-A6C34878D82A}">
+                    <a16:rowId xmlns:a16="http://schemas.microsoft.com/office/drawing/2014/main" val="697518391"/>
+                  </a:ext>
+                </a:extLst>
+              </a:tr>
+              <a:tr h="495610">
+                <a:tc>
+                  <a:txBody>
+                    <a:bodyPr/>
+                    <a:lstStyle/>
+                    <a:p>
+                      <a:pPr algn="ctr"/>
+                      <a:r>
+                        <a:rPr lang="en-US" altLang="zh-CN" dirty="0"/>
+                        <a:t>0</a:t>
+                      </a:r>
+                      <a:endParaRPr lang="zh-CN" altLang="en-US" dirty="0"/>
+                    </a:p>
+                  </a:txBody>
+                  <a:tcPr anchor="ctr"/>
+                </a:tc>
+                <a:tc>
+                  <a:txBody>
+                    <a:bodyPr/>
+                    <a:lstStyle/>
+                    <a:p>
+                      <a:pPr algn="ctr"/>
+                      <a:r>
+                        <a:rPr lang="en-US" altLang="zh-CN" dirty="0"/>
+                        <a:t>0</a:t>
+                      </a:r>
+                      <a:endParaRPr lang="zh-CN" altLang="en-US" dirty="0"/>
+                    </a:p>
+                  </a:txBody>
+                  <a:tcPr anchor="ctr">
+                    <a:solidFill>
+                      <a:schemeClr val="bg1">
+                        <a:lumMod val="85000"/>
+                      </a:schemeClr>
+                    </a:solidFill>
+                  </a:tcPr>
+                </a:tc>
+                <a:tc>
+                  <a:txBody>
+                    <a:bodyPr/>
+                    <a:lstStyle/>
+                    <a:p>
+                      <a:pPr algn="ctr"/>
+                      <a:endParaRPr lang="zh-CN" altLang="en-US" dirty="0"/>
+                    </a:p>
+                  </a:txBody>
+                  <a:tcPr anchor="ctr">
+                    <a:solidFill>
+                      <a:schemeClr val="bg1">
+                        <a:lumMod val="85000"/>
+                      </a:schemeClr>
+                    </a:solidFill>
+                  </a:tcPr>
+                </a:tc>
+                <a:tc>
+                  <a:txBody>
+                    <a:bodyPr/>
+                    <a:lstStyle/>
+                    <a:p>
+                      <a:pPr algn="ctr"/>
+                      <a:endParaRPr lang="zh-CN" altLang="en-US" dirty="0"/>
+                    </a:p>
+                  </a:txBody>
+                  <a:tcPr anchor="ctr">
+                    <a:solidFill>
+                      <a:schemeClr val="bg1">
+                        <a:lumMod val="85000"/>
+                      </a:schemeClr>
+                    </a:solidFill>
+                  </a:tcPr>
+                </a:tc>
+                <a:tc>
+                  <a:txBody>
+                    <a:bodyPr/>
+                    <a:lstStyle/>
+                    <a:p>
+                      <a:pPr algn="ctr"/>
+                      <a:endParaRPr lang="zh-CN" altLang="en-US" dirty="0"/>
+                    </a:p>
+                  </a:txBody>
+                  <a:tcPr anchor="ctr">
+                    <a:solidFill>
+                      <a:schemeClr val="bg1">
+                        <a:lumMod val="85000"/>
+                      </a:schemeClr>
+                    </a:solidFill>
+                  </a:tcPr>
+                </a:tc>
+                <a:tc>
+                  <a:txBody>
+                    <a:bodyPr/>
+                    <a:lstStyle/>
+                    <a:p>
+                      <a:pPr algn="ctr"/>
+                      <a:endParaRPr lang="zh-CN" altLang="en-US" dirty="0"/>
+                    </a:p>
+                  </a:txBody>
+                  <a:tcPr anchor="ctr">
+                    <a:solidFill>
+                      <a:schemeClr val="bg1">
+                        <a:lumMod val="85000"/>
+                      </a:schemeClr>
+                    </a:solidFill>
+                  </a:tcPr>
+                </a:tc>
+                <a:tc>
+                  <a:txBody>
+                    <a:bodyPr/>
+                    <a:lstStyle/>
+                    <a:p>
+                      <a:pPr algn="ctr"/>
+                      <a:endParaRPr lang="zh-CN" altLang="en-US" dirty="0"/>
+                    </a:p>
+                  </a:txBody>
+                  <a:tcPr anchor="ctr">
+                    <a:solidFill>
+                      <a:schemeClr val="bg1">
+                        <a:lumMod val="85000"/>
+                      </a:schemeClr>
+                    </a:solidFill>
+                  </a:tcPr>
+                </a:tc>
+                <a:tc>
+                  <a:txBody>
+                    <a:bodyPr/>
+                    <a:lstStyle/>
+                    <a:p>
+                      <a:pPr algn="ctr"/>
+                      <a:endParaRPr lang="zh-CN" altLang="en-US" dirty="0"/>
+                    </a:p>
+                  </a:txBody>
+                  <a:tcPr anchor="ctr">
+                    <a:solidFill>
+                      <a:schemeClr val="bg1">
+                        <a:lumMod val="85000"/>
+                      </a:schemeClr>
+                    </a:solidFill>
+                  </a:tcPr>
+                </a:tc>
+                <a:tc>
+                  <a:txBody>
+                    <a:bodyPr/>
+                    <a:lstStyle/>
+                    <a:p>
+                      <a:pPr algn="ctr"/>
+                      <a:endParaRPr lang="zh-CN" altLang="en-US" dirty="0"/>
+                    </a:p>
+                  </a:txBody>
+                  <a:tcPr anchor="ctr">
+                    <a:solidFill>
+                      <a:schemeClr val="bg1">
+                        <a:lumMod val="85000"/>
+                      </a:schemeClr>
+                    </a:solidFill>
+                  </a:tcPr>
+                </a:tc>
+                <a:tc>
+                  <a:txBody>
+                    <a:bodyPr/>
+                    <a:lstStyle/>
+                    <a:p>
+                      <a:pPr algn="ctr"/>
+                      <a:endParaRPr lang="zh-CN" altLang="en-US" dirty="0"/>
+                    </a:p>
+                  </a:txBody>
+                  <a:tcPr anchor="ctr">
+                    <a:solidFill>
+                      <a:schemeClr val="bg1">
+                        <a:lumMod val="85000"/>
+                      </a:schemeClr>
+                    </a:solidFill>
+                  </a:tcPr>
+                </a:tc>
+                <a:tc>
+                  <a:txBody>
+                    <a:bodyPr/>
+                    <a:lstStyle/>
+                    <a:p>
+                      <a:pPr algn="ctr"/>
+                      <a:endParaRPr lang="zh-CN" altLang="en-US" dirty="0"/>
+                    </a:p>
+                  </a:txBody>
+                  <a:tcPr anchor="ctr">
+                    <a:solidFill>
+                      <a:schemeClr val="bg1">
+                        <a:lumMod val="85000"/>
+                      </a:schemeClr>
+                    </a:solidFill>
+                  </a:tcPr>
+                </a:tc>
+                <a:tc>
+                  <a:txBody>
+                    <a:bodyPr/>
+                    <a:lstStyle/>
+                    <a:p>
+                      <a:pPr algn="ctr"/>
+                      <a:endParaRPr lang="zh-CN" altLang="en-US" dirty="0"/>
+                    </a:p>
+                  </a:txBody>
+                  <a:tcPr anchor="ctr">
+                    <a:solidFill>
+                      <a:schemeClr val="bg1">
+                        <a:lumMod val="85000"/>
+                      </a:schemeClr>
+                    </a:solidFill>
+                  </a:tcPr>
+                </a:tc>
+                <a:tc>
+                  <a:txBody>
+                    <a:bodyPr/>
+                    <a:lstStyle/>
+                    <a:p>
+                      <a:pPr algn="ctr"/>
+                      <a:endParaRPr lang="zh-CN" altLang="en-US" dirty="0"/>
+                    </a:p>
+                  </a:txBody>
+                  <a:tcPr anchor="ctr">
+                    <a:solidFill>
+                      <a:schemeClr val="bg1">
+                        <a:lumMod val="85000"/>
+                      </a:schemeClr>
+                    </a:solidFill>
+                  </a:tcPr>
+                </a:tc>
+                <a:tc>
+                  <a:txBody>
+                    <a:bodyPr/>
+                    <a:lstStyle/>
+                    <a:p>
+                      <a:pPr algn="ctr"/>
+                      <a:endParaRPr lang="zh-CN" altLang="en-US" dirty="0"/>
+                    </a:p>
+                  </a:txBody>
+                  <a:tcPr anchor="ctr">
+                    <a:solidFill>
+                      <a:schemeClr val="bg1">
+                        <a:lumMod val="85000"/>
+                      </a:schemeClr>
+                    </a:solidFill>
+                  </a:tcPr>
+                </a:tc>
+                <a:tc>
+                  <a:txBody>
+                    <a:bodyPr/>
+                    <a:lstStyle/>
+                    <a:p>
+                      <a:pPr algn="ctr"/>
+                      <a:endParaRPr lang="zh-CN" altLang="en-US" dirty="0"/>
+                    </a:p>
+                  </a:txBody>
+                  <a:tcPr anchor="ctr">
+                    <a:solidFill>
+                      <a:schemeClr val="bg1">
+                        <a:lumMod val="85000"/>
+                      </a:schemeClr>
+                    </a:solidFill>
+                  </a:tcPr>
+                </a:tc>
+                <a:tc>
+                  <a:txBody>
+                    <a:bodyPr/>
+                    <a:lstStyle/>
+                    <a:p>
+                      <a:pPr algn="ctr"/>
+                      <a:endParaRPr lang="zh-CN" altLang="en-US" dirty="0"/>
+                    </a:p>
+                  </a:txBody>
+                  <a:tcPr anchor="ctr">
+                    <a:solidFill>
+                      <a:schemeClr val="bg1">
+                        <a:lumMod val="85000"/>
+                      </a:schemeClr>
+                    </a:solidFill>
+                  </a:tcPr>
+                </a:tc>
+                <a:tc>
+                  <a:txBody>
+                    <a:bodyPr/>
+                    <a:lstStyle/>
+                    <a:p>
+                      <a:pPr algn="ctr"/>
+                      <a:endParaRPr lang="zh-CN" altLang="en-US" dirty="0"/>
+                    </a:p>
+                  </a:txBody>
+                  <a:tcPr anchor="ctr">
+                    <a:solidFill>
+                      <a:schemeClr val="bg1">
+                        <a:lumMod val="85000"/>
+                      </a:schemeClr>
+                    </a:solidFill>
+                  </a:tcPr>
+                </a:tc>
+                <a:tc>
+                  <a:txBody>
+                    <a:bodyPr/>
+                    <a:lstStyle/>
+                    <a:p>
+                      <a:pPr algn="ctr"/>
+                      <a:endParaRPr lang="zh-CN" altLang="en-US" dirty="0"/>
+                    </a:p>
+                  </a:txBody>
+                  <a:tcPr anchor="ctr">
+                    <a:solidFill>
+                      <a:schemeClr val="bg1">
+                        <a:lumMod val="85000"/>
+                      </a:schemeClr>
+                    </a:solidFill>
+                  </a:tcPr>
+                </a:tc>
+                <a:tc>
+                  <a:txBody>
+                    <a:bodyPr/>
+                    <a:lstStyle/>
+                    <a:p>
+                      <a:pPr algn="ctr"/>
+                      <a:endParaRPr lang="zh-CN" altLang="en-US" dirty="0"/>
+                    </a:p>
+                  </a:txBody>
+                  <a:tcPr anchor="ctr">
+                    <a:solidFill>
+                      <a:schemeClr val="bg1">
+                        <a:lumMod val="85000"/>
+                      </a:schemeClr>
+                    </a:solidFill>
+                  </a:tcPr>
+                </a:tc>
+                <a:tc>
+                  <a:txBody>
+                    <a:bodyPr/>
+                    <a:lstStyle/>
+                    <a:p>
+                      <a:pPr algn="ctr"/>
+                      <a:endParaRPr lang="zh-CN" altLang="en-US" dirty="0"/>
+                    </a:p>
+                  </a:txBody>
+                  <a:tcPr anchor="ctr">
+                    <a:solidFill>
+                      <a:schemeClr val="bg1">
+                        <a:lumMod val="85000"/>
+                      </a:schemeClr>
+                    </a:solidFill>
+                  </a:tcPr>
+                </a:tc>
+                <a:extLst>
+                  <a:ext uri="{0D108BD9-81ED-4DB2-BD59-A6C34878D82A}">
+                    <a16:rowId xmlns:a16="http://schemas.microsoft.com/office/drawing/2014/main" val="3803627900"/>
+                  </a:ext>
+                </a:extLst>
+              </a:tr>
+              <a:tr h="495610">
+                <a:tc>
+                  <a:txBody>
+                    <a:bodyPr/>
+                    <a:lstStyle/>
+                    <a:p>
+                      <a:pPr algn="ctr"/>
+                      <a:r>
+                        <a:rPr lang="en-US" altLang="zh-CN" dirty="0"/>
+                        <a:t>1</a:t>
+                      </a:r>
+                      <a:endParaRPr lang="zh-CN" altLang="en-US" dirty="0"/>
+                    </a:p>
+                  </a:txBody>
+                  <a:tcPr anchor="ctr"/>
+                </a:tc>
+                <a:tc>
+                  <a:txBody>
+                    <a:bodyPr/>
+                    <a:lstStyle/>
+                    <a:p>
+                      <a:pPr algn="ctr"/>
+                      <a:r>
+                        <a:rPr lang="en-US" altLang="zh-CN" dirty="0"/>
+                        <a:t>0</a:t>
+                      </a:r>
+                      <a:endParaRPr lang="zh-CN" altLang="en-US" dirty="0"/>
+                    </a:p>
+                  </a:txBody>
+                  <a:tcPr anchor="ctr">
+                    <a:solidFill>
+                      <a:schemeClr val="bg1">
+                        <a:lumMod val="85000"/>
+                      </a:schemeClr>
+                    </a:solidFill>
+                  </a:tcPr>
+                </a:tc>
+                <a:tc>
+                  <a:txBody>
+                    <a:bodyPr/>
+                    <a:lstStyle/>
+                    <a:p>
+                      <a:pPr algn="ctr"/>
+                      <a:r>
+                        <a:rPr lang="en-US" altLang="zh-CN" dirty="0"/>
+                        <a:t>1</a:t>
+                      </a:r>
+                      <a:endParaRPr lang="zh-CN" altLang="en-US" dirty="0"/>
+                    </a:p>
+                  </a:txBody>
+                  <a:tcPr anchor="ctr"/>
+                </a:tc>
+                <a:tc>
+                  <a:txBody>
+                    <a:bodyPr/>
+                    <a:lstStyle/>
+                    <a:p>
+                      <a:pPr algn="ctr"/>
+                      <a:r>
+                        <a:rPr lang="en-US" altLang="zh-CN" dirty="0"/>
+                        <a:t>1</a:t>
+                      </a:r>
+                      <a:endParaRPr lang="zh-CN" altLang="en-US" dirty="0"/>
+                    </a:p>
+                  </a:txBody>
+                  <a:tcPr anchor="ctr"/>
+                </a:tc>
+                <a:tc>
+                  <a:txBody>
+                    <a:bodyPr/>
+                    <a:lstStyle/>
+                    <a:p>
+                      <a:pPr algn="ctr"/>
+                      <a:r>
+                        <a:rPr lang="en-US" altLang="zh-CN" dirty="0"/>
+                        <a:t>1</a:t>
+                      </a:r>
+                      <a:endParaRPr lang="zh-CN" altLang="en-US" dirty="0"/>
+                    </a:p>
+                  </a:txBody>
+                  <a:tcPr anchor="ctr"/>
+                </a:tc>
+                <a:tc>
+                  <a:txBody>
+                    <a:bodyPr/>
+                    <a:lstStyle/>
+                    <a:p>
+                      <a:pPr algn="ctr"/>
+                      <a:r>
+                        <a:rPr lang="en-US" altLang="zh-CN" dirty="0"/>
+                        <a:t>1</a:t>
+                      </a:r>
+                      <a:endParaRPr lang="zh-CN" altLang="en-US" dirty="0"/>
+                    </a:p>
+                  </a:txBody>
+                  <a:tcPr anchor="ctr"/>
+                </a:tc>
+                <a:tc>
+                  <a:txBody>
+                    <a:bodyPr/>
+                    <a:lstStyle/>
+                    <a:p>
+                      <a:pPr algn="ctr"/>
+                      <a:r>
+                        <a:rPr lang="en-US" altLang="zh-CN" dirty="0"/>
+                        <a:t>1</a:t>
+                      </a:r>
+                      <a:endParaRPr lang="zh-CN" altLang="en-US" dirty="0"/>
+                    </a:p>
+                  </a:txBody>
+                  <a:tcPr anchor="ctr"/>
+                </a:tc>
+                <a:tc>
+                  <a:txBody>
+                    <a:bodyPr/>
+                    <a:lstStyle/>
+                    <a:p>
+                      <a:pPr algn="ctr"/>
+                      <a:r>
+                        <a:rPr lang="en-US" altLang="zh-CN" dirty="0"/>
+                        <a:t>1</a:t>
+                      </a:r>
+                      <a:endParaRPr lang="zh-CN" altLang="en-US" dirty="0"/>
+                    </a:p>
+                  </a:txBody>
+                  <a:tcPr anchor="ctr"/>
+                </a:tc>
+                <a:tc>
+                  <a:txBody>
+                    <a:bodyPr/>
+                    <a:lstStyle/>
+                    <a:p>
+                      <a:pPr algn="ctr"/>
+                      <a:endParaRPr lang="zh-CN" altLang="en-US" dirty="0"/>
+                    </a:p>
+                  </a:txBody>
+                  <a:tcPr anchor="ctr">
+                    <a:solidFill>
+                      <a:schemeClr val="bg1">
+                        <a:lumMod val="85000"/>
+                      </a:schemeClr>
+                    </a:solidFill>
+                  </a:tcPr>
+                </a:tc>
+                <a:tc>
+                  <a:txBody>
+                    <a:bodyPr/>
+                    <a:lstStyle/>
+                    <a:p>
+                      <a:pPr algn="ctr"/>
+                      <a:endParaRPr lang="zh-CN" altLang="en-US" dirty="0"/>
+                    </a:p>
+                  </a:txBody>
+                  <a:tcPr anchor="ctr">
+                    <a:solidFill>
+                      <a:schemeClr val="bg1">
+                        <a:lumMod val="85000"/>
+                      </a:schemeClr>
+                    </a:solidFill>
+                  </a:tcPr>
+                </a:tc>
+                <a:tc>
+                  <a:txBody>
+                    <a:bodyPr/>
+                    <a:lstStyle/>
+                    <a:p>
+                      <a:pPr algn="ctr"/>
+                      <a:endParaRPr lang="zh-CN" altLang="en-US" dirty="0"/>
+                    </a:p>
+                  </a:txBody>
+                  <a:tcPr anchor="ctr">
+                    <a:solidFill>
+                      <a:schemeClr val="bg1">
+                        <a:lumMod val="85000"/>
+                      </a:schemeClr>
+                    </a:solidFill>
+                  </a:tcPr>
+                </a:tc>
+                <a:tc>
+                  <a:txBody>
+                    <a:bodyPr/>
+                    <a:lstStyle/>
+                    <a:p>
+                      <a:pPr algn="ctr"/>
+                      <a:endParaRPr lang="zh-CN" altLang="en-US" dirty="0"/>
+                    </a:p>
+                  </a:txBody>
+                  <a:tcPr anchor="ctr">
+                    <a:solidFill>
+                      <a:schemeClr val="bg1">
+                        <a:lumMod val="85000"/>
+                      </a:schemeClr>
+                    </a:solidFill>
+                  </a:tcPr>
+                </a:tc>
+                <a:tc>
+                  <a:txBody>
+                    <a:bodyPr/>
+                    <a:lstStyle/>
+                    <a:p>
+                      <a:pPr algn="ctr"/>
+                      <a:endParaRPr lang="zh-CN" altLang="en-US" dirty="0"/>
+                    </a:p>
+                  </a:txBody>
+                  <a:tcPr anchor="ctr">
+                    <a:solidFill>
+                      <a:schemeClr val="bg1">
+                        <a:lumMod val="85000"/>
+                      </a:schemeClr>
+                    </a:solidFill>
+                  </a:tcPr>
+                </a:tc>
+                <a:tc>
+                  <a:txBody>
+                    <a:bodyPr/>
+                    <a:lstStyle/>
+                    <a:p>
+                      <a:pPr algn="ctr"/>
+                      <a:endParaRPr lang="zh-CN" altLang="en-US" dirty="0"/>
+                    </a:p>
+                  </a:txBody>
+                  <a:tcPr anchor="ctr">
+                    <a:solidFill>
+                      <a:schemeClr val="bg1">
+                        <a:lumMod val="85000"/>
+                      </a:schemeClr>
+                    </a:solidFill>
+                  </a:tcPr>
+                </a:tc>
+                <a:tc>
+                  <a:txBody>
+                    <a:bodyPr/>
+                    <a:lstStyle/>
+                    <a:p>
+                      <a:pPr algn="ctr"/>
+                      <a:endParaRPr lang="zh-CN" altLang="en-US" dirty="0"/>
+                    </a:p>
+                  </a:txBody>
+                  <a:tcPr anchor="ctr">
+                    <a:solidFill>
+                      <a:schemeClr val="bg1">
+                        <a:lumMod val="85000"/>
+                      </a:schemeClr>
+                    </a:solidFill>
+                  </a:tcPr>
+                </a:tc>
+                <a:tc>
+                  <a:txBody>
+                    <a:bodyPr/>
+                    <a:lstStyle/>
+                    <a:p>
+                      <a:pPr algn="ctr"/>
+                      <a:endParaRPr lang="zh-CN" altLang="en-US" dirty="0"/>
+                    </a:p>
+                  </a:txBody>
+                  <a:tcPr anchor="ctr">
+                    <a:solidFill>
+                      <a:schemeClr val="bg1">
+                        <a:lumMod val="85000"/>
+                      </a:schemeClr>
+                    </a:solidFill>
+                  </a:tcPr>
+                </a:tc>
+                <a:tc>
+                  <a:txBody>
+                    <a:bodyPr/>
+                    <a:lstStyle/>
+                    <a:p>
+                      <a:pPr algn="ctr"/>
+                      <a:endParaRPr lang="zh-CN" altLang="en-US" dirty="0"/>
+                    </a:p>
+                  </a:txBody>
+                  <a:tcPr anchor="ctr">
+                    <a:solidFill>
+                      <a:schemeClr val="bg1">
+                        <a:lumMod val="85000"/>
+                      </a:schemeClr>
+                    </a:solidFill>
+                  </a:tcPr>
+                </a:tc>
+                <a:tc>
+                  <a:txBody>
+                    <a:bodyPr/>
+                    <a:lstStyle/>
+                    <a:p>
+                      <a:pPr algn="ctr"/>
+                      <a:endParaRPr lang="zh-CN" altLang="en-US" dirty="0"/>
+                    </a:p>
+                  </a:txBody>
+                  <a:tcPr anchor="ctr">
+                    <a:solidFill>
+                      <a:schemeClr val="bg1">
+                        <a:lumMod val="85000"/>
+                      </a:schemeClr>
+                    </a:solidFill>
+                  </a:tcPr>
+                </a:tc>
+                <a:tc>
+                  <a:txBody>
+                    <a:bodyPr/>
+                    <a:lstStyle/>
+                    <a:p>
+                      <a:pPr algn="ctr"/>
+                      <a:endParaRPr lang="zh-CN" altLang="en-US" dirty="0"/>
+                    </a:p>
+                  </a:txBody>
+                  <a:tcPr anchor="ctr">
+                    <a:solidFill>
+                      <a:schemeClr val="bg1">
+                        <a:lumMod val="85000"/>
+                      </a:schemeClr>
+                    </a:solidFill>
+                  </a:tcPr>
+                </a:tc>
+                <a:tc>
+                  <a:txBody>
+                    <a:bodyPr/>
+                    <a:lstStyle/>
+                    <a:p>
+                      <a:pPr algn="ctr"/>
+                      <a:endParaRPr lang="zh-CN" altLang="en-US" dirty="0"/>
+                    </a:p>
+                  </a:txBody>
+                  <a:tcPr anchor="ctr">
+                    <a:solidFill>
+                      <a:schemeClr val="bg1">
+                        <a:lumMod val="85000"/>
+                      </a:schemeClr>
+                    </a:solidFill>
+                  </a:tcPr>
+                </a:tc>
+                <a:extLst>
+                  <a:ext uri="{0D108BD9-81ED-4DB2-BD59-A6C34878D82A}">
+                    <a16:rowId xmlns:a16="http://schemas.microsoft.com/office/drawing/2014/main" val="1849576875"/>
+                  </a:ext>
+                </a:extLst>
+              </a:tr>
+              <a:tr h="495610">
+                <a:tc>
+                  <a:txBody>
+                    <a:bodyPr/>
+                    <a:lstStyle/>
+                    <a:p>
+                      <a:pPr algn="ctr"/>
+                      <a:r>
+                        <a:rPr lang="en-US" altLang="zh-CN" dirty="0"/>
+                        <a:t>2</a:t>
+                      </a:r>
+                      <a:endParaRPr lang="zh-CN" altLang="en-US" dirty="0"/>
+                    </a:p>
+                  </a:txBody>
+                  <a:tcPr anchor="ctr"/>
+                </a:tc>
+                <a:tc>
+                  <a:txBody>
+                    <a:bodyPr/>
+                    <a:lstStyle/>
+                    <a:p>
+                      <a:pPr algn="ctr"/>
+                      <a:r>
+                        <a:rPr lang="en-US" altLang="zh-CN" dirty="0"/>
+                        <a:t>0</a:t>
+                      </a:r>
+                      <a:endParaRPr lang="zh-CN" altLang="en-US" dirty="0"/>
+                    </a:p>
+                  </a:txBody>
+                  <a:tcPr anchor="ctr">
+                    <a:solidFill>
+                      <a:schemeClr val="bg1">
+                        <a:lumMod val="85000"/>
+                      </a:schemeClr>
+                    </a:solidFill>
+                  </a:tcPr>
+                </a:tc>
+                <a:tc>
+                  <a:txBody>
+                    <a:bodyPr/>
+                    <a:lstStyle/>
+                    <a:p>
+                      <a:pPr algn="ctr"/>
+                      <a:r>
+                        <a:rPr lang="en-US" altLang="zh-CN" dirty="0"/>
+                        <a:t>0</a:t>
+                      </a:r>
+                      <a:endParaRPr lang="zh-CN" altLang="en-US" dirty="0"/>
+                    </a:p>
+                  </a:txBody>
+                  <a:tcPr anchor="ctr">
+                    <a:solidFill>
+                      <a:schemeClr val="bg1">
+                        <a:lumMod val="85000"/>
+                      </a:schemeClr>
+                    </a:solidFill>
+                  </a:tcPr>
+                </a:tc>
+                <a:tc>
+                  <a:txBody>
+                    <a:bodyPr/>
+                    <a:lstStyle/>
+                    <a:p>
+                      <a:pPr algn="ctr"/>
+                      <a:r>
+                        <a:rPr lang="en-US" altLang="zh-CN" dirty="0"/>
+                        <a:t>1</a:t>
+                      </a:r>
+                      <a:endParaRPr lang="zh-CN" altLang="en-US" dirty="0"/>
+                    </a:p>
+                  </a:txBody>
+                  <a:tcPr anchor="ctr"/>
+                </a:tc>
+                <a:tc>
+                  <a:txBody>
+                    <a:bodyPr/>
+                    <a:lstStyle/>
+                    <a:p>
+                      <a:pPr algn="ctr"/>
+                      <a:r>
+                        <a:rPr lang="en-US" altLang="zh-CN" dirty="0"/>
+                        <a:t>2</a:t>
+                      </a:r>
+                      <a:endParaRPr lang="zh-CN" altLang="en-US" dirty="0"/>
+                    </a:p>
+                  </a:txBody>
+                  <a:tcPr anchor="ctr">
+                    <a:solidFill>
+                      <a:schemeClr val="accent4">
+                        <a:lumMod val="40000"/>
+                        <a:lumOff val="60000"/>
+                      </a:schemeClr>
+                    </a:solidFill>
+                  </a:tcPr>
+                </a:tc>
+                <a:tc>
+                  <a:txBody>
+                    <a:bodyPr/>
+                    <a:lstStyle/>
+                    <a:p>
+                      <a:pPr algn="ctr"/>
+                      <a:r>
+                        <a:rPr lang="en-US" altLang="zh-CN" dirty="0"/>
+                        <a:t>3</a:t>
+                      </a:r>
+                      <a:endParaRPr lang="zh-CN" altLang="en-US" dirty="0"/>
+                    </a:p>
+                  </a:txBody>
+                  <a:tcPr anchor="ctr">
+                    <a:solidFill>
+                      <a:schemeClr val="accent4">
+                        <a:lumMod val="40000"/>
+                        <a:lumOff val="60000"/>
+                      </a:schemeClr>
+                    </a:solidFill>
+                  </a:tcPr>
+                </a:tc>
+                <a:tc>
+                  <a:txBody>
+                    <a:bodyPr/>
+                    <a:lstStyle/>
+                    <a:p>
+                      <a:pPr algn="ctr"/>
+                      <a:r>
+                        <a:rPr lang="en-US" altLang="zh-CN" dirty="0"/>
+                        <a:t>4</a:t>
+                      </a:r>
+                      <a:endParaRPr lang="zh-CN" altLang="en-US" dirty="0"/>
+                    </a:p>
+                  </a:txBody>
+                  <a:tcPr anchor="ctr">
+                    <a:solidFill>
+                      <a:schemeClr val="accent4">
+                        <a:lumMod val="40000"/>
+                        <a:lumOff val="60000"/>
+                      </a:schemeClr>
+                    </a:solidFill>
+                  </a:tcPr>
+                </a:tc>
+                <a:tc>
+                  <a:txBody>
+                    <a:bodyPr/>
+                    <a:lstStyle/>
+                    <a:p>
+                      <a:pPr algn="ctr"/>
+                      <a:r>
+                        <a:rPr lang="en-US" altLang="zh-CN" dirty="0"/>
+                        <a:t>5</a:t>
+                      </a:r>
+                      <a:endParaRPr lang="zh-CN" altLang="en-US" dirty="0"/>
+                    </a:p>
+                  </a:txBody>
+                  <a:tcPr anchor="ctr">
+                    <a:solidFill>
+                      <a:schemeClr val="accent4">
+                        <a:lumMod val="40000"/>
+                        <a:lumOff val="60000"/>
+                      </a:schemeClr>
+                    </a:solidFill>
+                  </a:tcPr>
+                </a:tc>
+                <a:tc>
+                  <a:txBody>
+                    <a:bodyPr/>
+                    <a:lstStyle/>
+                    <a:p>
+                      <a:pPr algn="ctr"/>
+                      <a:r>
+                        <a:rPr lang="en-US" altLang="zh-CN" dirty="0"/>
+                        <a:t>6</a:t>
+                      </a:r>
+                      <a:endParaRPr lang="zh-CN" altLang="en-US" dirty="0"/>
+                    </a:p>
+                  </a:txBody>
+                  <a:tcPr anchor="ctr">
+                    <a:solidFill>
+                      <a:schemeClr val="accent4">
+                        <a:lumMod val="40000"/>
+                        <a:lumOff val="60000"/>
+                      </a:schemeClr>
+                    </a:solidFill>
+                  </a:tcPr>
+                </a:tc>
+                <a:tc>
+                  <a:txBody>
+                    <a:bodyPr/>
+                    <a:lstStyle/>
+                    <a:p>
+                      <a:pPr algn="ctr"/>
+                      <a:r>
+                        <a:rPr lang="en-US" altLang="zh-CN" dirty="0"/>
+                        <a:t>5</a:t>
+                      </a:r>
+                      <a:endParaRPr lang="zh-CN" altLang="en-US" dirty="0"/>
+                    </a:p>
+                  </a:txBody>
+                  <a:tcPr anchor="ctr">
+                    <a:solidFill>
+                      <a:schemeClr val="accent4">
+                        <a:lumMod val="40000"/>
+                        <a:lumOff val="60000"/>
+                      </a:schemeClr>
+                    </a:solidFill>
+                  </a:tcPr>
+                </a:tc>
+                <a:tc>
+                  <a:txBody>
+                    <a:bodyPr/>
+                    <a:lstStyle/>
+                    <a:p>
+                      <a:pPr algn="ctr"/>
+                      <a:r>
+                        <a:rPr lang="en-US" altLang="zh-CN" dirty="0"/>
+                        <a:t>4</a:t>
+                      </a:r>
+                      <a:endParaRPr lang="zh-CN" altLang="en-US" dirty="0"/>
+                    </a:p>
+                  </a:txBody>
+                  <a:tcPr anchor="ctr"/>
+                </a:tc>
+                <a:tc>
+                  <a:txBody>
+                    <a:bodyPr/>
+                    <a:lstStyle/>
+                    <a:p>
+                      <a:pPr algn="ctr"/>
+                      <a:r>
+                        <a:rPr lang="en-US" altLang="zh-CN" dirty="0"/>
+                        <a:t>3</a:t>
+                      </a:r>
+                      <a:endParaRPr lang="zh-CN" altLang="en-US" dirty="0"/>
+                    </a:p>
+                  </a:txBody>
+                  <a:tcPr anchor="ctr"/>
+                </a:tc>
+                <a:tc>
+                  <a:txBody>
+                    <a:bodyPr/>
+                    <a:lstStyle/>
+                    <a:p>
+                      <a:pPr algn="ctr"/>
+                      <a:r>
+                        <a:rPr lang="en-US" altLang="zh-CN" dirty="0"/>
+                        <a:t>2</a:t>
+                      </a:r>
+                      <a:endParaRPr lang="zh-CN" altLang="en-US" dirty="0"/>
+                    </a:p>
+                  </a:txBody>
+                  <a:tcPr anchor="ctr"/>
+                </a:tc>
+                <a:tc>
+                  <a:txBody>
+                    <a:bodyPr/>
+                    <a:lstStyle/>
+                    <a:p>
+                      <a:pPr algn="ctr"/>
+                      <a:r>
+                        <a:rPr lang="en-US" altLang="zh-CN" dirty="0"/>
+                        <a:t>1</a:t>
+                      </a:r>
+                      <a:endParaRPr lang="zh-CN" altLang="en-US" dirty="0"/>
+                    </a:p>
+                  </a:txBody>
+                  <a:tcPr anchor="ctr"/>
+                </a:tc>
+                <a:tc>
+                  <a:txBody>
+                    <a:bodyPr/>
+                    <a:lstStyle/>
+                    <a:p>
+                      <a:pPr algn="ctr"/>
+                      <a:endParaRPr lang="zh-CN" altLang="en-US" dirty="0"/>
+                    </a:p>
+                  </a:txBody>
+                  <a:tcPr anchor="ctr">
+                    <a:solidFill>
+                      <a:schemeClr val="bg1">
+                        <a:lumMod val="85000"/>
+                      </a:schemeClr>
+                    </a:solidFill>
+                  </a:tcPr>
+                </a:tc>
+                <a:tc>
+                  <a:txBody>
+                    <a:bodyPr/>
+                    <a:lstStyle/>
+                    <a:p>
+                      <a:pPr algn="ctr"/>
+                      <a:endParaRPr lang="zh-CN" altLang="en-US" dirty="0"/>
+                    </a:p>
+                  </a:txBody>
+                  <a:tcPr anchor="ctr">
+                    <a:solidFill>
+                      <a:schemeClr val="bg1">
+                        <a:lumMod val="85000"/>
+                      </a:schemeClr>
+                    </a:solidFill>
+                  </a:tcPr>
+                </a:tc>
+                <a:tc>
+                  <a:txBody>
+                    <a:bodyPr/>
+                    <a:lstStyle/>
+                    <a:p>
+                      <a:pPr algn="ctr"/>
+                      <a:endParaRPr lang="zh-CN" altLang="en-US" dirty="0"/>
+                    </a:p>
+                  </a:txBody>
+                  <a:tcPr anchor="ctr">
+                    <a:solidFill>
+                      <a:schemeClr val="bg1">
+                        <a:lumMod val="85000"/>
+                      </a:schemeClr>
+                    </a:solidFill>
+                  </a:tcPr>
+                </a:tc>
+                <a:tc>
+                  <a:txBody>
+                    <a:bodyPr/>
+                    <a:lstStyle/>
+                    <a:p>
+                      <a:pPr algn="ctr"/>
+                      <a:endParaRPr lang="zh-CN" altLang="en-US" dirty="0"/>
+                    </a:p>
+                  </a:txBody>
+                  <a:tcPr anchor="ctr">
+                    <a:solidFill>
+                      <a:schemeClr val="bg1">
+                        <a:lumMod val="85000"/>
+                      </a:schemeClr>
+                    </a:solidFill>
+                  </a:tcPr>
+                </a:tc>
+                <a:tc>
+                  <a:txBody>
+                    <a:bodyPr/>
+                    <a:lstStyle/>
+                    <a:p>
+                      <a:pPr algn="ctr"/>
+                      <a:endParaRPr lang="zh-CN" altLang="en-US" dirty="0"/>
+                    </a:p>
+                  </a:txBody>
+                  <a:tcPr anchor="ctr">
+                    <a:solidFill>
+                      <a:schemeClr val="bg1">
+                        <a:lumMod val="85000"/>
+                      </a:schemeClr>
+                    </a:solidFill>
+                  </a:tcPr>
+                </a:tc>
+                <a:tc>
+                  <a:txBody>
+                    <a:bodyPr/>
+                    <a:lstStyle/>
+                    <a:p>
+                      <a:pPr algn="ctr"/>
+                      <a:endParaRPr lang="zh-CN" altLang="en-US" dirty="0"/>
+                    </a:p>
+                  </a:txBody>
+                  <a:tcPr anchor="ctr">
+                    <a:solidFill>
+                      <a:schemeClr val="bg1">
+                        <a:lumMod val="85000"/>
+                      </a:schemeClr>
+                    </a:solidFill>
+                  </a:tcPr>
+                </a:tc>
+                <a:extLst>
+                  <a:ext uri="{0D108BD9-81ED-4DB2-BD59-A6C34878D82A}">
+                    <a16:rowId xmlns:a16="http://schemas.microsoft.com/office/drawing/2014/main" val="3417617108"/>
+                  </a:ext>
+                </a:extLst>
+              </a:tr>
+              <a:tr h="495610">
+                <a:tc>
+                  <a:txBody>
+                    <a:bodyPr/>
+                    <a:lstStyle/>
+                    <a:p>
+                      <a:pPr algn="ctr"/>
+                      <a:r>
+                        <a:rPr lang="en-US" altLang="zh-CN" dirty="0"/>
+                        <a:t>3</a:t>
+                      </a:r>
+                      <a:endParaRPr lang="zh-CN" altLang="en-US" dirty="0"/>
+                    </a:p>
+                  </a:txBody>
+                  <a:tcPr anchor="ctr"/>
+                </a:tc>
+                <a:tc>
+                  <a:txBody>
+                    <a:bodyPr/>
+                    <a:lstStyle/>
+                    <a:p>
+                      <a:pPr algn="ctr"/>
+                      <a:r>
+                        <a:rPr lang="en-US" altLang="zh-CN" dirty="0"/>
+                        <a:t>0</a:t>
+                      </a:r>
+                      <a:endParaRPr lang="zh-CN" altLang="en-US" dirty="0"/>
+                    </a:p>
+                  </a:txBody>
+                  <a:tcPr anchor="ctr">
+                    <a:solidFill>
+                      <a:schemeClr val="bg1">
+                        <a:lumMod val="85000"/>
+                      </a:schemeClr>
+                    </a:solidFill>
+                  </a:tcPr>
+                </a:tc>
+                <a:tc>
+                  <a:txBody>
+                    <a:bodyPr/>
+                    <a:lstStyle/>
+                    <a:p>
+                      <a:pPr algn="ctr"/>
+                      <a:r>
+                        <a:rPr lang="en-US" altLang="zh-CN" dirty="0"/>
+                        <a:t>0</a:t>
+                      </a:r>
+                      <a:endParaRPr lang="zh-CN" altLang="en-US" dirty="0"/>
+                    </a:p>
+                  </a:txBody>
+                  <a:tcPr anchor="ctr">
+                    <a:solidFill>
+                      <a:schemeClr val="bg1">
+                        <a:lumMod val="85000"/>
+                      </a:schemeClr>
+                    </a:solidFill>
+                  </a:tcPr>
+                </a:tc>
+                <a:tc>
+                  <a:txBody>
+                    <a:bodyPr/>
+                    <a:lstStyle/>
+                    <a:p>
+                      <a:pPr algn="ctr"/>
+                      <a:r>
+                        <a:rPr lang="en-US" altLang="zh-CN" dirty="0"/>
+                        <a:t>0</a:t>
+                      </a:r>
+                      <a:endParaRPr lang="zh-CN" altLang="en-US" dirty="0"/>
+                    </a:p>
+                  </a:txBody>
+                  <a:tcPr anchor="ctr">
+                    <a:solidFill>
+                      <a:schemeClr val="bg1">
+                        <a:lumMod val="85000"/>
+                      </a:schemeClr>
+                    </a:solidFill>
+                  </a:tcPr>
+                </a:tc>
+                <a:tc>
+                  <a:txBody>
+                    <a:bodyPr/>
+                    <a:lstStyle/>
+                    <a:p>
+                      <a:pPr algn="ctr"/>
+                      <a:r>
+                        <a:rPr lang="en-US" altLang="zh-CN" dirty="0"/>
+                        <a:t>1</a:t>
+                      </a:r>
+                      <a:endParaRPr lang="zh-CN" altLang="en-US" dirty="0"/>
+                    </a:p>
+                  </a:txBody>
+                  <a:tcPr anchor="ctr"/>
+                </a:tc>
+                <a:tc>
+                  <a:txBody>
+                    <a:bodyPr/>
+                    <a:lstStyle/>
+                    <a:p>
+                      <a:pPr algn="ctr"/>
+                      <a:r>
+                        <a:rPr lang="en-US" altLang="zh-CN" dirty="0"/>
+                        <a:t>3</a:t>
+                      </a:r>
+                      <a:endParaRPr lang="zh-CN" altLang="en-US" dirty="0"/>
+                    </a:p>
+                  </a:txBody>
+                  <a:tcPr anchor="ctr"/>
+                </a:tc>
+                <a:tc>
+                  <a:txBody>
+                    <a:bodyPr/>
+                    <a:lstStyle/>
+                    <a:p>
+                      <a:pPr algn="ctr"/>
+                      <a:r>
+                        <a:rPr lang="en-US" altLang="zh-CN" dirty="0"/>
+                        <a:t>6</a:t>
+                      </a:r>
+                      <a:endParaRPr lang="zh-CN" altLang="en-US" dirty="0"/>
+                    </a:p>
+                  </a:txBody>
+                  <a:tcPr anchor="ctr"/>
+                </a:tc>
+                <a:tc>
+                  <a:txBody>
+                    <a:bodyPr/>
+                    <a:lstStyle/>
+                    <a:p>
+                      <a:pPr algn="ctr"/>
+                      <a:r>
+                        <a:rPr lang="en-US" altLang="zh-CN" dirty="0"/>
+                        <a:t>10</a:t>
+                      </a:r>
+                      <a:endParaRPr lang="zh-CN" altLang="en-US" dirty="0"/>
+                    </a:p>
+                  </a:txBody>
+                  <a:tcPr anchor="ctr"/>
+                </a:tc>
+                <a:tc>
+                  <a:txBody>
+                    <a:bodyPr/>
+                    <a:lstStyle/>
+                    <a:p>
+                      <a:pPr algn="ctr"/>
+                      <a:r>
+                        <a:rPr lang="en-US" altLang="zh-CN" dirty="0"/>
+                        <a:t>15</a:t>
+                      </a:r>
+                      <a:endParaRPr lang="zh-CN" altLang="en-US" dirty="0"/>
+                    </a:p>
+                  </a:txBody>
+                  <a:tcPr anchor="ctr"/>
+                </a:tc>
+                <a:tc>
+                  <a:txBody>
+                    <a:bodyPr/>
+                    <a:lstStyle/>
+                    <a:p>
+                      <a:pPr algn="ctr"/>
+                      <a:r>
+                        <a:rPr lang="en-US" altLang="zh-CN" dirty="0"/>
+                        <a:t>21</a:t>
+                      </a:r>
+                      <a:endParaRPr lang="zh-CN" altLang="en-US" dirty="0"/>
+                    </a:p>
+                  </a:txBody>
+                  <a:tcPr anchor="ctr"/>
+                </a:tc>
+                <a:tc>
+                  <a:txBody>
+                    <a:bodyPr/>
+                    <a:lstStyle/>
+                    <a:p>
+                      <a:pPr algn="ctr"/>
+                      <a:r>
+                        <a:rPr lang="en-US" altLang="zh-CN" dirty="0"/>
+                        <a:t>25</a:t>
+                      </a:r>
+                      <a:endParaRPr lang="zh-CN" altLang="en-US" dirty="0"/>
+                    </a:p>
+                  </a:txBody>
+                  <a:tcPr anchor="ctr">
+                    <a:solidFill>
+                      <a:schemeClr val="accent4">
+                        <a:lumMod val="40000"/>
+                        <a:lumOff val="60000"/>
+                      </a:schemeClr>
+                    </a:solidFill>
+                  </a:tcPr>
+                </a:tc>
+                <a:tc>
+                  <a:txBody>
+                    <a:bodyPr/>
+                    <a:lstStyle/>
+                    <a:p>
+                      <a:pPr algn="ctr"/>
+                      <a:r>
+                        <a:rPr lang="en-US" altLang="zh-CN" dirty="0"/>
+                        <a:t>27</a:t>
+                      </a:r>
+                      <a:endParaRPr lang="zh-CN" altLang="en-US" dirty="0"/>
+                    </a:p>
+                  </a:txBody>
+                  <a:tcPr anchor="ctr"/>
+                </a:tc>
+                <a:tc>
+                  <a:txBody>
+                    <a:bodyPr/>
+                    <a:lstStyle/>
+                    <a:p>
+                      <a:pPr algn="ctr"/>
+                      <a:r>
+                        <a:rPr lang="en-US" altLang="zh-CN" dirty="0"/>
+                        <a:t>27</a:t>
+                      </a:r>
+                      <a:endParaRPr lang="zh-CN" altLang="en-US" dirty="0"/>
+                    </a:p>
+                  </a:txBody>
+                  <a:tcPr anchor="ctr"/>
+                </a:tc>
+                <a:tc>
+                  <a:txBody>
+                    <a:bodyPr/>
+                    <a:lstStyle/>
+                    <a:p>
+                      <a:pPr algn="ctr"/>
+                      <a:r>
+                        <a:rPr lang="en-US" altLang="zh-CN" dirty="0"/>
+                        <a:t>25</a:t>
+                      </a:r>
+                      <a:endParaRPr lang="zh-CN" altLang="en-US" dirty="0"/>
+                    </a:p>
+                  </a:txBody>
+                  <a:tcPr anchor="ctr"/>
+                </a:tc>
+                <a:tc>
+                  <a:txBody>
+                    <a:bodyPr/>
+                    <a:lstStyle/>
+                    <a:p>
+                      <a:pPr algn="ctr"/>
+                      <a:r>
+                        <a:rPr lang="en-US" altLang="zh-CN" dirty="0"/>
+                        <a:t>21</a:t>
+                      </a:r>
+                      <a:endParaRPr lang="zh-CN" altLang="en-US" dirty="0"/>
+                    </a:p>
+                  </a:txBody>
+                  <a:tcPr anchor="ctr"/>
+                </a:tc>
+                <a:tc>
+                  <a:txBody>
+                    <a:bodyPr/>
+                    <a:lstStyle/>
+                    <a:p>
+                      <a:pPr algn="ctr"/>
+                      <a:r>
+                        <a:rPr lang="en-US" altLang="zh-CN" dirty="0"/>
+                        <a:t>15</a:t>
+                      </a:r>
+                      <a:endParaRPr lang="zh-CN" altLang="en-US" dirty="0"/>
+                    </a:p>
+                  </a:txBody>
+                  <a:tcPr anchor="ctr"/>
+                </a:tc>
+                <a:tc>
+                  <a:txBody>
+                    <a:bodyPr/>
+                    <a:lstStyle/>
+                    <a:p>
+                      <a:pPr algn="ctr"/>
+                      <a:r>
+                        <a:rPr lang="en-US" altLang="zh-CN" dirty="0"/>
+                        <a:t>10</a:t>
+                      </a:r>
+                      <a:endParaRPr lang="zh-CN" altLang="en-US" dirty="0"/>
+                    </a:p>
+                  </a:txBody>
+                  <a:tcPr anchor="ctr"/>
+                </a:tc>
+                <a:tc>
+                  <a:txBody>
+                    <a:bodyPr/>
+                    <a:lstStyle/>
+                    <a:p>
+                      <a:pPr algn="ctr"/>
+                      <a:r>
+                        <a:rPr lang="en-US" altLang="zh-CN" dirty="0"/>
+                        <a:t>6</a:t>
+                      </a:r>
+                      <a:endParaRPr lang="zh-CN" altLang="en-US" dirty="0"/>
+                    </a:p>
+                  </a:txBody>
+                  <a:tcPr anchor="ctr"/>
+                </a:tc>
+                <a:tc>
+                  <a:txBody>
+                    <a:bodyPr/>
+                    <a:lstStyle/>
+                    <a:p>
+                      <a:pPr algn="ctr"/>
+                      <a:r>
+                        <a:rPr lang="en-US" altLang="zh-CN" dirty="0"/>
+                        <a:t>3</a:t>
+                      </a:r>
+                      <a:endParaRPr lang="zh-CN" altLang="en-US" dirty="0"/>
+                    </a:p>
+                  </a:txBody>
+                  <a:tcPr anchor="ctr"/>
+                </a:tc>
+                <a:tc>
+                  <a:txBody>
+                    <a:bodyPr/>
+                    <a:lstStyle/>
+                    <a:p>
+                      <a:pPr algn="ctr"/>
+                      <a:r>
+                        <a:rPr lang="en-US" altLang="zh-CN" dirty="0"/>
+                        <a:t>1</a:t>
+                      </a:r>
+                      <a:endParaRPr lang="zh-CN" altLang="en-US" dirty="0"/>
+                    </a:p>
+                  </a:txBody>
+                  <a:tcPr anchor="ctr"/>
+                </a:tc>
+                <a:extLst>
+                  <a:ext uri="{0D108BD9-81ED-4DB2-BD59-A6C34878D82A}">
+                    <a16:rowId xmlns:a16="http://schemas.microsoft.com/office/drawing/2014/main" val="3094493222"/>
+                  </a:ext>
+                </a:extLst>
+              </a:tr>
+            </a:tbl>
+          </a:graphicData>
+        </a:graphic>
+      </p:graphicFrame>
+    </p:spTree>
+    <p:extLst>
+      <p:ext uri="{BB962C8B-B14F-4D97-AF65-F5344CB8AC3E}">
+        <p14:creationId xmlns:p14="http://schemas.microsoft.com/office/powerpoint/2010/main" val="1971818372"/>
+      </p:ext>
+    </p:extLst>
+  </p:cSld>
+  <p:clrMapOvr>
+    <a:masterClrMapping/>
+  </p:clrMapOvr>
+</p:sld>
+</file>
+
 <file path=ppt/theme/theme1.xml><?xml version="1.0" encoding="utf-8"?>
 <a:theme xmlns:a="http://schemas.openxmlformats.org/drawingml/2006/main" name="Office 主题​​">
   <a:themeElements>

--- a/高频代码题解示意图.pptx
+++ b/高频代码题解示意图.pptx
@@ -203,7 +203,7 @@
           <a:p>
             <a:fld id="{2C9F9DDE-F0A1-491D-8D69-0A4918BBC240}" type="datetimeFigureOut">
               <a:rPr lang="zh-CN" altLang="en-US" smtClean="0"/>
-              <a:t>2021/2/23</a:t>
+              <a:t>2021/2/24</a:t>
             </a:fld>
             <a:endParaRPr lang="zh-CN" altLang="en-US"/>
           </a:p>
@@ -1289,7 +1289,7 @@
           <a:p>
             <a:fld id="{BC9E8338-0904-49E6-9B4B-343D8E3BC7C9}" type="datetimeFigureOut">
               <a:rPr lang="zh-CN" altLang="en-US" smtClean="0"/>
-              <a:t>2021/2/23</a:t>
+              <a:t>2021/2/24</a:t>
             </a:fld>
             <a:endParaRPr lang="zh-CN" altLang="en-US"/>
           </a:p>
@@ -1487,7 +1487,7 @@
           <a:p>
             <a:fld id="{BC9E8338-0904-49E6-9B4B-343D8E3BC7C9}" type="datetimeFigureOut">
               <a:rPr lang="zh-CN" altLang="en-US" smtClean="0"/>
-              <a:t>2021/2/23</a:t>
+              <a:t>2021/2/24</a:t>
             </a:fld>
             <a:endParaRPr lang="zh-CN" altLang="en-US"/>
           </a:p>
@@ -1695,7 +1695,7 @@
           <a:p>
             <a:fld id="{BC9E8338-0904-49E6-9B4B-343D8E3BC7C9}" type="datetimeFigureOut">
               <a:rPr lang="zh-CN" altLang="en-US" smtClean="0"/>
-              <a:t>2021/2/23</a:t>
+              <a:t>2021/2/24</a:t>
             </a:fld>
             <a:endParaRPr lang="zh-CN" altLang="en-US"/>
           </a:p>
@@ -1893,7 +1893,7 @@
           <a:p>
             <a:fld id="{BC9E8338-0904-49E6-9B4B-343D8E3BC7C9}" type="datetimeFigureOut">
               <a:rPr lang="zh-CN" altLang="en-US" smtClean="0"/>
-              <a:t>2021/2/23</a:t>
+              <a:t>2021/2/24</a:t>
             </a:fld>
             <a:endParaRPr lang="zh-CN" altLang="en-US"/>
           </a:p>
@@ -2168,7 +2168,7 @@
           <a:p>
             <a:fld id="{BC9E8338-0904-49E6-9B4B-343D8E3BC7C9}" type="datetimeFigureOut">
               <a:rPr lang="zh-CN" altLang="en-US" smtClean="0"/>
-              <a:t>2021/2/23</a:t>
+              <a:t>2021/2/24</a:t>
             </a:fld>
             <a:endParaRPr lang="zh-CN" altLang="en-US"/>
           </a:p>
@@ -2433,7 +2433,7 @@
           <a:p>
             <a:fld id="{BC9E8338-0904-49E6-9B4B-343D8E3BC7C9}" type="datetimeFigureOut">
               <a:rPr lang="zh-CN" altLang="en-US" smtClean="0"/>
-              <a:t>2021/2/23</a:t>
+              <a:t>2021/2/24</a:t>
             </a:fld>
             <a:endParaRPr lang="zh-CN" altLang="en-US"/>
           </a:p>
@@ -2845,7 +2845,7 @@
           <a:p>
             <a:fld id="{BC9E8338-0904-49E6-9B4B-343D8E3BC7C9}" type="datetimeFigureOut">
               <a:rPr lang="zh-CN" altLang="en-US" smtClean="0"/>
-              <a:t>2021/2/23</a:t>
+              <a:t>2021/2/24</a:t>
             </a:fld>
             <a:endParaRPr lang="zh-CN" altLang="en-US"/>
           </a:p>
@@ -2986,7 +2986,7 @@
           <a:p>
             <a:fld id="{BC9E8338-0904-49E6-9B4B-343D8E3BC7C9}" type="datetimeFigureOut">
               <a:rPr lang="zh-CN" altLang="en-US" smtClean="0"/>
-              <a:t>2021/2/23</a:t>
+              <a:t>2021/2/24</a:t>
             </a:fld>
             <a:endParaRPr lang="zh-CN" altLang="en-US"/>
           </a:p>
@@ -3099,7 +3099,7 @@
           <a:p>
             <a:fld id="{BC9E8338-0904-49E6-9B4B-343D8E3BC7C9}" type="datetimeFigureOut">
               <a:rPr lang="zh-CN" altLang="en-US" smtClean="0"/>
-              <a:t>2021/2/23</a:t>
+              <a:t>2021/2/24</a:t>
             </a:fld>
             <a:endParaRPr lang="zh-CN" altLang="en-US"/>
           </a:p>
@@ -3410,7 +3410,7 @@
           <a:p>
             <a:fld id="{BC9E8338-0904-49E6-9B4B-343D8E3BC7C9}" type="datetimeFigureOut">
               <a:rPr lang="zh-CN" altLang="en-US" smtClean="0"/>
-              <a:t>2021/2/23</a:t>
+              <a:t>2021/2/24</a:t>
             </a:fld>
             <a:endParaRPr lang="zh-CN" altLang="en-US"/>
           </a:p>
@@ -3698,7 +3698,7 @@
           <a:p>
             <a:fld id="{BC9E8338-0904-49E6-9B4B-343D8E3BC7C9}" type="datetimeFigureOut">
               <a:rPr lang="zh-CN" altLang="en-US" smtClean="0"/>
-              <a:t>2021/2/23</a:t>
+              <a:t>2021/2/24</a:t>
             </a:fld>
             <a:endParaRPr lang="zh-CN" altLang="en-US"/>
           </a:p>
@@ -3939,7 +3939,7 @@
           <a:p>
             <a:fld id="{BC9E8338-0904-49E6-9B4B-343D8E3BC7C9}" type="datetimeFigureOut">
               <a:rPr lang="zh-CN" altLang="en-US" smtClean="0"/>
-              <a:t>2021/2/23</a:t>
+              <a:t>2021/2/24</a:t>
             </a:fld>
             <a:endParaRPr lang="zh-CN" altLang="en-US"/>
           </a:p>
@@ -30480,14 +30480,14 @@
           <p:nvPr>
             <p:extLst>
               <p:ext uri="{D42A27DB-BD31-4B8C-83A1-F6EECF244321}">
-                <p14:modId xmlns:p14="http://schemas.microsoft.com/office/powerpoint/2010/main" val="2123175303"/>
+                <p14:modId xmlns:p14="http://schemas.microsoft.com/office/powerpoint/2010/main" val="3450454745"/>
               </p:ext>
             </p:extLst>
           </p:nvPr>
         </p:nvGraphicFramePr>
         <p:xfrm>
           <a:off x="955494" y="1212825"/>
-          <a:ext cx="9472780" cy="2478050"/>
+          <a:ext cx="9021700" cy="1982440"/>
         </p:xfrm>
         <a:graphic>
           <a:graphicData uri="http://schemas.openxmlformats.org/drawingml/2006/table">
@@ -30496,146 +30496,146 @@
                 <a:tableStyleId>{5940675A-B579-460E-94D1-54222C63F5DA}</a:tableStyleId>
               </a:tblPr>
               <a:tblGrid>
-                <a:gridCol w="473639">
+                <a:gridCol w="451085">
                   <a:extLst>
                     <a:ext uri="{9D8B030D-6E8A-4147-A177-3AD203B41FA5}">
                       <a16:colId xmlns:a16="http://schemas.microsoft.com/office/drawing/2014/main" val="1875877966"/>
                     </a:ext>
                   </a:extLst>
                 </a:gridCol>
-                <a:gridCol w="473639">
-                  <a:extLst>
-                    <a:ext uri="{9D8B030D-6E8A-4147-A177-3AD203B41FA5}">
-                      <a16:colId xmlns:a16="http://schemas.microsoft.com/office/drawing/2014/main" val="2763931087"/>
-                    </a:ext>
-                  </a:extLst>
-                </a:gridCol>
-                <a:gridCol w="473639">
+                <a:gridCol w="451085">
                   <a:extLst>
                     <a:ext uri="{9D8B030D-6E8A-4147-A177-3AD203B41FA5}">
                       <a16:colId xmlns:a16="http://schemas.microsoft.com/office/drawing/2014/main" val="656116734"/>
                     </a:ext>
                   </a:extLst>
                 </a:gridCol>
-                <a:gridCol w="473639">
+                <a:gridCol w="451085">
                   <a:extLst>
                     <a:ext uri="{9D8B030D-6E8A-4147-A177-3AD203B41FA5}">
                       <a16:colId xmlns:a16="http://schemas.microsoft.com/office/drawing/2014/main" val="932944216"/>
                     </a:ext>
                   </a:extLst>
                 </a:gridCol>
-                <a:gridCol w="473639">
+                <a:gridCol w="451085">
                   <a:extLst>
                     <a:ext uri="{9D8B030D-6E8A-4147-A177-3AD203B41FA5}">
                       <a16:colId xmlns:a16="http://schemas.microsoft.com/office/drawing/2014/main" val="1845681499"/>
                     </a:ext>
                   </a:extLst>
                 </a:gridCol>
-                <a:gridCol w="473639">
+                <a:gridCol w="451085">
                   <a:extLst>
                     <a:ext uri="{9D8B030D-6E8A-4147-A177-3AD203B41FA5}">
                       <a16:colId xmlns:a16="http://schemas.microsoft.com/office/drawing/2014/main" val="3850315018"/>
                     </a:ext>
                   </a:extLst>
                 </a:gridCol>
-                <a:gridCol w="473639">
+                <a:gridCol w="451085">
                   <a:extLst>
                     <a:ext uri="{9D8B030D-6E8A-4147-A177-3AD203B41FA5}">
                       <a16:colId xmlns:a16="http://schemas.microsoft.com/office/drawing/2014/main" val="4289458409"/>
                     </a:ext>
                   </a:extLst>
                 </a:gridCol>
-                <a:gridCol w="473639">
+                <a:gridCol w="451085">
                   <a:extLst>
                     <a:ext uri="{9D8B030D-6E8A-4147-A177-3AD203B41FA5}">
                       <a16:colId xmlns:a16="http://schemas.microsoft.com/office/drawing/2014/main" val="1686734236"/>
                     </a:ext>
                   </a:extLst>
                 </a:gridCol>
-                <a:gridCol w="473639">
+                <a:gridCol w="451085">
                   <a:extLst>
                     <a:ext uri="{9D8B030D-6E8A-4147-A177-3AD203B41FA5}">
                       <a16:colId xmlns:a16="http://schemas.microsoft.com/office/drawing/2014/main" val="2002242932"/>
                     </a:ext>
                   </a:extLst>
                 </a:gridCol>
-                <a:gridCol w="473639">
+                <a:gridCol w="451085">
                   <a:extLst>
                     <a:ext uri="{9D8B030D-6E8A-4147-A177-3AD203B41FA5}">
                       <a16:colId xmlns:a16="http://schemas.microsoft.com/office/drawing/2014/main" val="3999004693"/>
                     </a:ext>
                   </a:extLst>
                 </a:gridCol>
-                <a:gridCol w="473639">
+                <a:gridCol w="451085">
                   <a:extLst>
                     <a:ext uri="{9D8B030D-6E8A-4147-A177-3AD203B41FA5}">
                       <a16:colId xmlns:a16="http://schemas.microsoft.com/office/drawing/2014/main" val="1274956131"/>
                     </a:ext>
                   </a:extLst>
                 </a:gridCol>
-                <a:gridCol w="473639">
+                <a:gridCol w="451085">
                   <a:extLst>
                     <a:ext uri="{9D8B030D-6E8A-4147-A177-3AD203B41FA5}">
                       <a16:colId xmlns:a16="http://schemas.microsoft.com/office/drawing/2014/main" val="2511273561"/>
                     </a:ext>
                   </a:extLst>
                 </a:gridCol>
-                <a:gridCol w="473639">
+                <a:gridCol w="451085">
                   <a:extLst>
                     <a:ext uri="{9D8B030D-6E8A-4147-A177-3AD203B41FA5}">
                       <a16:colId xmlns:a16="http://schemas.microsoft.com/office/drawing/2014/main" val="4292597417"/>
                     </a:ext>
                   </a:extLst>
                 </a:gridCol>
-                <a:gridCol w="473639">
+                <a:gridCol w="451085">
                   <a:extLst>
                     <a:ext uri="{9D8B030D-6E8A-4147-A177-3AD203B41FA5}">
                       <a16:colId xmlns:a16="http://schemas.microsoft.com/office/drawing/2014/main" val="3701958130"/>
                     </a:ext>
                   </a:extLst>
                 </a:gridCol>
-                <a:gridCol w="473639">
+                <a:gridCol w="451085">
                   <a:extLst>
                     <a:ext uri="{9D8B030D-6E8A-4147-A177-3AD203B41FA5}">
                       <a16:colId xmlns:a16="http://schemas.microsoft.com/office/drawing/2014/main" val="3343145294"/>
                     </a:ext>
                   </a:extLst>
                 </a:gridCol>
-                <a:gridCol w="473639">
+                <a:gridCol w="451085">
                   <a:extLst>
                     <a:ext uri="{9D8B030D-6E8A-4147-A177-3AD203B41FA5}">
                       <a16:colId xmlns:a16="http://schemas.microsoft.com/office/drawing/2014/main" val="745356998"/>
                     </a:ext>
                   </a:extLst>
                 </a:gridCol>
-                <a:gridCol w="473639">
+                <a:gridCol w="451085">
                   <a:extLst>
                     <a:ext uri="{9D8B030D-6E8A-4147-A177-3AD203B41FA5}">
                       <a16:colId xmlns:a16="http://schemas.microsoft.com/office/drawing/2014/main" val="3800504679"/>
                     </a:ext>
                   </a:extLst>
                 </a:gridCol>
-                <a:gridCol w="473639">
+                <a:gridCol w="451085">
                   <a:extLst>
                     <a:ext uri="{9D8B030D-6E8A-4147-A177-3AD203B41FA5}">
                       <a16:colId xmlns:a16="http://schemas.microsoft.com/office/drawing/2014/main" val="3817265428"/>
                     </a:ext>
                   </a:extLst>
                 </a:gridCol>
-                <a:gridCol w="473639">
+                <a:gridCol w="451085">
                   <a:extLst>
                     <a:ext uri="{9D8B030D-6E8A-4147-A177-3AD203B41FA5}">
                       <a16:colId xmlns:a16="http://schemas.microsoft.com/office/drawing/2014/main" val="3242409640"/>
                     </a:ext>
                   </a:extLst>
                 </a:gridCol>
-                <a:gridCol w="473639">
+                <a:gridCol w="451085">
                   <a:extLst>
                     <a:ext uri="{9D8B030D-6E8A-4147-A177-3AD203B41FA5}">
                       <a16:colId xmlns:a16="http://schemas.microsoft.com/office/drawing/2014/main" val="2131603343"/>
                     </a:ext>
                   </a:extLst>
                 </a:gridCol>
+                <a:gridCol w="451085">
+                  <a:extLst>
+                    <a:ext uri="{9D8B030D-6E8A-4147-A177-3AD203B41FA5}">
+                      <a16:colId xmlns:a16="http://schemas.microsoft.com/office/drawing/2014/main" val="1059991693"/>
+                    </a:ext>
+                  </a:extLst>
+                </a:gridCol>
               </a:tblGrid>
               <a:tr h="495610">
                 <a:tc>
@@ -30644,29 +30644,6 @@
                     <a:lstStyle/>
                     <a:p>
                       <a:pPr algn="ctr"/>
-                      <a:endParaRPr lang="zh-CN" altLang="en-US" dirty="0"/>
-                    </a:p>
-                  </a:txBody>
-                  <a:tcPr anchor="ctr">
-                    <a:lnTlToBr w="12700" cap="flat" cmpd="sng" algn="ctr">
-                      <a:noFill/>
-                      <a:prstDash val="solid"/>
-                      <a:round/>
-                      <a:headEnd type="none" w="med" len="med"/>
-                      <a:tailEnd type="none" w="med" len="med"/>
-                    </a:lnTlToBr>
-                  </a:tcPr>
-                </a:tc>
-                <a:tc>
-                  <a:txBody>
-                    <a:bodyPr/>
-                    <a:lstStyle/>
-                    <a:p>
-                      <a:pPr algn="ctr"/>
-                      <a:r>
-                        <a:rPr lang="en-US" altLang="zh-CN" dirty="0"/>
-                        <a:t>0</a:t>
-                      </a:r>
                       <a:endParaRPr lang="zh-CN" altLang="en-US" dirty="0"/>
                     </a:p>
                   </a:txBody>
@@ -30944,6 +30921,21 @@
                       <a:r>
                         <a:rPr lang="en-US" altLang="zh-CN" dirty="0"/>
                         <a:t>18</a:t>
+                      </a:r>
+                      <a:endParaRPr lang="zh-CN" altLang="en-US" dirty="0"/>
+                    </a:p>
+                  </a:txBody>
+                  <a:tcPr anchor="ctr"/>
+                </a:tc>
+                <a:tc>
+                  <a:txBody>
+                    <a:bodyPr/>
+                    <a:lstStyle/>
+                    <a:p>
+                      <a:pPr algn="ctr"/>
+                      <a:r>
+                        <a:rPr lang="en-US" altLang="zh-CN" dirty="0"/>
+                        <a:t>19</a:t>
                       </a:r>
                       <a:endParaRPr lang="zh-CN" altLang="en-US" dirty="0"/>
                     </a:p>
@@ -30965,7 +30957,7 @@
                       <a:pPr algn="ctr"/>
                       <a:r>
                         <a:rPr lang="en-US" altLang="zh-CN" dirty="0"/>
-                        <a:t>0</a:t>
+                        <a:t>1</a:t>
                       </a:r>
                       <a:endParaRPr lang="zh-CN" altLang="en-US" dirty="0"/>
                     </a:p>
@@ -30980,8 +30972,94 @@
                       <a:pPr algn="ctr"/>
                       <a:r>
                         <a:rPr lang="en-US" altLang="zh-CN" dirty="0"/>
-                        <a:t>0</a:t>
+                        <a:t>1</a:t>
                       </a:r>
+                      <a:endParaRPr lang="zh-CN" altLang="en-US" dirty="0"/>
+                    </a:p>
+                  </a:txBody>
+                  <a:tcPr anchor="ctr"/>
+                </a:tc>
+                <a:tc>
+                  <a:txBody>
+                    <a:bodyPr/>
+                    <a:lstStyle/>
+                    <a:p>
+                      <a:pPr algn="ctr"/>
+                      <a:r>
+                        <a:rPr lang="en-US" altLang="zh-CN" dirty="0"/>
+                        <a:t>1</a:t>
+                      </a:r>
+                      <a:endParaRPr lang="zh-CN" altLang="en-US" dirty="0"/>
+                    </a:p>
+                  </a:txBody>
+                  <a:tcPr anchor="ctr"/>
+                </a:tc>
+                <a:tc>
+                  <a:txBody>
+                    <a:bodyPr/>
+                    <a:lstStyle/>
+                    <a:p>
+                      <a:pPr algn="ctr"/>
+                      <a:r>
+                        <a:rPr lang="en-US" altLang="zh-CN" dirty="0"/>
+                        <a:t>1</a:t>
+                      </a:r>
+                      <a:endParaRPr lang="zh-CN" altLang="en-US" dirty="0"/>
+                    </a:p>
+                  </a:txBody>
+                  <a:tcPr anchor="ctr"/>
+                </a:tc>
+                <a:tc>
+                  <a:txBody>
+                    <a:bodyPr/>
+                    <a:lstStyle/>
+                    <a:p>
+                      <a:pPr algn="ctr"/>
+                      <a:r>
+                        <a:rPr lang="en-US" altLang="zh-CN" dirty="0"/>
+                        <a:t>1</a:t>
+                      </a:r>
+                      <a:endParaRPr lang="zh-CN" altLang="en-US" dirty="0"/>
+                    </a:p>
+                  </a:txBody>
+                  <a:tcPr anchor="ctr"/>
+                </a:tc>
+                <a:tc>
+                  <a:txBody>
+                    <a:bodyPr/>
+                    <a:lstStyle/>
+                    <a:p>
+                      <a:pPr algn="ctr"/>
+                      <a:r>
+                        <a:rPr lang="en-US" altLang="zh-CN" dirty="0"/>
+                        <a:t>1</a:t>
+                      </a:r>
+                      <a:endParaRPr lang="zh-CN" altLang="en-US" dirty="0"/>
+                    </a:p>
+                  </a:txBody>
+                  <a:tcPr anchor="ctr"/>
+                </a:tc>
+                <a:tc>
+                  <a:txBody>
+                    <a:bodyPr/>
+                    <a:lstStyle/>
+                    <a:p>
+                      <a:pPr algn="ctr"/>
+                      <a:r>
+                        <a:rPr lang="en-US" altLang="zh-CN" dirty="0"/>
+                        <a:t>1</a:t>
+                      </a:r>
+                      <a:endParaRPr lang="zh-CN" altLang="en-US" dirty="0"/>
+                    </a:p>
+                  </a:txBody>
+                  <a:tcPr anchor="ctr"/>
+                </a:tc>
+                <a:tc>
+                  <a:txBody>
+                    <a:bodyPr/>
+                    <a:lstStyle/>
+                    <a:p>
+                      <a:pPr algn="ctr"/>
                       <a:endParaRPr lang="zh-CN" altLang="en-US" dirty="0"/>
                     </a:p>
                   </a:txBody>
@@ -30992,445 +31070,6 @@
                       </a:schemeClr>
                     </a:solidFill>
                   </a:tcPr>
-                </a:tc>
-                <a:tc>
-                  <a:txBody>
-                    <a:bodyPr/>
-                    <a:lstStyle/>
-                    <a:p>
-                      <a:pPr algn="ctr"/>
-                      <a:endParaRPr lang="zh-CN" altLang="en-US" dirty="0"/>
-                    </a:p>
-                  </a:txBody>
-                  <a:tcPr anchor="ctr">
-                    <a:solidFill>
-                      <a:schemeClr val="bg1">
-                        <a:lumMod val="85000"/>
-                      </a:schemeClr>
-                    </a:solidFill>
-                  </a:tcPr>
-                </a:tc>
-                <a:tc>
-                  <a:txBody>
-                    <a:bodyPr/>
-                    <a:lstStyle/>
-                    <a:p>
-                      <a:pPr algn="ctr"/>
-                      <a:endParaRPr lang="zh-CN" altLang="en-US" dirty="0"/>
-                    </a:p>
-                  </a:txBody>
-                  <a:tcPr anchor="ctr">
-                    <a:solidFill>
-                      <a:schemeClr val="bg1">
-                        <a:lumMod val="85000"/>
-                      </a:schemeClr>
-                    </a:solidFill>
-                  </a:tcPr>
-                </a:tc>
-                <a:tc>
-                  <a:txBody>
-                    <a:bodyPr/>
-                    <a:lstStyle/>
-                    <a:p>
-                      <a:pPr algn="ctr"/>
-                      <a:endParaRPr lang="zh-CN" altLang="en-US" dirty="0"/>
-                    </a:p>
-                  </a:txBody>
-                  <a:tcPr anchor="ctr">
-                    <a:solidFill>
-                      <a:schemeClr val="bg1">
-                        <a:lumMod val="85000"/>
-                      </a:schemeClr>
-                    </a:solidFill>
-                  </a:tcPr>
-                </a:tc>
-                <a:tc>
-                  <a:txBody>
-                    <a:bodyPr/>
-                    <a:lstStyle/>
-                    <a:p>
-                      <a:pPr algn="ctr"/>
-                      <a:endParaRPr lang="zh-CN" altLang="en-US" dirty="0"/>
-                    </a:p>
-                  </a:txBody>
-                  <a:tcPr anchor="ctr">
-                    <a:solidFill>
-                      <a:schemeClr val="bg1">
-                        <a:lumMod val="85000"/>
-                      </a:schemeClr>
-                    </a:solidFill>
-                  </a:tcPr>
-                </a:tc>
-                <a:tc>
-                  <a:txBody>
-                    <a:bodyPr/>
-                    <a:lstStyle/>
-                    <a:p>
-                      <a:pPr algn="ctr"/>
-                      <a:endParaRPr lang="zh-CN" altLang="en-US" dirty="0"/>
-                    </a:p>
-                  </a:txBody>
-                  <a:tcPr anchor="ctr">
-                    <a:solidFill>
-                      <a:schemeClr val="bg1">
-                        <a:lumMod val="85000"/>
-                      </a:schemeClr>
-                    </a:solidFill>
-                  </a:tcPr>
-                </a:tc>
-                <a:tc>
-                  <a:txBody>
-                    <a:bodyPr/>
-                    <a:lstStyle/>
-                    <a:p>
-                      <a:pPr algn="ctr"/>
-                      <a:endParaRPr lang="zh-CN" altLang="en-US" dirty="0"/>
-                    </a:p>
-                  </a:txBody>
-                  <a:tcPr anchor="ctr">
-                    <a:solidFill>
-                      <a:schemeClr val="bg1">
-                        <a:lumMod val="85000"/>
-                      </a:schemeClr>
-                    </a:solidFill>
-                  </a:tcPr>
-                </a:tc>
-                <a:tc>
-                  <a:txBody>
-                    <a:bodyPr/>
-                    <a:lstStyle/>
-                    <a:p>
-                      <a:pPr algn="ctr"/>
-                      <a:endParaRPr lang="zh-CN" altLang="en-US" dirty="0"/>
-                    </a:p>
-                  </a:txBody>
-                  <a:tcPr anchor="ctr">
-                    <a:solidFill>
-                      <a:schemeClr val="bg1">
-                        <a:lumMod val="85000"/>
-                      </a:schemeClr>
-                    </a:solidFill>
-                  </a:tcPr>
-                </a:tc>
-                <a:tc>
-                  <a:txBody>
-                    <a:bodyPr/>
-                    <a:lstStyle/>
-                    <a:p>
-                      <a:pPr algn="ctr"/>
-                      <a:endParaRPr lang="zh-CN" altLang="en-US" dirty="0"/>
-                    </a:p>
-                  </a:txBody>
-                  <a:tcPr anchor="ctr">
-                    <a:solidFill>
-                      <a:schemeClr val="bg1">
-                        <a:lumMod val="85000"/>
-                      </a:schemeClr>
-                    </a:solidFill>
-                  </a:tcPr>
-                </a:tc>
-                <a:tc>
-                  <a:txBody>
-                    <a:bodyPr/>
-                    <a:lstStyle/>
-                    <a:p>
-                      <a:pPr algn="ctr"/>
-                      <a:endParaRPr lang="zh-CN" altLang="en-US" dirty="0"/>
-                    </a:p>
-                  </a:txBody>
-                  <a:tcPr anchor="ctr">
-                    <a:solidFill>
-                      <a:schemeClr val="bg1">
-                        <a:lumMod val="85000"/>
-                      </a:schemeClr>
-                    </a:solidFill>
-                  </a:tcPr>
-                </a:tc>
-                <a:tc>
-                  <a:txBody>
-                    <a:bodyPr/>
-                    <a:lstStyle/>
-                    <a:p>
-                      <a:pPr algn="ctr"/>
-                      <a:endParaRPr lang="zh-CN" altLang="en-US" dirty="0"/>
-                    </a:p>
-                  </a:txBody>
-                  <a:tcPr anchor="ctr">
-                    <a:solidFill>
-                      <a:schemeClr val="bg1">
-                        <a:lumMod val="85000"/>
-                      </a:schemeClr>
-                    </a:solidFill>
-                  </a:tcPr>
-                </a:tc>
-                <a:tc>
-                  <a:txBody>
-                    <a:bodyPr/>
-                    <a:lstStyle/>
-                    <a:p>
-                      <a:pPr algn="ctr"/>
-                      <a:endParaRPr lang="zh-CN" altLang="en-US" dirty="0"/>
-                    </a:p>
-                  </a:txBody>
-                  <a:tcPr anchor="ctr">
-                    <a:solidFill>
-                      <a:schemeClr val="bg1">
-                        <a:lumMod val="85000"/>
-                      </a:schemeClr>
-                    </a:solidFill>
-                  </a:tcPr>
-                </a:tc>
-                <a:tc>
-                  <a:txBody>
-                    <a:bodyPr/>
-                    <a:lstStyle/>
-                    <a:p>
-                      <a:pPr algn="ctr"/>
-                      <a:endParaRPr lang="zh-CN" altLang="en-US" dirty="0"/>
-                    </a:p>
-                  </a:txBody>
-                  <a:tcPr anchor="ctr">
-                    <a:solidFill>
-                      <a:schemeClr val="bg1">
-                        <a:lumMod val="85000"/>
-                      </a:schemeClr>
-                    </a:solidFill>
-                  </a:tcPr>
-                </a:tc>
-                <a:tc>
-                  <a:txBody>
-                    <a:bodyPr/>
-                    <a:lstStyle/>
-                    <a:p>
-                      <a:pPr algn="ctr"/>
-                      <a:endParaRPr lang="zh-CN" altLang="en-US" dirty="0"/>
-                    </a:p>
-                  </a:txBody>
-                  <a:tcPr anchor="ctr">
-                    <a:solidFill>
-                      <a:schemeClr val="bg1">
-                        <a:lumMod val="85000"/>
-                      </a:schemeClr>
-                    </a:solidFill>
-                  </a:tcPr>
-                </a:tc>
-                <a:tc>
-                  <a:txBody>
-                    <a:bodyPr/>
-                    <a:lstStyle/>
-                    <a:p>
-                      <a:pPr algn="ctr"/>
-                      <a:endParaRPr lang="zh-CN" altLang="en-US" dirty="0"/>
-                    </a:p>
-                  </a:txBody>
-                  <a:tcPr anchor="ctr">
-                    <a:solidFill>
-                      <a:schemeClr val="bg1">
-                        <a:lumMod val="85000"/>
-                      </a:schemeClr>
-                    </a:solidFill>
-                  </a:tcPr>
-                </a:tc>
-                <a:tc>
-                  <a:txBody>
-                    <a:bodyPr/>
-                    <a:lstStyle/>
-                    <a:p>
-                      <a:pPr algn="ctr"/>
-                      <a:endParaRPr lang="zh-CN" altLang="en-US" dirty="0"/>
-                    </a:p>
-                  </a:txBody>
-                  <a:tcPr anchor="ctr">
-                    <a:solidFill>
-                      <a:schemeClr val="bg1">
-                        <a:lumMod val="85000"/>
-                      </a:schemeClr>
-                    </a:solidFill>
-                  </a:tcPr>
-                </a:tc>
-                <a:tc>
-                  <a:txBody>
-                    <a:bodyPr/>
-                    <a:lstStyle/>
-                    <a:p>
-                      <a:pPr algn="ctr"/>
-                      <a:endParaRPr lang="zh-CN" altLang="en-US" dirty="0"/>
-                    </a:p>
-                  </a:txBody>
-                  <a:tcPr anchor="ctr">
-                    <a:solidFill>
-                      <a:schemeClr val="bg1">
-                        <a:lumMod val="85000"/>
-                      </a:schemeClr>
-                    </a:solidFill>
-                  </a:tcPr>
-                </a:tc>
-                <a:tc>
-                  <a:txBody>
-                    <a:bodyPr/>
-                    <a:lstStyle/>
-                    <a:p>
-                      <a:pPr algn="ctr"/>
-                      <a:endParaRPr lang="zh-CN" altLang="en-US" dirty="0"/>
-                    </a:p>
-                  </a:txBody>
-                  <a:tcPr anchor="ctr">
-                    <a:solidFill>
-                      <a:schemeClr val="bg1">
-                        <a:lumMod val="85000"/>
-                      </a:schemeClr>
-                    </a:solidFill>
-                  </a:tcPr>
-                </a:tc>
-                <a:tc>
-                  <a:txBody>
-                    <a:bodyPr/>
-                    <a:lstStyle/>
-                    <a:p>
-                      <a:pPr algn="ctr"/>
-                      <a:endParaRPr lang="zh-CN" altLang="en-US" dirty="0"/>
-                    </a:p>
-                  </a:txBody>
-                  <a:tcPr anchor="ctr">
-                    <a:solidFill>
-                      <a:schemeClr val="bg1">
-                        <a:lumMod val="85000"/>
-                      </a:schemeClr>
-                    </a:solidFill>
-                  </a:tcPr>
-                </a:tc>
-                <a:extLst>
-                  <a:ext uri="{0D108BD9-81ED-4DB2-BD59-A6C34878D82A}">
-                    <a16:rowId xmlns:a16="http://schemas.microsoft.com/office/drawing/2014/main" val="3803627900"/>
-                  </a:ext>
-                </a:extLst>
-              </a:tr>
-              <a:tr h="495610">
-                <a:tc>
-                  <a:txBody>
-                    <a:bodyPr/>
-                    <a:lstStyle/>
-                    <a:p>
-                      <a:pPr algn="ctr"/>
-                      <a:r>
-                        <a:rPr lang="en-US" altLang="zh-CN" dirty="0"/>
-                        <a:t>1</a:t>
-                      </a:r>
-                      <a:endParaRPr lang="zh-CN" altLang="en-US" dirty="0"/>
-                    </a:p>
-                  </a:txBody>
-                  <a:tcPr anchor="ctr"/>
-                </a:tc>
-                <a:tc>
-                  <a:txBody>
-                    <a:bodyPr/>
-                    <a:lstStyle/>
-                    <a:p>
-                      <a:pPr algn="ctr"/>
-                      <a:r>
-                        <a:rPr lang="en-US" altLang="zh-CN" dirty="0"/>
-                        <a:t>0</a:t>
-                      </a:r>
-                      <a:endParaRPr lang="zh-CN" altLang="en-US" dirty="0"/>
-                    </a:p>
-                  </a:txBody>
-                  <a:tcPr anchor="ctr">
-                    <a:solidFill>
-                      <a:schemeClr val="bg1">
-                        <a:lumMod val="85000"/>
-                      </a:schemeClr>
-                    </a:solidFill>
-                  </a:tcPr>
-                </a:tc>
-                <a:tc>
-                  <a:txBody>
-                    <a:bodyPr/>
-                    <a:lstStyle/>
-                    <a:p>
-                      <a:pPr algn="ctr"/>
-                      <a:r>
-                        <a:rPr lang="en-US" altLang="zh-CN" dirty="0"/>
-                        <a:t>1</a:t>
-                      </a:r>
-                      <a:endParaRPr lang="zh-CN" altLang="en-US" dirty="0"/>
-                    </a:p>
-                  </a:txBody>
-                  <a:tcPr anchor="ctr"/>
-                </a:tc>
-                <a:tc>
-                  <a:txBody>
-                    <a:bodyPr/>
-                    <a:lstStyle/>
-                    <a:p>
-                      <a:pPr algn="ctr"/>
-                      <a:r>
-                        <a:rPr lang="en-US" altLang="zh-CN" dirty="0"/>
-                        <a:t>1</a:t>
-                      </a:r>
-                      <a:endParaRPr lang="zh-CN" altLang="en-US" dirty="0"/>
-                    </a:p>
-                  </a:txBody>
-                  <a:tcPr anchor="ctr"/>
-                </a:tc>
-                <a:tc>
-                  <a:txBody>
-                    <a:bodyPr/>
-                    <a:lstStyle/>
-                    <a:p>
-                      <a:pPr algn="ctr"/>
-                      <a:r>
-                        <a:rPr lang="en-US" altLang="zh-CN" dirty="0"/>
-                        <a:t>1</a:t>
-                      </a:r>
-                      <a:endParaRPr lang="zh-CN" altLang="en-US" dirty="0"/>
-                    </a:p>
-                  </a:txBody>
-                  <a:tcPr anchor="ctr"/>
-                </a:tc>
-                <a:tc>
-                  <a:txBody>
-                    <a:bodyPr/>
-                    <a:lstStyle/>
-                    <a:p>
-                      <a:pPr algn="ctr"/>
-                      <a:r>
-                        <a:rPr lang="en-US" altLang="zh-CN" dirty="0"/>
-                        <a:t>1</a:t>
-                      </a:r>
-                      <a:endParaRPr lang="zh-CN" altLang="en-US" dirty="0"/>
-                    </a:p>
-                  </a:txBody>
-                  <a:tcPr anchor="ctr"/>
-                </a:tc>
-                <a:tc>
-                  <a:txBody>
-                    <a:bodyPr/>
-                    <a:lstStyle/>
-                    <a:p>
-                      <a:pPr algn="ctr"/>
-                      <a:r>
-                        <a:rPr lang="en-US" altLang="zh-CN" dirty="0"/>
-                        <a:t>1</a:t>
-                      </a:r>
-                      <a:endParaRPr lang="zh-CN" altLang="en-US" dirty="0"/>
-                    </a:p>
-                  </a:txBody>
-                  <a:tcPr anchor="ctr"/>
-                </a:tc>
-                <a:tc>
-                  <a:txBody>
-                    <a:bodyPr/>
-                    <a:lstStyle/>
-                    <a:p>
-                      <a:pPr algn="ctr"/>
-                      <a:r>
-                        <a:rPr lang="en-US" altLang="zh-CN" dirty="0"/>
-                        <a:t>1</a:t>
-                      </a:r>
-                      <a:endParaRPr lang="zh-CN" altLang="en-US" dirty="0"/>
-                    </a:p>
-                  </a:txBody>
-                  <a:tcPr anchor="ctr"/>
                 </a:tc>
                 <a:tc>
                   <a:txBody>
@@ -31687,27 +31326,6 @@
                       <a:pPr algn="ctr"/>
                       <a:r>
                         <a:rPr lang="en-US" altLang="zh-CN" dirty="0"/>
-                        <a:t>0</a:t>
-                      </a:r>
-                      <a:endParaRPr lang="zh-CN" altLang="en-US" dirty="0"/>
-                    </a:p>
-                  </a:txBody>
-                  <a:tcPr anchor="ctr">
-                    <a:solidFill>
-                      <a:schemeClr val="bg1">
-                        <a:lumMod val="85000"/>
-                      </a:schemeClr>
-                    </a:solidFill>
-                  </a:tcPr>
-                </a:tc>
-                <a:tc>
-                  <a:txBody>
-                    <a:bodyPr/>
-                    <a:lstStyle/>
-                    <a:p>
-                      <a:pPr algn="ctr"/>
-                      <a:r>
-                        <a:rPr lang="en-US" altLang="zh-CN" dirty="0"/>
                         <a:t>1</a:t>
                       </a:r>
                       <a:endParaRPr lang="zh-CN" altLang="en-US" dirty="0"/>
@@ -32009,6 +31627,23 @@
                     </a:solidFill>
                   </a:tcPr>
                 </a:tc>
+                <a:tc>
+                  <a:txBody>
+                    <a:bodyPr/>
+                    <a:lstStyle/>
+                    <a:p>
+                      <a:pPr algn="ctr"/>
+                      <a:endParaRPr lang="zh-CN" altLang="en-US" dirty="0"/>
+                    </a:p>
+                  </a:txBody>
+                  <a:tcPr anchor="ctr">
+                    <a:solidFill>
+                      <a:schemeClr val="bg1">
+                        <a:lumMod val="85000"/>
+                      </a:schemeClr>
+                    </a:solidFill>
+                  </a:tcPr>
+                </a:tc>
                 <a:extLst>
                   <a:ext uri="{0D108BD9-81ED-4DB2-BD59-A6C34878D82A}">
                     <a16:rowId xmlns:a16="http://schemas.microsoft.com/office/drawing/2014/main" val="3417617108"/>
@@ -32081,27 +31716,6 @@
                       <a:pPr algn="ctr"/>
                       <a:r>
                         <a:rPr lang="en-US" altLang="zh-CN" dirty="0"/>
-                        <a:t>0</a:t>
-                      </a:r>
-                      <a:endParaRPr lang="zh-CN" altLang="en-US" dirty="0"/>
-                    </a:p>
-                  </a:txBody>
-                  <a:tcPr anchor="ctr">
-                    <a:solidFill>
-                      <a:schemeClr val="bg1">
-                        <a:lumMod val="85000"/>
-                      </a:schemeClr>
-                    </a:solidFill>
-                  </a:tcPr>
-                </a:tc>
-                <a:tc>
-                  <a:txBody>
-                    <a:bodyPr/>
-                    <a:lstStyle/>
-                    <a:p>
-                      <a:pPr algn="ctr"/>
-                      <a:r>
-                        <a:rPr lang="en-US" altLang="zh-CN" dirty="0"/>
                         <a:t>1</a:t>
                       </a:r>
                       <a:endParaRPr lang="zh-CN" altLang="en-US" dirty="0"/>
@@ -32137,7 +31751,14 @@
                       <a:endParaRPr lang="zh-CN" altLang="en-US" dirty="0"/>
                     </a:p>
                   </a:txBody>
-                  <a:tcPr anchor="ctr"/>
+                  <a:tcPr anchor="ctr">
+                    <a:solidFill>
+                      <a:schemeClr val="accent6">
+                        <a:lumMod val="60000"/>
+                        <a:lumOff val="40000"/>
+                      </a:schemeClr>
+                    </a:solidFill>
+                  </a:tcPr>
                 </a:tc>
                 <a:tc>
                   <a:txBody>
@@ -32219,7 +31840,14 @@
                       <a:endParaRPr lang="zh-CN" altLang="en-US" dirty="0"/>
                     </a:p>
                   </a:txBody>
-                  <a:tcPr anchor="ctr"/>
+                  <a:tcPr anchor="ctr">
+                    <a:solidFill>
+                      <a:schemeClr val="accent5">
+                        <a:lumMod val="40000"/>
+                        <a:lumOff val="60000"/>
+                      </a:schemeClr>
+                    </a:solidFill>
+                  </a:tcPr>
                 </a:tc>
                 <a:tc>
                   <a:txBody>
@@ -32340,6 +31968,30 @@
                     </a:p>
                   </a:txBody>
                   <a:tcPr anchor="ctr"/>
+                </a:tc>
+                <a:tc>
+                  <a:txBody>
+                    <a:bodyPr/>
+                    <a:lstStyle/>
+                    <a:p>
+                      <a:pPr algn="ctr"/>
+                      <a:endParaRPr lang="zh-CN" altLang="en-US" sz="1800" kern="1200" dirty="0">
+                        <a:solidFill>
+                          <a:schemeClr val="tx1"/>
+                        </a:solidFill>
+                        <a:latin typeface="+mn-lt"/>
+                        <a:ea typeface="+mn-ea"/>
+                        <a:cs typeface="+mn-cs"/>
+                      </a:endParaRPr>
+                    </a:p>
+                  </a:txBody>
+                  <a:tcPr anchor="ctr">
+                    <a:solidFill>
+                      <a:schemeClr val="bg1">
+                        <a:lumMod val="85000"/>
+                      </a:schemeClr>
+                    </a:solidFill>
+                  </a:tcPr>
                 </a:tc>
                 <a:extLst>
                   <a:ext uri="{0D108BD9-81ED-4DB2-BD59-A6C34878D82A}">
@@ -32351,6 +32003,163 @@
           </a:graphicData>
         </a:graphic>
       </p:graphicFrame>
+      <p:sp>
+        <p:nvSpPr>
+          <p:cNvPr id="2" name="矩形 1">
+            <a:extLst>
+              <a:ext uri="{FF2B5EF4-FFF2-40B4-BE49-F238E27FC236}">
+                <a16:creationId xmlns:a16="http://schemas.microsoft.com/office/drawing/2014/main" id="{7DD33FC0-3A66-4DAC-96CB-6FB3A54178CF}"/>
+              </a:ext>
+            </a:extLst>
+          </p:cNvPr>
+          <p:cNvSpPr/>
+          <p:nvPr/>
+        </p:nvSpPr>
+        <p:spPr>
+          <a:xfrm>
+            <a:off x="2310371" y="2700263"/>
+            <a:ext cx="7222171" cy="495002"/>
+          </a:xfrm>
+          <a:prstGeom prst="rect">
+            <a:avLst/>
+          </a:prstGeom>
+          <a:noFill/>
+          <a:ln w="50800">
+            <a:solidFill>
+              <a:srgbClr val="FF0000">
+                <a:alpha val="60000"/>
+              </a:srgbClr>
+            </a:solidFill>
+          </a:ln>
+        </p:spPr>
+        <p:style>
+          <a:lnRef idx="2">
+            <a:schemeClr val="dk1"/>
+          </a:lnRef>
+          <a:fillRef idx="1">
+            <a:schemeClr val="lt1"/>
+          </a:fillRef>
+          <a:effectRef idx="0">
+            <a:schemeClr val="dk1"/>
+          </a:effectRef>
+          <a:fontRef idx="minor">
+            <a:schemeClr val="dk1"/>
+          </a:fontRef>
+        </p:style>
+        <p:txBody>
+          <a:bodyPr rtlCol="0" anchor="ctr"/>
+          <a:lstStyle/>
+          <a:p>
+            <a:pPr algn="ctr"/>
+            <a:endParaRPr lang="zh-CN" altLang="en-US" dirty="0"/>
+          </a:p>
+        </p:txBody>
+      </p:sp>
+      <p:sp>
+        <p:nvSpPr>
+          <p:cNvPr id="5" name="矩形 4">
+            <a:extLst>
+              <a:ext uri="{FF2B5EF4-FFF2-40B4-BE49-F238E27FC236}">
+                <a16:creationId xmlns:a16="http://schemas.microsoft.com/office/drawing/2014/main" id="{7BFF4A0E-913C-4594-85F7-D22C9B7FCA1A}"/>
+              </a:ext>
+            </a:extLst>
+          </p:cNvPr>
+          <p:cNvSpPr/>
+          <p:nvPr/>
+        </p:nvSpPr>
+        <p:spPr>
+          <a:xfrm>
+            <a:off x="2766174" y="2197951"/>
+            <a:ext cx="2700170" cy="495002"/>
+          </a:xfrm>
+          <a:prstGeom prst="rect">
+            <a:avLst/>
+          </a:prstGeom>
+          <a:noFill/>
+          <a:ln w="50800">
+            <a:solidFill>
+              <a:srgbClr val="0070C0">
+                <a:alpha val="60000"/>
+              </a:srgbClr>
+            </a:solidFill>
+          </a:ln>
+        </p:spPr>
+        <p:style>
+          <a:lnRef idx="2">
+            <a:schemeClr val="dk1"/>
+          </a:lnRef>
+          <a:fillRef idx="1">
+            <a:schemeClr val="lt1"/>
+          </a:fillRef>
+          <a:effectRef idx="0">
+            <a:schemeClr val="dk1"/>
+          </a:effectRef>
+          <a:fontRef idx="minor">
+            <a:schemeClr val="dk1"/>
+          </a:fontRef>
+        </p:style>
+        <p:txBody>
+          <a:bodyPr rtlCol="0" anchor="ctr"/>
+          <a:lstStyle/>
+          <a:p>
+            <a:pPr algn="ctr"/>
+            <a:endParaRPr lang="zh-CN" altLang="en-US" dirty="0"/>
+          </a:p>
+        </p:txBody>
+      </p:sp>
+      <p:sp>
+        <p:nvSpPr>
+          <p:cNvPr id="6" name="矩形 5">
+            <a:extLst>
+              <a:ext uri="{FF2B5EF4-FFF2-40B4-BE49-F238E27FC236}">
+                <a16:creationId xmlns:a16="http://schemas.microsoft.com/office/drawing/2014/main" id="{E46BF544-44D0-4AA5-99B7-335A9ED8EFED}"/>
+              </a:ext>
+            </a:extLst>
+          </p:cNvPr>
+          <p:cNvSpPr/>
+          <p:nvPr/>
+        </p:nvSpPr>
+        <p:spPr>
+          <a:xfrm>
+            <a:off x="1864689" y="2197951"/>
+            <a:ext cx="1343460" cy="495002"/>
+          </a:xfrm>
+          <a:prstGeom prst="rect">
+            <a:avLst/>
+          </a:prstGeom>
+          <a:noFill/>
+          <a:ln w="50800">
+            <a:solidFill>
+              <a:schemeClr val="accent6">
+                <a:lumMod val="75000"/>
+                <a:alpha val="60000"/>
+              </a:schemeClr>
+            </a:solidFill>
+          </a:ln>
+        </p:spPr>
+        <p:style>
+          <a:lnRef idx="2">
+            <a:schemeClr val="dk1"/>
+          </a:lnRef>
+          <a:fillRef idx="1">
+            <a:schemeClr val="lt1"/>
+          </a:fillRef>
+          <a:effectRef idx="0">
+            <a:schemeClr val="dk1"/>
+          </a:effectRef>
+          <a:fontRef idx="minor">
+            <a:schemeClr val="dk1"/>
+          </a:fontRef>
+        </p:style>
+        <p:txBody>
+          <a:bodyPr rtlCol="0" anchor="ctr"/>
+          <a:lstStyle/>
+          <a:p>
+            <a:pPr algn="ctr"/>
+            <a:endParaRPr lang="zh-CN" altLang="en-US" dirty="0"/>
+          </a:p>
+        </p:txBody>
+      </p:sp>
     </p:spTree>
     <p:extLst>
       <p:ext uri="{BB962C8B-B14F-4D97-AF65-F5344CB8AC3E}">

--- a/高频代码题解示意图.pptx
+++ b/高频代码题解示意图.pptx
@@ -5,7 +5,7 @@
     <p:sldMasterId id="2147483648" r:id="rId1"/>
   </p:sldMasterIdLst>
   <p:notesMasterIdLst>
-    <p:notesMasterId r:id="rId9"/>
+    <p:notesMasterId r:id="rId11"/>
   </p:notesMasterIdLst>
   <p:sldIdLst>
     <p:sldId id="256" r:id="rId2"/>
@@ -15,6 +15,8 @@
     <p:sldId id="262" r:id="rId6"/>
     <p:sldId id="263" r:id="rId7"/>
     <p:sldId id="264" r:id="rId8"/>
+    <p:sldId id="265" r:id="rId9"/>
+    <p:sldId id="266" r:id="rId10"/>
   </p:sldIdLst>
   <p:sldSz cx="12192000" cy="6858000"/>
   <p:notesSz cx="6858000" cy="9144000"/>
@@ -203,7 +205,7 @@
           <a:p>
             <a:fld id="{2C9F9DDE-F0A1-491D-8D69-0A4918BBC240}" type="datetimeFigureOut">
               <a:rPr lang="zh-CN" altLang="en-US" smtClean="0"/>
-              <a:t>2021/2/24</a:t>
+              <a:t>2021/2/27</a:t>
             </a:fld>
             <a:endParaRPr lang="zh-CN" altLang="en-US"/>
           </a:p>
@@ -1142,6 +1144,188 @@
 </p:notes>
 </file>
 
+<file path=ppt/notesSlides/notesSlide8.xml><?xml version="1.0" encoding="utf-8"?>
+<p:notes xmlns:a="http://schemas.openxmlformats.org/drawingml/2006/main" xmlns:r="http://schemas.openxmlformats.org/officeDocument/2006/relationships" xmlns:p="http://schemas.openxmlformats.org/presentationml/2006/main">
+  <p:cSld>
+    <p:spTree>
+      <p:nvGrpSpPr>
+        <p:cNvPr id="1" name=""/>
+        <p:cNvGrpSpPr/>
+        <p:nvPr/>
+      </p:nvGrpSpPr>
+      <p:grpSpPr>
+        <a:xfrm>
+          <a:off x="0" y="0"/>
+          <a:ext cx="0" cy="0"/>
+          <a:chOff x="0" y="0"/>
+          <a:chExt cx="0" cy="0"/>
+        </a:xfrm>
+      </p:grpSpPr>
+      <p:sp>
+        <p:nvSpPr>
+          <p:cNvPr id="2" name="幻灯片图像占位符 1"/>
+          <p:cNvSpPr>
+            <a:spLocks noGrp="1" noRot="1" noChangeAspect="1"/>
+          </p:cNvSpPr>
+          <p:nvPr>
+            <p:ph type="sldImg"/>
+          </p:nvPr>
+        </p:nvSpPr>
+        <p:spPr/>
+      </p:sp>
+      <p:sp>
+        <p:nvSpPr>
+          <p:cNvPr id="3" name="备注占位符 2"/>
+          <p:cNvSpPr>
+            <a:spLocks noGrp="1"/>
+          </p:cNvSpPr>
+          <p:nvPr>
+            <p:ph type="body" idx="1"/>
+          </p:nvPr>
+        </p:nvSpPr>
+        <p:spPr/>
+        <p:txBody>
+          <a:bodyPr/>
+          <a:lstStyle/>
+          <a:p>
+            <a:r>
+              <a:rPr lang="en-US" altLang="zh-CN" dirty="0"/>
+              <a:t>0003 </a:t>
+            </a:r>
+            <a:r>
+              <a:rPr lang="zh-CN" altLang="en-US" dirty="0"/>
+              <a:t>无重复字符的最长子串</a:t>
+            </a:r>
+          </a:p>
+        </p:txBody>
+      </p:sp>
+      <p:sp>
+        <p:nvSpPr>
+          <p:cNvPr id="4" name="灯片编号占位符 3"/>
+          <p:cNvSpPr>
+            <a:spLocks noGrp="1"/>
+          </p:cNvSpPr>
+          <p:nvPr>
+            <p:ph type="sldNum" sz="quarter" idx="5"/>
+          </p:nvPr>
+        </p:nvSpPr>
+        <p:spPr/>
+        <p:txBody>
+          <a:bodyPr/>
+          <a:lstStyle/>
+          <a:p>
+            <a:fld id="{613CC393-9814-4152-B042-3E5C9AFC6D0B}" type="slidenum">
+              <a:rPr lang="zh-CN" altLang="en-US" smtClean="0"/>
+              <a:t>8</a:t>
+            </a:fld>
+            <a:endParaRPr lang="zh-CN" altLang="en-US"/>
+          </a:p>
+        </p:txBody>
+      </p:sp>
+    </p:spTree>
+    <p:extLst>
+      <p:ext uri="{BB962C8B-B14F-4D97-AF65-F5344CB8AC3E}">
+        <p14:creationId xmlns:p14="http://schemas.microsoft.com/office/powerpoint/2010/main" val="180929727"/>
+      </p:ext>
+    </p:extLst>
+  </p:cSld>
+  <p:clrMapOvr>
+    <a:masterClrMapping/>
+  </p:clrMapOvr>
+</p:notes>
+</file>
+
+<file path=ppt/notesSlides/notesSlide9.xml><?xml version="1.0" encoding="utf-8"?>
+<p:notes xmlns:a="http://schemas.openxmlformats.org/drawingml/2006/main" xmlns:r="http://schemas.openxmlformats.org/officeDocument/2006/relationships" xmlns:p="http://schemas.openxmlformats.org/presentationml/2006/main">
+  <p:cSld>
+    <p:spTree>
+      <p:nvGrpSpPr>
+        <p:cNvPr id="1" name=""/>
+        <p:cNvGrpSpPr/>
+        <p:nvPr/>
+      </p:nvGrpSpPr>
+      <p:grpSpPr>
+        <a:xfrm>
+          <a:off x="0" y="0"/>
+          <a:ext cx="0" cy="0"/>
+          <a:chOff x="0" y="0"/>
+          <a:chExt cx="0" cy="0"/>
+        </a:xfrm>
+      </p:grpSpPr>
+      <p:sp>
+        <p:nvSpPr>
+          <p:cNvPr id="2" name="幻灯片图像占位符 1"/>
+          <p:cNvSpPr>
+            <a:spLocks noGrp="1" noRot="1" noChangeAspect="1"/>
+          </p:cNvSpPr>
+          <p:nvPr>
+            <p:ph type="sldImg"/>
+          </p:nvPr>
+        </p:nvSpPr>
+        <p:spPr/>
+      </p:sp>
+      <p:sp>
+        <p:nvSpPr>
+          <p:cNvPr id="3" name="备注占位符 2"/>
+          <p:cNvSpPr>
+            <a:spLocks noGrp="1"/>
+          </p:cNvSpPr>
+          <p:nvPr>
+            <p:ph type="body" idx="1"/>
+          </p:nvPr>
+        </p:nvSpPr>
+        <p:spPr/>
+        <p:txBody>
+          <a:bodyPr/>
+          <a:lstStyle/>
+          <a:p>
+            <a:r>
+              <a:rPr lang="en-US" altLang="zh-CN" dirty="0"/>
+              <a:t>0206 </a:t>
+            </a:r>
+            <a:r>
+              <a:rPr lang="zh-CN" altLang="en-US" dirty="0"/>
+              <a:t>反转链表</a:t>
+            </a:r>
+          </a:p>
+        </p:txBody>
+      </p:sp>
+      <p:sp>
+        <p:nvSpPr>
+          <p:cNvPr id="4" name="灯片编号占位符 3"/>
+          <p:cNvSpPr>
+            <a:spLocks noGrp="1"/>
+          </p:cNvSpPr>
+          <p:nvPr>
+            <p:ph type="sldNum" sz="quarter" idx="5"/>
+          </p:nvPr>
+        </p:nvSpPr>
+        <p:spPr/>
+        <p:txBody>
+          <a:bodyPr/>
+          <a:lstStyle/>
+          <a:p>
+            <a:fld id="{613CC393-9814-4152-B042-3E5C9AFC6D0B}" type="slidenum">
+              <a:rPr lang="zh-CN" altLang="en-US" smtClean="0"/>
+              <a:t>9</a:t>
+            </a:fld>
+            <a:endParaRPr lang="zh-CN" altLang="en-US"/>
+          </a:p>
+        </p:txBody>
+      </p:sp>
+    </p:spTree>
+    <p:extLst>
+      <p:ext uri="{BB962C8B-B14F-4D97-AF65-F5344CB8AC3E}">
+        <p14:creationId xmlns:p14="http://schemas.microsoft.com/office/powerpoint/2010/main" val="2610861837"/>
+      </p:ext>
+    </p:extLst>
+  </p:cSld>
+  <p:clrMapOvr>
+    <a:masterClrMapping/>
+  </p:clrMapOvr>
+</p:notes>
+</file>
+
 <file path=ppt/slideLayouts/slideLayout1.xml><?xml version="1.0" encoding="utf-8"?>
 <p:sldLayout xmlns:a="http://schemas.openxmlformats.org/drawingml/2006/main" xmlns:r="http://schemas.openxmlformats.org/officeDocument/2006/relationships" xmlns:p="http://schemas.openxmlformats.org/presentationml/2006/main" type="title" preserve="1">
   <p:cSld name="标题幻灯片">
@@ -1289,7 +1473,7 @@
           <a:p>
             <a:fld id="{BC9E8338-0904-49E6-9B4B-343D8E3BC7C9}" type="datetimeFigureOut">
               <a:rPr lang="zh-CN" altLang="en-US" smtClean="0"/>
-              <a:t>2021/2/24</a:t>
+              <a:t>2021/2/27</a:t>
             </a:fld>
             <a:endParaRPr lang="zh-CN" altLang="en-US"/>
           </a:p>
@@ -1487,7 +1671,7 @@
           <a:p>
             <a:fld id="{BC9E8338-0904-49E6-9B4B-343D8E3BC7C9}" type="datetimeFigureOut">
               <a:rPr lang="zh-CN" altLang="en-US" smtClean="0"/>
-              <a:t>2021/2/24</a:t>
+              <a:t>2021/2/27</a:t>
             </a:fld>
             <a:endParaRPr lang="zh-CN" altLang="en-US"/>
           </a:p>
@@ -1695,7 +1879,7 @@
           <a:p>
             <a:fld id="{BC9E8338-0904-49E6-9B4B-343D8E3BC7C9}" type="datetimeFigureOut">
               <a:rPr lang="zh-CN" altLang="en-US" smtClean="0"/>
-              <a:t>2021/2/24</a:t>
+              <a:t>2021/2/27</a:t>
             </a:fld>
             <a:endParaRPr lang="zh-CN" altLang="en-US"/>
           </a:p>
@@ -1893,7 +2077,7 @@
           <a:p>
             <a:fld id="{BC9E8338-0904-49E6-9B4B-343D8E3BC7C9}" type="datetimeFigureOut">
               <a:rPr lang="zh-CN" altLang="en-US" smtClean="0"/>
-              <a:t>2021/2/24</a:t>
+              <a:t>2021/2/27</a:t>
             </a:fld>
             <a:endParaRPr lang="zh-CN" altLang="en-US"/>
           </a:p>
@@ -2168,7 +2352,7 @@
           <a:p>
             <a:fld id="{BC9E8338-0904-49E6-9B4B-343D8E3BC7C9}" type="datetimeFigureOut">
               <a:rPr lang="zh-CN" altLang="en-US" smtClean="0"/>
-              <a:t>2021/2/24</a:t>
+              <a:t>2021/2/27</a:t>
             </a:fld>
             <a:endParaRPr lang="zh-CN" altLang="en-US"/>
           </a:p>
@@ -2433,7 +2617,7 @@
           <a:p>
             <a:fld id="{BC9E8338-0904-49E6-9B4B-343D8E3BC7C9}" type="datetimeFigureOut">
               <a:rPr lang="zh-CN" altLang="en-US" smtClean="0"/>
-              <a:t>2021/2/24</a:t>
+              <a:t>2021/2/27</a:t>
             </a:fld>
             <a:endParaRPr lang="zh-CN" altLang="en-US"/>
           </a:p>
@@ -2845,7 +3029,7 @@
           <a:p>
             <a:fld id="{BC9E8338-0904-49E6-9B4B-343D8E3BC7C9}" type="datetimeFigureOut">
               <a:rPr lang="zh-CN" altLang="en-US" smtClean="0"/>
-              <a:t>2021/2/24</a:t>
+              <a:t>2021/2/27</a:t>
             </a:fld>
             <a:endParaRPr lang="zh-CN" altLang="en-US"/>
           </a:p>
@@ -2986,7 +3170,7 @@
           <a:p>
             <a:fld id="{BC9E8338-0904-49E6-9B4B-343D8E3BC7C9}" type="datetimeFigureOut">
               <a:rPr lang="zh-CN" altLang="en-US" smtClean="0"/>
-              <a:t>2021/2/24</a:t>
+              <a:t>2021/2/27</a:t>
             </a:fld>
             <a:endParaRPr lang="zh-CN" altLang="en-US"/>
           </a:p>
@@ -3099,7 +3283,7 @@
           <a:p>
             <a:fld id="{BC9E8338-0904-49E6-9B4B-343D8E3BC7C9}" type="datetimeFigureOut">
               <a:rPr lang="zh-CN" altLang="en-US" smtClean="0"/>
-              <a:t>2021/2/24</a:t>
+              <a:t>2021/2/27</a:t>
             </a:fld>
             <a:endParaRPr lang="zh-CN" altLang="en-US"/>
           </a:p>
@@ -3410,7 +3594,7 @@
           <a:p>
             <a:fld id="{BC9E8338-0904-49E6-9B4B-343D8E3BC7C9}" type="datetimeFigureOut">
               <a:rPr lang="zh-CN" altLang="en-US" smtClean="0"/>
-              <a:t>2021/2/24</a:t>
+              <a:t>2021/2/27</a:t>
             </a:fld>
             <a:endParaRPr lang="zh-CN" altLang="en-US"/>
           </a:p>
@@ -3698,7 +3882,7 @@
           <a:p>
             <a:fld id="{BC9E8338-0904-49E6-9B4B-343D8E3BC7C9}" type="datetimeFigureOut">
               <a:rPr lang="zh-CN" altLang="en-US" smtClean="0"/>
-              <a:t>2021/2/24</a:t>
+              <a:t>2021/2/27</a:t>
             </a:fld>
             <a:endParaRPr lang="zh-CN" altLang="en-US"/>
           </a:p>
@@ -3939,7 +4123,7 @@
           <a:p>
             <a:fld id="{BC9E8338-0904-49E6-9B4B-343D8E3BC7C9}" type="datetimeFigureOut">
               <a:rPr lang="zh-CN" altLang="en-US" smtClean="0"/>
-              <a:t>2021/2/24</a:t>
+              <a:t>2021/2/27</a:t>
             </a:fld>
             <a:endParaRPr lang="zh-CN" altLang="en-US"/>
           </a:p>
@@ -32173,6 +32357,3635 @@
 </p:sld>
 </file>
 
+<file path=ppt/slides/slide8.xml><?xml version="1.0" encoding="utf-8"?>
+<p:sld xmlns:a="http://schemas.openxmlformats.org/drawingml/2006/main" xmlns:r="http://schemas.openxmlformats.org/officeDocument/2006/relationships" xmlns:p="http://schemas.openxmlformats.org/presentationml/2006/main">
+  <p:cSld>
+    <p:spTree>
+      <p:nvGrpSpPr>
+        <p:cNvPr id="1" name=""/>
+        <p:cNvGrpSpPr/>
+        <p:nvPr/>
+      </p:nvGrpSpPr>
+      <p:grpSpPr>
+        <a:xfrm>
+          <a:off x="0" y="0"/>
+          <a:ext cx="0" cy="0"/>
+          <a:chOff x="0" y="0"/>
+          <a:chExt cx="0" cy="0"/>
+        </a:xfrm>
+      </p:grpSpPr>
+      <p:graphicFrame>
+        <p:nvGraphicFramePr>
+          <p:cNvPr id="4" name="表格 4">
+            <a:extLst>
+              <a:ext uri="{FF2B5EF4-FFF2-40B4-BE49-F238E27FC236}">
+                <a16:creationId xmlns:a16="http://schemas.microsoft.com/office/drawing/2014/main" id="{31FC3A03-B4AB-4925-81F4-B77AB4466EE8}"/>
+              </a:ext>
+            </a:extLst>
+          </p:cNvPr>
+          <p:cNvGraphicFramePr>
+            <a:graphicFrameLocks noGrp="1"/>
+          </p:cNvGraphicFramePr>
+          <p:nvPr>
+            <p:extLst>
+              <p:ext uri="{D42A27DB-BD31-4B8C-83A1-F6EECF244321}">
+                <p14:modId xmlns:p14="http://schemas.microsoft.com/office/powerpoint/2010/main" val="30941085"/>
+              </p:ext>
+            </p:extLst>
+          </p:nvPr>
+        </p:nvGraphicFramePr>
+        <p:xfrm>
+          <a:off x="751438" y="1533346"/>
+          <a:ext cx="7116020" cy="2521616"/>
+        </p:xfrm>
+        <a:graphic>
+          <a:graphicData uri="http://schemas.openxmlformats.org/drawingml/2006/table">
+            <a:tbl>
+              <a:tblPr firstRow="1" bandRow="1">
+                <a:tableStyleId>{5940675A-B579-460E-94D1-54222C63F5DA}</a:tableStyleId>
+              </a:tblPr>
+              <a:tblGrid>
+                <a:gridCol w="711602">
+                  <a:extLst>
+                    <a:ext uri="{9D8B030D-6E8A-4147-A177-3AD203B41FA5}">
+                      <a16:colId xmlns:a16="http://schemas.microsoft.com/office/drawing/2014/main" val="3306016465"/>
+                    </a:ext>
+                  </a:extLst>
+                </a:gridCol>
+                <a:gridCol w="711602">
+                  <a:extLst>
+                    <a:ext uri="{9D8B030D-6E8A-4147-A177-3AD203B41FA5}">
+                      <a16:colId xmlns:a16="http://schemas.microsoft.com/office/drawing/2014/main" val="1013858275"/>
+                    </a:ext>
+                  </a:extLst>
+                </a:gridCol>
+                <a:gridCol w="711602">
+                  <a:extLst>
+                    <a:ext uri="{9D8B030D-6E8A-4147-A177-3AD203B41FA5}">
+                      <a16:colId xmlns:a16="http://schemas.microsoft.com/office/drawing/2014/main" val="3883582366"/>
+                    </a:ext>
+                  </a:extLst>
+                </a:gridCol>
+                <a:gridCol w="711602">
+                  <a:extLst>
+                    <a:ext uri="{9D8B030D-6E8A-4147-A177-3AD203B41FA5}">
+                      <a16:colId xmlns:a16="http://schemas.microsoft.com/office/drawing/2014/main" val="1095616677"/>
+                    </a:ext>
+                  </a:extLst>
+                </a:gridCol>
+                <a:gridCol w="711602">
+                  <a:extLst>
+                    <a:ext uri="{9D8B030D-6E8A-4147-A177-3AD203B41FA5}">
+                      <a16:colId xmlns:a16="http://schemas.microsoft.com/office/drawing/2014/main" val="3331465893"/>
+                    </a:ext>
+                  </a:extLst>
+                </a:gridCol>
+                <a:gridCol w="711602">
+                  <a:extLst>
+                    <a:ext uri="{9D8B030D-6E8A-4147-A177-3AD203B41FA5}">
+                      <a16:colId xmlns:a16="http://schemas.microsoft.com/office/drawing/2014/main" val="2729860172"/>
+                    </a:ext>
+                  </a:extLst>
+                </a:gridCol>
+                <a:gridCol w="711602">
+                  <a:extLst>
+                    <a:ext uri="{9D8B030D-6E8A-4147-A177-3AD203B41FA5}">
+                      <a16:colId xmlns:a16="http://schemas.microsoft.com/office/drawing/2014/main" val="607443616"/>
+                    </a:ext>
+                  </a:extLst>
+                </a:gridCol>
+                <a:gridCol w="711602">
+                  <a:extLst>
+                    <a:ext uri="{9D8B030D-6E8A-4147-A177-3AD203B41FA5}">
+                      <a16:colId xmlns:a16="http://schemas.microsoft.com/office/drawing/2014/main" val="797381111"/>
+                    </a:ext>
+                  </a:extLst>
+                </a:gridCol>
+                <a:gridCol w="711602">
+                  <a:extLst>
+                    <a:ext uri="{9D8B030D-6E8A-4147-A177-3AD203B41FA5}">
+                      <a16:colId xmlns:a16="http://schemas.microsoft.com/office/drawing/2014/main" val="4126643853"/>
+                    </a:ext>
+                  </a:extLst>
+                </a:gridCol>
+                <a:gridCol w="711602">
+                  <a:extLst>
+                    <a:ext uri="{9D8B030D-6E8A-4147-A177-3AD203B41FA5}">
+                      <a16:colId xmlns:a16="http://schemas.microsoft.com/office/drawing/2014/main" val="2957901611"/>
+                    </a:ext>
+                  </a:extLst>
+                </a:gridCol>
+              </a:tblGrid>
+              <a:tr h="423278">
+                <a:tc>
+                  <a:txBody>
+                    <a:bodyPr/>
+                    <a:lstStyle/>
+                    <a:p>
+                      <a:pPr algn="ctr"/>
+                      <a:endParaRPr lang="zh-CN" altLang="en-US" dirty="0"/>
+                    </a:p>
+                  </a:txBody>
+                  <a:tcPr anchor="ctr"/>
+                </a:tc>
+                <a:tc>
+                  <a:txBody>
+                    <a:bodyPr/>
+                    <a:lstStyle/>
+                    <a:p>
+                      <a:pPr algn="ctr"/>
+                      <a:r>
+                        <a:rPr lang="en-US" altLang="zh-CN" dirty="0"/>
+                        <a:t>0</a:t>
+                      </a:r>
+                      <a:endParaRPr lang="zh-CN" altLang="en-US" dirty="0"/>
+                    </a:p>
+                  </a:txBody>
+                  <a:tcPr anchor="ctr"/>
+                </a:tc>
+                <a:tc>
+                  <a:txBody>
+                    <a:bodyPr/>
+                    <a:lstStyle/>
+                    <a:p>
+                      <a:pPr algn="ctr"/>
+                      <a:r>
+                        <a:rPr lang="en-US" altLang="zh-CN" dirty="0"/>
+                        <a:t>1</a:t>
+                      </a:r>
+                      <a:endParaRPr lang="zh-CN" altLang="en-US" dirty="0"/>
+                    </a:p>
+                  </a:txBody>
+                  <a:tcPr anchor="ctr"/>
+                </a:tc>
+                <a:tc>
+                  <a:txBody>
+                    <a:bodyPr/>
+                    <a:lstStyle/>
+                    <a:p>
+                      <a:pPr algn="ctr"/>
+                      <a:r>
+                        <a:rPr lang="en-US" altLang="zh-CN" dirty="0"/>
+                        <a:t>2</a:t>
+                      </a:r>
+                      <a:endParaRPr lang="zh-CN" altLang="en-US" dirty="0"/>
+                    </a:p>
+                  </a:txBody>
+                  <a:tcPr anchor="ctr"/>
+                </a:tc>
+                <a:tc>
+                  <a:txBody>
+                    <a:bodyPr/>
+                    <a:lstStyle/>
+                    <a:p>
+                      <a:pPr algn="ctr"/>
+                      <a:r>
+                        <a:rPr lang="en-US" altLang="zh-CN" dirty="0"/>
+                        <a:t>3</a:t>
+                      </a:r>
+                      <a:endParaRPr lang="zh-CN" altLang="en-US" dirty="0"/>
+                    </a:p>
+                  </a:txBody>
+                  <a:tcPr anchor="ctr"/>
+                </a:tc>
+                <a:tc>
+                  <a:txBody>
+                    <a:bodyPr/>
+                    <a:lstStyle/>
+                    <a:p>
+                      <a:pPr algn="ctr"/>
+                      <a:r>
+                        <a:rPr lang="en-US" altLang="zh-CN" dirty="0"/>
+                        <a:t>4</a:t>
+                      </a:r>
+                      <a:endParaRPr lang="zh-CN" altLang="en-US" dirty="0"/>
+                    </a:p>
+                  </a:txBody>
+                  <a:tcPr anchor="ctr"/>
+                </a:tc>
+                <a:tc>
+                  <a:txBody>
+                    <a:bodyPr/>
+                    <a:lstStyle/>
+                    <a:p>
+                      <a:pPr algn="ctr"/>
+                      <a:r>
+                        <a:rPr lang="en-US" altLang="zh-CN" dirty="0"/>
+                        <a:t>5</a:t>
+                      </a:r>
+                      <a:endParaRPr lang="zh-CN" altLang="en-US" dirty="0"/>
+                    </a:p>
+                  </a:txBody>
+                  <a:tcPr anchor="ctr"/>
+                </a:tc>
+                <a:tc>
+                  <a:txBody>
+                    <a:bodyPr/>
+                    <a:lstStyle/>
+                    <a:p>
+                      <a:pPr algn="ctr"/>
+                      <a:endParaRPr lang="zh-CN" altLang="en-US" dirty="0"/>
+                    </a:p>
+                  </a:txBody>
+                  <a:tcPr anchor="ctr"/>
+                </a:tc>
+                <a:tc>
+                  <a:txBody>
+                    <a:bodyPr/>
+                    <a:lstStyle/>
+                    <a:p>
+                      <a:pPr algn="ctr"/>
+                      <a:endParaRPr lang="zh-CN" altLang="en-US" dirty="0"/>
+                    </a:p>
+                  </a:txBody>
+                  <a:tcPr anchor="ctr"/>
+                </a:tc>
+                <a:tc>
+                  <a:txBody>
+                    <a:bodyPr/>
+                    <a:lstStyle/>
+                    <a:p>
+                      <a:pPr algn="ctr"/>
+                      <a:endParaRPr lang="zh-CN" altLang="en-US" dirty="0"/>
+                    </a:p>
+                  </a:txBody>
+                  <a:tcPr anchor="ctr"/>
+                </a:tc>
+                <a:extLst>
+                  <a:ext uri="{0D108BD9-81ED-4DB2-BD59-A6C34878D82A}">
+                    <a16:rowId xmlns:a16="http://schemas.microsoft.com/office/drawing/2014/main" val="3707695066"/>
+                  </a:ext>
+                </a:extLst>
+              </a:tr>
+              <a:tr h="423278">
+                <a:tc>
+                  <a:txBody>
+                    <a:bodyPr/>
+                    <a:lstStyle/>
+                    <a:p>
+                      <a:pPr algn="ctr"/>
+                      <a:endParaRPr lang="zh-CN" altLang="en-US" dirty="0"/>
+                    </a:p>
+                  </a:txBody>
+                  <a:tcPr anchor="ctr"/>
+                </a:tc>
+                <a:tc>
+                  <a:txBody>
+                    <a:bodyPr/>
+                    <a:lstStyle/>
+                    <a:p>
+                      <a:pPr algn="ctr"/>
+                      <a:r>
+                        <a:rPr lang="en-US" altLang="zh-CN" dirty="0"/>
+                        <a:t>p</a:t>
+                      </a:r>
+                      <a:endParaRPr lang="zh-CN" altLang="en-US" dirty="0"/>
+                    </a:p>
+                  </a:txBody>
+                  <a:tcPr anchor="ctr"/>
+                </a:tc>
+                <a:tc>
+                  <a:txBody>
+                    <a:bodyPr/>
+                    <a:lstStyle/>
+                    <a:p>
+                      <a:pPr algn="ctr"/>
+                      <a:r>
+                        <a:rPr lang="en-US" altLang="zh-CN" dirty="0"/>
+                        <a:t>w</a:t>
+                      </a:r>
+                      <a:endParaRPr lang="zh-CN" altLang="en-US" dirty="0"/>
+                    </a:p>
+                  </a:txBody>
+                  <a:tcPr anchor="ctr"/>
+                </a:tc>
+                <a:tc>
+                  <a:txBody>
+                    <a:bodyPr/>
+                    <a:lstStyle/>
+                    <a:p>
+                      <a:pPr algn="ctr"/>
+                      <a:r>
+                        <a:rPr lang="en-US" altLang="zh-CN" dirty="0"/>
+                        <a:t>w</a:t>
+                      </a:r>
+                      <a:endParaRPr lang="zh-CN" altLang="en-US" dirty="0"/>
+                    </a:p>
+                  </a:txBody>
+                  <a:tcPr anchor="ctr"/>
+                </a:tc>
+                <a:tc>
+                  <a:txBody>
+                    <a:bodyPr/>
+                    <a:lstStyle/>
+                    <a:p>
+                      <a:pPr algn="ctr"/>
+                      <a:r>
+                        <a:rPr lang="en-US" altLang="zh-CN" dirty="0"/>
+                        <a:t>k</a:t>
+                      </a:r>
+                      <a:endParaRPr lang="zh-CN" altLang="en-US" dirty="0"/>
+                    </a:p>
+                  </a:txBody>
+                  <a:tcPr anchor="ctr"/>
+                </a:tc>
+                <a:tc>
+                  <a:txBody>
+                    <a:bodyPr/>
+                    <a:lstStyle/>
+                    <a:p>
+                      <a:pPr algn="ctr"/>
+                      <a:r>
+                        <a:rPr lang="en-US" altLang="zh-CN" dirty="0"/>
+                        <a:t>e</a:t>
+                      </a:r>
+                      <a:endParaRPr lang="zh-CN" altLang="en-US" dirty="0"/>
+                    </a:p>
+                  </a:txBody>
+                  <a:tcPr anchor="ctr"/>
+                </a:tc>
+                <a:tc>
+                  <a:txBody>
+                    <a:bodyPr/>
+                    <a:lstStyle/>
+                    <a:p>
+                      <a:pPr algn="ctr"/>
+                      <a:r>
+                        <a:rPr lang="en-US" altLang="zh-CN" dirty="0"/>
+                        <a:t>w</a:t>
+                      </a:r>
+                      <a:endParaRPr lang="zh-CN" altLang="en-US" dirty="0"/>
+                    </a:p>
+                  </a:txBody>
+                  <a:tcPr anchor="ctr"/>
+                </a:tc>
+                <a:tc>
+                  <a:txBody>
+                    <a:bodyPr/>
+                    <a:lstStyle/>
+                    <a:p>
+                      <a:pPr algn="ctr"/>
+                      <a:endParaRPr lang="zh-CN" altLang="en-US" dirty="0"/>
+                    </a:p>
+                  </a:txBody>
+                  <a:tcPr anchor="ctr"/>
+                </a:tc>
+                <a:tc>
+                  <a:txBody>
+                    <a:bodyPr/>
+                    <a:lstStyle/>
+                    <a:p>
+                      <a:pPr algn="ctr"/>
+                      <a:r>
+                        <a:rPr lang="zh-CN" altLang="en-US" dirty="0"/>
+                        <a:t>长度</a:t>
+                      </a:r>
+                    </a:p>
+                  </a:txBody>
+                  <a:tcPr anchor="ctr"/>
+                </a:tc>
+                <a:tc>
+                  <a:txBody>
+                    <a:bodyPr/>
+                    <a:lstStyle/>
+                    <a:p>
+                      <a:pPr algn="ctr"/>
+                      <a:r>
+                        <a:rPr lang="en-US" altLang="zh-CN" dirty="0"/>
+                        <a:t>max</a:t>
+                      </a:r>
+                      <a:endParaRPr lang="zh-CN" altLang="en-US" dirty="0"/>
+                    </a:p>
+                  </a:txBody>
+                  <a:tcPr anchor="ctr"/>
+                </a:tc>
+                <a:extLst>
+                  <a:ext uri="{0D108BD9-81ED-4DB2-BD59-A6C34878D82A}">
+                    <a16:rowId xmlns:a16="http://schemas.microsoft.com/office/drawing/2014/main" val="614881800"/>
+                  </a:ext>
+                </a:extLst>
+              </a:tr>
+              <a:tr h="414252">
+                <a:tc>
+                  <a:txBody>
+                    <a:bodyPr/>
+                    <a:lstStyle/>
+                    <a:p>
+                      <a:pPr algn="ctr"/>
+                      <a:endParaRPr lang="zh-CN" altLang="en-US" dirty="0"/>
+                    </a:p>
+                  </a:txBody>
+                  <a:tcPr anchor="ctr"/>
+                </a:tc>
+                <a:tc>
+                  <a:txBody>
+                    <a:bodyPr/>
+                    <a:lstStyle/>
+                    <a:p>
+                      <a:pPr algn="ctr"/>
+                      <a:r>
+                        <a:rPr lang="zh-CN" altLang="en-US" dirty="0">
+                          <a:solidFill>
+                            <a:srgbClr val="00B0F0"/>
+                          </a:solidFill>
+                        </a:rPr>
+                        <a:t>↑</a:t>
+                      </a:r>
+                      <a:r>
+                        <a:rPr lang="zh-CN" altLang="en-US" dirty="0">
+                          <a:solidFill>
+                            <a:srgbClr val="FF0000"/>
+                          </a:solidFill>
+                        </a:rPr>
+                        <a:t>↑</a:t>
+                      </a:r>
+                    </a:p>
+                  </a:txBody>
+                  <a:tcPr anchor="ctr"/>
+                </a:tc>
+                <a:tc>
+                  <a:txBody>
+                    <a:bodyPr/>
+                    <a:lstStyle/>
+                    <a:p>
+                      <a:pPr algn="ctr"/>
+                      <a:endParaRPr lang="zh-CN" altLang="en-US" dirty="0">
+                        <a:solidFill>
+                          <a:srgbClr val="FF0000"/>
+                        </a:solidFill>
+                      </a:endParaRPr>
+                    </a:p>
+                  </a:txBody>
+                  <a:tcPr anchor="ctr"/>
+                </a:tc>
+                <a:tc>
+                  <a:txBody>
+                    <a:bodyPr/>
+                    <a:lstStyle/>
+                    <a:p>
+                      <a:pPr algn="ctr"/>
+                      <a:endParaRPr lang="zh-CN" altLang="en-US" dirty="0">
+                        <a:solidFill>
+                          <a:srgbClr val="FF0000"/>
+                        </a:solidFill>
+                      </a:endParaRPr>
+                    </a:p>
+                  </a:txBody>
+                  <a:tcPr anchor="ctr"/>
+                </a:tc>
+                <a:tc>
+                  <a:txBody>
+                    <a:bodyPr/>
+                    <a:lstStyle/>
+                    <a:p>
+                      <a:pPr algn="ctr"/>
+                      <a:endParaRPr lang="zh-CN" altLang="en-US"/>
+                    </a:p>
+                  </a:txBody>
+                  <a:tcPr anchor="ctr"/>
+                </a:tc>
+                <a:tc>
+                  <a:txBody>
+                    <a:bodyPr/>
+                    <a:lstStyle/>
+                    <a:p>
+                      <a:pPr algn="ctr"/>
+                      <a:endParaRPr lang="zh-CN" altLang="en-US"/>
+                    </a:p>
+                  </a:txBody>
+                  <a:tcPr anchor="ctr"/>
+                </a:tc>
+                <a:tc>
+                  <a:txBody>
+                    <a:bodyPr/>
+                    <a:lstStyle/>
+                    <a:p>
+                      <a:pPr algn="ctr"/>
+                      <a:endParaRPr lang="zh-CN" altLang="en-US"/>
+                    </a:p>
+                  </a:txBody>
+                  <a:tcPr anchor="ctr"/>
+                </a:tc>
+                <a:tc>
+                  <a:txBody>
+                    <a:bodyPr/>
+                    <a:lstStyle/>
+                    <a:p>
+                      <a:pPr algn="ctr"/>
+                      <a:endParaRPr lang="zh-CN" altLang="en-US" dirty="0"/>
+                    </a:p>
+                  </a:txBody>
+                  <a:tcPr anchor="ctr"/>
+                </a:tc>
+                <a:tc>
+                  <a:txBody>
+                    <a:bodyPr/>
+                    <a:lstStyle/>
+                    <a:p>
+                      <a:pPr algn="ctr"/>
+                      <a:endParaRPr lang="zh-CN" altLang="en-US" dirty="0"/>
+                    </a:p>
+                  </a:txBody>
+                  <a:tcPr anchor="ctr"/>
+                </a:tc>
+                <a:tc>
+                  <a:txBody>
+                    <a:bodyPr/>
+                    <a:lstStyle/>
+                    <a:p>
+                      <a:pPr algn="ctr"/>
+                      <a:endParaRPr lang="zh-CN" altLang="en-US" dirty="0"/>
+                    </a:p>
+                  </a:txBody>
+                  <a:tcPr anchor="ctr"/>
+                </a:tc>
+                <a:extLst>
+                  <a:ext uri="{0D108BD9-81ED-4DB2-BD59-A6C34878D82A}">
+                    <a16:rowId xmlns:a16="http://schemas.microsoft.com/office/drawing/2014/main" val="2039135953"/>
+                  </a:ext>
+                </a:extLst>
+              </a:tr>
+              <a:tr h="414252">
+                <a:tc>
+                  <a:txBody>
+                    <a:bodyPr/>
+                    <a:lstStyle/>
+                    <a:p>
+                      <a:pPr algn="ctr"/>
+                      <a:r>
+                        <a:rPr lang="en-US" altLang="zh-CN" dirty="0"/>
+                        <a:t>1</a:t>
+                      </a:r>
+                      <a:endParaRPr lang="zh-CN" altLang="en-US" dirty="0"/>
+                    </a:p>
+                  </a:txBody>
+                  <a:tcPr anchor="ctr"/>
+                </a:tc>
+                <a:tc>
+                  <a:txBody>
+                    <a:bodyPr/>
+                    <a:lstStyle/>
+                    <a:p>
+                      <a:pPr algn="ctr"/>
+                      <a:r>
+                        <a:rPr lang="zh-CN" altLang="en-US" dirty="0">
+                          <a:solidFill>
+                            <a:srgbClr val="00B0F0"/>
+                          </a:solidFill>
+                        </a:rPr>
+                        <a:t>↑</a:t>
+                      </a:r>
+                    </a:p>
+                  </a:txBody>
+                  <a:tcPr anchor="ctr"/>
+                </a:tc>
+                <a:tc>
+                  <a:txBody>
+                    <a:bodyPr/>
+                    <a:lstStyle/>
+                    <a:p>
+                      <a:pPr algn="ctr"/>
+                      <a:endParaRPr lang="zh-CN" altLang="en-US" dirty="0"/>
+                    </a:p>
+                  </a:txBody>
+                  <a:tcPr anchor="ctr"/>
+                </a:tc>
+                <a:tc>
+                  <a:txBody>
+                    <a:bodyPr/>
+                    <a:lstStyle/>
+                    <a:p>
+                      <a:pPr algn="ctr"/>
+                      <a:r>
+                        <a:rPr lang="zh-CN" altLang="en-US" dirty="0">
+                          <a:solidFill>
+                            <a:srgbClr val="FF0000"/>
+                          </a:solidFill>
+                        </a:rPr>
+                        <a:t>↑</a:t>
+                      </a:r>
+                    </a:p>
+                  </a:txBody>
+                  <a:tcPr anchor="ctr"/>
+                </a:tc>
+                <a:tc>
+                  <a:txBody>
+                    <a:bodyPr/>
+                    <a:lstStyle/>
+                    <a:p>
+                      <a:pPr algn="ctr"/>
+                      <a:endParaRPr lang="zh-CN" altLang="en-US"/>
+                    </a:p>
+                  </a:txBody>
+                  <a:tcPr anchor="ctr"/>
+                </a:tc>
+                <a:tc>
+                  <a:txBody>
+                    <a:bodyPr/>
+                    <a:lstStyle/>
+                    <a:p>
+                      <a:pPr algn="ctr"/>
+                      <a:endParaRPr lang="zh-CN" altLang="en-US"/>
+                    </a:p>
+                  </a:txBody>
+                  <a:tcPr anchor="ctr"/>
+                </a:tc>
+                <a:tc>
+                  <a:txBody>
+                    <a:bodyPr/>
+                    <a:lstStyle/>
+                    <a:p>
+                      <a:pPr algn="ctr"/>
+                      <a:endParaRPr lang="zh-CN" altLang="en-US" dirty="0"/>
+                    </a:p>
+                  </a:txBody>
+                  <a:tcPr anchor="ctr"/>
+                </a:tc>
+                <a:tc>
+                  <a:txBody>
+                    <a:bodyPr/>
+                    <a:lstStyle/>
+                    <a:p>
+                      <a:pPr algn="ctr"/>
+                      <a:endParaRPr lang="zh-CN" altLang="en-US" dirty="0"/>
+                    </a:p>
+                  </a:txBody>
+                  <a:tcPr anchor="ctr"/>
+                </a:tc>
+                <a:tc>
+                  <a:txBody>
+                    <a:bodyPr/>
+                    <a:lstStyle/>
+                    <a:p>
+                      <a:pPr algn="ctr"/>
+                      <a:r>
+                        <a:rPr lang="en-US" altLang="zh-CN" dirty="0"/>
+                        <a:t>2</a:t>
+                      </a:r>
+                      <a:endParaRPr lang="zh-CN" altLang="en-US" dirty="0"/>
+                    </a:p>
+                  </a:txBody>
+                  <a:tcPr anchor="ctr"/>
+                </a:tc>
+                <a:tc>
+                  <a:txBody>
+                    <a:bodyPr/>
+                    <a:lstStyle/>
+                    <a:p>
+                      <a:pPr algn="ctr"/>
+                      <a:r>
+                        <a:rPr lang="en-US" altLang="zh-CN" dirty="0"/>
+                        <a:t>2</a:t>
+                      </a:r>
+                      <a:endParaRPr lang="zh-CN" altLang="en-US" dirty="0"/>
+                    </a:p>
+                  </a:txBody>
+                  <a:tcPr anchor="ctr"/>
+                </a:tc>
+                <a:extLst>
+                  <a:ext uri="{0D108BD9-81ED-4DB2-BD59-A6C34878D82A}">
+                    <a16:rowId xmlns:a16="http://schemas.microsoft.com/office/drawing/2014/main" val="249920053"/>
+                  </a:ext>
+                </a:extLst>
+              </a:tr>
+              <a:tr h="423278">
+                <a:tc>
+                  <a:txBody>
+                    <a:bodyPr/>
+                    <a:lstStyle/>
+                    <a:p>
+                      <a:pPr algn="ctr"/>
+                      <a:r>
+                        <a:rPr lang="en-US" altLang="zh-CN" dirty="0"/>
+                        <a:t>2</a:t>
+                      </a:r>
+                      <a:endParaRPr lang="zh-CN" altLang="en-US" dirty="0"/>
+                    </a:p>
+                  </a:txBody>
+                  <a:tcPr anchor="ctr"/>
+                </a:tc>
+                <a:tc>
+                  <a:txBody>
+                    <a:bodyPr/>
+                    <a:lstStyle/>
+                    <a:p>
+                      <a:pPr algn="ctr"/>
+                      <a:endParaRPr lang="zh-CN" altLang="en-US" dirty="0"/>
+                    </a:p>
+                  </a:txBody>
+                  <a:tcPr anchor="ctr"/>
+                </a:tc>
+                <a:tc>
+                  <a:txBody>
+                    <a:bodyPr/>
+                    <a:lstStyle/>
+                    <a:p>
+                      <a:pPr algn="ctr"/>
+                      <a:r>
+                        <a:rPr lang="zh-CN" altLang="en-US" dirty="0">
+                          <a:solidFill>
+                            <a:srgbClr val="00B0F0"/>
+                          </a:solidFill>
+                        </a:rPr>
+                        <a:t>↑</a:t>
+                      </a:r>
+                    </a:p>
+                  </a:txBody>
+                  <a:tcPr anchor="ctr"/>
+                </a:tc>
+                <a:tc>
+                  <a:txBody>
+                    <a:bodyPr/>
+                    <a:lstStyle/>
+                    <a:p>
+                      <a:pPr algn="ctr"/>
+                      <a:r>
+                        <a:rPr lang="zh-CN" altLang="en-US" dirty="0">
+                          <a:solidFill>
+                            <a:srgbClr val="FF0000"/>
+                          </a:solidFill>
+                        </a:rPr>
+                        <a:t>↑</a:t>
+                      </a:r>
+                    </a:p>
+                  </a:txBody>
+                  <a:tcPr anchor="ctr"/>
+                </a:tc>
+                <a:tc>
+                  <a:txBody>
+                    <a:bodyPr/>
+                    <a:lstStyle/>
+                    <a:p>
+                      <a:pPr algn="ctr"/>
+                      <a:endParaRPr lang="zh-CN" altLang="en-US" dirty="0"/>
+                    </a:p>
+                  </a:txBody>
+                  <a:tcPr anchor="ctr"/>
+                </a:tc>
+                <a:tc>
+                  <a:txBody>
+                    <a:bodyPr/>
+                    <a:lstStyle/>
+                    <a:p>
+                      <a:pPr algn="ctr"/>
+                      <a:endParaRPr lang="zh-CN" altLang="en-US" dirty="0"/>
+                    </a:p>
+                  </a:txBody>
+                  <a:tcPr anchor="ctr"/>
+                </a:tc>
+                <a:tc>
+                  <a:txBody>
+                    <a:bodyPr/>
+                    <a:lstStyle/>
+                    <a:p>
+                      <a:pPr algn="ctr"/>
+                      <a:endParaRPr lang="zh-CN" altLang="en-US" dirty="0"/>
+                    </a:p>
+                  </a:txBody>
+                  <a:tcPr anchor="ctr"/>
+                </a:tc>
+                <a:tc>
+                  <a:txBody>
+                    <a:bodyPr/>
+                    <a:lstStyle/>
+                    <a:p>
+                      <a:pPr algn="ctr"/>
+                      <a:endParaRPr lang="zh-CN" altLang="en-US" dirty="0"/>
+                    </a:p>
+                  </a:txBody>
+                  <a:tcPr anchor="ctr"/>
+                </a:tc>
+                <a:tc>
+                  <a:txBody>
+                    <a:bodyPr/>
+                    <a:lstStyle/>
+                    <a:p>
+                      <a:pPr algn="ctr"/>
+                      <a:r>
+                        <a:rPr lang="en-US" altLang="zh-CN" dirty="0"/>
+                        <a:t>1</a:t>
+                      </a:r>
+                      <a:endParaRPr lang="zh-CN" altLang="en-US" dirty="0"/>
+                    </a:p>
+                  </a:txBody>
+                  <a:tcPr anchor="ctr"/>
+                </a:tc>
+                <a:tc>
+                  <a:txBody>
+                    <a:bodyPr/>
+                    <a:lstStyle/>
+                    <a:p>
+                      <a:pPr algn="ctr"/>
+                      <a:r>
+                        <a:rPr lang="en-US" altLang="zh-CN" dirty="0"/>
+                        <a:t>2</a:t>
+                      </a:r>
+                      <a:endParaRPr lang="zh-CN" altLang="en-US" dirty="0"/>
+                    </a:p>
+                  </a:txBody>
+                  <a:tcPr anchor="ctr"/>
+                </a:tc>
+                <a:extLst>
+                  <a:ext uri="{0D108BD9-81ED-4DB2-BD59-A6C34878D82A}">
+                    <a16:rowId xmlns:a16="http://schemas.microsoft.com/office/drawing/2014/main" val="1162794459"/>
+                  </a:ext>
+                </a:extLst>
+              </a:tr>
+              <a:tr h="423278">
+                <a:tc>
+                  <a:txBody>
+                    <a:bodyPr/>
+                    <a:lstStyle/>
+                    <a:p>
+                      <a:pPr algn="ctr"/>
+                      <a:r>
+                        <a:rPr lang="en-US" altLang="zh-CN" dirty="0"/>
+                        <a:t>3</a:t>
+                      </a:r>
+                      <a:endParaRPr lang="zh-CN" altLang="en-US" dirty="0"/>
+                    </a:p>
+                  </a:txBody>
+                  <a:tcPr anchor="ctr"/>
+                </a:tc>
+                <a:tc>
+                  <a:txBody>
+                    <a:bodyPr/>
+                    <a:lstStyle/>
+                    <a:p>
+                      <a:pPr algn="ctr"/>
+                      <a:endParaRPr lang="zh-CN" altLang="en-US" dirty="0"/>
+                    </a:p>
+                  </a:txBody>
+                  <a:tcPr anchor="ctr"/>
+                </a:tc>
+                <a:tc>
+                  <a:txBody>
+                    <a:bodyPr/>
+                    <a:lstStyle/>
+                    <a:p>
+                      <a:pPr algn="ctr"/>
+                      <a:endParaRPr lang="zh-CN" altLang="en-US" dirty="0"/>
+                    </a:p>
+                  </a:txBody>
+                  <a:tcPr anchor="ctr"/>
+                </a:tc>
+                <a:tc>
+                  <a:txBody>
+                    <a:bodyPr/>
+                    <a:lstStyle/>
+                    <a:p>
+                      <a:pPr algn="ctr"/>
+                      <a:r>
+                        <a:rPr lang="zh-CN" altLang="en-US" dirty="0">
+                          <a:solidFill>
+                            <a:srgbClr val="00B0F0"/>
+                          </a:solidFill>
+                        </a:rPr>
+                        <a:t>↑</a:t>
+                      </a:r>
+                    </a:p>
+                  </a:txBody>
+                  <a:tcPr anchor="ctr"/>
+                </a:tc>
+                <a:tc>
+                  <a:txBody>
+                    <a:bodyPr/>
+                    <a:lstStyle/>
+                    <a:p>
+                      <a:pPr algn="ctr"/>
+                      <a:endParaRPr lang="zh-CN" altLang="en-US" dirty="0"/>
+                    </a:p>
+                  </a:txBody>
+                  <a:tcPr anchor="ctr"/>
+                </a:tc>
+                <a:tc>
+                  <a:txBody>
+                    <a:bodyPr/>
+                    <a:lstStyle/>
+                    <a:p>
+                      <a:pPr algn="ctr"/>
+                      <a:endParaRPr lang="zh-CN" altLang="en-US" dirty="0"/>
+                    </a:p>
+                  </a:txBody>
+                  <a:tcPr anchor="ctr"/>
+                </a:tc>
+                <a:tc>
+                  <a:txBody>
+                    <a:bodyPr/>
+                    <a:lstStyle/>
+                    <a:p>
+                      <a:pPr algn="ctr"/>
+                      <a:r>
+                        <a:rPr lang="zh-CN" altLang="en-US" dirty="0">
+                          <a:solidFill>
+                            <a:srgbClr val="FF0000"/>
+                          </a:solidFill>
+                        </a:rPr>
+                        <a:t>↑</a:t>
+                      </a:r>
+                    </a:p>
+                  </a:txBody>
+                  <a:tcPr anchor="ctr"/>
+                </a:tc>
+                <a:tc>
+                  <a:txBody>
+                    <a:bodyPr/>
+                    <a:lstStyle/>
+                    <a:p>
+                      <a:pPr algn="ctr"/>
+                      <a:endParaRPr lang="zh-CN" altLang="en-US" dirty="0"/>
+                    </a:p>
+                  </a:txBody>
+                  <a:tcPr anchor="ctr"/>
+                </a:tc>
+                <a:tc>
+                  <a:txBody>
+                    <a:bodyPr/>
+                    <a:lstStyle/>
+                    <a:p>
+                      <a:pPr algn="ctr"/>
+                      <a:r>
+                        <a:rPr lang="en-US" altLang="zh-CN" dirty="0"/>
+                        <a:t>3</a:t>
+                      </a:r>
+                      <a:endParaRPr lang="zh-CN" altLang="en-US" dirty="0"/>
+                    </a:p>
+                  </a:txBody>
+                  <a:tcPr anchor="ctr"/>
+                </a:tc>
+                <a:tc>
+                  <a:txBody>
+                    <a:bodyPr/>
+                    <a:lstStyle/>
+                    <a:p>
+                      <a:pPr algn="ctr"/>
+                      <a:r>
+                        <a:rPr lang="en-US" altLang="zh-CN" dirty="0"/>
+                        <a:t>3</a:t>
+                      </a:r>
+                      <a:endParaRPr lang="zh-CN" altLang="en-US" dirty="0"/>
+                    </a:p>
+                  </a:txBody>
+                  <a:tcPr anchor="ctr"/>
+                </a:tc>
+                <a:extLst>
+                  <a:ext uri="{0D108BD9-81ED-4DB2-BD59-A6C34878D82A}">
+                    <a16:rowId xmlns:a16="http://schemas.microsoft.com/office/drawing/2014/main" val="3382695058"/>
+                  </a:ext>
+                </a:extLst>
+              </a:tr>
+            </a:tbl>
+          </a:graphicData>
+        </a:graphic>
+      </p:graphicFrame>
+    </p:spTree>
+    <p:extLst>
+      <p:ext uri="{BB962C8B-B14F-4D97-AF65-F5344CB8AC3E}">
+        <p14:creationId xmlns:p14="http://schemas.microsoft.com/office/powerpoint/2010/main" val="2439992540"/>
+      </p:ext>
+    </p:extLst>
+  </p:cSld>
+  <p:clrMapOvr>
+    <a:masterClrMapping/>
+  </p:clrMapOvr>
+</p:sld>
+</file>
+
+<file path=ppt/slides/slide9.xml><?xml version="1.0" encoding="utf-8"?>
+<p:sld xmlns:a="http://schemas.openxmlformats.org/drawingml/2006/main" xmlns:r="http://schemas.openxmlformats.org/officeDocument/2006/relationships" xmlns:p="http://schemas.openxmlformats.org/presentationml/2006/main">
+  <p:cSld>
+    <p:spTree>
+      <p:nvGrpSpPr>
+        <p:cNvPr id="1" name=""/>
+        <p:cNvGrpSpPr/>
+        <p:nvPr/>
+      </p:nvGrpSpPr>
+      <p:grpSpPr>
+        <a:xfrm>
+          <a:off x="0" y="0"/>
+          <a:ext cx="0" cy="0"/>
+          <a:chOff x="0" y="0"/>
+          <a:chExt cx="0" cy="0"/>
+        </a:xfrm>
+      </p:grpSpPr>
+      <p:sp>
+        <p:nvSpPr>
+          <p:cNvPr id="54" name="矩形 53">
+            <a:extLst>
+              <a:ext uri="{FF2B5EF4-FFF2-40B4-BE49-F238E27FC236}">
+                <a16:creationId xmlns:a16="http://schemas.microsoft.com/office/drawing/2014/main" id="{AAA26ACE-FD90-43F3-A8BE-FEACA56BC736}"/>
+              </a:ext>
+            </a:extLst>
+          </p:cNvPr>
+          <p:cNvSpPr/>
+          <p:nvPr/>
+        </p:nvSpPr>
+        <p:spPr>
+          <a:xfrm>
+            <a:off x="530673" y="2474727"/>
+            <a:ext cx="688063" cy="334978"/>
+          </a:xfrm>
+          <a:prstGeom prst="rect">
+            <a:avLst/>
+          </a:prstGeom>
+          <a:ln>
+            <a:prstDash val="dash"/>
+          </a:ln>
+        </p:spPr>
+        <p:style>
+          <a:lnRef idx="2">
+            <a:schemeClr val="dk1"/>
+          </a:lnRef>
+          <a:fillRef idx="1">
+            <a:schemeClr val="lt1"/>
+          </a:fillRef>
+          <a:effectRef idx="0">
+            <a:schemeClr val="dk1"/>
+          </a:effectRef>
+          <a:fontRef idx="minor">
+            <a:schemeClr val="dk1"/>
+          </a:fontRef>
+        </p:style>
+        <p:txBody>
+          <a:bodyPr rtlCol="0" anchor="ctr"/>
+          <a:lstStyle/>
+          <a:p>
+            <a:pPr algn="ctr"/>
+            <a:endParaRPr lang="zh-CN" altLang="en-US" dirty="0">
+              <a:latin typeface="Times New Roman" panose="02020603050405020304" pitchFamily="18" charset="0"/>
+              <a:cs typeface="Times New Roman" panose="02020603050405020304" pitchFamily="18" charset="0"/>
+            </a:endParaRPr>
+          </a:p>
+        </p:txBody>
+      </p:sp>
+      <p:sp>
+        <p:nvSpPr>
+          <p:cNvPr id="55" name="矩形 54">
+            <a:extLst>
+              <a:ext uri="{FF2B5EF4-FFF2-40B4-BE49-F238E27FC236}">
+                <a16:creationId xmlns:a16="http://schemas.microsoft.com/office/drawing/2014/main" id="{8F572262-3B7B-43EC-8390-FE194FF8E667}"/>
+              </a:ext>
+            </a:extLst>
+          </p:cNvPr>
+          <p:cNvSpPr/>
+          <p:nvPr/>
+        </p:nvSpPr>
+        <p:spPr>
+          <a:xfrm>
+            <a:off x="1849287" y="2483171"/>
+            <a:ext cx="688063" cy="334978"/>
+          </a:xfrm>
+          <a:prstGeom prst="rect">
+            <a:avLst/>
+          </a:prstGeom>
+        </p:spPr>
+        <p:style>
+          <a:lnRef idx="2">
+            <a:schemeClr val="dk1"/>
+          </a:lnRef>
+          <a:fillRef idx="1">
+            <a:schemeClr val="lt1"/>
+          </a:fillRef>
+          <a:effectRef idx="0">
+            <a:schemeClr val="dk1"/>
+          </a:effectRef>
+          <a:fontRef idx="minor">
+            <a:schemeClr val="dk1"/>
+          </a:fontRef>
+        </p:style>
+        <p:txBody>
+          <a:bodyPr rtlCol="0" anchor="ctr"/>
+          <a:lstStyle/>
+          <a:p>
+            <a:pPr algn="ctr"/>
+            <a:r>
+              <a:rPr lang="en-US" altLang="zh-CN" dirty="0">
+                <a:latin typeface="Times New Roman" panose="02020603050405020304" pitchFamily="18" charset="0"/>
+                <a:cs typeface="Times New Roman" panose="02020603050405020304" pitchFamily="18" charset="0"/>
+              </a:rPr>
+              <a:t>1</a:t>
+            </a:r>
+            <a:endParaRPr lang="zh-CN" altLang="en-US" dirty="0">
+              <a:latin typeface="Times New Roman" panose="02020603050405020304" pitchFamily="18" charset="0"/>
+              <a:cs typeface="Times New Roman" panose="02020603050405020304" pitchFamily="18" charset="0"/>
+            </a:endParaRPr>
+          </a:p>
+        </p:txBody>
+      </p:sp>
+      <p:cxnSp>
+        <p:nvCxnSpPr>
+          <p:cNvPr id="56" name="直接箭头连接符 55">
+            <a:extLst>
+              <a:ext uri="{FF2B5EF4-FFF2-40B4-BE49-F238E27FC236}">
+                <a16:creationId xmlns:a16="http://schemas.microsoft.com/office/drawing/2014/main" id="{3D83B7E3-5E3E-4B52-9783-A63ABE23FF22}"/>
+              </a:ext>
+            </a:extLst>
+          </p:cNvPr>
+          <p:cNvCxnSpPr>
+            <a:stCxn id="54" idx="3"/>
+            <a:endCxn id="55" idx="1"/>
+          </p:cNvCxnSpPr>
+          <p:nvPr/>
+        </p:nvCxnSpPr>
+        <p:spPr>
+          <a:xfrm>
+            <a:off x="1218736" y="2642216"/>
+            <a:ext cx="630551" cy="8444"/>
+          </a:xfrm>
+          <a:prstGeom prst="straightConnector1">
+            <a:avLst/>
+          </a:prstGeom>
+          <a:ln>
+            <a:solidFill>
+              <a:srgbClr val="00B050"/>
+            </a:solidFill>
+            <a:headEnd type="triangle"/>
+            <a:tailEnd type="none"/>
+          </a:ln>
+        </p:spPr>
+        <p:style>
+          <a:lnRef idx="1">
+            <a:schemeClr val="dk1"/>
+          </a:lnRef>
+          <a:fillRef idx="0">
+            <a:schemeClr val="dk1"/>
+          </a:fillRef>
+          <a:effectRef idx="0">
+            <a:schemeClr val="dk1"/>
+          </a:effectRef>
+          <a:fontRef idx="minor">
+            <a:schemeClr val="tx1"/>
+          </a:fontRef>
+        </p:style>
+      </p:cxnSp>
+      <p:sp>
+        <p:nvSpPr>
+          <p:cNvPr id="57" name="矩形 56">
+            <a:extLst>
+              <a:ext uri="{FF2B5EF4-FFF2-40B4-BE49-F238E27FC236}">
+                <a16:creationId xmlns:a16="http://schemas.microsoft.com/office/drawing/2014/main" id="{7463C318-1A5B-4B36-88DC-91365D06E83D}"/>
+              </a:ext>
+            </a:extLst>
+          </p:cNvPr>
+          <p:cNvSpPr/>
+          <p:nvPr/>
+        </p:nvSpPr>
+        <p:spPr>
+          <a:xfrm>
+            <a:off x="3124317" y="2483171"/>
+            <a:ext cx="688063" cy="334978"/>
+          </a:xfrm>
+          <a:prstGeom prst="rect">
+            <a:avLst/>
+          </a:prstGeom>
+        </p:spPr>
+        <p:style>
+          <a:lnRef idx="2">
+            <a:schemeClr val="dk1"/>
+          </a:lnRef>
+          <a:fillRef idx="1">
+            <a:schemeClr val="lt1"/>
+          </a:fillRef>
+          <a:effectRef idx="0">
+            <a:schemeClr val="dk1"/>
+          </a:effectRef>
+          <a:fontRef idx="minor">
+            <a:schemeClr val="dk1"/>
+          </a:fontRef>
+        </p:style>
+        <p:txBody>
+          <a:bodyPr rtlCol="0" anchor="ctr"/>
+          <a:lstStyle/>
+          <a:p>
+            <a:pPr algn="ctr"/>
+            <a:r>
+              <a:rPr lang="en-US" altLang="zh-CN" dirty="0">
+                <a:latin typeface="Times New Roman" panose="02020603050405020304" pitchFamily="18" charset="0"/>
+                <a:cs typeface="Times New Roman" panose="02020603050405020304" pitchFamily="18" charset="0"/>
+              </a:rPr>
+              <a:t>2</a:t>
+            </a:r>
+            <a:endParaRPr lang="zh-CN" altLang="en-US" dirty="0">
+              <a:latin typeface="Times New Roman" panose="02020603050405020304" pitchFamily="18" charset="0"/>
+              <a:cs typeface="Times New Roman" panose="02020603050405020304" pitchFamily="18" charset="0"/>
+            </a:endParaRPr>
+          </a:p>
+        </p:txBody>
+      </p:sp>
+      <p:sp>
+        <p:nvSpPr>
+          <p:cNvPr id="58" name="矩形 57">
+            <a:extLst>
+              <a:ext uri="{FF2B5EF4-FFF2-40B4-BE49-F238E27FC236}">
+                <a16:creationId xmlns:a16="http://schemas.microsoft.com/office/drawing/2014/main" id="{69256C95-6646-414B-A1C6-E243F9EADBF8}"/>
+              </a:ext>
+            </a:extLst>
+          </p:cNvPr>
+          <p:cNvSpPr/>
+          <p:nvPr/>
+        </p:nvSpPr>
+        <p:spPr>
+          <a:xfrm>
+            <a:off x="4399347" y="2483171"/>
+            <a:ext cx="688063" cy="334978"/>
+          </a:xfrm>
+          <a:prstGeom prst="rect">
+            <a:avLst/>
+          </a:prstGeom>
+        </p:spPr>
+        <p:style>
+          <a:lnRef idx="2">
+            <a:schemeClr val="dk1"/>
+          </a:lnRef>
+          <a:fillRef idx="1">
+            <a:schemeClr val="lt1"/>
+          </a:fillRef>
+          <a:effectRef idx="0">
+            <a:schemeClr val="dk1"/>
+          </a:effectRef>
+          <a:fontRef idx="minor">
+            <a:schemeClr val="dk1"/>
+          </a:fontRef>
+        </p:style>
+        <p:txBody>
+          <a:bodyPr rtlCol="0" anchor="ctr"/>
+          <a:lstStyle/>
+          <a:p>
+            <a:pPr algn="ctr"/>
+            <a:r>
+              <a:rPr lang="en-US" altLang="zh-CN" dirty="0">
+                <a:latin typeface="Times New Roman" panose="02020603050405020304" pitchFamily="18" charset="0"/>
+                <a:cs typeface="Times New Roman" panose="02020603050405020304" pitchFamily="18" charset="0"/>
+              </a:rPr>
+              <a:t>3</a:t>
+            </a:r>
+            <a:endParaRPr lang="zh-CN" altLang="en-US" dirty="0">
+              <a:latin typeface="Times New Roman" panose="02020603050405020304" pitchFamily="18" charset="0"/>
+              <a:cs typeface="Times New Roman" panose="02020603050405020304" pitchFamily="18" charset="0"/>
+            </a:endParaRPr>
+          </a:p>
+        </p:txBody>
+      </p:sp>
+      <p:cxnSp>
+        <p:nvCxnSpPr>
+          <p:cNvPr id="59" name="直接箭头连接符 58">
+            <a:extLst>
+              <a:ext uri="{FF2B5EF4-FFF2-40B4-BE49-F238E27FC236}">
+                <a16:creationId xmlns:a16="http://schemas.microsoft.com/office/drawing/2014/main" id="{377D4B2B-7A03-4D86-A533-443EAD77CDCE}"/>
+              </a:ext>
+            </a:extLst>
+          </p:cNvPr>
+          <p:cNvCxnSpPr>
+            <a:cxnSpLocks/>
+            <a:stCxn id="55" idx="3"/>
+            <a:endCxn id="57" idx="1"/>
+          </p:cNvCxnSpPr>
+          <p:nvPr/>
+        </p:nvCxnSpPr>
+        <p:spPr>
+          <a:xfrm>
+            <a:off x="2537350" y="2650660"/>
+            <a:ext cx="586967" cy="0"/>
+          </a:xfrm>
+          <a:prstGeom prst="straightConnector1">
+            <a:avLst/>
+          </a:prstGeom>
+          <a:ln>
+            <a:tailEnd type="triangle"/>
+          </a:ln>
+        </p:spPr>
+        <p:style>
+          <a:lnRef idx="1">
+            <a:schemeClr val="dk1"/>
+          </a:lnRef>
+          <a:fillRef idx="0">
+            <a:schemeClr val="dk1"/>
+          </a:fillRef>
+          <a:effectRef idx="0">
+            <a:schemeClr val="dk1"/>
+          </a:effectRef>
+          <a:fontRef idx="minor">
+            <a:schemeClr val="tx1"/>
+          </a:fontRef>
+        </p:style>
+      </p:cxnSp>
+      <p:cxnSp>
+        <p:nvCxnSpPr>
+          <p:cNvPr id="60" name="直接箭头连接符 59">
+            <a:extLst>
+              <a:ext uri="{FF2B5EF4-FFF2-40B4-BE49-F238E27FC236}">
+                <a16:creationId xmlns:a16="http://schemas.microsoft.com/office/drawing/2014/main" id="{60FA5220-D74F-40BE-A8E5-9E06291E1E2C}"/>
+              </a:ext>
+            </a:extLst>
+          </p:cNvPr>
+          <p:cNvCxnSpPr>
+            <a:cxnSpLocks/>
+            <a:stCxn id="57" idx="3"/>
+            <a:endCxn id="58" idx="1"/>
+          </p:cNvCxnSpPr>
+          <p:nvPr/>
+        </p:nvCxnSpPr>
+        <p:spPr>
+          <a:xfrm>
+            <a:off x="3812380" y="2650660"/>
+            <a:ext cx="586967" cy="0"/>
+          </a:xfrm>
+          <a:prstGeom prst="straightConnector1">
+            <a:avLst/>
+          </a:prstGeom>
+          <a:ln>
+            <a:tailEnd type="triangle"/>
+          </a:ln>
+        </p:spPr>
+        <p:style>
+          <a:lnRef idx="1">
+            <a:schemeClr val="dk1"/>
+          </a:lnRef>
+          <a:fillRef idx="0">
+            <a:schemeClr val="dk1"/>
+          </a:fillRef>
+          <a:effectRef idx="0">
+            <a:schemeClr val="dk1"/>
+          </a:effectRef>
+          <a:fontRef idx="minor">
+            <a:schemeClr val="tx1"/>
+          </a:fontRef>
+        </p:style>
+      </p:cxnSp>
+      <p:grpSp>
+        <p:nvGrpSpPr>
+          <p:cNvPr id="61" name="组合 60">
+            <a:extLst>
+              <a:ext uri="{FF2B5EF4-FFF2-40B4-BE49-F238E27FC236}">
+                <a16:creationId xmlns:a16="http://schemas.microsoft.com/office/drawing/2014/main" id="{CA8F327A-F7D0-469D-B0EF-C8ECF58B8AA0}"/>
+              </a:ext>
+            </a:extLst>
+          </p:cNvPr>
+          <p:cNvGrpSpPr/>
+          <p:nvPr/>
+        </p:nvGrpSpPr>
+        <p:grpSpPr>
+          <a:xfrm>
+            <a:off x="1802676" y="3028377"/>
+            <a:ext cx="807184" cy="585143"/>
+            <a:chOff x="2774174" y="2779414"/>
+            <a:chExt cx="807184" cy="585143"/>
+          </a:xfrm>
+        </p:grpSpPr>
+        <p:sp>
+          <p:nvSpPr>
+            <p:cNvPr id="62" name="文本框 61">
+              <a:extLst>
+                <a:ext uri="{FF2B5EF4-FFF2-40B4-BE49-F238E27FC236}">
+                  <a16:creationId xmlns:a16="http://schemas.microsoft.com/office/drawing/2014/main" id="{5B9A241B-7D0A-4DE6-A4A9-366FDAD793DC}"/>
+                </a:ext>
+              </a:extLst>
+            </p:cNvPr>
+            <p:cNvSpPr txBox="1"/>
+            <p:nvPr/>
+          </p:nvSpPr>
+          <p:spPr>
+            <a:xfrm>
+              <a:off x="2774174" y="3087558"/>
+              <a:ext cx="807184" cy="276999"/>
+            </a:xfrm>
+            <a:prstGeom prst="rect">
+              <a:avLst/>
+            </a:prstGeom>
+            <a:noFill/>
+          </p:spPr>
+          <p:txBody>
+            <a:bodyPr wrap="square" lIns="0" tIns="0" rIns="0" bIns="0" rtlCol="0">
+              <a:spAutoFit/>
+            </a:bodyPr>
+            <a:lstStyle/>
+            <a:p>
+              <a:pPr algn="ctr"/>
+              <a:r>
+                <a:rPr lang="en-US" altLang="zh-CN" dirty="0">
+                  <a:solidFill>
+                    <a:srgbClr val="00B050"/>
+                  </a:solidFill>
+                  <a:latin typeface="Times New Roman" panose="02020603050405020304" pitchFamily="18" charset="0"/>
+                  <a:ea typeface="宋体" panose="02010600030101010101" pitchFamily="2" charset="-122"/>
+                </a:rPr>
+                <a:t>left</a:t>
+              </a:r>
+              <a:endParaRPr lang="zh-CN" altLang="en-US" dirty="0">
+                <a:solidFill>
+                  <a:srgbClr val="00B050"/>
+                </a:solidFill>
+                <a:latin typeface="Times New Roman" panose="02020603050405020304" pitchFamily="18" charset="0"/>
+                <a:ea typeface="宋体" panose="02010600030101010101" pitchFamily="2" charset="-122"/>
+              </a:endParaRPr>
+            </a:p>
+          </p:txBody>
+        </p:sp>
+        <p:cxnSp>
+          <p:nvCxnSpPr>
+            <p:cNvPr id="63" name="直接箭头连接符 62">
+              <a:extLst>
+                <a:ext uri="{FF2B5EF4-FFF2-40B4-BE49-F238E27FC236}">
+                  <a16:creationId xmlns:a16="http://schemas.microsoft.com/office/drawing/2014/main" id="{D0F25FC8-BC81-472D-9134-5915F504348C}"/>
+                </a:ext>
+              </a:extLst>
+            </p:cNvPr>
+            <p:cNvCxnSpPr>
+              <a:cxnSpLocks/>
+              <a:stCxn id="62" idx="0"/>
+            </p:cNvCxnSpPr>
+            <p:nvPr/>
+          </p:nvCxnSpPr>
+          <p:spPr>
+            <a:xfrm flipV="1">
+              <a:off x="3177766" y="2779414"/>
+              <a:ext cx="0" cy="308144"/>
+            </a:xfrm>
+            <a:prstGeom prst="straightConnector1">
+              <a:avLst/>
+            </a:prstGeom>
+            <a:ln>
+              <a:solidFill>
+                <a:srgbClr val="00B050"/>
+              </a:solidFill>
+              <a:tailEnd type="triangle"/>
+            </a:ln>
+          </p:spPr>
+          <p:style>
+            <a:lnRef idx="1">
+              <a:schemeClr val="dk1"/>
+            </a:lnRef>
+            <a:fillRef idx="0">
+              <a:schemeClr val="dk1"/>
+            </a:fillRef>
+            <a:effectRef idx="0">
+              <a:schemeClr val="dk1"/>
+            </a:effectRef>
+            <a:fontRef idx="minor">
+              <a:schemeClr val="tx1"/>
+            </a:fontRef>
+          </p:style>
+        </p:cxnSp>
+      </p:grpSp>
+      <p:grpSp>
+        <p:nvGrpSpPr>
+          <p:cNvPr id="64" name="组合 63">
+            <a:extLst>
+              <a:ext uri="{FF2B5EF4-FFF2-40B4-BE49-F238E27FC236}">
+                <a16:creationId xmlns:a16="http://schemas.microsoft.com/office/drawing/2014/main" id="{8F225597-AB4B-4358-BFD5-7D185AB153AD}"/>
+              </a:ext>
+            </a:extLst>
+          </p:cNvPr>
+          <p:cNvGrpSpPr/>
+          <p:nvPr/>
+        </p:nvGrpSpPr>
+        <p:grpSpPr>
+          <a:xfrm>
+            <a:off x="3081519" y="3028377"/>
+            <a:ext cx="807184" cy="585143"/>
+            <a:chOff x="4053017" y="2779414"/>
+            <a:chExt cx="807184" cy="585143"/>
+          </a:xfrm>
+        </p:grpSpPr>
+        <p:sp>
+          <p:nvSpPr>
+            <p:cNvPr id="65" name="文本框 64">
+              <a:extLst>
+                <a:ext uri="{FF2B5EF4-FFF2-40B4-BE49-F238E27FC236}">
+                  <a16:creationId xmlns:a16="http://schemas.microsoft.com/office/drawing/2014/main" id="{9FA8EDC9-4FFD-4100-A24A-FEE4CE8792A4}"/>
+                </a:ext>
+              </a:extLst>
+            </p:cNvPr>
+            <p:cNvSpPr txBox="1"/>
+            <p:nvPr/>
+          </p:nvSpPr>
+          <p:spPr>
+            <a:xfrm>
+              <a:off x="4053017" y="3087558"/>
+              <a:ext cx="807184" cy="276999"/>
+            </a:xfrm>
+            <a:prstGeom prst="rect">
+              <a:avLst/>
+            </a:prstGeom>
+            <a:noFill/>
+          </p:spPr>
+          <p:txBody>
+            <a:bodyPr wrap="square" lIns="0" tIns="0" rIns="0" bIns="0" rtlCol="0">
+              <a:spAutoFit/>
+            </a:bodyPr>
+            <a:lstStyle/>
+            <a:p>
+              <a:pPr algn="ctr"/>
+              <a:r>
+                <a:rPr lang="en-US" altLang="zh-CN" dirty="0">
+                  <a:latin typeface="Times New Roman" panose="02020603050405020304" pitchFamily="18" charset="0"/>
+                  <a:ea typeface="宋体" panose="02010600030101010101" pitchFamily="2" charset="-122"/>
+                </a:rPr>
+                <a:t>right</a:t>
+              </a:r>
+              <a:endParaRPr lang="zh-CN" altLang="en-US" dirty="0">
+                <a:latin typeface="Times New Roman" panose="02020603050405020304" pitchFamily="18" charset="0"/>
+                <a:ea typeface="宋体" panose="02010600030101010101" pitchFamily="2" charset="-122"/>
+              </a:endParaRPr>
+            </a:p>
+          </p:txBody>
+        </p:sp>
+        <p:cxnSp>
+          <p:nvCxnSpPr>
+            <p:cNvPr id="66" name="直接箭头连接符 65">
+              <a:extLst>
+                <a:ext uri="{FF2B5EF4-FFF2-40B4-BE49-F238E27FC236}">
+                  <a16:creationId xmlns:a16="http://schemas.microsoft.com/office/drawing/2014/main" id="{E49BCCEE-BDDA-4169-B94E-8B9CEB9C4388}"/>
+                </a:ext>
+              </a:extLst>
+            </p:cNvPr>
+            <p:cNvCxnSpPr>
+              <a:cxnSpLocks/>
+            </p:cNvCxnSpPr>
+            <p:nvPr/>
+          </p:nvCxnSpPr>
+          <p:spPr>
+            <a:xfrm flipV="1">
+              <a:off x="4452796" y="2779414"/>
+              <a:ext cx="0" cy="308144"/>
+            </a:xfrm>
+            <a:prstGeom prst="straightConnector1">
+              <a:avLst/>
+            </a:prstGeom>
+            <a:ln>
+              <a:tailEnd type="triangle"/>
+            </a:ln>
+          </p:spPr>
+          <p:style>
+            <a:lnRef idx="1">
+              <a:schemeClr val="dk1"/>
+            </a:lnRef>
+            <a:fillRef idx="0">
+              <a:schemeClr val="dk1"/>
+            </a:fillRef>
+            <a:effectRef idx="0">
+              <a:schemeClr val="dk1"/>
+            </a:effectRef>
+            <a:fontRef idx="minor">
+              <a:schemeClr val="tx1"/>
+            </a:fontRef>
+          </p:style>
+        </p:cxnSp>
+      </p:grpSp>
+      <p:grpSp>
+        <p:nvGrpSpPr>
+          <p:cNvPr id="67" name="组合 66">
+            <a:extLst>
+              <a:ext uri="{FF2B5EF4-FFF2-40B4-BE49-F238E27FC236}">
+                <a16:creationId xmlns:a16="http://schemas.microsoft.com/office/drawing/2014/main" id="{08CA4E76-6383-4E2C-A7AA-E4C908E9C620}"/>
+              </a:ext>
+            </a:extLst>
+          </p:cNvPr>
+          <p:cNvGrpSpPr/>
+          <p:nvPr/>
+        </p:nvGrpSpPr>
+        <p:grpSpPr>
+          <a:xfrm>
+            <a:off x="1784487" y="1725418"/>
+            <a:ext cx="807184" cy="603681"/>
+            <a:chOff x="2781718" y="1504268"/>
+            <a:chExt cx="807184" cy="603681"/>
+          </a:xfrm>
+        </p:grpSpPr>
+        <p:sp>
+          <p:nvSpPr>
+            <p:cNvPr id="68" name="文本框 67">
+              <a:extLst>
+                <a:ext uri="{FF2B5EF4-FFF2-40B4-BE49-F238E27FC236}">
+                  <a16:creationId xmlns:a16="http://schemas.microsoft.com/office/drawing/2014/main" id="{F488ED07-0B71-41E0-A49F-69796906EB31}"/>
+                </a:ext>
+              </a:extLst>
+            </p:cNvPr>
+            <p:cNvSpPr txBox="1"/>
+            <p:nvPr/>
+          </p:nvSpPr>
+          <p:spPr>
+            <a:xfrm>
+              <a:off x="2781718" y="1504268"/>
+              <a:ext cx="807184" cy="276999"/>
+            </a:xfrm>
+            <a:prstGeom prst="rect">
+              <a:avLst/>
+            </a:prstGeom>
+            <a:noFill/>
+            <a:ln>
+              <a:noFill/>
+            </a:ln>
+          </p:spPr>
+          <p:txBody>
+            <a:bodyPr wrap="square" lIns="0" tIns="0" rIns="0" bIns="0" rtlCol="0">
+              <a:spAutoFit/>
+            </a:bodyPr>
+            <a:lstStyle/>
+            <a:p>
+              <a:pPr algn="ctr"/>
+              <a:r>
+                <a:rPr lang="en-US" altLang="zh-CN" dirty="0">
+                  <a:solidFill>
+                    <a:srgbClr val="FF0000"/>
+                  </a:solidFill>
+                  <a:latin typeface="Times New Roman" panose="02020603050405020304" pitchFamily="18" charset="0"/>
+                  <a:ea typeface="宋体" panose="02010600030101010101" pitchFamily="2" charset="-122"/>
+                </a:rPr>
+                <a:t>mid</a:t>
+              </a:r>
+              <a:endParaRPr lang="zh-CN" altLang="en-US" dirty="0">
+                <a:solidFill>
+                  <a:srgbClr val="FF0000"/>
+                </a:solidFill>
+                <a:latin typeface="Times New Roman" panose="02020603050405020304" pitchFamily="18" charset="0"/>
+                <a:ea typeface="宋体" panose="02010600030101010101" pitchFamily="2" charset="-122"/>
+              </a:endParaRPr>
+            </a:p>
+          </p:txBody>
+        </p:sp>
+        <p:cxnSp>
+          <p:nvCxnSpPr>
+            <p:cNvPr id="69" name="直接箭头连接符 68">
+              <a:extLst>
+                <a:ext uri="{FF2B5EF4-FFF2-40B4-BE49-F238E27FC236}">
+                  <a16:creationId xmlns:a16="http://schemas.microsoft.com/office/drawing/2014/main" id="{EBB6A261-AE89-4ADA-897E-0CF27F83BB26}"/>
+                </a:ext>
+              </a:extLst>
+            </p:cNvPr>
+            <p:cNvCxnSpPr>
+              <a:cxnSpLocks/>
+            </p:cNvCxnSpPr>
+            <p:nvPr/>
+          </p:nvCxnSpPr>
+          <p:spPr>
+            <a:xfrm>
+              <a:off x="3185310" y="1828800"/>
+              <a:ext cx="0" cy="279149"/>
+            </a:xfrm>
+            <a:prstGeom prst="straightConnector1">
+              <a:avLst/>
+            </a:prstGeom>
+            <a:ln>
+              <a:solidFill>
+                <a:srgbClr val="FF0000"/>
+              </a:solidFill>
+              <a:tailEnd type="triangle"/>
+            </a:ln>
+          </p:spPr>
+          <p:style>
+            <a:lnRef idx="1">
+              <a:schemeClr val="dk1"/>
+            </a:lnRef>
+            <a:fillRef idx="0">
+              <a:schemeClr val="dk1"/>
+            </a:fillRef>
+            <a:effectRef idx="0">
+              <a:schemeClr val="dk1"/>
+            </a:effectRef>
+            <a:fontRef idx="minor">
+              <a:schemeClr val="tx1"/>
+            </a:fontRef>
+          </p:style>
+        </p:cxnSp>
+      </p:grpSp>
+      <p:sp>
+        <p:nvSpPr>
+          <p:cNvPr id="72" name="文本框 71">
+            <a:extLst>
+              <a:ext uri="{FF2B5EF4-FFF2-40B4-BE49-F238E27FC236}">
+                <a16:creationId xmlns:a16="http://schemas.microsoft.com/office/drawing/2014/main" id="{1B00B531-8274-4743-ADDD-EFBA57BF78D1}"/>
+              </a:ext>
+            </a:extLst>
+          </p:cNvPr>
+          <p:cNvSpPr txBox="1"/>
+          <p:nvPr/>
+        </p:nvSpPr>
+        <p:spPr>
+          <a:xfrm>
+            <a:off x="1345454" y="2334439"/>
+            <a:ext cx="493784" cy="307777"/>
+          </a:xfrm>
+          <a:prstGeom prst="rect">
+            <a:avLst/>
+          </a:prstGeom>
+          <a:noFill/>
+        </p:spPr>
+        <p:txBody>
+          <a:bodyPr wrap="square" rtlCol="0">
+            <a:spAutoFit/>
+          </a:bodyPr>
+          <a:lstStyle/>
+          <a:p>
+            <a:pPr algn="ctr"/>
+            <a:r>
+              <a:rPr lang="zh-CN" altLang="en-US" sz="1400" dirty="0">
+                <a:latin typeface="Times New Roman" panose="02020603050405020304" pitchFamily="18" charset="0"/>
+                <a:ea typeface="宋体" panose="02010600030101010101" pitchFamily="2" charset="-122"/>
+              </a:rPr>
+              <a:t>②</a:t>
+            </a:r>
+          </a:p>
+        </p:txBody>
+      </p:sp>
+      <p:sp>
+        <p:nvSpPr>
+          <p:cNvPr id="73" name="文本框 72">
+            <a:extLst>
+              <a:ext uri="{FF2B5EF4-FFF2-40B4-BE49-F238E27FC236}">
+                <a16:creationId xmlns:a16="http://schemas.microsoft.com/office/drawing/2014/main" id="{890700F7-4080-4365-B9C0-34BD84B515EF}"/>
+              </a:ext>
+            </a:extLst>
+          </p:cNvPr>
+          <p:cNvSpPr txBox="1"/>
+          <p:nvPr/>
+        </p:nvSpPr>
+        <p:spPr>
+          <a:xfrm>
+            <a:off x="1328000" y="3892474"/>
+            <a:ext cx="493784" cy="307777"/>
+          </a:xfrm>
+          <a:prstGeom prst="rect">
+            <a:avLst/>
+          </a:prstGeom>
+          <a:noFill/>
+        </p:spPr>
+        <p:txBody>
+          <a:bodyPr wrap="square" rtlCol="0">
+            <a:spAutoFit/>
+          </a:bodyPr>
+          <a:lstStyle/>
+          <a:p>
+            <a:pPr algn="ctr"/>
+            <a:r>
+              <a:rPr lang="zh-CN" altLang="en-US" sz="1400" dirty="0">
+                <a:latin typeface="Times New Roman" panose="02020603050405020304" pitchFamily="18" charset="0"/>
+                <a:ea typeface="宋体" panose="02010600030101010101" pitchFamily="2" charset="-122"/>
+              </a:rPr>
+              <a:t>③</a:t>
+            </a:r>
+          </a:p>
+        </p:txBody>
+      </p:sp>
+      <p:sp>
+        <p:nvSpPr>
+          <p:cNvPr id="74" name="文本框 73">
+            <a:extLst>
+              <a:ext uri="{FF2B5EF4-FFF2-40B4-BE49-F238E27FC236}">
+                <a16:creationId xmlns:a16="http://schemas.microsoft.com/office/drawing/2014/main" id="{FCAE4BA0-5B99-4407-A42B-8241E7CD971E}"/>
+              </a:ext>
+            </a:extLst>
+          </p:cNvPr>
+          <p:cNvSpPr txBox="1"/>
+          <p:nvPr/>
+        </p:nvSpPr>
+        <p:spPr>
+          <a:xfrm>
+            <a:off x="2974564" y="3065175"/>
+            <a:ext cx="493784" cy="307777"/>
+          </a:xfrm>
+          <a:prstGeom prst="rect">
+            <a:avLst/>
+          </a:prstGeom>
+          <a:noFill/>
+        </p:spPr>
+        <p:txBody>
+          <a:bodyPr wrap="square" rtlCol="0">
+            <a:spAutoFit/>
+          </a:bodyPr>
+          <a:lstStyle/>
+          <a:p>
+            <a:pPr algn="ctr"/>
+            <a:r>
+              <a:rPr lang="zh-CN" altLang="en-US" sz="1400" dirty="0">
+                <a:latin typeface="Times New Roman" panose="02020603050405020304" pitchFamily="18" charset="0"/>
+                <a:ea typeface="宋体" panose="02010600030101010101" pitchFamily="2" charset="-122"/>
+              </a:rPr>
+              <a:t>①</a:t>
+            </a:r>
+          </a:p>
+        </p:txBody>
+      </p:sp>
+      <p:grpSp>
+        <p:nvGrpSpPr>
+          <p:cNvPr id="138" name="组合 137">
+            <a:extLst>
+              <a:ext uri="{FF2B5EF4-FFF2-40B4-BE49-F238E27FC236}">
+                <a16:creationId xmlns:a16="http://schemas.microsoft.com/office/drawing/2014/main" id="{7E63F792-CA9C-451D-8AB7-0CF712E605D9}"/>
+              </a:ext>
+            </a:extLst>
+          </p:cNvPr>
+          <p:cNvGrpSpPr/>
+          <p:nvPr/>
+        </p:nvGrpSpPr>
+        <p:grpSpPr>
+          <a:xfrm>
+            <a:off x="520816" y="3026988"/>
+            <a:ext cx="807184" cy="585143"/>
+            <a:chOff x="2774174" y="2779414"/>
+            <a:chExt cx="807184" cy="585143"/>
+          </a:xfrm>
+        </p:grpSpPr>
+        <p:sp>
+          <p:nvSpPr>
+            <p:cNvPr id="139" name="文本框 138">
+              <a:extLst>
+                <a:ext uri="{FF2B5EF4-FFF2-40B4-BE49-F238E27FC236}">
+                  <a16:creationId xmlns:a16="http://schemas.microsoft.com/office/drawing/2014/main" id="{499E59DF-B16D-4E7B-A155-499BB61E1856}"/>
+                </a:ext>
+              </a:extLst>
+            </p:cNvPr>
+            <p:cNvSpPr txBox="1"/>
+            <p:nvPr/>
+          </p:nvSpPr>
+          <p:spPr>
+            <a:xfrm>
+              <a:off x="2774174" y="3087558"/>
+              <a:ext cx="807184" cy="276999"/>
+            </a:xfrm>
+            <a:prstGeom prst="rect">
+              <a:avLst/>
+            </a:prstGeom>
+            <a:noFill/>
+            <a:ln>
+              <a:noFill/>
+            </a:ln>
+          </p:spPr>
+          <p:txBody>
+            <a:bodyPr wrap="square" lIns="0" tIns="0" rIns="0" bIns="0" rtlCol="0">
+              <a:spAutoFit/>
+            </a:bodyPr>
+            <a:lstStyle/>
+            <a:p>
+              <a:pPr algn="ctr"/>
+              <a:r>
+                <a:rPr lang="en-US" altLang="zh-CN" dirty="0">
+                  <a:solidFill>
+                    <a:srgbClr val="FF0000"/>
+                  </a:solidFill>
+                  <a:latin typeface="Times New Roman" panose="02020603050405020304" pitchFamily="18" charset="0"/>
+                  <a:ea typeface="宋体" panose="02010600030101010101" pitchFamily="2" charset="-122"/>
+                </a:rPr>
+                <a:t>left</a:t>
+              </a:r>
+              <a:endParaRPr lang="zh-CN" altLang="en-US" dirty="0">
+                <a:solidFill>
+                  <a:srgbClr val="FF0000"/>
+                </a:solidFill>
+                <a:latin typeface="Times New Roman" panose="02020603050405020304" pitchFamily="18" charset="0"/>
+                <a:ea typeface="宋体" panose="02010600030101010101" pitchFamily="2" charset="-122"/>
+              </a:endParaRPr>
+            </a:p>
+          </p:txBody>
+        </p:sp>
+        <p:cxnSp>
+          <p:nvCxnSpPr>
+            <p:cNvPr id="140" name="直接箭头连接符 139">
+              <a:extLst>
+                <a:ext uri="{FF2B5EF4-FFF2-40B4-BE49-F238E27FC236}">
+                  <a16:creationId xmlns:a16="http://schemas.microsoft.com/office/drawing/2014/main" id="{7128BC79-C5AC-4382-9017-08536A838553}"/>
+                </a:ext>
+              </a:extLst>
+            </p:cNvPr>
+            <p:cNvCxnSpPr>
+              <a:cxnSpLocks/>
+              <a:stCxn id="139" idx="0"/>
+            </p:cNvCxnSpPr>
+            <p:nvPr/>
+          </p:nvCxnSpPr>
+          <p:spPr>
+            <a:xfrm flipV="1">
+              <a:off x="3177766" y="2779414"/>
+              <a:ext cx="0" cy="308144"/>
+            </a:xfrm>
+            <a:prstGeom prst="straightConnector1">
+              <a:avLst/>
+            </a:prstGeom>
+            <a:ln>
+              <a:solidFill>
+                <a:srgbClr val="FF0000"/>
+              </a:solidFill>
+              <a:tailEnd type="triangle"/>
+            </a:ln>
+          </p:spPr>
+          <p:style>
+            <a:lnRef idx="1">
+              <a:schemeClr val="dk1"/>
+            </a:lnRef>
+            <a:fillRef idx="0">
+              <a:schemeClr val="dk1"/>
+            </a:fillRef>
+            <a:effectRef idx="0">
+              <a:schemeClr val="dk1"/>
+            </a:effectRef>
+            <a:fontRef idx="minor">
+              <a:schemeClr val="tx1"/>
+            </a:fontRef>
+          </p:style>
+        </p:cxnSp>
+      </p:grpSp>
+      <p:grpSp>
+        <p:nvGrpSpPr>
+          <p:cNvPr id="141" name="组合 140">
+            <a:extLst>
+              <a:ext uri="{FF2B5EF4-FFF2-40B4-BE49-F238E27FC236}">
+                <a16:creationId xmlns:a16="http://schemas.microsoft.com/office/drawing/2014/main" id="{53271D68-681D-4080-A505-63CC52E478A5}"/>
+              </a:ext>
+            </a:extLst>
+          </p:cNvPr>
+          <p:cNvGrpSpPr/>
+          <p:nvPr/>
+        </p:nvGrpSpPr>
+        <p:grpSpPr>
+          <a:xfrm>
+            <a:off x="3064756" y="1727600"/>
+            <a:ext cx="807184" cy="603681"/>
+            <a:chOff x="2781718" y="1504268"/>
+            <a:chExt cx="807184" cy="603681"/>
+          </a:xfrm>
+        </p:grpSpPr>
+        <p:sp>
+          <p:nvSpPr>
+            <p:cNvPr id="142" name="文本框 141">
+              <a:extLst>
+                <a:ext uri="{FF2B5EF4-FFF2-40B4-BE49-F238E27FC236}">
+                  <a16:creationId xmlns:a16="http://schemas.microsoft.com/office/drawing/2014/main" id="{684E7C94-9A94-46F2-BB73-8CC4D512716F}"/>
+                </a:ext>
+              </a:extLst>
+            </p:cNvPr>
+            <p:cNvSpPr txBox="1"/>
+            <p:nvPr/>
+          </p:nvSpPr>
+          <p:spPr>
+            <a:xfrm>
+              <a:off x="2781718" y="1504268"/>
+              <a:ext cx="807184" cy="276999"/>
+            </a:xfrm>
+            <a:prstGeom prst="rect">
+              <a:avLst/>
+            </a:prstGeom>
+            <a:noFill/>
+            <a:ln>
+              <a:noFill/>
+            </a:ln>
+          </p:spPr>
+          <p:txBody>
+            <a:bodyPr wrap="square" lIns="0" tIns="0" rIns="0" bIns="0" rtlCol="0">
+              <a:spAutoFit/>
+            </a:bodyPr>
+            <a:lstStyle/>
+            <a:p>
+              <a:pPr algn="ctr"/>
+              <a:r>
+                <a:rPr lang="en-US" altLang="zh-CN" dirty="0">
+                  <a:solidFill>
+                    <a:srgbClr val="00B050"/>
+                  </a:solidFill>
+                  <a:latin typeface="Times New Roman" panose="02020603050405020304" pitchFamily="18" charset="0"/>
+                  <a:ea typeface="宋体" panose="02010600030101010101" pitchFamily="2" charset="-122"/>
+                </a:rPr>
+                <a:t>mid</a:t>
+              </a:r>
+              <a:endParaRPr lang="zh-CN" altLang="en-US" dirty="0">
+                <a:solidFill>
+                  <a:srgbClr val="00B050"/>
+                </a:solidFill>
+                <a:latin typeface="Times New Roman" panose="02020603050405020304" pitchFamily="18" charset="0"/>
+                <a:ea typeface="宋体" panose="02010600030101010101" pitchFamily="2" charset="-122"/>
+              </a:endParaRPr>
+            </a:p>
+          </p:txBody>
+        </p:sp>
+        <p:cxnSp>
+          <p:nvCxnSpPr>
+            <p:cNvPr id="143" name="直接箭头连接符 142">
+              <a:extLst>
+                <a:ext uri="{FF2B5EF4-FFF2-40B4-BE49-F238E27FC236}">
+                  <a16:creationId xmlns:a16="http://schemas.microsoft.com/office/drawing/2014/main" id="{9DB63461-CB9F-433E-8F2F-9B85323B0C55}"/>
+                </a:ext>
+              </a:extLst>
+            </p:cNvPr>
+            <p:cNvCxnSpPr>
+              <a:cxnSpLocks/>
+            </p:cNvCxnSpPr>
+            <p:nvPr/>
+          </p:nvCxnSpPr>
+          <p:spPr>
+            <a:xfrm>
+              <a:off x="3185310" y="1828800"/>
+              <a:ext cx="0" cy="279149"/>
+            </a:xfrm>
+            <a:prstGeom prst="straightConnector1">
+              <a:avLst/>
+            </a:prstGeom>
+            <a:ln>
+              <a:solidFill>
+                <a:srgbClr val="00B050"/>
+              </a:solidFill>
+              <a:tailEnd type="triangle"/>
+            </a:ln>
+          </p:spPr>
+          <p:style>
+            <a:lnRef idx="1">
+              <a:schemeClr val="dk1"/>
+            </a:lnRef>
+            <a:fillRef idx="0">
+              <a:schemeClr val="dk1"/>
+            </a:fillRef>
+            <a:effectRef idx="0">
+              <a:schemeClr val="dk1"/>
+            </a:effectRef>
+            <a:fontRef idx="minor">
+              <a:schemeClr val="tx1"/>
+            </a:fontRef>
+          </p:style>
+        </p:cxnSp>
+      </p:grpSp>
+      <p:sp>
+        <p:nvSpPr>
+          <p:cNvPr id="145" name="文本框 144">
+            <a:extLst>
+              <a:ext uri="{FF2B5EF4-FFF2-40B4-BE49-F238E27FC236}">
+                <a16:creationId xmlns:a16="http://schemas.microsoft.com/office/drawing/2014/main" id="{6EB21C65-D2C5-47AD-BEE9-88053CDABE14}"/>
+              </a:ext>
+            </a:extLst>
+          </p:cNvPr>
+          <p:cNvSpPr txBox="1"/>
+          <p:nvPr/>
+        </p:nvSpPr>
+        <p:spPr>
+          <a:xfrm>
+            <a:off x="2587735" y="1170297"/>
+            <a:ext cx="493784" cy="307777"/>
+          </a:xfrm>
+          <a:prstGeom prst="rect">
+            <a:avLst/>
+          </a:prstGeom>
+          <a:noFill/>
+        </p:spPr>
+        <p:txBody>
+          <a:bodyPr wrap="square" rtlCol="0">
+            <a:spAutoFit/>
+          </a:bodyPr>
+          <a:lstStyle/>
+          <a:p>
+            <a:pPr algn="ctr"/>
+            <a:r>
+              <a:rPr lang="zh-CN" altLang="en-US" sz="1400" dirty="0">
+                <a:latin typeface="Times New Roman" panose="02020603050405020304" pitchFamily="18" charset="0"/>
+                <a:ea typeface="宋体" panose="02010600030101010101" pitchFamily="2" charset="-122"/>
+              </a:rPr>
+              <a:t>④</a:t>
+            </a:r>
+          </a:p>
+        </p:txBody>
+      </p:sp>
+      <p:cxnSp>
+        <p:nvCxnSpPr>
+          <p:cNvPr id="147" name="连接符: 曲线 146">
+            <a:extLst>
+              <a:ext uri="{FF2B5EF4-FFF2-40B4-BE49-F238E27FC236}">
+                <a16:creationId xmlns:a16="http://schemas.microsoft.com/office/drawing/2014/main" id="{2586A2A5-5F8D-4B31-8699-146D226A421F}"/>
+              </a:ext>
+            </a:extLst>
+          </p:cNvPr>
+          <p:cNvCxnSpPr>
+            <a:stCxn id="68" idx="0"/>
+            <a:endCxn id="142" idx="0"/>
+          </p:cNvCxnSpPr>
+          <p:nvPr/>
+        </p:nvCxnSpPr>
+        <p:spPr>
+          <a:xfrm rot="16200000" flipH="1">
+            <a:off x="2827122" y="1086375"/>
+            <a:ext cx="2182" cy="1280269"/>
+          </a:xfrm>
+          <a:prstGeom prst="curvedConnector3">
+            <a:avLst>
+              <a:gd name="adj1" fmla="val -10476627"/>
+            </a:avLst>
+          </a:prstGeom>
+          <a:ln w="19050">
+            <a:tailEnd type="triangle"/>
+          </a:ln>
+        </p:spPr>
+        <p:style>
+          <a:lnRef idx="1">
+            <a:schemeClr val="dk1"/>
+          </a:lnRef>
+          <a:fillRef idx="0">
+            <a:schemeClr val="dk1"/>
+          </a:fillRef>
+          <a:effectRef idx="0">
+            <a:schemeClr val="dk1"/>
+          </a:effectRef>
+          <a:fontRef idx="minor">
+            <a:schemeClr val="tx1"/>
+          </a:fontRef>
+        </p:style>
+      </p:cxnSp>
+      <p:cxnSp>
+        <p:nvCxnSpPr>
+          <p:cNvPr id="148" name="连接符: 曲线 147">
+            <a:extLst>
+              <a:ext uri="{FF2B5EF4-FFF2-40B4-BE49-F238E27FC236}">
+                <a16:creationId xmlns:a16="http://schemas.microsoft.com/office/drawing/2014/main" id="{548C6270-7CB3-46C9-97BB-BB4E9EB5E679}"/>
+              </a:ext>
+            </a:extLst>
+          </p:cNvPr>
+          <p:cNvCxnSpPr>
+            <a:cxnSpLocks/>
+            <a:stCxn id="139" idx="2"/>
+            <a:endCxn id="62" idx="2"/>
+          </p:cNvCxnSpPr>
+          <p:nvPr/>
+        </p:nvCxnSpPr>
+        <p:spPr>
+          <a:xfrm rot="16200000" flipH="1">
+            <a:off x="1564644" y="2971895"/>
+            <a:ext cx="1389" cy="1281860"/>
+          </a:xfrm>
+          <a:prstGeom prst="curvedConnector3">
+            <a:avLst>
+              <a:gd name="adj1" fmla="val 16557883"/>
+            </a:avLst>
+          </a:prstGeom>
+          <a:ln w="19050">
+            <a:tailEnd type="triangle"/>
+          </a:ln>
+        </p:spPr>
+        <p:style>
+          <a:lnRef idx="1">
+            <a:schemeClr val="dk1"/>
+          </a:lnRef>
+          <a:fillRef idx="0">
+            <a:schemeClr val="dk1"/>
+          </a:fillRef>
+          <a:effectRef idx="0">
+            <a:schemeClr val="dk1"/>
+          </a:effectRef>
+          <a:fontRef idx="minor">
+            <a:schemeClr val="tx1"/>
+          </a:fontRef>
+        </p:style>
+      </p:cxnSp>
+      <p:sp>
+        <p:nvSpPr>
+          <p:cNvPr id="151" name="矩形 150">
+            <a:extLst>
+              <a:ext uri="{FF2B5EF4-FFF2-40B4-BE49-F238E27FC236}">
+                <a16:creationId xmlns:a16="http://schemas.microsoft.com/office/drawing/2014/main" id="{84AA65F8-8A6C-492B-BB78-1A9600367E46}"/>
+              </a:ext>
+            </a:extLst>
+          </p:cNvPr>
+          <p:cNvSpPr/>
+          <p:nvPr/>
+        </p:nvSpPr>
+        <p:spPr>
+          <a:xfrm>
+            <a:off x="7052003" y="2494154"/>
+            <a:ext cx="688063" cy="334978"/>
+          </a:xfrm>
+          <a:prstGeom prst="rect">
+            <a:avLst/>
+          </a:prstGeom>
+          <a:ln>
+            <a:prstDash val="dash"/>
+          </a:ln>
+        </p:spPr>
+        <p:style>
+          <a:lnRef idx="2">
+            <a:schemeClr val="dk1"/>
+          </a:lnRef>
+          <a:fillRef idx="1">
+            <a:schemeClr val="lt1"/>
+          </a:fillRef>
+          <a:effectRef idx="0">
+            <a:schemeClr val="dk1"/>
+          </a:effectRef>
+          <a:fontRef idx="minor">
+            <a:schemeClr val="dk1"/>
+          </a:fontRef>
+        </p:style>
+        <p:txBody>
+          <a:bodyPr rtlCol="0" anchor="ctr"/>
+          <a:lstStyle/>
+          <a:p>
+            <a:pPr algn="ctr"/>
+            <a:endParaRPr lang="zh-CN" altLang="en-US" dirty="0">
+              <a:latin typeface="Times New Roman" panose="02020603050405020304" pitchFamily="18" charset="0"/>
+              <a:cs typeface="Times New Roman" panose="02020603050405020304" pitchFamily="18" charset="0"/>
+            </a:endParaRPr>
+          </a:p>
+        </p:txBody>
+      </p:sp>
+      <p:sp>
+        <p:nvSpPr>
+          <p:cNvPr id="152" name="矩形 151">
+            <a:extLst>
+              <a:ext uri="{FF2B5EF4-FFF2-40B4-BE49-F238E27FC236}">
+                <a16:creationId xmlns:a16="http://schemas.microsoft.com/office/drawing/2014/main" id="{583B1D04-B9CB-4150-912A-D90C6AC52A8B}"/>
+              </a:ext>
+            </a:extLst>
+          </p:cNvPr>
+          <p:cNvSpPr/>
+          <p:nvPr/>
+        </p:nvSpPr>
+        <p:spPr>
+          <a:xfrm>
+            <a:off x="5779200" y="2495807"/>
+            <a:ext cx="688063" cy="334978"/>
+          </a:xfrm>
+          <a:prstGeom prst="rect">
+            <a:avLst/>
+          </a:prstGeom>
+        </p:spPr>
+        <p:style>
+          <a:lnRef idx="2">
+            <a:schemeClr val="dk1"/>
+          </a:lnRef>
+          <a:fillRef idx="1">
+            <a:schemeClr val="lt1"/>
+          </a:fillRef>
+          <a:effectRef idx="0">
+            <a:schemeClr val="dk1"/>
+          </a:effectRef>
+          <a:fontRef idx="minor">
+            <a:schemeClr val="dk1"/>
+          </a:fontRef>
+        </p:style>
+        <p:txBody>
+          <a:bodyPr rtlCol="0" anchor="ctr"/>
+          <a:lstStyle/>
+          <a:p>
+            <a:pPr algn="ctr"/>
+            <a:r>
+              <a:rPr lang="en-US" altLang="zh-CN" dirty="0">
+                <a:latin typeface="Times New Roman" panose="02020603050405020304" pitchFamily="18" charset="0"/>
+                <a:cs typeface="Times New Roman" panose="02020603050405020304" pitchFamily="18" charset="0"/>
+              </a:rPr>
+              <a:t>4</a:t>
+            </a:r>
+            <a:endParaRPr lang="zh-CN" altLang="en-US" dirty="0">
+              <a:latin typeface="Times New Roman" panose="02020603050405020304" pitchFamily="18" charset="0"/>
+              <a:cs typeface="Times New Roman" panose="02020603050405020304" pitchFamily="18" charset="0"/>
+            </a:endParaRPr>
+          </a:p>
+        </p:txBody>
+      </p:sp>
+      <p:cxnSp>
+        <p:nvCxnSpPr>
+          <p:cNvPr id="153" name="直接箭头连接符 152">
+            <a:extLst>
+              <a:ext uri="{FF2B5EF4-FFF2-40B4-BE49-F238E27FC236}">
+                <a16:creationId xmlns:a16="http://schemas.microsoft.com/office/drawing/2014/main" id="{BF7CAAD7-5851-4BF6-B902-7FF345952986}"/>
+              </a:ext>
+            </a:extLst>
+          </p:cNvPr>
+          <p:cNvCxnSpPr>
+            <a:cxnSpLocks/>
+            <a:stCxn id="58" idx="3"/>
+            <a:endCxn id="152" idx="1"/>
+          </p:cNvCxnSpPr>
+          <p:nvPr/>
+        </p:nvCxnSpPr>
+        <p:spPr>
+          <a:xfrm>
+            <a:off x="5087410" y="2650660"/>
+            <a:ext cx="691790" cy="12636"/>
+          </a:xfrm>
+          <a:prstGeom prst="straightConnector1">
+            <a:avLst/>
+          </a:prstGeom>
+          <a:ln>
+            <a:solidFill>
+              <a:srgbClr val="00B050"/>
+            </a:solidFill>
+            <a:headEnd type="triangle"/>
+            <a:tailEnd type="none"/>
+          </a:ln>
+        </p:spPr>
+        <p:style>
+          <a:lnRef idx="1">
+            <a:schemeClr val="dk1"/>
+          </a:lnRef>
+          <a:fillRef idx="0">
+            <a:schemeClr val="dk1"/>
+          </a:fillRef>
+          <a:effectRef idx="0">
+            <a:schemeClr val="dk1"/>
+          </a:effectRef>
+          <a:fontRef idx="minor">
+            <a:schemeClr val="tx1"/>
+          </a:fontRef>
+        </p:style>
+      </p:cxnSp>
+      <p:grpSp>
+        <p:nvGrpSpPr>
+          <p:cNvPr id="187" name="组合 186">
+            <a:extLst>
+              <a:ext uri="{FF2B5EF4-FFF2-40B4-BE49-F238E27FC236}">
+                <a16:creationId xmlns:a16="http://schemas.microsoft.com/office/drawing/2014/main" id="{70EB24DA-6D59-4C33-83D5-3F54F29F25ED}"/>
+              </a:ext>
+            </a:extLst>
+          </p:cNvPr>
+          <p:cNvGrpSpPr/>
+          <p:nvPr/>
+        </p:nvGrpSpPr>
+        <p:grpSpPr>
+          <a:xfrm>
+            <a:off x="6992442" y="3026987"/>
+            <a:ext cx="807184" cy="585143"/>
+            <a:chOff x="4053017" y="2779414"/>
+            <a:chExt cx="807184" cy="585143"/>
+          </a:xfrm>
+        </p:grpSpPr>
+        <p:sp>
+          <p:nvSpPr>
+            <p:cNvPr id="188" name="文本框 187">
+              <a:extLst>
+                <a:ext uri="{FF2B5EF4-FFF2-40B4-BE49-F238E27FC236}">
+                  <a16:creationId xmlns:a16="http://schemas.microsoft.com/office/drawing/2014/main" id="{7327E41B-4D2B-4B62-81DD-7CE68D408669}"/>
+                </a:ext>
+              </a:extLst>
+            </p:cNvPr>
+            <p:cNvSpPr txBox="1"/>
+            <p:nvPr/>
+          </p:nvSpPr>
+          <p:spPr>
+            <a:xfrm>
+              <a:off x="4053017" y="3087558"/>
+              <a:ext cx="807184" cy="276999"/>
+            </a:xfrm>
+            <a:prstGeom prst="rect">
+              <a:avLst/>
+            </a:prstGeom>
+            <a:noFill/>
+          </p:spPr>
+          <p:txBody>
+            <a:bodyPr wrap="square" lIns="0" tIns="0" rIns="0" bIns="0" rtlCol="0">
+              <a:spAutoFit/>
+            </a:bodyPr>
+            <a:lstStyle/>
+            <a:p>
+              <a:pPr algn="ctr"/>
+              <a:r>
+                <a:rPr lang="en-US" altLang="zh-CN" dirty="0">
+                  <a:solidFill>
+                    <a:schemeClr val="accent2">
+                      <a:lumMod val="75000"/>
+                    </a:schemeClr>
+                  </a:solidFill>
+                  <a:latin typeface="Times New Roman" panose="02020603050405020304" pitchFamily="18" charset="0"/>
+                  <a:ea typeface="宋体" panose="02010600030101010101" pitchFamily="2" charset="-122"/>
+                </a:rPr>
+                <a:t>right</a:t>
+              </a:r>
+              <a:endParaRPr lang="zh-CN" altLang="en-US" dirty="0">
+                <a:solidFill>
+                  <a:schemeClr val="accent2">
+                    <a:lumMod val="75000"/>
+                  </a:schemeClr>
+                </a:solidFill>
+                <a:latin typeface="Times New Roman" panose="02020603050405020304" pitchFamily="18" charset="0"/>
+                <a:ea typeface="宋体" panose="02010600030101010101" pitchFamily="2" charset="-122"/>
+              </a:endParaRPr>
+            </a:p>
+          </p:txBody>
+        </p:sp>
+        <p:cxnSp>
+          <p:nvCxnSpPr>
+            <p:cNvPr id="189" name="直接箭头连接符 188">
+              <a:extLst>
+                <a:ext uri="{FF2B5EF4-FFF2-40B4-BE49-F238E27FC236}">
+                  <a16:creationId xmlns:a16="http://schemas.microsoft.com/office/drawing/2014/main" id="{B27B1B9D-AB3A-43D5-9ADD-ACE667083E5D}"/>
+                </a:ext>
+              </a:extLst>
+            </p:cNvPr>
+            <p:cNvCxnSpPr>
+              <a:cxnSpLocks/>
+            </p:cNvCxnSpPr>
+            <p:nvPr/>
+          </p:nvCxnSpPr>
+          <p:spPr>
+            <a:xfrm flipV="1">
+              <a:off x="4452796" y="2779414"/>
+              <a:ext cx="0" cy="308144"/>
+            </a:xfrm>
+            <a:prstGeom prst="straightConnector1">
+              <a:avLst/>
+            </a:prstGeom>
+            <a:ln>
+              <a:solidFill>
+                <a:schemeClr val="accent2">
+                  <a:lumMod val="75000"/>
+                </a:schemeClr>
+              </a:solidFill>
+              <a:tailEnd type="triangle"/>
+            </a:ln>
+          </p:spPr>
+          <p:style>
+            <a:lnRef idx="1">
+              <a:schemeClr val="dk1"/>
+            </a:lnRef>
+            <a:fillRef idx="0">
+              <a:schemeClr val="dk1"/>
+            </a:fillRef>
+            <a:effectRef idx="0">
+              <a:schemeClr val="dk1"/>
+            </a:effectRef>
+            <a:fontRef idx="minor">
+              <a:schemeClr val="tx1"/>
+            </a:fontRef>
+          </p:style>
+        </p:cxnSp>
+      </p:grpSp>
+      <p:grpSp>
+        <p:nvGrpSpPr>
+          <p:cNvPr id="190" name="组合 189">
+            <a:extLst>
+              <a:ext uri="{FF2B5EF4-FFF2-40B4-BE49-F238E27FC236}">
+                <a16:creationId xmlns:a16="http://schemas.microsoft.com/office/drawing/2014/main" id="{57C7D03A-7DC2-45BF-B5FA-3E4DF25A96D9}"/>
+              </a:ext>
+            </a:extLst>
+          </p:cNvPr>
+          <p:cNvGrpSpPr/>
+          <p:nvPr/>
+        </p:nvGrpSpPr>
+        <p:grpSpPr>
+          <a:xfrm>
+            <a:off x="6988629" y="1791545"/>
+            <a:ext cx="807184" cy="603681"/>
+            <a:chOff x="2781718" y="1504268"/>
+            <a:chExt cx="807184" cy="603681"/>
+          </a:xfrm>
+        </p:grpSpPr>
+        <p:sp>
+          <p:nvSpPr>
+            <p:cNvPr id="191" name="文本框 190">
+              <a:extLst>
+                <a:ext uri="{FF2B5EF4-FFF2-40B4-BE49-F238E27FC236}">
+                  <a16:creationId xmlns:a16="http://schemas.microsoft.com/office/drawing/2014/main" id="{2785E66F-B0D1-41DD-A397-61CF9439A9D8}"/>
+                </a:ext>
+              </a:extLst>
+            </p:cNvPr>
+            <p:cNvSpPr txBox="1"/>
+            <p:nvPr/>
+          </p:nvSpPr>
+          <p:spPr>
+            <a:xfrm>
+              <a:off x="2781718" y="1504268"/>
+              <a:ext cx="807184" cy="276999"/>
+            </a:xfrm>
+            <a:prstGeom prst="rect">
+              <a:avLst/>
+            </a:prstGeom>
+            <a:noFill/>
+            <a:ln>
+              <a:noFill/>
+            </a:ln>
+          </p:spPr>
+          <p:txBody>
+            <a:bodyPr wrap="square" lIns="0" tIns="0" rIns="0" bIns="0" rtlCol="0">
+              <a:spAutoFit/>
+            </a:bodyPr>
+            <a:lstStyle/>
+            <a:p>
+              <a:pPr algn="ctr"/>
+              <a:r>
+                <a:rPr lang="en-US" altLang="zh-CN" dirty="0">
+                  <a:solidFill>
+                    <a:schemeClr val="accent2">
+                      <a:lumMod val="75000"/>
+                    </a:schemeClr>
+                  </a:solidFill>
+                  <a:latin typeface="Times New Roman" panose="02020603050405020304" pitchFamily="18" charset="0"/>
+                  <a:ea typeface="宋体" panose="02010600030101010101" pitchFamily="2" charset="-122"/>
+                </a:rPr>
+                <a:t>mid</a:t>
+              </a:r>
+              <a:endParaRPr lang="zh-CN" altLang="en-US" dirty="0">
+                <a:solidFill>
+                  <a:schemeClr val="accent2">
+                    <a:lumMod val="75000"/>
+                  </a:schemeClr>
+                </a:solidFill>
+                <a:latin typeface="Times New Roman" panose="02020603050405020304" pitchFamily="18" charset="0"/>
+                <a:ea typeface="宋体" panose="02010600030101010101" pitchFamily="2" charset="-122"/>
+              </a:endParaRPr>
+            </a:p>
+          </p:txBody>
+        </p:sp>
+        <p:cxnSp>
+          <p:nvCxnSpPr>
+            <p:cNvPr id="192" name="直接箭头连接符 191">
+              <a:extLst>
+                <a:ext uri="{FF2B5EF4-FFF2-40B4-BE49-F238E27FC236}">
+                  <a16:creationId xmlns:a16="http://schemas.microsoft.com/office/drawing/2014/main" id="{17396845-3B49-4637-8B57-5EF1D55A680F}"/>
+                </a:ext>
+              </a:extLst>
+            </p:cNvPr>
+            <p:cNvCxnSpPr>
+              <a:cxnSpLocks/>
+            </p:cNvCxnSpPr>
+            <p:nvPr/>
+          </p:nvCxnSpPr>
+          <p:spPr>
+            <a:xfrm>
+              <a:off x="3185310" y="1828800"/>
+              <a:ext cx="0" cy="279149"/>
+            </a:xfrm>
+            <a:prstGeom prst="straightConnector1">
+              <a:avLst/>
+            </a:prstGeom>
+            <a:ln>
+              <a:solidFill>
+                <a:schemeClr val="accent2">
+                  <a:lumMod val="75000"/>
+                </a:schemeClr>
+              </a:solidFill>
+              <a:tailEnd type="triangle"/>
+            </a:ln>
+          </p:spPr>
+          <p:style>
+            <a:lnRef idx="1">
+              <a:schemeClr val="dk1"/>
+            </a:lnRef>
+            <a:fillRef idx="0">
+              <a:schemeClr val="dk1"/>
+            </a:fillRef>
+            <a:effectRef idx="0">
+              <a:schemeClr val="dk1"/>
+            </a:effectRef>
+            <a:fontRef idx="minor">
+              <a:schemeClr val="tx1"/>
+            </a:fontRef>
+          </p:style>
+        </p:cxnSp>
+      </p:grpSp>
+      <p:grpSp>
+        <p:nvGrpSpPr>
+          <p:cNvPr id="194" name="组合 193">
+            <a:extLst>
+              <a:ext uri="{FF2B5EF4-FFF2-40B4-BE49-F238E27FC236}">
+                <a16:creationId xmlns:a16="http://schemas.microsoft.com/office/drawing/2014/main" id="{C0560F89-6A52-4663-9ED2-AE57FF1D1CDD}"/>
+              </a:ext>
+            </a:extLst>
+          </p:cNvPr>
+          <p:cNvGrpSpPr/>
+          <p:nvPr/>
+        </p:nvGrpSpPr>
+        <p:grpSpPr>
+          <a:xfrm>
+            <a:off x="5717412" y="3026987"/>
+            <a:ext cx="807184" cy="585143"/>
+            <a:chOff x="4053017" y="2779414"/>
+            <a:chExt cx="807184" cy="585143"/>
+          </a:xfrm>
+        </p:grpSpPr>
+        <p:sp>
+          <p:nvSpPr>
+            <p:cNvPr id="195" name="文本框 194">
+              <a:extLst>
+                <a:ext uri="{FF2B5EF4-FFF2-40B4-BE49-F238E27FC236}">
+                  <a16:creationId xmlns:a16="http://schemas.microsoft.com/office/drawing/2014/main" id="{BB7D5F82-DCD6-410E-AC6C-C50CEE622C88}"/>
+                </a:ext>
+              </a:extLst>
+            </p:cNvPr>
+            <p:cNvSpPr txBox="1"/>
+            <p:nvPr/>
+          </p:nvSpPr>
+          <p:spPr>
+            <a:xfrm>
+              <a:off x="4053017" y="3087558"/>
+              <a:ext cx="807184" cy="276999"/>
+            </a:xfrm>
+            <a:prstGeom prst="rect">
+              <a:avLst/>
+            </a:prstGeom>
+            <a:noFill/>
+          </p:spPr>
+          <p:txBody>
+            <a:bodyPr wrap="square" lIns="0" tIns="0" rIns="0" bIns="0" rtlCol="0">
+              <a:spAutoFit/>
+            </a:bodyPr>
+            <a:lstStyle/>
+            <a:p>
+              <a:pPr algn="ctr"/>
+              <a:r>
+                <a:rPr lang="en-US" altLang="zh-CN" dirty="0">
+                  <a:solidFill>
+                    <a:schemeClr val="accent2">
+                      <a:lumMod val="75000"/>
+                    </a:schemeClr>
+                  </a:solidFill>
+                  <a:latin typeface="Times New Roman" panose="02020603050405020304" pitchFamily="18" charset="0"/>
+                  <a:ea typeface="宋体" panose="02010600030101010101" pitchFamily="2" charset="-122"/>
+                </a:rPr>
+                <a:t>left</a:t>
+              </a:r>
+              <a:endParaRPr lang="zh-CN" altLang="en-US" dirty="0">
+                <a:solidFill>
+                  <a:schemeClr val="accent2">
+                    <a:lumMod val="75000"/>
+                  </a:schemeClr>
+                </a:solidFill>
+                <a:latin typeface="Times New Roman" panose="02020603050405020304" pitchFamily="18" charset="0"/>
+                <a:ea typeface="宋体" panose="02010600030101010101" pitchFamily="2" charset="-122"/>
+              </a:endParaRPr>
+            </a:p>
+          </p:txBody>
+        </p:sp>
+        <p:cxnSp>
+          <p:nvCxnSpPr>
+            <p:cNvPr id="196" name="直接箭头连接符 195">
+              <a:extLst>
+                <a:ext uri="{FF2B5EF4-FFF2-40B4-BE49-F238E27FC236}">
+                  <a16:creationId xmlns:a16="http://schemas.microsoft.com/office/drawing/2014/main" id="{3BFBB47A-58C1-4EE9-976A-8E91EB654F2A}"/>
+                </a:ext>
+              </a:extLst>
+            </p:cNvPr>
+            <p:cNvCxnSpPr>
+              <a:cxnSpLocks/>
+            </p:cNvCxnSpPr>
+            <p:nvPr/>
+          </p:nvCxnSpPr>
+          <p:spPr>
+            <a:xfrm flipV="1">
+              <a:off x="4452796" y="2779414"/>
+              <a:ext cx="0" cy="308144"/>
+            </a:xfrm>
+            <a:prstGeom prst="straightConnector1">
+              <a:avLst/>
+            </a:prstGeom>
+            <a:ln>
+              <a:solidFill>
+                <a:schemeClr val="accent2">
+                  <a:lumMod val="75000"/>
+                </a:schemeClr>
+              </a:solidFill>
+              <a:tailEnd type="triangle"/>
+            </a:ln>
+          </p:spPr>
+          <p:style>
+            <a:lnRef idx="1">
+              <a:schemeClr val="dk1"/>
+            </a:lnRef>
+            <a:fillRef idx="0">
+              <a:schemeClr val="dk1"/>
+            </a:fillRef>
+            <a:effectRef idx="0">
+              <a:schemeClr val="dk1"/>
+            </a:effectRef>
+            <a:fontRef idx="minor">
+              <a:schemeClr val="tx1"/>
+            </a:fontRef>
+          </p:style>
+        </p:cxnSp>
+      </p:grpSp>
+      <p:sp>
+        <p:nvSpPr>
+          <p:cNvPr id="197" name="文本框 196">
+            <a:extLst>
+              <a:ext uri="{FF2B5EF4-FFF2-40B4-BE49-F238E27FC236}">
+                <a16:creationId xmlns:a16="http://schemas.microsoft.com/office/drawing/2014/main" id="{2D90131C-6A35-49C5-9A9B-8E26E629FBFB}"/>
+              </a:ext>
+            </a:extLst>
+          </p:cNvPr>
+          <p:cNvSpPr txBox="1"/>
+          <p:nvPr/>
+        </p:nvSpPr>
+        <p:spPr>
+          <a:xfrm>
+            <a:off x="6855248" y="3065174"/>
+            <a:ext cx="493784" cy="307777"/>
+          </a:xfrm>
+          <a:prstGeom prst="rect">
+            <a:avLst/>
+          </a:prstGeom>
+          <a:noFill/>
+        </p:spPr>
+        <p:txBody>
+          <a:bodyPr wrap="square" rtlCol="0">
+            <a:spAutoFit/>
+          </a:bodyPr>
+          <a:lstStyle/>
+          <a:p>
+            <a:pPr algn="ctr"/>
+            <a:r>
+              <a:rPr lang="en-US" altLang="zh-CN" sz="1400" dirty="0">
+                <a:latin typeface="Times New Roman" panose="02020603050405020304" pitchFamily="18" charset="0"/>
+                <a:ea typeface="宋体" panose="02010600030101010101" pitchFamily="2" charset="-122"/>
+              </a:rPr>
+              <a:t>A</a:t>
+            </a:r>
+          </a:p>
+        </p:txBody>
+      </p:sp>
+      <p:sp>
+        <p:nvSpPr>
+          <p:cNvPr id="199" name="文本框 198">
+            <a:extLst>
+              <a:ext uri="{FF2B5EF4-FFF2-40B4-BE49-F238E27FC236}">
+                <a16:creationId xmlns:a16="http://schemas.microsoft.com/office/drawing/2014/main" id="{CB788166-1570-4B54-8384-87DC51F0763B}"/>
+              </a:ext>
+            </a:extLst>
+          </p:cNvPr>
+          <p:cNvSpPr txBox="1"/>
+          <p:nvPr/>
+        </p:nvSpPr>
+        <p:spPr>
+          <a:xfrm>
+            <a:off x="6524596" y="1203402"/>
+            <a:ext cx="493784" cy="307777"/>
+          </a:xfrm>
+          <a:prstGeom prst="rect">
+            <a:avLst/>
+          </a:prstGeom>
+          <a:noFill/>
+        </p:spPr>
+        <p:txBody>
+          <a:bodyPr wrap="square" rtlCol="0">
+            <a:spAutoFit/>
+          </a:bodyPr>
+          <a:lstStyle/>
+          <a:p>
+            <a:pPr algn="ctr"/>
+            <a:r>
+              <a:rPr lang="en-US" altLang="zh-CN" sz="1400" dirty="0">
+                <a:latin typeface="Times New Roman" panose="02020603050405020304" pitchFamily="18" charset="0"/>
+                <a:ea typeface="宋体" panose="02010600030101010101" pitchFamily="2" charset="-122"/>
+              </a:rPr>
+              <a:t>D</a:t>
+            </a:r>
+            <a:endParaRPr lang="zh-CN" altLang="en-US" sz="1400" dirty="0">
+              <a:latin typeface="Times New Roman" panose="02020603050405020304" pitchFamily="18" charset="0"/>
+              <a:ea typeface="宋体" panose="02010600030101010101" pitchFamily="2" charset="-122"/>
+            </a:endParaRPr>
+          </a:p>
+        </p:txBody>
+      </p:sp>
+      <p:cxnSp>
+        <p:nvCxnSpPr>
+          <p:cNvPr id="200" name="连接符: 曲线 199">
+            <a:extLst>
+              <a:ext uri="{FF2B5EF4-FFF2-40B4-BE49-F238E27FC236}">
+                <a16:creationId xmlns:a16="http://schemas.microsoft.com/office/drawing/2014/main" id="{201DEC56-EC16-4C32-A3CA-1E68BDDE5F07}"/>
+              </a:ext>
+            </a:extLst>
+          </p:cNvPr>
+          <p:cNvCxnSpPr/>
+          <p:nvPr/>
+        </p:nvCxnSpPr>
+        <p:spPr>
+          <a:xfrm rot="16200000" flipH="1">
+            <a:off x="6760048" y="1135915"/>
+            <a:ext cx="2182" cy="1280269"/>
+          </a:xfrm>
+          <a:prstGeom prst="curvedConnector3">
+            <a:avLst>
+              <a:gd name="adj1" fmla="val -10476627"/>
+            </a:avLst>
+          </a:prstGeom>
+          <a:ln w="19050">
+            <a:prstDash val="dash"/>
+            <a:tailEnd type="triangle"/>
+          </a:ln>
+        </p:spPr>
+        <p:style>
+          <a:lnRef idx="1">
+            <a:schemeClr val="dk1"/>
+          </a:lnRef>
+          <a:fillRef idx="0">
+            <a:schemeClr val="dk1"/>
+          </a:fillRef>
+          <a:effectRef idx="0">
+            <a:schemeClr val="dk1"/>
+          </a:effectRef>
+          <a:fontRef idx="minor">
+            <a:schemeClr val="tx1"/>
+          </a:fontRef>
+        </p:style>
+      </p:cxnSp>
+      <p:cxnSp>
+        <p:nvCxnSpPr>
+          <p:cNvPr id="201" name="连接符: 曲线 200">
+            <a:extLst>
+              <a:ext uri="{FF2B5EF4-FFF2-40B4-BE49-F238E27FC236}">
+                <a16:creationId xmlns:a16="http://schemas.microsoft.com/office/drawing/2014/main" id="{54088683-2A2B-44FD-A6E4-82597FD364BD}"/>
+              </a:ext>
+            </a:extLst>
+          </p:cNvPr>
+          <p:cNvCxnSpPr>
+            <a:cxnSpLocks/>
+          </p:cNvCxnSpPr>
+          <p:nvPr/>
+        </p:nvCxnSpPr>
+        <p:spPr>
+          <a:xfrm rot="16200000" flipH="1">
+            <a:off x="5475566" y="3012590"/>
+            <a:ext cx="1389" cy="1281860"/>
+          </a:xfrm>
+          <a:prstGeom prst="curvedConnector3">
+            <a:avLst>
+              <a:gd name="adj1" fmla="val 16557883"/>
+            </a:avLst>
+          </a:prstGeom>
+          <a:ln w="19050">
+            <a:prstDash val="dash"/>
+            <a:tailEnd type="triangle"/>
+          </a:ln>
+        </p:spPr>
+        <p:style>
+          <a:lnRef idx="1">
+            <a:schemeClr val="dk1"/>
+          </a:lnRef>
+          <a:fillRef idx="0">
+            <a:schemeClr val="dk1"/>
+          </a:fillRef>
+          <a:effectRef idx="0">
+            <a:schemeClr val="dk1"/>
+          </a:effectRef>
+          <a:fontRef idx="minor">
+            <a:schemeClr val="tx1"/>
+          </a:fontRef>
+        </p:style>
+      </p:cxnSp>
+      <p:sp>
+        <p:nvSpPr>
+          <p:cNvPr id="202" name="文本框 201">
+            <a:extLst>
+              <a:ext uri="{FF2B5EF4-FFF2-40B4-BE49-F238E27FC236}">
+                <a16:creationId xmlns:a16="http://schemas.microsoft.com/office/drawing/2014/main" id="{48C8C4D3-3539-438D-A7B5-9A7928CFC4DD}"/>
+              </a:ext>
+            </a:extLst>
+          </p:cNvPr>
+          <p:cNvSpPr txBox="1"/>
+          <p:nvPr/>
+        </p:nvSpPr>
+        <p:spPr>
+          <a:xfrm>
+            <a:off x="5223628" y="3962587"/>
+            <a:ext cx="493784" cy="307777"/>
+          </a:xfrm>
+          <a:prstGeom prst="rect">
+            <a:avLst/>
+          </a:prstGeom>
+          <a:noFill/>
+        </p:spPr>
+        <p:txBody>
+          <a:bodyPr wrap="square" rtlCol="0">
+            <a:spAutoFit/>
+          </a:bodyPr>
+          <a:lstStyle/>
+          <a:p>
+            <a:pPr algn="ctr"/>
+            <a:r>
+              <a:rPr lang="en-US" altLang="zh-CN" sz="1400" dirty="0">
+                <a:latin typeface="Times New Roman" panose="02020603050405020304" pitchFamily="18" charset="0"/>
+                <a:ea typeface="宋体" panose="02010600030101010101" pitchFamily="2" charset="-122"/>
+              </a:rPr>
+              <a:t>C</a:t>
+            </a:r>
+            <a:endParaRPr lang="zh-CN" altLang="en-US" sz="1400" dirty="0">
+              <a:latin typeface="Times New Roman" panose="02020603050405020304" pitchFamily="18" charset="0"/>
+              <a:ea typeface="宋体" panose="02010600030101010101" pitchFamily="2" charset="-122"/>
+            </a:endParaRPr>
+          </a:p>
+        </p:txBody>
+      </p:sp>
+      <p:sp>
+        <p:nvSpPr>
+          <p:cNvPr id="203" name="文本框 202">
+            <a:extLst>
+              <a:ext uri="{FF2B5EF4-FFF2-40B4-BE49-F238E27FC236}">
+                <a16:creationId xmlns:a16="http://schemas.microsoft.com/office/drawing/2014/main" id="{EB8BB068-A554-4E60-B857-C94A3D8D9C97}"/>
+              </a:ext>
+            </a:extLst>
+          </p:cNvPr>
+          <p:cNvSpPr txBox="1"/>
+          <p:nvPr/>
+        </p:nvSpPr>
+        <p:spPr>
+          <a:xfrm>
+            <a:off x="5225366" y="2317411"/>
+            <a:ext cx="493784" cy="307777"/>
+          </a:xfrm>
+          <a:prstGeom prst="rect">
+            <a:avLst/>
+          </a:prstGeom>
+          <a:noFill/>
+        </p:spPr>
+        <p:txBody>
+          <a:bodyPr wrap="square" rtlCol="0">
+            <a:spAutoFit/>
+          </a:bodyPr>
+          <a:lstStyle/>
+          <a:p>
+            <a:pPr algn="ctr"/>
+            <a:r>
+              <a:rPr lang="en-US" altLang="zh-CN" sz="1400" dirty="0">
+                <a:latin typeface="Times New Roman" panose="02020603050405020304" pitchFamily="18" charset="0"/>
+                <a:ea typeface="宋体" panose="02010600030101010101" pitchFamily="2" charset="-122"/>
+              </a:rPr>
+              <a:t>B</a:t>
+            </a:r>
+            <a:endParaRPr lang="zh-CN" altLang="en-US" sz="1400" dirty="0">
+              <a:latin typeface="Times New Roman" panose="02020603050405020304" pitchFamily="18" charset="0"/>
+              <a:ea typeface="宋体" panose="02010600030101010101" pitchFamily="2" charset="-122"/>
+            </a:endParaRPr>
+          </a:p>
+        </p:txBody>
+      </p:sp>
+      <p:grpSp>
+        <p:nvGrpSpPr>
+          <p:cNvPr id="213" name="组合 212">
+            <a:extLst>
+              <a:ext uri="{FF2B5EF4-FFF2-40B4-BE49-F238E27FC236}">
+                <a16:creationId xmlns:a16="http://schemas.microsoft.com/office/drawing/2014/main" id="{DC5118B3-74C2-4453-8160-4CB43DE86465}"/>
+              </a:ext>
+            </a:extLst>
+          </p:cNvPr>
+          <p:cNvGrpSpPr/>
+          <p:nvPr/>
+        </p:nvGrpSpPr>
+        <p:grpSpPr>
+          <a:xfrm>
+            <a:off x="2188078" y="4619268"/>
+            <a:ext cx="5733294" cy="1815882"/>
+            <a:chOff x="1619681" y="4601659"/>
+            <a:chExt cx="5733294" cy="1815882"/>
+          </a:xfrm>
+        </p:grpSpPr>
+        <p:sp>
+          <p:nvSpPr>
+            <p:cNvPr id="204" name="文本框 203">
+              <a:extLst>
+                <a:ext uri="{FF2B5EF4-FFF2-40B4-BE49-F238E27FC236}">
+                  <a16:creationId xmlns:a16="http://schemas.microsoft.com/office/drawing/2014/main" id="{89F48D6C-6C8B-473F-A49E-FE654FF90543}"/>
+                </a:ext>
+              </a:extLst>
+            </p:cNvPr>
+            <p:cNvSpPr txBox="1"/>
+            <p:nvPr/>
+          </p:nvSpPr>
+          <p:spPr>
+            <a:xfrm>
+              <a:off x="2206268" y="4601659"/>
+              <a:ext cx="5146707" cy="1815882"/>
+            </a:xfrm>
+            <a:prstGeom prst="rect">
+              <a:avLst/>
+            </a:prstGeom>
+            <a:noFill/>
+          </p:spPr>
+          <p:txBody>
+            <a:bodyPr wrap="square" rtlCol="0">
+              <a:spAutoFit/>
+            </a:bodyPr>
+            <a:lstStyle/>
+            <a:p>
+              <a:pPr algn="l"/>
+              <a:r>
+                <a:rPr lang="en-US" altLang="zh-CN" sz="1400" dirty="0" err="1">
+                  <a:latin typeface="Consolas" panose="020B0609020204030204" pitchFamily="49" charset="0"/>
+                </a:rPr>
+                <a:t>ListNode</a:t>
+              </a:r>
+              <a:r>
+                <a:rPr lang="en-US" altLang="zh-CN" sz="1400" dirty="0">
+                  <a:latin typeface="Consolas" panose="020B0609020204030204" pitchFamily="49" charset="0"/>
+                </a:rPr>
+                <a:t>* </a:t>
+              </a:r>
+              <a:r>
+                <a:rPr lang="en-US" altLang="zh-CN" sz="1400" dirty="0">
+                  <a:solidFill>
+                    <a:srgbClr val="00B050"/>
+                  </a:solidFill>
+                  <a:latin typeface="Consolas" panose="020B0609020204030204" pitchFamily="49" charset="0"/>
+                </a:rPr>
+                <a:t>left</a:t>
+              </a:r>
+              <a:r>
+                <a:rPr lang="en-US" altLang="zh-CN" sz="1400" dirty="0">
+                  <a:latin typeface="Consolas" panose="020B0609020204030204" pitchFamily="49" charset="0"/>
+                </a:rPr>
+                <a:t>=</a:t>
+              </a:r>
+              <a:r>
+                <a:rPr lang="en-US" altLang="zh-CN" sz="1400" dirty="0" err="1">
+                  <a:latin typeface="Consolas" panose="020B0609020204030204" pitchFamily="49" charset="0"/>
+                </a:rPr>
+                <a:t>nullptr</a:t>
+              </a:r>
+              <a:r>
+                <a:rPr lang="en-US" altLang="zh-CN" sz="1400" dirty="0">
+                  <a:latin typeface="Consolas" panose="020B0609020204030204" pitchFamily="49" charset="0"/>
+                </a:rPr>
+                <a:t>, *</a:t>
+              </a:r>
+              <a:r>
+                <a:rPr lang="en-US" altLang="zh-CN" sz="1400" dirty="0">
+                  <a:solidFill>
+                    <a:srgbClr val="00B0F0"/>
+                  </a:solidFill>
+                  <a:latin typeface="Consolas" panose="020B0609020204030204" pitchFamily="49" charset="0"/>
+                </a:rPr>
+                <a:t>mid</a:t>
+              </a:r>
+              <a:r>
+                <a:rPr lang="en-US" altLang="zh-CN" sz="1400" dirty="0">
+                  <a:latin typeface="Consolas" panose="020B0609020204030204" pitchFamily="49" charset="0"/>
+                </a:rPr>
+                <a:t>=head, *</a:t>
+              </a:r>
+              <a:r>
+                <a:rPr lang="en-US" altLang="zh-CN" sz="1400" dirty="0">
+                  <a:solidFill>
+                    <a:schemeClr val="accent2">
+                      <a:lumMod val="75000"/>
+                    </a:schemeClr>
+                  </a:solidFill>
+                  <a:latin typeface="Consolas" panose="020B0609020204030204" pitchFamily="49" charset="0"/>
+                </a:rPr>
+                <a:t>right</a:t>
+              </a:r>
+              <a:r>
+                <a:rPr lang="en-US" altLang="zh-CN" sz="1400" dirty="0">
+                  <a:latin typeface="Consolas" panose="020B0609020204030204" pitchFamily="49" charset="0"/>
+                </a:rPr>
+                <a:t>;</a:t>
+              </a:r>
+            </a:p>
+            <a:p>
+              <a:pPr algn="l"/>
+              <a:r>
+                <a:rPr lang="en-US" altLang="zh-CN" sz="1400" dirty="0">
+                  <a:latin typeface="Consolas" panose="020B0609020204030204" pitchFamily="49" charset="0"/>
+                </a:rPr>
+                <a:t>while (</a:t>
+              </a:r>
+              <a:r>
+                <a:rPr lang="en-US" altLang="zh-CN" sz="1400" dirty="0">
+                  <a:solidFill>
+                    <a:srgbClr val="00B0F0"/>
+                  </a:solidFill>
+                  <a:latin typeface="Consolas" panose="020B0609020204030204" pitchFamily="49" charset="0"/>
+                </a:rPr>
+                <a:t>mid</a:t>
+              </a:r>
+              <a:r>
+                <a:rPr lang="en-US" altLang="zh-CN" sz="1400" dirty="0">
+                  <a:latin typeface="Consolas" panose="020B0609020204030204" pitchFamily="49" charset="0"/>
+                </a:rPr>
+                <a:t>) {</a:t>
+              </a:r>
+            </a:p>
+            <a:p>
+              <a:pPr algn="l"/>
+              <a:r>
+                <a:rPr lang="en-US" altLang="zh-CN" sz="1400" dirty="0">
+                  <a:latin typeface="Consolas" panose="020B0609020204030204" pitchFamily="49" charset="0"/>
+                </a:rPr>
+                <a:t>    </a:t>
+              </a:r>
+              <a:r>
+                <a:rPr lang="en-US" altLang="zh-CN" sz="1400" dirty="0">
+                  <a:solidFill>
+                    <a:schemeClr val="accent2">
+                      <a:lumMod val="75000"/>
+                    </a:schemeClr>
+                  </a:solidFill>
+                  <a:latin typeface="Consolas" panose="020B0609020204030204" pitchFamily="49" charset="0"/>
+                </a:rPr>
+                <a:t>right</a:t>
+              </a:r>
+              <a:r>
+                <a:rPr lang="en-US" altLang="zh-CN" sz="1400" dirty="0">
+                  <a:latin typeface="Consolas" panose="020B0609020204030204" pitchFamily="49" charset="0"/>
+                </a:rPr>
+                <a:t> = </a:t>
+              </a:r>
+              <a:r>
+                <a:rPr lang="en-US" altLang="zh-CN" sz="1400" dirty="0">
+                  <a:solidFill>
+                    <a:srgbClr val="00B0F0"/>
+                  </a:solidFill>
+                  <a:latin typeface="Consolas" panose="020B0609020204030204" pitchFamily="49" charset="0"/>
+                </a:rPr>
+                <a:t>mid-&gt;next</a:t>
+              </a:r>
+              <a:r>
+                <a:rPr lang="en-US" altLang="zh-CN" sz="1400" dirty="0">
+                  <a:latin typeface="Consolas" panose="020B0609020204030204" pitchFamily="49" charset="0"/>
+                </a:rPr>
+                <a:t>;</a:t>
+              </a:r>
+            </a:p>
+            <a:p>
+              <a:pPr algn="l"/>
+              <a:r>
+                <a:rPr lang="en-US" altLang="zh-CN" sz="1400" dirty="0">
+                  <a:latin typeface="Consolas" panose="020B0609020204030204" pitchFamily="49" charset="0"/>
+                </a:rPr>
+                <a:t>    </a:t>
+              </a:r>
+              <a:r>
+                <a:rPr lang="en-US" altLang="zh-CN" sz="1400" dirty="0">
+                  <a:solidFill>
+                    <a:srgbClr val="00B0F0"/>
+                  </a:solidFill>
+                  <a:latin typeface="Consolas" panose="020B0609020204030204" pitchFamily="49" charset="0"/>
+                </a:rPr>
+                <a:t>mid-&gt;next </a:t>
+              </a:r>
+              <a:r>
+                <a:rPr lang="en-US" altLang="zh-CN" sz="1400" dirty="0">
+                  <a:latin typeface="Consolas" panose="020B0609020204030204" pitchFamily="49" charset="0"/>
+                </a:rPr>
+                <a:t>= </a:t>
+              </a:r>
+              <a:r>
+                <a:rPr lang="en-US" altLang="zh-CN" sz="1400" dirty="0">
+                  <a:solidFill>
+                    <a:srgbClr val="00B050"/>
+                  </a:solidFill>
+                  <a:latin typeface="Consolas" panose="020B0609020204030204" pitchFamily="49" charset="0"/>
+                </a:rPr>
+                <a:t>left</a:t>
+              </a:r>
+              <a:r>
+                <a:rPr lang="en-US" altLang="zh-CN" sz="1400" dirty="0">
+                  <a:latin typeface="Consolas" panose="020B0609020204030204" pitchFamily="49" charset="0"/>
+                </a:rPr>
+                <a:t>;</a:t>
+              </a:r>
+            </a:p>
+            <a:p>
+              <a:pPr algn="l"/>
+              <a:r>
+                <a:rPr lang="en-US" altLang="zh-CN" sz="1400" dirty="0">
+                  <a:latin typeface="Consolas" panose="020B0609020204030204" pitchFamily="49" charset="0"/>
+                </a:rPr>
+                <a:t>    </a:t>
+              </a:r>
+              <a:r>
+                <a:rPr lang="en-US" altLang="zh-CN" sz="1400" dirty="0">
+                  <a:solidFill>
+                    <a:srgbClr val="00B050"/>
+                  </a:solidFill>
+                  <a:latin typeface="Consolas" panose="020B0609020204030204" pitchFamily="49" charset="0"/>
+                </a:rPr>
+                <a:t>left</a:t>
+              </a:r>
+              <a:r>
+                <a:rPr lang="en-US" altLang="zh-CN" sz="1400" dirty="0">
+                  <a:latin typeface="Consolas" panose="020B0609020204030204" pitchFamily="49" charset="0"/>
+                </a:rPr>
+                <a:t> = </a:t>
+              </a:r>
+              <a:r>
+                <a:rPr lang="en-US" altLang="zh-CN" sz="1400" dirty="0">
+                  <a:solidFill>
+                    <a:schemeClr val="accent1">
+                      <a:lumMod val="75000"/>
+                    </a:schemeClr>
+                  </a:solidFill>
+                  <a:latin typeface="Consolas" panose="020B0609020204030204" pitchFamily="49" charset="0"/>
+                </a:rPr>
+                <a:t>mid</a:t>
+              </a:r>
+              <a:r>
+                <a:rPr lang="en-US" altLang="zh-CN" sz="1400" dirty="0">
+                  <a:latin typeface="Consolas" panose="020B0609020204030204" pitchFamily="49" charset="0"/>
+                </a:rPr>
+                <a:t>;</a:t>
+              </a:r>
+            </a:p>
+            <a:p>
+              <a:pPr algn="l"/>
+              <a:r>
+                <a:rPr lang="en-US" altLang="zh-CN" sz="1400" dirty="0">
+                  <a:latin typeface="Consolas" panose="020B0609020204030204" pitchFamily="49" charset="0"/>
+                </a:rPr>
+                <a:t>    </a:t>
+              </a:r>
+              <a:r>
+                <a:rPr lang="en-US" altLang="zh-CN" sz="1400" dirty="0">
+                  <a:solidFill>
+                    <a:schemeClr val="accent1">
+                      <a:lumMod val="75000"/>
+                    </a:schemeClr>
+                  </a:solidFill>
+                  <a:latin typeface="Consolas" panose="020B0609020204030204" pitchFamily="49" charset="0"/>
+                </a:rPr>
+                <a:t>mid</a:t>
+              </a:r>
+              <a:r>
+                <a:rPr lang="en-US" altLang="zh-CN" sz="1400" dirty="0">
+                  <a:latin typeface="Consolas" panose="020B0609020204030204" pitchFamily="49" charset="0"/>
+                </a:rPr>
+                <a:t> = </a:t>
+              </a:r>
+              <a:r>
+                <a:rPr lang="en-US" altLang="zh-CN" sz="1400" dirty="0">
+                  <a:solidFill>
+                    <a:schemeClr val="accent2">
+                      <a:lumMod val="75000"/>
+                    </a:schemeClr>
+                  </a:solidFill>
+                  <a:latin typeface="Consolas" panose="020B0609020204030204" pitchFamily="49" charset="0"/>
+                </a:rPr>
+                <a:t>right</a:t>
+              </a:r>
+              <a:r>
+                <a:rPr lang="en-US" altLang="zh-CN" sz="1400" dirty="0">
+                  <a:latin typeface="Consolas" panose="020B0609020204030204" pitchFamily="49" charset="0"/>
+                </a:rPr>
+                <a:t>;</a:t>
+              </a:r>
+            </a:p>
+            <a:p>
+              <a:pPr algn="l"/>
+              <a:r>
+                <a:rPr lang="en-US" altLang="zh-CN" sz="1400" dirty="0">
+                  <a:latin typeface="Consolas" panose="020B0609020204030204" pitchFamily="49" charset="0"/>
+                </a:rPr>
+                <a:t>}</a:t>
+              </a:r>
+            </a:p>
+            <a:p>
+              <a:pPr algn="l"/>
+              <a:r>
+                <a:rPr lang="en-US" altLang="zh-CN" sz="1400" dirty="0">
+                  <a:latin typeface="Consolas" panose="020B0609020204030204" pitchFamily="49" charset="0"/>
+                </a:rPr>
+                <a:t>return </a:t>
+              </a:r>
+              <a:r>
+                <a:rPr lang="en-US" altLang="zh-CN" sz="1400" dirty="0">
+                  <a:solidFill>
+                    <a:srgbClr val="00B050"/>
+                  </a:solidFill>
+                  <a:latin typeface="Consolas" panose="020B0609020204030204" pitchFamily="49" charset="0"/>
+                </a:rPr>
+                <a:t>left</a:t>
+              </a:r>
+              <a:r>
+                <a:rPr lang="en-US" altLang="zh-CN" sz="1400" dirty="0">
+                  <a:latin typeface="Consolas" panose="020B0609020204030204" pitchFamily="49" charset="0"/>
+                </a:rPr>
+                <a:t>;</a:t>
+              </a:r>
+              <a:endParaRPr lang="zh-CN" altLang="en-US" sz="1400" dirty="0" err="1">
+                <a:latin typeface="Consolas" panose="020B0609020204030204" pitchFamily="49" charset="0"/>
+              </a:endParaRPr>
+            </a:p>
+          </p:txBody>
+        </p:sp>
+        <p:sp>
+          <p:nvSpPr>
+            <p:cNvPr id="205" name="文本框 204">
+              <a:extLst>
+                <a:ext uri="{FF2B5EF4-FFF2-40B4-BE49-F238E27FC236}">
+                  <a16:creationId xmlns:a16="http://schemas.microsoft.com/office/drawing/2014/main" id="{91F9D03F-F43E-4D1E-948C-605476057B22}"/>
+                </a:ext>
+              </a:extLst>
+            </p:cNvPr>
+            <p:cNvSpPr txBox="1"/>
+            <p:nvPr/>
+          </p:nvSpPr>
+          <p:spPr>
+            <a:xfrm>
+              <a:off x="1899340" y="5051929"/>
+              <a:ext cx="493784" cy="276999"/>
+            </a:xfrm>
+            <a:prstGeom prst="rect">
+              <a:avLst/>
+            </a:prstGeom>
+            <a:noFill/>
+          </p:spPr>
+          <p:txBody>
+            <a:bodyPr wrap="square" rtlCol="0">
+              <a:spAutoFit/>
+            </a:bodyPr>
+            <a:lstStyle/>
+            <a:p>
+              <a:pPr algn="ctr"/>
+              <a:r>
+                <a:rPr lang="zh-CN" altLang="en-US" sz="1200" dirty="0">
+                  <a:latin typeface="Times New Roman" panose="02020603050405020304" pitchFamily="18" charset="0"/>
+                  <a:ea typeface="宋体" panose="02010600030101010101" pitchFamily="2" charset="-122"/>
+                </a:rPr>
+                <a:t>①</a:t>
+              </a:r>
+            </a:p>
+          </p:txBody>
+        </p:sp>
+        <p:sp>
+          <p:nvSpPr>
+            <p:cNvPr id="206" name="文本框 205">
+              <a:extLst>
+                <a:ext uri="{FF2B5EF4-FFF2-40B4-BE49-F238E27FC236}">
+                  <a16:creationId xmlns:a16="http://schemas.microsoft.com/office/drawing/2014/main" id="{8A036DC7-20F2-4360-BB71-8A4626926FC7}"/>
+                </a:ext>
+              </a:extLst>
+            </p:cNvPr>
+            <p:cNvSpPr txBox="1"/>
+            <p:nvPr/>
+          </p:nvSpPr>
+          <p:spPr>
+            <a:xfrm>
+              <a:off x="1899340" y="5268857"/>
+              <a:ext cx="493784" cy="276999"/>
+            </a:xfrm>
+            <a:prstGeom prst="rect">
+              <a:avLst/>
+            </a:prstGeom>
+            <a:noFill/>
+          </p:spPr>
+          <p:txBody>
+            <a:bodyPr wrap="square" rtlCol="0">
+              <a:spAutoFit/>
+            </a:bodyPr>
+            <a:lstStyle/>
+            <a:p>
+              <a:pPr algn="ctr"/>
+              <a:r>
+                <a:rPr lang="zh-CN" altLang="en-US" sz="1200" dirty="0">
+                  <a:latin typeface="Times New Roman" panose="02020603050405020304" pitchFamily="18" charset="0"/>
+                  <a:ea typeface="宋体" panose="02010600030101010101" pitchFamily="2" charset="-122"/>
+                </a:rPr>
+                <a:t>②</a:t>
+              </a:r>
+            </a:p>
+          </p:txBody>
+        </p:sp>
+        <p:sp>
+          <p:nvSpPr>
+            <p:cNvPr id="207" name="文本框 206">
+              <a:extLst>
+                <a:ext uri="{FF2B5EF4-FFF2-40B4-BE49-F238E27FC236}">
+                  <a16:creationId xmlns:a16="http://schemas.microsoft.com/office/drawing/2014/main" id="{9B3E8FFD-1F2A-4345-BB0A-77020957E929}"/>
+                </a:ext>
+              </a:extLst>
+            </p:cNvPr>
+            <p:cNvSpPr txBox="1"/>
+            <p:nvPr/>
+          </p:nvSpPr>
+          <p:spPr>
+            <a:xfrm>
+              <a:off x="1899340" y="5485785"/>
+              <a:ext cx="493784" cy="276999"/>
+            </a:xfrm>
+            <a:prstGeom prst="rect">
+              <a:avLst/>
+            </a:prstGeom>
+            <a:noFill/>
+          </p:spPr>
+          <p:txBody>
+            <a:bodyPr wrap="square" rtlCol="0">
+              <a:spAutoFit/>
+            </a:bodyPr>
+            <a:lstStyle/>
+            <a:p>
+              <a:pPr algn="ctr"/>
+              <a:r>
+                <a:rPr lang="zh-CN" altLang="en-US" sz="1200" dirty="0">
+                  <a:latin typeface="Times New Roman" panose="02020603050405020304" pitchFamily="18" charset="0"/>
+                  <a:ea typeface="宋体" panose="02010600030101010101" pitchFamily="2" charset="-122"/>
+                </a:rPr>
+                <a:t>③</a:t>
+              </a:r>
+            </a:p>
+          </p:txBody>
+        </p:sp>
+        <p:sp>
+          <p:nvSpPr>
+            <p:cNvPr id="208" name="文本框 207">
+              <a:extLst>
+                <a:ext uri="{FF2B5EF4-FFF2-40B4-BE49-F238E27FC236}">
+                  <a16:creationId xmlns:a16="http://schemas.microsoft.com/office/drawing/2014/main" id="{06F88CC2-7EA4-4F54-B6E0-C5A734DA5702}"/>
+                </a:ext>
+              </a:extLst>
+            </p:cNvPr>
+            <p:cNvSpPr txBox="1"/>
+            <p:nvPr/>
+          </p:nvSpPr>
+          <p:spPr>
+            <a:xfrm>
+              <a:off x="1899340" y="5703354"/>
+              <a:ext cx="493784" cy="276999"/>
+            </a:xfrm>
+            <a:prstGeom prst="rect">
+              <a:avLst/>
+            </a:prstGeom>
+            <a:noFill/>
+          </p:spPr>
+          <p:txBody>
+            <a:bodyPr wrap="square" rtlCol="0">
+              <a:spAutoFit/>
+            </a:bodyPr>
+            <a:lstStyle/>
+            <a:p>
+              <a:pPr algn="ctr"/>
+              <a:r>
+                <a:rPr lang="zh-CN" altLang="en-US" sz="1200" dirty="0">
+                  <a:latin typeface="Times New Roman" panose="02020603050405020304" pitchFamily="18" charset="0"/>
+                  <a:ea typeface="宋体" panose="02010600030101010101" pitchFamily="2" charset="-122"/>
+                </a:rPr>
+                <a:t>④</a:t>
+              </a:r>
+            </a:p>
+          </p:txBody>
+        </p:sp>
+        <p:sp>
+          <p:nvSpPr>
+            <p:cNvPr id="209" name="文本框 208">
+              <a:extLst>
+                <a:ext uri="{FF2B5EF4-FFF2-40B4-BE49-F238E27FC236}">
+                  <a16:creationId xmlns:a16="http://schemas.microsoft.com/office/drawing/2014/main" id="{3B642909-249B-4EB3-8059-ACC5B2C21E5F}"/>
+                </a:ext>
+              </a:extLst>
+            </p:cNvPr>
+            <p:cNvSpPr txBox="1"/>
+            <p:nvPr/>
+          </p:nvSpPr>
+          <p:spPr>
+            <a:xfrm>
+              <a:off x="1619681" y="5051929"/>
+              <a:ext cx="493784" cy="276999"/>
+            </a:xfrm>
+            <a:prstGeom prst="rect">
+              <a:avLst/>
+            </a:prstGeom>
+            <a:noFill/>
+          </p:spPr>
+          <p:txBody>
+            <a:bodyPr wrap="square" rtlCol="0">
+              <a:spAutoFit/>
+            </a:bodyPr>
+            <a:lstStyle/>
+            <a:p>
+              <a:pPr algn="ctr"/>
+              <a:r>
+                <a:rPr lang="en-US" altLang="zh-CN" sz="1200" dirty="0">
+                  <a:latin typeface="Times New Roman" panose="02020603050405020304" pitchFamily="18" charset="0"/>
+                  <a:ea typeface="宋体" panose="02010600030101010101" pitchFamily="2" charset="-122"/>
+                </a:rPr>
+                <a:t>A</a:t>
+              </a:r>
+              <a:endParaRPr lang="zh-CN" altLang="en-US" sz="1200" dirty="0">
+                <a:latin typeface="Times New Roman" panose="02020603050405020304" pitchFamily="18" charset="0"/>
+                <a:ea typeface="宋体" panose="02010600030101010101" pitchFamily="2" charset="-122"/>
+              </a:endParaRPr>
+            </a:p>
+          </p:txBody>
+        </p:sp>
+        <p:sp>
+          <p:nvSpPr>
+            <p:cNvPr id="210" name="文本框 209">
+              <a:extLst>
+                <a:ext uri="{FF2B5EF4-FFF2-40B4-BE49-F238E27FC236}">
+                  <a16:creationId xmlns:a16="http://schemas.microsoft.com/office/drawing/2014/main" id="{2C4639EC-9D69-4C75-BFF1-F934AE9D2547}"/>
+                </a:ext>
+              </a:extLst>
+            </p:cNvPr>
+            <p:cNvSpPr txBox="1"/>
+            <p:nvPr/>
+          </p:nvSpPr>
+          <p:spPr>
+            <a:xfrm>
+              <a:off x="1619681" y="5268857"/>
+              <a:ext cx="493784" cy="276999"/>
+            </a:xfrm>
+            <a:prstGeom prst="rect">
+              <a:avLst/>
+            </a:prstGeom>
+            <a:noFill/>
+          </p:spPr>
+          <p:txBody>
+            <a:bodyPr wrap="square" rtlCol="0">
+              <a:spAutoFit/>
+            </a:bodyPr>
+            <a:lstStyle/>
+            <a:p>
+              <a:pPr algn="ctr"/>
+              <a:r>
+                <a:rPr lang="en-US" altLang="zh-CN" sz="1200" dirty="0">
+                  <a:latin typeface="Times New Roman" panose="02020603050405020304" pitchFamily="18" charset="0"/>
+                  <a:ea typeface="宋体" panose="02010600030101010101" pitchFamily="2" charset="-122"/>
+                </a:rPr>
+                <a:t>B</a:t>
+              </a:r>
+              <a:endParaRPr lang="zh-CN" altLang="en-US" sz="1200" dirty="0">
+                <a:latin typeface="Times New Roman" panose="02020603050405020304" pitchFamily="18" charset="0"/>
+                <a:ea typeface="宋体" panose="02010600030101010101" pitchFamily="2" charset="-122"/>
+              </a:endParaRPr>
+            </a:p>
+          </p:txBody>
+        </p:sp>
+        <p:sp>
+          <p:nvSpPr>
+            <p:cNvPr id="211" name="文本框 210">
+              <a:extLst>
+                <a:ext uri="{FF2B5EF4-FFF2-40B4-BE49-F238E27FC236}">
+                  <a16:creationId xmlns:a16="http://schemas.microsoft.com/office/drawing/2014/main" id="{6B3189A1-E018-4372-B33E-AF970EA1F603}"/>
+                </a:ext>
+              </a:extLst>
+            </p:cNvPr>
+            <p:cNvSpPr txBox="1"/>
+            <p:nvPr/>
+          </p:nvSpPr>
+          <p:spPr>
+            <a:xfrm>
+              <a:off x="1619681" y="5485785"/>
+              <a:ext cx="493784" cy="276999"/>
+            </a:xfrm>
+            <a:prstGeom prst="rect">
+              <a:avLst/>
+            </a:prstGeom>
+            <a:noFill/>
+          </p:spPr>
+          <p:txBody>
+            <a:bodyPr wrap="square" rtlCol="0">
+              <a:spAutoFit/>
+            </a:bodyPr>
+            <a:lstStyle/>
+            <a:p>
+              <a:pPr algn="ctr"/>
+              <a:r>
+                <a:rPr lang="en-US" altLang="zh-CN" sz="1200" dirty="0">
+                  <a:latin typeface="Times New Roman" panose="02020603050405020304" pitchFamily="18" charset="0"/>
+                  <a:ea typeface="宋体" panose="02010600030101010101" pitchFamily="2" charset="-122"/>
+                </a:rPr>
+                <a:t>C</a:t>
+              </a:r>
+              <a:endParaRPr lang="zh-CN" altLang="en-US" sz="1200" dirty="0">
+                <a:latin typeface="Times New Roman" panose="02020603050405020304" pitchFamily="18" charset="0"/>
+                <a:ea typeface="宋体" panose="02010600030101010101" pitchFamily="2" charset="-122"/>
+              </a:endParaRPr>
+            </a:p>
+          </p:txBody>
+        </p:sp>
+        <p:sp>
+          <p:nvSpPr>
+            <p:cNvPr id="212" name="文本框 211">
+              <a:extLst>
+                <a:ext uri="{FF2B5EF4-FFF2-40B4-BE49-F238E27FC236}">
+                  <a16:creationId xmlns:a16="http://schemas.microsoft.com/office/drawing/2014/main" id="{6065246F-2AF2-472C-B697-2958C01E41E3}"/>
+                </a:ext>
+              </a:extLst>
+            </p:cNvPr>
+            <p:cNvSpPr txBox="1"/>
+            <p:nvPr/>
+          </p:nvSpPr>
+          <p:spPr>
+            <a:xfrm>
+              <a:off x="1619681" y="5703354"/>
+              <a:ext cx="493784" cy="276999"/>
+            </a:xfrm>
+            <a:prstGeom prst="rect">
+              <a:avLst/>
+            </a:prstGeom>
+            <a:noFill/>
+          </p:spPr>
+          <p:txBody>
+            <a:bodyPr wrap="square" rtlCol="0">
+              <a:spAutoFit/>
+            </a:bodyPr>
+            <a:lstStyle/>
+            <a:p>
+              <a:pPr algn="ctr"/>
+              <a:r>
+                <a:rPr lang="en-US" altLang="zh-CN" sz="1200" dirty="0">
+                  <a:latin typeface="Times New Roman" panose="02020603050405020304" pitchFamily="18" charset="0"/>
+                  <a:ea typeface="宋体" panose="02010600030101010101" pitchFamily="2" charset="-122"/>
+                </a:rPr>
+                <a:t>D</a:t>
+              </a:r>
+              <a:endParaRPr lang="zh-CN" altLang="en-US" sz="1200" dirty="0">
+                <a:latin typeface="Times New Roman" panose="02020603050405020304" pitchFamily="18" charset="0"/>
+                <a:ea typeface="宋体" panose="02010600030101010101" pitchFamily="2" charset="-122"/>
+              </a:endParaRPr>
+            </a:p>
+          </p:txBody>
+        </p:sp>
+      </p:grpSp>
+    </p:spTree>
+    <p:extLst>
+      <p:ext uri="{BB962C8B-B14F-4D97-AF65-F5344CB8AC3E}">
+        <p14:creationId xmlns:p14="http://schemas.microsoft.com/office/powerpoint/2010/main" val="1235419359"/>
+      </p:ext>
+    </p:extLst>
+  </p:cSld>
+  <p:clrMapOvr>
+    <a:masterClrMapping/>
+  </p:clrMapOvr>
+</p:sld>
+</file>
+
 <file path=ppt/theme/theme1.xml><?xml version="1.0" encoding="utf-8"?>
 <a:theme xmlns:a="http://schemas.openxmlformats.org/drawingml/2006/main" name="Office 主题​​">
   <a:themeElements>

--- a/高频代码题解示意图.pptx
+++ b/高频代码题解示意图.pptx
@@ -5,7 +5,7 @@
     <p:sldMasterId id="2147483648" r:id="rId1"/>
   </p:sldMasterIdLst>
   <p:notesMasterIdLst>
-    <p:notesMasterId r:id="rId11"/>
+    <p:notesMasterId r:id="rId12"/>
   </p:notesMasterIdLst>
   <p:sldIdLst>
     <p:sldId id="256" r:id="rId2"/>
@@ -17,6 +17,7 @@
     <p:sldId id="264" r:id="rId8"/>
     <p:sldId id="265" r:id="rId9"/>
     <p:sldId id="266" r:id="rId10"/>
+    <p:sldId id="267" r:id="rId11"/>
   </p:sldIdLst>
   <p:sldSz cx="12192000" cy="6858000"/>
   <p:notesSz cx="6858000" cy="9144000"/>
@@ -205,7 +206,7 @@
           <a:p>
             <a:fld id="{2C9F9DDE-F0A1-491D-8D69-0A4918BBC240}" type="datetimeFigureOut">
               <a:rPr lang="zh-CN" altLang="en-US" smtClean="0"/>
-              <a:t>2021/2/27</a:t>
+              <a:t>2021/2/28</a:t>
             </a:fld>
             <a:endParaRPr lang="zh-CN" altLang="en-US"/>
           </a:p>
@@ -1473,7 +1474,7 @@
           <a:p>
             <a:fld id="{BC9E8338-0904-49E6-9B4B-343D8E3BC7C9}" type="datetimeFigureOut">
               <a:rPr lang="zh-CN" altLang="en-US" smtClean="0"/>
-              <a:t>2021/2/27</a:t>
+              <a:t>2021/2/28</a:t>
             </a:fld>
             <a:endParaRPr lang="zh-CN" altLang="en-US"/>
           </a:p>
@@ -1671,7 +1672,7 @@
           <a:p>
             <a:fld id="{BC9E8338-0904-49E6-9B4B-343D8E3BC7C9}" type="datetimeFigureOut">
               <a:rPr lang="zh-CN" altLang="en-US" smtClean="0"/>
-              <a:t>2021/2/27</a:t>
+              <a:t>2021/2/28</a:t>
             </a:fld>
             <a:endParaRPr lang="zh-CN" altLang="en-US"/>
           </a:p>
@@ -1879,7 +1880,7 @@
           <a:p>
             <a:fld id="{BC9E8338-0904-49E6-9B4B-343D8E3BC7C9}" type="datetimeFigureOut">
               <a:rPr lang="zh-CN" altLang="en-US" smtClean="0"/>
-              <a:t>2021/2/27</a:t>
+              <a:t>2021/2/28</a:t>
             </a:fld>
             <a:endParaRPr lang="zh-CN" altLang="en-US"/>
           </a:p>
@@ -2077,7 +2078,7 @@
           <a:p>
             <a:fld id="{BC9E8338-0904-49E6-9B4B-343D8E3BC7C9}" type="datetimeFigureOut">
               <a:rPr lang="zh-CN" altLang="en-US" smtClean="0"/>
-              <a:t>2021/2/27</a:t>
+              <a:t>2021/2/28</a:t>
             </a:fld>
             <a:endParaRPr lang="zh-CN" altLang="en-US"/>
           </a:p>
@@ -2352,7 +2353,7 @@
           <a:p>
             <a:fld id="{BC9E8338-0904-49E6-9B4B-343D8E3BC7C9}" type="datetimeFigureOut">
               <a:rPr lang="zh-CN" altLang="en-US" smtClean="0"/>
-              <a:t>2021/2/27</a:t>
+              <a:t>2021/2/28</a:t>
             </a:fld>
             <a:endParaRPr lang="zh-CN" altLang="en-US"/>
           </a:p>
@@ -2617,7 +2618,7 @@
           <a:p>
             <a:fld id="{BC9E8338-0904-49E6-9B4B-343D8E3BC7C9}" type="datetimeFigureOut">
               <a:rPr lang="zh-CN" altLang="en-US" smtClean="0"/>
-              <a:t>2021/2/27</a:t>
+              <a:t>2021/2/28</a:t>
             </a:fld>
             <a:endParaRPr lang="zh-CN" altLang="en-US"/>
           </a:p>
@@ -3029,7 +3030,7 @@
           <a:p>
             <a:fld id="{BC9E8338-0904-49E6-9B4B-343D8E3BC7C9}" type="datetimeFigureOut">
               <a:rPr lang="zh-CN" altLang="en-US" smtClean="0"/>
-              <a:t>2021/2/27</a:t>
+              <a:t>2021/2/28</a:t>
             </a:fld>
             <a:endParaRPr lang="zh-CN" altLang="en-US"/>
           </a:p>
@@ -3170,7 +3171,7 @@
           <a:p>
             <a:fld id="{BC9E8338-0904-49E6-9B4B-343D8E3BC7C9}" type="datetimeFigureOut">
               <a:rPr lang="zh-CN" altLang="en-US" smtClean="0"/>
-              <a:t>2021/2/27</a:t>
+              <a:t>2021/2/28</a:t>
             </a:fld>
             <a:endParaRPr lang="zh-CN" altLang="en-US"/>
           </a:p>
@@ -3283,7 +3284,7 @@
           <a:p>
             <a:fld id="{BC9E8338-0904-49E6-9B4B-343D8E3BC7C9}" type="datetimeFigureOut">
               <a:rPr lang="zh-CN" altLang="en-US" smtClean="0"/>
-              <a:t>2021/2/27</a:t>
+              <a:t>2021/2/28</a:t>
             </a:fld>
             <a:endParaRPr lang="zh-CN" altLang="en-US"/>
           </a:p>
@@ -3594,7 +3595,7 @@
           <a:p>
             <a:fld id="{BC9E8338-0904-49E6-9B4B-343D8E3BC7C9}" type="datetimeFigureOut">
               <a:rPr lang="zh-CN" altLang="en-US" smtClean="0"/>
-              <a:t>2021/2/27</a:t>
+              <a:t>2021/2/28</a:t>
             </a:fld>
             <a:endParaRPr lang="zh-CN" altLang="en-US"/>
           </a:p>
@@ -3882,7 +3883,7 @@
           <a:p>
             <a:fld id="{BC9E8338-0904-49E6-9B4B-343D8E3BC7C9}" type="datetimeFigureOut">
               <a:rPr lang="zh-CN" altLang="en-US" smtClean="0"/>
-              <a:t>2021/2/27</a:t>
+              <a:t>2021/2/28</a:t>
             </a:fld>
             <a:endParaRPr lang="zh-CN" altLang="en-US"/>
           </a:p>
@@ -4123,7 +4124,7 @@
           <a:p>
             <a:fld id="{BC9E8338-0904-49E6-9B4B-343D8E3BC7C9}" type="datetimeFigureOut">
               <a:rPr lang="zh-CN" altLang="en-US" smtClean="0"/>
-              <a:t>2021/2/27</a:t>
+              <a:t>2021/2/28</a:t>
             </a:fld>
             <a:endParaRPr lang="zh-CN" altLang="en-US"/>
           </a:p>
@@ -5400,6 +5401,3620 @@
     <p:extLst>
       <p:ext uri="{BB962C8B-B14F-4D97-AF65-F5344CB8AC3E}">
         <p14:creationId xmlns:p14="http://schemas.microsoft.com/office/powerpoint/2010/main" val="642237081"/>
+      </p:ext>
+    </p:extLst>
+  </p:cSld>
+  <p:clrMapOvr>
+    <a:masterClrMapping/>
+  </p:clrMapOvr>
+</p:sld>
+</file>
+
+<file path=ppt/slides/slide10.xml><?xml version="1.0" encoding="utf-8"?>
+<p:sld xmlns:a="http://schemas.openxmlformats.org/drawingml/2006/main" xmlns:r="http://schemas.openxmlformats.org/officeDocument/2006/relationships" xmlns:p="http://schemas.openxmlformats.org/presentationml/2006/main">
+  <p:cSld>
+    <p:spTree>
+      <p:nvGrpSpPr>
+        <p:cNvPr id="1" name=""/>
+        <p:cNvGrpSpPr/>
+        <p:nvPr/>
+      </p:nvGrpSpPr>
+      <p:grpSpPr>
+        <a:xfrm>
+          <a:off x="0" y="0"/>
+          <a:ext cx="0" cy="0"/>
+          <a:chOff x="0" y="0"/>
+          <a:chExt cx="0" cy="0"/>
+        </a:xfrm>
+      </p:grpSpPr>
+      <p:sp>
+        <p:nvSpPr>
+          <p:cNvPr id="4" name="矩形 3">
+            <a:extLst>
+              <a:ext uri="{FF2B5EF4-FFF2-40B4-BE49-F238E27FC236}">
+                <a16:creationId xmlns:a16="http://schemas.microsoft.com/office/drawing/2014/main" id="{4637086E-9A66-4780-BCF5-D1E1E592986C}"/>
+              </a:ext>
+            </a:extLst>
+          </p:cNvPr>
+          <p:cNvSpPr/>
+          <p:nvPr/>
+        </p:nvSpPr>
+        <p:spPr>
+          <a:xfrm>
+            <a:off x="2434908" y="1332470"/>
+            <a:ext cx="421473" cy="334978"/>
+          </a:xfrm>
+          <a:prstGeom prst="rect">
+            <a:avLst/>
+          </a:prstGeom>
+        </p:spPr>
+        <p:style>
+          <a:lnRef idx="2">
+            <a:schemeClr val="dk1"/>
+          </a:lnRef>
+          <a:fillRef idx="1">
+            <a:schemeClr val="lt1"/>
+          </a:fillRef>
+          <a:effectRef idx="0">
+            <a:schemeClr val="dk1"/>
+          </a:effectRef>
+          <a:fontRef idx="minor">
+            <a:schemeClr val="dk1"/>
+          </a:fontRef>
+        </p:style>
+        <p:txBody>
+          <a:bodyPr rtlCol="0" anchor="ctr"/>
+          <a:lstStyle/>
+          <a:p>
+            <a:pPr algn="ctr"/>
+            <a:r>
+              <a:rPr lang="en-US" altLang="zh-CN" dirty="0">
+                <a:latin typeface="Times New Roman" panose="02020603050405020304" pitchFamily="18" charset="0"/>
+                <a:cs typeface="Times New Roman" panose="02020603050405020304" pitchFamily="18" charset="0"/>
+              </a:rPr>
+              <a:t>1</a:t>
+            </a:r>
+            <a:endParaRPr lang="zh-CN" altLang="en-US" dirty="0">
+              <a:latin typeface="Times New Roman" panose="02020603050405020304" pitchFamily="18" charset="0"/>
+              <a:cs typeface="Times New Roman" panose="02020603050405020304" pitchFamily="18" charset="0"/>
+            </a:endParaRPr>
+          </a:p>
+        </p:txBody>
+      </p:sp>
+      <p:cxnSp>
+        <p:nvCxnSpPr>
+          <p:cNvPr id="6" name="直接箭头连接符 5">
+            <a:extLst>
+              <a:ext uri="{FF2B5EF4-FFF2-40B4-BE49-F238E27FC236}">
+                <a16:creationId xmlns:a16="http://schemas.microsoft.com/office/drawing/2014/main" id="{0BDB7667-3F0E-4E5B-833B-4F47600F6BFE}"/>
+              </a:ext>
+            </a:extLst>
+          </p:cNvPr>
+          <p:cNvCxnSpPr>
+            <a:cxnSpLocks/>
+            <a:stCxn id="4" idx="3"/>
+            <a:endCxn id="9" idx="1"/>
+          </p:cNvCxnSpPr>
+          <p:nvPr/>
+        </p:nvCxnSpPr>
+        <p:spPr>
+          <a:xfrm>
+            <a:off x="2856381" y="1499959"/>
+            <a:ext cx="450594" cy="0"/>
+          </a:xfrm>
+          <a:prstGeom prst="straightConnector1">
+            <a:avLst/>
+          </a:prstGeom>
+          <a:ln>
+            <a:tailEnd type="triangle"/>
+          </a:ln>
+        </p:spPr>
+        <p:style>
+          <a:lnRef idx="1">
+            <a:schemeClr val="dk1"/>
+          </a:lnRef>
+          <a:fillRef idx="0">
+            <a:schemeClr val="dk1"/>
+          </a:fillRef>
+          <a:effectRef idx="0">
+            <a:schemeClr val="dk1"/>
+          </a:effectRef>
+          <a:fontRef idx="minor">
+            <a:schemeClr val="tx1"/>
+          </a:fontRef>
+        </p:style>
+      </p:cxnSp>
+      <p:sp>
+        <p:nvSpPr>
+          <p:cNvPr id="9" name="矩形 8">
+            <a:extLst>
+              <a:ext uri="{FF2B5EF4-FFF2-40B4-BE49-F238E27FC236}">
+                <a16:creationId xmlns:a16="http://schemas.microsoft.com/office/drawing/2014/main" id="{DF619B83-8D0D-45E5-B63A-E8BEA49BDD36}"/>
+              </a:ext>
+            </a:extLst>
+          </p:cNvPr>
+          <p:cNvSpPr/>
+          <p:nvPr/>
+        </p:nvSpPr>
+        <p:spPr>
+          <a:xfrm>
+            <a:off x="3306975" y="1332470"/>
+            <a:ext cx="421473" cy="334978"/>
+          </a:xfrm>
+          <a:prstGeom prst="rect">
+            <a:avLst/>
+          </a:prstGeom>
+        </p:spPr>
+        <p:style>
+          <a:lnRef idx="2">
+            <a:schemeClr val="dk1"/>
+          </a:lnRef>
+          <a:fillRef idx="1">
+            <a:schemeClr val="lt1"/>
+          </a:fillRef>
+          <a:effectRef idx="0">
+            <a:schemeClr val="dk1"/>
+          </a:effectRef>
+          <a:fontRef idx="minor">
+            <a:schemeClr val="dk1"/>
+          </a:fontRef>
+        </p:style>
+        <p:txBody>
+          <a:bodyPr rtlCol="0" anchor="ctr"/>
+          <a:lstStyle/>
+          <a:p>
+            <a:pPr algn="ctr"/>
+            <a:r>
+              <a:rPr lang="en-US" altLang="zh-CN" dirty="0">
+                <a:latin typeface="Times New Roman" panose="02020603050405020304" pitchFamily="18" charset="0"/>
+                <a:cs typeface="Times New Roman" panose="02020603050405020304" pitchFamily="18" charset="0"/>
+              </a:rPr>
+              <a:t>2</a:t>
+            </a:r>
+            <a:endParaRPr lang="zh-CN" altLang="en-US" dirty="0">
+              <a:latin typeface="Times New Roman" panose="02020603050405020304" pitchFamily="18" charset="0"/>
+              <a:cs typeface="Times New Roman" panose="02020603050405020304" pitchFamily="18" charset="0"/>
+            </a:endParaRPr>
+          </a:p>
+        </p:txBody>
+      </p:sp>
+      <p:sp>
+        <p:nvSpPr>
+          <p:cNvPr id="10" name="矩形 9">
+            <a:extLst>
+              <a:ext uri="{FF2B5EF4-FFF2-40B4-BE49-F238E27FC236}">
+                <a16:creationId xmlns:a16="http://schemas.microsoft.com/office/drawing/2014/main" id="{90B1014B-DD86-4A64-A85A-CC8A4EF5D2EB}"/>
+              </a:ext>
+            </a:extLst>
+          </p:cNvPr>
+          <p:cNvSpPr/>
+          <p:nvPr/>
+        </p:nvSpPr>
+        <p:spPr>
+          <a:xfrm>
+            <a:off x="4175488" y="1332470"/>
+            <a:ext cx="421473" cy="334978"/>
+          </a:xfrm>
+          <a:prstGeom prst="rect">
+            <a:avLst/>
+          </a:prstGeom>
+        </p:spPr>
+        <p:style>
+          <a:lnRef idx="2">
+            <a:schemeClr val="dk1"/>
+          </a:lnRef>
+          <a:fillRef idx="1">
+            <a:schemeClr val="lt1"/>
+          </a:fillRef>
+          <a:effectRef idx="0">
+            <a:schemeClr val="dk1"/>
+          </a:effectRef>
+          <a:fontRef idx="minor">
+            <a:schemeClr val="dk1"/>
+          </a:fontRef>
+        </p:style>
+        <p:txBody>
+          <a:bodyPr rtlCol="0" anchor="ctr"/>
+          <a:lstStyle/>
+          <a:p>
+            <a:pPr algn="ctr"/>
+            <a:r>
+              <a:rPr lang="en-US" altLang="zh-CN" dirty="0">
+                <a:latin typeface="Times New Roman" panose="02020603050405020304" pitchFamily="18" charset="0"/>
+                <a:cs typeface="Times New Roman" panose="02020603050405020304" pitchFamily="18" charset="0"/>
+              </a:rPr>
+              <a:t>3</a:t>
+            </a:r>
+            <a:endParaRPr lang="zh-CN" altLang="en-US" dirty="0">
+              <a:latin typeface="Times New Roman" panose="02020603050405020304" pitchFamily="18" charset="0"/>
+              <a:cs typeface="Times New Roman" panose="02020603050405020304" pitchFamily="18" charset="0"/>
+            </a:endParaRPr>
+          </a:p>
+        </p:txBody>
+      </p:sp>
+      <p:sp>
+        <p:nvSpPr>
+          <p:cNvPr id="11" name="矩形 10">
+            <a:extLst>
+              <a:ext uri="{FF2B5EF4-FFF2-40B4-BE49-F238E27FC236}">
+                <a16:creationId xmlns:a16="http://schemas.microsoft.com/office/drawing/2014/main" id="{7EC28FE3-61B0-4870-80E6-C13CF29DEEAF}"/>
+              </a:ext>
+            </a:extLst>
+          </p:cNvPr>
+          <p:cNvSpPr/>
+          <p:nvPr/>
+        </p:nvSpPr>
+        <p:spPr>
+          <a:xfrm>
+            <a:off x="5044001" y="1332470"/>
+            <a:ext cx="421473" cy="334978"/>
+          </a:xfrm>
+          <a:prstGeom prst="rect">
+            <a:avLst/>
+          </a:prstGeom>
+        </p:spPr>
+        <p:style>
+          <a:lnRef idx="2">
+            <a:schemeClr val="dk1"/>
+          </a:lnRef>
+          <a:fillRef idx="1">
+            <a:schemeClr val="lt1"/>
+          </a:fillRef>
+          <a:effectRef idx="0">
+            <a:schemeClr val="dk1"/>
+          </a:effectRef>
+          <a:fontRef idx="minor">
+            <a:schemeClr val="dk1"/>
+          </a:fontRef>
+        </p:style>
+        <p:txBody>
+          <a:bodyPr rtlCol="0" anchor="ctr"/>
+          <a:lstStyle/>
+          <a:p>
+            <a:pPr algn="ctr"/>
+            <a:r>
+              <a:rPr lang="en-US" altLang="zh-CN" dirty="0">
+                <a:latin typeface="Times New Roman" panose="02020603050405020304" pitchFamily="18" charset="0"/>
+                <a:cs typeface="Times New Roman" panose="02020603050405020304" pitchFamily="18" charset="0"/>
+              </a:rPr>
+              <a:t>4</a:t>
+            </a:r>
+            <a:endParaRPr lang="zh-CN" altLang="en-US" dirty="0">
+              <a:latin typeface="Times New Roman" panose="02020603050405020304" pitchFamily="18" charset="0"/>
+              <a:cs typeface="Times New Roman" panose="02020603050405020304" pitchFamily="18" charset="0"/>
+            </a:endParaRPr>
+          </a:p>
+        </p:txBody>
+      </p:sp>
+      <p:sp>
+        <p:nvSpPr>
+          <p:cNvPr id="12" name="矩形 11">
+            <a:extLst>
+              <a:ext uri="{FF2B5EF4-FFF2-40B4-BE49-F238E27FC236}">
+                <a16:creationId xmlns:a16="http://schemas.microsoft.com/office/drawing/2014/main" id="{5B31A68A-A8DB-4120-8564-B309B77FDA75}"/>
+              </a:ext>
+            </a:extLst>
+          </p:cNvPr>
+          <p:cNvSpPr/>
+          <p:nvPr/>
+        </p:nvSpPr>
+        <p:spPr>
+          <a:xfrm>
+            <a:off x="5912514" y="1332470"/>
+            <a:ext cx="421473" cy="334978"/>
+          </a:xfrm>
+          <a:prstGeom prst="rect">
+            <a:avLst/>
+          </a:prstGeom>
+        </p:spPr>
+        <p:style>
+          <a:lnRef idx="2">
+            <a:schemeClr val="dk1"/>
+          </a:lnRef>
+          <a:fillRef idx="1">
+            <a:schemeClr val="lt1"/>
+          </a:fillRef>
+          <a:effectRef idx="0">
+            <a:schemeClr val="dk1"/>
+          </a:effectRef>
+          <a:fontRef idx="minor">
+            <a:schemeClr val="dk1"/>
+          </a:fontRef>
+        </p:style>
+        <p:txBody>
+          <a:bodyPr rtlCol="0" anchor="ctr"/>
+          <a:lstStyle/>
+          <a:p>
+            <a:pPr algn="ctr"/>
+            <a:r>
+              <a:rPr lang="en-US" altLang="zh-CN" dirty="0">
+                <a:latin typeface="Times New Roman" panose="02020603050405020304" pitchFamily="18" charset="0"/>
+                <a:cs typeface="Times New Roman" panose="02020603050405020304" pitchFamily="18" charset="0"/>
+              </a:rPr>
+              <a:t>5</a:t>
+            </a:r>
+            <a:endParaRPr lang="zh-CN" altLang="en-US" dirty="0">
+              <a:latin typeface="Times New Roman" panose="02020603050405020304" pitchFamily="18" charset="0"/>
+              <a:cs typeface="Times New Roman" panose="02020603050405020304" pitchFamily="18" charset="0"/>
+            </a:endParaRPr>
+          </a:p>
+        </p:txBody>
+      </p:sp>
+      <p:sp>
+        <p:nvSpPr>
+          <p:cNvPr id="13" name="矩形 12">
+            <a:extLst>
+              <a:ext uri="{FF2B5EF4-FFF2-40B4-BE49-F238E27FC236}">
+                <a16:creationId xmlns:a16="http://schemas.microsoft.com/office/drawing/2014/main" id="{C084B21B-DB76-4F6F-995E-D4DD52EE7588}"/>
+              </a:ext>
+            </a:extLst>
+          </p:cNvPr>
+          <p:cNvSpPr/>
+          <p:nvPr/>
+        </p:nvSpPr>
+        <p:spPr>
+          <a:xfrm>
+            <a:off x="6781027" y="1332470"/>
+            <a:ext cx="421473" cy="334978"/>
+          </a:xfrm>
+          <a:prstGeom prst="rect">
+            <a:avLst/>
+          </a:prstGeom>
+        </p:spPr>
+        <p:style>
+          <a:lnRef idx="2">
+            <a:schemeClr val="dk1"/>
+          </a:lnRef>
+          <a:fillRef idx="1">
+            <a:schemeClr val="lt1"/>
+          </a:fillRef>
+          <a:effectRef idx="0">
+            <a:schemeClr val="dk1"/>
+          </a:effectRef>
+          <a:fontRef idx="minor">
+            <a:schemeClr val="dk1"/>
+          </a:fontRef>
+        </p:style>
+        <p:txBody>
+          <a:bodyPr rtlCol="0" anchor="ctr"/>
+          <a:lstStyle/>
+          <a:p>
+            <a:pPr algn="ctr"/>
+            <a:r>
+              <a:rPr lang="en-US" altLang="zh-CN" dirty="0">
+                <a:latin typeface="Times New Roman" panose="02020603050405020304" pitchFamily="18" charset="0"/>
+                <a:cs typeface="Times New Roman" panose="02020603050405020304" pitchFamily="18" charset="0"/>
+              </a:rPr>
+              <a:t>6</a:t>
+            </a:r>
+            <a:endParaRPr lang="zh-CN" altLang="en-US" dirty="0">
+              <a:latin typeface="Times New Roman" panose="02020603050405020304" pitchFamily="18" charset="0"/>
+              <a:cs typeface="Times New Roman" panose="02020603050405020304" pitchFamily="18" charset="0"/>
+            </a:endParaRPr>
+          </a:p>
+        </p:txBody>
+      </p:sp>
+      <p:sp>
+        <p:nvSpPr>
+          <p:cNvPr id="14" name="矩形 13">
+            <a:extLst>
+              <a:ext uri="{FF2B5EF4-FFF2-40B4-BE49-F238E27FC236}">
+                <a16:creationId xmlns:a16="http://schemas.microsoft.com/office/drawing/2014/main" id="{7396FC3E-1ED1-4AE1-A759-AC3898D77CFF}"/>
+              </a:ext>
+            </a:extLst>
+          </p:cNvPr>
+          <p:cNvSpPr/>
+          <p:nvPr/>
+        </p:nvSpPr>
+        <p:spPr>
+          <a:xfrm>
+            <a:off x="7649540" y="1332470"/>
+            <a:ext cx="421473" cy="334978"/>
+          </a:xfrm>
+          <a:prstGeom prst="rect">
+            <a:avLst/>
+          </a:prstGeom>
+        </p:spPr>
+        <p:style>
+          <a:lnRef idx="2">
+            <a:schemeClr val="dk1"/>
+          </a:lnRef>
+          <a:fillRef idx="1">
+            <a:schemeClr val="lt1"/>
+          </a:fillRef>
+          <a:effectRef idx="0">
+            <a:schemeClr val="dk1"/>
+          </a:effectRef>
+          <a:fontRef idx="minor">
+            <a:schemeClr val="dk1"/>
+          </a:fontRef>
+        </p:style>
+        <p:txBody>
+          <a:bodyPr rtlCol="0" anchor="ctr"/>
+          <a:lstStyle/>
+          <a:p>
+            <a:pPr algn="ctr"/>
+            <a:r>
+              <a:rPr lang="en-US" altLang="zh-CN" dirty="0">
+                <a:latin typeface="Times New Roman" panose="02020603050405020304" pitchFamily="18" charset="0"/>
+                <a:cs typeface="Times New Roman" panose="02020603050405020304" pitchFamily="18" charset="0"/>
+              </a:rPr>
+              <a:t>7</a:t>
+            </a:r>
+            <a:endParaRPr lang="zh-CN" altLang="en-US" dirty="0">
+              <a:latin typeface="Times New Roman" panose="02020603050405020304" pitchFamily="18" charset="0"/>
+              <a:cs typeface="Times New Roman" panose="02020603050405020304" pitchFamily="18" charset="0"/>
+            </a:endParaRPr>
+          </a:p>
+        </p:txBody>
+      </p:sp>
+      <p:sp>
+        <p:nvSpPr>
+          <p:cNvPr id="15" name="矩形 14">
+            <a:extLst>
+              <a:ext uri="{FF2B5EF4-FFF2-40B4-BE49-F238E27FC236}">
+                <a16:creationId xmlns:a16="http://schemas.microsoft.com/office/drawing/2014/main" id="{707769B8-1A28-49B6-8D7F-4044FD3D3157}"/>
+              </a:ext>
+            </a:extLst>
+          </p:cNvPr>
+          <p:cNvSpPr/>
+          <p:nvPr/>
+        </p:nvSpPr>
+        <p:spPr>
+          <a:xfrm>
+            <a:off x="8518053" y="1332470"/>
+            <a:ext cx="421473" cy="334978"/>
+          </a:xfrm>
+          <a:prstGeom prst="rect">
+            <a:avLst/>
+          </a:prstGeom>
+        </p:spPr>
+        <p:style>
+          <a:lnRef idx="2">
+            <a:schemeClr val="dk1"/>
+          </a:lnRef>
+          <a:fillRef idx="1">
+            <a:schemeClr val="lt1"/>
+          </a:fillRef>
+          <a:effectRef idx="0">
+            <a:schemeClr val="dk1"/>
+          </a:effectRef>
+          <a:fontRef idx="minor">
+            <a:schemeClr val="dk1"/>
+          </a:fontRef>
+        </p:style>
+        <p:txBody>
+          <a:bodyPr rtlCol="0" anchor="ctr"/>
+          <a:lstStyle/>
+          <a:p>
+            <a:pPr algn="ctr"/>
+            <a:r>
+              <a:rPr lang="en-US" altLang="zh-CN" dirty="0">
+                <a:latin typeface="Times New Roman" panose="02020603050405020304" pitchFamily="18" charset="0"/>
+                <a:cs typeface="Times New Roman" panose="02020603050405020304" pitchFamily="18" charset="0"/>
+              </a:rPr>
+              <a:t>8</a:t>
+            </a:r>
+            <a:endParaRPr lang="zh-CN" altLang="en-US" dirty="0">
+              <a:latin typeface="Times New Roman" panose="02020603050405020304" pitchFamily="18" charset="0"/>
+              <a:cs typeface="Times New Roman" panose="02020603050405020304" pitchFamily="18" charset="0"/>
+            </a:endParaRPr>
+          </a:p>
+        </p:txBody>
+      </p:sp>
+      <p:cxnSp>
+        <p:nvCxnSpPr>
+          <p:cNvPr id="18" name="直接箭头连接符 17">
+            <a:extLst>
+              <a:ext uri="{FF2B5EF4-FFF2-40B4-BE49-F238E27FC236}">
+                <a16:creationId xmlns:a16="http://schemas.microsoft.com/office/drawing/2014/main" id="{5D105D3C-FF77-4378-89D4-502BCB8CF461}"/>
+              </a:ext>
+            </a:extLst>
+          </p:cNvPr>
+          <p:cNvCxnSpPr>
+            <a:cxnSpLocks/>
+            <a:stCxn id="9" idx="3"/>
+            <a:endCxn id="10" idx="1"/>
+          </p:cNvCxnSpPr>
+          <p:nvPr/>
+        </p:nvCxnSpPr>
+        <p:spPr>
+          <a:xfrm>
+            <a:off x="3728448" y="1499959"/>
+            <a:ext cx="447040" cy="0"/>
+          </a:xfrm>
+          <a:prstGeom prst="straightConnector1">
+            <a:avLst/>
+          </a:prstGeom>
+          <a:ln>
+            <a:tailEnd type="triangle"/>
+          </a:ln>
+        </p:spPr>
+        <p:style>
+          <a:lnRef idx="1">
+            <a:schemeClr val="dk1"/>
+          </a:lnRef>
+          <a:fillRef idx="0">
+            <a:schemeClr val="dk1"/>
+          </a:fillRef>
+          <a:effectRef idx="0">
+            <a:schemeClr val="dk1"/>
+          </a:effectRef>
+          <a:fontRef idx="minor">
+            <a:schemeClr val="tx1"/>
+          </a:fontRef>
+        </p:style>
+      </p:cxnSp>
+      <p:cxnSp>
+        <p:nvCxnSpPr>
+          <p:cNvPr id="19" name="直接箭头连接符 18">
+            <a:extLst>
+              <a:ext uri="{FF2B5EF4-FFF2-40B4-BE49-F238E27FC236}">
+                <a16:creationId xmlns:a16="http://schemas.microsoft.com/office/drawing/2014/main" id="{4E0ABED8-6CBC-4126-8428-1ECBDB44B857}"/>
+              </a:ext>
+            </a:extLst>
+          </p:cNvPr>
+          <p:cNvCxnSpPr>
+            <a:cxnSpLocks/>
+            <a:stCxn id="10" idx="3"/>
+            <a:endCxn id="11" idx="1"/>
+          </p:cNvCxnSpPr>
+          <p:nvPr/>
+        </p:nvCxnSpPr>
+        <p:spPr>
+          <a:xfrm>
+            <a:off x="4596961" y="1499959"/>
+            <a:ext cx="447040" cy="0"/>
+          </a:xfrm>
+          <a:prstGeom prst="straightConnector1">
+            <a:avLst/>
+          </a:prstGeom>
+          <a:ln>
+            <a:solidFill>
+              <a:srgbClr val="00B050"/>
+            </a:solidFill>
+            <a:prstDash val="dash"/>
+            <a:tailEnd type="triangle"/>
+          </a:ln>
+        </p:spPr>
+        <p:style>
+          <a:lnRef idx="1">
+            <a:schemeClr val="dk1"/>
+          </a:lnRef>
+          <a:fillRef idx="0">
+            <a:schemeClr val="dk1"/>
+          </a:fillRef>
+          <a:effectRef idx="0">
+            <a:schemeClr val="dk1"/>
+          </a:effectRef>
+          <a:fontRef idx="minor">
+            <a:schemeClr val="tx1"/>
+          </a:fontRef>
+        </p:style>
+      </p:cxnSp>
+      <p:cxnSp>
+        <p:nvCxnSpPr>
+          <p:cNvPr id="20" name="直接箭头连接符 19">
+            <a:extLst>
+              <a:ext uri="{FF2B5EF4-FFF2-40B4-BE49-F238E27FC236}">
+                <a16:creationId xmlns:a16="http://schemas.microsoft.com/office/drawing/2014/main" id="{480CC80F-319E-42C4-9AFE-3D70DA8116FD}"/>
+              </a:ext>
+            </a:extLst>
+          </p:cNvPr>
+          <p:cNvCxnSpPr>
+            <a:cxnSpLocks/>
+            <a:stCxn id="11" idx="3"/>
+            <a:endCxn id="12" idx="1"/>
+          </p:cNvCxnSpPr>
+          <p:nvPr/>
+        </p:nvCxnSpPr>
+        <p:spPr>
+          <a:xfrm>
+            <a:off x="5465474" y="1499959"/>
+            <a:ext cx="447040" cy="0"/>
+          </a:xfrm>
+          <a:prstGeom prst="straightConnector1">
+            <a:avLst/>
+          </a:prstGeom>
+          <a:ln>
+            <a:tailEnd type="triangle"/>
+          </a:ln>
+        </p:spPr>
+        <p:style>
+          <a:lnRef idx="1">
+            <a:schemeClr val="dk1"/>
+          </a:lnRef>
+          <a:fillRef idx="0">
+            <a:schemeClr val="dk1"/>
+          </a:fillRef>
+          <a:effectRef idx="0">
+            <a:schemeClr val="dk1"/>
+          </a:effectRef>
+          <a:fontRef idx="minor">
+            <a:schemeClr val="tx1"/>
+          </a:fontRef>
+        </p:style>
+      </p:cxnSp>
+      <p:cxnSp>
+        <p:nvCxnSpPr>
+          <p:cNvPr id="27" name="直接箭头连接符 26">
+            <a:extLst>
+              <a:ext uri="{FF2B5EF4-FFF2-40B4-BE49-F238E27FC236}">
+                <a16:creationId xmlns:a16="http://schemas.microsoft.com/office/drawing/2014/main" id="{DAFBF9CA-F1DB-470B-9CBA-19493C0CDA47}"/>
+              </a:ext>
+            </a:extLst>
+          </p:cNvPr>
+          <p:cNvCxnSpPr>
+            <a:cxnSpLocks/>
+            <a:stCxn id="12" idx="3"/>
+            <a:endCxn id="13" idx="1"/>
+          </p:cNvCxnSpPr>
+          <p:nvPr/>
+        </p:nvCxnSpPr>
+        <p:spPr>
+          <a:xfrm>
+            <a:off x="6333987" y="1499959"/>
+            <a:ext cx="447040" cy="0"/>
+          </a:xfrm>
+          <a:prstGeom prst="straightConnector1">
+            <a:avLst/>
+          </a:prstGeom>
+          <a:ln>
+            <a:tailEnd type="triangle"/>
+          </a:ln>
+        </p:spPr>
+        <p:style>
+          <a:lnRef idx="1">
+            <a:schemeClr val="dk1"/>
+          </a:lnRef>
+          <a:fillRef idx="0">
+            <a:schemeClr val="dk1"/>
+          </a:fillRef>
+          <a:effectRef idx="0">
+            <a:schemeClr val="dk1"/>
+          </a:effectRef>
+          <a:fontRef idx="minor">
+            <a:schemeClr val="tx1"/>
+          </a:fontRef>
+        </p:style>
+      </p:cxnSp>
+      <p:cxnSp>
+        <p:nvCxnSpPr>
+          <p:cNvPr id="28" name="直接箭头连接符 27">
+            <a:extLst>
+              <a:ext uri="{FF2B5EF4-FFF2-40B4-BE49-F238E27FC236}">
+                <a16:creationId xmlns:a16="http://schemas.microsoft.com/office/drawing/2014/main" id="{7C69DC4A-C429-4FA2-B58B-73B37CF2F17D}"/>
+              </a:ext>
+            </a:extLst>
+          </p:cNvPr>
+          <p:cNvCxnSpPr>
+            <a:cxnSpLocks/>
+            <a:stCxn id="13" idx="3"/>
+            <a:endCxn id="14" idx="1"/>
+          </p:cNvCxnSpPr>
+          <p:nvPr/>
+        </p:nvCxnSpPr>
+        <p:spPr>
+          <a:xfrm>
+            <a:off x="7202500" y="1499959"/>
+            <a:ext cx="447040" cy="0"/>
+          </a:xfrm>
+          <a:prstGeom prst="straightConnector1">
+            <a:avLst/>
+          </a:prstGeom>
+          <a:ln>
+            <a:tailEnd type="triangle"/>
+          </a:ln>
+        </p:spPr>
+        <p:style>
+          <a:lnRef idx="1">
+            <a:schemeClr val="dk1"/>
+          </a:lnRef>
+          <a:fillRef idx="0">
+            <a:schemeClr val="dk1"/>
+          </a:fillRef>
+          <a:effectRef idx="0">
+            <a:schemeClr val="dk1"/>
+          </a:effectRef>
+          <a:fontRef idx="minor">
+            <a:schemeClr val="tx1"/>
+          </a:fontRef>
+        </p:style>
+      </p:cxnSp>
+      <p:cxnSp>
+        <p:nvCxnSpPr>
+          <p:cNvPr id="33" name="直接箭头连接符 32">
+            <a:extLst>
+              <a:ext uri="{FF2B5EF4-FFF2-40B4-BE49-F238E27FC236}">
+                <a16:creationId xmlns:a16="http://schemas.microsoft.com/office/drawing/2014/main" id="{D0E66FBD-B657-4829-8A61-5F54636E601E}"/>
+              </a:ext>
+            </a:extLst>
+          </p:cNvPr>
+          <p:cNvCxnSpPr>
+            <a:cxnSpLocks/>
+            <a:stCxn id="14" idx="3"/>
+            <a:endCxn id="15" idx="1"/>
+          </p:cNvCxnSpPr>
+          <p:nvPr/>
+        </p:nvCxnSpPr>
+        <p:spPr>
+          <a:xfrm>
+            <a:off x="8071013" y="1499959"/>
+            <a:ext cx="447040" cy="0"/>
+          </a:xfrm>
+          <a:prstGeom prst="straightConnector1">
+            <a:avLst/>
+          </a:prstGeom>
+          <a:ln>
+            <a:tailEnd type="triangle"/>
+          </a:ln>
+        </p:spPr>
+        <p:style>
+          <a:lnRef idx="1">
+            <a:schemeClr val="dk1"/>
+          </a:lnRef>
+          <a:fillRef idx="0">
+            <a:schemeClr val="dk1"/>
+          </a:fillRef>
+          <a:effectRef idx="0">
+            <a:schemeClr val="dk1"/>
+          </a:effectRef>
+          <a:fontRef idx="minor">
+            <a:schemeClr val="tx1"/>
+          </a:fontRef>
+        </p:style>
+      </p:cxnSp>
+      <p:sp>
+        <p:nvSpPr>
+          <p:cNvPr id="37" name="矩形 36">
+            <a:extLst>
+              <a:ext uri="{FF2B5EF4-FFF2-40B4-BE49-F238E27FC236}">
+                <a16:creationId xmlns:a16="http://schemas.microsoft.com/office/drawing/2014/main" id="{03FC2161-7A03-4326-B282-4C8FFB77403C}"/>
+              </a:ext>
+            </a:extLst>
+          </p:cNvPr>
+          <p:cNvSpPr/>
+          <p:nvPr/>
+        </p:nvSpPr>
+        <p:spPr>
+          <a:xfrm>
+            <a:off x="2321287" y="991366"/>
+            <a:ext cx="2387601" cy="939800"/>
+          </a:xfrm>
+          <a:prstGeom prst="rect">
+            <a:avLst/>
+          </a:prstGeom>
+          <a:noFill/>
+          <a:ln>
+            <a:prstDash val="dash"/>
+          </a:ln>
+        </p:spPr>
+        <p:style>
+          <a:lnRef idx="2">
+            <a:schemeClr val="dk1"/>
+          </a:lnRef>
+          <a:fillRef idx="1">
+            <a:schemeClr val="lt1"/>
+          </a:fillRef>
+          <a:effectRef idx="0">
+            <a:schemeClr val="dk1"/>
+          </a:effectRef>
+          <a:fontRef idx="minor">
+            <a:schemeClr val="dk1"/>
+          </a:fontRef>
+        </p:style>
+        <p:txBody>
+          <a:bodyPr rtlCol="0" anchor="ctr"/>
+          <a:lstStyle/>
+          <a:p>
+            <a:pPr algn="ctr"/>
+            <a:endParaRPr lang="zh-CN" altLang="en-US" dirty="0"/>
+          </a:p>
+        </p:txBody>
+      </p:sp>
+      <p:sp>
+        <p:nvSpPr>
+          <p:cNvPr id="38" name="矩形 37">
+            <a:extLst>
+              <a:ext uri="{FF2B5EF4-FFF2-40B4-BE49-F238E27FC236}">
+                <a16:creationId xmlns:a16="http://schemas.microsoft.com/office/drawing/2014/main" id="{E2018491-520D-4703-9012-0AE2ACD6640F}"/>
+              </a:ext>
+            </a:extLst>
+          </p:cNvPr>
+          <p:cNvSpPr/>
+          <p:nvPr/>
+        </p:nvSpPr>
+        <p:spPr>
+          <a:xfrm>
+            <a:off x="4929449" y="991366"/>
+            <a:ext cx="2387601" cy="939800"/>
+          </a:xfrm>
+          <a:prstGeom prst="rect">
+            <a:avLst/>
+          </a:prstGeom>
+          <a:noFill/>
+          <a:ln>
+            <a:prstDash val="dash"/>
+          </a:ln>
+        </p:spPr>
+        <p:style>
+          <a:lnRef idx="2">
+            <a:schemeClr val="dk1"/>
+          </a:lnRef>
+          <a:fillRef idx="1">
+            <a:schemeClr val="lt1"/>
+          </a:fillRef>
+          <a:effectRef idx="0">
+            <a:schemeClr val="dk1"/>
+          </a:effectRef>
+          <a:fontRef idx="minor">
+            <a:schemeClr val="dk1"/>
+          </a:fontRef>
+        </p:style>
+        <p:txBody>
+          <a:bodyPr rtlCol="0" anchor="ctr"/>
+          <a:lstStyle/>
+          <a:p>
+            <a:pPr algn="ctr"/>
+            <a:endParaRPr lang="zh-CN" altLang="en-US" dirty="0"/>
+          </a:p>
+        </p:txBody>
+      </p:sp>
+      <p:sp>
+        <p:nvSpPr>
+          <p:cNvPr id="39" name="矩形 38">
+            <a:extLst>
+              <a:ext uri="{FF2B5EF4-FFF2-40B4-BE49-F238E27FC236}">
+                <a16:creationId xmlns:a16="http://schemas.microsoft.com/office/drawing/2014/main" id="{E293400E-7CD1-4EF1-9006-EA7810F45E99}"/>
+              </a:ext>
+            </a:extLst>
+          </p:cNvPr>
+          <p:cNvSpPr/>
+          <p:nvPr/>
+        </p:nvSpPr>
+        <p:spPr>
+          <a:xfrm>
+            <a:off x="7534988" y="991366"/>
+            <a:ext cx="2387601" cy="939800"/>
+          </a:xfrm>
+          <a:prstGeom prst="rect">
+            <a:avLst/>
+          </a:prstGeom>
+          <a:noFill/>
+          <a:ln>
+            <a:prstDash val="dash"/>
+          </a:ln>
+        </p:spPr>
+        <p:style>
+          <a:lnRef idx="2">
+            <a:schemeClr val="dk1"/>
+          </a:lnRef>
+          <a:fillRef idx="1">
+            <a:schemeClr val="lt1"/>
+          </a:fillRef>
+          <a:effectRef idx="0">
+            <a:schemeClr val="dk1"/>
+          </a:effectRef>
+          <a:fontRef idx="minor">
+            <a:schemeClr val="dk1"/>
+          </a:fontRef>
+        </p:style>
+        <p:txBody>
+          <a:bodyPr rtlCol="0" anchor="ctr"/>
+          <a:lstStyle/>
+          <a:p>
+            <a:pPr algn="ctr"/>
+            <a:endParaRPr lang="zh-CN" altLang="en-US" dirty="0"/>
+          </a:p>
+        </p:txBody>
+      </p:sp>
+      <p:grpSp>
+        <p:nvGrpSpPr>
+          <p:cNvPr id="40" name="组合 39">
+            <a:extLst>
+              <a:ext uri="{FF2B5EF4-FFF2-40B4-BE49-F238E27FC236}">
+                <a16:creationId xmlns:a16="http://schemas.microsoft.com/office/drawing/2014/main" id="{BA9FDFEE-210F-4CE9-82A0-0392389E3F37}"/>
+              </a:ext>
+            </a:extLst>
+          </p:cNvPr>
+          <p:cNvGrpSpPr/>
+          <p:nvPr/>
+        </p:nvGrpSpPr>
+        <p:grpSpPr>
+          <a:xfrm>
+            <a:off x="2242052" y="1757226"/>
+            <a:ext cx="807184" cy="585143"/>
+            <a:chOff x="4053017" y="2779414"/>
+            <a:chExt cx="807184" cy="585143"/>
+          </a:xfrm>
+        </p:grpSpPr>
+        <p:sp>
+          <p:nvSpPr>
+            <p:cNvPr id="41" name="文本框 40">
+              <a:extLst>
+                <a:ext uri="{FF2B5EF4-FFF2-40B4-BE49-F238E27FC236}">
+                  <a16:creationId xmlns:a16="http://schemas.microsoft.com/office/drawing/2014/main" id="{A25C6FE6-B890-4627-96B4-DCB8175A53C1}"/>
+                </a:ext>
+              </a:extLst>
+            </p:cNvPr>
+            <p:cNvSpPr txBox="1"/>
+            <p:nvPr/>
+          </p:nvSpPr>
+          <p:spPr>
+            <a:xfrm>
+              <a:off x="4053017" y="3087558"/>
+              <a:ext cx="807184" cy="276999"/>
+            </a:xfrm>
+            <a:prstGeom prst="rect">
+              <a:avLst/>
+            </a:prstGeom>
+            <a:noFill/>
+          </p:spPr>
+          <p:txBody>
+            <a:bodyPr wrap="square" lIns="0" tIns="0" rIns="0" bIns="0" rtlCol="0">
+              <a:spAutoFit/>
+            </a:bodyPr>
+            <a:lstStyle/>
+            <a:p>
+              <a:pPr algn="ctr"/>
+              <a:r>
+                <a:rPr lang="en-US" altLang="zh-CN" dirty="0">
+                  <a:latin typeface="Times New Roman" panose="02020603050405020304" pitchFamily="18" charset="0"/>
+                  <a:ea typeface="宋体" panose="02010600030101010101" pitchFamily="2" charset="-122"/>
+                </a:rPr>
+                <a:t>start</a:t>
+              </a:r>
+              <a:endParaRPr lang="zh-CN" altLang="en-US" dirty="0">
+                <a:latin typeface="Times New Roman" panose="02020603050405020304" pitchFamily="18" charset="0"/>
+                <a:ea typeface="宋体" panose="02010600030101010101" pitchFamily="2" charset="-122"/>
+              </a:endParaRPr>
+            </a:p>
+          </p:txBody>
+        </p:sp>
+        <p:cxnSp>
+          <p:nvCxnSpPr>
+            <p:cNvPr id="42" name="直接箭头连接符 41">
+              <a:extLst>
+                <a:ext uri="{FF2B5EF4-FFF2-40B4-BE49-F238E27FC236}">
+                  <a16:creationId xmlns:a16="http://schemas.microsoft.com/office/drawing/2014/main" id="{9F069EF0-FAC8-4D5E-86A2-3010893B1B6A}"/>
+                </a:ext>
+              </a:extLst>
+            </p:cNvPr>
+            <p:cNvCxnSpPr>
+              <a:cxnSpLocks/>
+            </p:cNvCxnSpPr>
+            <p:nvPr/>
+          </p:nvCxnSpPr>
+          <p:spPr>
+            <a:xfrm flipV="1">
+              <a:off x="4452796" y="2779414"/>
+              <a:ext cx="0" cy="308144"/>
+            </a:xfrm>
+            <a:prstGeom prst="straightConnector1">
+              <a:avLst/>
+            </a:prstGeom>
+            <a:ln>
+              <a:tailEnd type="triangle"/>
+            </a:ln>
+          </p:spPr>
+          <p:style>
+            <a:lnRef idx="1">
+              <a:schemeClr val="dk1"/>
+            </a:lnRef>
+            <a:fillRef idx="0">
+              <a:schemeClr val="dk1"/>
+            </a:fillRef>
+            <a:effectRef idx="0">
+              <a:schemeClr val="dk1"/>
+            </a:effectRef>
+            <a:fontRef idx="minor">
+              <a:schemeClr val="tx1"/>
+            </a:fontRef>
+          </p:style>
+        </p:cxnSp>
+      </p:grpSp>
+      <p:sp>
+        <p:nvSpPr>
+          <p:cNvPr id="43" name="矩形 42">
+            <a:extLst>
+              <a:ext uri="{FF2B5EF4-FFF2-40B4-BE49-F238E27FC236}">
+                <a16:creationId xmlns:a16="http://schemas.microsoft.com/office/drawing/2014/main" id="{103B1524-3C1E-4C24-9729-64DA359F5062}"/>
+              </a:ext>
+            </a:extLst>
+          </p:cNvPr>
+          <p:cNvSpPr/>
+          <p:nvPr/>
+        </p:nvSpPr>
+        <p:spPr>
+          <a:xfrm>
+            <a:off x="1377959" y="1332470"/>
+            <a:ext cx="521856" cy="334978"/>
+          </a:xfrm>
+          <a:prstGeom prst="rect">
+            <a:avLst/>
+          </a:prstGeom>
+          <a:ln>
+            <a:prstDash val="dash"/>
+          </a:ln>
+        </p:spPr>
+        <p:style>
+          <a:lnRef idx="2">
+            <a:schemeClr val="dk1"/>
+          </a:lnRef>
+          <a:fillRef idx="1">
+            <a:schemeClr val="lt1"/>
+          </a:fillRef>
+          <a:effectRef idx="0">
+            <a:schemeClr val="dk1"/>
+          </a:effectRef>
+          <a:fontRef idx="minor">
+            <a:schemeClr val="dk1"/>
+          </a:fontRef>
+        </p:style>
+        <p:txBody>
+          <a:bodyPr lIns="0" rIns="0" rtlCol="0" anchor="ctr"/>
+          <a:lstStyle/>
+          <a:p>
+            <a:pPr algn="ctr"/>
+            <a:r>
+              <a:rPr lang="en-US" altLang="zh-CN" dirty="0" err="1">
+                <a:latin typeface="Times New Roman" panose="02020603050405020304" pitchFamily="18" charset="0"/>
+                <a:cs typeface="Times New Roman" panose="02020603050405020304" pitchFamily="18" charset="0"/>
+              </a:rPr>
+              <a:t>dum</a:t>
+            </a:r>
+            <a:endParaRPr lang="zh-CN" altLang="en-US" dirty="0">
+              <a:latin typeface="Times New Roman" panose="02020603050405020304" pitchFamily="18" charset="0"/>
+              <a:cs typeface="Times New Roman" panose="02020603050405020304" pitchFamily="18" charset="0"/>
+            </a:endParaRPr>
+          </a:p>
+        </p:txBody>
+      </p:sp>
+      <p:sp>
+        <p:nvSpPr>
+          <p:cNvPr id="44" name="矩形 43">
+            <a:extLst>
+              <a:ext uri="{FF2B5EF4-FFF2-40B4-BE49-F238E27FC236}">
+                <a16:creationId xmlns:a16="http://schemas.microsoft.com/office/drawing/2014/main" id="{CA74C002-89FF-4FE8-8CC9-5791AB2DB46E}"/>
+              </a:ext>
+            </a:extLst>
+          </p:cNvPr>
+          <p:cNvSpPr/>
+          <p:nvPr/>
+        </p:nvSpPr>
+        <p:spPr>
+          <a:xfrm>
+            <a:off x="9386566" y="1332470"/>
+            <a:ext cx="421473" cy="334978"/>
+          </a:xfrm>
+          <a:prstGeom prst="rect">
+            <a:avLst/>
+          </a:prstGeom>
+          <a:ln>
+            <a:prstDash val="dash"/>
+          </a:ln>
+        </p:spPr>
+        <p:style>
+          <a:lnRef idx="2">
+            <a:schemeClr val="dk1"/>
+          </a:lnRef>
+          <a:fillRef idx="1">
+            <a:schemeClr val="lt1"/>
+          </a:fillRef>
+          <a:effectRef idx="0">
+            <a:schemeClr val="dk1"/>
+          </a:effectRef>
+          <a:fontRef idx="minor">
+            <a:schemeClr val="dk1"/>
+          </a:fontRef>
+        </p:style>
+        <p:txBody>
+          <a:bodyPr rtlCol="0" anchor="ctr"/>
+          <a:lstStyle/>
+          <a:p>
+            <a:pPr algn="ctr"/>
+            <a:endParaRPr lang="zh-CN" altLang="en-US" dirty="0">
+              <a:latin typeface="Times New Roman" panose="02020603050405020304" pitchFamily="18" charset="0"/>
+              <a:cs typeface="Times New Roman" panose="02020603050405020304" pitchFamily="18" charset="0"/>
+            </a:endParaRPr>
+          </a:p>
+        </p:txBody>
+      </p:sp>
+      <p:grpSp>
+        <p:nvGrpSpPr>
+          <p:cNvPr id="45" name="组合 44">
+            <a:extLst>
+              <a:ext uri="{FF2B5EF4-FFF2-40B4-BE49-F238E27FC236}">
+                <a16:creationId xmlns:a16="http://schemas.microsoft.com/office/drawing/2014/main" id="{30DF1970-C960-46B6-B269-1FD6064097F1}"/>
+              </a:ext>
+            </a:extLst>
+          </p:cNvPr>
+          <p:cNvGrpSpPr/>
+          <p:nvPr/>
+        </p:nvGrpSpPr>
+        <p:grpSpPr>
+          <a:xfrm>
+            <a:off x="3982632" y="1757226"/>
+            <a:ext cx="807184" cy="585143"/>
+            <a:chOff x="4053017" y="2779414"/>
+            <a:chExt cx="807184" cy="585143"/>
+          </a:xfrm>
+        </p:grpSpPr>
+        <p:sp>
+          <p:nvSpPr>
+            <p:cNvPr id="46" name="文本框 45">
+              <a:extLst>
+                <a:ext uri="{FF2B5EF4-FFF2-40B4-BE49-F238E27FC236}">
+                  <a16:creationId xmlns:a16="http://schemas.microsoft.com/office/drawing/2014/main" id="{E5448BA6-EADE-4112-8B5A-2451A49FC8A2}"/>
+                </a:ext>
+              </a:extLst>
+            </p:cNvPr>
+            <p:cNvSpPr txBox="1"/>
+            <p:nvPr/>
+          </p:nvSpPr>
+          <p:spPr>
+            <a:xfrm>
+              <a:off x="4053017" y="3087558"/>
+              <a:ext cx="807184" cy="276999"/>
+            </a:xfrm>
+            <a:prstGeom prst="rect">
+              <a:avLst/>
+            </a:prstGeom>
+            <a:noFill/>
+          </p:spPr>
+          <p:txBody>
+            <a:bodyPr wrap="square" lIns="0" tIns="0" rIns="0" bIns="0" rtlCol="0">
+              <a:spAutoFit/>
+            </a:bodyPr>
+            <a:lstStyle/>
+            <a:p>
+              <a:pPr algn="ctr"/>
+              <a:r>
+                <a:rPr lang="en-US" altLang="zh-CN" dirty="0">
+                  <a:latin typeface="Times New Roman" panose="02020603050405020304" pitchFamily="18" charset="0"/>
+                  <a:ea typeface="宋体" panose="02010600030101010101" pitchFamily="2" charset="-122"/>
+                </a:rPr>
+                <a:t>end</a:t>
+              </a:r>
+              <a:endParaRPr lang="zh-CN" altLang="en-US" dirty="0">
+                <a:latin typeface="Times New Roman" panose="02020603050405020304" pitchFamily="18" charset="0"/>
+                <a:ea typeface="宋体" panose="02010600030101010101" pitchFamily="2" charset="-122"/>
+              </a:endParaRPr>
+            </a:p>
+          </p:txBody>
+        </p:sp>
+        <p:cxnSp>
+          <p:nvCxnSpPr>
+            <p:cNvPr id="47" name="直接箭头连接符 46">
+              <a:extLst>
+                <a:ext uri="{FF2B5EF4-FFF2-40B4-BE49-F238E27FC236}">
+                  <a16:creationId xmlns:a16="http://schemas.microsoft.com/office/drawing/2014/main" id="{AAAE9826-CDB0-49D0-9EE2-12E71EDEF875}"/>
+                </a:ext>
+              </a:extLst>
+            </p:cNvPr>
+            <p:cNvCxnSpPr>
+              <a:cxnSpLocks/>
+            </p:cNvCxnSpPr>
+            <p:nvPr/>
+          </p:nvCxnSpPr>
+          <p:spPr>
+            <a:xfrm flipV="1">
+              <a:off x="4452796" y="2779414"/>
+              <a:ext cx="0" cy="308144"/>
+            </a:xfrm>
+            <a:prstGeom prst="straightConnector1">
+              <a:avLst/>
+            </a:prstGeom>
+            <a:ln>
+              <a:tailEnd type="triangle"/>
+            </a:ln>
+          </p:spPr>
+          <p:style>
+            <a:lnRef idx="1">
+              <a:schemeClr val="dk1"/>
+            </a:lnRef>
+            <a:fillRef idx="0">
+              <a:schemeClr val="dk1"/>
+            </a:fillRef>
+            <a:effectRef idx="0">
+              <a:schemeClr val="dk1"/>
+            </a:effectRef>
+            <a:fontRef idx="minor">
+              <a:schemeClr val="tx1"/>
+            </a:fontRef>
+          </p:style>
+        </p:cxnSp>
+      </p:grpSp>
+      <p:grpSp>
+        <p:nvGrpSpPr>
+          <p:cNvPr id="48" name="组合 47">
+            <a:extLst>
+              <a:ext uri="{FF2B5EF4-FFF2-40B4-BE49-F238E27FC236}">
+                <a16:creationId xmlns:a16="http://schemas.microsoft.com/office/drawing/2014/main" id="{5D6CFADB-7C3F-46A0-A8D3-7102F3B5CA9C}"/>
+              </a:ext>
+            </a:extLst>
+          </p:cNvPr>
+          <p:cNvGrpSpPr/>
+          <p:nvPr/>
+        </p:nvGrpSpPr>
+        <p:grpSpPr>
+          <a:xfrm>
+            <a:off x="1231166" y="1757226"/>
+            <a:ext cx="807184" cy="585143"/>
+            <a:chOff x="4053017" y="2779414"/>
+            <a:chExt cx="807184" cy="585143"/>
+          </a:xfrm>
+        </p:grpSpPr>
+        <p:sp>
+          <p:nvSpPr>
+            <p:cNvPr id="49" name="文本框 48">
+              <a:extLst>
+                <a:ext uri="{FF2B5EF4-FFF2-40B4-BE49-F238E27FC236}">
+                  <a16:creationId xmlns:a16="http://schemas.microsoft.com/office/drawing/2014/main" id="{5C8597B0-5623-42C0-AF9A-5798C287BBB4}"/>
+                </a:ext>
+              </a:extLst>
+            </p:cNvPr>
+            <p:cNvSpPr txBox="1"/>
+            <p:nvPr/>
+          </p:nvSpPr>
+          <p:spPr>
+            <a:xfrm>
+              <a:off x="4053017" y="3087558"/>
+              <a:ext cx="807184" cy="276999"/>
+            </a:xfrm>
+            <a:prstGeom prst="rect">
+              <a:avLst/>
+            </a:prstGeom>
+            <a:noFill/>
+          </p:spPr>
+          <p:txBody>
+            <a:bodyPr wrap="square" lIns="0" tIns="0" rIns="0" bIns="0" rtlCol="0">
+              <a:spAutoFit/>
+            </a:bodyPr>
+            <a:lstStyle/>
+            <a:p>
+              <a:pPr algn="ctr"/>
+              <a:r>
+                <a:rPr lang="en-US" altLang="zh-CN" dirty="0">
+                  <a:latin typeface="Times New Roman" panose="02020603050405020304" pitchFamily="18" charset="0"/>
+                  <a:ea typeface="宋体" panose="02010600030101010101" pitchFamily="2" charset="-122"/>
+                </a:rPr>
+                <a:t>pre</a:t>
+              </a:r>
+              <a:endParaRPr lang="zh-CN" altLang="en-US" dirty="0">
+                <a:latin typeface="Times New Roman" panose="02020603050405020304" pitchFamily="18" charset="0"/>
+                <a:ea typeface="宋体" panose="02010600030101010101" pitchFamily="2" charset="-122"/>
+              </a:endParaRPr>
+            </a:p>
+          </p:txBody>
+        </p:sp>
+        <p:cxnSp>
+          <p:nvCxnSpPr>
+            <p:cNvPr id="50" name="直接箭头连接符 49">
+              <a:extLst>
+                <a:ext uri="{FF2B5EF4-FFF2-40B4-BE49-F238E27FC236}">
+                  <a16:creationId xmlns:a16="http://schemas.microsoft.com/office/drawing/2014/main" id="{AFF2FB6D-F7E8-4ED5-8032-B12EAC3838DF}"/>
+                </a:ext>
+              </a:extLst>
+            </p:cNvPr>
+            <p:cNvCxnSpPr>
+              <a:cxnSpLocks/>
+            </p:cNvCxnSpPr>
+            <p:nvPr/>
+          </p:nvCxnSpPr>
+          <p:spPr>
+            <a:xfrm flipV="1">
+              <a:off x="4452796" y="2779414"/>
+              <a:ext cx="0" cy="308144"/>
+            </a:xfrm>
+            <a:prstGeom prst="straightConnector1">
+              <a:avLst/>
+            </a:prstGeom>
+            <a:ln>
+              <a:tailEnd type="triangle"/>
+            </a:ln>
+          </p:spPr>
+          <p:style>
+            <a:lnRef idx="1">
+              <a:schemeClr val="dk1"/>
+            </a:lnRef>
+            <a:fillRef idx="0">
+              <a:schemeClr val="dk1"/>
+            </a:fillRef>
+            <a:effectRef idx="0">
+              <a:schemeClr val="dk1"/>
+            </a:effectRef>
+            <a:fontRef idx="minor">
+              <a:schemeClr val="tx1"/>
+            </a:fontRef>
+          </p:style>
+        </p:cxnSp>
+      </p:grpSp>
+      <p:grpSp>
+        <p:nvGrpSpPr>
+          <p:cNvPr id="51" name="组合 50">
+            <a:extLst>
+              <a:ext uri="{FF2B5EF4-FFF2-40B4-BE49-F238E27FC236}">
+                <a16:creationId xmlns:a16="http://schemas.microsoft.com/office/drawing/2014/main" id="{BDEE1ED9-9835-4B96-8CD2-38B00185737C}"/>
+              </a:ext>
+            </a:extLst>
+          </p:cNvPr>
+          <p:cNvGrpSpPr/>
+          <p:nvPr/>
+        </p:nvGrpSpPr>
+        <p:grpSpPr>
+          <a:xfrm>
+            <a:off x="4851145" y="1757226"/>
+            <a:ext cx="807184" cy="585143"/>
+            <a:chOff x="4053017" y="2779414"/>
+            <a:chExt cx="807184" cy="585143"/>
+          </a:xfrm>
+        </p:grpSpPr>
+        <p:sp>
+          <p:nvSpPr>
+            <p:cNvPr id="52" name="文本框 51">
+              <a:extLst>
+                <a:ext uri="{FF2B5EF4-FFF2-40B4-BE49-F238E27FC236}">
+                  <a16:creationId xmlns:a16="http://schemas.microsoft.com/office/drawing/2014/main" id="{33DBBC60-523E-4E17-8E39-8E000DEE7EDE}"/>
+                </a:ext>
+              </a:extLst>
+            </p:cNvPr>
+            <p:cNvSpPr txBox="1"/>
+            <p:nvPr/>
+          </p:nvSpPr>
+          <p:spPr>
+            <a:xfrm>
+              <a:off x="4053017" y="3087558"/>
+              <a:ext cx="807184" cy="276999"/>
+            </a:xfrm>
+            <a:prstGeom prst="rect">
+              <a:avLst/>
+            </a:prstGeom>
+            <a:noFill/>
+          </p:spPr>
+          <p:txBody>
+            <a:bodyPr wrap="square" lIns="0" tIns="0" rIns="0" bIns="0" rtlCol="0">
+              <a:spAutoFit/>
+            </a:bodyPr>
+            <a:lstStyle/>
+            <a:p>
+              <a:pPr algn="ctr"/>
+              <a:r>
+                <a:rPr lang="en-US" altLang="zh-CN" dirty="0">
+                  <a:latin typeface="Times New Roman" panose="02020603050405020304" pitchFamily="18" charset="0"/>
+                  <a:ea typeface="宋体" panose="02010600030101010101" pitchFamily="2" charset="-122"/>
+                </a:rPr>
+                <a:t>next</a:t>
+              </a:r>
+              <a:endParaRPr lang="zh-CN" altLang="en-US" dirty="0">
+                <a:latin typeface="Times New Roman" panose="02020603050405020304" pitchFamily="18" charset="0"/>
+                <a:ea typeface="宋体" panose="02010600030101010101" pitchFamily="2" charset="-122"/>
+              </a:endParaRPr>
+            </a:p>
+          </p:txBody>
+        </p:sp>
+        <p:cxnSp>
+          <p:nvCxnSpPr>
+            <p:cNvPr id="53" name="直接箭头连接符 52">
+              <a:extLst>
+                <a:ext uri="{FF2B5EF4-FFF2-40B4-BE49-F238E27FC236}">
+                  <a16:creationId xmlns:a16="http://schemas.microsoft.com/office/drawing/2014/main" id="{100FD75C-442B-4F20-8A9E-BAB2D608002C}"/>
+                </a:ext>
+              </a:extLst>
+            </p:cNvPr>
+            <p:cNvCxnSpPr>
+              <a:cxnSpLocks/>
+            </p:cNvCxnSpPr>
+            <p:nvPr/>
+          </p:nvCxnSpPr>
+          <p:spPr>
+            <a:xfrm flipV="1">
+              <a:off x="4452796" y="2779414"/>
+              <a:ext cx="0" cy="308144"/>
+            </a:xfrm>
+            <a:prstGeom prst="straightConnector1">
+              <a:avLst/>
+            </a:prstGeom>
+            <a:ln>
+              <a:tailEnd type="triangle"/>
+            </a:ln>
+          </p:spPr>
+          <p:style>
+            <a:lnRef idx="1">
+              <a:schemeClr val="dk1"/>
+            </a:lnRef>
+            <a:fillRef idx="0">
+              <a:schemeClr val="dk1"/>
+            </a:fillRef>
+            <a:effectRef idx="0">
+              <a:schemeClr val="dk1"/>
+            </a:effectRef>
+            <a:fontRef idx="minor">
+              <a:schemeClr val="tx1"/>
+            </a:fontRef>
+          </p:style>
+        </p:cxnSp>
+      </p:grpSp>
+      <p:cxnSp>
+        <p:nvCxnSpPr>
+          <p:cNvPr id="54" name="直接箭头连接符 53">
+            <a:extLst>
+              <a:ext uri="{FF2B5EF4-FFF2-40B4-BE49-F238E27FC236}">
+                <a16:creationId xmlns:a16="http://schemas.microsoft.com/office/drawing/2014/main" id="{FB14ABB3-743A-4E31-8658-EF948975F8DC}"/>
+              </a:ext>
+            </a:extLst>
+          </p:cNvPr>
+          <p:cNvCxnSpPr>
+            <a:cxnSpLocks/>
+            <a:stCxn id="43" idx="3"/>
+            <a:endCxn id="4" idx="1"/>
+          </p:cNvCxnSpPr>
+          <p:nvPr/>
+        </p:nvCxnSpPr>
+        <p:spPr>
+          <a:xfrm>
+            <a:off x="1899815" y="1499959"/>
+            <a:ext cx="535093" cy="0"/>
+          </a:xfrm>
+          <a:prstGeom prst="straightConnector1">
+            <a:avLst/>
+          </a:prstGeom>
+          <a:ln>
+            <a:solidFill>
+              <a:srgbClr val="00B050"/>
+            </a:solidFill>
+            <a:prstDash val="dash"/>
+            <a:tailEnd type="triangle"/>
+          </a:ln>
+        </p:spPr>
+        <p:style>
+          <a:lnRef idx="1">
+            <a:schemeClr val="dk1"/>
+          </a:lnRef>
+          <a:fillRef idx="0">
+            <a:schemeClr val="dk1"/>
+          </a:fillRef>
+          <a:effectRef idx="0">
+            <a:schemeClr val="dk1"/>
+          </a:effectRef>
+          <a:fontRef idx="minor">
+            <a:schemeClr val="tx1"/>
+          </a:fontRef>
+        </p:style>
+      </p:cxnSp>
+      <p:sp>
+        <p:nvSpPr>
+          <p:cNvPr id="117" name="矩形 116">
+            <a:extLst>
+              <a:ext uri="{FF2B5EF4-FFF2-40B4-BE49-F238E27FC236}">
+                <a16:creationId xmlns:a16="http://schemas.microsoft.com/office/drawing/2014/main" id="{C7AACCEB-36FA-47BB-A8F4-0B9E6965C856}"/>
+              </a:ext>
+            </a:extLst>
+          </p:cNvPr>
+          <p:cNvSpPr/>
+          <p:nvPr/>
+        </p:nvSpPr>
+        <p:spPr>
+          <a:xfrm>
+            <a:off x="2434908" y="3481935"/>
+            <a:ext cx="421473" cy="334978"/>
+          </a:xfrm>
+          <a:prstGeom prst="rect">
+            <a:avLst/>
+          </a:prstGeom>
+        </p:spPr>
+        <p:style>
+          <a:lnRef idx="2">
+            <a:schemeClr val="dk1"/>
+          </a:lnRef>
+          <a:fillRef idx="1">
+            <a:schemeClr val="lt1"/>
+          </a:fillRef>
+          <a:effectRef idx="0">
+            <a:schemeClr val="dk1"/>
+          </a:effectRef>
+          <a:fontRef idx="minor">
+            <a:schemeClr val="dk1"/>
+          </a:fontRef>
+        </p:style>
+        <p:txBody>
+          <a:bodyPr rtlCol="0" anchor="ctr"/>
+          <a:lstStyle/>
+          <a:p>
+            <a:pPr algn="ctr"/>
+            <a:r>
+              <a:rPr lang="en-US" altLang="zh-CN" dirty="0">
+                <a:latin typeface="Times New Roman" panose="02020603050405020304" pitchFamily="18" charset="0"/>
+                <a:cs typeface="Times New Roman" panose="02020603050405020304" pitchFamily="18" charset="0"/>
+              </a:rPr>
+              <a:t>1</a:t>
+            </a:r>
+            <a:endParaRPr lang="zh-CN" altLang="en-US" dirty="0">
+              <a:latin typeface="Times New Roman" panose="02020603050405020304" pitchFamily="18" charset="0"/>
+              <a:cs typeface="Times New Roman" panose="02020603050405020304" pitchFamily="18" charset="0"/>
+            </a:endParaRPr>
+          </a:p>
+        </p:txBody>
+      </p:sp>
+      <p:cxnSp>
+        <p:nvCxnSpPr>
+          <p:cNvPr id="118" name="直接箭头连接符 117">
+            <a:extLst>
+              <a:ext uri="{FF2B5EF4-FFF2-40B4-BE49-F238E27FC236}">
+                <a16:creationId xmlns:a16="http://schemas.microsoft.com/office/drawing/2014/main" id="{53EE873A-9926-4D4B-A229-2C1116CD6636}"/>
+              </a:ext>
+            </a:extLst>
+          </p:cNvPr>
+          <p:cNvCxnSpPr>
+            <a:cxnSpLocks/>
+            <a:stCxn id="117" idx="3"/>
+            <a:endCxn id="119" idx="1"/>
+          </p:cNvCxnSpPr>
+          <p:nvPr/>
+        </p:nvCxnSpPr>
+        <p:spPr>
+          <a:xfrm>
+            <a:off x="2856381" y="3649424"/>
+            <a:ext cx="450594" cy="0"/>
+          </a:xfrm>
+          <a:prstGeom prst="straightConnector1">
+            <a:avLst/>
+          </a:prstGeom>
+          <a:ln>
+            <a:solidFill>
+              <a:schemeClr val="accent6">
+                <a:lumMod val="75000"/>
+              </a:schemeClr>
+            </a:solidFill>
+            <a:headEnd type="triangle"/>
+            <a:tailEnd type="none"/>
+          </a:ln>
+        </p:spPr>
+        <p:style>
+          <a:lnRef idx="1">
+            <a:schemeClr val="dk1"/>
+          </a:lnRef>
+          <a:fillRef idx="0">
+            <a:schemeClr val="dk1"/>
+          </a:fillRef>
+          <a:effectRef idx="0">
+            <a:schemeClr val="dk1"/>
+          </a:effectRef>
+          <a:fontRef idx="minor">
+            <a:schemeClr val="tx1"/>
+          </a:fontRef>
+        </p:style>
+      </p:cxnSp>
+      <p:sp>
+        <p:nvSpPr>
+          <p:cNvPr id="119" name="矩形 118">
+            <a:extLst>
+              <a:ext uri="{FF2B5EF4-FFF2-40B4-BE49-F238E27FC236}">
+                <a16:creationId xmlns:a16="http://schemas.microsoft.com/office/drawing/2014/main" id="{CD587651-F147-46C4-B18F-76835EBDC9EB}"/>
+              </a:ext>
+            </a:extLst>
+          </p:cNvPr>
+          <p:cNvSpPr/>
+          <p:nvPr/>
+        </p:nvSpPr>
+        <p:spPr>
+          <a:xfrm>
+            <a:off x="3306975" y="3481935"/>
+            <a:ext cx="421473" cy="334978"/>
+          </a:xfrm>
+          <a:prstGeom prst="rect">
+            <a:avLst/>
+          </a:prstGeom>
+        </p:spPr>
+        <p:style>
+          <a:lnRef idx="2">
+            <a:schemeClr val="dk1"/>
+          </a:lnRef>
+          <a:fillRef idx="1">
+            <a:schemeClr val="lt1"/>
+          </a:fillRef>
+          <a:effectRef idx="0">
+            <a:schemeClr val="dk1"/>
+          </a:effectRef>
+          <a:fontRef idx="minor">
+            <a:schemeClr val="dk1"/>
+          </a:fontRef>
+        </p:style>
+        <p:txBody>
+          <a:bodyPr rtlCol="0" anchor="ctr"/>
+          <a:lstStyle/>
+          <a:p>
+            <a:pPr algn="ctr"/>
+            <a:r>
+              <a:rPr lang="en-US" altLang="zh-CN" dirty="0">
+                <a:latin typeface="Times New Roman" panose="02020603050405020304" pitchFamily="18" charset="0"/>
+                <a:cs typeface="Times New Roman" panose="02020603050405020304" pitchFamily="18" charset="0"/>
+              </a:rPr>
+              <a:t>2</a:t>
+            </a:r>
+            <a:endParaRPr lang="zh-CN" altLang="en-US" dirty="0">
+              <a:latin typeface="Times New Roman" panose="02020603050405020304" pitchFamily="18" charset="0"/>
+              <a:cs typeface="Times New Roman" panose="02020603050405020304" pitchFamily="18" charset="0"/>
+            </a:endParaRPr>
+          </a:p>
+        </p:txBody>
+      </p:sp>
+      <p:sp>
+        <p:nvSpPr>
+          <p:cNvPr id="120" name="矩形 119">
+            <a:extLst>
+              <a:ext uri="{FF2B5EF4-FFF2-40B4-BE49-F238E27FC236}">
+                <a16:creationId xmlns:a16="http://schemas.microsoft.com/office/drawing/2014/main" id="{C9D9B41B-AF5F-4E00-A0A3-5AAC0DED7D1E}"/>
+              </a:ext>
+            </a:extLst>
+          </p:cNvPr>
+          <p:cNvSpPr/>
+          <p:nvPr/>
+        </p:nvSpPr>
+        <p:spPr>
+          <a:xfrm>
+            <a:off x="4175488" y="3481935"/>
+            <a:ext cx="421473" cy="334978"/>
+          </a:xfrm>
+          <a:prstGeom prst="rect">
+            <a:avLst/>
+          </a:prstGeom>
+        </p:spPr>
+        <p:style>
+          <a:lnRef idx="2">
+            <a:schemeClr val="dk1"/>
+          </a:lnRef>
+          <a:fillRef idx="1">
+            <a:schemeClr val="lt1"/>
+          </a:fillRef>
+          <a:effectRef idx="0">
+            <a:schemeClr val="dk1"/>
+          </a:effectRef>
+          <a:fontRef idx="minor">
+            <a:schemeClr val="dk1"/>
+          </a:fontRef>
+        </p:style>
+        <p:txBody>
+          <a:bodyPr rtlCol="0" anchor="ctr"/>
+          <a:lstStyle/>
+          <a:p>
+            <a:pPr algn="ctr"/>
+            <a:r>
+              <a:rPr lang="en-US" altLang="zh-CN" dirty="0">
+                <a:latin typeface="Times New Roman" panose="02020603050405020304" pitchFamily="18" charset="0"/>
+                <a:cs typeface="Times New Roman" panose="02020603050405020304" pitchFamily="18" charset="0"/>
+              </a:rPr>
+              <a:t>3</a:t>
+            </a:r>
+            <a:endParaRPr lang="zh-CN" altLang="en-US" dirty="0">
+              <a:latin typeface="Times New Roman" panose="02020603050405020304" pitchFamily="18" charset="0"/>
+              <a:cs typeface="Times New Roman" panose="02020603050405020304" pitchFamily="18" charset="0"/>
+            </a:endParaRPr>
+          </a:p>
+        </p:txBody>
+      </p:sp>
+      <p:sp>
+        <p:nvSpPr>
+          <p:cNvPr id="121" name="矩形 120">
+            <a:extLst>
+              <a:ext uri="{FF2B5EF4-FFF2-40B4-BE49-F238E27FC236}">
+                <a16:creationId xmlns:a16="http://schemas.microsoft.com/office/drawing/2014/main" id="{914067B1-4E5F-4D85-B462-215BE71B7A0D}"/>
+              </a:ext>
+            </a:extLst>
+          </p:cNvPr>
+          <p:cNvSpPr/>
+          <p:nvPr/>
+        </p:nvSpPr>
+        <p:spPr>
+          <a:xfrm>
+            <a:off x="5044001" y="3481935"/>
+            <a:ext cx="421473" cy="334978"/>
+          </a:xfrm>
+          <a:prstGeom prst="rect">
+            <a:avLst/>
+          </a:prstGeom>
+        </p:spPr>
+        <p:style>
+          <a:lnRef idx="2">
+            <a:schemeClr val="dk1"/>
+          </a:lnRef>
+          <a:fillRef idx="1">
+            <a:schemeClr val="lt1"/>
+          </a:fillRef>
+          <a:effectRef idx="0">
+            <a:schemeClr val="dk1"/>
+          </a:effectRef>
+          <a:fontRef idx="minor">
+            <a:schemeClr val="dk1"/>
+          </a:fontRef>
+        </p:style>
+        <p:txBody>
+          <a:bodyPr rtlCol="0" anchor="ctr"/>
+          <a:lstStyle/>
+          <a:p>
+            <a:pPr algn="ctr"/>
+            <a:r>
+              <a:rPr lang="en-US" altLang="zh-CN" dirty="0">
+                <a:latin typeface="Times New Roman" panose="02020603050405020304" pitchFamily="18" charset="0"/>
+                <a:cs typeface="Times New Roman" panose="02020603050405020304" pitchFamily="18" charset="0"/>
+              </a:rPr>
+              <a:t>4</a:t>
+            </a:r>
+            <a:endParaRPr lang="zh-CN" altLang="en-US" dirty="0">
+              <a:latin typeface="Times New Roman" panose="02020603050405020304" pitchFamily="18" charset="0"/>
+              <a:cs typeface="Times New Roman" panose="02020603050405020304" pitchFamily="18" charset="0"/>
+            </a:endParaRPr>
+          </a:p>
+        </p:txBody>
+      </p:sp>
+      <p:sp>
+        <p:nvSpPr>
+          <p:cNvPr id="122" name="矩形 121">
+            <a:extLst>
+              <a:ext uri="{FF2B5EF4-FFF2-40B4-BE49-F238E27FC236}">
+                <a16:creationId xmlns:a16="http://schemas.microsoft.com/office/drawing/2014/main" id="{7923B194-475F-46B3-B714-2C4BC5E1D03E}"/>
+              </a:ext>
+            </a:extLst>
+          </p:cNvPr>
+          <p:cNvSpPr/>
+          <p:nvPr/>
+        </p:nvSpPr>
+        <p:spPr>
+          <a:xfrm>
+            <a:off x="5912514" y="3481935"/>
+            <a:ext cx="421473" cy="334978"/>
+          </a:xfrm>
+          <a:prstGeom prst="rect">
+            <a:avLst/>
+          </a:prstGeom>
+        </p:spPr>
+        <p:style>
+          <a:lnRef idx="2">
+            <a:schemeClr val="dk1"/>
+          </a:lnRef>
+          <a:fillRef idx="1">
+            <a:schemeClr val="lt1"/>
+          </a:fillRef>
+          <a:effectRef idx="0">
+            <a:schemeClr val="dk1"/>
+          </a:effectRef>
+          <a:fontRef idx="minor">
+            <a:schemeClr val="dk1"/>
+          </a:fontRef>
+        </p:style>
+        <p:txBody>
+          <a:bodyPr rtlCol="0" anchor="ctr"/>
+          <a:lstStyle/>
+          <a:p>
+            <a:pPr algn="ctr"/>
+            <a:r>
+              <a:rPr lang="en-US" altLang="zh-CN" dirty="0">
+                <a:latin typeface="Times New Roman" panose="02020603050405020304" pitchFamily="18" charset="0"/>
+                <a:cs typeface="Times New Roman" panose="02020603050405020304" pitchFamily="18" charset="0"/>
+              </a:rPr>
+              <a:t>5</a:t>
+            </a:r>
+            <a:endParaRPr lang="zh-CN" altLang="en-US" dirty="0">
+              <a:latin typeface="Times New Roman" panose="02020603050405020304" pitchFamily="18" charset="0"/>
+              <a:cs typeface="Times New Roman" panose="02020603050405020304" pitchFamily="18" charset="0"/>
+            </a:endParaRPr>
+          </a:p>
+        </p:txBody>
+      </p:sp>
+      <p:sp>
+        <p:nvSpPr>
+          <p:cNvPr id="123" name="矩形 122">
+            <a:extLst>
+              <a:ext uri="{FF2B5EF4-FFF2-40B4-BE49-F238E27FC236}">
+                <a16:creationId xmlns:a16="http://schemas.microsoft.com/office/drawing/2014/main" id="{169378D5-FE51-48C3-AC6E-A8EBF4AFCD45}"/>
+              </a:ext>
+            </a:extLst>
+          </p:cNvPr>
+          <p:cNvSpPr/>
+          <p:nvPr/>
+        </p:nvSpPr>
+        <p:spPr>
+          <a:xfrm>
+            <a:off x="6781027" y="3481935"/>
+            <a:ext cx="421473" cy="334978"/>
+          </a:xfrm>
+          <a:prstGeom prst="rect">
+            <a:avLst/>
+          </a:prstGeom>
+        </p:spPr>
+        <p:style>
+          <a:lnRef idx="2">
+            <a:schemeClr val="dk1"/>
+          </a:lnRef>
+          <a:fillRef idx="1">
+            <a:schemeClr val="lt1"/>
+          </a:fillRef>
+          <a:effectRef idx="0">
+            <a:schemeClr val="dk1"/>
+          </a:effectRef>
+          <a:fontRef idx="minor">
+            <a:schemeClr val="dk1"/>
+          </a:fontRef>
+        </p:style>
+        <p:txBody>
+          <a:bodyPr rtlCol="0" anchor="ctr"/>
+          <a:lstStyle/>
+          <a:p>
+            <a:pPr algn="ctr"/>
+            <a:r>
+              <a:rPr lang="en-US" altLang="zh-CN" dirty="0">
+                <a:latin typeface="Times New Roman" panose="02020603050405020304" pitchFamily="18" charset="0"/>
+                <a:cs typeface="Times New Roman" panose="02020603050405020304" pitchFamily="18" charset="0"/>
+              </a:rPr>
+              <a:t>6</a:t>
+            </a:r>
+            <a:endParaRPr lang="zh-CN" altLang="en-US" dirty="0">
+              <a:latin typeface="Times New Roman" panose="02020603050405020304" pitchFamily="18" charset="0"/>
+              <a:cs typeface="Times New Roman" panose="02020603050405020304" pitchFamily="18" charset="0"/>
+            </a:endParaRPr>
+          </a:p>
+        </p:txBody>
+      </p:sp>
+      <p:sp>
+        <p:nvSpPr>
+          <p:cNvPr id="124" name="矩形 123">
+            <a:extLst>
+              <a:ext uri="{FF2B5EF4-FFF2-40B4-BE49-F238E27FC236}">
+                <a16:creationId xmlns:a16="http://schemas.microsoft.com/office/drawing/2014/main" id="{9F9DBB36-127C-4B6C-B5A7-7F1E251987CB}"/>
+              </a:ext>
+            </a:extLst>
+          </p:cNvPr>
+          <p:cNvSpPr/>
+          <p:nvPr/>
+        </p:nvSpPr>
+        <p:spPr>
+          <a:xfrm>
+            <a:off x="7649540" y="3481935"/>
+            <a:ext cx="421473" cy="334978"/>
+          </a:xfrm>
+          <a:prstGeom prst="rect">
+            <a:avLst/>
+          </a:prstGeom>
+        </p:spPr>
+        <p:style>
+          <a:lnRef idx="2">
+            <a:schemeClr val="dk1"/>
+          </a:lnRef>
+          <a:fillRef idx="1">
+            <a:schemeClr val="lt1"/>
+          </a:fillRef>
+          <a:effectRef idx="0">
+            <a:schemeClr val="dk1"/>
+          </a:effectRef>
+          <a:fontRef idx="minor">
+            <a:schemeClr val="dk1"/>
+          </a:fontRef>
+        </p:style>
+        <p:txBody>
+          <a:bodyPr rtlCol="0" anchor="ctr"/>
+          <a:lstStyle/>
+          <a:p>
+            <a:pPr algn="ctr"/>
+            <a:r>
+              <a:rPr lang="en-US" altLang="zh-CN" dirty="0">
+                <a:latin typeface="Times New Roman" panose="02020603050405020304" pitchFamily="18" charset="0"/>
+                <a:cs typeface="Times New Roman" panose="02020603050405020304" pitchFamily="18" charset="0"/>
+              </a:rPr>
+              <a:t>7</a:t>
+            </a:r>
+            <a:endParaRPr lang="zh-CN" altLang="en-US" dirty="0">
+              <a:latin typeface="Times New Roman" panose="02020603050405020304" pitchFamily="18" charset="0"/>
+              <a:cs typeface="Times New Roman" panose="02020603050405020304" pitchFamily="18" charset="0"/>
+            </a:endParaRPr>
+          </a:p>
+        </p:txBody>
+      </p:sp>
+      <p:sp>
+        <p:nvSpPr>
+          <p:cNvPr id="125" name="矩形 124">
+            <a:extLst>
+              <a:ext uri="{FF2B5EF4-FFF2-40B4-BE49-F238E27FC236}">
+                <a16:creationId xmlns:a16="http://schemas.microsoft.com/office/drawing/2014/main" id="{3E216240-C625-4777-949D-5B8C4AB2A585}"/>
+              </a:ext>
+            </a:extLst>
+          </p:cNvPr>
+          <p:cNvSpPr/>
+          <p:nvPr/>
+        </p:nvSpPr>
+        <p:spPr>
+          <a:xfrm>
+            <a:off x="8518053" y="3481935"/>
+            <a:ext cx="421473" cy="334978"/>
+          </a:xfrm>
+          <a:prstGeom prst="rect">
+            <a:avLst/>
+          </a:prstGeom>
+        </p:spPr>
+        <p:style>
+          <a:lnRef idx="2">
+            <a:schemeClr val="dk1"/>
+          </a:lnRef>
+          <a:fillRef idx="1">
+            <a:schemeClr val="lt1"/>
+          </a:fillRef>
+          <a:effectRef idx="0">
+            <a:schemeClr val="dk1"/>
+          </a:effectRef>
+          <a:fontRef idx="minor">
+            <a:schemeClr val="dk1"/>
+          </a:fontRef>
+        </p:style>
+        <p:txBody>
+          <a:bodyPr rtlCol="0" anchor="ctr"/>
+          <a:lstStyle/>
+          <a:p>
+            <a:pPr algn="ctr"/>
+            <a:r>
+              <a:rPr lang="en-US" altLang="zh-CN" dirty="0">
+                <a:latin typeface="Times New Roman" panose="02020603050405020304" pitchFamily="18" charset="0"/>
+                <a:cs typeface="Times New Roman" panose="02020603050405020304" pitchFamily="18" charset="0"/>
+              </a:rPr>
+              <a:t>8</a:t>
+            </a:r>
+            <a:endParaRPr lang="zh-CN" altLang="en-US" dirty="0">
+              <a:latin typeface="Times New Roman" panose="02020603050405020304" pitchFamily="18" charset="0"/>
+              <a:cs typeface="Times New Roman" panose="02020603050405020304" pitchFamily="18" charset="0"/>
+            </a:endParaRPr>
+          </a:p>
+        </p:txBody>
+      </p:sp>
+      <p:cxnSp>
+        <p:nvCxnSpPr>
+          <p:cNvPr id="126" name="直接箭头连接符 125">
+            <a:extLst>
+              <a:ext uri="{FF2B5EF4-FFF2-40B4-BE49-F238E27FC236}">
+                <a16:creationId xmlns:a16="http://schemas.microsoft.com/office/drawing/2014/main" id="{E8BE790D-C85A-49C3-834B-FECD3F4FB7B3}"/>
+              </a:ext>
+            </a:extLst>
+          </p:cNvPr>
+          <p:cNvCxnSpPr>
+            <a:cxnSpLocks/>
+            <a:stCxn id="119" idx="3"/>
+            <a:endCxn id="120" idx="1"/>
+          </p:cNvCxnSpPr>
+          <p:nvPr/>
+        </p:nvCxnSpPr>
+        <p:spPr>
+          <a:xfrm>
+            <a:off x="3728448" y="3649424"/>
+            <a:ext cx="447040" cy="0"/>
+          </a:xfrm>
+          <a:prstGeom prst="straightConnector1">
+            <a:avLst/>
+          </a:prstGeom>
+          <a:ln>
+            <a:solidFill>
+              <a:schemeClr val="accent6">
+                <a:lumMod val="75000"/>
+              </a:schemeClr>
+            </a:solidFill>
+            <a:headEnd type="triangle"/>
+            <a:tailEnd type="none"/>
+          </a:ln>
+        </p:spPr>
+        <p:style>
+          <a:lnRef idx="1">
+            <a:schemeClr val="dk1"/>
+          </a:lnRef>
+          <a:fillRef idx="0">
+            <a:schemeClr val="dk1"/>
+          </a:fillRef>
+          <a:effectRef idx="0">
+            <a:schemeClr val="dk1"/>
+          </a:effectRef>
+          <a:fontRef idx="minor">
+            <a:schemeClr val="tx1"/>
+          </a:fontRef>
+        </p:style>
+      </p:cxnSp>
+      <p:cxnSp>
+        <p:nvCxnSpPr>
+          <p:cNvPr id="128" name="直接箭头连接符 127">
+            <a:extLst>
+              <a:ext uri="{FF2B5EF4-FFF2-40B4-BE49-F238E27FC236}">
+                <a16:creationId xmlns:a16="http://schemas.microsoft.com/office/drawing/2014/main" id="{EA8AE19D-8DCE-452D-AA99-57021F46904E}"/>
+              </a:ext>
+            </a:extLst>
+          </p:cNvPr>
+          <p:cNvCxnSpPr>
+            <a:cxnSpLocks/>
+            <a:stCxn id="121" idx="3"/>
+            <a:endCxn id="122" idx="1"/>
+          </p:cNvCxnSpPr>
+          <p:nvPr/>
+        </p:nvCxnSpPr>
+        <p:spPr>
+          <a:xfrm>
+            <a:off x="5465474" y="3649424"/>
+            <a:ext cx="447040" cy="0"/>
+          </a:xfrm>
+          <a:prstGeom prst="straightConnector1">
+            <a:avLst/>
+          </a:prstGeom>
+          <a:ln>
+            <a:tailEnd type="triangle"/>
+          </a:ln>
+        </p:spPr>
+        <p:style>
+          <a:lnRef idx="1">
+            <a:schemeClr val="dk1"/>
+          </a:lnRef>
+          <a:fillRef idx="0">
+            <a:schemeClr val="dk1"/>
+          </a:fillRef>
+          <a:effectRef idx="0">
+            <a:schemeClr val="dk1"/>
+          </a:effectRef>
+          <a:fontRef idx="minor">
+            <a:schemeClr val="tx1"/>
+          </a:fontRef>
+        </p:style>
+      </p:cxnSp>
+      <p:cxnSp>
+        <p:nvCxnSpPr>
+          <p:cNvPr id="129" name="直接箭头连接符 128">
+            <a:extLst>
+              <a:ext uri="{FF2B5EF4-FFF2-40B4-BE49-F238E27FC236}">
+                <a16:creationId xmlns:a16="http://schemas.microsoft.com/office/drawing/2014/main" id="{3524491B-8A14-46F5-95E8-228617A11A9A}"/>
+              </a:ext>
+            </a:extLst>
+          </p:cNvPr>
+          <p:cNvCxnSpPr>
+            <a:cxnSpLocks/>
+            <a:stCxn id="122" idx="3"/>
+            <a:endCxn id="123" idx="1"/>
+          </p:cNvCxnSpPr>
+          <p:nvPr/>
+        </p:nvCxnSpPr>
+        <p:spPr>
+          <a:xfrm>
+            <a:off x="6333987" y="3649424"/>
+            <a:ext cx="447040" cy="0"/>
+          </a:xfrm>
+          <a:prstGeom prst="straightConnector1">
+            <a:avLst/>
+          </a:prstGeom>
+          <a:ln>
+            <a:tailEnd type="triangle"/>
+          </a:ln>
+        </p:spPr>
+        <p:style>
+          <a:lnRef idx="1">
+            <a:schemeClr val="dk1"/>
+          </a:lnRef>
+          <a:fillRef idx="0">
+            <a:schemeClr val="dk1"/>
+          </a:fillRef>
+          <a:effectRef idx="0">
+            <a:schemeClr val="dk1"/>
+          </a:effectRef>
+          <a:fontRef idx="minor">
+            <a:schemeClr val="tx1"/>
+          </a:fontRef>
+        </p:style>
+      </p:cxnSp>
+      <p:cxnSp>
+        <p:nvCxnSpPr>
+          <p:cNvPr id="130" name="直接箭头连接符 129">
+            <a:extLst>
+              <a:ext uri="{FF2B5EF4-FFF2-40B4-BE49-F238E27FC236}">
+                <a16:creationId xmlns:a16="http://schemas.microsoft.com/office/drawing/2014/main" id="{F64544E9-2744-4F18-A592-C7B2D47C561C}"/>
+              </a:ext>
+            </a:extLst>
+          </p:cNvPr>
+          <p:cNvCxnSpPr>
+            <a:cxnSpLocks/>
+            <a:stCxn id="123" idx="3"/>
+            <a:endCxn id="124" idx="1"/>
+          </p:cNvCxnSpPr>
+          <p:nvPr/>
+        </p:nvCxnSpPr>
+        <p:spPr>
+          <a:xfrm>
+            <a:off x="7202500" y="3649424"/>
+            <a:ext cx="447040" cy="0"/>
+          </a:xfrm>
+          <a:prstGeom prst="straightConnector1">
+            <a:avLst/>
+          </a:prstGeom>
+          <a:ln>
+            <a:tailEnd type="triangle"/>
+          </a:ln>
+        </p:spPr>
+        <p:style>
+          <a:lnRef idx="1">
+            <a:schemeClr val="dk1"/>
+          </a:lnRef>
+          <a:fillRef idx="0">
+            <a:schemeClr val="dk1"/>
+          </a:fillRef>
+          <a:effectRef idx="0">
+            <a:schemeClr val="dk1"/>
+          </a:effectRef>
+          <a:fontRef idx="minor">
+            <a:schemeClr val="tx1"/>
+          </a:fontRef>
+        </p:style>
+      </p:cxnSp>
+      <p:cxnSp>
+        <p:nvCxnSpPr>
+          <p:cNvPr id="131" name="直接箭头连接符 130">
+            <a:extLst>
+              <a:ext uri="{FF2B5EF4-FFF2-40B4-BE49-F238E27FC236}">
+                <a16:creationId xmlns:a16="http://schemas.microsoft.com/office/drawing/2014/main" id="{284A9EF8-F83B-4EAB-A974-67CC4E519738}"/>
+              </a:ext>
+            </a:extLst>
+          </p:cNvPr>
+          <p:cNvCxnSpPr>
+            <a:cxnSpLocks/>
+            <a:stCxn id="124" idx="3"/>
+            <a:endCxn id="125" idx="1"/>
+          </p:cNvCxnSpPr>
+          <p:nvPr/>
+        </p:nvCxnSpPr>
+        <p:spPr>
+          <a:xfrm>
+            <a:off x="8071013" y="3649424"/>
+            <a:ext cx="447040" cy="0"/>
+          </a:xfrm>
+          <a:prstGeom prst="straightConnector1">
+            <a:avLst/>
+          </a:prstGeom>
+          <a:ln>
+            <a:tailEnd type="triangle"/>
+          </a:ln>
+        </p:spPr>
+        <p:style>
+          <a:lnRef idx="1">
+            <a:schemeClr val="dk1"/>
+          </a:lnRef>
+          <a:fillRef idx="0">
+            <a:schemeClr val="dk1"/>
+          </a:fillRef>
+          <a:effectRef idx="0">
+            <a:schemeClr val="dk1"/>
+          </a:effectRef>
+          <a:fontRef idx="minor">
+            <a:schemeClr val="tx1"/>
+          </a:fontRef>
+        </p:style>
+      </p:cxnSp>
+      <p:sp>
+        <p:nvSpPr>
+          <p:cNvPr id="132" name="矩形 131">
+            <a:extLst>
+              <a:ext uri="{FF2B5EF4-FFF2-40B4-BE49-F238E27FC236}">
+                <a16:creationId xmlns:a16="http://schemas.microsoft.com/office/drawing/2014/main" id="{30E22607-96D2-470F-B3AC-24C1050F3330}"/>
+              </a:ext>
+            </a:extLst>
+          </p:cNvPr>
+          <p:cNvSpPr/>
+          <p:nvPr/>
+        </p:nvSpPr>
+        <p:spPr>
+          <a:xfrm>
+            <a:off x="2321287" y="3140831"/>
+            <a:ext cx="2387601" cy="939800"/>
+          </a:xfrm>
+          <a:prstGeom prst="rect">
+            <a:avLst/>
+          </a:prstGeom>
+          <a:noFill/>
+          <a:ln>
+            <a:prstDash val="dash"/>
+          </a:ln>
+        </p:spPr>
+        <p:style>
+          <a:lnRef idx="2">
+            <a:schemeClr val="dk1"/>
+          </a:lnRef>
+          <a:fillRef idx="1">
+            <a:schemeClr val="lt1"/>
+          </a:fillRef>
+          <a:effectRef idx="0">
+            <a:schemeClr val="dk1"/>
+          </a:effectRef>
+          <a:fontRef idx="minor">
+            <a:schemeClr val="dk1"/>
+          </a:fontRef>
+        </p:style>
+        <p:txBody>
+          <a:bodyPr rtlCol="0" anchor="ctr"/>
+          <a:lstStyle/>
+          <a:p>
+            <a:pPr algn="ctr"/>
+            <a:endParaRPr lang="zh-CN" altLang="en-US" dirty="0"/>
+          </a:p>
+        </p:txBody>
+      </p:sp>
+      <p:sp>
+        <p:nvSpPr>
+          <p:cNvPr id="133" name="矩形 132">
+            <a:extLst>
+              <a:ext uri="{FF2B5EF4-FFF2-40B4-BE49-F238E27FC236}">
+                <a16:creationId xmlns:a16="http://schemas.microsoft.com/office/drawing/2014/main" id="{0FC4ACE3-D180-43CA-B55A-7022A87F95A8}"/>
+              </a:ext>
+            </a:extLst>
+          </p:cNvPr>
+          <p:cNvSpPr/>
+          <p:nvPr/>
+        </p:nvSpPr>
+        <p:spPr>
+          <a:xfrm>
+            <a:off x="4929449" y="3140831"/>
+            <a:ext cx="2387601" cy="939800"/>
+          </a:xfrm>
+          <a:prstGeom prst="rect">
+            <a:avLst/>
+          </a:prstGeom>
+          <a:noFill/>
+          <a:ln>
+            <a:prstDash val="dash"/>
+          </a:ln>
+        </p:spPr>
+        <p:style>
+          <a:lnRef idx="2">
+            <a:schemeClr val="dk1"/>
+          </a:lnRef>
+          <a:fillRef idx="1">
+            <a:schemeClr val="lt1"/>
+          </a:fillRef>
+          <a:effectRef idx="0">
+            <a:schemeClr val="dk1"/>
+          </a:effectRef>
+          <a:fontRef idx="minor">
+            <a:schemeClr val="dk1"/>
+          </a:fontRef>
+        </p:style>
+        <p:txBody>
+          <a:bodyPr rtlCol="0" anchor="ctr"/>
+          <a:lstStyle/>
+          <a:p>
+            <a:pPr algn="ctr"/>
+            <a:endParaRPr lang="zh-CN" altLang="en-US" dirty="0"/>
+          </a:p>
+        </p:txBody>
+      </p:sp>
+      <p:sp>
+        <p:nvSpPr>
+          <p:cNvPr id="134" name="矩形 133">
+            <a:extLst>
+              <a:ext uri="{FF2B5EF4-FFF2-40B4-BE49-F238E27FC236}">
+                <a16:creationId xmlns:a16="http://schemas.microsoft.com/office/drawing/2014/main" id="{CC982513-F640-42D5-858A-DD580E9B365C}"/>
+              </a:ext>
+            </a:extLst>
+          </p:cNvPr>
+          <p:cNvSpPr/>
+          <p:nvPr/>
+        </p:nvSpPr>
+        <p:spPr>
+          <a:xfrm>
+            <a:off x="7534988" y="3140831"/>
+            <a:ext cx="2387601" cy="939800"/>
+          </a:xfrm>
+          <a:prstGeom prst="rect">
+            <a:avLst/>
+          </a:prstGeom>
+          <a:noFill/>
+          <a:ln>
+            <a:prstDash val="dash"/>
+          </a:ln>
+        </p:spPr>
+        <p:style>
+          <a:lnRef idx="2">
+            <a:schemeClr val="dk1"/>
+          </a:lnRef>
+          <a:fillRef idx="1">
+            <a:schemeClr val="lt1"/>
+          </a:fillRef>
+          <a:effectRef idx="0">
+            <a:schemeClr val="dk1"/>
+          </a:effectRef>
+          <a:fontRef idx="minor">
+            <a:schemeClr val="dk1"/>
+          </a:fontRef>
+        </p:style>
+        <p:txBody>
+          <a:bodyPr rtlCol="0" anchor="ctr"/>
+          <a:lstStyle/>
+          <a:p>
+            <a:pPr algn="ctr"/>
+            <a:endParaRPr lang="zh-CN" altLang="en-US" dirty="0"/>
+          </a:p>
+        </p:txBody>
+      </p:sp>
+      <p:grpSp>
+        <p:nvGrpSpPr>
+          <p:cNvPr id="135" name="组合 134">
+            <a:extLst>
+              <a:ext uri="{FF2B5EF4-FFF2-40B4-BE49-F238E27FC236}">
+                <a16:creationId xmlns:a16="http://schemas.microsoft.com/office/drawing/2014/main" id="{7B37188F-BFDB-47A2-A2B4-67E2517C369D}"/>
+              </a:ext>
+            </a:extLst>
+          </p:cNvPr>
+          <p:cNvGrpSpPr/>
+          <p:nvPr/>
+        </p:nvGrpSpPr>
+        <p:grpSpPr>
+          <a:xfrm>
+            <a:off x="2242052" y="3906691"/>
+            <a:ext cx="807184" cy="585143"/>
+            <a:chOff x="4053017" y="2779414"/>
+            <a:chExt cx="807184" cy="585143"/>
+          </a:xfrm>
+        </p:grpSpPr>
+        <p:sp>
+          <p:nvSpPr>
+            <p:cNvPr id="136" name="文本框 135">
+              <a:extLst>
+                <a:ext uri="{FF2B5EF4-FFF2-40B4-BE49-F238E27FC236}">
+                  <a16:creationId xmlns:a16="http://schemas.microsoft.com/office/drawing/2014/main" id="{6A3EBCE6-14C6-443B-B702-20505AAEB2CE}"/>
+                </a:ext>
+              </a:extLst>
+            </p:cNvPr>
+            <p:cNvSpPr txBox="1"/>
+            <p:nvPr/>
+          </p:nvSpPr>
+          <p:spPr>
+            <a:xfrm>
+              <a:off x="4053017" y="3087558"/>
+              <a:ext cx="807184" cy="276999"/>
+            </a:xfrm>
+            <a:prstGeom prst="rect">
+              <a:avLst/>
+            </a:prstGeom>
+            <a:noFill/>
+          </p:spPr>
+          <p:txBody>
+            <a:bodyPr wrap="square" lIns="0" tIns="0" rIns="0" bIns="0" rtlCol="0">
+              <a:spAutoFit/>
+            </a:bodyPr>
+            <a:lstStyle/>
+            <a:p>
+              <a:pPr algn="ctr"/>
+              <a:r>
+                <a:rPr lang="en-US" altLang="zh-CN" dirty="0">
+                  <a:latin typeface="Times New Roman" panose="02020603050405020304" pitchFamily="18" charset="0"/>
+                  <a:ea typeface="宋体" panose="02010600030101010101" pitchFamily="2" charset="-122"/>
+                </a:rPr>
+                <a:t>start</a:t>
+              </a:r>
+              <a:endParaRPr lang="zh-CN" altLang="en-US" dirty="0">
+                <a:latin typeface="Times New Roman" panose="02020603050405020304" pitchFamily="18" charset="0"/>
+                <a:ea typeface="宋体" panose="02010600030101010101" pitchFamily="2" charset="-122"/>
+              </a:endParaRPr>
+            </a:p>
+          </p:txBody>
+        </p:sp>
+        <p:cxnSp>
+          <p:nvCxnSpPr>
+            <p:cNvPr id="137" name="直接箭头连接符 136">
+              <a:extLst>
+                <a:ext uri="{FF2B5EF4-FFF2-40B4-BE49-F238E27FC236}">
+                  <a16:creationId xmlns:a16="http://schemas.microsoft.com/office/drawing/2014/main" id="{0F5DE3C1-2C6C-4F76-A8D6-4EA96B1A3200}"/>
+                </a:ext>
+              </a:extLst>
+            </p:cNvPr>
+            <p:cNvCxnSpPr>
+              <a:cxnSpLocks/>
+            </p:cNvCxnSpPr>
+            <p:nvPr/>
+          </p:nvCxnSpPr>
+          <p:spPr>
+            <a:xfrm flipV="1">
+              <a:off x="4452796" y="2779414"/>
+              <a:ext cx="0" cy="308144"/>
+            </a:xfrm>
+            <a:prstGeom prst="straightConnector1">
+              <a:avLst/>
+            </a:prstGeom>
+            <a:ln>
+              <a:tailEnd type="triangle"/>
+            </a:ln>
+          </p:spPr>
+          <p:style>
+            <a:lnRef idx="1">
+              <a:schemeClr val="dk1"/>
+            </a:lnRef>
+            <a:fillRef idx="0">
+              <a:schemeClr val="dk1"/>
+            </a:fillRef>
+            <a:effectRef idx="0">
+              <a:schemeClr val="dk1"/>
+            </a:effectRef>
+            <a:fontRef idx="minor">
+              <a:schemeClr val="tx1"/>
+            </a:fontRef>
+          </p:style>
+        </p:cxnSp>
+      </p:grpSp>
+      <p:sp>
+        <p:nvSpPr>
+          <p:cNvPr id="138" name="矩形 137">
+            <a:extLst>
+              <a:ext uri="{FF2B5EF4-FFF2-40B4-BE49-F238E27FC236}">
+                <a16:creationId xmlns:a16="http://schemas.microsoft.com/office/drawing/2014/main" id="{0B5FAAE8-0FBA-4F05-B871-CAE8C2BFA370}"/>
+              </a:ext>
+            </a:extLst>
+          </p:cNvPr>
+          <p:cNvSpPr/>
+          <p:nvPr/>
+        </p:nvSpPr>
+        <p:spPr>
+          <a:xfrm>
+            <a:off x="1377960" y="3481935"/>
+            <a:ext cx="521854" cy="334978"/>
+          </a:xfrm>
+          <a:prstGeom prst="rect">
+            <a:avLst/>
+          </a:prstGeom>
+          <a:ln>
+            <a:prstDash val="dash"/>
+          </a:ln>
+        </p:spPr>
+        <p:style>
+          <a:lnRef idx="2">
+            <a:schemeClr val="dk1"/>
+          </a:lnRef>
+          <a:fillRef idx="1">
+            <a:schemeClr val="lt1"/>
+          </a:fillRef>
+          <a:effectRef idx="0">
+            <a:schemeClr val="dk1"/>
+          </a:effectRef>
+          <a:fontRef idx="minor">
+            <a:schemeClr val="dk1"/>
+          </a:fontRef>
+        </p:style>
+        <p:txBody>
+          <a:bodyPr lIns="36000" rIns="36000" rtlCol="0" anchor="ctr"/>
+          <a:lstStyle/>
+          <a:p>
+            <a:pPr algn="ctr"/>
+            <a:r>
+              <a:rPr lang="en-US" altLang="zh-CN" dirty="0" err="1">
+                <a:latin typeface="Times New Roman" panose="02020603050405020304" pitchFamily="18" charset="0"/>
+                <a:cs typeface="Times New Roman" panose="02020603050405020304" pitchFamily="18" charset="0"/>
+              </a:rPr>
+              <a:t>dum</a:t>
+            </a:r>
+            <a:endParaRPr lang="zh-CN" altLang="en-US" dirty="0">
+              <a:latin typeface="Times New Roman" panose="02020603050405020304" pitchFamily="18" charset="0"/>
+              <a:cs typeface="Times New Roman" panose="02020603050405020304" pitchFamily="18" charset="0"/>
+            </a:endParaRPr>
+          </a:p>
+        </p:txBody>
+      </p:sp>
+      <p:sp>
+        <p:nvSpPr>
+          <p:cNvPr id="139" name="矩形 138">
+            <a:extLst>
+              <a:ext uri="{FF2B5EF4-FFF2-40B4-BE49-F238E27FC236}">
+                <a16:creationId xmlns:a16="http://schemas.microsoft.com/office/drawing/2014/main" id="{B248A92D-8106-445B-9E99-F3E77D519986}"/>
+              </a:ext>
+            </a:extLst>
+          </p:cNvPr>
+          <p:cNvSpPr/>
+          <p:nvPr/>
+        </p:nvSpPr>
+        <p:spPr>
+          <a:xfrm>
+            <a:off x="9386566" y="3481935"/>
+            <a:ext cx="421473" cy="334978"/>
+          </a:xfrm>
+          <a:prstGeom prst="rect">
+            <a:avLst/>
+          </a:prstGeom>
+          <a:ln>
+            <a:prstDash val="dash"/>
+          </a:ln>
+        </p:spPr>
+        <p:style>
+          <a:lnRef idx="2">
+            <a:schemeClr val="dk1"/>
+          </a:lnRef>
+          <a:fillRef idx="1">
+            <a:schemeClr val="lt1"/>
+          </a:fillRef>
+          <a:effectRef idx="0">
+            <a:schemeClr val="dk1"/>
+          </a:effectRef>
+          <a:fontRef idx="minor">
+            <a:schemeClr val="dk1"/>
+          </a:fontRef>
+        </p:style>
+        <p:txBody>
+          <a:bodyPr rtlCol="0" anchor="ctr"/>
+          <a:lstStyle/>
+          <a:p>
+            <a:pPr algn="ctr"/>
+            <a:endParaRPr lang="zh-CN" altLang="en-US" dirty="0">
+              <a:latin typeface="Times New Roman" panose="02020603050405020304" pitchFamily="18" charset="0"/>
+              <a:cs typeface="Times New Roman" panose="02020603050405020304" pitchFamily="18" charset="0"/>
+            </a:endParaRPr>
+          </a:p>
+        </p:txBody>
+      </p:sp>
+      <p:grpSp>
+        <p:nvGrpSpPr>
+          <p:cNvPr id="140" name="组合 139">
+            <a:extLst>
+              <a:ext uri="{FF2B5EF4-FFF2-40B4-BE49-F238E27FC236}">
+                <a16:creationId xmlns:a16="http://schemas.microsoft.com/office/drawing/2014/main" id="{B9BCEB2D-FDEC-49CC-AF2E-E52F5B99C564}"/>
+              </a:ext>
+            </a:extLst>
+          </p:cNvPr>
+          <p:cNvGrpSpPr/>
+          <p:nvPr/>
+        </p:nvGrpSpPr>
+        <p:grpSpPr>
+          <a:xfrm>
+            <a:off x="3982632" y="3906691"/>
+            <a:ext cx="807184" cy="585143"/>
+            <a:chOff x="4053017" y="2779414"/>
+            <a:chExt cx="807184" cy="585143"/>
+          </a:xfrm>
+        </p:grpSpPr>
+        <p:sp>
+          <p:nvSpPr>
+            <p:cNvPr id="141" name="文本框 140">
+              <a:extLst>
+                <a:ext uri="{FF2B5EF4-FFF2-40B4-BE49-F238E27FC236}">
+                  <a16:creationId xmlns:a16="http://schemas.microsoft.com/office/drawing/2014/main" id="{9513AD9F-D76D-43C3-956D-BE7559F257AE}"/>
+                </a:ext>
+              </a:extLst>
+            </p:cNvPr>
+            <p:cNvSpPr txBox="1"/>
+            <p:nvPr/>
+          </p:nvSpPr>
+          <p:spPr>
+            <a:xfrm>
+              <a:off x="4053017" y="3087558"/>
+              <a:ext cx="807184" cy="276999"/>
+            </a:xfrm>
+            <a:prstGeom prst="rect">
+              <a:avLst/>
+            </a:prstGeom>
+            <a:noFill/>
+          </p:spPr>
+          <p:txBody>
+            <a:bodyPr wrap="square" lIns="0" tIns="0" rIns="0" bIns="0" rtlCol="0">
+              <a:spAutoFit/>
+            </a:bodyPr>
+            <a:lstStyle/>
+            <a:p>
+              <a:pPr algn="ctr"/>
+              <a:r>
+                <a:rPr lang="en-US" altLang="zh-CN" dirty="0">
+                  <a:solidFill>
+                    <a:srgbClr val="FF0000"/>
+                  </a:solidFill>
+                  <a:latin typeface="Times New Roman" panose="02020603050405020304" pitchFamily="18" charset="0"/>
+                  <a:ea typeface="宋体" panose="02010600030101010101" pitchFamily="2" charset="-122"/>
+                </a:rPr>
+                <a:t>end</a:t>
+              </a:r>
+              <a:endParaRPr lang="zh-CN" altLang="en-US" dirty="0">
+                <a:solidFill>
+                  <a:srgbClr val="FF0000"/>
+                </a:solidFill>
+                <a:latin typeface="Times New Roman" panose="02020603050405020304" pitchFamily="18" charset="0"/>
+                <a:ea typeface="宋体" panose="02010600030101010101" pitchFamily="2" charset="-122"/>
+              </a:endParaRPr>
+            </a:p>
+          </p:txBody>
+        </p:sp>
+        <p:cxnSp>
+          <p:nvCxnSpPr>
+            <p:cNvPr id="142" name="直接箭头连接符 141">
+              <a:extLst>
+                <a:ext uri="{FF2B5EF4-FFF2-40B4-BE49-F238E27FC236}">
+                  <a16:creationId xmlns:a16="http://schemas.microsoft.com/office/drawing/2014/main" id="{E98D95EA-E737-4210-84D5-DCFC848EB360}"/>
+                </a:ext>
+              </a:extLst>
+            </p:cNvPr>
+            <p:cNvCxnSpPr>
+              <a:cxnSpLocks/>
+            </p:cNvCxnSpPr>
+            <p:nvPr/>
+          </p:nvCxnSpPr>
+          <p:spPr>
+            <a:xfrm flipV="1">
+              <a:off x="4452796" y="2779414"/>
+              <a:ext cx="0" cy="308144"/>
+            </a:xfrm>
+            <a:prstGeom prst="straightConnector1">
+              <a:avLst/>
+            </a:prstGeom>
+            <a:ln>
+              <a:solidFill>
+                <a:srgbClr val="FF0000"/>
+              </a:solidFill>
+              <a:tailEnd type="triangle"/>
+            </a:ln>
+          </p:spPr>
+          <p:style>
+            <a:lnRef idx="1">
+              <a:schemeClr val="dk1"/>
+            </a:lnRef>
+            <a:fillRef idx="0">
+              <a:schemeClr val="dk1"/>
+            </a:fillRef>
+            <a:effectRef idx="0">
+              <a:schemeClr val="dk1"/>
+            </a:effectRef>
+            <a:fontRef idx="minor">
+              <a:schemeClr val="tx1"/>
+            </a:fontRef>
+          </p:style>
+        </p:cxnSp>
+      </p:grpSp>
+      <p:grpSp>
+        <p:nvGrpSpPr>
+          <p:cNvPr id="143" name="组合 142">
+            <a:extLst>
+              <a:ext uri="{FF2B5EF4-FFF2-40B4-BE49-F238E27FC236}">
+                <a16:creationId xmlns:a16="http://schemas.microsoft.com/office/drawing/2014/main" id="{AD091AF6-8870-4CB2-916C-49511FF19091}"/>
+              </a:ext>
+            </a:extLst>
+          </p:cNvPr>
+          <p:cNvGrpSpPr/>
+          <p:nvPr/>
+        </p:nvGrpSpPr>
+        <p:grpSpPr>
+          <a:xfrm>
+            <a:off x="1231166" y="3922263"/>
+            <a:ext cx="807184" cy="585143"/>
+            <a:chOff x="4053017" y="2779414"/>
+            <a:chExt cx="807184" cy="585143"/>
+          </a:xfrm>
+        </p:grpSpPr>
+        <p:sp>
+          <p:nvSpPr>
+            <p:cNvPr id="144" name="文本框 143">
+              <a:extLst>
+                <a:ext uri="{FF2B5EF4-FFF2-40B4-BE49-F238E27FC236}">
+                  <a16:creationId xmlns:a16="http://schemas.microsoft.com/office/drawing/2014/main" id="{C37CE07B-C494-4AED-B7E7-C86133680899}"/>
+                </a:ext>
+              </a:extLst>
+            </p:cNvPr>
+            <p:cNvSpPr txBox="1"/>
+            <p:nvPr/>
+          </p:nvSpPr>
+          <p:spPr>
+            <a:xfrm>
+              <a:off x="4053017" y="3087558"/>
+              <a:ext cx="807184" cy="276999"/>
+            </a:xfrm>
+            <a:prstGeom prst="rect">
+              <a:avLst/>
+            </a:prstGeom>
+            <a:noFill/>
+          </p:spPr>
+          <p:txBody>
+            <a:bodyPr wrap="square" lIns="0" tIns="0" rIns="0" bIns="0" rtlCol="0">
+              <a:spAutoFit/>
+            </a:bodyPr>
+            <a:lstStyle/>
+            <a:p>
+              <a:pPr algn="ctr"/>
+              <a:r>
+                <a:rPr lang="en-US" altLang="zh-CN" dirty="0">
+                  <a:solidFill>
+                    <a:srgbClr val="FF0000"/>
+                  </a:solidFill>
+                  <a:latin typeface="Times New Roman" panose="02020603050405020304" pitchFamily="18" charset="0"/>
+                  <a:ea typeface="宋体" panose="02010600030101010101" pitchFamily="2" charset="-122"/>
+                </a:rPr>
+                <a:t>pre</a:t>
+              </a:r>
+              <a:endParaRPr lang="zh-CN" altLang="en-US" dirty="0">
+                <a:solidFill>
+                  <a:srgbClr val="FF0000"/>
+                </a:solidFill>
+                <a:latin typeface="Times New Roman" panose="02020603050405020304" pitchFamily="18" charset="0"/>
+                <a:ea typeface="宋体" panose="02010600030101010101" pitchFamily="2" charset="-122"/>
+              </a:endParaRPr>
+            </a:p>
+          </p:txBody>
+        </p:sp>
+        <p:cxnSp>
+          <p:nvCxnSpPr>
+            <p:cNvPr id="145" name="直接箭头连接符 144">
+              <a:extLst>
+                <a:ext uri="{FF2B5EF4-FFF2-40B4-BE49-F238E27FC236}">
+                  <a16:creationId xmlns:a16="http://schemas.microsoft.com/office/drawing/2014/main" id="{559CD69E-60E8-4856-B7B1-1D18095A3616}"/>
+                </a:ext>
+              </a:extLst>
+            </p:cNvPr>
+            <p:cNvCxnSpPr>
+              <a:cxnSpLocks/>
+            </p:cNvCxnSpPr>
+            <p:nvPr/>
+          </p:nvCxnSpPr>
+          <p:spPr>
+            <a:xfrm flipV="1">
+              <a:off x="4452796" y="2779414"/>
+              <a:ext cx="0" cy="308144"/>
+            </a:xfrm>
+            <a:prstGeom prst="straightConnector1">
+              <a:avLst/>
+            </a:prstGeom>
+            <a:ln>
+              <a:solidFill>
+                <a:srgbClr val="FF0000"/>
+              </a:solidFill>
+              <a:tailEnd type="triangle"/>
+            </a:ln>
+          </p:spPr>
+          <p:style>
+            <a:lnRef idx="1">
+              <a:schemeClr val="dk1"/>
+            </a:lnRef>
+            <a:fillRef idx="0">
+              <a:schemeClr val="dk1"/>
+            </a:fillRef>
+            <a:effectRef idx="0">
+              <a:schemeClr val="dk1"/>
+            </a:effectRef>
+            <a:fontRef idx="minor">
+              <a:schemeClr val="tx1"/>
+            </a:fontRef>
+          </p:style>
+        </p:cxnSp>
+      </p:grpSp>
+      <p:grpSp>
+        <p:nvGrpSpPr>
+          <p:cNvPr id="146" name="组合 145">
+            <a:extLst>
+              <a:ext uri="{FF2B5EF4-FFF2-40B4-BE49-F238E27FC236}">
+                <a16:creationId xmlns:a16="http://schemas.microsoft.com/office/drawing/2014/main" id="{85BF44E2-4604-41C5-AEA6-EC98B3230637}"/>
+              </a:ext>
+            </a:extLst>
+          </p:cNvPr>
+          <p:cNvGrpSpPr/>
+          <p:nvPr/>
+        </p:nvGrpSpPr>
+        <p:grpSpPr>
+          <a:xfrm>
+            <a:off x="4851145" y="3906691"/>
+            <a:ext cx="807184" cy="585143"/>
+            <a:chOff x="4053017" y="2779414"/>
+            <a:chExt cx="807184" cy="585143"/>
+          </a:xfrm>
+        </p:grpSpPr>
+        <p:sp>
+          <p:nvSpPr>
+            <p:cNvPr id="147" name="文本框 146">
+              <a:extLst>
+                <a:ext uri="{FF2B5EF4-FFF2-40B4-BE49-F238E27FC236}">
+                  <a16:creationId xmlns:a16="http://schemas.microsoft.com/office/drawing/2014/main" id="{53D6B40B-7AE3-4722-A740-BCEC122F694E}"/>
+                </a:ext>
+              </a:extLst>
+            </p:cNvPr>
+            <p:cNvSpPr txBox="1"/>
+            <p:nvPr/>
+          </p:nvSpPr>
+          <p:spPr>
+            <a:xfrm>
+              <a:off x="4053017" y="3087558"/>
+              <a:ext cx="807184" cy="276999"/>
+            </a:xfrm>
+            <a:prstGeom prst="rect">
+              <a:avLst/>
+            </a:prstGeom>
+            <a:noFill/>
+          </p:spPr>
+          <p:txBody>
+            <a:bodyPr wrap="square" lIns="0" tIns="0" rIns="0" bIns="0" rtlCol="0">
+              <a:spAutoFit/>
+            </a:bodyPr>
+            <a:lstStyle/>
+            <a:p>
+              <a:pPr algn="ctr"/>
+              <a:r>
+                <a:rPr lang="en-US" altLang="zh-CN" dirty="0">
+                  <a:latin typeface="Times New Roman" panose="02020603050405020304" pitchFamily="18" charset="0"/>
+                  <a:ea typeface="宋体" panose="02010600030101010101" pitchFamily="2" charset="-122"/>
+                </a:rPr>
+                <a:t>next</a:t>
+              </a:r>
+              <a:endParaRPr lang="zh-CN" altLang="en-US" dirty="0">
+                <a:latin typeface="Times New Roman" panose="02020603050405020304" pitchFamily="18" charset="0"/>
+                <a:ea typeface="宋体" panose="02010600030101010101" pitchFamily="2" charset="-122"/>
+              </a:endParaRPr>
+            </a:p>
+          </p:txBody>
+        </p:sp>
+        <p:cxnSp>
+          <p:nvCxnSpPr>
+            <p:cNvPr id="148" name="直接箭头连接符 147">
+              <a:extLst>
+                <a:ext uri="{FF2B5EF4-FFF2-40B4-BE49-F238E27FC236}">
+                  <a16:creationId xmlns:a16="http://schemas.microsoft.com/office/drawing/2014/main" id="{BC79F40D-3B8C-4C7F-8115-0F441973C396}"/>
+                </a:ext>
+              </a:extLst>
+            </p:cNvPr>
+            <p:cNvCxnSpPr>
+              <a:cxnSpLocks/>
+            </p:cNvCxnSpPr>
+            <p:nvPr/>
+          </p:nvCxnSpPr>
+          <p:spPr>
+            <a:xfrm flipV="1">
+              <a:off x="4452796" y="2779414"/>
+              <a:ext cx="0" cy="308144"/>
+            </a:xfrm>
+            <a:prstGeom prst="straightConnector1">
+              <a:avLst/>
+            </a:prstGeom>
+            <a:ln>
+              <a:tailEnd type="triangle"/>
+            </a:ln>
+          </p:spPr>
+          <p:style>
+            <a:lnRef idx="1">
+              <a:schemeClr val="dk1"/>
+            </a:lnRef>
+            <a:fillRef idx="0">
+              <a:schemeClr val="dk1"/>
+            </a:fillRef>
+            <a:effectRef idx="0">
+              <a:schemeClr val="dk1"/>
+            </a:effectRef>
+            <a:fontRef idx="minor">
+              <a:schemeClr val="tx1"/>
+            </a:fontRef>
+          </p:style>
+        </p:cxnSp>
+      </p:grpSp>
+      <p:cxnSp>
+        <p:nvCxnSpPr>
+          <p:cNvPr id="150" name="连接符: 曲线 149">
+            <a:extLst>
+              <a:ext uri="{FF2B5EF4-FFF2-40B4-BE49-F238E27FC236}">
+                <a16:creationId xmlns:a16="http://schemas.microsoft.com/office/drawing/2014/main" id="{59996FA9-2CD4-44C9-BB27-5780719562F1}"/>
+              </a:ext>
+            </a:extLst>
+          </p:cNvPr>
+          <p:cNvCxnSpPr>
+            <a:cxnSpLocks/>
+            <a:stCxn id="138" idx="0"/>
+            <a:endCxn id="120" idx="0"/>
+          </p:cNvCxnSpPr>
+          <p:nvPr/>
+        </p:nvCxnSpPr>
+        <p:spPr>
+          <a:xfrm rot="5400000" flipH="1" flipV="1">
+            <a:off x="3012556" y="2108266"/>
+            <a:ext cx="12700" cy="2747338"/>
+          </a:xfrm>
+          <a:prstGeom prst="curvedConnector3">
+            <a:avLst>
+              <a:gd name="adj1" fmla="val 2800000"/>
+            </a:avLst>
+          </a:prstGeom>
+          <a:ln w="19050">
+            <a:solidFill>
+              <a:schemeClr val="accent6">
+                <a:lumMod val="75000"/>
+              </a:schemeClr>
+            </a:solidFill>
+            <a:tailEnd type="triangle"/>
+          </a:ln>
+        </p:spPr>
+        <p:style>
+          <a:lnRef idx="1">
+            <a:schemeClr val="dk1"/>
+          </a:lnRef>
+          <a:fillRef idx="0">
+            <a:schemeClr val="dk1"/>
+          </a:fillRef>
+          <a:effectRef idx="0">
+            <a:schemeClr val="dk1"/>
+          </a:effectRef>
+          <a:fontRef idx="minor">
+            <a:schemeClr val="tx1"/>
+          </a:fontRef>
+        </p:style>
+      </p:cxnSp>
+      <p:cxnSp>
+        <p:nvCxnSpPr>
+          <p:cNvPr id="158" name="连接符: 曲线 157">
+            <a:extLst>
+              <a:ext uri="{FF2B5EF4-FFF2-40B4-BE49-F238E27FC236}">
+                <a16:creationId xmlns:a16="http://schemas.microsoft.com/office/drawing/2014/main" id="{D8B56CAB-A686-43AE-B66B-74E7EDAA3090}"/>
+              </a:ext>
+            </a:extLst>
+          </p:cNvPr>
+          <p:cNvCxnSpPr>
+            <a:cxnSpLocks/>
+            <a:stCxn id="117" idx="2"/>
+            <a:endCxn id="121" idx="2"/>
+          </p:cNvCxnSpPr>
+          <p:nvPr/>
+        </p:nvCxnSpPr>
+        <p:spPr>
+          <a:xfrm rot="16200000" flipH="1">
+            <a:off x="3950191" y="2512366"/>
+            <a:ext cx="12700" cy="2609093"/>
+          </a:xfrm>
+          <a:prstGeom prst="curvedConnector3">
+            <a:avLst>
+              <a:gd name="adj1" fmla="val 2933346"/>
+            </a:avLst>
+          </a:prstGeom>
+          <a:ln w="19050">
+            <a:solidFill>
+              <a:srgbClr val="00B050"/>
+            </a:solidFill>
+            <a:tailEnd type="triangle"/>
+          </a:ln>
+        </p:spPr>
+        <p:style>
+          <a:lnRef idx="1">
+            <a:schemeClr val="dk1"/>
+          </a:lnRef>
+          <a:fillRef idx="0">
+            <a:schemeClr val="dk1"/>
+          </a:fillRef>
+          <a:effectRef idx="0">
+            <a:schemeClr val="dk1"/>
+          </a:effectRef>
+          <a:fontRef idx="minor">
+            <a:schemeClr val="tx1"/>
+          </a:fontRef>
+        </p:style>
+      </p:cxnSp>
+      <p:grpSp>
+        <p:nvGrpSpPr>
+          <p:cNvPr id="166" name="组合 165">
+            <a:extLst>
+              <a:ext uri="{FF2B5EF4-FFF2-40B4-BE49-F238E27FC236}">
+                <a16:creationId xmlns:a16="http://schemas.microsoft.com/office/drawing/2014/main" id="{96242440-2024-42BF-932D-89F9134449D6}"/>
+              </a:ext>
+            </a:extLst>
+          </p:cNvPr>
+          <p:cNvGrpSpPr/>
+          <p:nvPr/>
+        </p:nvGrpSpPr>
+        <p:grpSpPr>
+          <a:xfrm>
+            <a:off x="2242052" y="4622915"/>
+            <a:ext cx="409942" cy="585143"/>
+            <a:chOff x="4256719" y="2779414"/>
+            <a:chExt cx="409942" cy="585143"/>
+          </a:xfrm>
+        </p:grpSpPr>
+        <p:sp>
+          <p:nvSpPr>
+            <p:cNvPr id="167" name="文本框 166">
+              <a:extLst>
+                <a:ext uri="{FF2B5EF4-FFF2-40B4-BE49-F238E27FC236}">
+                  <a16:creationId xmlns:a16="http://schemas.microsoft.com/office/drawing/2014/main" id="{88C433A5-9AC4-44A2-B268-5CF970D0ABF6}"/>
+                </a:ext>
+              </a:extLst>
+            </p:cNvPr>
+            <p:cNvSpPr txBox="1"/>
+            <p:nvPr/>
+          </p:nvSpPr>
+          <p:spPr>
+            <a:xfrm>
+              <a:off x="4256719" y="3087558"/>
+              <a:ext cx="409942" cy="276999"/>
+            </a:xfrm>
+            <a:prstGeom prst="rect">
+              <a:avLst/>
+            </a:prstGeom>
+            <a:noFill/>
+          </p:spPr>
+          <p:txBody>
+            <a:bodyPr wrap="square" lIns="0" tIns="0" rIns="0" bIns="0" rtlCol="0">
+              <a:spAutoFit/>
+            </a:bodyPr>
+            <a:lstStyle/>
+            <a:p>
+              <a:pPr algn="ctr"/>
+              <a:r>
+                <a:rPr lang="en-US" altLang="zh-CN" dirty="0">
+                  <a:solidFill>
+                    <a:srgbClr val="00B0F0"/>
+                  </a:solidFill>
+                  <a:latin typeface="Times New Roman" panose="02020603050405020304" pitchFamily="18" charset="0"/>
+                  <a:ea typeface="宋体" panose="02010600030101010101" pitchFamily="2" charset="-122"/>
+                </a:rPr>
+                <a:t>pre</a:t>
+              </a:r>
+              <a:endParaRPr lang="zh-CN" altLang="en-US" dirty="0">
+                <a:solidFill>
+                  <a:srgbClr val="00B0F0"/>
+                </a:solidFill>
+                <a:latin typeface="Times New Roman" panose="02020603050405020304" pitchFamily="18" charset="0"/>
+                <a:ea typeface="宋体" panose="02010600030101010101" pitchFamily="2" charset="-122"/>
+              </a:endParaRPr>
+            </a:p>
+          </p:txBody>
+        </p:sp>
+        <p:cxnSp>
+          <p:nvCxnSpPr>
+            <p:cNvPr id="168" name="直接箭头连接符 167">
+              <a:extLst>
+                <a:ext uri="{FF2B5EF4-FFF2-40B4-BE49-F238E27FC236}">
+                  <a16:creationId xmlns:a16="http://schemas.microsoft.com/office/drawing/2014/main" id="{E5A4C745-B1AC-4DEF-A1F0-651FEE177228}"/>
+                </a:ext>
+              </a:extLst>
+            </p:cNvPr>
+            <p:cNvCxnSpPr>
+              <a:cxnSpLocks/>
+            </p:cNvCxnSpPr>
+            <p:nvPr/>
+          </p:nvCxnSpPr>
+          <p:spPr>
+            <a:xfrm flipV="1">
+              <a:off x="4452796" y="2779414"/>
+              <a:ext cx="0" cy="308144"/>
+            </a:xfrm>
+            <a:prstGeom prst="straightConnector1">
+              <a:avLst/>
+            </a:prstGeom>
+            <a:ln>
+              <a:solidFill>
+                <a:srgbClr val="00B0F0"/>
+              </a:solidFill>
+              <a:tailEnd type="triangle"/>
+            </a:ln>
+          </p:spPr>
+          <p:style>
+            <a:lnRef idx="1">
+              <a:schemeClr val="dk1"/>
+            </a:lnRef>
+            <a:fillRef idx="0">
+              <a:schemeClr val="dk1"/>
+            </a:fillRef>
+            <a:effectRef idx="0">
+              <a:schemeClr val="dk1"/>
+            </a:effectRef>
+            <a:fontRef idx="minor">
+              <a:schemeClr val="tx1"/>
+            </a:fontRef>
+          </p:style>
+        </p:cxnSp>
+      </p:grpSp>
+      <p:grpSp>
+        <p:nvGrpSpPr>
+          <p:cNvPr id="169" name="组合 168">
+            <a:extLst>
+              <a:ext uri="{FF2B5EF4-FFF2-40B4-BE49-F238E27FC236}">
+                <a16:creationId xmlns:a16="http://schemas.microsoft.com/office/drawing/2014/main" id="{AD450E07-4EE7-419F-8DD1-7416A01A07A4}"/>
+              </a:ext>
+            </a:extLst>
+          </p:cNvPr>
+          <p:cNvGrpSpPr/>
+          <p:nvPr/>
+        </p:nvGrpSpPr>
+        <p:grpSpPr>
+          <a:xfrm>
+            <a:off x="2672972" y="4622915"/>
+            <a:ext cx="409942" cy="585143"/>
+            <a:chOff x="4250706" y="2779414"/>
+            <a:chExt cx="409942" cy="585143"/>
+          </a:xfrm>
+        </p:grpSpPr>
+        <p:sp>
+          <p:nvSpPr>
+            <p:cNvPr id="170" name="文本框 169">
+              <a:extLst>
+                <a:ext uri="{FF2B5EF4-FFF2-40B4-BE49-F238E27FC236}">
+                  <a16:creationId xmlns:a16="http://schemas.microsoft.com/office/drawing/2014/main" id="{05C48C29-B89E-4540-AF47-DC16FE3EE8E3}"/>
+                </a:ext>
+              </a:extLst>
+            </p:cNvPr>
+            <p:cNvSpPr txBox="1"/>
+            <p:nvPr/>
+          </p:nvSpPr>
+          <p:spPr>
+            <a:xfrm>
+              <a:off x="4250706" y="3087558"/>
+              <a:ext cx="409942" cy="276999"/>
+            </a:xfrm>
+            <a:prstGeom prst="rect">
+              <a:avLst/>
+            </a:prstGeom>
+            <a:noFill/>
+          </p:spPr>
+          <p:txBody>
+            <a:bodyPr wrap="square" lIns="0" tIns="0" rIns="0" bIns="0" rtlCol="0">
+              <a:spAutoFit/>
+            </a:bodyPr>
+            <a:lstStyle/>
+            <a:p>
+              <a:pPr algn="ctr"/>
+              <a:r>
+                <a:rPr lang="en-US" altLang="zh-CN" dirty="0">
+                  <a:solidFill>
+                    <a:srgbClr val="00B0F0"/>
+                  </a:solidFill>
+                  <a:latin typeface="Times New Roman" panose="02020603050405020304" pitchFamily="18" charset="0"/>
+                  <a:ea typeface="宋体" panose="02010600030101010101" pitchFamily="2" charset="-122"/>
+                </a:rPr>
+                <a:t>end</a:t>
+              </a:r>
+              <a:endParaRPr lang="zh-CN" altLang="en-US" dirty="0">
+                <a:solidFill>
+                  <a:srgbClr val="00B0F0"/>
+                </a:solidFill>
+                <a:latin typeface="Times New Roman" panose="02020603050405020304" pitchFamily="18" charset="0"/>
+                <a:ea typeface="宋体" panose="02010600030101010101" pitchFamily="2" charset="-122"/>
+              </a:endParaRPr>
+            </a:p>
+          </p:txBody>
+        </p:sp>
+        <p:cxnSp>
+          <p:nvCxnSpPr>
+            <p:cNvPr id="171" name="直接箭头连接符 170">
+              <a:extLst>
+                <a:ext uri="{FF2B5EF4-FFF2-40B4-BE49-F238E27FC236}">
+                  <a16:creationId xmlns:a16="http://schemas.microsoft.com/office/drawing/2014/main" id="{21D46AD4-B70E-4ECD-AAC1-D6F47FD1F0AF}"/>
+                </a:ext>
+              </a:extLst>
+            </p:cNvPr>
+            <p:cNvCxnSpPr>
+              <a:cxnSpLocks/>
+            </p:cNvCxnSpPr>
+            <p:nvPr/>
+          </p:nvCxnSpPr>
+          <p:spPr>
+            <a:xfrm flipV="1">
+              <a:off x="4452796" y="2779414"/>
+              <a:ext cx="0" cy="308144"/>
+            </a:xfrm>
+            <a:prstGeom prst="straightConnector1">
+              <a:avLst/>
+            </a:prstGeom>
+            <a:ln>
+              <a:solidFill>
+                <a:srgbClr val="00B0F0"/>
+              </a:solidFill>
+              <a:tailEnd type="triangle"/>
+            </a:ln>
+          </p:spPr>
+          <p:style>
+            <a:lnRef idx="1">
+              <a:schemeClr val="dk1"/>
+            </a:lnRef>
+            <a:fillRef idx="0">
+              <a:schemeClr val="dk1"/>
+            </a:fillRef>
+            <a:effectRef idx="0">
+              <a:schemeClr val="dk1"/>
+            </a:effectRef>
+            <a:fontRef idx="minor">
+              <a:schemeClr val="tx1"/>
+            </a:fontRef>
+          </p:style>
+        </p:cxnSp>
+      </p:grpSp>
+      <p:cxnSp>
+        <p:nvCxnSpPr>
+          <p:cNvPr id="172" name="连接符: 曲线 171">
+            <a:extLst>
+              <a:ext uri="{FF2B5EF4-FFF2-40B4-BE49-F238E27FC236}">
+                <a16:creationId xmlns:a16="http://schemas.microsoft.com/office/drawing/2014/main" id="{FAEC5DA7-9112-42CF-BE2C-8DB429D7DF1B}"/>
+              </a:ext>
+            </a:extLst>
+          </p:cNvPr>
+          <p:cNvCxnSpPr>
+            <a:cxnSpLocks/>
+            <a:stCxn id="144" idx="2"/>
+            <a:endCxn id="167" idx="1"/>
+          </p:cNvCxnSpPr>
+          <p:nvPr/>
+        </p:nvCxnSpPr>
+        <p:spPr>
+          <a:xfrm rot="16200000" flipH="1">
+            <a:off x="1657329" y="4484835"/>
+            <a:ext cx="562153" cy="607294"/>
+          </a:xfrm>
+          <a:prstGeom prst="curvedConnector2">
+            <a:avLst/>
+          </a:prstGeom>
+          <a:ln w="19050">
+            <a:solidFill>
+              <a:schemeClr val="accent2">
+                <a:lumMod val="60000"/>
+                <a:lumOff val="40000"/>
+              </a:schemeClr>
+            </a:solidFill>
+            <a:prstDash val="dash"/>
+            <a:tailEnd type="triangle"/>
+          </a:ln>
+        </p:spPr>
+        <p:style>
+          <a:lnRef idx="1">
+            <a:schemeClr val="dk1"/>
+          </a:lnRef>
+          <a:fillRef idx="0">
+            <a:schemeClr val="dk1"/>
+          </a:fillRef>
+          <a:effectRef idx="0">
+            <a:schemeClr val="dk1"/>
+          </a:effectRef>
+          <a:fontRef idx="minor">
+            <a:schemeClr val="tx1"/>
+          </a:fontRef>
+        </p:style>
+      </p:cxnSp>
+      <p:cxnSp>
+        <p:nvCxnSpPr>
+          <p:cNvPr id="175" name="连接符: 曲线 174">
+            <a:extLst>
+              <a:ext uri="{FF2B5EF4-FFF2-40B4-BE49-F238E27FC236}">
+                <a16:creationId xmlns:a16="http://schemas.microsoft.com/office/drawing/2014/main" id="{449CF007-BC77-41DE-AB90-A594B27355ED}"/>
+              </a:ext>
+            </a:extLst>
+          </p:cNvPr>
+          <p:cNvCxnSpPr>
+            <a:cxnSpLocks/>
+            <a:stCxn id="141" idx="2"/>
+            <a:endCxn id="170" idx="3"/>
+          </p:cNvCxnSpPr>
+          <p:nvPr/>
+        </p:nvCxnSpPr>
+        <p:spPr>
+          <a:xfrm rot="5400000">
+            <a:off x="3445707" y="4129041"/>
+            <a:ext cx="577725" cy="1303310"/>
+          </a:xfrm>
+          <a:prstGeom prst="curvedConnector2">
+            <a:avLst/>
+          </a:prstGeom>
+          <a:ln w="19050">
+            <a:solidFill>
+              <a:schemeClr val="accent2">
+                <a:lumMod val="60000"/>
+                <a:lumOff val="40000"/>
+              </a:schemeClr>
+            </a:solidFill>
+            <a:prstDash val="dash"/>
+            <a:tailEnd type="triangle"/>
+          </a:ln>
+        </p:spPr>
+        <p:style>
+          <a:lnRef idx="1">
+            <a:schemeClr val="dk1"/>
+          </a:lnRef>
+          <a:fillRef idx="0">
+            <a:schemeClr val="dk1"/>
+          </a:fillRef>
+          <a:effectRef idx="0">
+            <a:schemeClr val="dk1"/>
+          </a:effectRef>
+          <a:fontRef idx="minor">
+            <a:schemeClr val="tx1"/>
+          </a:fontRef>
+        </p:style>
+      </p:cxnSp>
+      <p:sp>
+        <p:nvSpPr>
+          <p:cNvPr id="183" name="文本框 182">
+            <a:extLst>
+              <a:ext uri="{FF2B5EF4-FFF2-40B4-BE49-F238E27FC236}">
+                <a16:creationId xmlns:a16="http://schemas.microsoft.com/office/drawing/2014/main" id="{DB69DBA1-3E15-43D7-A4AB-E51998E18AE4}"/>
+              </a:ext>
+            </a:extLst>
+          </p:cNvPr>
+          <p:cNvSpPr txBox="1"/>
+          <p:nvPr/>
+        </p:nvSpPr>
+        <p:spPr>
+          <a:xfrm>
+            <a:off x="3878009" y="4857827"/>
+            <a:ext cx="493784" cy="307777"/>
+          </a:xfrm>
+          <a:prstGeom prst="rect">
+            <a:avLst/>
+          </a:prstGeom>
+          <a:noFill/>
+        </p:spPr>
+        <p:txBody>
+          <a:bodyPr wrap="square" rtlCol="0">
+            <a:spAutoFit/>
+          </a:bodyPr>
+          <a:lstStyle/>
+          <a:p>
+            <a:pPr algn="ctr"/>
+            <a:r>
+              <a:rPr lang="zh-CN" altLang="en-US" sz="1400" dirty="0">
+                <a:latin typeface="Times New Roman" panose="02020603050405020304" pitchFamily="18" charset="0"/>
+                <a:ea typeface="宋体" panose="02010600030101010101" pitchFamily="2" charset="-122"/>
+              </a:rPr>
+              <a:t>④</a:t>
+            </a:r>
+          </a:p>
+        </p:txBody>
+      </p:sp>
+      <p:sp>
+        <p:nvSpPr>
+          <p:cNvPr id="184" name="文本框 183">
+            <a:extLst>
+              <a:ext uri="{FF2B5EF4-FFF2-40B4-BE49-F238E27FC236}">
+                <a16:creationId xmlns:a16="http://schemas.microsoft.com/office/drawing/2014/main" id="{5A435E73-F7B4-44C5-86CC-E5B2EB6E5C32}"/>
+              </a:ext>
+            </a:extLst>
+          </p:cNvPr>
+          <p:cNvSpPr txBox="1"/>
+          <p:nvPr/>
+        </p:nvSpPr>
+        <p:spPr>
+          <a:xfrm>
+            <a:off x="1398345" y="4841587"/>
+            <a:ext cx="493784" cy="307777"/>
+          </a:xfrm>
+          <a:prstGeom prst="rect">
+            <a:avLst/>
+          </a:prstGeom>
+          <a:noFill/>
+        </p:spPr>
+        <p:txBody>
+          <a:bodyPr wrap="square" rtlCol="0">
+            <a:spAutoFit/>
+          </a:bodyPr>
+          <a:lstStyle/>
+          <a:p>
+            <a:pPr algn="ctr"/>
+            <a:r>
+              <a:rPr lang="zh-CN" altLang="en-US" sz="1400" dirty="0">
+                <a:latin typeface="Times New Roman" panose="02020603050405020304" pitchFamily="18" charset="0"/>
+                <a:ea typeface="宋体" panose="02010600030101010101" pitchFamily="2" charset="-122"/>
+              </a:rPr>
+              <a:t>④</a:t>
+            </a:r>
+          </a:p>
+        </p:txBody>
+      </p:sp>
+      <p:sp>
+        <p:nvSpPr>
+          <p:cNvPr id="185" name="文本框 184">
+            <a:extLst>
+              <a:ext uri="{FF2B5EF4-FFF2-40B4-BE49-F238E27FC236}">
+                <a16:creationId xmlns:a16="http://schemas.microsoft.com/office/drawing/2014/main" id="{79F6C212-8C26-4207-9F52-473D86771CD1}"/>
+              </a:ext>
+            </a:extLst>
+          </p:cNvPr>
+          <p:cNvSpPr txBox="1"/>
+          <p:nvPr/>
+        </p:nvSpPr>
+        <p:spPr>
+          <a:xfrm>
+            <a:off x="3556470" y="4146795"/>
+            <a:ext cx="493784" cy="307777"/>
+          </a:xfrm>
+          <a:prstGeom prst="rect">
+            <a:avLst/>
+          </a:prstGeom>
+          <a:noFill/>
+        </p:spPr>
+        <p:txBody>
+          <a:bodyPr wrap="square" rtlCol="0">
+            <a:spAutoFit/>
+          </a:bodyPr>
+          <a:lstStyle/>
+          <a:p>
+            <a:pPr algn="ctr"/>
+            <a:r>
+              <a:rPr lang="zh-CN" altLang="en-US" sz="1400" dirty="0">
+                <a:latin typeface="Times New Roman" panose="02020603050405020304" pitchFamily="18" charset="0"/>
+                <a:ea typeface="宋体" panose="02010600030101010101" pitchFamily="2" charset="-122"/>
+              </a:rPr>
+              <a:t>③</a:t>
+            </a:r>
+          </a:p>
+        </p:txBody>
+      </p:sp>
+      <p:sp>
+        <p:nvSpPr>
+          <p:cNvPr id="186" name="文本框 185">
+            <a:extLst>
+              <a:ext uri="{FF2B5EF4-FFF2-40B4-BE49-F238E27FC236}">
+                <a16:creationId xmlns:a16="http://schemas.microsoft.com/office/drawing/2014/main" id="{90DD4C5E-5DC2-4B99-A407-37DFACB22814}"/>
+              </a:ext>
+            </a:extLst>
+          </p:cNvPr>
+          <p:cNvSpPr txBox="1"/>
+          <p:nvPr/>
+        </p:nvSpPr>
+        <p:spPr>
+          <a:xfrm>
+            <a:off x="2672972" y="2815247"/>
+            <a:ext cx="493784" cy="307777"/>
+          </a:xfrm>
+          <a:prstGeom prst="rect">
+            <a:avLst/>
+          </a:prstGeom>
+          <a:noFill/>
+        </p:spPr>
+        <p:txBody>
+          <a:bodyPr wrap="square" rtlCol="0">
+            <a:spAutoFit/>
+          </a:bodyPr>
+          <a:lstStyle/>
+          <a:p>
+            <a:pPr algn="ctr"/>
+            <a:r>
+              <a:rPr lang="zh-CN" altLang="en-US" sz="1400" dirty="0">
+                <a:latin typeface="Times New Roman" panose="02020603050405020304" pitchFamily="18" charset="0"/>
+                <a:ea typeface="宋体" panose="02010600030101010101" pitchFamily="2" charset="-122"/>
+              </a:rPr>
+              <a:t>③</a:t>
+            </a:r>
+          </a:p>
+        </p:txBody>
+      </p:sp>
+      <p:sp>
+        <p:nvSpPr>
+          <p:cNvPr id="187" name="文本框 186">
+            <a:extLst>
+              <a:ext uri="{FF2B5EF4-FFF2-40B4-BE49-F238E27FC236}">
+                <a16:creationId xmlns:a16="http://schemas.microsoft.com/office/drawing/2014/main" id="{8711FA3A-2491-4BFC-B26A-6F08E91DA570}"/>
+              </a:ext>
+            </a:extLst>
+          </p:cNvPr>
+          <p:cNvSpPr txBox="1"/>
+          <p:nvPr/>
+        </p:nvSpPr>
+        <p:spPr>
+          <a:xfrm>
+            <a:off x="2876766" y="3334397"/>
+            <a:ext cx="493784" cy="307777"/>
+          </a:xfrm>
+          <a:prstGeom prst="rect">
+            <a:avLst/>
+          </a:prstGeom>
+          <a:noFill/>
+        </p:spPr>
+        <p:txBody>
+          <a:bodyPr wrap="square" rtlCol="0">
+            <a:spAutoFit/>
+          </a:bodyPr>
+          <a:lstStyle/>
+          <a:p>
+            <a:pPr algn="ctr"/>
+            <a:r>
+              <a:rPr lang="zh-CN" altLang="en-US" sz="1400" dirty="0">
+                <a:latin typeface="Times New Roman" panose="02020603050405020304" pitchFamily="18" charset="0"/>
+                <a:ea typeface="宋体" panose="02010600030101010101" pitchFamily="2" charset="-122"/>
+              </a:rPr>
+              <a:t>③</a:t>
+            </a:r>
+          </a:p>
+        </p:txBody>
+      </p:sp>
+      <p:sp>
+        <p:nvSpPr>
+          <p:cNvPr id="188" name="文本框 187">
+            <a:extLst>
+              <a:ext uri="{FF2B5EF4-FFF2-40B4-BE49-F238E27FC236}">
+                <a16:creationId xmlns:a16="http://schemas.microsoft.com/office/drawing/2014/main" id="{B6FFD2EA-5A98-4FEE-AB2B-C0D778F9F203}"/>
+              </a:ext>
+            </a:extLst>
+          </p:cNvPr>
+          <p:cNvSpPr txBox="1"/>
+          <p:nvPr/>
+        </p:nvSpPr>
+        <p:spPr>
+          <a:xfrm>
+            <a:off x="3741743" y="3334396"/>
+            <a:ext cx="493784" cy="307777"/>
+          </a:xfrm>
+          <a:prstGeom prst="rect">
+            <a:avLst/>
+          </a:prstGeom>
+          <a:noFill/>
+        </p:spPr>
+        <p:txBody>
+          <a:bodyPr wrap="square" rtlCol="0">
+            <a:spAutoFit/>
+          </a:bodyPr>
+          <a:lstStyle/>
+          <a:p>
+            <a:pPr algn="ctr"/>
+            <a:r>
+              <a:rPr lang="zh-CN" altLang="en-US" sz="1400" dirty="0">
+                <a:latin typeface="Times New Roman" panose="02020603050405020304" pitchFamily="18" charset="0"/>
+                <a:ea typeface="宋体" panose="02010600030101010101" pitchFamily="2" charset="-122"/>
+              </a:rPr>
+              <a:t>③</a:t>
+            </a:r>
+          </a:p>
+        </p:txBody>
+      </p:sp>
+      <p:sp>
+        <p:nvSpPr>
+          <p:cNvPr id="189" name="文本框 188">
+            <a:extLst>
+              <a:ext uri="{FF2B5EF4-FFF2-40B4-BE49-F238E27FC236}">
+                <a16:creationId xmlns:a16="http://schemas.microsoft.com/office/drawing/2014/main" id="{95D3DE6D-BC74-4E56-A51A-F0A4C40F761B}"/>
+              </a:ext>
+            </a:extLst>
+          </p:cNvPr>
+          <p:cNvSpPr txBox="1"/>
+          <p:nvPr/>
+        </p:nvSpPr>
+        <p:spPr>
+          <a:xfrm>
+            <a:off x="2394939" y="2350175"/>
+            <a:ext cx="493784" cy="307777"/>
+          </a:xfrm>
+          <a:prstGeom prst="rect">
+            <a:avLst/>
+          </a:prstGeom>
+          <a:noFill/>
+        </p:spPr>
+        <p:txBody>
+          <a:bodyPr wrap="square" rtlCol="0">
+            <a:spAutoFit/>
+          </a:bodyPr>
+          <a:lstStyle/>
+          <a:p>
+            <a:pPr algn="ctr"/>
+            <a:r>
+              <a:rPr lang="zh-CN" altLang="en-US" sz="1400" dirty="0">
+                <a:latin typeface="Times New Roman" panose="02020603050405020304" pitchFamily="18" charset="0"/>
+                <a:ea typeface="宋体" panose="02010600030101010101" pitchFamily="2" charset="-122"/>
+              </a:rPr>
+              <a:t>②</a:t>
+            </a:r>
+          </a:p>
+        </p:txBody>
+      </p:sp>
+      <p:sp>
+        <p:nvSpPr>
+          <p:cNvPr id="190" name="文本框 189">
+            <a:extLst>
+              <a:ext uri="{FF2B5EF4-FFF2-40B4-BE49-F238E27FC236}">
+                <a16:creationId xmlns:a16="http://schemas.microsoft.com/office/drawing/2014/main" id="{46D33D62-1B8B-4B73-9756-C55EB11307D9}"/>
+              </a:ext>
+            </a:extLst>
+          </p:cNvPr>
+          <p:cNvSpPr txBox="1"/>
+          <p:nvPr/>
+        </p:nvSpPr>
+        <p:spPr>
+          <a:xfrm>
+            <a:off x="5044001" y="2326980"/>
+            <a:ext cx="493784" cy="307777"/>
+          </a:xfrm>
+          <a:prstGeom prst="rect">
+            <a:avLst/>
+          </a:prstGeom>
+          <a:noFill/>
+        </p:spPr>
+        <p:txBody>
+          <a:bodyPr wrap="square" rtlCol="0">
+            <a:spAutoFit/>
+          </a:bodyPr>
+          <a:lstStyle/>
+          <a:p>
+            <a:pPr algn="ctr"/>
+            <a:r>
+              <a:rPr lang="zh-CN" altLang="en-US" sz="1400" dirty="0">
+                <a:latin typeface="Times New Roman" panose="02020603050405020304" pitchFamily="18" charset="0"/>
+                <a:ea typeface="宋体" panose="02010600030101010101" pitchFamily="2" charset="-122"/>
+              </a:rPr>
+              <a:t>②</a:t>
+            </a:r>
+          </a:p>
+        </p:txBody>
+      </p:sp>
+    </p:spTree>
+    <p:extLst>
+      <p:ext uri="{BB962C8B-B14F-4D97-AF65-F5344CB8AC3E}">
+        <p14:creationId xmlns:p14="http://schemas.microsoft.com/office/powerpoint/2010/main" val="1063387564"/>
       </p:ext>
     </p:extLst>
   </p:cSld>
